--- a/memo.pptx
+++ b/memo.pptx
@@ -8,8 +8,8 @@
     <p:notesMasterId r:id="rId4"/>
   </p:notesMasterIdLst>
   <p:sldIdLst>
-    <p:sldId id="256" r:id="rId2"/>
-    <p:sldId id="257" r:id="rId3"/>
+    <p:sldId id="257" r:id="rId2"/>
+    <p:sldId id="258" r:id="rId3"/>
   </p:sldIdLst>
   <p:sldSz cx="12192000" cy="6858000"/>
   <p:notesSz cx="6858000" cy="9144000"/>
@@ -114,14 +114,6 @@
     </p:ext>
   </p:extLst>
 </p:presentation>
-</file>
-
-<file path=ppt/revisionInfo.xml><?xml version="1.0" encoding="utf-8"?>
-<p1510:revInfo xmlns:a="http://schemas.openxmlformats.org/drawingml/2006/main" xmlns:r="http://schemas.openxmlformats.org/officeDocument/2006/relationships" xmlns:p1510="http://schemas.microsoft.com/office/powerpoint/2015/10/main">
-  <p1510:revLst>
-    <p1510:client id="{EF1C0421-524F-4D34-ADB9-CE3E7E078A65}" v="485" dt="2022-12-02T17:02:37.943"/>
-  </p1510:revLst>
-</p1510:revInfo>
 </file>
 
 <file path=ppt/notesMasters/notesMaster1.xml><?xml version="1.0" encoding="utf-8"?>
@@ -538,7 +530,7 @@
           <a:p>
             <a:fld id="{F5C2B940-AEEC-CC41-A09A-F2DDC7CCAC30}" type="slidenum">
               <a:rPr lang="en-US" smtClean="0"/>
-              <a:t>2</a:t>
+              <a:t>1</a:t>
             </a:fld>
             <a:endParaRPr lang="en-US"/>
           </a:p>
@@ -4251,115 +4243,6 @@
           <a:chExt cx="0" cy="0"/>
         </a:xfrm>
       </p:grpSpPr>
-      <p:sp>
-        <p:nvSpPr>
-          <p:cNvPr id="2" name="Title 1">
-            <a:extLst>
-              <a:ext uri="{FF2B5EF4-FFF2-40B4-BE49-F238E27FC236}">
-                <a16:creationId xmlns:a16="http://schemas.microsoft.com/office/drawing/2014/main" id="{7B474532-7D40-E185-7C03-FB16CEA89356}"/>
-              </a:ext>
-            </a:extLst>
-          </p:cNvPr>
-          <p:cNvSpPr>
-            <a:spLocks noGrp="1"/>
-          </p:cNvSpPr>
-          <p:nvPr>
-            <p:ph type="ctrTitle"/>
-          </p:nvPr>
-        </p:nvSpPr>
-        <p:spPr/>
-        <p:txBody>
-          <a:bodyPr/>
-          <a:lstStyle/>
-          <a:p>
-            <a:endParaRPr lang="en-US"/>
-          </a:p>
-        </p:txBody>
-      </p:sp>
-      <p:sp>
-        <p:nvSpPr>
-          <p:cNvPr id="3" name="Subtitle 2">
-            <a:extLst>
-              <a:ext uri="{FF2B5EF4-FFF2-40B4-BE49-F238E27FC236}">
-                <a16:creationId xmlns:a16="http://schemas.microsoft.com/office/drawing/2014/main" id="{7FDE080B-CB73-DBC9-3B30-9990289A5CED}"/>
-              </a:ext>
-            </a:extLst>
-          </p:cNvPr>
-          <p:cNvSpPr>
-            <a:spLocks noGrp="1"/>
-          </p:cNvSpPr>
-          <p:nvPr>
-            <p:ph type="subTitle" idx="1"/>
-          </p:nvPr>
-        </p:nvSpPr>
-        <p:spPr/>
-        <p:txBody>
-          <a:bodyPr/>
-          <a:lstStyle/>
-          <a:p>
-            <a:endParaRPr lang="en-US"/>
-          </a:p>
-        </p:txBody>
-      </p:sp>
-      <p:sp>
-        <p:nvSpPr>
-          <p:cNvPr id="4" name="Slide Number Placeholder 3">
-            <a:extLst>
-              <a:ext uri="{FF2B5EF4-FFF2-40B4-BE49-F238E27FC236}">
-                <a16:creationId xmlns:a16="http://schemas.microsoft.com/office/drawing/2014/main" id="{A3EABC5E-8ABB-A541-75FA-9A2BA7DC9A8C}"/>
-              </a:ext>
-            </a:extLst>
-          </p:cNvPr>
-          <p:cNvSpPr>
-            <a:spLocks noGrp="1"/>
-          </p:cNvSpPr>
-          <p:nvPr>
-            <p:ph type="sldNum" sz="quarter" idx="12"/>
-          </p:nvPr>
-        </p:nvSpPr>
-        <p:spPr/>
-        <p:txBody>
-          <a:bodyPr/>
-          <a:lstStyle/>
-          <a:p>
-            <a:fld id="{B9982081-D51A-40C8-8A41-6498517A0DD4}" type="slidenum">
-              <a:rPr lang="en-US" smtClean="0"/>
-              <a:t>1</a:t>
-            </a:fld>
-            <a:endParaRPr lang="en-US"/>
-          </a:p>
-        </p:txBody>
-      </p:sp>
-    </p:spTree>
-    <p:extLst>
-      <p:ext uri="{BB962C8B-B14F-4D97-AF65-F5344CB8AC3E}">
-        <p14:creationId xmlns:p14="http://schemas.microsoft.com/office/powerpoint/2010/main" val="1565768309"/>
-      </p:ext>
-    </p:extLst>
-  </p:cSld>
-  <p:clrMapOvr>
-    <a:masterClrMapping/>
-  </p:clrMapOvr>
-</p:sld>
-</file>
-
-<file path=ppt/slides/slide2.xml><?xml version="1.0" encoding="utf-8"?>
-<p:sld xmlns:a="http://schemas.openxmlformats.org/drawingml/2006/main" xmlns:r="http://schemas.openxmlformats.org/officeDocument/2006/relationships" xmlns:p="http://schemas.openxmlformats.org/presentationml/2006/main">
-  <p:cSld>
-    <p:spTree>
-      <p:nvGrpSpPr>
-        <p:cNvPr id="1" name=""/>
-        <p:cNvGrpSpPr/>
-        <p:nvPr/>
-      </p:nvGrpSpPr>
-      <p:grpSpPr>
-        <a:xfrm>
-          <a:off x="0" y="0"/>
-          <a:ext cx="0" cy="0"/>
-          <a:chOff x="0" y="0"/>
-          <a:chExt cx="0" cy="0"/>
-        </a:xfrm>
-      </p:grpSpPr>
       <p:grpSp>
         <p:nvGrpSpPr>
           <p:cNvPr id="15" name="Group 14">
@@ -4487,7 +4370,7 @@
             </p:nvSpPr>
             <p:spPr>
               <a:xfrm>
-                <a:off x="554845" y="5171496"/>
+                <a:off x="155453" y="4361044"/>
                 <a:ext cx="2937599" cy="369332"/>
               </a:xfrm>
               <a:prstGeom prst="rect">
@@ -4641,7 +4524,7 @@
             </p:nvSpPr>
             <p:spPr>
               <a:xfrm>
-                <a:off x="554845" y="5171496"/>
+                <a:off x="155453" y="4361044"/>
                 <a:ext cx="2937599" cy="369332"/>
               </a:xfrm>
               <a:prstGeom prst="rect">
@@ -4685,7 +4568,7 @@
             </p:nvSpPr>
             <p:spPr>
               <a:xfrm>
-                <a:off x="737170" y="5540828"/>
+                <a:off x="155453" y="5166522"/>
                 <a:ext cx="2572948" cy="369332"/>
               </a:xfrm>
               <a:prstGeom prst="rect">
@@ -4810,7 +4693,7 @@
             </p:nvSpPr>
             <p:spPr>
               <a:xfrm>
-                <a:off x="737170" y="5540828"/>
+                <a:off x="155453" y="5166522"/>
                 <a:ext cx="2572948" cy="369332"/>
               </a:xfrm>
               <a:prstGeom prst="rect">
@@ -4819,7 +4702,7 @@
               <a:blipFill>
                 <a:blip r:embed="rId7"/>
                 <a:stretch>
-                  <a:fillRect b="-13333"/>
+                  <a:fillRect b="-17241"/>
                 </a:stretch>
               </a:blipFill>
             </p:spPr>
@@ -4838,10 +4721,360 @@
           </p:sp>
         </mc:Fallback>
       </mc:AlternateContent>
+      <p:sp>
+        <p:nvSpPr>
+          <p:cNvPr id="3" name="Title 2">
+            <a:extLst>
+              <a:ext uri="{FF2B5EF4-FFF2-40B4-BE49-F238E27FC236}">
+                <a16:creationId xmlns:a16="http://schemas.microsoft.com/office/drawing/2014/main" id="{ACEF141C-0841-6FF1-F298-B2410B535613}"/>
+              </a:ext>
+            </a:extLst>
+          </p:cNvPr>
+          <p:cNvSpPr>
+            <a:spLocks noGrp="1"/>
+          </p:cNvSpPr>
+          <p:nvPr>
+            <p:ph type="title"/>
+          </p:nvPr>
+        </p:nvSpPr>
+        <p:spPr/>
+        <p:txBody>
+          <a:bodyPr/>
+          <a:lstStyle/>
+          <a:p>
+            <a:r>
+              <a:rPr lang="en-US" dirty="0"/>
+              <a:t>Input Parameters</a:t>
+            </a:r>
+          </a:p>
+        </p:txBody>
+      </p:sp>
+      <p:sp>
+        <p:nvSpPr>
+          <p:cNvPr id="4" name="TextBox 3">
+            <a:extLst>
+              <a:ext uri="{FF2B5EF4-FFF2-40B4-BE49-F238E27FC236}">
+                <a16:creationId xmlns:a16="http://schemas.microsoft.com/office/drawing/2014/main" id="{2261289E-D5DA-619B-CA7E-884384736713}"/>
+              </a:ext>
+            </a:extLst>
+          </p:cNvPr>
+          <p:cNvSpPr txBox="1"/>
+          <p:nvPr/>
+        </p:nvSpPr>
+        <p:spPr>
+          <a:xfrm>
+            <a:off x="330069" y="4763783"/>
+            <a:ext cx="779572" cy="369332"/>
+          </a:xfrm>
+          <a:prstGeom prst="rect">
+            <a:avLst/>
+          </a:prstGeom>
+          <a:noFill/>
+        </p:spPr>
+        <p:txBody>
+          <a:bodyPr wrap="none" rtlCol="0">
+            <a:spAutoFit/>
+          </a:bodyPr>
+          <a:lstStyle/>
+          <a:p>
+            <a:r>
+              <a:rPr lang="en-US" dirty="0"/>
+              <a:t>where</a:t>
+            </a:r>
+          </a:p>
+        </p:txBody>
+      </p:sp>
+      <p:sp>
+        <p:nvSpPr>
+          <p:cNvPr id="7" name="TextBox 6">
+            <a:extLst>
+              <a:ext uri="{FF2B5EF4-FFF2-40B4-BE49-F238E27FC236}">
+                <a16:creationId xmlns:a16="http://schemas.microsoft.com/office/drawing/2014/main" id="{1BC8FF01-F482-AE89-9724-8665C9177A0D}"/>
+              </a:ext>
+            </a:extLst>
+          </p:cNvPr>
+          <p:cNvSpPr txBox="1"/>
+          <p:nvPr/>
+        </p:nvSpPr>
+        <p:spPr>
+          <a:xfrm>
+            <a:off x="9238593" y="4545710"/>
+            <a:ext cx="2228880" cy="369332"/>
+          </a:xfrm>
+          <a:prstGeom prst="rect">
+            <a:avLst/>
+          </a:prstGeom>
+          <a:noFill/>
+        </p:spPr>
+        <p:txBody>
+          <a:bodyPr wrap="none" rtlCol="0">
+            <a:spAutoFit/>
+          </a:bodyPr>
+          <a:lstStyle/>
+          <a:p>
+            <a:r>
+              <a:rPr lang="en-US" dirty="0"/>
+              <a:t>GVD for ER 110 4/125</a:t>
+            </a:r>
+          </a:p>
+        </p:txBody>
+      </p:sp>
     </p:spTree>
     <p:extLst>
       <p:ext uri="{BB962C8B-B14F-4D97-AF65-F5344CB8AC3E}">
         <p14:creationId xmlns:p14="http://schemas.microsoft.com/office/powerpoint/2010/main" val="2670367059"/>
+      </p:ext>
+    </p:extLst>
+  </p:cSld>
+  <p:clrMapOvr>
+    <a:masterClrMapping/>
+  </p:clrMapOvr>
+</p:sld>
+</file>
+
+<file path=ppt/slides/slide2.xml><?xml version="1.0" encoding="utf-8"?>
+<p:sld xmlns:a="http://schemas.openxmlformats.org/drawingml/2006/main" xmlns:r="http://schemas.openxmlformats.org/officeDocument/2006/relationships" xmlns:p="http://schemas.openxmlformats.org/presentationml/2006/main">
+  <p:cSld>
+    <p:spTree>
+      <p:nvGrpSpPr>
+        <p:cNvPr id="1" name=""/>
+        <p:cNvGrpSpPr/>
+        <p:nvPr/>
+      </p:nvGrpSpPr>
+      <p:grpSpPr>
+        <a:xfrm>
+          <a:off x="0" y="0"/>
+          <a:ext cx="0" cy="0"/>
+          <a:chOff x="0" y="0"/>
+          <a:chExt cx="0" cy="0"/>
+        </a:xfrm>
+      </p:grpSpPr>
+      <mc:AlternateContent xmlns:mc="http://schemas.openxmlformats.org/markup-compatibility/2006">
+        <mc:Choice xmlns:a14="http://schemas.microsoft.com/office/drawing/2010/main" Requires="a14">
+          <p:sp>
+            <p:nvSpPr>
+              <p:cNvPr id="2" name="Title 1">
+                <a:extLst>
+                  <a:ext uri="{FF2B5EF4-FFF2-40B4-BE49-F238E27FC236}">
+                    <a16:creationId xmlns:a16="http://schemas.microsoft.com/office/drawing/2014/main" id="{37B87062-235E-A840-D0E8-FEFA6CFA6C69}"/>
+                  </a:ext>
+                </a:extLst>
+              </p:cNvPr>
+              <p:cNvSpPr>
+                <a:spLocks noGrp="1"/>
+              </p:cNvSpPr>
+              <p:nvPr>
+                <p:ph type="title"/>
+              </p:nvPr>
+            </p:nvSpPr>
+            <p:spPr/>
+            <p:txBody>
+              <a:bodyPr>
+                <a:normAutofit/>
+              </a:bodyPr>
+              <a:lstStyle/>
+              <a:p>
+                <a:r>
+                  <a:rPr lang="en-US" dirty="0"/>
+                  <a:t>Simulation for no change in gain along </a:t>
+                </a:r>
+                <a14:m>
+                  <m:oMath xmlns:m="http://schemas.openxmlformats.org/officeDocument/2006/math">
+                    <m:r>
+                      <a:rPr lang="en-US" b="0" i="1" smtClean="0">
+                        <a:latin typeface="Cambria Math" panose="02040503050406030204" pitchFamily="18" charset="0"/>
+                      </a:rPr>
+                      <m:t>𝑧</m:t>
+                    </m:r>
+                  </m:oMath>
+                </a14:m>
+                <a:endParaRPr lang="en-US" dirty="0"/>
+              </a:p>
+            </p:txBody>
+          </p:sp>
+        </mc:Choice>
+        <mc:Fallback>
+          <p:sp>
+            <p:nvSpPr>
+              <p:cNvPr id="2" name="Title 1">
+                <a:extLst>
+                  <a:ext uri="{FF2B5EF4-FFF2-40B4-BE49-F238E27FC236}">
+                    <a16:creationId xmlns:a16="http://schemas.microsoft.com/office/drawing/2014/main" id="{37B87062-235E-A840-D0E8-FEFA6CFA6C69}"/>
+                  </a:ext>
+                </a:extLst>
+              </p:cNvPr>
+              <p:cNvSpPr>
+                <a:spLocks noGrp="1" noRot="1" noChangeAspect="1" noMove="1" noResize="1" noEditPoints="1" noAdjustHandles="1" noChangeArrowheads="1" noChangeShapeType="1" noTextEdit="1"/>
+              </p:cNvSpPr>
+              <p:nvPr>
+                <p:ph type="title"/>
+              </p:nvPr>
+            </p:nvSpPr>
+            <p:spPr>
+              <a:blipFill>
+                <a:blip r:embed="rId2"/>
+                <a:stretch>
+                  <a:fillRect l="-2413" t="-11268" b="-22535"/>
+                </a:stretch>
+              </a:blipFill>
+            </p:spPr>
+            <p:txBody>
+              <a:bodyPr/>
+              <a:lstStyle/>
+              <a:p>
+                <a:r>
+                  <a:rPr lang="en-US">
+                    <a:noFill/>
+                  </a:rPr>
+                  <a:t> </a:t>
+                </a:r>
+              </a:p>
+            </p:txBody>
+          </p:sp>
+        </mc:Fallback>
+      </mc:AlternateContent>
+      <p:sp>
+        <p:nvSpPr>
+          <p:cNvPr id="3" name="Slide Number Placeholder 2">
+            <a:extLst>
+              <a:ext uri="{FF2B5EF4-FFF2-40B4-BE49-F238E27FC236}">
+                <a16:creationId xmlns:a16="http://schemas.microsoft.com/office/drawing/2014/main" id="{37A36D0D-6B2E-68F1-822D-830A51A41C88}"/>
+              </a:ext>
+            </a:extLst>
+          </p:cNvPr>
+          <p:cNvSpPr>
+            <a:spLocks noGrp="1"/>
+          </p:cNvSpPr>
+          <p:nvPr>
+            <p:ph type="sldNum" sz="quarter" idx="12"/>
+          </p:nvPr>
+        </p:nvSpPr>
+        <p:spPr/>
+        <p:txBody>
+          <a:bodyPr/>
+          <a:lstStyle/>
+          <a:p>
+            <a:fld id="{B9982081-D51A-40C8-8A41-6498517A0DD4}" type="slidenum">
+              <a:rPr lang="en-US" smtClean="0"/>
+              <a:t>2</a:t>
+            </a:fld>
+            <a:endParaRPr lang="en-US"/>
+          </a:p>
+        </p:txBody>
+      </p:sp>
+      <p:pic>
+        <p:nvPicPr>
+          <p:cNvPr id="4" name="Picture 3">
+            <a:extLst>
+              <a:ext uri="{FF2B5EF4-FFF2-40B4-BE49-F238E27FC236}">
+                <a16:creationId xmlns:a16="http://schemas.microsoft.com/office/drawing/2014/main" id="{D522BCA7-9FB7-504F-CF12-4C68FEC2FA29}"/>
+              </a:ext>
+            </a:extLst>
+          </p:cNvPr>
+          <p:cNvPicPr>
+            <a:picLocks noChangeAspect="1"/>
+          </p:cNvPicPr>
+          <p:nvPr/>
+        </p:nvPicPr>
+        <p:blipFill>
+          <a:blip r:embed="rId3"/>
+          <a:stretch>
+            <a:fillRect/>
+          </a:stretch>
+        </p:blipFill>
+        <p:spPr>
+          <a:xfrm>
+            <a:off x="7725103" y="1152768"/>
+            <a:ext cx="4466897" cy="3350173"/>
+          </a:xfrm>
+          <a:prstGeom prst="rect">
+            <a:avLst/>
+          </a:prstGeom>
+        </p:spPr>
+      </p:pic>
+      <p:pic>
+        <p:nvPicPr>
+          <p:cNvPr id="5" name="Picture 4">
+            <a:extLst>
+              <a:ext uri="{FF2B5EF4-FFF2-40B4-BE49-F238E27FC236}">
+                <a16:creationId xmlns:a16="http://schemas.microsoft.com/office/drawing/2014/main" id="{44228C56-856C-1338-39C3-78DE1124D208}"/>
+              </a:ext>
+            </a:extLst>
+          </p:cNvPr>
+          <p:cNvPicPr>
+            <a:picLocks noChangeAspect="1"/>
+          </p:cNvPicPr>
+          <p:nvPr/>
+        </p:nvPicPr>
+        <p:blipFill>
+          <a:blip r:embed="rId4"/>
+          <a:stretch>
+            <a:fillRect/>
+          </a:stretch>
+        </p:blipFill>
+        <p:spPr>
+          <a:xfrm>
+            <a:off x="0" y="1483057"/>
+            <a:ext cx="7503209" cy="3014682"/>
+          </a:xfrm>
+          <a:prstGeom prst="rect">
+            <a:avLst/>
+          </a:prstGeom>
+        </p:spPr>
+      </p:pic>
+      <p:sp>
+        <p:nvSpPr>
+          <p:cNvPr id="6" name="TextBox 5">
+            <a:extLst>
+              <a:ext uri="{FF2B5EF4-FFF2-40B4-BE49-F238E27FC236}">
+                <a16:creationId xmlns:a16="http://schemas.microsoft.com/office/drawing/2014/main" id="{8F11BDB7-C1A7-F128-E8F3-5684614BEF71}"/>
+              </a:ext>
+            </a:extLst>
+          </p:cNvPr>
+          <p:cNvSpPr txBox="1"/>
+          <p:nvPr/>
+        </p:nvSpPr>
+        <p:spPr>
+          <a:xfrm>
+            <a:off x="7921520" y="4829481"/>
+            <a:ext cx="3335059" cy="1200329"/>
+          </a:xfrm>
+          <a:prstGeom prst="rect">
+            <a:avLst/>
+          </a:prstGeom>
+          <a:noFill/>
+        </p:spPr>
+        <p:txBody>
+          <a:bodyPr wrap="square" rtlCol="0">
+            <a:spAutoFit/>
+          </a:bodyPr>
+          <a:lstStyle/>
+          <a:p>
+            <a:pPr marL="285750" indent="-285750">
+              <a:buFont typeface="Arial" panose="020B0604020202020204" pitchFamily="34" charset="0"/>
+              <a:buChar char="•"/>
+            </a:pPr>
+            <a:r>
+              <a:rPr lang="en-US" dirty="0"/>
+              <a:t>Using a peak gain of 5 / m </a:t>
+            </a:r>
+          </a:p>
+          <a:p>
+            <a:pPr marL="285750" indent="-285750">
+              <a:buFont typeface="Arial" panose="020B0604020202020204" pitchFamily="34" charset="0"/>
+              <a:buChar char="•"/>
+            </a:pPr>
+            <a:r>
+              <a:rPr lang="en-US" dirty="0"/>
+              <a:t>No pump decay or gain saturation leads to very high power</a:t>
+            </a:r>
+          </a:p>
+        </p:txBody>
+      </p:sp>
+    </p:spTree>
+    <p:extLst>
+      <p:ext uri="{BB962C8B-B14F-4D97-AF65-F5344CB8AC3E}">
+        <p14:creationId xmlns:p14="http://schemas.microsoft.com/office/powerpoint/2010/main" val="583981711"/>
       </p:ext>
     </p:extLst>
   </p:cSld>

--- a/memo.pptx
+++ b/memo.pptx
@@ -5,11 +5,16 @@
     <p:sldMasterId id="2147483648" r:id="rId1"/>
   </p:sldMasterIdLst>
   <p:notesMasterIdLst>
-    <p:notesMasterId r:id="rId4"/>
+    <p:notesMasterId r:id="rId9"/>
   </p:notesMasterIdLst>
   <p:sldIdLst>
     <p:sldId id="257" r:id="rId2"/>
     <p:sldId id="258" r:id="rId3"/>
+    <p:sldId id="263" r:id="rId4"/>
+    <p:sldId id="261" r:id="rId5"/>
+    <p:sldId id="262" r:id="rId6"/>
+    <p:sldId id="259" r:id="rId7"/>
+    <p:sldId id="260" r:id="rId8"/>
   </p:sldIdLst>
   <p:sldSz cx="12192000" cy="6858000"/>
   <p:notesSz cx="6858000" cy="9144000"/>
@@ -4849,6 +4854,66 @@
           <a:chExt cx="0" cy="0"/>
         </a:xfrm>
       </p:grpSpPr>
+      <p:pic>
+        <p:nvPicPr>
+          <p:cNvPr id="10" name="Picture 9">
+            <a:extLst>
+              <a:ext uri="{FF2B5EF4-FFF2-40B4-BE49-F238E27FC236}">
+                <a16:creationId xmlns:a16="http://schemas.microsoft.com/office/drawing/2014/main" id="{232B0110-65E7-CFED-D1FB-76FD9AF73B42}"/>
+              </a:ext>
+            </a:extLst>
+          </p:cNvPr>
+          <p:cNvPicPr>
+            <a:picLocks noChangeAspect="1"/>
+          </p:cNvPicPr>
+          <p:nvPr/>
+        </p:nvPicPr>
+        <p:blipFill>
+          <a:blip r:embed="rId2"/>
+          <a:stretch>
+            <a:fillRect/>
+          </a:stretch>
+        </p:blipFill>
+        <p:spPr>
+          <a:xfrm>
+            <a:off x="52551" y="1504077"/>
+            <a:ext cx="7503209" cy="3014682"/>
+          </a:xfrm>
+          <a:prstGeom prst="rect">
+            <a:avLst/>
+          </a:prstGeom>
+        </p:spPr>
+      </p:pic>
+      <p:pic>
+        <p:nvPicPr>
+          <p:cNvPr id="9" name="Picture 8">
+            <a:extLst>
+              <a:ext uri="{FF2B5EF4-FFF2-40B4-BE49-F238E27FC236}">
+                <a16:creationId xmlns:a16="http://schemas.microsoft.com/office/drawing/2014/main" id="{5CC9CE3A-92C5-23CB-8AA2-51FD741B0F00}"/>
+              </a:ext>
+            </a:extLst>
+          </p:cNvPr>
+          <p:cNvPicPr>
+            <a:picLocks noChangeAspect="1"/>
+          </p:cNvPicPr>
+          <p:nvPr/>
+        </p:nvPicPr>
+        <p:blipFill>
+          <a:blip r:embed="rId3"/>
+          <a:stretch>
+            <a:fillRect/>
+          </a:stretch>
+        </p:blipFill>
+        <p:spPr>
+          <a:xfrm>
+            <a:off x="7769771" y="1179096"/>
+            <a:ext cx="4466897" cy="3350173"/>
+          </a:xfrm>
+          <a:prstGeom prst="rect">
+            <a:avLst/>
+          </a:prstGeom>
+        </p:spPr>
+      </p:pic>
       <mc:AlternateContent xmlns:mc="http://schemas.openxmlformats.org/markup-compatibility/2006">
         <mc:Choice xmlns:a14="http://schemas.microsoft.com/office/drawing/2010/main" Requires="a14">
           <p:sp>
@@ -4912,7 +4977,7 @@
             </p:nvSpPr>
             <p:spPr>
               <a:blipFill>
-                <a:blip r:embed="rId2"/>
+                <a:blip r:embed="rId4"/>
                 <a:stretch>
                   <a:fillRect l="-2413" t="-11268" b="-22535"/>
                 </a:stretch>
@@ -4958,16 +5023,4985 @@
               <a:rPr lang="en-US" smtClean="0"/>
               <a:t>2</a:t>
             </a:fld>
+            <a:endParaRPr lang="en-US" dirty="0"/>
+          </a:p>
+        </p:txBody>
+      </p:sp>
+      <p:sp>
+        <p:nvSpPr>
+          <p:cNvPr id="6" name="TextBox 5">
+            <a:extLst>
+              <a:ext uri="{FF2B5EF4-FFF2-40B4-BE49-F238E27FC236}">
+                <a16:creationId xmlns:a16="http://schemas.microsoft.com/office/drawing/2014/main" id="{8F11BDB7-C1A7-F128-E8F3-5684614BEF71}"/>
+              </a:ext>
+            </a:extLst>
+          </p:cNvPr>
+          <p:cNvSpPr txBox="1"/>
+          <p:nvPr/>
+        </p:nvSpPr>
+        <p:spPr>
+          <a:xfrm>
+            <a:off x="2603286" y="4842645"/>
+            <a:ext cx="3335059" cy="1477328"/>
+          </a:xfrm>
+          <a:prstGeom prst="rect">
+            <a:avLst/>
+          </a:prstGeom>
+          <a:noFill/>
+        </p:spPr>
+        <p:txBody>
+          <a:bodyPr wrap="square" rtlCol="0">
+            <a:spAutoFit/>
+          </a:bodyPr>
+          <a:lstStyle/>
+          <a:p>
+            <a:pPr marL="285750" indent="-285750">
+              <a:buFont typeface="Arial" panose="020B0604020202020204" pitchFamily="34" charset="0"/>
+              <a:buChar char="•"/>
+            </a:pPr>
+            <a:r>
+              <a:rPr lang="en-US" dirty="0"/>
+              <a:t>Using a gain peak of 110 dB/m at 1530 nm</a:t>
+            </a:r>
+          </a:p>
+          <a:p>
+            <a:pPr marL="285750" indent="-285750">
+              <a:buFont typeface="Arial" panose="020B0604020202020204" pitchFamily="34" charset="0"/>
+              <a:buChar char="•"/>
+            </a:pPr>
+            <a:r>
+              <a:rPr lang="en-US" dirty="0"/>
+              <a:t>No pump decay or gain saturation → fails to capture important features!</a:t>
+            </a:r>
+          </a:p>
+        </p:txBody>
+      </p:sp>
+      <mc:AlternateContent xmlns:mc="http://schemas.openxmlformats.org/markup-compatibility/2006">
+        <mc:Choice xmlns:a14="http://schemas.microsoft.com/office/drawing/2010/main" Requires="a14">
+          <p:sp>
+            <p:nvSpPr>
+              <p:cNvPr id="8" name="TextBox 7">
+                <a:extLst>
+                  <a:ext uri="{FF2B5EF4-FFF2-40B4-BE49-F238E27FC236}">
+                    <a16:creationId xmlns:a16="http://schemas.microsoft.com/office/drawing/2014/main" id="{CF6BB450-4DCC-D3FF-B1A4-12203A8D4217}"/>
+                  </a:ext>
+                </a:extLst>
+              </p:cNvPr>
+              <p:cNvSpPr txBox="1"/>
+              <p:nvPr/>
+            </p:nvSpPr>
+            <p:spPr>
+              <a:xfrm>
+                <a:off x="6253657" y="4842645"/>
+                <a:ext cx="3636579" cy="1200329"/>
+              </a:xfrm>
+              <a:prstGeom prst="rect">
+                <a:avLst/>
+              </a:prstGeom>
+              <a:noFill/>
+            </p:spPr>
+            <p:txBody>
+              <a:bodyPr wrap="square" rtlCol="0">
+                <a:spAutoFit/>
+              </a:bodyPr>
+              <a:lstStyle/>
+              <a:p>
+                <a:r>
+                  <a:rPr lang="en-US" dirty="0">
+                    <a:solidFill>
+                      <a:srgbClr val="FF0000"/>
+                    </a:solidFill>
+                  </a:rPr>
+                  <a:t>Need to Model pump decay and gain saturation. These together with the signal power </a:t>
+                </a:r>
+                <a14:m>
+                  <m:oMath xmlns:m="http://schemas.openxmlformats.org/officeDocument/2006/math">
+                    <m:r>
+                      <a:rPr lang="en-US" b="0" i="1" smtClean="0">
+                        <a:solidFill>
+                          <a:srgbClr val="FF0000"/>
+                        </a:solidFill>
+                        <a:latin typeface="Cambria Math" panose="02040503050406030204" pitchFamily="18" charset="0"/>
+                      </a:rPr>
+                      <m:t>𝑃</m:t>
+                    </m:r>
+                    <m:r>
+                      <a:rPr lang="en-US" b="0" i="1" smtClean="0">
+                        <a:solidFill>
+                          <a:srgbClr val="FF0000"/>
+                        </a:solidFill>
+                        <a:latin typeface="Cambria Math" panose="02040503050406030204" pitchFamily="18" charset="0"/>
+                      </a:rPr>
+                      <m:t>(</m:t>
+                    </m:r>
+                    <m:r>
+                      <a:rPr lang="en-US" b="0" i="1" smtClean="0">
+                        <a:solidFill>
+                          <a:srgbClr val="FF0000"/>
+                        </a:solidFill>
+                        <a:latin typeface="Cambria Math" panose="02040503050406030204" pitchFamily="18" charset="0"/>
+                      </a:rPr>
+                      <m:t>𝜈</m:t>
+                    </m:r>
+                    <m:r>
+                      <a:rPr lang="en-US" b="0" i="1" smtClean="0">
+                        <a:solidFill>
+                          <a:srgbClr val="FF0000"/>
+                        </a:solidFill>
+                        <a:latin typeface="Cambria Math" panose="02040503050406030204" pitchFamily="18" charset="0"/>
+                      </a:rPr>
+                      <m:t>)</m:t>
+                    </m:r>
+                  </m:oMath>
+                </a14:m>
+                <a:r>
+                  <a:rPr lang="en-US" dirty="0">
+                    <a:solidFill>
+                      <a:srgbClr val="FF0000"/>
+                    </a:solidFill>
+                  </a:rPr>
+                  <a:t> are coupled variables.</a:t>
+                </a:r>
+              </a:p>
+            </p:txBody>
+          </p:sp>
+        </mc:Choice>
+        <mc:Fallback>
+          <p:sp>
+            <p:nvSpPr>
+              <p:cNvPr id="8" name="TextBox 7">
+                <a:extLst>
+                  <a:ext uri="{FF2B5EF4-FFF2-40B4-BE49-F238E27FC236}">
+                    <a16:creationId xmlns:a16="http://schemas.microsoft.com/office/drawing/2014/main" id="{CF6BB450-4DCC-D3FF-B1A4-12203A8D4217}"/>
+                  </a:ext>
+                </a:extLst>
+              </p:cNvPr>
+              <p:cNvSpPr txBox="1">
+                <a:spLocks noRot="1" noChangeAspect="1" noMove="1" noResize="1" noEditPoints="1" noAdjustHandles="1" noChangeArrowheads="1" noChangeShapeType="1" noTextEdit="1"/>
+              </p:cNvSpPr>
+              <p:nvPr/>
+            </p:nvSpPr>
+            <p:spPr>
+              <a:xfrm>
+                <a:off x="6253657" y="4842645"/>
+                <a:ext cx="3636579" cy="1200329"/>
+              </a:xfrm>
+              <a:prstGeom prst="rect">
+                <a:avLst/>
+              </a:prstGeom>
+              <a:blipFill>
+                <a:blip r:embed="rId5"/>
+                <a:stretch>
+                  <a:fillRect l="-1394" t="-2105" r="-2091" b="-8421"/>
+                </a:stretch>
+              </a:blipFill>
+            </p:spPr>
+            <p:txBody>
+              <a:bodyPr/>
+              <a:lstStyle/>
+              <a:p>
+                <a:r>
+                  <a:rPr lang="en-US">
+                    <a:noFill/>
+                  </a:rPr>
+                  <a:t> </a:t>
+                </a:r>
+              </a:p>
+            </p:txBody>
+          </p:sp>
+        </mc:Fallback>
+      </mc:AlternateContent>
+    </p:spTree>
+    <p:extLst>
+      <p:ext uri="{BB962C8B-B14F-4D97-AF65-F5344CB8AC3E}">
+        <p14:creationId xmlns:p14="http://schemas.microsoft.com/office/powerpoint/2010/main" val="583981711"/>
+      </p:ext>
+    </p:extLst>
+  </p:cSld>
+  <p:clrMapOvr>
+    <a:masterClrMapping/>
+  </p:clrMapOvr>
+</p:sld>
+</file>
+
+<file path=ppt/slides/slide3.xml><?xml version="1.0" encoding="utf-8"?>
+<p:sld xmlns:a="http://schemas.openxmlformats.org/drawingml/2006/main" xmlns:r="http://schemas.openxmlformats.org/officeDocument/2006/relationships" xmlns:p="http://schemas.openxmlformats.org/presentationml/2006/main">
+  <p:cSld>
+    <p:spTree>
+      <p:nvGrpSpPr>
+        <p:cNvPr id="1" name=""/>
+        <p:cNvGrpSpPr/>
+        <p:nvPr/>
+      </p:nvGrpSpPr>
+      <p:grpSpPr>
+        <a:xfrm>
+          <a:off x="0" y="0"/>
+          <a:ext cx="0" cy="0"/>
+          <a:chOff x="0" y="0"/>
+          <a:chExt cx="0" cy="0"/>
+        </a:xfrm>
+      </p:grpSpPr>
+      <p:sp>
+        <p:nvSpPr>
+          <p:cNvPr id="2" name="Title 1">
+            <a:extLst>
+              <a:ext uri="{FF2B5EF4-FFF2-40B4-BE49-F238E27FC236}">
+                <a16:creationId xmlns:a16="http://schemas.microsoft.com/office/drawing/2014/main" id="{ADEF71BA-DD5D-0DC2-855C-9B44BA42545E}"/>
+              </a:ext>
+            </a:extLst>
+          </p:cNvPr>
+          <p:cNvSpPr>
+            <a:spLocks noGrp="1"/>
+          </p:cNvSpPr>
+          <p:nvPr>
+            <p:ph type="title"/>
+          </p:nvPr>
+        </p:nvSpPr>
+        <p:spPr/>
+        <p:txBody>
+          <a:bodyPr/>
+          <a:lstStyle/>
+          <a:p>
+            <a:endParaRPr lang="en-US"/>
+          </a:p>
+        </p:txBody>
+      </p:sp>
+      <p:sp>
+        <p:nvSpPr>
+          <p:cNvPr id="3" name="Slide Number Placeholder 2">
+            <a:extLst>
+              <a:ext uri="{FF2B5EF4-FFF2-40B4-BE49-F238E27FC236}">
+                <a16:creationId xmlns:a16="http://schemas.microsoft.com/office/drawing/2014/main" id="{98CCE90B-3AC5-C0DA-288A-34E1D1CA1FAE}"/>
+              </a:ext>
+            </a:extLst>
+          </p:cNvPr>
+          <p:cNvSpPr>
+            <a:spLocks noGrp="1"/>
+          </p:cNvSpPr>
+          <p:nvPr>
+            <p:ph type="sldNum" sz="quarter" idx="12"/>
+          </p:nvPr>
+        </p:nvSpPr>
+        <p:spPr/>
+        <p:txBody>
+          <a:bodyPr/>
+          <a:lstStyle/>
+          <a:p>
+            <a:fld id="{B9982081-D51A-40C8-8A41-6498517A0DD4}" type="slidenum">
+              <a:rPr lang="en-US" smtClean="0"/>
+              <a:t>3</a:t>
+            </a:fld>
             <a:endParaRPr lang="en-US"/>
           </a:p>
         </p:txBody>
       </p:sp>
       <p:pic>
         <p:nvPicPr>
-          <p:cNvPr id="4" name="Picture 3">
+          <p:cNvPr id="5" name="Picture 4" descr="A red arrow pointing down and blue text on a black background&#10;&#10;Description automatically generated">
             <a:extLst>
               <a:ext uri="{FF2B5EF4-FFF2-40B4-BE49-F238E27FC236}">
-                <a16:creationId xmlns:a16="http://schemas.microsoft.com/office/drawing/2014/main" id="{D522BCA7-9FB7-504F-CF12-4C68FEC2FA29}"/>
+                <a16:creationId xmlns:a16="http://schemas.microsoft.com/office/drawing/2014/main" id="{CAF55A47-A853-BEDB-BD58-8CEF2141429D}"/>
+              </a:ext>
+            </a:extLst>
+          </p:cNvPr>
+          <p:cNvPicPr>
+            <a:picLocks noChangeAspect="1"/>
+          </p:cNvPicPr>
+          <p:nvPr/>
+        </p:nvPicPr>
+        <p:blipFill>
+          <a:blip r:embed="rId2">
+            <a:extLst>
+              <a:ext uri="{28A0092B-C50C-407E-A947-70E740481C1C}">
+                <a14:useLocalDpi xmlns:a14="http://schemas.microsoft.com/office/drawing/2010/main" val="0"/>
+              </a:ext>
+            </a:extLst>
+          </a:blip>
+          <a:stretch>
+            <a:fillRect/>
+          </a:stretch>
+        </p:blipFill>
+        <p:spPr>
+          <a:xfrm>
+            <a:off x="1211326" y="1313687"/>
+            <a:ext cx="3296666" cy="4611287"/>
+          </a:xfrm>
+          <a:prstGeom prst="rect">
+            <a:avLst/>
+          </a:prstGeom>
+        </p:spPr>
+      </p:pic>
+      <mc:AlternateContent xmlns:mc="http://schemas.openxmlformats.org/markup-compatibility/2006">
+        <mc:Choice xmlns:a14="http://schemas.microsoft.com/office/drawing/2010/main" Requires="a14">
+          <p:sp>
+            <p:nvSpPr>
+              <p:cNvPr id="6" name="TextBox 5">
+                <a:extLst>
+                  <a:ext uri="{FF2B5EF4-FFF2-40B4-BE49-F238E27FC236}">
+                    <a16:creationId xmlns:a16="http://schemas.microsoft.com/office/drawing/2014/main" id="{4A489080-3B47-2384-2B5D-958F1F2856FF}"/>
+                  </a:ext>
+                </a:extLst>
+              </p:cNvPr>
+              <p:cNvSpPr txBox="1"/>
+              <p:nvPr/>
+            </p:nvSpPr>
+            <p:spPr>
+              <a:xfrm>
+                <a:off x="3054096" y="1661637"/>
+                <a:ext cx="2407285" cy="390748"/>
+              </a:xfrm>
+              <a:prstGeom prst="rect">
+                <a:avLst/>
+              </a:prstGeom>
+              <a:noFill/>
+            </p:spPr>
+            <p:txBody>
+              <a:bodyPr wrap="square" rtlCol="0">
+                <a:spAutoFit/>
+              </a:bodyPr>
+              <a:lstStyle/>
+              <a:p>
+                <a14:m>
+                  <m:oMathPara xmlns:m="http://schemas.openxmlformats.org/officeDocument/2006/math">
+                    <m:oMathParaPr>
+                      <m:jc m:val="centerGroup"/>
+                    </m:oMathParaPr>
+                    <m:oMath xmlns:m="http://schemas.openxmlformats.org/officeDocument/2006/math">
+                      <m:sSub>
+                        <m:sSubPr>
+                          <m:ctrlPr>
+                            <a:rPr lang="en-US" b="1" i="1" smtClean="0">
+                              <a:solidFill>
+                                <a:schemeClr val="accent1"/>
+                              </a:solidFill>
+                              <a:latin typeface="Cambria Math" panose="02040503050406030204" pitchFamily="18" charset="0"/>
+                            </a:rPr>
+                          </m:ctrlPr>
+                        </m:sSubPr>
+                        <m:e>
+                          <m:r>
+                            <a:rPr lang="en-US" b="1" i="1" smtClean="0">
+                              <a:solidFill>
+                                <a:schemeClr val="accent1"/>
+                              </a:solidFill>
+                              <a:latin typeface="Cambria Math" panose="02040503050406030204" pitchFamily="18" charset="0"/>
+                            </a:rPr>
+                            <m:t>𝝉</m:t>
+                          </m:r>
+                        </m:e>
+                        <m:sub>
+                          <m:r>
+                            <a:rPr lang="en-US" b="1" i="1" smtClean="0">
+                              <a:solidFill>
+                                <a:schemeClr val="accent1"/>
+                              </a:solidFill>
+                              <a:latin typeface="Cambria Math" panose="02040503050406030204" pitchFamily="18" charset="0"/>
+                            </a:rPr>
+                            <m:t>𝒑</m:t>
+                          </m:r>
+                        </m:sub>
+                      </m:sSub>
+                      <m:r>
+                        <a:rPr lang="en-US" b="1" i="1" smtClean="0">
+                          <a:solidFill>
+                            <a:schemeClr val="accent1"/>
+                          </a:solidFill>
+                          <a:latin typeface="Cambria Math" panose="02040503050406030204" pitchFamily="18" charset="0"/>
+                        </a:rPr>
+                        <m:t>≪</m:t>
+                      </m:r>
+                      <m:sSub>
+                        <m:sSubPr>
+                          <m:ctrlPr>
+                            <a:rPr lang="en-US" b="1" i="1" smtClean="0">
+                              <a:solidFill>
+                                <a:schemeClr val="accent1"/>
+                              </a:solidFill>
+                              <a:latin typeface="Cambria Math" panose="02040503050406030204" pitchFamily="18" charset="0"/>
+                            </a:rPr>
+                          </m:ctrlPr>
+                        </m:sSubPr>
+                        <m:e>
+                          <m:r>
+                            <a:rPr lang="en-US" b="1" i="1" smtClean="0">
+                              <a:solidFill>
+                                <a:schemeClr val="accent1"/>
+                              </a:solidFill>
+                              <a:latin typeface="Cambria Math" panose="02040503050406030204" pitchFamily="18" charset="0"/>
+                            </a:rPr>
+                            <m:t>𝝉</m:t>
+                          </m:r>
+                        </m:e>
+                        <m:sub>
+                          <m:r>
+                            <a:rPr lang="en-US" b="1" i="1" smtClean="0">
+                              <a:solidFill>
+                                <a:schemeClr val="accent1"/>
+                              </a:solidFill>
+                              <a:latin typeface="Cambria Math" panose="02040503050406030204" pitchFamily="18" charset="0"/>
+                            </a:rPr>
+                            <m:t>𝒎𝒆𝒕𝒂𝒔𝒕𝒂𝒃𝒍𝒆</m:t>
+                          </m:r>
+                        </m:sub>
+                      </m:sSub>
+                    </m:oMath>
+                  </m:oMathPara>
+                </a14:m>
+                <a:endParaRPr lang="en-US" b="1" dirty="0">
+                  <a:solidFill>
+                    <a:schemeClr val="accent1"/>
+                  </a:solidFill>
+                </a:endParaRPr>
+              </a:p>
+            </p:txBody>
+          </p:sp>
+        </mc:Choice>
+        <mc:Fallback>
+          <p:sp>
+            <p:nvSpPr>
+              <p:cNvPr id="6" name="TextBox 5">
+                <a:extLst>
+                  <a:ext uri="{FF2B5EF4-FFF2-40B4-BE49-F238E27FC236}">
+                    <a16:creationId xmlns:a16="http://schemas.microsoft.com/office/drawing/2014/main" id="{4A489080-3B47-2384-2B5D-958F1F2856FF}"/>
+                  </a:ext>
+                </a:extLst>
+              </p:cNvPr>
+              <p:cNvSpPr txBox="1">
+                <a:spLocks noRot="1" noChangeAspect="1" noMove="1" noResize="1" noEditPoints="1" noAdjustHandles="1" noChangeArrowheads="1" noChangeShapeType="1" noTextEdit="1"/>
+              </p:cNvSpPr>
+              <p:nvPr/>
+            </p:nvSpPr>
+            <p:spPr>
+              <a:xfrm>
+                <a:off x="3054096" y="1661637"/>
+                <a:ext cx="2407285" cy="390748"/>
+              </a:xfrm>
+              <a:prstGeom prst="rect">
+                <a:avLst/>
+              </a:prstGeom>
+              <a:blipFill>
+                <a:blip r:embed="rId3"/>
+                <a:stretch>
+                  <a:fillRect b="-3226"/>
+                </a:stretch>
+              </a:blipFill>
+            </p:spPr>
+            <p:txBody>
+              <a:bodyPr/>
+              <a:lstStyle/>
+              <a:p>
+                <a:r>
+                  <a:rPr lang="en-US">
+                    <a:noFill/>
+                  </a:rPr>
+                  <a:t> </a:t>
+                </a:r>
+              </a:p>
+            </p:txBody>
+          </p:sp>
+        </mc:Fallback>
+      </mc:AlternateContent>
+      <mc:AlternateContent xmlns:mc="http://schemas.openxmlformats.org/markup-compatibility/2006">
+        <mc:Choice xmlns:a14="http://schemas.microsoft.com/office/drawing/2010/main" Requires="a14">
+          <p:sp>
+            <p:nvSpPr>
+              <p:cNvPr id="8" name="TextBox 7">
+                <a:extLst>
+                  <a:ext uri="{FF2B5EF4-FFF2-40B4-BE49-F238E27FC236}">
+                    <a16:creationId xmlns:a16="http://schemas.microsoft.com/office/drawing/2014/main" id="{AEEA68EF-D9E2-2D25-16AD-F4431FD27AEC}"/>
+                  </a:ext>
+                </a:extLst>
+              </p:cNvPr>
+              <p:cNvSpPr txBox="1"/>
+              <p:nvPr/>
+            </p:nvSpPr>
+            <p:spPr>
+              <a:xfrm>
+                <a:off x="6256909" y="1590720"/>
+                <a:ext cx="5479669" cy="1797159"/>
+              </a:xfrm>
+              <a:prstGeom prst="rect">
+                <a:avLst/>
+              </a:prstGeom>
+              <a:noFill/>
+              <a:ln w="25400">
+                <a:solidFill>
+                  <a:schemeClr val="tx1"/>
+                </a:solidFill>
+              </a:ln>
+            </p:spPr>
+            <p:txBody>
+              <a:bodyPr wrap="square" rtlCol="0">
+                <a:spAutoFit/>
+              </a:bodyPr>
+              <a:lstStyle/>
+              <a:p>
+                <a:pPr marL="285750" indent="-285750">
+                  <a:buFont typeface="Arial" panose="020B0604020202020204" pitchFamily="34" charset="0"/>
+                  <a:buChar char="•"/>
+                </a:pPr>
+                <a:r>
+                  <a:rPr lang="en-US" dirty="0"/>
+                  <a:t>Assume pump transition undergoes non-radiative decay immediately to the metastable state → can model as a two-level system:</a:t>
+                </a:r>
+              </a:p>
+              <a:p>
+                <a:pPr marL="285750" indent="-285750">
+                  <a:buFont typeface="Arial" panose="020B0604020202020204" pitchFamily="34" charset="0"/>
+                  <a:buChar char="•"/>
+                </a:pPr>
+                <a:endParaRPr lang="en-US" dirty="0"/>
+              </a:p>
+              <a:p>
+                <a:pPr/>
+                <a14:m>
+                  <m:oMathPara xmlns:m="http://schemas.openxmlformats.org/officeDocument/2006/math">
+                    <m:oMathParaPr>
+                      <m:jc m:val="centerGroup"/>
+                    </m:oMathParaPr>
+                    <m:oMath xmlns:m="http://schemas.openxmlformats.org/officeDocument/2006/math">
+                      <m:sSub>
+                        <m:sSubPr>
+                          <m:ctrlPr>
+                            <a:rPr lang="en-US" b="0" i="1" smtClean="0">
+                              <a:latin typeface="Cambria Math" panose="02040503050406030204" pitchFamily="18" charset="0"/>
+                            </a:rPr>
+                          </m:ctrlPr>
+                        </m:sSubPr>
+                        <m:e>
+                          <m:r>
+                            <a:rPr lang="en-US" b="0" i="1" smtClean="0">
+                              <a:latin typeface="Cambria Math" panose="02040503050406030204" pitchFamily="18" charset="0"/>
+                            </a:rPr>
+                            <m:t>𝜎</m:t>
+                          </m:r>
+                        </m:e>
+                        <m:sub>
+                          <m:r>
+                            <a:rPr lang="en-US" b="0" i="1" smtClean="0">
+                              <a:latin typeface="Cambria Math" panose="02040503050406030204" pitchFamily="18" charset="0"/>
+                            </a:rPr>
+                            <m:t>𝑎</m:t>
+                          </m:r>
+                          <m:r>
+                            <a:rPr lang="en-US" b="0" i="1" smtClean="0">
+                              <a:latin typeface="Cambria Math" panose="02040503050406030204" pitchFamily="18" charset="0"/>
+                            </a:rPr>
+                            <m:t>, </m:t>
+                          </m:r>
+                          <m:r>
+                            <a:rPr lang="en-US" b="0" i="1" smtClean="0">
+                              <a:latin typeface="Cambria Math" panose="02040503050406030204" pitchFamily="18" charset="0"/>
+                            </a:rPr>
+                            <m:t>𝑝</m:t>
+                          </m:r>
+                        </m:sub>
+                      </m:sSub>
+                      <m:r>
+                        <a:rPr lang="en-US" b="0" i="1" smtClean="0">
+                          <a:latin typeface="Cambria Math" panose="02040503050406030204" pitchFamily="18" charset="0"/>
+                        </a:rPr>
+                        <m:t>&gt;0</m:t>
+                      </m:r>
+                    </m:oMath>
+                  </m:oMathPara>
+                </a14:m>
+                <a:endParaRPr lang="en-US" b="0" dirty="0"/>
+              </a:p>
+              <a:p>
+                <a:pPr/>
+                <a14:m>
+                  <m:oMathPara xmlns:m="http://schemas.openxmlformats.org/officeDocument/2006/math">
+                    <m:oMathParaPr>
+                      <m:jc m:val="centerGroup"/>
+                    </m:oMathParaPr>
+                    <m:oMath xmlns:m="http://schemas.openxmlformats.org/officeDocument/2006/math">
+                      <m:sSub>
+                        <m:sSubPr>
+                          <m:ctrlPr>
+                            <a:rPr lang="en-US" b="0" i="1" smtClean="0">
+                              <a:latin typeface="Cambria Math" panose="02040503050406030204" pitchFamily="18" charset="0"/>
+                            </a:rPr>
+                          </m:ctrlPr>
+                        </m:sSubPr>
+                        <m:e>
+                          <m:r>
+                            <a:rPr lang="en-US" b="0" i="1" smtClean="0">
+                              <a:latin typeface="Cambria Math" panose="02040503050406030204" pitchFamily="18" charset="0"/>
+                            </a:rPr>
+                            <m:t>𝜎</m:t>
+                          </m:r>
+                        </m:e>
+                        <m:sub>
+                          <m:r>
+                            <a:rPr lang="en-US" b="0" i="1" smtClean="0">
+                              <a:latin typeface="Cambria Math" panose="02040503050406030204" pitchFamily="18" charset="0"/>
+                            </a:rPr>
+                            <m:t>𝑒</m:t>
+                          </m:r>
+                          <m:r>
+                            <a:rPr lang="en-US" b="0" i="1" smtClean="0">
+                              <a:latin typeface="Cambria Math" panose="02040503050406030204" pitchFamily="18" charset="0"/>
+                            </a:rPr>
+                            <m:t>,</m:t>
+                          </m:r>
+                          <m:r>
+                            <a:rPr lang="en-US" b="0" i="1" smtClean="0">
+                              <a:latin typeface="Cambria Math" panose="02040503050406030204" pitchFamily="18" charset="0"/>
+                            </a:rPr>
+                            <m:t>𝑝</m:t>
+                          </m:r>
+                        </m:sub>
+                      </m:sSub>
+                      <m:r>
+                        <a:rPr lang="en-US" b="0" i="1" smtClean="0">
+                          <a:latin typeface="Cambria Math" panose="02040503050406030204" pitchFamily="18" charset="0"/>
+                        </a:rPr>
+                        <m:t>=0</m:t>
+                      </m:r>
+                    </m:oMath>
+                  </m:oMathPara>
+                </a14:m>
+                <a:endParaRPr lang="en-US" dirty="0"/>
+              </a:p>
+            </p:txBody>
+          </p:sp>
+        </mc:Choice>
+        <mc:Fallback>
+          <p:sp>
+            <p:nvSpPr>
+              <p:cNvPr id="8" name="TextBox 7">
+                <a:extLst>
+                  <a:ext uri="{FF2B5EF4-FFF2-40B4-BE49-F238E27FC236}">
+                    <a16:creationId xmlns:a16="http://schemas.microsoft.com/office/drawing/2014/main" id="{AEEA68EF-D9E2-2D25-16AD-F4431FD27AEC}"/>
+                  </a:ext>
+                </a:extLst>
+              </p:cNvPr>
+              <p:cNvSpPr txBox="1">
+                <a:spLocks noRot="1" noChangeAspect="1" noMove="1" noResize="1" noEditPoints="1" noAdjustHandles="1" noChangeArrowheads="1" noChangeShapeType="1" noTextEdit="1"/>
+              </p:cNvSpPr>
+              <p:nvPr/>
+            </p:nvSpPr>
+            <p:spPr>
+              <a:xfrm>
+                <a:off x="6256909" y="1590720"/>
+                <a:ext cx="5479669" cy="1797159"/>
+              </a:xfrm>
+              <a:prstGeom prst="rect">
+                <a:avLst/>
+              </a:prstGeom>
+              <a:blipFill>
+                <a:blip r:embed="rId4"/>
+                <a:stretch>
+                  <a:fillRect l="-461" t="-1389"/>
+                </a:stretch>
+              </a:blipFill>
+              <a:ln w="25400">
+                <a:solidFill>
+                  <a:schemeClr val="tx1"/>
+                </a:solidFill>
+              </a:ln>
+            </p:spPr>
+            <p:txBody>
+              <a:bodyPr/>
+              <a:lstStyle/>
+              <a:p>
+                <a:r>
+                  <a:rPr lang="en-US">
+                    <a:noFill/>
+                  </a:rPr>
+                  <a:t> </a:t>
+                </a:r>
+              </a:p>
+            </p:txBody>
+          </p:sp>
+        </mc:Fallback>
+      </mc:AlternateContent>
+      <p:cxnSp>
+        <p:nvCxnSpPr>
+          <p:cNvPr id="11" name="Straight Arrow Connector 10">
+            <a:extLst>
+              <a:ext uri="{FF2B5EF4-FFF2-40B4-BE49-F238E27FC236}">
+                <a16:creationId xmlns:a16="http://schemas.microsoft.com/office/drawing/2014/main" id="{D999B8AC-A07A-EED4-2BBD-16E81E82A93F}"/>
+              </a:ext>
+            </a:extLst>
+          </p:cNvPr>
+          <p:cNvCxnSpPr>
+            <a:cxnSpLocks/>
+          </p:cNvCxnSpPr>
+          <p:nvPr/>
+        </p:nvCxnSpPr>
+        <p:spPr>
+          <a:xfrm>
+            <a:off x="5303520" y="1929384"/>
+            <a:ext cx="792480" cy="0"/>
+          </a:xfrm>
+          <a:prstGeom prst="straightConnector1">
+            <a:avLst/>
+          </a:prstGeom>
+          <a:ln w="38100">
+            <a:prstDash val="dash"/>
+            <a:tailEnd type="triangle"/>
+          </a:ln>
+        </p:spPr>
+        <p:style>
+          <a:lnRef idx="1">
+            <a:schemeClr val="accent1"/>
+          </a:lnRef>
+          <a:fillRef idx="0">
+            <a:schemeClr val="accent1"/>
+          </a:fillRef>
+          <a:effectRef idx="0">
+            <a:schemeClr val="accent1"/>
+          </a:effectRef>
+          <a:fontRef idx="minor">
+            <a:schemeClr val="tx1"/>
+          </a:fontRef>
+        </p:style>
+      </p:cxnSp>
+      <p:grpSp>
+        <p:nvGrpSpPr>
+          <p:cNvPr id="16" name="Group 15">
+            <a:extLst>
+              <a:ext uri="{FF2B5EF4-FFF2-40B4-BE49-F238E27FC236}">
+                <a16:creationId xmlns:a16="http://schemas.microsoft.com/office/drawing/2014/main" id="{7C0ABF53-619B-C824-8682-25A05BE49EA8}"/>
+              </a:ext>
+            </a:extLst>
+          </p:cNvPr>
+          <p:cNvGrpSpPr/>
+          <p:nvPr/>
+        </p:nvGrpSpPr>
+        <p:grpSpPr>
+          <a:xfrm>
+            <a:off x="6256909" y="3758184"/>
+            <a:ext cx="3395325" cy="1920783"/>
+            <a:chOff x="5577840" y="3886200"/>
+            <a:chExt cx="3395325" cy="1920783"/>
+          </a:xfrm>
+        </p:grpSpPr>
+        <mc:AlternateContent xmlns:mc="http://schemas.openxmlformats.org/markup-compatibility/2006">
+          <mc:Choice xmlns:a14="http://schemas.microsoft.com/office/drawing/2010/main" Requires="a14">
+            <p:sp>
+              <p:nvSpPr>
+                <p:cNvPr id="13" name="TextBox 12">
+                  <a:extLst>
+                    <a:ext uri="{FF2B5EF4-FFF2-40B4-BE49-F238E27FC236}">
+                      <a16:creationId xmlns:a16="http://schemas.microsoft.com/office/drawing/2014/main" id="{3E8B4B7A-F225-402B-2F0F-5C08251ADCAF}"/>
+                    </a:ext>
+                  </a:extLst>
+                </p:cNvPr>
+                <p:cNvSpPr txBox="1"/>
+                <p:nvPr/>
+              </p:nvSpPr>
+              <p:spPr>
+                <a:xfrm>
+                  <a:off x="5577840" y="3886200"/>
+                  <a:ext cx="3277307" cy="695768"/>
+                </a:xfrm>
+                <a:prstGeom prst="rect">
+                  <a:avLst/>
+                </a:prstGeom>
+                <a:noFill/>
+              </p:spPr>
+              <p:txBody>
+                <a:bodyPr wrap="none" rtlCol="0">
+                  <a:spAutoFit/>
+                </a:bodyPr>
+                <a:lstStyle/>
+                <a:p>
+                  <a14:m>
+                    <m:oMathPara xmlns:m="http://schemas.openxmlformats.org/officeDocument/2006/math">
+                      <m:oMathParaPr>
+                        <m:jc m:val="centerGroup"/>
+                      </m:oMathParaPr>
+                      <m:oMath xmlns:m="http://schemas.openxmlformats.org/officeDocument/2006/math">
+                        <m:f>
+                          <m:fPr>
+                            <m:ctrlPr>
+                              <a:rPr lang="en-US" b="0" i="1" smtClean="0">
+                                <a:latin typeface="Cambria Math" panose="02040503050406030204" pitchFamily="18" charset="0"/>
+                              </a:rPr>
+                            </m:ctrlPr>
+                          </m:fPr>
+                          <m:num>
+                            <m:r>
+                              <a:rPr lang="en-US" b="0" i="1" smtClean="0">
+                                <a:latin typeface="Cambria Math" panose="02040503050406030204" pitchFamily="18" charset="0"/>
+                              </a:rPr>
+                              <m:t>𝑑</m:t>
+                            </m:r>
+                            <m:sSub>
+                              <m:sSubPr>
+                                <m:ctrlPr>
+                                  <a:rPr lang="en-US" b="0" i="1" smtClean="0">
+                                    <a:latin typeface="Cambria Math" panose="02040503050406030204" pitchFamily="18" charset="0"/>
+                                  </a:rPr>
+                                </m:ctrlPr>
+                              </m:sSubPr>
+                              <m:e>
+                                <m:r>
+                                  <a:rPr lang="en-US" b="0" i="1" smtClean="0">
+                                    <a:latin typeface="Cambria Math" panose="02040503050406030204" pitchFamily="18" charset="0"/>
+                                  </a:rPr>
+                                  <m:t>𝑛</m:t>
+                                </m:r>
+                              </m:e>
+                              <m:sub>
+                                <m:r>
+                                  <a:rPr lang="en-US" b="0" i="1" smtClean="0">
+                                    <a:latin typeface="Cambria Math" panose="02040503050406030204" pitchFamily="18" charset="0"/>
+                                  </a:rPr>
+                                  <m:t>2</m:t>
+                                </m:r>
+                              </m:sub>
+                            </m:sSub>
+                          </m:num>
+                          <m:den>
+                            <m:r>
+                              <a:rPr lang="en-US" b="0" i="1" smtClean="0">
+                                <a:latin typeface="Cambria Math" panose="02040503050406030204" pitchFamily="18" charset="0"/>
+                              </a:rPr>
+                              <m:t>𝑑𝑡</m:t>
+                            </m:r>
+                          </m:den>
+                        </m:f>
+                        <m:r>
+                          <a:rPr lang="en-US" b="0" i="1" smtClean="0">
+                            <a:latin typeface="Cambria Math" panose="02040503050406030204" pitchFamily="18" charset="0"/>
+                          </a:rPr>
+                          <m:t>=</m:t>
+                        </m:r>
+                        <m:f>
+                          <m:fPr>
+                            <m:ctrlPr>
+                              <a:rPr lang="en-US" b="0" i="1" smtClean="0">
+                                <a:latin typeface="Cambria Math" panose="02040503050406030204" pitchFamily="18" charset="0"/>
+                              </a:rPr>
+                            </m:ctrlPr>
+                          </m:fPr>
+                          <m:num>
+                            <m:sSub>
+                              <m:sSubPr>
+                                <m:ctrlPr>
+                                  <a:rPr lang="en-US" b="0" i="1" smtClean="0">
+                                    <a:latin typeface="Cambria Math" panose="02040503050406030204" pitchFamily="18" charset="0"/>
+                                  </a:rPr>
+                                </m:ctrlPr>
+                              </m:sSubPr>
+                              <m:e>
+                                <m:r>
+                                  <m:rPr>
+                                    <m:sty m:val="p"/>
+                                  </m:rPr>
+                                  <a:rPr lang="en-US" b="0" i="0" smtClean="0">
+                                    <a:latin typeface="Cambria Math" panose="02040503050406030204" pitchFamily="18" charset="0"/>
+                                  </a:rPr>
+                                  <m:t>Γ</m:t>
+                                </m:r>
+                              </m:e>
+                              <m:sub>
+                                <m:r>
+                                  <a:rPr lang="en-US" b="0" i="1" smtClean="0">
+                                    <a:latin typeface="Cambria Math" panose="02040503050406030204" pitchFamily="18" charset="0"/>
+                                  </a:rPr>
+                                  <m:t>𝑝</m:t>
+                                </m:r>
+                              </m:sub>
+                            </m:sSub>
+                          </m:num>
+                          <m:den>
+                            <m:r>
+                              <a:rPr lang="en-US" b="0" i="1" smtClean="0">
+                                <a:latin typeface="Cambria Math" panose="02040503050406030204" pitchFamily="18" charset="0"/>
+                              </a:rPr>
+                              <m:t>𝐴</m:t>
+                            </m:r>
+                          </m:den>
+                        </m:f>
+                        <m:f>
+                          <m:fPr>
+                            <m:ctrlPr>
+                              <a:rPr lang="en-US" b="0" i="1" smtClean="0">
+                                <a:latin typeface="Cambria Math" panose="02040503050406030204" pitchFamily="18" charset="0"/>
+                              </a:rPr>
+                            </m:ctrlPr>
+                          </m:fPr>
+                          <m:num>
+                            <m:sSub>
+                              <m:sSubPr>
+                                <m:ctrlPr>
+                                  <a:rPr lang="en-US" b="0" i="1" smtClean="0">
+                                    <a:latin typeface="Cambria Math" panose="02040503050406030204" pitchFamily="18" charset="0"/>
+                                  </a:rPr>
+                                </m:ctrlPr>
+                              </m:sSubPr>
+                              <m:e>
+                                <m:r>
+                                  <a:rPr lang="en-US" b="0" i="1" smtClean="0">
+                                    <a:latin typeface="Cambria Math" panose="02040503050406030204" pitchFamily="18" charset="0"/>
+                                  </a:rPr>
+                                  <m:t>𝑃</m:t>
+                                </m:r>
+                              </m:e>
+                              <m:sub>
+                                <m:r>
+                                  <a:rPr lang="en-US" b="0" i="1" smtClean="0">
+                                    <a:latin typeface="Cambria Math" panose="02040503050406030204" pitchFamily="18" charset="0"/>
+                                  </a:rPr>
+                                  <m:t>𝑝</m:t>
+                                </m:r>
+                              </m:sub>
+                            </m:sSub>
+                          </m:num>
+                          <m:den>
+                            <m:r>
+                              <a:rPr lang="en-US" b="0" i="1" smtClean="0">
+                                <a:latin typeface="Cambria Math" panose="02040503050406030204" pitchFamily="18" charset="0"/>
+                              </a:rPr>
+                              <m:t>h</m:t>
+                            </m:r>
+                            <m:sSub>
+                              <m:sSubPr>
+                                <m:ctrlPr>
+                                  <a:rPr lang="en-US" b="0" i="1" smtClean="0">
+                                    <a:latin typeface="Cambria Math" panose="02040503050406030204" pitchFamily="18" charset="0"/>
+                                  </a:rPr>
+                                </m:ctrlPr>
+                              </m:sSubPr>
+                              <m:e>
+                                <m:r>
+                                  <a:rPr lang="en-US" b="0" i="1" smtClean="0">
+                                    <a:latin typeface="Cambria Math" panose="02040503050406030204" pitchFamily="18" charset="0"/>
+                                  </a:rPr>
+                                  <m:t>𝜈</m:t>
+                                </m:r>
+                              </m:e>
+                              <m:sub>
+                                <m:r>
+                                  <a:rPr lang="en-US" b="0" i="1" smtClean="0">
+                                    <a:latin typeface="Cambria Math" panose="02040503050406030204" pitchFamily="18" charset="0"/>
+                                  </a:rPr>
+                                  <m:t>𝑝</m:t>
+                                </m:r>
+                              </m:sub>
+                            </m:sSub>
+                          </m:den>
+                        </m:f>
+                        <m:d>
+                          <m:dPr>
+                            <m:ctrlPr>
+                              <a:rPr lang="en-US" b="0" i="1" smtClean="0">
+                                <a:latin typeface="Cambria Math" panose="02040503050406030204" pitchFamily="18" charset="0"/>
+                              </a:rPr>
+                            </m:ctrlPr>
+                          </m:dPr>
+                          <m:e>
+                            <m:sSub>
+                              <m:sSubPr>
+                                <m:ctrlPr>
+                                  <a:rPr lang="en-US" b="0" i="1" smtClean="0">
+                                    <a:latin typeface="Cambria Math" panose="02040503050406030204" pitchFamily="18" charset="0"/>
+                                  </a:rPr>
+                                </m:ctrlPr>
+                              </m:sSubPr>
+                              <m:e>
+                                <m:r>
+                                  <a:rPr lang="en-US" b="0" i="1" smtClean="0">
+                                    <a:latin typeface="Cambria Math" panose="02040503050406030204" pitchFamily="18" charset="0"/>
+                                  </a:rPr>
+                                  <m:t>𝜎</m:t>
+                                </m:r>
+                              </m:e>
+                              <m:sub>
+                                <m:r>
+                                  <a:rPr lang="en-US" b="0" i="1" smtClean="0">
+                                    <a:latin typeface="Cambria Math" panose="02040503050406030204" pitchFamily="18" charset="0"/>
+                                  </a:rPr>
+                                  <m:t>𝑎</m:t>
+                                </m:r>
+                                <m:r>
+                                  <a:rPr lang="en-US" b="0" i="1" smtClean="0">
+                                    <a:latin typeface="Cambria Math" panose="02040503050406030204" pitchFamily="18" charset="0"/>
+                                  </a:rPr>
+                                  <m:t>,</m:t>
+                                </m:r>
+                                <m:r>
+                                  <a:rPr lang="en-US" b="0" i="1" smtClean="0">
+                                    <a:latin typeface="Cambria Math" panose="02040503050406030204" pitchFamily="18" charset="0"/>
+                                  </a:rPr>
+                                  <m:t>𝑝</m:t>
+                                </m:r>
+                              </m:sub>
+                            </m:sSub>
+                            <m:sSub>
+                              <m:sSubPr>
+                                <m:ctrlPr>
+                                  <a:rPr lang="en-US" b="0" i="1" smtClean="0">
+                                    <a:latin typeface="Cambria Math" panose="02040503050406030204" pitchFamily="18" charset="0"/>
+                                  </a:rPr>
+                                </m:ctrlPr>
+                              </m:sSubPr>
+                              <m:e>
+                                <m:r>
+                                  <a:rPr lang="en-US" b="0" i="1" smtClean="0">
+                                    <a:latin typeface="Cambria Math" panose="02040503050406030204" pitchFamily="18" charset="0"/>
+                                  </a:rPr>
+                                  <m:t>𝑛</m:t>
+                                </m:r>
+                              </m:e>
+                              <m:sub>
+                                <m:r>
+                                  <a:rPr lang="en-US" b="0" i="1" smtClean="0">
+                                    <a:latin typeface="Cambria Math" panose="02040503050406030204" pitchFamily="18" charset="0"/>
+                                  </a:rPr>
+                                  <m:t>1</m:t>
+                                </m:r>
+                              </m:sub>
+                            </m:sSub>
+                            <m:r>
+                              <a:rPr lang="en-US" b="0" i="1" smtClean="0">
+                                <a:latin typeface="Cambria Math" panose="02040503050406030204" pitchFamily="18" charset="0"/>
+                              </a:rPr>
+                              <m:t>−</m:t>
+                            </m:r>
+                            <m:sSub>
+                              <m:sSubPr>
+                                <m:ctrlPr>
+                                  <a:rPr lang="en-US" b="0" i="1" smtClean="0">
+                                    <a:latin typeface="Cambria Math" panose="02040503050406030204" pitchFamily="18" charset="0"/>
+                                  </a:rPr>
+                                </m:ctrlPr>
+                              </m:sSubPr>
+                              <m:e>
+                                <m:r>
+                                  <a:rPr lang="en-US" b="0" i="1" smtClean="0">
+                                    <a:latin typeface="Cambria Math" panose="02040503050406030204" pitchFamily="18" charset="0"/>
+                                  </a:rPr>
+                                  <m:t>𝜎</m:t>
+                                </m:r>
+                              </m:e>
+                              <m:sub>
+                                <m:r>
+                                  <a:rPr lang="en-US" b="0" i="1" smtClean="0">
+                                    <a:latin typeface="Cambria Math" panose="02040503050406030204" pitchFamily="18" charset="0"/>
+                                  </a:rPr>
+                                  <m:t>𝑒</m:t>
+                                </m:r>
+                                <m:r>
+                                  <a:rPr lang="en-US" b="0" i="1" smtClean="0">
+                                    <a:latin typeface="Cambria Math" panose="02040503050406030204" pitchFamily="18" charset="0"/>
+                                  </a:rPr>
+                                  <m:t>,</m:t>
+                                </m:r>
+                                <m:r>
+                                  <a:rPr lang="en-US" b="0" i="1" smtClean="0">
+                                    <a:latin typeface="Cambria Math" panose="02040503050406030204" pitchFamily="18" charset="0"/>
+                                  </a:rPr>
+                                  <m:t>𝑝</m:t>
+                                </m:r>
+                              </m:sub>
+                            </m:sSub>
+                            <m:sSub>
+                              <m:sSubPr>
+                                <m:ctrlPr>
+                                  <a:rPr lang="en-US" b="0" i="1" smtClean="0">
+                                    <a:latin typeface="Cambria Math" panose="02040503050406030204" pitchFamily="18" charset="0"/>
+                                  </a:rPr>
+                                </m:ctrlPr>
+                              </m:sSubPr>
+                              <m:e>
+                                <m:r>
+                                  <a:rPr lang="en-US" b="0" i="1" smtClean="0">
+                                    <a:latin typeface="Cambria Math" panose="02040503050406030204" pitchFamily="18" charset="0"/>
+                                  </a:rPr>
+                                  <m:t>𝑛</m:t>
+                                </m:r>
+                              </m:e>
+                              <m:sub>
+                                <m:r>
+                                  <a:rPr lang="en-US" b="0" i="1" smtClean="0">
+                                    <a:latin typeface="Cambria Math" panose="02040503050406030204" pitchFamily="18" charset="0"/>
+                                  </a:rPr>
+                                  <m:t>2</m:t>
+                                </m:r>
+                              </m:sub>
+                            </m:sSub>
+                          </m:e>
+                        </m:d>
+                      </m:oMath>
+                    </m:oMathPara>
+                  </a14:m>
+                  <a:endParaRPr lang="en-US" b="0" dirty="0"/>
+                </a:p>
+              </p:txBody>
+            </p:sp>
+          </mc:Choice>
+          <mc:Fallback>
+            <p:sp>
+              <p:nvSpPr>
+                <p:cNvPr id="13" name="TextBox 12">
+                  <a:extLst>
+                    <a:ext uri="{FF2B5EF4-FFF2-40B4-BE49-F238E27FC236}">
+                      <a16:creationId xmlns:a16="http://schemas.microsoft.com/office/drawing/2014/main" id="{3E8B4B7A-F225-402B-2F0F-5C08251ADCAF}"/>
+                    </a:ext>
+                  </a:extLst>
+                </p:cNvPr>
+                <p:cNvSpPr txBox="1">
+                  <a:spLocks noRot="1" noChangeAspect="1" noMove="1" noResize="1" noEditPoints="1" noAdjustHandles="1" noChangeArrowheads="1" noChangeShapeType="1" noTextEdit="1"/>
+                </p:cNvSpPr>
+                <p:nvPr/>
+              </p:nvSpPr>
+              <p:spPr>
+                <a:xfrm>
+                  <a:off x="5577840" y="3886200"/>
+                  <a:ext cx="3277307" cy="695768"/>
+                </a:xfrm>
+                <a:prstGeom prst="rect">
+                  <a:avLst/>
+                </a:prstGeom>
+                <a:blipFill>
+                  <a:blip r:embed="rId5"/>
+                  <a:stretch>
+                    <a:fillRect b="-1818"/>
+                  </a:stretch>
+                </a:blipFill>
+              </p:spPr>
+              <p:txBody>
+                <a:bodyPr/>
+                <a:lstStyle/>
+                <a:p>
+                  <a:r>
+                    <a:rPr lang="en-US">
+                      <a:noFill/>
+                    </a:rPr>
+                    <a:t> </a:t>
+                  </a:r>
+                </a:p>
+              </p:txBody>
+            </p:sp>
+          </mc:Fallback>
+        </mc:AlternateContent>
+        <mc:AlternateContent xmlns:mc="http://schemas.openxmlformats.org/markup-compatibility/2006">
+          <mc:Choice xmlns:a14="http://schemas.microsoft.com/office/drawing/2010/main" Requires="a14">
+            <p:sp>
+              <p:nvSpPr>
+                <p:cNvPr id="14" name="TextBox 13">
+                  <a:extLst>
+                    <a:ext uri="{FF2B5EF4-FFF2-40B4-BE49-F238E27FC236}">
+                      <a16:creationId xmlns:a16="http://schemas.microsoft.com/office/drawing/2014/main" id="{301011E2-57D5-419B-E169-B9709E378518}"/>
+                    </a:ext>
+                  </a:extLst>
+                </p:cNvPr>
+                <p:cNvSpPr txBox="1"/>
+                <p:nvPr/>
+              </p:nvSpPr>
+              <p:spPr>
+                <a:xfrm>
+                  <a:off x="6256909" y="4581968"/>
+                  <a:ext cx="2716256" cy="658257"/>
+                </a:xfrm>
+                <a:prstGeom prst="rect">
+                  <a:avLst/>
+                </a:prstGeom>
+                <a:noFill/>
+              </p:spPr>
+              <p:txBody>
+                <a:bodyPr wrap="none" rtlCol="0">
+                  <a:spAutoFit/>
+                </a:bodyPr>
+                <a:lstStyle/>
+                <a:p>
+                  <a14:m>
+                    <m:oMathPara xmlns:m="http://schemas.openxmlformats.org/officeDocument/2006/math">
+                      <m:oMathParaPr>
+                        <m:jc m:val="centerGroup"/>
+                      </m:oMathParaPr>
+                      <m:oMath xmlns:m="http://schemas.openxmlformats.org/officeDocument/2006/math">
+                        <m:r>
+                          <a:rPr lang="en-US" b="0" i="1" smtClean="0">
+                            <a:latin typeface="Cambria Math" panose="02040503050406030204" pitchFamily="18" charset="0"/>
+                          </a:rPr>
+                          <m:t>+</m:t>
+                        </m:r>
+                        <m:f>
+                          <m:fPr>
+                            <m:ctrlPr>
+                              <a:rPr lang="en-US" i="1">
+                                <a:latin typeface="Cambria Math" panose="02040503050406030204" pitchFamily="18" charset="0"/>
+                              </a:rPr>
+                            </m:ctrlPr>
+                          </m:fPr>
+                          <m:num>
+                            <m:sSub>
+                              <m:sSubPr>
+                                <m:ctrlPr>
+                                  <a:rPr lang="en-US" i="1">
+                                    <a:latin typeface="Cambria Math" panose="02040503050406030204" pitchFamily="18" charset="0"/>
+                                  </a:rPr>
+                                </m:ctrlPr>
+                              </m:sSubPr>
+                              <m:e>
+                                <m:r>
+                                  <m:rPr>
+                                    <m:sty m:val="p"/>
+                                  </m:rPr>
+                                  <a:rPr lang="en-US">
+                                    <a:latin typeface="Cambria Math" panose="02040503050406030204" pitchFamily="18" charset="0"/>
+                                  </a:rPr>
+                                  <m:t>Γ</m:t>
+                                </m:r>
+                              </m:e>
+                              <m:sub>
+                                <m:r>
+                                  <a:rPr lang="en-US" b="0" i="1" smtClean="0">
+                                    <a:latin typeface="Cambria Math" panose="02040503050406030204" pitchFamily="18" charset="0"/>
+                                  </a:rPr>
+                                  <m:t>𝑠</m:t>
+                                </m:r>
+                              </m:sub>
+                            </m:sSub>
+                          </m:num>
+                          <m:den>
+                            <m:r>
+                              <a:rPr lang="en-US" i="1">
+                                <a:latin typeface="Cambria Math" panose="02040503050406030204" pitchFamily="18" charset="0"/>
+                              </a:rPr>
+                              <m:t>𝐴</m:t>
+                            </m:r>
+                          </m:den>
+                        </m:f>
+                        <m:f>
+                          <m:fPr>
+                            <m:ctrlPr>
+                              <a:rPr lang="en-US" i="1">
+                                <a:latin typeface="Cambria Math" panose="02040503050406030204" pitchFamily="18" charset="0"/>
+                              </a:rPr>
+                            </m:ctrlPr>
+                          </m:fPr>
+                          <m:num>
+                            <m:sSub>
+                              <m:sSubPr>
+                                <m:ctrlPr>
+                                  <a:rPr lang="en-US" i="1">
+                                    <a:latin typeface="Cambria Math" panose="02040503050406030204" pitchFamily="18" charset="0"/>
+                                  </a:rPr>
+                                </m:ctrlPr>
+                              </m:sSubPr>
+                              <m:e>
+                                <m:r>
+                                  <a:rPr lang="en-US" i="1">
+                                    <a:latin typeface="Cambria Math" panose="02040503050406030204" pitchFamily="18" charset="0"/>
+                                  </a:rPr>
+                                  <m:t>𝑃</m:t>
+                                </m:r>
+                              </m:e>
+                              <m:sub>
+                                <m:r>
+                                  <a:rPr lang="en-US" b="0" i="1" smtClean="0">
+                                    <a:latin typeface="Cambria Math" panose="02040503050406030204" pitchFamily="18" charset="0"/>
+                                  </a:rPr>
+                                  <m:t>𝑠</m:t>
+                                </m:r>
+                              </m:sub>
+                            </m:sSub>
+                          </m:num>
+                          <m:den>
+                            <m:r>
+                              <a:rPr lang="en-US" i="1">
+                                <a:latin typeface="Cambria Math" panose="02040503050406030204" pitchFamily="18" charset="0"/>
+                              </a:rPr>
+                              <m:t>h</m:t>
+                            </m:r>
+                            <m:sSub>
+                              <m:sSubPr>
+                                <m:ctrlPr>
+                                  <a:rPr lang="en-US" i="1">
+                                    <a:latin typeface="Cambria Math" panose="02040503050406030204" pitchFamily="18" charset="0"/>
+                                  </a:rPr>
+                                </m:ctrlPr>
+                              </m:sSubPr>
+                              <m:e>
+                                <m:r>
+                                  <a:rPr lang="en-US" i="1">
+                                    <a:latin typeface="Cambria Math" panose="02040503050406030204" pitchFamily="18" charset="0"/>
+                                  </a:rPr>
+                                  <m:t>𝜈</m:t>
+                                </m:r>
+                              </m:e>
+                              <m:sub>
+                                <m:r>
+                                  <a:rPr lang="en-US" b="0" i="1" smtClean="0">
+                                    <a:latin typeface="Cambria Math" panose="02040503050406030204" pitchFamily="18" charset="0"/>
+                                  </a:rPr>
+                                  <m:t>𝑠</m:t>
+                                </m:r>
+                              </m:sub>
+                            </m:sSub>
+                          </m:den>
+                        </m:f>
+                        <m:d>
+                          <m:dPr>
+                            <m:ctrlPr>
+                              <a:rPr lang="en-US" i="1">
+                                <a:latin typeface="Cambria Math" panose="02040503050406030204" pitchFamily="18" charset="0"/>
+                              </a:rPr>
+                            </m:ctrlPr>
+                          </m:dPr>
+                          <m:e>
+                            <m:sSub>
+                              <m:sSubPr>
+                                <m:ctrlPr>
+                                  <a:rPr lang="en-US" i="1">
+                                    <a:latin typeface="Cambria Math" panose="02040503050406030204" pitchFamily="18" charset="0"/>
+                                  </a:rPr>
+                                </m:ctrlPr>
+                              </m:sSubPr>
+                              <m:e>
+                                <m:r>
+                                  <a:rPr lang="en-US" i="1">
+                                    <a:latin typeface="Cambria Math" panose="02040503050406030204" pitchFamily="18" charset="0"/>
+                                  </a:rPr>
+                                  <m:t>𝜎</m:t>
+                                </m:r>
+                              </m:e>
+                              <m:sub>
+                                <m:r>
+                                  <a:rPr lang="en-US" i="1">
+                                    <a:latin typeface="Cambria Math" panose="02040503050406030204" pitchFamily="18" charset="0"/>
+                                  </a:rPr>
+                                  <m:t>𝑎</m:t>
+                                </m:r>
+                                <m:r>
+                                  <a:rPr lang="en-US" i="1">
+                                    <a:latin typeface="Cambria Math" panose="02040503050406030204" pitchFamily="18" charset="0"/>
+                                  </a:rPr>
+                                  <m:t>,</m:t>
+                                </m:r>
+                                <m:r>
+                                  <a:rPr lang="en-US" b="0" i="1" smtClean="0">
+                                    <a:latin typeface="Cambria Math" panose="02040503050406030204" pitchFamily="18" charset="0"/>
+                                  </a:rPr>
+                                  <m:t>𝑠</m:t>
+                                </m:r>
+                              </m:sub>
+                            </m:sSub>
+                            <m:sSub>
+                              <m:sSubPr>
+                                <m:ctrlPr>
+                                  <a:rPr lang="en-US" i="1">
+                                    <a:latin typeface="Cambria Math" panose="02040503050406030204" pitchFamily="18" charset="0"/>
+                                  </a:rPr>
+                                </m:ctrlPr>
+                              </m:sSubPr>
+                              <m:e>
+                                <m:r>
+                                  <a:rPr lang="en-US" i="1">
+                                    <a:latin typeface="Cambria Math" panose="02040503050406030204" pitchFamily="18" charset="0"/>
+                                  </a:rPr>
+                                  <m:t>𝑛</m:t>
+                                </m:r>
+                              </m:e>
+                              <m:sub>
+                                <m:r>
+                                  <a:rPr lang="en-US" i="1">
+                                    <a:latin typeface="Cambria Math" panose="02040503050406030204" pitchFamily="18" charset="0"/>
+                                  </a:rPr>
+                                  <m:t>1</m:t>
+                                </m:r>
+                              </m:sub>
+                            </m:sSub>
+                            <m:r>
+                              <a:rPr lang="en-US" i="1">
+                                <a:latin typeface="Cambria Math" panose="02040503050406030204" pitchFamily="18" charset="0"/>
+                              </a:rPr>
+                              <m:t>−</m:t>
+                            </m:r>
+                            <m:sSub>
+                              <m:sSubPr>
+                                <m:ctrlPr>
+                                  <a:rPr lang="en-US" i="1">
+                                    <a:latin typeface="Cambria Math" panose="02040503050406030204" pitchFamily="18" charset="0"/>
+                                  </a:rPr>
+                                </m:ctrlPr>
+                              </m:sSubPr>
+                              <m:e>
+                                <m:r>
+                                  <a:rPr lang="en-US" i="1">
+                                    <a:latin typeface="Cambria Math" panose="02040503050406030204" pitchFamily="18" charset="0"/>
+                                  </a:rPr>
+                                  <m:t>𝜎</m:t>
+                                </m:r>
+                              </m:e>
+                              <m:sub>
+                                <m:r>
+                                  <a:rPr lang="en-US" i="1">
+                                    <a:latin typeface="Cambria Math" panose="02040503050406030204" pitchFamily="18" charset="0"/>
+                                  </a:rPr>
+                                  <m:t>𝑒</m:t>
+                                </m:r>
+                                <m:r>
+                                  <a:rPr lang="en-US" i="1">
+                                    <a:latin typeface="Cambria Math" panose="02040503050406030204" pitchFamily="18" charset="0"/>
+                                  </a:rPr>
+                                  <m:t>,</m:t>
+                                </m:r>
+                                <m:r>
+                                  <a:rPr lang="en-US" b="0" i="1" smtClean="0">
+                                    <a:latin typeface="Cambria Math" panose="02040503050406030204" pitchFamily="18" charset="0"/>
+                                  </a:rPr>
+                                  <m:t>𝑠</m:t>
+                                </m:r>
+                              </m:sub>
+                            </m:sSub>
+                            <m:sSub>
+                              <m:sSubPr>
+                                <m:ctrlPr>
+                                  <a:rPr lang="en-US" i="1">
+                                    <a:latin typeface="Cambria Math" panose="02040503050406030204" pitchFamily="18" charset="0"/>
+                                  </a:rPr>
+                                </m:ctrlPr>
+                              </m:sSubPr>
+                              <m:e>
+                                <m:r>
+                                  <a:rPr lang="en-US" i="1">
+                                    <a:latin typeface="Cambria Math" panose="02040503050406030204" pitchFamily="18" charset="0"/>
+                                  </a:rPr>
+                                  <m:t>𝑛</m:t>
+                                </m:r>
+                              </m:e>
+                              <m:sub>
+                                <m:r>
+                                  <a:rPr lang="en-US" i="1">
+                                    <a:latin typeface="Cambria Math" panose="02040503050406030204" pitchFamily="18" charset="0"/>
+                                  </a:rPr>
+                                  <m:t>2</m:t>
+                                </m:r>
+                              </m:sub>
+                            </m:sSub>
+                          </m:e>
+                        </m:d>
+                      </m:oMath>
+                    </m:oMathPara>
+                  </a14:m>
+                  <a:endParaRPr lang="en-US" dirty="0"/>
+                </a:p>
+              </p:txBody>
+            </p:sp>
+          </mc:Choice>
+          <mc:Fallback>
+            <p:sp>
+              <p:nvSpPr>
+                <p:cNvPr id="14" name="TextBox 13">
+                  <a:extLst>
+                    <a:ext uri="{FF2B5EF4-FFF2-40B4-BE49-F238E27FC236}">
+                      <a16:creationId xmlns:a16="http://schemas.microsoft.com/office/drawing/2014/main" id="{301011E2-57D5-419B-E169-B9709E378518}"/>
+                    </a:ext>
+                  </a:extLst>
+                </p:cNvPr>
+                <p:cNvSpPr txBox="1">
+                  <a:spLocks noRot="1" noChangeAspect="1" noMove="1" noResize="1" noEditPoints="1" noAdjustHandles="1" noChangeArrowheads="1" noChangeShapeType="1" noTextEdit="1"/>
+                </p:cNvSpPr>
+                <p:nvPr/>
+              </p:nvSpPr>
+              <p:spPr>
+                <a:xfrm>
+                  <a:off x="6256909" y="4581968"/>
+                  <a:ext cx="2716256" cy="658257"/>
+                </a:xfrm>
+                <a:prstGeom prst="rect">
+                  <a:avLst/>
+                </a:prstGeom>
+                <a:blipFill>
+                  <a:blip r:embed="rId6"/>
+                  <a:stretch>
+                    <a:fillRect/>
+                  </a:stretch>
+                </a:blipFill>
+              </p:spPr>
+              <p:txBody>
+                <a:bodyPr/>
+                <a:lstStyle/>
+                <a:p>
+                  <a:r>
+                    <a:rPr lang="en-US">
+                      <a:noFill/>
+                    </a:rPr>
+                    <a:t> </a:t>
+                  </a:r>
+                </a:p>
+              </p:txBody>
+            </p:sp>
+          </mc:Fallback>
+        </mc:AlternateContent>
+        <mc:AlternateContent xmlns:mc="http://schemas.openxmlformats.org/markup-compatibility/2006">
+          <mc:Choice xmlns:a14="http://schemas.microsoft.com/office/drawing/2010/main" Requires="a14">
+            <p:sp>
+              <p:nvSpPr>
+                <p:cNvPr id="15" name="TextBox 14">
+                  <a:extLst>
+                    <a:ext uri="{FF2B5EF4-FFF2-40B4-BE49-F238E27FC236}">
+                      <a16:creationId xmlns:a16="http://schemas.microsoft.com/office/drawing/2014/main" id="{3A8C832C-227D-A6A7-3062-56C199EFE6F1}"/>
+                    </a:ext>
+                  </a:extLst>
+                </p:cNvPr>
+                <p:cNvSpPr txBox="1"/>
+                <p:nvPr/>
+              </p:nvSpPr>
+              <p:spPr>
+                <a:xfrm>
+                  <a:off x="6256909" y="5240225"/>
+                  <a:ext cx="689548" cy="566758"/>
+                </a:xfrm>
+                <a:prstGeom prst="rect">
+                  <a:avLst/>
+                </a:prstGeom>
+                <a:noFill/>
+              </p:spPr>
+              <p:txBody>
+                <a:bodyPr wrap="none" rtlCol="0">
+                  <a:spAutoFit/>
+                </a:bodyPr>
+                <a:lstStyle/>
+                <a:p>
+                  <a14:m>
+                    <m:oMathPara xmlns:m="http://schemas.openxmlformats.org/officeDocument/2006/math">
+                      <m:oMathParaPr>
+                        <m:jc m:val="centerGroup"/>
+                      </m:oMathParaPr>
+                      <m:oMath xmlns:m="http://schemas.openxmlformats.org/officeDocument/2006/math">
+                        <m:r>
+                          <a:rPr lang="en-US" b="0" i="1" smtClean="0">
+                            <a:latin typeface="Cambria Math" panose="02040503050406030204" pitchFamily="18" charset="0"/>
+                          </a:rPr>
+                          <m:t>−</m:t>
+                        </m:r>
+                        <m:f>
+                          <m:fPr>
+                            <m:ctrlPr>
+                              <a:rPr lang="en-US" b="0" i="1" smtClean="0">
+                                <a:latin typeface="Cambria Math" panose="02040503050406030204" pitchFamily="18" charset="0"/>
+                              </a:rPr>
+                            </m:ctrlPr>
+                          </m:fPr>
+                          <m:num>
+                            <m:sSub>
+                              <m:sSubPr>
+                                <m:ctrlPr>
+                                  <a:rPr lang="en-US" b="0" i="1" smtClean="0">
+                                    <a:latin typeface="Cambria Math" panose="02040503050406030204" pitchFamily="18" charset="0"/>
+                                  </a:rPr>
+                                </m:ctrlPr>
+                              </m:sSubPr>
+                              <m:e>
+                                <m:r>
+                                  <a:rPr lang="en-US" b="0" i="1" smtClean="0">
+                                    <a:latin typeface="Cambria Math" panose="02040503050406030204" pitchFamily="18" charset="0"/>
+                                  </a:rPr>
+                                  <m:t>𝑛</m:t>
+                                </m:r>
+                              </m:e>
+                              <m:sub>
+                                <m:r>
+                                  <a:rPr lang="en-US" b="0" i="1" smtClean="0">
+                                    <a:latin typeface="Cambria Math" panose="02040503050406030204" pitchFamily="18" charset="0"/>
+                                  </a:rPr>
+                                  <m:t>2</m:t>
+                                </m:r>
+                              </m:sub>
+                            </m:sSub>
+                          </m:num>
+                          <m:den>
+                            <m:r>
+                              <a:rPr lang="en-US" b="0" i="1" smtClean="0">
+                                <a:latin typeface="Cambria Math" panose="02040503050406030204" pitchFamily="18" charset="0"/>
+                              </a:rPr>
+                              <m:t>𝜏</m:t>
+                            </m:r>
+                          </m:den>
+                        </m:f>
+                      </m:oMath>
+                    </m:oMathPara>
+                  </a14:m>
+                  <a:endParaRPr lang="en-US" dirty="0"/>
+                </a:p>
+              </p:txBody>
+            </p:sp>
+          </mc:Choice>
+          <mc:Fallback>
+            <p:sp>
+              <p:nvSpPr>
+                <p:cNvPr id="15" name="TextBox 14">
+                  <a:extLst>
+                    <a:ext uri="{FF2B5EF4-FFF2-40B4-BE49-F238E27FC236}">
+                      <a16:creationId xmlns:a16="http://schemas.microsoft.com/office/drawing/2014/main" id="{3A8C832C-227D-A6A7-3062-56C199EFE6F1}"/>
+                    </a:ext>
+                  </a:extLst>
+                </p:cNvPr>
+                <p:cNvSpPr txBox="1">
+                  <a:spLocks noRot="1" noChangeAspect="1" noMove="1" noResize="1" noEditPoints="1" noAdjustHandles="1" noChangeArrowheads="1" noChangeShapeType="1" noTextEdit="1"/>
+                </p:cNvSpPr>
+                <p:nvPr/>
+              </p:nvSpPr>
+              <p:spPr>
+                <a:xfrm>
+                  <a:off x="6256909" y="5240225"/>
+                  <a:ext cx="689548" cy="566758"/>
+                </a:xfrm>
+                <a:prstGeom prst="rect">
+                  <a:avLst/>
+                </a:prstGeom>
+                <a:blipFill>
+                  <a:blip r:embed="rId7"/>
+                  <a:stretch>
+                    <a:fillRect/>
+                  </a:stretch>
+                </a:blipFill>
+              </p:spPr>
+              <p:txBody>
+                <a:bodyPr/>
+                <a:lstStyle/>
+                <a:p>
+                  <a:r>
+                    <a:rPr lang="en-US">
+                      <a:noFill/>
+                    </a:rPr>
+                    <a:t> </a:t>
+                  </a:r>
+                </a:p>
+              </p:txBody>
+            </p:sp>
+          </mc:Fallback>
+        </mc:AlternateContent>
+      </p:grpSp>
+      <mc:AlternateContent xmlns:mc="http://schemas.openxmlformats.org/markup-compatibility/2006">
+        <mc:Choice xmlns:a14="http://schemas.microsoft.com/office/drawing/2010/main" Requires="a14">
+          <p:sp>
+            <p:nvSpPr>
+              <p:cNvPr id="17" name="TextBox 16">
+                <a:extLst>
+                  <a:ext uri="{FF2B5EF4-FFF2-40B4-BE49-F238E27FC236}">
+                    <a16:creationId xmlns:a16="http://schemas.microsoft.com/office/drawing/2014/main" id="{77116201-6423-400C-B594-B9971D6270AB}"/>
+                  </a:ext>
+                </a:extLst>
+              </p:cNvPr>
+              <p:cNvSpPr txBox="1"/>
+              <p:nvPr/>
+            </p:nvSpPr>
+            <p:spPr>
+              <a:xfrm>
+                <a:off x="6256909" y="5770466"/>
+                <a:ext cx="4094839" cy="517770"/>
+              </a:xfrm>
+              <a:prstGeom prst="rect">
+                <a:avLst/>
+              </a:prstGeom>
+              <a:noFill/>
+            </p:spPr>
+            <p:txBody>
+              <a:bodyPr wrap="none" rtlCol="0">
+                <a:spAutoFit/>
+              </a:bodyPr>
+              <a:lstStyle/>
+              <a:p>
+                <a:r>
+                  <a:rPr lang="en-US" dirty="0">
+                    <a:solidFill>
+                      <a:srgbClr val="002060"/>
+                    </a:solidFill>
+                  </a:rPr>
+                  <a:t>If the </a:t>
+                </a:r>
+                <a14:m>
+                  <m:oMath xmlns:m="http://schemas.openxmlformats.org/officeDocument/2006/math">
+                    <m:f>
+                      <m:fPr>
+                        <m:ctrlPr>
+                          <a:rPr lang="en-US" b="0" i="1" smtClean="0">
+                            <a:solidFill>
+                              <a:srgbClr val="002060"/>
+                            </a:solidFill>
+                            <a:latin typeface="Cambria Math" panose="02040503050406030204" pitchFamily="18" charset="0"/>
+                          </a:rPr>
+                        </m:ctrlPr>
+                      </m:fPr>
+                      <m:num>
+                        <m:r>
+                          <a:rPr lang="en-US" b="0" i="1" smtClean="0">
+                            <a:solidFill>
+                              <a:srgbClr val="002060"/>
+                            </a:solidFill>
+                            <a:latin typeface="Cambria Math" panose="02040503050406030204" pitchFamily="18" charset="0"/>
+                          </a:rPr>
+                          <m:t>1</m:t>
+                        </m:r>
+                      </m:num>
+                      <m:den>
+                        <m:sSub>
+                          <m:sSubPr>
+                            <m:ctrlPr>
+                              <a:rPr lang="en-US" b="0" i="1" smtClean="0">
+                                <a:solidFill>
+                                  <a:srgbClr val="002060"/>
+                                </a:solidFill>
+                                <a:latin typeface="Cambria Math" panose="02040503050406030204" pitchFamily="18" charset="0"/>
+                              </a:rPr>
+                            </m:ctrlPr>
+                          </m:sSubPr>
+                          <m:e>
+                            <m:r>
+                              <a:rPr lang="en-US" b="0" i="1" smtClean="0">
+                                <a:solidFill>
+                                  <a:srgbClr val="002060"/>
+                                </a:solidFill>
+                                <a:latin typeface="Cambria Math" panose="02040503050406030204" pitchFamily="18" charset="0"/>
+                              </a:rPr>
+                              <m:t>𝑓</m:t>
+                            </m:r>
+                          </m:e>
+                          <m:sub>
+                            <m:r>
+                              <a:rPr lang="en-US" b="0" i="1" smtClean="0">
+                                <a:solidFill>
+                                  <a:srgbClr val="002060"/>
+                                </a:solidFill>
+                                <a:latin typeface="Cambria Math" panose="02040503050406030204" pitchFamily="18" charset="0"/>
+                              </a:rPr>
+                              <m:t>𝑟</m:t>
+                            </m:r>
+                          </m:sub>
+                        </m:sSub>
+                      </m:den>
+                    </m:f>
+                    <m:r>
+                      <a:rPr lang="en-US" b="0" i="1" smtClean="0">
+                        <a:solidFill>
+                          <a:srgbClr val="002060"/>
+                        </a:solidFill>
+                        <a:latin typeface="Cambria Math" panose="02040503050406030204" pitchFamily="18" charset="0"/>
+                      </a:rPr>
+                      <m:t>≫</m:t>
+                    </m:r>
+                    <m:r>
+                      <a:rPr lang="en-US" b="0" i="1" smtClean="0">
+                        <a:solidFill>
+                          <a:srgbClr val="002060"/>
+                        </a:solidFill>
+                        <a:latin typeface="Cambria Math" panose="02040503050406030204" pitchFamily="18" charset="0"/>
+                      </a:rPr>
+                      <m:t>𝜏</m:t>
+                    </m:r>
+                  </m:oMath>
+                </a14:m>
+                <a:r>
+                  <a:rPr lang="en-US" dirty="0">
+                    <a:solidFill>
+                      <a:srgbClr val="002060"/>
+                    </a:solidFill>
+                  </a:rPr>
+                  <a:t> → </a:t>
+                </a:r>
+                <a14:m>
+                  <m:oMath xmlns:m="http://schemas.openxmlformats.org/officeDocument/2006/math">
+                    <m:sSub>
+                      <m:sSubPr>
+                        <m:ctrlPr>
+                          <a:rPr lang="en-US" b="0" i="1" smtClean="0">
+                            <a:solidFill>
+                              <a:srgbClr val="002060"/>
+                            </a:solidFill>
+                            <a:latin typeface="Cambria Math" panose="02040503050406030204" pitchFamily="18" charset="0"/>
+                          </a:rPr>
+                        </m:ctrlPr>
+                      </m:sSubPr>
+                      <m:e>
+                        <m:r>
+                          <a:rPr lang="en-US" b="0" i="1" smtClean="0">
+                            <a:solidFill>
+                              <a:srgbClr val="002060"/>
+                            </a:solidFill>
+                            <a:latin typeface="Cambria Math" panose="02040503050406030204" pitchFamily="18" charset="0"/>
+                          </a:rPr>
+                          <m:t>𝑛</m:t>
+                        </m:r>
+                      </m:e>
+                      <m:sub>
+                        <m:r>
+                          <a:rPr lang="en-US" b="0" i="1" smtClean="0">
+                            <a:solidFill>
+                              <a:srgbClr val="002060"/>
+                            </a:solidFill>
+                            <a:latin typeface="Cambria Math" panose="02040503050406030204" pitchFamily="18" charset="0"/>
+                          </a:rPr>
+                          <m:t>2</m:t>
+                        </m:r>
+                      </m:sub>
+                    </m:sSub>
+                  </m:oMath>
+                </a14:m>
+                <a:r>
+                  <a:rPr lang="en-US" dirty="0">
+                    <a:solidFill>
+                      <a:srgbClr val="002060"/>
+                    </a:solidFill>
+                  </a:rPr>
+                  <a:t> will reach steady state!</a:t>
+                </a:r>
+              </a:p>
+            </p:txBody>
+          </p:sp>
+        </mc:Choice>
+        <mc:Fallback>
+          <p:sp>
+            <p:nvSpPr>
+              <p:cNvPr id="17" name="TextBox 16">
+                <a:extLst>
+                  <a:ext uri="{FF2B5EF4-FFF2-40B4-BE49-F238E27FC236}">
+                    <a16:creationId xmlns:a16="http://schemas.microsoft.com/office/drawing/2014/main" id="{77116201-6423-400C-B594-B9971D6270AB}"/>
+                  </a:ext>
+                </a:extLst>
+              </p:cNvPr>
+              <p:cNvSpPr txBox="1">
+                <a:spLocks noRot="1" noChangeAspect="1" noMove="1" noResize="1" noEditPoints="1" noAdjustHandles="1" noChangeArrowheads="1" noChangeShapeType="1" noTextEdit="1"/>
+              </p:cNvSpPr>
+              <p:nvPr/>
+            </p:nvSpPr>
+            <p:spPr>
+              <a:xfrm>
+                <a:off x="6256909" y="5770466"/>
+                <a:ext cx="4094839" cy="517770"/>
+              </a:xfrm>
+              <a:prstGeom prst="rect">
+                <a:avLst/>
+              </a:prstGeom>
+              <a:blipFill>
+                <a:blip r:embed="rId8"/>
+                <a:stretch>
+                  <a:fillRect l="-1235" r="-309"/>
+                </a:stretch>
+              </a:blipFill>
+            </p:spPr>
+            <p:txBody>
+              <a:bodyPr/>
+              <a:lstStyle/>
+              <a:p>
+                <a:r>
+                  <a:rPr lang="en-US">
+                    <a:noFill/>
+                  </a:rPr>
+                  <a:t> </a:t>
+                </a:r>
+              </a:p>
+            </p:txBody>
+          </p:sp>
+        </mc:Fallback>
+      </mc:AlternateContent>
+    </p:spTree>
+    <p:extLst>
+      <p:ext uri="{BB962C8B-B14F-4D97-AF65-F5344CB8AC3E}">
+        <p14:creationId xmlns:p14="http://schemas.microsoft.com/office/powerpoint/2010/main" val="2377258468"/>
+      </p:ext>
+    </p:extLst>
+  </p:cSld>
+  <p:clrMapOvr>
+    <a:masterClrMapping/>
+  </p:clrMapOvr>
+</p:sld>
+</file>
+
+<file path=ppt/slides/slide4.xml><?xml version="1.0" encoding="utf-8"?>
+<p:sld xmlns:a="http://schemas.openxmlformats.org/drawingml/2006/main" xmlns:r="http://schemas.openxmlformats.org/officeDocument/2006/relationships" xmlns:p="http://schemas.openxmlformats.org/presentationml/2006/main">
+  <p:cSld>
+    <p:spTree>
+      <p:nvGrpSpPr>
+        <p:cNvPr id="1" name=""/>
+        <p:cNvGrpSpPr/>
+        <p:nvPr/>
+      </p:nvGrpSpPr>
+      <p:grpSpPr>
+        <a:xfrm>
+          <a:off x="0" y="0"/>
+          <a:ext cx="0" cy="0"/>
+          <a:chOff x="0" y="0"/>
+          <a:chExt cx="0" cy="0"/>
+        </a:xfrm>
+      </p:grpSpPr>
+      <p:sp>
+        <p:nvSpPr>
+          <p:cNvPr id="2" name="Title 1">
+            <a:extLst>
+              <a:ext uri="{FF2B5EF4-FFF2-40B4-BE49-F238E27FC236}">
+                <a16:creationId xmlns:a16="http://schemas.microsoft.com/office/drawing/2014/main" id="{C65472AE-8B88-3E81-AF43-04D4811A9F5A}"/>
+              </a:ext>
+            </a:extLst>
+          </p:cNvPr>
+          <p:cNvSpPr>
+            <a:spLocks noGrp="1"/>
+          </p:cNvSpPr>
+          <p:nvPr>
+            <p:ph type="title"/>
+          </p:nvPr>
+        </p:nvSpPr>
+        <p:spPr/>
+        <p:txBody>
+          <a:bodyPr/>
+          <a:lstStyle/>
+          <a:p>
+            <a:r>
+              <a:rPr lang="en-US" dirty="0"/>
+              <a:t>Rate Equations</a:t>
+            </a:r>
+          </a:p>
+        </p:txBody>
+      </p:sp>
+      <p:sp>
+        <p:nvSpPr>
+          <p:cNvPr id="3" name="Slide Number Placeholder 2">
+            <a:extLst>
+              <a:ext uri="{FF2B5EF4-FFF2-40B4-BE49-F238E27FC236}">
+                <a16:creationId xmlns:a16="http://schemas.microsoft.com/office/drawing/2014/main" id="{527C6042-B5CE-9C4D-7A09-E133E79E9929}"/>
+              </a:ext>
+            </a:extLst>
+          </p:cNvPr>
+          <p:cNvSpPr>
+            <a:spLocks noGrp="1"/>
+          </p:cNvSpPr>
+          <p:nvPr>
+            <p:ph type="sldNum" sz="quarter" idx="12"/>
+          </p:nvPr>
+        </p:nvSpPr>
+        <p:spPr/>
+        <p:txBody>
+          <a:bodyPr/>
+          <a:lstStyle/>
+          <a:p>
+            <a:fld id="{B9982081-D51A-40C8-8A41-6498517A0DD4}" type="slidenum">
+              <a:rPr lang="en-US" smtClean="0"/>
+              <a:t>4</a:t>
+            </a:fld>
+            <a:endParaRPr lang="en-US"/>
+          </a:p>
+        </p:txBody>
+      </p:sp>
+      <mc:AlternateContent xmlns:mc="http://schemas.openxmlformats.org/markup-compatibility/2006">
+        <mc:Choice xmlns:a14="http://schemas.microsoft.com/office/drawing/2010/main" Requires="a14">
+          <p:sp>
+            <p:nvSpPr>
+              <p:cNvPr id="4" name="TextBox 3">
+                <a:extLst>
+                  <a:ext uri="{FF2B5EF4-FFF2-40B4-BE49-F238E27FC236}">
+                    <a16:creationId xmlns:a16="http://schemas.microsoft.com/office/drawing/2014/main" id="{7D5AA4E5-DB2F-0590-EDE0-8CB9D538414C}"/>
+                  </a:ext>
+                </a:extLst>
+              </p:cNvPr>
+              <p:cNvSpPr txBox="1"/>
+              <p:nvPr/>
+            </p:nvSpPr>
+            <p:spPr>
+              <a:xfrm>
+                <a:off x="548640" y="1535773"/>
+                <a:ext cx="6369628" cy="1245662"/>
+              </a:xfrm>
+              <a:prstGeom prst="rect">
+                <a:avLst/>
+              </a:prstGeom>
+              <a:noFill/>
+              <a:ln w="19050">
+                <a:solidFill>
+                  <a:srgbClr val="00B0F0"/>
+                </a:solidFill>
+              </a:ln>
+            </p:spPr>
+            <p:txBody>
+              <a:bodyPr wrap="none" rtlCol="0">
+                <a:spAutoFit/>
+              </a:bodyPr>
+              <a:lstStyle/>
+              <a:p>
+                <a14:m>
+                  <m:oMathPara xmlns:m="http://schemas.openxmlformats.org/officeDocument/2006/math">
+                    <m:oMathParaPr>
+                      <m:jc m:val="centerGroup"/>
+                    </m:oMathParaPr>
+                    <m:oMath xmlns:m="http://schemas.openxmlformats.org/officeDocument/2006/math">
+                      <m:f>
+                        <m:fPr>
+                          <m:ctrlPr>
+                            <a:rPr lang="en-US" b="0" i="1" smtClean="0">
+                              <a:latin typeface="Cambria Math" panose="02040503050406030204" pitchFamily="18" charset="0"/>
+                            </a:rPr>
+                          </m:ctrlPr>
+                        </m:fPr>
+                        <m:num>
+                          <m:sSub>
+                            <m:sSubPr>
+                              <m:ctrlPr>
+                                <a:rPr lang="en-US" b="0" i="1" smtClean="0">
+                                  <a:latin typeface="Cambria Math" panose="02040503050406030204" pitchFamily="18" charset="0"/>
+                                </a:rPr>
+                              </m:ctrlPr>
+                            </m:sSubPr>
+                            <m:e>
+                              <m:r>
+                                <a:rPr lang="en-US" b="0" i="1" smtClean="0">
+                                  <a:latin typeface="Cambria Math" panose="02040503050406030204" pitchFamily="18" charset="0"/>
+                                </a:rPr>
+                                <m:t>𝑛</m:t>
+                              </m:r>
+                            </m:e>
+                            <m:sub>
+                              <m:r>
+                                <a:rPr lang="en-US" b="0" i="1" smtClean="0">
+                                  <a:latin typeface="Cambria Math" panose="02040503050406030204" pitchFamily="18" charset="0"/>
+                                </a:rPr>
+                                <m:t>2</m:t>
+                              </m:r>
+                            </m:sub>
+                          </m:sSub>
+                        </m:num>
+                        <m:den>
+                          <m:r>
+                            <a:rPr lang="en-US" b="0" i="1" smtClean="0">
+                              <a:latin typeface="Cambria Math" panose="02040503050406030204" pitchFamily="18" charset="0"/>
+                            </a:rPr>
+                            <m:t>𝑛</m:t>
+                          </m:r>
+                        </m:den>
+                      </m:f>
+                      <m:r>
+                        <a:rPr lang="en-US" b="0" i="1" smtClean="0">
+                          <a:latin typeface="Cambria Math" panose="02040503050406030204" pitchFamily="18" charset="0"/>
+                        </a:rPr>
+                        <m:t>(</m:t>
+                      </m:r>
+                      <m:r>
+                        <a:rPr lang="en-US" b="0" i="1" smtClean="0">
+                          <a:latin typeface="Cambria Math" panose="02040503050406030204" pitchFamily="18" charset="0"/>
+                        </a:rPr>
+                        <m:t>𝑧</m:t>
+                      </m:r>
+                      <m:r>
+                        <a:rPr lang="en-US" b="0" i="1" smtClean="0">
+                          <a:latin typeface="Cambria Math" panose="02040503050406030204" pitchFamily="18" charset="0"/>
+                        </a:rPr>
+                        <m:t>)=</m:t>
+                      </m:r>
+                      <m:f>
+                        <m:fPr>
+                          <m:ctrlPr>
+                            <a:rPr lang="en-US" b="0" i="1" smtClean="0">
+                              <a:latin typeface="Cambria Math" panose="02040503050406030204" pitchFamily="18" charset="0"/>
+                            </a:rPr>
+                          </m:ctrlPr>
+                        </m:fPr>
+                        <m:num>
+                          <m:f>
+                            <m:fPr>
+                              <m:ctrlPr>
+                                <a:rPr lang="en-US" b="0" i="1" smtClean="0">
+                                  <a:latin typeface="Cambria Math" panose="02040503050406030204" pitchFamily="18" charset="0"/>
+                                </a:rPr>
+                              </m:ctrlPr>
+                            </m:fPr>
+                            <m:num>
+                              <m:sSub>
+                                <m:sSubPr>
+                                  <m:ctrlPr>
+                                    <a:rPr lang="en-US" b="0" i="1" smtClean="0">
+                                      <a:latin typeface="Cambria Math" panose="02040503050406030204" pitchFamily="18" charset="0"/>
+                                    </a:rPr>
+                                  </m:ctrlPr>
+                                </m:sSubPr>
+                                <m:e>
+                                  <m:r>
+                                    <m:rPr>
+                                      <m:sty m:val="p"/>
+                                    </m:rPr>
+                                    <a:rPr lang="en-US" b="0" i="0" smtClean="0">
+                                      <a:latin typeface="Cambria Math" panose="02040503050406030204" pitchFamily="18" charset="0"/>
+                                    </a:rPr>
+                                    <m:t>Γ</m:t>
+                                  </m:r>
+                                </m:e>
+                                <m:sub>
+                                  <m:r>
+                                    <a:rPr lang="en-US" b="0" i="1" smtClean="0">
+                                      <a:latin typeface="Cambria Math" panose="02040503050406030204" pitchFamily="18" charset="0"/>
+                                    </a:rPr>
+                                    <m:t>𝑝</m:t>
+                                  </m:r>
+                                </m:sub>
+                              </m:sSub>
+                              <m:sSub>
+                                <m:sSubPr>
+                                  <m:ctrlPr>
+                                    <a:rPr lang="en-US" b="0" i="1" smtClean="0">
+                                      <a:latin typeface="Cambria Math" panose="02040503050406030204" pitchFamily="18" charset="0"/>
+                                    </a:rPr>
+                                  </m:ctrlPr>
+                                </m:sSubPr>
+                                <m:e>
+                                  <m:r>
+                                    <a:rPr lang="en-US" b="0" i="1" smtClean="0">
+                                      <a:latin typeface="Cambria Math" panose="02040503050406030204" pitchFamily="18" charset="0"/>
+                                    </a:rPr>
+                                    <m:t>𝜎</m:t>
+                                  </m:r>
+                                </m:e>
+                                <m:sub>
+                                  <m:r>
+                                    <a:rPr lang="en-US" b="0" i="1" smtClean="0">
+                                      <a:latin typeface="Cambria Math" panose="02040503050406030204" pitchFamily="18" charset="0"/>
+                                    </a:rPr>
+                                    <m:t>𝑎</m:t>
+                                  </m:r>
+                                  <m:r>
+                                    <a:rPr lang="en-US" b="0" i="1" smtClean="0">
+                                      <a:latin typeface="Cambria Math" panose="02040503050406030204" pitchFamily="18" charset="0"/>
+                                    </a:rPr>
+                                    <m:t>,</m:t>
+                                  </m:r>
+                                  <m:r>
+                                    <a:rPr lang="en-US" b="0" i="1" smtClean="0">
+                                      <a:latin typeface="Cambria Math" panose="02040503050406030204" pitchFamily="18" charset="0"/>
+                                    </a:rPr>
+                                    <m:t>𝑝</m:t>
+                                  </m:r>
+                                </m:sub>
+                              </m:sSub>
+                            </m:num>
+                            <m:den>
+                              <m:r>
+                                <a:rPr lang="en-US" b="0" i="1" smtClean="0">
+                                  <a:latin typeface="Cambria Math" panose="02040503050406030204" pitchFamily="18" charset="0"/>
+                                </a:rPr>
+                                <m:t>𝐴</m:t>
+                              </m:r>
+                            </m:den>
+                          </m:f>
+                          <m:f>
+                            <m:fPr>
+                              <m:ctrlPr>
+                                <a:rPr lang="en-US" b="0" i="1" smtClean="0">
+                                  <a:latin typeface="Cambria Math" panose="02040503050406030204" pitchFamily="18" charset="0"/>
+                                </a:rPr>
+                              </m:ctrlPr>
+                            </m:fPr>
+                            <m:num>
+                              <m:sSub>
+                                <m:sSubPr>
+                                  <m:ctrlPr>
+                                    <a:rPr lang="en-US" b="0" i="1" smtClean="0">
+                                      <a:latin typeface="Cambria Math" panose="02040503050406030204" pitchFamily="18" charset="0"/>
+                                    </a:rPr>
+                                  </m:ctrlPr>
+                                </m:sSubPr>
+                                <m:e>
+                                  <m:r>
+                                    <a:rPr lang="en-US" b="0" i="1" smtClean="0">
+                                      <a:latin typeface="Cambria Math" panose="02040503050406030204" pitchFamily="18" charset="0"/>
+                                    </a:rPr>
+                                    <m:t>𝑃</m:t>
+                                  </m:r>
+                                </m:e>
+                                <m:sub>
+                                  <m:r>
+                                    <a:rPr lang="en-US" b="0" i="1" smtClean="0">
+                                      <a:latin typeface="Cambria Math" panose="02040503050406030204" pitchFamily="18" charset="0"/>
+                                    </a:rPr>
+                                    <m:t>𝑝</m:t>
+                                  </m:r>
+                                </m:sub>
+                              </m:sSub>
+                            </m:num>
+                            <m:den>
+                              <m:r>
+                                <a:rPr lang="en-US" b="0" i="1" smtClean="0">
+                                  <a:latin typeface="Cambria Math" panose="02040503050406030204" pitchFamily="18" charset="0"/>
+                                </a:rPr>
+                                <m:t>h</m:t>
+                              </m:r>
+                              <m:sSub>
+                                <m:sSubPr>
+                                  <m:ctrlPr>
+                                    <a:rPr lang="en-US" b="0" i="1" smtClean="0">
+                                      <a:latin typeface="Cambria Math" panose="02040503050406030204" pitchFamily="18" charset="0"/>
+                                    </a:rPr>
+                                  </m:ctrlPr>
+                                </m:sSubPr>
+                                <m:e>
+                                  <m:r>
+                                    <a:rPr lang="en-US" b="0" i="1" smtClean="0">
+                                      <a:latin typeface="Cambria Math" panose="02040503050406030204" pitchFamily="18" charset="0"/>
+                                    </a:rPr>
+                                    <m:t>𝜈</m:t>
+                                  </m:r>
+                                </m:e>
+                                <m:sub>
+                                  <m:r>
+                                    <a:rPr lang="en-US" b="0" i="1" smtClean="0">
+                                      <a:latin typeface="Cambria Math" panose="02040503050406030204" pitchFamily="18" charset="0"/>
+                                    </a:rPr>
+                                    <m:t>𝑝</m:t>
+                                  </m:r>
+                                </m:sub>
+                              </m:sSub>
+                            </m:den>
+                          </m:f>
+                          <m:r>
+                            <a:rPr lang="en-US" b="0" i="1" smtClean="0">
+                              <a:latin typeface="Cambria Math" panose="02040503050406030204" pitchFamily="18" charset="0"/>
+                            </a:rPr>
+                            <m:t>+</m:t>
+                          </m:r>
+                          <m:nary>
+                            <m:naryPr>
+                              <m:subHide m:val="on"/>
+                              <m:supHide m:val="on"/>
+                              <m:ctrlPr>
+                                <a:rPr lang="en-US" b="0" i="1" smtClean="0">
+                                  <a:latin typeface="Cambria Math" panose="02040503050406030204" pitchFamily="18" charset="0"/>
+                                </a:rPr>
+                              </m:ctrlPr>
+                            </m:naryPr>
+                            <m:sub/>
+                            <m:sup/>
+                            <m:e>
+                              <m:f>
+                                <m:fPr>
+                                  <m:ctrlPr>
+                                    <a:rPr lang="en-US" b="0" i="1" smtClean="0">
+                                      <a:latin typeface="Cambria Math" panose="02040503050406030204" pitchFamily="18" charset="0"/>
+                                    </a:rPr>
+                                  </m:ctrlPr>
+                                </m:fPr>
+                                <m:num>
+                                  <m:sSub>
+                                    <m:sSubPr>
+                                      <m:ctrlPr>
+                                        <a:rPr lang="en-US" b="0" i="1" smtClean="0">
+                                          <a:latin typeface="Cambria Math" panose="02040503050406030204" pitchFamily="18" charset="0"/>
+                                        </a:rPr>
+                                      </m:ctrlPr>
+                                    </m:sSubPr>
+                                    <m:e>
+                                      <m:r>
+                                        <m:rPr>
+                                          <m:sty m:val="p"/>
+                                        </m:rPr>
+                                        <a:rPr lang="en-US" b="0" i="0" smtClean="0">
+                                          <a:latin typeface="Cambria Math" panose="02040503050406030204" pitchFamily="18" charset="0"/>
+                                        </a:rPr>
+                                        <m:t>Γ</m:t>
+                                      </m:r>
+                                    </m:e>
+                                    <m:sub>
+                                      <m:r>
+                                        <a:rPr lang="en-US" b="0" i="1" smtClean="0">
+                                          <a:latin typeface="Cambria Math" panose="02040503050406030204" pitchFamily="18" charset="0"/>
+                                        </a:rPr>
+                                        <m:t>𝑠</m:t>
+                                      </m:r>
+                                    </m:sub>
+                                  </m:sSub>
+                                  <m:sSub>
+                                    <m:sSubPr>
+                                      <m:ctrlPr>
+                                        <a:rPr lang="en-US" b="0" i="1" smtClean="0">
+                                          <a:latin typeface="Cambria Math" panose="02040503050406030204" pitchFamily="18" charset="0"/>
+                                        </a:rPr>
+                                      </m:ctrlPr>
+                                    </m:sSubPr>
+                                    <m:e>
+                                      <m:r>
+                                        <a:rPr lang="en-US" b="0" i="1" smtClean="0">
+                                          <a:latin typeface="Cambria Math" panose="02040503050406030204" pitchFamily="18" charset="0"/>
+                                        </a:rPr>
+                                        <m:t>𝜎</m:t>
+                                      </m:r>
+                                    </m:e>
+                                    <m:sub>
+                                      <m:r>
+                                        <a:rPr lang="en-US" b="0" i="1" smtClean="0">
+                                          <a:latin typeface="Cambria Math" panose="02040503050406030204" pitchFamily="18" charset="0"/>
+                                        </a:rPr>
+                                        <m:t>𝑎</m:t>
+                                      </m:r>
+                                    </m:sub>
+                                  </m:sSub>
+                                  <m:r>
+                                    <a:rPr lang="en-US" b="0" i="1" smtClean="0">
+                                      <a:latin typeface="Cambria Math" panose="02040503050406030204" pitchFamily="18" charset="0"/>
+                                    </a:rPr>
+                                    <m:t>(</m:t>
+                                  </m:r>
+                                  <m:r>
+                                    <a:rPr lang="en-US" b="0" i="1" smtClean="0">
+                                      <a:latin typeface="Cambria Math" panose="02040503050406030204" pitchFamily="18" charset="0"/>
+                                    </a:rPr>
+                                    <m:t>𝜈</m:t>
+                                  </m:r>
+                                  <m:r>
+                                    <a:rPr lang="en-US" b="0" i="1" smtClean="0">
+                                      <a:latin typeface="Cambria Math" panose="02040503050406030204" pitchFamily="18" charset="0"/>
+                                    </a:rPr>
+                                    <m:t>)</m:t>
+                                  </m:r>
+                                </m:num>
+                                <m:den>
+                                  <m:r>
+                                    <a:rPr lang="en-US" b="0" i="1" smtClean="0">
+                                      <a:latin typeface="Cambria Math" panose="02040503050406030204" pitchFamily="18" charset="0"/>
+                                    </a:rPr>
+                                    <m:t>𝐴</m:t>
+                                  </m:r>
+                                </m:den>
+                              </m:f>
+                              <m:f>
+                                <m:fPr>
+                                  <m:ctrlPr>
+                                    <a:rPr lang="en-US" b="0" i="1" smtClean="0">
+                                      <a:latin typeface="Cambria Math" panose="02040503050406030204" pitchFamily="18" charset="0"/>
+                                    </a:rPr>
+                                  </m:ctrlPr>
+                                </m:fPr>
+                                <m:num>
+                                  <m:r>
+                                    <a:rPr lang="en-US" b="0" i="1" smtClean="0">
+                                      <a:latin typeface="Cambria Math" panose="02040503050406030204" pitchFamily="18" charset="0"/>
+                                    </a:rPr>
+                                    <m:t>𝑃</m:t>
+                                  </m:r>
+                                  <m:r>
+                                    <a:rPr lang="en-US" b="0" i="1" smtClean="0">
+                                      <a:latin typeface="Cambria Math" panose="02040503050406030204" pitchFamily="18" charset="0"/>
+                                    </a:rPr>
+                                    <m:t>(</m:t>
+                                  </m:r>
+                                  <m:r>
+                                    <a:rPr lang="en-US" b="0" i="1" smtClean="0">
+                                      <a:latin typeface="Cambria Math" panose="02040503050406030204" pitchFamily="18" charset="0"/>
+                                    </a:rPr>
+                                    <m:t>𝜈</m:t>
+                                  </m:r>
+                                  <m:r>
+                                    <a:rPr lang="en-US" b="0" i="1" smtClean="0">
+                                      <a:latin typeface="Cambria Math" panose="02040503050406030204" pitchFamily="18" charset="0"/>
+                                    </a:rPr>
+                                    <m:t>)</m:t>
+                                  </m:r>
+                                </m:num>
+                                <m:den>
+                                  <m:r>
+                                    <a:rPr lang="en-US" b="0" i="1" smtClean="0">
+                                      <a:latin typeface="Cambria Math" panose="02040503050406030204" pitchFamily="18" charset="0"/>
+                                    </a:rPr>
+                                    <m:t>h</m:t>
+                                  </m:r>
+                                  <m:r>
+                                    <a:rPr lang="en-US" b="0" i="1" smtClean="0">
+                                      <a:latin typeface="Cambria Math" panose="02040503050406030204" pitchFamily="18" charset="0"/>
+                                    </a:rPr>
+                                    <m:t>𝜈</m:t>
+                                  </m:r>
+                                </m:den>
+                              </m:f>
+                              <m:r>
+                                <a:rPr lang="en-US" b="0" i="1" smtClean="0">
+                                  <a:latin typeface="Cambria Math" panose="02040503050406030204" pitchFamily="18" charset="0"/>
+                                </a:rPr>
+                                <m:t>𝑑𝑣</m:t>
+                              </m:r>
+                            </m:e>
+                          </m:nary>
+                        </m:num>
+                        <m:den>
+                          <m:f>
+                            <m:fPr>
+                              <m:ctrlPr>
+                                <a:rPr lang="en-US" b="0" i="1" smtClean="0">
+                                  <a:latin typeface="Cambria Math" panose="02040503050406030204" pitchFamily="18" charset="0"/>
+                                </a:rPr>
+                              </m:ctrlPr>
+                            </m:fPr>
+                            <m:num>
+                              <m:r>
+                                <a:rPr lang="en-US" b="0" i="1" smtClean="0">
+                                  <a:latin typeface="Cambria Math" panose="02040503050406030204" pitchFamily="18" charset="0"/>
+                                </a:rPr>
+                                <m:t>1</m:t>
+                              </m:r>
+                            </m:num>
+                            <m:den>
+                              <m:r>
+                                <a:rPr lang="en-US" b="0" i="1" smtClean="0">
+                                  <a:latin typeface="Cambria Math" panose="02040503050406030204" pitchFamily="18" charset="0"/>
+                                </a:rPr>
+                                <m:t>𝜏</m:t>
+                              </m:r>
+                            </m:den>
+                          </m:f>
+                          <m:r>
+                            <a:rPr lang="en-US" b="0" i="1" smtClean="0">
+                              <a:latin typeface="Cambria Math" panose="02040503050406030204" pitchFamily="18" charset="0"/>
+                            </a:rPr>
+                            <m:t>+</m:t>
+                          </m:r>
+                          <m:f>
+                            <m:fPr>
+                              <m:ctrlPr>
+                                <a:rPr lang="en-US" i="1">
+                                  <a:latin typeface="Cambria Math" panose="02040503050406030204" pitchFamily="18" charset="0"/>
+                                </a:rPr>
+                              </m:ctrlPr>
+                            </m:fPr>
+                            <m:num>
+                              <m:sSub>
+                                <m:sSubPr>
+                                  <m:ctrlPr>
+                                    <a:rPr lang="en-US" i="1">
+                                      <a:latin typeface="Cambria Math" panose="02040503050406030204" pitchFamily="18" charset="0"/>
+                                    </a:rPr>
+                                  </m:ctrlPr>
+                                </m:sSubPr>
+                                <m:e>
+                                  <m:r>
+                                    <m:rPr>
+                                      <m:sty m:val="p"/>
+                                    </m:rPr>
+                                    <a:rPr lang="en-US">
+                                      <a:latin typeface="Cambria Math" panose="02040503050406030204" pitchFamily="18" charset="0"/>
+                                    </a:rPr>
+                                    <m:t>Γ</m:t>
+                                  </m:r>
+                                </m:e>
+                                <m:sub>
+                                  <m:r>
+                                    <a:rPr lang="en-US" i="1">
+                                      <a:latin typeface="Cambria Math" panose="02040503050406030204" pitchFamily="18" charset="0"/>
+                                    </a:rPr>
+                                    <m:t>𝑝</m:t>
+                                  </m:r>
+                                </m:sub>
+                              </m:sSub>
+                              <m:r>
+                                <a:rPr lang="en-US" b="0" i="1" smtClean="0">
+                                  <a:latin typeface="Cambria Math" panose="02040503050406030204" pitchFamily="18" charset="0"/>
+                                </a:rPr>
+                                <m:t>(</m:t>
+                              </m:r>
+                              <m:sSub>
+                                <m:sSubPr>
+                                  <m:ctrlPr>
+                                    <a:rPr lang="en-US" i="1">
+                                      <a:latin typeface="Cambria Math" panose="02040503050406030204" pitchFamily="18" charset="0"/>
+                                    </a:rPr>
+                                  </m:ctrlPr>
+                                </m:sSubPr>
+                                <m:e>
+                                  <m:r>
+                                    <a:rPr lang="en-US" i="1">
+                                      <a:latin typeface="Cambria Math" panose="02040503050406030204" pitchFamily="18" charset="0"/>
+                                    </a:rPr>
+                                    <m:t>𝜎</m:t>
+                                  </m:r>
+                                </m:e>
+                                <m:sub>
+                                  <m:r>
+                                    <a:rPr lang="en-US" i="1">
+                                      <a:latin typeface="Cambria Math" panose="02040503050406030204" pitchFamily="18" charset="0"/>
+                                    </a:rPr>
+                                    <m:t>𝑎</m:t>
+                                  </m:r>
+                                  <m:r>
+                                    <a:rPr lang="en-US" i="1">
+                                      <a:latin typeface="Cambria Math" panose="02040503050406030204" pitchFamily="18" charset="0"/>
+                                    </a:rPr>
+                                    <m:t>,</m:t>
+                                  </m:r>
+                                  <m:r>
+                                    <a:rPr lang="en-US" i="1">
+                                      <a:latin typeface="Cambria Math" panose="02040503050406030204" pitchFamily="18" charset="0"/>
+                                    </a:rPr>
+                                    <m:t>𝑝</m:t>
+                                  </m:r>
+                                </m:sub>
+                              </m:sSub>
+                              <m:r>
+                                <a:rPr lang="en-US" b="0" i="1" smtClean="0">
+                                  <a:latin typeface="Cambria Math" panose="02040503050406030204" pitchFamily="18" charset="0"/>
+                                </a:rPr>
+                                <m:t>+</m:t>
+                              </m:r>
+                              <m:sSub>
+                                <m:sSubPr>
+                                  <m:ctrlPr>
+                                    <a:rPr lang="en-US" b="0" i="1" smtClean="0">
+                                      <a:latin typeface="Cambria Math" panose="02040503050406030204" pitchFamily="18" charset="0"/>
+                                    </a:rPr>
+                                  </m:ctrlPr>
+                                </m:sSubPr>
+                                <m:e>
+                                  <m:r>
+                                    <a:rPr lang="en-US" b="0" i="1" smtClean="0">
+                                      <a:latin typeface="Cambria Math" panose="02040503050406030204" pitchFamily="18" charset="0"/>
+                                    </a:rPr>
+                                    <m:t>𝜎</m:t>
+                                  </m:r>
+                                </m:e>
+                                <m:sub>
+                                  <m:r>
+                                    <a:rPr lang="en-US" b="0" i="1" smtClean="0">
+                                      <a:latin typeface="Cambria Math" panose="02040503050406030204" pitchFamily="18" charset="0"/>
+                                    </a:rPr>
+                                    <m:t>𝑒</m:t>
+                                  </m:r>
+                                  <m:r>
+                                    <a:rPr lang="en-US" b="0" i="1" smtClean="0">
+                                      <a:latin typeface="Cambria Math" panose="02040503050406030204" pitchFamily="18" charset="0"/>
+                                    </a:rPr>
+                                    <m:t>,</m:t>
+                                  </m:r>
+                                  <m:r>
+                                    <a:rPr lang="en-US" b="0" i="1" smtClean="0">
+                                      <a:latin typeface="Cambria Math" panose="02040503050406030204" pitchFamily="18" charset="0"/>
+                                    </a:rPr>
+                                    <m:t>𝑝</m:t>
+                                  </m:r>
+                                </m:sub>
+                              </m:sSub>
+                              <m:r>
+                                <a:rPr lang="en-US" b="0" i="1" smtClean="0">
+                                  <a:latin typeface="Cambria Math" panose="02040503050406030204" pitchFamily="18" charset="0"/>
+                                </a:rPr>
+                                <m:t>)</m:t>
+                              </m:r>
+                            </m:num>
+                            <m:den>
+                              <m:r>
+                                <a:rPr lang="en-US" i="1">
+                                  <a:latin typeface="Cambria Math" panose="02040503050406030204" pitchFamily="18" charset="0"/>
+                                </a:rPr>
+                                <m:t>𝐴</m:t>
+                              </m:r>
+                            </m:den>
+                          </m:f>
+                          <m:f>
+                            <m:fPr>
+                              <m:ctrlPr>
+                                <a:rPr lang="en-US" i="1">
+                                  <a:latin typeface="Cambria Math" panose="02040503050406030204" pitchFamily="18" charset="0"/>
+                                </a:rPr>
+                              </m:ctrlPr>
+                            </m:fPr>
+                            <m:num>
+                              <m:sSub>
+                                <m:sSubPr>
+                                  <m:ctrlPr>
+                                    <a:rPr lang="en-US" i="1">
+                                      <a:latin typeface="Cambria Math" panose="02040503050406030204" pitchFamily="18" charset="0"/>
+                                    </a:rPr>
+                                  </m:ctrlPr>
+                                </m:sSubPr>
+                                <m:e>
+                                  <m:r>
+                                    <a:rPr lang="en-US" i="1">
+                                      <a:latin typeface="Cambria Math" panose="02040503050406030204" pitchFamily="18" charset="0"/>
+                                    </a:rPr>
+                                    <m:t>𝑃</m:t>
+                                  </m:r>
+                                </m:e>
+                                <m:sub>
+                                  <m:r>
+                                    <a:rPr lang="en-US" i="1">
+                                      <a:latin typeface="Cambria Math" panose="02040503050406030204" pitchFamily="18" charset="0"/>
+                                    </a:rPr>
+                                    <m:t>𝑝</m:t>
+                                  </m:r>
+                                </m:sub>
+                              </m:sSub>
+                            </m:num>
+                            <m:den>
+                              <m:r>
+                                <a:rPr lang="en-US" i="1">
+                                  <a:latin typeface="Cambria Math" panose="02040503050406030204" pitchFamily="18" charset="0"/>
+                                </a:rPr>
+                                <m:t>h</m:t>
+                              </m:r>
+                              <m:sSub>
+                                <m:sSubPr>
+                                  <m:ctrlPr>
+                                    <a:rPr lang="en-US" i="1">
+                                      <a:latin typeface="Cambria Math" panose="02040503050406030204" pitchFamily="18" charset="0"/>
+                                    </a:rPr>
+                                  </m:ctrlPr>
+                                </m:sSubPr>
+                                <m:e>
+                                  <m:r>
+                                    <a:rPr lang="en-US" i="1">
+                                      <a:latin typeface="Cambria Math" panose="02040503050406030204" pitchFamily="18" charset="0"/>
+                                    </a:rPr>
+                                    <m:t>𝜈</m:t>
+                                  </m:r>
+                                </m:e>
+                                <m:sub>
+                                  <m:r>
+                                    <a:rPr lang="en-US" i="1">
+                                      <a:latin typeface="Cambria Math" panose="02040503050406030204" pitchFamily="18" charset="0"/>
+                                    </a:rPr>
+                                    <m:t>𝑝</m:t>
+                                  </m:r>
+                                </m:sub>
+                              </m:sSub>
+                            </m:den>
+                          </m:f>
+                          <m:r>
+                            <a:rPr lang="en-US" i="1">
+                              <a:latin typeface="Cambria Math" panose="02040503050406030204" pitchFamily="18" charset="0"/>
+                            </a:rPr>
+                            <m:t>+</m:t>
+                          </m:r>
+                          <m:nary>
+                            <m:naryPr>
+                              <m:subHide m:val="on"/>
+                              <m:supHide m:val="on"/>
+                              <m:ctrlPr>
+                                <a:rPr lang="en-US" i="1">
+                                  <a:latin typeface="Cambria Math" panose="02040503050406030204" pitchFamily="18" charset="0"/>
+                                </a:rPr>
+                              </m:ctrlPr>
+                            </m:naryPr>
+                            <m:sub/>
+                            <m:sup/>
+                            <m:e>
+                              <m:f>
+                                <m:fPr>
+                                  <m:ctrlPr>
+                                    <a:rPr lang="en-US" i="1">
+                                      <a:latin typeface="Cambria Math" panose="02040503050406030204" pitchFamily="18" charset="0"/>
+                                    </a:rPr>
+                                  </m:ctrlPr>
+                                </m:fPr>
+                                <m:num>
+                                  <m:sSub>
+                                    <m:sSubPr>
+                                      <m:ctrlPr>
+                                        <a:rPr lang="en-US" i="1">
+                                          <a:latin typeface="Cambria Math" panose="02040503050406030204" pitchFamily="18" charset="0"/>
+                                        </a:rPr>
+                                      </m:ctrlPr>
+                                    </m:sSubPr>
+                                    <m:e>
+                                      <m:r>
+                                        <m:rPr>
+                                          <m:sty m:val="p"/>
+                                        </m:rPr>
+                                        <a:rPr lang="en-US">
+                                          <a:latin typeface="Cambria Math" panose="02040503050406030204" pitchFamily="18" charset="0"/>
+                                        </a:rPr>
+                                        <m:t>Γ</m:t>
+                                      </m:r>
+                                    </m:e>
+                                    <m:sub>
+                                      <m:r>
+                                        <a:rPr lang="en-US" i="1">
+                                          <a:latin typeface="Cambria Math" panose="02040503050406030204" pitchFamily="18" charset="0"/>
+                                        </a:rPr>
+                                        <m:t>𝑠</m:t>
+                                      </m:r>
+                                    </m:sub>
+                                  </m:sSub>
+                                  <m:r>
+                                    <a:rPr lang="en-US" b="0" i="1" smtClean="0">
+                                      <a:latin typeface="Cambria Math" panose="02040503050406030204" pitchFamily="18" charset="0"/>
+                                    </a:rPr>
+                                    <m:t>(</m:t>
+                                  </m:r>
+                                  <m:sSub>
+                                    <m:sSubPr>
+                                      <m:ctrlPr>
+                                        <a:rPr lang="en-US" i="1">
+                                          <a:latin typeface="Cambria Math" panose="02040503050406030204" pitchFamily="18" charset="0"/>
+                                        </a:rPr>
+                                      </m:ctrlPr>
+                                    </m:sSubPr>
+                                    <m:e>
+                                      <m:r>
+                                        <a:rPr lang="en-US" i="1">
+                                          <a:latin typeface="Cambria Math" panose="02040503050406030204" pitchFamily="18" charset="0"/>
+                                        </a:rPr>
+                                        <m:t>𝜎</m:t>
+                                      </m:r>
+                                    </m:e>
+                                    <m:sub>
+                                      <m:r>
+                                        <a:rPr lang="en-US" i="1">
+                                          <a:latin typeface="Cambria Math" panose="02040503050406030204" pitchFamily="18" charset="0"/>
+                                        </a:rPr>
+                                        <m:t>𝑎</m:t>
+                                      </m:r>
+                                    </m:sub>
+                                  </m:sSub>
+                                  <m:d>
+                                    <m:dPr>
+                                      <m:ctrlPr>
+                                        <a:rPr lang="en-US" i="1">
+                                          <a:latin typeface="Cambria Math" panose="02040503050406030204" pitchFamily="18" charset="0"/>
+                                        </a:rPr>
+                                      </m:ctrlPr>
+                                    </m:dPr>
+                                    <m:e>
+                                      <m:r>
+                                        <a:rPr lang="en-US" i="1">
+                                          <a:latin typeface="Cambria Math" panose="02040503050406030204" pitchFamily="18" charset="0"/>
+                                        </a:rPr>
+                                        <m:t>𝜈</m:t>
+                                      </m:r>
+                                    </m:e>
+                                  </m:d>
+                                  <m:r>
+                                    <a:rPr lang="en-US" b="0" i="1" smtClean="0">
+                                      <a:latin typeface="Cambria Math" panose="02040503050406030204" pitchFamily="18" charset="0"/>
+                                    </a:rPr>
+                                    <m:t>+</m:t>
+                                  </m:r>
+                                  <m:sSub>
+                                    <m:sSubPr>
+                                      <m:ctrlPr>
+                                        <a:rPr lang="en-US" b="0" i="1" smtClean="0">
+                                          <a:latin typeface="Cambria Math" panose="02040503050406030204" pitchFamily="18" charset="0"/>
+                                        </a:rPr>
+                                      </m:ctrlPr>
+                                    </m:sSubPr>
+                                    <m:e>
+                                      <m:r>
+                                        <a:rPr lang="en-US" b="0" i="1" smtClean="0">
+                                          <a:latin typeface="Cambria Math" panose="02040503050406030204" pitchFamily="18" charset="0"/>
+                                        </a:rPr>
+                                        <m:t>𝜎</m:t>
+                                      </m:r>
+                                    </m:e>
+                                    <m:sub>
+                                      <m:r>
+                                        <a:rPr lang="en-US" b="0" i="1" smtClean="0">
+                                          <a:latin typeface="Cambria Math" panose="02040503050406030204" pitchFamily="18" charset="0"/>
+                                        </a:rPr>
+                                        <m:t>𝑒</m:t>
+                                      </m:r>
+                                    </m:sub>
+                                  </m:sSub>
+                                  <m:d>
+                                    <m:dPr>
+                                      <m:ctrlPr>
+                                        <a:rPr lang="en-US" b="0" i="1" smtClean="0">
+                                          <a:latin typeface="Cambria Math" panose="02040503050406030204" pitchFamily="18" charset="0"/>
+                                        </a:rPr>
+                                      </m:ctrlPr>
+                                    </m:dPr>
+                                    <m:e>
+                                      <m:r>
+                                        <a:rPr lang="en-US" b="0" i="1" smtClean="0">
+                                          <a:latin typeface="Cambria Math" panose="02040503050406030204" pitchFamily="18" charset="0"/>
+                                        </a:rPr>
+                                        <m:t>𝜈</m:t>
+                                      </m:r>
+                                    </m:e>
+                                  </m:d>
+                                  <m:r>
+                                    <a:rPr lang="en-US" b="0" i="1" smtClean="0">
+                                      <a:latin typeface="Cambria Math" panose="02040503050406030204" pitchFamily="18" charset="0"/>
+                                    </a:rPr>
+                                    <m:t>)</m:t>
+                                  </m:r>
+                                </m:num>
+                                <m:den>
+                                  <m:r>
+                                    <a:rPr lang="en-US" i="1">
+                                      <a:latin typeface="Cambria Math" panose="02040503050406030204" pitchFamily="18" charset="0"/>
+                                    </a:rPr>
+                                    <m:t>𝐴</m:t>
+                                  </m:r>
+                                </m:den>
+                              </m:f>
+                              <m:f>
+                                <m:fPr>
+                                  <m:ctrlPr>
+                                    <a:rPr lang="en-US" i="1">
+                                      <a:latin typeface="Cambria Math" panose="02040503050406030204" pitchFamily="18" charset="0"/>
+                                    </a:rPr>
+                                  </m:ctrlPr>
+                                </m:fPr>
+                                <m:num>
+                                  <m:r>
+                                    <a:rPr lang="en-US" i="1">
+                                      <a:latin typeface="Cambria Math" panose="02040503050406030204" pitchFamily="18" charset="0"/>
+                                    </a:rPr>
+                                    <m:t>𝑃</m:t>
+                                  </m:r>
+                                  <m:r>
+                                    <a:rPr lang="en-US" i="1">
+                                      <a:latin typeface="Cambria Math" panose="02040503050406030204" pitchFamily="18" charset="0"/>
+                                    </a:rPr>
+                                    <m:t>(</m:t>
+                                  </m:r>
+                                  <m:r>
+                                    <a:rPr lang="en-US" i="1">
+                                      <a:latin typeface="Cambria Math" panose="02040503050406030204" pitchFamily="18" charset="0"/>
+                                    </a:rPr>
+                                    <m:t>𝜈</m:t>
+                                  </m:r>
+                                  <m:r>
+                                    <a:rPr lang="en-US" i="1">
+                                      <a:latin typeface="Cambria Math" panose="02040503050406030204" pitchFamily="18" charset="0"/>
+                                    </a:rPr>
+                                    <m:t>)</m:t>
+                                  </m:r>
+                                </m:num>
+                                <m:den>
+                                  <m:r>
+                                    <a:rPr lang="en-US" i="1">
+                                      <a:latin typeface="Cambria Math" panose="02040503050406030204" pitchFamily="18" charset="0"/>
+                                    </a:rPr>
+                                    <m:t>h</m:t>
+                                  </m:r>
+                                  <m:r>
+                                    <a:rPr lang="en-US" i="1">
+                                      <a:latin typeface="Cambria Math" panose="02040503050406030204" pitchFamily="18" charset="0"/>
+                                    </a:rPr>
+                                    <m:t>𝜈</m:t>
+                                  </m:r>
+                                </m:den>
+                              </m:f>
+                              <m:r>
+                                <a:rPr lang="en-US" i="1">
+                                  <a:latin typeface="Cambria Math" panose="02040503050406030204" pitchFamily="18" charset="0"/>
+                                </a:rPr>
+                                <m:t>𝑑𝑣</m:t>
+                              </m:r>
+                            </m:e>
+                          </m:nary>
+                        </m:den>
+                      </m:f>
+                    </m:oMath>
+                  </m:oMathPara>
+                </a14:m>
+                <a:endParaRPr lang="en-US" dirty="0"/>
+              </a:p>
+            </p:txBody>
+          </p:sp>
+        </mc:Choice>
+        <mc:Fallback>
+          <p:sp>
+            <p:nvSpPr>
+              <p:cNvPr id="4" name="TextBox 3">
+                <a:extLst>
+                  <a:ext uri="{FF2B5EF4-FFF2-40B4-BE49-F238E27FC236}">
+                    <a16:creationId xmlns:a16="http://schemas.microsoft.com/office/drawing/2014/main" id="{7D5AA4E5-DB2F-0590-EDE0-8CB9D538414C}"/>
+                  </a:ext>
+                </a:extLst>
+              </p:cNvPr>
+              <p:cNvSpPr txBox="1">
+                <a:spLocks noRot="1" noChangeAspect="1" noMove="1" noResize="1" noEditPoints="1" noAdjustHandles="1" noChangeArrowheads="1" noChangeShapeType="1" noTextEdit="1"/>
+              </p:cNvSpPr>
+              <p:nvPr/>
+            </p:nvSpPr>
+            <p:spPr>
+              <a:xfrm>
+                <a:off x="548640" y="1535773"/>
+                <a:ext cx="6369628" cy="1245662"/>
+              </a:xfrm>
+              <a:prstGeom prst="rect">
+                <a:avLst/>
+              </a:prstGeom>
+              <a:blipFill>
+                <a:blip r:embed="rId2"/>
+                <a:stretch>
+                  <a:fillRect t="-31000" b="-51000"/>
+                </a:stretch>
+              </a:blipFill>
+              <a:ln w="19050">
+                <a:solidFill>
+                  <a:srgbClr val="00B0F0"/>
+                </a:solidFill>
+              </a:ln>
+            </p:spPr>
+            <p:txBody>
+              <a:bodyPr/>
+              <a:lstStyle/>
+              <a:p>
+                <a:r>
+                  <a:rPr lang="en-US">
+                    <a:noFill/>
+                  </a:rPr>
+                  <a:t> </a:t>
+                </a:r>
+              </a:p>
+            </p:txBody>
+          </p:sp>
+        </mc:Fallback>
+      </mc:AlternateContent>
+      <mc:AlternateContent xmlns:mc="http://schemas.openxmlformats.org/markup-compatibility/2006">
+        <mc:Choice xmlns:a14="http://schemas.microsoft.com/office/drawing/2010/main" Requires="a14">
+          <p:sp>
+            <p:nvSpPr>
+              <p:cNvPr id="8" name="TextBox 7">
+                <a:extLst>
+                  <a:ext uri="{FF2B5EF4-FFF2-40B4-BE49-F238E27FC236}">
+                    <a16:creationId xmlns:a16="http://schemas.microsoft.com/office/drawing/2014/main" id="{CF7896AB-9A92-7CE7-0927-41FC4D1972F0}"/>
+                  </a:ext>
+                </a:extLst>
+              </p:cNvPr>
+              <p:cNvSpPr txBox="1"/>
+              <p:nvPr/>
+            </p:nvSpPr>
+            <p:spPr>
+              <a:xfrm>
+                <a:off x="1910609" y="3653619"/>
+                <a:ext cx="1421543" cy="564898"/>
+              </a:xfrm>
+              <a:prstGeom prst="rect">
+                <a:avLst/>
+              </a:prstGeom>
+              <a:noFill/>
+            </p:spPr>
+            <p:txBody>
+              <a:bodyPr wrap="none" rtlCol="0">
+                <a:spAutoFit/>
+              </a:bodyPr>
+              <a:lstStyle/>
+              <a:p>
+                <a14:m>
+                  <m:oMathPara xmlns:m="http://schemas.openxmlformats.org/officeDocument/2006/math">
+                    <m:oMathParaPr>
+                      <m:jc m:val="centerGroup"/>
+                    </m:oMathParaPr>
+                    <m:oMath xmlns:m="http://schemas.openxmlformats.org/officeDocument/2006/math">
+                      <m:sSub>
+                        <m:sSubPr>
+                          <m:ctrlPr>
+                            <a:rPr lang="en-US" b="0" i="1" smtClean="0">
+                              <a:latin typeface="Cambria Math" panose="02040503050406030204" pitchFamily="18" charset="0"/>
+                            </a:rPr>
+                          </m:ctrlPr>
+                        </m:sSubPr>
+                        <m:e>
+                          <m:r>
+                            <a:rPr lang="en-US" b="0" i="1" smtClean="0">
+                              <a:latin typeface="Cambria Math" panose="02040503050406030204" pitchFamily="18" charset="0"/>
+                            </a:rPr>
+                            <m:t>𝑛</m:t>
+                          </m:r>
+                        </m:e>
+                        <m:sub>
+                          <m:r>
+                            <a:rPr lang="en-US" b="0" i="1" smtClean="0">
+                              <a:latin typeface="Cambria Math" panose="02040503050406030204" pitchFamily="18" charset="0"/>
+                            </a:rPr>
+                            <m:t>2</m:t>
+                          </m:r>
+                        </m:sub>
+                      </m:sSub>
+                      <m:r>
+                        <a:rPr lang="en-US" b="0" i="1" smtClean="0">
+                          <a:latin typeface="Cambria Math" panose="02040503050406030204" pitchFamily="18" charset="0"/>
+                        </a:rPr>
+                        <m:t>=</m:t>
+                      </m:r>
+                      <m:d>
+                        <m:dPr>
+                          <m:ctrlPr>
+                            <a:rPr lang="en-US" b="0" i="1" smtClean="0">
+                              <a:latin typeface="Cambria Math" panose="02040503050406030204" pitchFamily="18" charset="0"/>
+                            </a:rPr>
+                          </m:ctrlPr>
+                        </m:dPr>
+                        <m:e>
+                          <m:f>
+                            <m:fPr>
+                              <m:ctrlPr>
+                                <a:rPr lang="en-US" b="0" i="1" smtClean="0">
+                                  <a:latin typeface="Cambria Math" panose="02040503050406030204" pitchFamily="18" charset="0"/>
+                                </a:rPr>
+                              </m:ctrlPr>
+                            </m:fPr>
+                            <m:num>
+                              <m:sSub>
+                                <m:sSubPr>
+                                  <m:ctrlPr>
+                                    <a:rPr lang="en-US" b="0" i="1" smtClean="0">
+                                      <a:latin typeface="Cambria Math" panose="02040503050406030204" pitchFamily="18" charset="0"/>
+                                    </a:rPr>
+                                  </m:ctrlPr>
+                                </m:sSubPr>
+                                <m:e>
+                                  <m:r>
+                                    <a:rPr lang="en-US" b="0" i="1" smtClean="0">
+                                      <a:latin typeface="Cambria Math" panose="02040503050406030204" pitchFamily="18" charset="0"/>
+                                    </a:rPr>
+                                    <m:t>𝑛</m:t>
+                                  </m:r>
+                                </m:e>
+                                <m:sub>
+                                  <m:r>
+                                    <a:rPr lang="en-US" b="0" i="1" smtClean="0">
+                                      <a:latin typeface="Cambria Math" panose="02040503050406030204" pitchFamily="18" charset="0"/>
+                                    </a:rPr>
+                                    <m:t>2</m:t>
+                                  </m:r>
+                                </m:sub>
+                              </m:sSub>
+                            </m:num>
+                            <m:den>
+                              <m:r>
+                                <a:rPr lang="en-US" b="0" i="1" smtClean="0">
+                                  <a:latin typeface="Cambria Math" panose="02040503050406030204" pitchFamily="18" charset="0"/>
+                                </a:rPr>
+                                <m:t>𝑛</m:t>
+                              </m:r>
+                            </m:den>
+                          </m:f>
+                        </m:e>
+                      </m:d>
+                      <m:r>
+                        <a:rPr lang="en-US" b="0" i="1" smtClean="0">
+                          <a:latin typeface="Cambria Math" panose="02040503050406030204" pitchFamily="18" charset="0"/>
+                        </a:rPr>
+                        <m:t>𝑛</m:t>
+                      </m:r>
+                    </m:oMath>
+                  </m:oMathPara>
+                </a14:m>
+                <a:endParaRPr lang="en-US" dirty="0"/>
+              </a:p>
+            </p:txBody>
+          </p:sp>
+        </mc:Choice>
+        <mc:Fallback>
+          <p:sp>
+            <p:nvSpPr>
+              <p:cNvPr id="8" name="TextBox 7">
+                <a:extLst>
+                  <a:ext uri="{FF2B5EF4-FFF2-40B4-BE49-F238E27FC236}">
+                    <a16:creationId xmlns:a16="http://schemas.microsoft.com/office/drawing/2014/main" id="{CF7896AB-9A92-7CE7-0927-41FC4D1972F0}"/>
+                  </a:ext>
+                </a:extLst>
+              </p:cNvPr>
+              <p:cNvSpPr txBox="1">
+                <a:spLocks noRot="1" noChangeAspect="1" noMove="1" noResize="1" noEditPoints="1" noAdjustHandles="1" noChangeArrowheads="1" noChangeShapeType="1" noTextEdit="1"/>
+              </p:cNvSpPr>
+              <p:nvPr/>
+            </p:nvSpPr>
+            <p:spPr>
+              <a:xfrm>
+                <a:off x="1910609" y="3653619"/>
+                <a:ext cx="1421543" cy="564898"/>
+              </a:xfrm>
+              <a:prstGeom prst="rect">
+                <a:avLst/>
+              </a:prstGeom>
+              <a:blipFill>
+                <a:blip r:embed="rId3"/>
+                <a:stretch>
+                  <a:fillRect b="-2174"/>
+                </a:stretch>
+              </a:blipFill>
+            </p:spPr>
+            <p:txBody>
+              <a:bodyPr/>
+              <a:lstStyle/>
+              <a:p>
+                <a:r>
+                  <a:rPr lang="en-US">
+                    <a:noFill/>
+                  </a:rPr>
+                  <a:t> </a:t>
+                </a:r>
+              </a:p>
+            </p:txBody>
+          </p:sp>
+        </mc:Fallback>
+      </mc:AlternateContent>
+      <mc:AlternateContent xmlns:mc="http://schemas.openxmlformats.org/markup-compatibility/2006">
+        <mc:Choice xmlns:a14="http://schemas.microsoft.com/office/drawing/2010/main" Requires="a14">
+          <p:sp>
+            <p:nvSpPr>
+              <p:cNvPr id="9" name="TextBox 8">
+                <a:extLst>
+                  <a:ext uri="{FF2B5EF4-FFF2-40B4-BE49-F238E27FC236}">
+                    <a16:creationId xmlns:a16="http://schemas.microsoft.com/office/drawing/2014/main" id="{4FB02145-D805-4EE4-2A0F-A980E5CE733E}"/>
+                  </a:ext>
+                </a:extLst>
+              </p:cNvPr>
+              <p:cNvSpPr txBox="1"/>
+              <p:nvPr/>
+            </p:nvSpPr>
+            <p:spPr>
+              <a:xfrm>
+                <a:off x="1905030" y="4218517"/>
+                <a:ext cx="1427122" cy="369332"/>
+              </a:xfrm>
+              <a:prstGeom prst="rect">
+                <a:avLst/>
+              </a:prstGeom>
+              <a:noFill/>
+            </p:spPr>
+            <p:txBody>
+              <a:bodyPr wrap="none" rtlCol="0">
+                <a:spAutoFit/>
+              </a:bodyPr>
+              <a:lstStyle/>
+              <a:p>
+                <a14:m>
+                  <m:oMathPara xmlns:m="http://schemas.openxmlformats.org/officeDocument/2006/math">
+                    <m:oMathParaPr>
+                      <m:jc m:val="centerGroup"/>
+                    </m:oMathParaPr>
+                    <m:oMath xmlns:m="http://schemas.openxmlformats.org/officeDocument/2006/math">
+                      <m:sSub>
+                        <m:sSubPr>
+                          <m:ctrlPr>
+                            <a:rPr lang="en-US" b="0" i="1" smtClean="0">
+                              <a:latin typeface="Cambria Math" panose="02040503050406030204" pitchFamily="18" charset="0"/>
+                            </a:rPr>
+                          </m:ctrlPr>
+                        </m:sSubPr>
+                        <m:e>
+                          <m:r>
+                            <a:rPr lang="en-US" b="0" i="1" smtClean="0">
+                              <a:latin typeface="Cambria Math" panose="02040503050406030204" pitchFamily="18" charset="0"/>
+                            </a:rPr>
+                            <m:t>𝑛</m:t>
+                          </m:r>
+                        </m:e>
+                        <m:sub>
+                          <m:r>
+                            <a:rPr lang="en-US" b="0" i="1" smtClean="0">
+                              <a:latin typeface="Cambria Math" panose="02040503050406030204" pitchFamily="18" charset="0"/>
+                            </a:rPr>
+                            <m:t>1</m:t>
+                          </m:r>
+                        </m:sub>
+                      </m:sSub>
+                      <m:r>
+                        <a:rPr lang="en-US" b="0" i="1" smtClean="0">
+                          <a:latin typeface="Cambria Math" panose="02040503050406030204" pitchFamily="18" charset="0"/>
+                        </a:rPr>
+                        <m:t>=</m:t>
+                      </m:r>
+                      <m:r>
+                        <a:rPr lang="en-US" b="0" i="1" smtClean="0">
+                          <a:latin typeface="Cambria Math" panose="02040503050406030204" pitchFamily="18" charset="0"/>
+                        </a:rPr>
+                        <m:t>𝑛</m:t>
+                      </m:r>
+                      <m:r>
+                        <a:rPr lang="en-US" b="0" i="1" smtClean="0">
+                          <a:latin typeface="Cambria Math" panose="02040503050406030204" pitchFamily="18" charset="0"/>
+                        </a:rPr>
+                        <m:t>−</m:t>
+                      </m:r>
+                      <m:sSub>
+                        <m:sSubPr>
+                          <m:ctrlPr>
+                            <a:rPr lang="en-US" b="0" i="1" smtClean="0">
+                              <a:latin typeface="Cambria Math" panose="02040503050406030204" pitchFamily="18" charset="0"/>
+                            </a:rPr>
+                          </m:ctrlPr>
+                        </m:sSubPr>
+                        <m:e>
+                          <m:r>
+                            <a:rPr lang="en-US" b="0" i="1" smtClean="0">
+                              <a:latin typeface="Cambria Math" panose="02040503050406030204" pitchFamily="18" charset="0"/>
+                            </a:rPr>
+                            <m:t>𝑛</m:t>
+                          </m:r>
+                        </m:e>
+                        <m:sub>
+                          <m:r>
+                            <a:rPr lang="en-US" b="0" i="1" smtClean="0">
+                              <a:latin typeface="Cambria Math" panose="02040503050406030204" pitchFamily="18" charset="0"/>
+                            </a:rPr>
+                            <m:t>2</m:t>
+                          </m:r>
+                        </m:sub>
+                      </m:sSub>
+                    </m:oMath>
+                  </m:oMathPara>
+                </a14:m>
+                <a:endParaRPr lang="en-US" dirty="0"/>
+              </a:p>
+            </p:txBody>
+          </p:sp>
+        </mc:Choice>
+        <mc:Fallback>
+          <p:sp>
+            <p:nvSpPr>
+              <p:cNvPr id="9" name="TextBox 8">
+                <a:extLst>
+                  <a:ext uri="{FF2B5EF4-FFF2-40B4-BE49-F238E27FC236}">
+                    <a16:creationId xmlns:a16="http://schemas.microsoft.com/office/drawing/2014/main" id="{4FB02145-D805-4EE4-2A0F-A980E5CE733E}"/>
+                  </a:ext>
+                </a:extLst>
+              </p:cNvPr>
+              <p:cNvSpPr txBox="1">
+                <a:spLocks noRot="1" noChangeAspect="1" noMove="1" noResize="1" noEditPoints="1" noAdjustHandles="1" noChangeArrowheads="1" noChangeShapeType="1" noTextEdit="1"/>
+              </p:cNvSpPr>
+              <p:nvPr/>
+            </p:nvSpPr>
+            <p:spPr>
+              <a:xfrm>
+                <a:off x="1905030" y="4218517"/>
+                <a:ext cx="1427122" cy="369332"/>
+              </a:xfrm>
+              <a:prstGeom prst="rect">
+                <a:avLst/>
+              </a:prstGeom>
+              <a:blipFill>
+                <a:blip r:embed="rId4"/>
+                <a:stretch>
+                  <a:fillRect/>
+                </a:stretch>
+              </a:blipFill>
+            </p:spPr>
+            <p:txBody>
+              <a:bodyPr/>
+              <a:lstStyle/>
+              <a:p>
+                <a:r>
+                  <a:rPr lang="en-US">
+                    <a:noFill/>
+                  </a:rPr>
+                  <a:t> </a:t>
+                </a:r>
+              </a:p>
+            </p:txBody>
+          </p:sp>
+        </mc:Fallback>
+      </mc:AlternateContent>
+      <mc:AlternateContent xmlns:mc="http://schemas.openxmlformats.org/markup-compatibility/2006">
+        <mc:Choice xmlns:a14="http://schemas.microsoft.com/office/drawing/2010/main" Requires="a14">
+          <p:sp>
+            <p:nvSpPr>
+              <p:cNvPr id="10" name="TextBox 9">
+                <a:extLst>
+                  <a:ext uri="{FF2B5EF4-FFF2-40B4-BE49-F238E27FC236}">
+                    <a16:creationId xmlns:a16="http://schemas.microsoft.com/office/drawing/2014/main" id="{6B52C934-8632-A403-72C6-76F2A10F9C50}"/>
+                  </a:ext>
+                </a:extLst>
+              </p:cNvPr>
+              <p:cNvSpPr txBox="1"/>
+              <p:nvPr/>
+            </p:nvSpPr>
+            <p:spPr>
+              <a:xfrm>
+                <a:off x="838200" y="2960618"/>
+                <a:ext cx="2493952" cy="619016"/>
+              </a:xfrm>
+              <a:prstGeom prst="rect">
+                <a:avLst/>
+              </a:prstGeom>
+              <a:noFill/>
+              <a:ln w="19431">
+                <a:solidFill>
+                  <a:srgbClr val="FF0000"/>
+                </a:solidFill>
+              </a:ln>
+            </p:spPr>
+            <p:txBody>
+              <a:bodyPr wrap="none" rtlCol="0">
+                <a:spAutoFit/>
+              </a:bodyPr>
+              <a:lstStyle/>
+              <a:p>
+                <a14:m>
+                  <m:oMathPara xmlns:m="http://schemas.openxmlformats.org/officeDocument/2006/math">
+                    <m:oMathParaPr>
+                      <m:jc m:val="centerGroup"/>
+                    </m:oMathParaPr>
+                    <m:oMath xmlns:m="http://schemas.openxmlformats.org/officeDocument/2006/math">
+                      <m:f>
+                        <m:fPr>
+                          <m:ctrlPr>
+                            <a:rPr lang="en-US" b="0" i="1" smtClean="0">
+                              <a:latin typeface="Cambria Math" panose="02040503050406030204" pitchFamily="18" charset="0"/>
+                            </a:rPr>
+                          </m:ctrlPr>
+                        </m:fPr>
+                        <m:num>
+                          <m:r>
+                            <a:rPr lang="en-US" b="0" i="1" smtClean="0">
+                              <a:latin typeface="Cambria Math" panose="02040503050406030204" pitchFamily="18" charset="0"/>
+                            </a:rPr>
+                            <m:t>𝜕</m:t>
+                          </m:r>
+                          <m:r>
+                            <a:rPr lang="en-US" b="0" i="1" smtClean="0">
+                              <a:latin typeface="Cambria Math" panose="02040503050406030204" pitchFamily="18" charset="0"/>
+                            </a:rPr>
+                            <m:t>𝑃</m:t>
+                          </m:r>
+                        </m:num>
+                        <m:den>
+                          <m:r>
+                            <a:rPr lang="en-US" b="0" i="1" smtClean="0">
+                              <a:latin typeface="Cambria Math" panose="02040503050406030204" pitchFamily="18" charset="0"/>
+                            </a:rPr>
+                            <m:t>𝜕</m:t>
+                          </m:r>
+                          <m:r>
+                            <a:rPr lang="en-US" b="0" i="1" smtClean="0">
+                              <a:latin typeface="Cambria Math" panose="02040503050406030204" pitchFamily="18" charset="0"/>
+                            </a:rPr>
+                            <m:t>𝑧</m:t>
+                          </m:r>
+                        </m:den>
+                      </m:f>
+                      <m:r>
+                        <a:rPr lang="en-US" b="0" i="1" smtClean="0">
+                          <a:latin typeface="Cambria Math" panose="02040503050406030204" pitchFamily="18" charset="0"/>
+                        </a:rPr>
+                        <m:t>=</m:t>
+                      </m:r>
+                      <m:r>
+                        <m:rPr>
+                          <m:sty m:val="p"/>
+                        </m:rPr>
+                        <a:rPr lang="en-US" b="0" i="0" smtClean="0">
+                          <a:latin typeface="Cambria Math" panose="02040503050406030204" pitchFamily="18" charset="0"/>
+                        </a:rPr>
+                        <m:t>Γ</m:t>
+                      </m:r>
+                      <m:r>
+                        <a:rPr lang="en-US" b="0" i="1" smtClean="0">
+                          <a:latin typeface="Cambria Math" panose="02040503050406030204" pitchFamily="18" charset="0"/>
+                        </a:rPr>
+                        <m:t>𝑃</m:t>
+                      </m:r>
+                      <m:r>
+                        <a:rPr lang="en-US" b="0" i="1" smtClean="0">
+                          <a:latin typeface="Cambria Math" panose="02040503050406030204" pitchFamily="18" charset="0"/>
+                        </a:rPr>
+                        <m:t>(</m:t>
+                      </m:r>
+                      <m:sSub>
+                        <m:sSubPr>
+                          <m:ctrlPr>
+                            <a:rPr lang="en-US" b="0" i="1" smtClean="0">
+                              <a:latin typeface="Cambria Math" panose="02040503050406030204" pitchFamily="18" charset="0"/>
+                            </a:rPr>
+                          </m:ctrlPr>
+                        </m:sSubPr>
+                        <m:e>
+                          <m:r>
+                            <a:rPr lang="en-US" b="0" i="1" smtClean="0">
+                              <a:latin typeface="Cambria Math" panose="02040503050406030204" pitchFamily="18" charset="0"/>
+                            </a:rPr>
+                            <m:t>𝑛</m:t>
+                          </m:r>
+                        </m:e>
+                        <m:sub>
+                          <m:r>
+                            <a:rPr lang="en-US" b="0" i="1" smtClean="0">
+                              <a:latin typeface="Cambria Math" panose="02040503050406030204" pitchFamily="18" charset="0"/>
+                            </a:rPr>
+                            <m:t>2</m:t>
+                          </m:r>
+                        </m:sub>
+                      </m:sSub>
+                      <m:sSub>
+                        <m:sSubPr>
+                          <m:ctrlPr>
+                            <a:rPr lang="en-US" b="0" i="1" smtClean="0">
+                              <a:latin typeface="Cambria Math" panose="02040503050406030204" pitchFamily="18" charset="0"/>
+                            </a:rPr>
+                          </m:ctrlPr>
+                        </m:sSubPr>
+                        <m:e>
+                          <m:r>
+                            <a:rPr lang="en-US" b="0" i="1" smtClean="0">
+                              <a:latin typeface="Cambria Math" panose="02040503050406030204" pitchFamily="18" charset="0"/>
+                            </a:rPr>
+                            <m:t>𝜎</m:t>
+                          </m:r>
+                        </m:e>
+                        <m:sub>
+                          <m:r>
+                            <a:rPr lang="en-US" b="0" i="1" smtClean="0">
+                              <a:latin typeface="Cambria Math" panose="02040503050406030204" pitchFamily="18" charset="0"/>
+                            </a:rPr>
+                            <m:t>𝑒</m:t>
+                          </m:r>
+                        </m:sub>
+                      </m:sSub>
+                      <m:r>
+                        <a:rPr lang="en-US" b="0" i="1" smtClean="0">
+                          <a:latin typeface="Cambria Math" panose="02040503050406030204" pitchFamily="18" charset="0"/>
+                        </a:rPr>
+                        <m:t>−</m:t>
+                      </m:r>
+                      <m:sSub>
+                        <m:sSubPr>
+                          <m:ctrlPr>
+                            <a:rPr lang="en-US" b="0" i="1" smtClean="0">
+                              <a:latin typeface="Cambria Math" panose="02040503050406030204" pitchFamily="18" charset="0"/>
+                            </a:rPr>
+                          </m:ctrlPr>
+                        </m:sSubPr>
+                        <m:e>
+                          <m:r>
+                            <a:rPr lang="en-US" b="0" i="1" smtClean="0">
+                              <a:latin typeface="Cambria Math" panose="02040503050406030204" pitchFamily="18" charset="0"/>
+                            </a:rPr>
+                            <m:t>𝑛</m:t>
+                          </m:r>
+                        </m:e>
+                        <m:sub>
+                          <m:r>
+                            <a:rPr lang="en-US" b="0" i="1" smtClean="0">
+                              <a:latin typeface="Cambria Math" panose="02040503050406030204" pitchFamily="18" charset="0"/>
+                            </a:rPr>
+                            <m:t>1</m:t>
+                          </m:r>
+                        </m:sub>
+                      </m:sSub>
+                      <m:sSub>
+                        <m:sSubPr>
+                          <m:ctrlPr>
+                            <a:rPr lang="en-US" b="0" i="1" smtClean="0">
+                              <a:latin typeface="Cambria Math" panose="02040503050406030204" pitchFamily="18" charset="0"/>
+                            </a:rPr>
+                          </m:ctrlPr>
+                        </m:sSubPr>
+                        <m:e>
+                          <m:r>
+                            <a:rPr lang="en-US" b="0" i="1" smtClean="0">
+                              <a:latin typeface="Cambria Math" panose="02040503050406030204" pitchFamily="18" charset="0"/>
+                            </a:rPr>
+                            <m:t>𝜎</m:t>
+                          </m:r>
+                        </m:e>
+                        <m:sub>
+                          <m:r>
+                            <a:rPr lang="en-US" b="0" i="1" smtClean="0">
+                              <a:latin typeface="Cambria Math" panose="02040503050406030204" pitchFamily="18" charset="0"/>
+                            </a:rPr>
+                            <m:t>𝑎</m:t>
+                          </m:r>
+                        </m:sub>
+                      </m:sSub>
+                      <m:r>
+                        <a:rPr lang="en-US" b="0" i="1" smtClean="0">
+                          <a:latin typeface="Cambria Math" panose="02040503050406030204" pitchFamily="18" charset="0"/>
+                        </a:rPr>
+                        <m:t>)</m:t>
+                      </m:r>
+                    </m:oMath>
+                  </m:oMathPara>
+                </a14:m>
+                <a:endParaRPr lang="en-US" dirty="0"/>
+              </a:p>
+            </p:txBody>
+          </p:sp>
+        </mc:Choice>
+        <mc:Fallback>
+          <p:sp>
+            <p:nvSpPr>
+              <p:cNvPr id="10" name="TextBox 9">
+                <a:extLst>
+                  <a:ext uri="{FF2B5EF4-FFF2-40B4-BE49-F238E27FC236}">
+                    <a16:creationId xmlns:a16="http://schemas.microsoft.com/office/drawing/2014/main" id="{6B52C934-8632-A403-72C6-76F2A10F9C50}"/>
+                  </a:ext>
+                </a:extLst>
+              </p:cNvPr>
+              <p:cNvSpPr txBox="1">
+                <a:spLocks noRot="1" noChangeAspect="1" noMove="1" noResize="1" noEditPoints="1" noAdjustHandles="1" noChangeArrowheads="1" noChangeShapeType="1" noTextEdit="1"/>
+              </p:cNvSpPr>
+              <p:nvPr/>
+            </p:nvSpPr>
+            <p:spPr>
+              <a:xfrm>
+                <a:off x="838200" y="2960618"/>
+                <a:ext cx="2493952" cy="619016"/>
+              </a:xfrm>
+              <a:prstGeom prst="rect">
+                <a:avLst/>
+              </a:prstGeom>
+              <a:blipFill>
+                <a:blip r:embed="rId5"/>
+                <a:stretch>
+                  <a:fillRect b="-3922"/>
+                </a:stretch>
+              </a:blipFill>
+              <a:ln w="19431">
+                <a:solidFill>
+                  <a:srgbClr val="FF0000"/>
+                </a:solidFill>
+              </a:ln>
+            </p:spPr>
+            <p:txBody>
+              <a:bodyPr/>
+              <a:lstStyle/>
+              <a:p>
+                <a:r>
+                  <a:rPr lang="en-US">
+                    <a:noFill/>
+                  </a:rPr>
+                  <a:t> </a:t>
+                </a:r>
+              </a:p>
+            </p:txBody>
+          </p:sp>
+        </mc:Fallback>
+      </mc:AlternateContent>
+      <p:sp>
+        <p:nvSpPr>
+          <p:cNvPr id="12" name="TextBox 11">
+            <a:extLst>
+              <a:ext uri="{FF2B5EF4-FFF2-40B4-BE49-F238E27FC236}">
+                <a16:creationId xmlns:a16="http://schemas.microsoft.com/office/drawing/2014/main" id="{4D0AEEE2-D21E-2672-E342-6E4B3A261F69}"/>
+              </a:ext>
+            </a:extLst>
+          </p:cNvPr>
+          <p:cNvSpPr txBox="1"/>
+          <p:nvPr/>
+        </p:nvSpPr>
+        <p:spPr>
+          <a:xfrm>
+            <a:off x="1186547" y="3653619"/>
+            <a:ext cx="842090" cy="369332"/>
+          </a:xfrm>
+          <a:prstGeom prst="rect">
+            <a:avLst/>
+          </a:prstGeom>
+          <a:noFill/>
+        </p:spPr>
+        <p:txBody>
+          <a:bodyPr wrap="none" rtlCol="0">
+            <a:spAutoFit/>
+          </a:bodyPr>
+          <a:lstStyle/>
+          <a:p>
+            <a:r>
+              <a:rPr lang="en-US" dirty="0"/>
+              <a:t>where:</a:t>
+            </a:r>
+          </a:p>
+        </p:txBody>
+      </p:sp>
+      <p:sp>
+        <p:nvSpPr>
+          <p:cNvPr id="15" name="TextBox 14">
+            <a:extLst>
+              <a:ext uri="{FF2B5EF4-FFF2-40B4-BE49-F238E27FC236}">
+                <a16:creationId xmlns:a16="http://schemas.microsoft.com/office/drawing/2014/main" id="{B06D07D4-0DC5-A199-7C3E-95AA93DF0AA6}"/>
+              </a:ext>
+            </a:extLst>
+          </p:cNvPr>
+          <p:cNvSpPr txBox="1"/>
+          <p:nvPr/>
+        </p:nvSpPr>
+        <p:spPr>
+          <a:xfrm>
+            <a:off x="7560768" y="994917"/>
+            <a:ext cx="4082592" cy="1754326"/>
+          </a:xfrm>
+          <a:prstGeom prst="rect">
+            <a:avLst/>
+          </a:prstGeom>
+          <a:noFill/>
+        </p:spPr>
+        <p:txBody>
+          <a:bodyPr wrap="none" rtlCol="0">
+            <a:spAutoFit/>
+          </a:bodyPr>
+          <a:lstStyle/>
+          <a:p>
+            <a:r>
+              <a:rPr lang="en-US" dirty="0"/>
+              <a:t>Need to know:</a:t>
+            </a:r>
+          </a:p>
+          <a:p>
+            <a:pPr marL="342900" indent="-342900">
+              <a:buFont typeface="+mj-lt"/>
+              <a:buAutoNum type="arabicPeriod"/>
+            </a:pPr>
+            <a:r>
+              <a:rPr lang="en-US" dirty="0"/>
+              <a:t>Total doping concentration (ions / m</a:t>
+            </a:r>
+            <a:r>
+              <a:rPr lang="en-US" baseline="30000" dirty="0"/>
+              <a:t>3</a:t>
+            </a:r>
+            <a:r>
+              <a:rPr lang="en-US" dirty="0"/>
+              <a:t>)</a:t>
+            </a:r>
+          </a:p>
+          <a:p>
+            <a:pPr marL="342900" indent="-342900">
+              <a:buFont typeface="+mj-lt"/>
+              <a:buAutoNum type="arabicPeriod"/>
+            </a:pPr>
+            <a:r>
+              <a:rPr lang="en-US" dirty="0"/>
+              <a:t>Absorption cross-section (m</a:t>
+            </a:r>
+            <a:r>
+              <a:rPr lang="en-US" baseline="30000" dirty="0"/>
+              <a:t>2</a:t>
+            </a:r>
+            <a:r>
+              <a:rPr lang="en-US" dirty="0"/>
+              <a:t>)</a:t>
+            </a:r>
+          </a:p>
+          <a:p>
+            <a:pPr marL="342900" indent="-342900">
+              <a:buFont typeface="+mj-lt"/>
+              <a:buAutoNum type="arabicPeriod"/>
+            </a:pPr>
+            <a:r>
+              <a:rPr lang="en-US" dirty="0"/>
+              <a:t>Emission cross-section (m</a:t>
+            </a:r>
+            <a:r>
+              <a:rPr lang="en-US" baseline="30000" dirty="0"/>
+              <a:t>2</a:t>
+            </a:r>
+            <a:r>
+              <a:rPr lang="en-US" dirty="0"/>
+              <a:t>)</a:t>
+            </a:r>
+          </a:p>
+          <a:p>
+            <a:pPr marL="342900" indent="-342900">
+              <a:buFont typeface="+mj-lt"/>
+              <a:buAutoNum type="arabicPeriod"/>
+            </a:pPr>
+            <a:r>
+              <a:rPr lang="en-US" dirty="0"/>
+              <a:t>Fiber core size</a:t>
+            </a:r>
+          </a:p>
+          <a:p>
+            <a:pPr marL="342900" indent="-342900">
+              <a:buFont typeface="+mj-lt"/>
+              <a:buAutoNum type="arabicPeriod"/>
+            </a:pPr>
+            <a:r>
+              <a:rPr lang="en-US" dirty="0"/>
+              <a:t>Excited state lifetime</a:t>
+            </a:r>
+          </a:p>
+        </p:txBody>
+      </p:sp>
+      <mc:AlternateContent xmlns:mc="http://schemas.openxmlformats.org/markup-compatibility/2006">
+        <mc:Choice xmlns:a14="http://schemas.microsoft.com/office/drawing/2010/main" Requires="a14">
+          <p:sp>
+            <p:nvSpPr>
+              <p:cNvPr id="16" name="TextBox 15">
+                <a:extLst>
+                  <a:ext uri="{FF2B5EF4-FFF2-40B4-BE49-F238E27FC236}">
+                    <a16:creationId xmlns:a16="http://schemas.microsoft.com/office/drawing/2014/main" id="{431691A4-A96B-63F4-E224-323DEDD3739E}"/>
+                  </a:ext>
+                </a:extLst>
+              </p:cNvPr>
+              <p:cNvSpPr txBox="1"/>
+              <p:nvPr/>
+            </p:nvSpPr>
+            <p:spPr>
+              <a:xfrm>
+                <a:off x="7209997" y="2889208"/>
+                <a:ext cx="4252703" cy="1200329"/>
+              </a:xfrm>
+              <a:prstGeom prst="rect">
+                <a:avLst/>
+              </a:prstGeom>
+              <a:noFill/>
+              <a:ln w="19050">
+                <a:solidFill>
+                  <a:schemeClr val="tx1"/>
+                </a:solidFill>
+              </a:ln>
+            </p:spPr>
+            <p:txBody>
+              <a:bodyPr wrap="none" rtlCol="0">
+                <a:spAutoFit/>
+              </a:bodyPr>
+              <a:lstStyle/>
+              <a:p>
+                <a:r>
+                  <a:rPr lang="en-US" dirty="0"/>
+                  <a:t>I’m taking 1-3 from an example from Ansys:</a:t>
+                </a:r>
+              </a:p>
+              <a:p>
+                <a14:m>
+                  <m:oMathPara xmlns:m="http://schemas.openxmlformats.org/officeDocument/2006/math">
+                    <m:oMathParaPr>
+                      <m:jc m:val="centerGroup"/>
+                    </m:oMathParaPr>
+                    <m:oMath xmlns:m="http://schemas.openxmlformats.org/officeDocument/2006/math">
+                      <m:r>
+                        <a:rPr lang="en-US" b="0" i="1" smtClean="0">
+                          <a:latin typeface="Cambria Math" panose="02040503050406030204" pitchFamily="18" charset="0"/>
+                        </a:rPr>
+                        <m:t>𝑛</m:t>
+                      </m:r>
+                      <m:r>
+                        <a:rPr lang="en-US" b="0" i="1" smtClean="0">
+                          <a:latin typeface="Cambria Math" panose="02040503050406030204" pitchFamily="18" charset="0"/>
+                        </a:rPr>
+                        <m:t>=7×</m:t>
+                      </m:r>
+                      <m:sSup>
+                        <m:sSupPr>
+                          <m:ctrlPr>
+                            <a:rPr lang="en-US" b="0" i="1" smtClean="0">
+                              <a:latin typeface="Cambria Math" panose="02040503050406030204" pitchFamily="18" charset="0"/>
+                            </a:rPr>
+                          </m:ctrlPr>
+                        </m:sSupPr>
+                        <m:e>
+                          <m:r>
+                            <a:rPr lang="en-US" b="0" i="1" smtClean="0">
+                              <a:latin typeface="Cambria Math" panose="02040503050406030204" pitchFamily="18" charset="0"/>
+                            </a:rPr>
+                            <m:t>10</m:t>
+                          </m:r>
+                        </m:e>
+                        <m:sup>
+                          <m:r>
+                            <a:rPr lang="en-US" b="0" i="1" smtClean="0">
+                              <a:latin typeface="Cambria Math" panose="02040503050406030204" pitchFamily="18" charset="0"/>
+                            </a:rPr>
+                            <m:t>24</m:t>
+                          </m:r>
+                        </m:sup>
+                      </m:sSup>
+                      <m:r>
+                        <a:rPr lang="en-US" b="0" i="1" smtClean="0">
+                          <a:latin typeface="Cambria Math" panose="02040503050406030204" pitchFamily="18" charset="0"/>
+                        </a:rPr>
+                        <m:t> </m:t>
+                      </m:r>
+                      <m:sSup>
+                        <m:sSupPr>
+                          <m:ctrlPr>
+                            <a:rPr lang="en-US" b="0" i="1" smtClean="0">
+                              <a:latin typeface="Cambria Math" panose="02040503050406030204" pitchFamily="18" charset="0"/>
+                            </a:rPr>
+                          </m:ctrlPr>
+                        </m:sSupPr>
+                        <m:e>
+                          <m:r>
+                            <a:rPr lang="en-US" b="0" i="1" smtClean="0">
+                              <a:latin typeface="Cambria Math" panose="02040503050406030204" pitchFamily="18" charset="0"/>
+                            </a:rPr>
+                            <m:t>𝑚</m:t>
+                          </m:r>
+                        </m:e>
+                        <m:sup>
+                          <m:r>
+                            <a:rPr lang="en-US" b="0" i="1" smtClean="0">
+                              <a:latin typeface="Cambria Math" panose="02040503050406030204" pitchFamily="18" charset="0"/>
+                            </a:rPr>
+                            <m:t>−3</m:t>
+                          </m:r>
+                        </m:sup>
+                      </m:sSup>
+                    </m:oMath>
+                  </m:oMathPara>
+                </a14:m>
+                <a:endParaRPr lang="en-US" dirty="0"/>
+              </a:p>
+              <a:p>
+                <a14:m>
+                  <m:oMathPara xmlns:m="http://schemas.openxmlformats.org/officeDocument/2006/math">
+                    <m:oMathParaPr>
+                      <m:jc m:val="centerGroup"/>
+                    </m:oMathParaPr>
+                    <m:oMath xmlns:m="http://schemas.openxmlformats.org/officeDocument/2006/math">
+                      <m:sSub>
+                        <m:sSubPr>
+                          <m:ctrlPr>
+                            <a:rPr lang="en-US" b="0" i="1" smtClean="0">
+                              <a:latin typeface="Cambria Math" panose="02040503050406030204" pitchFamily="18" charset="0"/>
+                            </a:rPr>
+                          </m:ctrlPr>
+                        </m:sSubPr>
+                        <m:e>
+                          <m:r>
+                            <a:rPr lang="en-US" b="0" i="1" smtClean="0">
+                              <a:latin typeface="Cambria Math" panose="02040503050406030204" pitchFamily="18" charset="0"/>
+                            </a:rPr>
+                            <m:t>𝑟</m:t>
+                          </m:r>
+                        </m:e>
+                        <m:sub>
+                          <m:r>
+                            <a:rPr lang="en-US" b="0" i="1" smtClean="0">
+                              <a:latin typeface="Cambria Math" panose="02040503050406030204" pitchFamily="18" charset="0"/>
+                            </a:rPr>
+                            <m:t>𝑐𝑜𝑟𝑒</m:t>
+                          </m:r>
+                        </m:sub>
+                      </m:sSub>
+                      <m:r>
+                        <a:rPr lang="en-US" b="0" i="1" smtClean="0">
+                          <a:latin typeface="Cambria Math" panose="02040503050406030204" pitchFamily="18" charset="0"/>
+                        </a:rPr>
+                        <m:t>=1.05 </m:t>
+                      </m:r>
+                      <m:r>
+                        <a:rPr lang="en-US" b="0" i="1" smtClean="0">
+                          <a:latin typeface="Cambria Math" panose="02040503050406030204" pitchFamily="18" charset="0"/>
+                        </a:rPr>
+                        <m:t>𝜇</m:t>
+                      </m:r>
+                      <m:r>
+                        <a:rPr lang="en-US" b="0" i="1" smtClean="0">
+                          <a:latin typeface="Cambria Math" panose="02040503050406030204" pitchFamily="18" charset="0"/>
+                        </a:rPr>
+                        <m:t>𝑚</m:t>
+                      </m:r>
+                    </m:oMath>
+                  </m:oMathPara>
+                </a14:m>
+                <a:endParaRPr lang="en-US" dirty="0"/>
+              </a:p>
+              <a:p>
+                <a14:m>
+                  <m:oMathPara xmlns:m="http://schemas.openxmlformats.org/officeDocument/2006/math">
+                    <m:oMathParaPr>
+                      <m:jc m:val="centerGroup"/>
+                    </m:oMathParaPr>
+                    <m:oMath xmlns:m="http://schemas.openxmlformats.org/officeDocument/2006/math">
+                      <m:r>
+                        <a:rPr lang="en-US" b="0" i="1" smtClean="0">
+                          <a:latin typeface="Cambria Math" panose="02040503050406030204" pitchFamily="18" charset="0"/>
+                        </a:rPr>
+                        <m:t>𝜏</m:t>
+                      </m:r>
+                      <m:r>
+                        <a:rPr lang="en-US" b="0" i="1" smtClean="0">
+                          <a:latin typeface="Cambria Math" panose="02040503050406030204" pitchFamily="18" charset="0"/>
+                        </a:rPr>
+                        <m:t>=10.2 </m:t>
+                      </m:r>
+                      <m:r>
+                        <a:rPr lang="en-US" b="0" i="1" smtClean="0">
+                          <a:latin typeface="Cambria Math" panose="02040503050406030204" pitchFamily="18" charset="0"/>
+                        </a:rPr>
+                        <m:t>𝑚𝑠</m:t>
+                      </m:r>
+                    </m:oMath>
+                  </m:oMathPara>
+                </a14:m>
+                <a:endParaRPr lang="en-US" dirty="0"/>
+              </a:p>
+            </p:txBody>
+          </p:sp>
+        </mc:Choice>
+        <mc:Fallback>
+          <p:sp>
+            <p:nvSpPr>
+              <p:cNvPr id="16" name="TextBox 15">
+                <a:extLst>
+                  <a:ext uri="{FF2B5EF4-FFF2-40B4-BE49-F238E27FC236}">
+                    <a16:creationId xmlns:a16="http://schemas.microsoft.com/office/drawing/2014/main" id="{431691A4-A96B-63F4-E224-323DEDD3739E}"/>
+                  </a:ext>
+                </a:extLst>
+              </p:cNvPr>
+              <p:cNvSpPr txBox="1">
+                <a:spLocks noRot="1" noChangeAspect="1" noMove="1" noResize="1" noEditPoints="1" noAdjustHandles="1" noChangeArrowheads="1" noChangeShapeType="1" noTextEdit="1"/>
+              </p:cNvSpPr>
+              <p:nvPr/>
+            </p:nvSpPr>
+            <p:spPr>
+              <a:xfrm>
+                <a:off x="7209997" y="2889208"/>
+                <a:ext cx="4252703" cy="1200329"/>
+              </a:xfrm>
+              <a:prstGeom prst="rect">
+                <a:avLst/>
+              </a:prstGeom>
+              <a:blipFill>
+                <a:blip r:embed="rId6"/>
+                <a:stretch>
+                  <a:fillRect l="-1187" t="-2062" b="-3093"/>
+                </a:stretch>
+              </a:blipFill>
+              <a:ln w="19050">
+                <a:solidFill>
+                  <a:schemeClr val="tx1"/>
+                </a:solidFill>
+              </a:ln>
+            </p:spPr>
+            <p:txBody>
+              <a:bodyPr/>
+              <a:lstStyle/>
+              <a:p>
+                <a:r>
+                  <a:rPr lang="en-US">
+                    <a:noFill/>
+                  </a:rPr>
+                  <a:t> </a:t>
+                </a:r>
+              </a:p>
+            </p:txBody>
+          </p:sp>
+        </mc:Fallback>
+      </mc:AlternateContent>
+      <p:pic>
+        <p:nvPicPr>
+          <p:cNvPr id="20" name="Picture 19">
+            <a:extLst>
+              <a:ext uri="{FF2B5EF4-FFF2-40B4-BE49-F238E27FC236}">
+                <a16:creationId xmlns:a16="http://schemas.microsoft.com/office/drawing/2014/main" id="{DD400594-3E4C-01C5-8519-C738FD4BC378}"/>
+              </a:ext>
+            </a:extLst>
+          </p:cNvPr>
+          <p:cNvPicPr>
+            <a:picLocks noChangeAspect="1"/>
+          </p:cNvPicPr>
+          <p:nvPr/>
+        </p:nvPicPr>
+        <p:blipFill>
+          <a:blip r:embed="rId7"/>
+          <a:stretch>
+            <a:fillRect/>
+          </a:stretch>
+        </p:blipFill>
+        <p:spPr>
+          <a:xfrm>
+            <a:off x="8295178" y="4256813"/>
+            <a:ext cx="3374043" cy="2530532"/>
+          </a:xfrm>
+          <a:prstGeom prst="rect">
+            <a:avLst/>
+          </a:prstGeom>
+        </p:spPr>
+      </p:pic>
+      <p:sp>
+        <p:nvSpPr>
+          <p:cNvPr id="21" name="TextBox 20">
+            <a:extLst>
+              <a:ext uri="{FF2B5EF4-FFF2-40B4-BE49-F238E27FC236}">
+                <a16:creationId xmlns:a16="http://schemas.microsoft.com/office/drawing/2014/main" id="{672FB107-AF36-56DC-6F39-2740944D3314}"/>
+              </a:ext>
+            </a:extLst>
+          </p:cNvPr>
+          <p:cNvSpPr txBox="1"/>
+          <p:nvPr/>
+        </p:nvSpPr>
+        <p:spPr>
+          <a:xfrm>
+            <a:off x="290217" y="4682394"/>
+            <a:ext cx="2273571" cy="369332"/>
+          </a:xfrm>
+          <a:prstGeom prst="rect">
+            <a:avLst/>
+          </a:prstGeom>
+          <a:noFill/>
+        </p:spPr>
+        <p:txBody>
+          <a:bodyPr wrap="none" rtlCol="0">
+            <a:spAutoFit/>
+          </a:bodyPr>
+          <a:lstStyle/>
+          <a:p>
+            <a:r>
+              <a:rPr lang="en-US" dirty="0"/>
+              <a:t>The gain coefficient is:</a:t>
+            </a:r>
+          </a:p>
+        </p:txBody>
+      </p:sp>
+      <mc:AlternateContent xmlns:mc="http://schemas.openxmlformats.org/markup-compatibility/2006">
+        <mc:Choice xmlns:a14="http://schemas.microsoft.com/office/drawing/2010/main" Requires="a14">
+          <p:sp>
+            <p:nvSpPr>
+              <p:cNvPr id="22" name="TextBox 21">
+                <a:extLst>
+                  <a:ext uri="{FF2B5EF4-FFF2-40B4-BE49-F238E27FC236}">
+                    <a16:creationId xmlns:a16="http://schemas.microsoft.com/office/drawing/2014/main" id="{B65C1AF4-869D-F8FD-A627-53D4EA78E996}"/>
+                  </a:ext>
+                </a:extLst>
+              </p:cNvPr>
+              <p:cNvSpPr txBox="1"/>
+              <p:nvPr/>
+            </p:nvSpPr>
+            <p:spPr>
+              <a:xfrm>
+                <a:off x="457164" y="5152747"/>
+                <a:ext cx="4047968" cy="369332"/>
+              </a:xfrm>
+              <a:prstGeom prst="rect">
+                <a:avLst/>
+              </a:prstGeom>
+              <a:noFill/>
+              <a:ln w="19050">
+                <a:solidFill>
+                  <a:srgbClr val="00B050"/>
+                </a:solidFill>
+              </a:ln>
+            </p:spPr>
+            <p:txBody>
+              <a:bodyPr wrap="none" rtlCol="0">
+                <a:spAutoFit/>
+              </a:bodyPr>
+              <a:lstStyle/>
+              <a:p>
+                <a14:m>
+                  <m:oMathPara xmlns:m="http://schemas.openxmlformats.org/officeDocument/2006/math">
+                    <m:oMathParaPr>
+                      <m:jc m:val="centerGroup"/>
+                    </m:oMathParaPr>
+                    <m:oMath xmlns:m="http://schemas.openxmlformats.org/officeDocument/2006/math">
+                      <m:r>
+                        <a:rPr lang="en-US" b="0" i="1" smtClean="0">
+                          <a:latin typeface="Cambria Math" panose="02040503050406030204" pitchFamily="18" charset="0"/>
+                        </a:rPr>
+                        <m:t>𝑔</m:t>
+                      </m:r>
+                      <m:d>
+                        <m:dPr>
+                          <m:ctrlPr>
+                            <a:rPr lang="en-US" b="0" i="1" smtClean="0">
+                              <a:latin typeface="Cambria Math" panose="02040503050406030204" pitchFamily="18" charset="0"/>
+                            </a:rPr>
+                          </m:ctrlPr>
+                        </m:dPr>
+                        <m:e>
+                          <m:r>
+                            <a:rPr lang="en-US" b="0" i="1" smtClean="0">
+                              <a:latin typeface="Cambria Math" panose="02040503050406030204" pitchFamily="18" charset="0"/>
+                            </a:rPr>
+                            <m:t>𝜈</m:t>
+                          </m:r>
+                          <m:r>
+                            <a:rPr lang="en-US" b="0" i="1" smtClean="0">
+                              <a:latin typeface="Cambria Math" panose="02040503050406030204" pitchFamily="18" charset="0"/>
+                            </a:rPr>
+                            <m:t>,</m:t>
+                          </m:r>
+                          <m:r>
+                            <a:rPr lang="en-US" b="0" i="1" smtClean="0">
+                              <a:latin typeface="Cambria Math" panose="02040503050406030204" pitchFamily="18" charset="0"/>
+                            </a:rPr>
+                            <m:t>𝑧</m:t>
+                          </m:r>
+                        </m:e>
+                      </m:d>
+                      <m:r>
+                        <a:rPr lang="en-US" b="0" i="1" smtClean="0">
+                          <a:latin typeface="Cambria Math" panose="02040503050406030204" pitchFamily="18" charset="0"/>
+                        </a:rPr>
+                        <m:t>=</m:t>
+                      </m:r>
+                      <m:sSub>
+                        <m:sSubPr>
+                          <m:ctrlPr>
+                            <a:rPr lang="en-US" b="0" i="1" smtClean="0">
+                              <a:latin typeface="Cambria Math" panose="02040503050406030204" pitchFamily="18" charset="0"/>
+                            </a:rPr>
+                          </m:ctrlPr>
+                        </m:sSubPr>
+                        <m:e>
+                          <m:r>
+                            <m:rPr>
+                              <m:sty m:val="p"/>
+                            </m:rPr>
+                            <a:rPr lang="en-US" b="0" i="0" smtClean="0">
+                              <a:latin typeface="Cambria Math" panose="02040503050406030204" pitchFamily="18" charset="0"/>
+                            </a:rPr>
+                            <m:t>Γ</m:t>
+                          </m:r>
+                        </m:e>
+                        <m:sub>
+                          <m:r>
+                            <a:rPr lang="en-US" b="0" i="1" smtClean="0">
+                              <a:latin typeface="Cambria Math" panose="02040503050406030204" pitchFamily="18" charset="0"/>
+                            </a:rPr>
+                            <m:t>𝑠</m:t>
+                          </m:r>
+                        </m:sub>
+                      </m:sSub>
+                      <m:r>
+                        <a:rPr lang="en-US" b="0" i="1" smtClean="0">
+                          <a:latin typeface="Cambria Math" panose="02040503050406030204" pitchFamily="18" charset="0"/>
+                        </a:rPr>
+                        <m:t>(</m:t>
+                      </m:r>
+                      <m:sSub>
+                        <m:sSubPr>
+                          <m:ctrlPr>
+                            <a:rPr lang="en-US" b="0" i="1" smtClean="0">
+                              <a:latin typeface="Cambria Math" panose="02040503050406030204" pitchFamily="18" charset="0"/>
+                            </a:rPr>
+                          </m:ctrlPr>
+                        </m:sSubPr>
+                        <m:e>
+                          <m:r>
+                            <a:rPr lang="en-US" b="0" i="1" smtClean="0">
+                              <a:latin typeface="Cambria Math" panose="02040503050406030204" pitchFamily="18" charset="0"/>
+                            </a:rPr>
+                            <m:t>𝜎</m:t>
+                          </m:r>
+                        </m:e>
+                        <m:sub>
+                          <m:r>
+                            <a:rPr lang="en-US" b="0" i="1" smtClean="0">
+                              <a:latin typeface="Cambria Math" panose="02040503050406030204" pitchFamily="18" charset="0"/>
+                            </a:rPr>
+                            <m:t>𝑒</m:t>
+                          </m:r>
+                        </m:sub>
+                      </m:sSub>
+                      <m:d>
+                        <m:dPr>
+                          <m:ctrlPr>
+                            <a:rPr lang="en-US" b="0" i="1" smtClean="0">
+                              <a:latin typeface="Cambria Math" panose="02040503050406030204" pitchFamily="18" charset="0"/>
+                            </a:rPr>
+                          </m:ctrlPr>
+                        </m:dPr>
+                        <m:e>
+                          <m:r>
+                            <a:rPr lang="en-US" b="0" i="1" smtClean="0">
+                              <a:latin typeface="Cambria Math" panose="02040503050406030204" pitchFamily="18" charset="0"/>
+                            </a:rPr>
+                            <m:t>𝜈</m:t>
+                          </m:r>
+                        </m:e>
+                      </m:d>
+                      <m:sSub>
+                        <m:sSubPr>
+                          <m:ctrlPr>
+                            <a:rPr lang="en-US" b="0" i="1" smtClean="0">
+                              <a:latin typeface="Cambria Math" panose="02040503050406030204" pitchFamily="18" charset="0"/>
+                            </a:rPr>
+                          </m:ctrlPr>
+                        </m:sSubPr>
+                        <m:e>
+                          <m:r>
+                            <a:rPr lang="en-US" b="0" i="1" smtClean="0">
+                              <a:latin typeface="Cambria Math" panose="02040503050406030204" pitchFamily="18" charset="0"/>
+                            </a:rPr>
+                            <m:t>𝑛</m:t>
+                          </m:r>
+                        </m:e>
+                        <m:sub>
+                          <m:r>
+                            <a:rPr lang="en-US" b="0" i="1" smtClean="0">
+                              <a:latin typeface="Cambria Math" panose="02040503050406030204" pitchFamily="18" charset="0"/>
+                            </a:rPr>
+                            <m:t>2</m:t>
+                          </m:r>
+                        </m:sub>
+                      </m:sSub>
+                      <m:d>
+                        <m:dPr>
+                          <m:ctrlPr>
+                            <a:rPr lang="en-US" b="0" i="1" smtClean="0">
+                              <a:latin typeface="Cambria Math" panose="02040503050406030204" pitchFamily="18" charset="0"/>
+                            </a:rPr>
+                          </m:ctrlPr>
+                        </m:dPr>
+                        <m:e>
+                          <m:r>
+                            <a:rPr lang="en-US" b="0" i="1" smtClean="0">
+                              <a:latin typeface="Cambria Math" panose="02040503050406030204" pitchFamily="18" charset="0"/>
+                            </a:rPr>
+                            <m:t>𝑧</m:t>
+                          </m:r>
+                        </m:e>
+                      </m:d>
+                      <m:r>
+                        <a:rPr lang="en-US" b="0" i="1" smtClean="0">
+                          <a:latin typeface="Cambria Math" panose="02040503050406030204" pitchFamily="18" charset="0"/>
+                        </a:rPr>
+                        <m:t>−</m:t>
+                      </m:r>
+                      <m:sSub>
+                        <m:sSubPr>
+                          <m:ctrlPr>
+                            <a:rPr lang="en-US" b="0" i="1" smtClean="0">
+                              <a:latin typeface="Cambria Math" panose="02040503050406030204" pitchFamily="18" charset="0"/>
+                            </a:rPr>
+                          </m:ctrlPr>
+                        </m:sSubPr>
+                        <m:e>
+                          <m:r>
+                            <a:rPr lang="en-US" b="0" i="1" smtClean="0">
+                              <a:latin typeface="Cambria Math" panose="02040503050406030204" pitchFamily="18" charset="0"/>
+                            </a:rPr>
+                            <m:t>𝜎</m:t>
+                          </m:r>
+                        </m:e>
+                        <m:sub>
+                          <m:r>
+                            <a:rPr lang="en-US" b="0" i="1" smtClean="0">
+                              <a:latin typeface="Cambria Math" panose="02040503050406030204" pitchFamily="18" charset="0"/>
+                            </a:rPr>
+                            <m:t>𝑎</m:t>
+                          </m:r>
+                        </m:sub>
+                      </m:sSub>
+                      <m:d>
+                        <m:dPr>
+                          <m:ctrlPr>
+                            <a:rPr lang="en-US" b="0" i="1" smtClean="0">
+                              <a:latin typeface="Cambria Math" panose="02040503050406030204" pitchFamily="18" charset="0"/>
+                            </a:rPr>
+                          </m:ctrlPr>
+                        </m:dPr>
+                        <m:e>
+                          <m:r>
+                            <a:rPr lang="en-US" b="0" i="1" smtClean="0">
+                              <a:latin typeface="Cambria Math" panose="02040503050406030204" pitchFamily="18" charset="0"/>
+                            </a:rPr>
+                            <m:t>𝜈</m:t>
+                          </m:r>
+                        </m:e>
+                      </m:d>
+                      <m:sSub>
+                        <m:sSubPr>
+                          <m:ctrlPr>
+                            <a:rPr lang="en-US" b="0" i="1" smtClean="0">
+                              <a:latin typeface="Cambria Math" panose="02040503050406030204" pitchFamily="18" charset="0"/>
+                            </a:rPr>
+                          </m:ctrlPr>
+                        </m:sSubPr>
+                        <m:e>
+                          <m:r>
+                            <a:rPr lang="en-US" b="0" i="1" smtClean="0">
+                              <a:latin typeface="Cambria Math" panose="02040503050406030204" pitchFamily="18" charset="0"/>
+                            </a:rPr>
+                            <m:t>𝑛</m:t>
+                          </m:r>
+                        </m:e>
+                        <m:sub>
+                          <m:r>
+                            <a:rPr lang="en-US" b="0" i="1" smtClean="0">
+                              <a:latin typeface="Cambria Math" panose="02040503050406030204" pitchFamily="18" charset="0"/>
+                            </a:rPr>
+                            <m:t>1</m:t>
+                          </m:r>
+                        </m:sub>
+                      </m:sSub>
+                      <m:d>
+                        <m:dPr>
+                          <m:ctrlPr>
+                            <a:rPr lang="en-US" b="0" i="1" smtClean="0">
+                              <a:latin typeface="Cambria Math" panose="02040503050406030204" pitchFamily="18" charset="0"/>
+                            </a:rPr>
+                          </m:ctrlPr>
+                        </m:dPr>
+                        <m:e>
+                          <m:r>
+                            <a:rPr lang="en-US" b="0" i="1" smtClean="0">
+                              <a:latin typeface="Cambria Math" panose="02040503050406030204" pitchFamily="18" charset="0"/>
+                            </a:rPr>
+                            <m:t>𝑧</m:t>
+                          </m:r>
+                        </m:e>
+                      </m:d>
+                      <m:r>
+                        <a:rPr lang="en-US" b="0" i="1" smtClean="0">
+                          <a:latin typeface="Cambria Math" panose="02040503050406030204" pitchFamily="18" charset="0"/>
+                        </a:rPr>
+                        <m:t>)</m:t>
+                      </m:r>
+                    </m:oMath>
+                  </m:oMathPara>
+                </a14:m>
+                <a:endParaRPr lang="en-US" dirty="0"/>
+              </a:p>
+            </p:txBody>
+          </p:sp>
+        </mc:Choice>
+        <mc:Fallback>
+          <p:sp>
+            <p:nvSpPr>
+              <p:cNvPr id="22" name="TextBox 21">
+                <a:extLst>
+                  <a:ext uri="{FF2B5EF4-FFF2-40B4-BE49-F238E27FC236}">
+                    <a16:creationId xmlns:a16="http://schemas.microsoft.com/office/drawing/2014/main" id="{B65C1AF4-869D-F8FD-A627-53D4EA78E996}"/>
+                  </a:ext>
+                </a:extLst>
+              </p:cNvPr>
+              <p:cNvSpPr txBox="1">
+                <a:spLocks noRot="1" noChangeAspect="1" noMove="1" noResize="1" noEditPoints="1" noAdjustHandles="1" noChangeArrowheads="1" noChangeShapeType="1" noTextEdit="1"/>
+              </p:cNvSpPr>
+              <p:nvPr/>
+            </p:nvSpPr>
+            <p:spPr>
+              <a:xfrm>
+                <a:off x="457164" y="5152747"/>
+                <a:ext cx="4047968" cy="369332"/>
+              </a:xfrm>
+              <a:prstGeom prst="rect">
+                <a:avLst/>
+              </a:prstGeom>
+              <a:blipFill>
+                <a:blip r:embed="rId8"/>
+                <a:stretch>
+                  <a:fillRect b="-12903"/>
+                </a:stretch>
+              </a:blipFill>
+              <a:ln w="19050">
+                <a:solidFill>
+                  <a:srgbClr val="00B050"/>
+                </a:solidFill>
+              </a:ln>
+            </p:spPr>
+            <p:txBody>
+              <a:bodyPr/>
+              <a:lstStyle/>
+              <a:p>
+                <a:r>
+                  <a:rPr lang="en-US">
+                    <a:noFill/>
+                  </a:rPr>
+                  <a:t> </a:t>
+                </a:r>
+              </a:p>
+            </p:txBody>
+          </p:sp>
+        </mc:Fallback>
+      </mc:AlternateContent>
+      <p:sp>
+        <p:nvSpPr>
+          <p:cNvPr id="23" name="TextBox 22">
+            <a:extLst>
+              <a:ext uri="{FF2B5EF4-FFF2-40B4-BE49-F238E27FC236}">
+                <a16:creationId xmlns:a16="http://schemas.microsoft.com/office/drawing/2014/main" id="{09879499-2C1F-DFC2-C0D4-23299574AD61}"/>
+              </a:ext>
+            </a:extLst>
+          </p:cNvPr>
+          <p:cNvSpPr txBox="1"/>
+          <p:nvPr/>
+        </p:nvSpPr>
+        <p:spPr>
+          <a:xfrm>
+            <a:off x="728458" y="1166441"/>
+            <a:ext cx="1356718" cy="369332"/>
+          </a:xfrm>
+          <a:prstGeom prst="rect">
+            <a:avLst/>
+          </a:prstGeom>
+          <a:noFill/>
+        </p:spPr>
+        <p:txBody>
+          <a:bodyPr wrap="none" rtlCol="0">
+            <a:spAutoFit/>
+          </a:bodyPr>
+          <a:lstStyle/>
+          <a:p>
+            <a:r>
+              <a:rPr lang="en-US" b="1" dirty="0">
+                <a:solidFill>
+                  <a:srgbClr val="0070C0"/>
+                </a:solidFill>
+              </a:rPr>
+              <a:t>Steady state</a:t>
+            </a:r>
+          </a:p>
+        </p:txBody>
+      </p:sp>
+      <p:grpSp>
+        <p:nvGrpSpPr>
+          <p:cNvPr id="28" name="Group 27">
+            <a:extLst>
+              <a:ext uri="{FF2B5EF4-FFF2-40B4-BE49-F238E27FC236}">
+                <a16:creationId xmlns:a16="http://schemas.microsoft.com/office/drawing/2014/main" id="{A2F9230E-B9CD-7383-FF51-DD36721B6BBD}"/>
+              </a:ext>
+            </a:extLst>
+          </p:cNvPr>
+          <p:cNvGrpSpPr/>
+          <p:nvPr/>
+        </p:nvGrpSpPr>
+        <p:grpSpPr>
+          <a:xfrm>
+            <a:off x="4921137" y="4099459"/>
+            <a:ext cx="3374041" cy="2715197"/>
+            <a:chOff x="4921137" y="3829574"/>
+            <a:chExt cx="3374041" cy="2715197"/>
+          </a:xfrm>
+        </p:grpSpPr>
+        <p:pic>
+          <p:nvPicPr>
+            <p:cNvPr id="18" name="Picture 17">
+              <a:extLst>
+                <a:ext uri="{FF2B5EF4-FFF2-40B4-BE49-F238E27FC236}">
+                  <a16:creationId xmlns:a16="http://schemas.microsoft.com/office/drawing/2014/main" id="{85FC0AE6-DC71-E298-B29E-3ECC365F88E7}"/>
+                </a:ext>
+              </a:extLst>
+            </p:cNvPr>
+            <p:cNvPicPr>
+              <a:picLocks noChangeAspect="1"/>
+            </p:cNvPicPr>
+            <p:nvPr/>
+          </p:nvPicPr>
+          <p:blipFill>
+            <a:blip r:embed="rId9"/>
+            <a:stretch>
+              <a:fillRect/>
+            </a:stretch>
+          </p:blipFill>
+          <p:spPr>
+            <a:xfrm>
+              <a:off x="4921137" y="4014240"/>
+              <a:ext cx="3374041" cy="2530531"/>
+            </a:xfrm>
+            <a:prstGeom prst="rect">
+              <a:avLst/>
+            </a:prstGeom>
+          </p:spPr>
+        </p:pic>
+        <p:sp>
+          <p:nvSpPr>
+            <p:cNvPr id="19" name="TextBox 18">
+              <a:extLst>
+                <a:ext uri="{FF2B5EF4-FFF2-40B4-BE49-F238E27FC236}">
+                  <a16:creationId xmlns:a16="http://schemas.microsoft.com/office/drawing/2014/main" id="{949B1FE7-823C-9D96-D918-0CB7652E3A03}"/>
+                </a:ext>
+              </a:extLst>
+            </p:cNvPr>
+            <p:cNvSpPr txBox="1"/>
+            <p:nvPr/>
+          </p:nvSpPr>
+          <p:spPr>
+            <a:xfrm>
+              <a:off x="5966796" y="3829574"/>
+              <a:ext cx="1559529" cy="369332"/>
+            </a:xfrm>
+            <a:prstGeom prst="rect">
+              <a:avLst/>
+            </a:prstGeom>
+            <a:noFill/>
+          </p:spPr>
+          <p:txBody>
+            <a:bodyPr wrap="none" rtlCol="0">
+              <a:spAutoFit/>
+            </a:bodyPr>
+            <a:lstStyle/>
+            <a:p>
+              <a:r>
+                <a:rPr lang="en-US" dirty="0"/>
+                <a:t>cross-sections:</a:t>
+              </a:r>
+            </a:p>
+          </p:txBody>
+        </p:sp>
+        <mc:AlternateContent xmlns:mc="http://schemas.openxmlformats.org/markup-compatibility/2006">
+          <mc:Choice xmlns:a14="http://schemas.microsoft.com/office/drawing/2010/main" Requires="a14">
+            <p:sp>
+              <p:nvSpPr>
+                <p:cNvPr id="24" name="TextBox 23">
+                  <a:extLst>
+                    <a:ext uri="{FF2B5EF4-FFF2-40B4-BE49-F238E27FC236}">
+                      <a16:creationId xmlns:a16="http://schemas.microsoft.com/office/drawing/2014/main" id="{A81E70D9-73CE-0242-39E3-D4464CAA10CD}"/>
+                    </a:ext>
+                  </a:extLst>
+                </p:cNvPr>
+                <p:cNvSpPr txBox="1"/>
+                <p:nvPr/>
+              </p:nvSpPr>
+              <p:spPr>
+                <a:xfrm>
+                  <a:off x="6150361" y="4473209"/>
+                  <a:ext cx="462434" cy="369332"/>
+                </a:xfrm>
+                <a:prstGeom prst="rect">
+                  <a:avLst/>
+                </a:prstGeom>
+                <a:noFill/>
+              </p:spPr>
+              <p:txBody>
+                <a:bodyPr wrap="none" rtlCol="0">
+                  <a:spAutoFit/>
+                </a:bodyPr>
+                <a:lstStyle/>
+                <a:p>
+                  <a14:m>
+                    <m:oMathPara xmlns:m="http://schemas.openxmlformats.org/officeDocument/2006/math">
+                      <m:oMathParaPr>
+                        <m:jc m:val="centerGroup"/>
+                      </m:oMathParaPr>
+                      <m:oMath xmlns:m="http://schemas.openxmlformats.org/officeDocument/2006/math">
+                        <m:sSub>
+                          <m:sSubPr>
+                            <m:ctrlPr>
+                              <a:rPr lang="en-US" b="0" i="1" smtClean="0">
+                                <a:solidFill>
+                                  <a:srgbClr val="DBE21C"/>
+                                </a:solidFill>
+                                <a:latin typeface="Cambria Math" panose="02040503050406030204" pitchFamily="18" charset="0"/>
+                              </a:rPr>
+                            </m:ctrlPr>
+                          </m:sSubPr>
+                          <m:e>
+                            <m:r>
+                              <a:rPr lang="en-US" b="0" i="1" smtClean="0">
+                                <a:solidFill>
+                                  <a:srgbClr val="DBE21C"/>
+                                </a:solidFill>
+                                <a:latin typeface="Cambria Math" panose="02040503050406030204" pitchFamily="18" charset="0"/>
+                              </a:rPr>
+                              <m:t>𝜎</m:t>
+                            </m:r>
+                          </m:e>
+                          <m:sub>
+                            <m:r>
+                              <a:rPr lang="en-US" b="0" i="1" smtClean="0">
+                                <a:solidFill>
+                                  <a:srgbClr val="DBE21C"/>
+                                </a:solidFill>
+                                <a:latin typeface="Cambria Math" panose="02040503050406030204" pitchFamily="18" charset="0"/>
+                              </a:rPr>
+                              <m:t>𝑒</m:t>
+                            </m:r>
+                          </m:sub>
+                        </m:sSub>
+                      </m:oMath>
+                    </m:oMathPara>
+                  </a14:m>
+                  <a:endParaRPr lang="en-US" dirty="0">
+                    <a:solidFill>
+                      <a:srgbClr val="DBE21C"/>
+                    </a:solidFill>
+                  </a:endParaRPr>
+                </a:p>
+              </p:txBody>
+            </p:sp>
+          </mc:Choice>
+          <mc:Fallback>
+            <p:sp>
+              <p:nvSpPr>
+                <p:cNvPr id="24" name="TextBox 23">
+                  <a:extLst>
+                    <a:ext uri="{FF2B5EF4-FFF2-40B4-BE49-F238E27FC236}">
+                      <a16:creationId xmlns:a16="http://schemas.microsoft.com/office/drawing/2014/main" id="{A81E70D9-73CE-0242-39E3-D4464CAA10CD}"/>
+                    </a:ext>
+                  </a:extLst>
+                </p:cNvPr>
+                <p:cNvSpPr txBox="1">
+                  <a:spLocks noRot="1" noChangeAspect="1" noMove="1" noResize="1" noEditPoints="1" noAdjustHandles="1" noChangeArrowheads="1" noChangeShapeType="1" noTextEdit="1"/>
+                </p:cNvSpPr>
+                <p:nvPr/>
+              </p:nvSpPr>
+              <p:spPr>
+                <a:xfrm>
+                  <a:off x="6150361" y="4473209"/>
+                  <a:ext cx="462434" cy="369332"/>
+                </a:xfrm>
+                <a:prstGeom prst="rect">
+                  <a:avLst/>
+                </a:prstGeom>
+                <a:blipFill>
+                  <a:blip r:embed="rId10"/>
+                  <a:stretch>
+                    <a:fillRect/>
+                  </a:stretch>
+                </a:blipFill>
+              </p:spPr>
+              <p:txBody>
+                <a:bodyPr/>
+                <a:lstStyle/>
+                <a:p>
+                  <a:r>
+                    <a:rPr lang="en-US">
+                      <a:noFill/>
+                    </a:rPr>
+                    <a:t> </a:t>
+                  </a:r>
+                </a:p>
+              </p:txBody>
+            </p:sp>
+          </mc:Fallback>
+        </mc:AlternateContent>
+        <mc:AlternateContent xmlns:mc="http://schemas.openxmlformats.org/markup-compatibility/2006">
+          <mc:Choice xmlns:a14="http://schemas.microsoft.com/office/drawing/2010/main" Requires="a14">
+            <p:sp>
+              <p:nvSpPr>
+                <p:cNvPr id="25" name="TextBox 24">
+                  <a:extLst>
+                    <a:ext uri="{FF2B5EF4-FFF2-40B4-BE49-F238E27FC236}">
+                      <a16:creationId xmlns:a16="http://schemas.microsoft.com/office/drawing/2014/main" id="{81501A2B-7200-BE41-C07E-2E9E9F6CD9CA}"/>
+                    </a:ext>
+                  </a:extLst>
+                </p:cNvPr>
+                <p:cNvSpPr txBox="1"/>
+                <p:nvPr/>
+              </p:nvSpPr>
+              <p:spPr>
+                <a:xfrm>
+                  <a:off x="6096000" y="5619335"/>
+                  <a:ext cx="475900" cy="369332"/>
+                </a:xfrm>
+                <a:prstGeom prst="rect">
+                  <a:avLst/>
+                </a:prstGeom>
+                <a:noFill/>
+              </p:spPr>
+              <p:txBody>
+                <a:bodyPr wrap="none" rtlCol="0">
+                  <a:spAutoFit/>
+                </a:bodyPr>
+                <a:lstStyle/>
+                <a:p>
+                  <a14:m>
+                    <m:oMathPara xmlns:m="http://schemas.openxmlformats.org/officeDocument/2006/math">
+                      <m:oMathParaPr>
+                        <m:jc m:val="centerGroup"/>
+                      </m:oMathParaPr>
+                      <m:oMath xmlns:m="http://schemas.openxmlformats.org/officeDocument/2006/math">
+                        <m:sSub>
+                          <m:sSubPr>
+                            <m:ctrlPr>
+                              <a:rPr lang="en-US" b="0" i="1" smtClean="0">
+                                <a:solidFill>
+                                  <a:schemeClr val="accent1"/>
+                                </a:solidFill>
+                                <a:latin typeface="Cambria Math" panose="02040503050406030204" pitchFamily="18" charset="0"/>
+                              </a:rPr>
+                            </m:ctrlPr>
+                          </m:sSubPr>
+                          <m:e>
+                            <m:r>
+                              <a:rPr lang="en-US" b="0" i="1" smtClean="0">
+                                <a:solidFill>
+                                  <a:schemeClr val="accent1"/>
+                                </a:solidFill>
+                                <a:latin typeface="Cambria Math" panose="02040503050406030204" pitchFamily="18" charset="0"/>
+                              </a:rPr>
+                              <m:t>𝜎</m:t>
+                            </m:r>
+                          </m:e>
+                          <m:sub>
+                            <m:r>
+                              <a:rPr lang="en-US" b="0" i="1" smtClean="0">
+                                <a:solidFill>
+                                  <a:schemeClr val="accent1"/>
+                                </a:solidFill>
+                                <a:latin typeface="Cambria Math" panose="02040503050406030204" pitchFamily="18" charset="0"/>
+                              </a:rPr>
+                              <m:t>𝑎</m:t>
+                            </m:r>
+                          </m:sub>
+                        </m:sSub>
+                      </m:oMath>
+                    </m:oMathPara>
+                  </a14:m>
+                  <a:endParaRPr lang="en-US" dirty="0">
+                    <a:solidFill>
+                      <a:schemeClr val="accent1"/>
+                    </a:solidFill>
+                  </a:endParaRPr>
+                </a:p>
+              </p:txBody>
+            </p:sp>
+          </mc:Choice>
+          <mc:Fallback>
+            <p:sp>
+              <p:nvSpPr>
+                <p:cNvPr id="25" name="TextBox 24">
+                  <a:extLst>
+                    <a:ext uri="{FF2B5EF4-FFF2-40B4-BE49-F238E27FC236}">
+                      <a16:creationId xmlns:a16="http://schemas.microsoft.com/office/drawing/2014/main" id="{81501A2B-7200-BE41-C07E-2E9E9F6CD9CA}"/>
+                    </a:ext>
+                  </a:extLst>
+                </p:cNvPr>
+                <p:cNvSpPr txBox="1">
+                  <a:spLocks noRot="1" noChangeAspect="1" noMove="1" noResize="1" noEditPoints="1" noAdjustHandles="1" noChangeArrowheads="1" noChangeShapeType="1" noTextEdit="1"/>
+                </p:cNvSpPr>
+                <p:nvPr/>
+              </p:nvSpPr>
+              <p:spPr>
+                <a:xfrm>
+                  <a:off x="6096000" y="5619335"/>
+                  <a:ext cx="475900" cy="369332"/>
+                </a:xfrm>
+                <a:prstGeom prst="rect">
+                  <a:avLst/>
+                </a:prstGeom>
+                <a:blipFill>
+                  <a:blip r:embed="rId11"/>
+                  <a:stretch>
+                    <a:fillRect/>
+                  </a:stretch>
+                </a:blipFill>
+              </p:spPr>
+              <p:txBody>
+                <a:bodyPr/>
+                <a:lstStyle/>
+                <a:p>
+                  <a:r>
+                    <a:rPr lang="en-US">
+                      <a:noFill/>
+                    </a:rPr>
+                    <a:t> </a:t>
+                  </a:r>
+                </a:p>
+              </p:txBody>
+            </p:sp>
+          </mc:Fallback>
+        </mc:AlternateContent>
+      </p:grpSp>
+      <p:cxnSp>
+        <p:nvCxnSpPr>
+          <p:cNvPr id="27" name="Straight Arrow Connector 26">
+            <a:extLst>
+              <a:ext uri="{FF2B5EF4-FFF2-40B4-BE49-F238E27FC236}">
+                <a16:creationId xmlns:a16="http://schemas.microsoft.com/office/drawing/2014/main" id="{E10A9E92-2089-0F42-9E8E-F692A0C50877}"/>
+              </a:ext>
+            </a:extLst>
+          </p:cNvPr>
+          <p:cNvCxnSpPr>
+            <a:cxnSpLocks/>
+            <a:stCxn id="22" idx="3"/>
+          </p:cNvCxnSpPr>
+          <p:nvPr/>
+        </p:nvCxnSpPr>
+        <p:spPr>
+          <a:xfrm>
+            <a:off x="4505132" y="5337413"/>
+            <a:ext cx="416005" cy="0"/>
+          </a:xfrm>
+          <a:prstGeom prst="straightConnector1">
+            <a:avLst/>
+          </a:prstGeom>
+          <a:ln w="25400">
+            <a:prstDash val="dash"/>
+            <a:tailEnd type="triangle"/>
+          </a:ln>
+        </p:spPr>
+        <p:style>
+          <a:lnRef idx="1">
+            <a:schemeClr val="accent1"/>
+          </a:lnRef>
+          <a:fillRef idx="0">
+            <a:schemeClr val="accent1"/>
+          </a:fillRef>
+          <a:effectRef idx="0">
+            <a:schemeClr val="accent1"/>
+          </a:effectRef>
+          <a:fontRef idx="minor">
+            <a:schemeClr val="tx1"/>
+          </a:fontRef>
+        </p:style>
+      </p:cxnSp>
+    </p:spTree>
+    <p:extLst>
+      <p:ext uri="{BB962C8B-B14F-4D97-AF65-F5344CB8AC3E}">
+        <p14:creationId xmlns:p14="http://schemas.microsoft.com/office/powerpoint/2010/main" val="494438848"/>
+      </p:ext>
+    </p:extLst>
+  </p:cSld>
+  <p:clrMapOvr>
+    <a:masterClrMapping/>
+  </p:clrMapOvr>
+</p:sld>
+</file>
+
+<file path=ppt/slides/slide5.xml><?xml version="1.0" encoding="utf-8"?>
+<p:sld xmlns:a="http://schemas.openxmlformats.org/drawingml/2006/main" xmlns:r="http://schemas.openxmlformats.org/officeDocument/2006/relationships" xmlns:p="http://schemas.openxmlformats.org/presentationml/2006/main">
+  <p:cSld>
+    <p:spTree>
+      <p:nvGrpSpPr>
+        <p:cNvPr id="1" name=""/>
+        <p:cNvGrpSpPr/>
+        <p:nvPr/>
+      </p:nvGrpSpPr>
+      <p:grpSpPr>
+        <a:xfrm>
+          <a:off x="0" y="0"/>
+          <a:ext cx="0" cy="0"/>
+          <a:chOff x="0" y="0"/>
+          <a:chExt cx="0" cy="0"/>
+        </a:xfrm>
+      </p:grpSpPr>
+      <p:sp>
+        <p:nvSpPr>
+          <p:cNvPr id="2" name="Title 1">
+            <a:extLst>
+              <a:ext uri="{FF2B5EF4-FFF2-40B4-BE49-F238E27FC236}">
+                <a16:creationId xmlns:a16="http://schemas.microsoft.com/office/drawing/2014/main" id="{997AEFE3-4881-9D7B-E14F-FE0EFF3177E6}"/>
+              </a:ext>
+            </a:extLst>
+          </p:cNvPr>
+          <p:cNvSpPr>
+            <a:spLocks noGrp="1"/>
+          </p:cNvSpPr>
+          <p:nvPr>
+            <p:ph type="title"/>
+          </p:nvPr>
+        </p:nvSpPr>
+        <p:spPr/>
+        <p:txBody>
+          <a:bodyPr/>
+          <a:lstStyle/>
+          <a:p>
+            <a:r>
+              <a:rPr lang="en-US" dirty="0"/>
+              <a:t>Jointly Solve RE and NLSE</a:t>
+            </a:r>
+          </a:p>
+        </p:txBody>
+      </p:sp>
+      <p:sp>
+        <p:nvSpPr>
+          <p:cNvPr id="3" name="Slide Number Placeholder 2">
+            <a:extLst>
+              <a:ext uri="{FF2B5EF4-FFF2-40B4-BE49-F238E27FC236}">
+                <a16:creationId xmlns:a16="http://schemas.microsoft.com/office/drawing/2014/main" id="{FB692347-6A09-7C68-4DED-A5DE41C4D914}"/>
+              </a:ext>
+            </a:extLst>
+          </p:cNvPr>
+          <p:cNvSpPr>
+            <a:spLocks noGrp="1"/>
+          </p:cNvSpPr>
+          <p:nvPr>
+            <p:ph type="sldNum" sz="quarter" idx="12"/>
+          </p:nvPr>
+        </p:nvSpPr>
+        <p:spPr/>
+        <p:txBody>
+          <a:bodyPr/>
+          <a:lstStyle/>
+          <a:p>
+            <a:fld id="{B9982081-D51A-40C8-8A41-6498517A0DD4}" type="slidenum">
+              <a:rPr lang="en-US" smtClean="0"/>
+              <a:t>5</a:t>
+            </a:fld>
+            <a:endParaRPr lang="en-US"/>
+          </a:p>
+        </p:txBody>
+      </p:sp>
+    </p:spTree>
+    <p:extLst>
+      <p:ext uri="{BB962C8B-B14F-4D97-AF65-F5344CB8AC3E}">
+        <p14:creationId xmlns:p14="http://schemas.microsoft.com/office/powerpoint/2010/main" val="1963120057"/>
+      </p:ext>
+    </p:extLst>
+  </p:cSld>
+  <p:clrMapOvr>
+    <a:masterClrMapping/>
+  </p:clrMapOvr>
+</p:sld>
+</file>
+
+<file path=ppt/slides/slide6.xml><?xml version="1.0" encoding="utf-8"?>
+<p:sld xmlns:a="http://schemas.openxmlformats.org/drawingml/2006/main" xmlns:r="http://schemas.openxmlformats.org/officeDocument/2006/relationships" xmlns:p="http://schemas.openxmlformats.org/presentationml/2006/main">
+  <p:cSld>
+    <p:spTree>
+      <p:nvGrpSpPr>
+        <p:cNvPr id="1" name=""/>
+        <p:cNvGrpSpPr/>
+        <p:nvPr/>
+      </p:nvGrpSpPr>
+      <p:grpSpPr>
+        <a:xfrm>
+          <a:off x="0" y="0"/>
+          <a:ext cx="0" cy="0"/>
+          <a:chOff x="0" y="0"/>
+          <a:chExt cx="0" cy="0"/>
+        </a:xfrm>
+      </p:grpSpPr>
+      <p:pic>
+        <p:nvPicPr>
+          <p:cNvPr id="35" name="Picture 34">
+            <a:extLst>
+              <a:ext uri="{FF2B5EF4-FFF2-40B4-BE49-F238E27FC236}">
+                <a16:creationId xmlns:a16="http://schemas.microsoft.com/office/drawing/2014/main" id="{21AF8365-2401-067D-C3F8-395F39CB7378}"/>
+              </a:ext>
+            </a:extLst>
+          </p:cNvPr>
+          <p:cNvPicPr>
+            <a:picLocks noChangeAspect="1"/>
+          </p:cNvPicPr>
+          <p:nvPr/>
+        </p:nvPicPr>
+        <p:blipFill>
+          <a:blip r:embed="rId2"/>
+          <a:stretch>
+            <a:fillRect/>
+          </a:stretch>
+        </p:blipFill>
+        <p:spPr>
+          <a:xfrm>
+            <a:off x="727961" y="1702681"/>
+            <a:ext cx="6047778" cy="4204338"/>
+          </a:xfrm>
+          <a:prstGeom prst="rect">
+            <a:avLst/>
+          </a:prstGeom>
+        </p:spPr>
+      </p:pic>
+      <p:sp>
+        <p:nvSpPr>
+          <p:cNvPr id="2" name="Title 1">
+            <a:extLst>
+              <a:ext uri="{FF2B5EF4-FFF2-40B4-BE49-F238E27FC236}">
+                <a16:creationId xmlns:a16="http://schemas.microsoft.com/office/drawing/2014/main" id="{FBE7E0F6-21D3-EDB7-0806-0B18FA0EC5BE}"/>
+              </a:ext>
+            </a:extLst>
+          </p:cNvPr>
+          <p:cNvSpPr>
+            <a:spLocks noGrp="1"/>
+          </p:cNvSpPr>
+          <p:nvPr>
+            <p:ph type="title"/>
+          </p:nvPr>
+        </p:nvSpPr>
+        <p:spPr/>
+        <p:txBody>
+          <a:bodyPr/>
+          <a:lstStyle/>
+          <a:p>
+            <a:endParaRPr lang="en-US" dirty="0"/>
+          </a:p>
+        </p:txBody>
+      </p:sp>
+      <p:sp>
+        <p:nvSpPr>
+          <p:cNvPr id="3" name="Slide Number Placeholder 2">
+            <a:extLst>
+              <a:ext uri="{FF2B5EF4-FFF2-40B4-BE49-F238E27FC236}">
+                <a16:creationId xmlns:a16="http://schemas.microsoft.com/office/drawing/2014/main" id="{9FC0435A-C0E2-D9FF-2FD3-CD73F67654D3}"/>
+              </a:ext>
+            </a:extLst>
+          </p:cNvPr>
+          <p:cNvSpPr>
+            <a:spLocks noGrp="1"/>
+          </p:cNvSpPr>
+          <p:nvPr>
+            <p:ph type="sldNum" sz="quarter" idx="12"/>
+          </p:nvPr>
+        </p:nvSpPr>
+        <p:spPr/>
+        <p:txBody>
+          <a:bodyPr/>
+          <a:lstStyle/>
+          <a:p>
+            <a:fld id="{B9982081-D51A-40C8-8A41-6498517A0DD4}" type="slidenum">
+              <a:rPr lang="en-US" smtClean="0"/>
+              <a:t>6</a:t>
+            </a:fld>
+            <a:endParaRPr lang="en-US"/>
+          </a:p>
+        </p:txBody>
+      </p:sp>
+      <p:pic>
+        <p:nvPicPr>
+          <p:cNvPr id="18" name="Picture 17">
+            <a:extLst>
+              <a:ext uri="{FF2B5EF4-FFF2-40B4-BE49-F238E27FC236}">
+                <a16:creationId xmlns:a16="http://schemas.microsoft.com/office/drawing/2014/main" id="{FEA941E5-13B2-F939-2FAA-3C94E3426621}"/>
               </a:ext>
             </a:extLst>
           </p:cNvPr>
@@ -4984,8 +10018,830 @@
         </p:blipFill>
         <p:spPr>
           <a:xfrm>
-            <a:off x="7725103" y="1152768"/>
-            <a:ext cx="4466897" cy="3350173"/>
+            <a:off x="7045588" y="136525"/>
+            <a:ext cx="3659915" cy="6508678"/>
+          </a:xfrm>
+          <a:prstGeom prst="rect">
+            <a:avLst/>
+          </a:prstGeom>
+        </p:spPr>
+      </p:pic>
+      <p:cxnSp>
+        <p:nvCxnSpPr>
+          <p:cNvPr id="20" name="Straight Arrow Connector 19">
+            <a:extLst>
+              <a:ext uri="{FF2B5EF4-FFF2-40B4-BE49-F238E27FC236}">
+                <a16:creationId xmlns:a16="http://schemas.microsoft.com/office/drawing/2014/main" id="{7754A692-14E5-77D9-287D-FBD6F1CD6ABE}"/>
+              </a:ext>
+            </a:extLst>
+          </p:cNvPr>
+          <p:cNvCxnSpPr>
+            <a:cxnSpLocks/>
+          </p:cNvCxnSpPr>
+          <p:nvPr/>
+        </p:nvCxnSpPr>
+        <p:spPr>
+          <a:xfrm>
+            <a:off x="2340864" y="4766209"/>
+            <a:ext cx="4602102" cy="0"/>
+          </a:xfrm>
+          <a:prstGeom prst="straightConnector1">
+            <a:avLst/>
+          </a:prstGeom>
+          <a:ln w="25400">
+            <a:solidFill>
+              <a:schemeClr val="tx1"/>
+            </a:solidFill>
+            <a:prstDash val="dash"/>
+            <a:tailEnd type="triangle"/>
+          </a:ln>
+        </p:spPr>
+        <p:style>
+          <a:lnRef idx="1">
+            <a:schemeClr val="accent1"/>
+          </a:lnRef>
+          <a:fillRef idx="0">
+            <a:schemeClr val="accent1"/>
+          </a:fillRef>
+          <a:effectRef idx="0">
+            <a:schemeClr val="accent1"/>
+          </a:effectRef>
+          <a:fontRef idx="minor">
+            <a:schemeClr val="tx1"/>
+          </a:fontRef>
+        </p:style>
+      </p:cxnSp>
+      <p:cxnSp>
+        <p:nvCxnSpPr>
+          <p:cNvPr id="21" name="Straight Arrow Connector 20">
+            <a:extLst>
+              <a:ext uri="{FF2B5EF4-FFF2-40B4-BE49-F238E27FC236}">
+                <a16:creationId xmlns:a16="http://schemas.microsoft.com/office/drawing/2014/main" id="{3F1AC194-CCCF-9F8D-6F22-DA0899872AEA}"/>
+              </a:ext>
+            </a:extLst>
+          </p:cNvPr>
+          <p:cNvCxnSpPr>
+            <a:cxnSpLocks/>
+          </p:cNvCxnSpPr>
+          <p:nvPr/>
+        </p:nvCxnSpPr>
+        <p:spPr>
+          <a:xfrm flipV="1">
+            <a:off x="2551176" y="3193441"/>
+            <a:ext cx="4391790" cy="336143"/>
+          </a:xfrm>
+          <a:prstGeom prst="straightConnector1">
+            <a:avLst/>
+          </a:prstGeom>
+          <a:ln w="25400">
+            <a:solidFill>
+              <a:schemeClr val="tx1"/>
+            </a:solidFill>
+            <a:prstDash val="dash"/>
+            <a:tailEnd type="triangle"/>
+          </a:ln>
+        </p:spPr>
+        <p:style>
+          <a:lnRef idx="1">
+            <a:schemeClr val="accent1"/>
+          </a:lnRef>
+          <a:fillRef idx="0">
+            <a:schemeClr val="accent1"/>
+          </a:fillRef>
+          <a:effectRef idx="0">
+            <a:schemeClr val="accent1"/>
+          </a:effectRef>
+          <a:fontRef idx="minor">
+            <a:schemeClr val="tx1"/>
+          </a:fontRef>
+        </p:style>
+      </p:cxnSp>
+      <p:cxnSp>
+        <p:nvCxnSpPr>
+          <p:cNvPr id="23" name="Straight Arrow Connector 22">
+            <a:extLst>
+              <a:ext uri="{FF2B5EF4-FFF2-40B4-BE49-F238E27FC236}">
+                <a16:creationId xmlns:a16="http://schemas.microsoft.com/office/drawing/2014/main" id="{72C90BBD-964B-60AE-C8A6-42A393CF4ECC}"/>
+              </a:ext>
+            </a:extLst>
+          </p:cNvPr>
+          <p:cNvCxnSpPr>
+            <a:cxnSpLocks/>
+          </p:cNvCxnSpPr>
+          <p:nvPr/>
+        </p:nvCxnSpPr>
+        <p:spPr>
+          <a:xfrm flipV="1">
+            <a:off x="6096000" y="1158177"/>
+            <a:ext cx="846966" cy="844359"/>
+          </a:xfrm>
+          <a:prstGeom prst="straightConnector1">
+            <a:avLst/>
+          </a:prstGeom>
+          <a:ln w="25400">
+            <a:solidFill>
+              <a:schemeClr val="tx1"/>
+            </a:solidFill>
+            <a:prstDash val="dash"/>
+            <a:tailEnd type="triangle"/>
+          </a:ln>
+        </p:spPr>
+        <p:style>
+          <a:lnRef idx="1">
+            <a:schemeClr val="accent1"/>
+          </a:lnRef>
+          <a:fillRef idx="0">
+            <a:schemeClr val="accent1"/>
+          </a:fillRef>
+          <a:effectRef idx="0">
+            <a:schemeClr val="accent1"/>
+          </a:effectRef>
+          <a:fontRef idx="minor">
+            <a:schemeClr val="tx1"/>
+          </a:fontRef>
+        </p:style>
+      </p:cxnSp>
+      <p:sp>
+        <p:nvSpPr>
+          <p:cNvPr id="25" name="TextBox 24">
+            <a:extLst>
+              <a:ext uri="{FF2B5EF4-FFF2-40B4-BE49-F238E27FC236}">
+                <a16:creationId xmlns:a16="http://schemas.microsoft.com/office/drawing/2014/main" id="{9834590E-0169-5EEB-8990-59A2D0497502}"/>
+              </a:ext>
+            </a:extLst>
+          </p:cNvPr>
+          <p:cNvSpPr txBox="1"/>
+          <p:nvPr/>
+        </p:nvSpPr>
+        <p:spPr>
+          <a:xfrm>
+            <a:off x="8610600" y="445700"/>
+            <a:ext cx="734496" cy="369332"/>
+          </a:xfrm>
+          <a:prstGeom prst="rect">
+            <a:avLst/>
+          </a:prstGeom>
+          <a:noFill/>
+        </p:spPr>
+        <p:txBody>
+          <a:bodyPr wrap="none" rtlCol="0">
+            <a:spAutoFit/>
+          </a:bodyPr>
+          <a:lstStyle/>
+          <a:p>
+            <a:r>
+              <a:rPr lang="en-US" dirty="0">
+                <a:solidFill>
+                  <a:srgbClr val="FF9F01"/>
+                </a:solidFill>
+              </a:rPr>
+              <a:t>pump</a:t>
+            </a:r>
+          </a:p>
+        </p:txBody>
+      </p:sp>
+      <p:sp>
+        <p:nvSpPr>
+          <p:cNvPr id="26" name="TextBox 25">
+            <a:extLst>
+              <a:ext uri="{FF2B5EF4-FFF2-40B4-BE49-F238E27FC236}">
+                <a16:creationId xmlns:a16="http://schemas.microsoft.com/office/drawing/2014/main" id="{EC1199FF-96F3-C8E2-D662-4BF59AA2B41E}"/>
+              </a:ext>
+            </a:extLst>
+          </p:cNvPr>
+          <p:cNvSpPr txBox="1"/>
+          <p:nvPr/>
+        </p:nvSpPr>
+        <p:spPr>
+          <a:xfrm>
+            <a:off x="8610600" y="2571190"/>
+            <a:ext cx="734496" cy="369332"/>
+          </a:xfrm>
+          <a:prstGeom prst="rect">
+            <a:avLst/>
+          </a:prstGeom>
+          <a:noFill/>
+        </p:spPr>
+        <p:txBody>
+          <a:bodyPr wrap="none" rtlCol="0">
+            <a:spAutoFit/>
+          </a:bodyPr>
+          <a:lstStyle/>
+          <a:p>
+            <a:r>
+              <a:rPr lang="en-US" dirty="0">
+                <a:solidFill>
+                  <a:srgbClr val="FF9F01"/>
+                </a:solidFill>
+              </a:rPr>
+              <a:t>pump</a:t>
+            </a:r>
+          </a:p>
+        </p:txBody>
+      </p:sp>
+      <p:sp>
+        <p:nvSpPr>
+          <p:cNvPr id="27" name="TextBox 26">
+            <a:extLst>
+              <a:ext uri="{FF2B5EF4-FFF2-40B4-BE49-F238E27FC236}">
+                <a16:creationId xmlns:a16="http://schemas.microsoft.com/office/drawing/2014/main" id="{F3812974-E40F-F95D-053D-1B9BB27E3ED9}"/>
+              </a:ext>
+            </a:extLst>
+          </p:cNvPr>
+          <p:cNvSpPr txBox="1"/>
+          <p:nvPr/>
+        </p:nvSpPr>
+        <p:spPr>
+          <a:xfrm>
+            <a:off x="8610600" y="4654371"/>
+            <a:ext cx="734496" cy="369332"/>
+          </a:xfrm>
+          <a:prstGeom prst="rect">
+            <a:avLst/>
+          </a:prstGeom>
+          <a:noFill/>
+        </p:spPr>
+        <p:txBody>
+          <a:bodyPr wrap="none" rtlCol="0">
+            <a:spAutoFit/>
+          </a:bodyPr>
+          <a:lstStyle/>
+          <a:p>
+            <a:r>
+              <a:rPr lang="en-US" dirty="0">
+                <a:solidFill>
+                  <a:srgbClr val="FF9F01"/>
+                </a:solidFill>
+              </a:rPr>
+              <a:t>pump</a:t>
+            </a:r>
+          </a:p>
+        </p:txBody>
+      </p:sp>
+      <mc:AlternateContent xmlns:mc="http://schemas.openxmlformats.org/markup-compatibility/2006">
+        <mc:Choice xmlns:a14="http://schemas.microsoft.com/office/drawing/2010/main" Requires="a14">
+          <p:sp>
+            <p:nvSpPr>
+              <p:cNvPr id="28" name="TextBox 27">
+                <a:extLst>
+                  <a:ext uri="{FF2B5EF4-FFF2-40B4-BE49-F238E27FC236}">
+                    <a16:creationId xmlns:a16="http://schemas.microsoft.com/office/drawing/2014/main" id="{7319B219-05C8-A9EB-28CE-D6B42B624733}"/>
+                  </a:ext>
+                </a:extLst>
+              </p:cNvPr>
+              <p:cNvSpPr txBox="1"/>
+              <p:nvPr/>
+            </p:nvSpPr>
+            <p:spPr>
+              <a:xfrm>
+                <a:off x="7724473" y="1178474"/>
+                <a:ext cx="826829" cy="369332"/>
+              </a:xfrm>
+              <a:prstGeom prst="rect">
+                <a:avLst/>
+              </a:prstGeom>
+              <a:noFill/>
+            </p:spPr>
+            <p:txBody>
+              <a:bodyPr wrap="none" rtlCol="0">
+                <a:spAutoFit/>
+              </a:bodyPr>
+              <a:lstStyle/>
+              <a:p>
+                <a14:m>
+                  <m:oMathPara xmlns:m="http://schemas.openxmlformats.org/officeDocument/2006/math">
+                    <m:oMathParaPr>
+                      <m:jc m:val="centerGroup"/>
+                    </m:oMathParaPr>
+                    <m:oMath xmlns:m="http://schemas.openxmlformats.org/officeDocument/2006/math">
+                      <m:sSub>
+                        <m:sSubPr>
+                          <m:ctrlPr>
+                            <a:rPr lang="en-US" b="0" i="1" smtClean="0">
+                              <a:solidFill>
+                                <a:srgbClr val="0070C0"/>
+                              </a:solidFill>
+                              <a:latin typeface="Cambria Math" panose="02040503050406030204" pitchFamily="18" charset="0"/>
+                            </a:rPr>
+                          </m:ctrlPr>
+                        </m:sSubPr>
+                        <m:e>
+                          <m:r>
+                            <a:rPr lang="en-US" b="0" i="1" smtClean="0">
+                              <a:solidFill>
+                                <a:srgbClr val="0070C0"/>
+                              </a:solidFill>
+                              <a:latin typeface="Cambria Math" panose="02040503050406030204" pitchFamily="18" charset="0"/>
+                            </a:rPr>
+                            <m:t>𝑛</m:t>
+                          </m:r>
+                        </m:e>
+                        <m:sub>
+                          <m:r>
+                            <a:rPr lang="en-US" b="0" i="1" smtClean="0">
+                              <a:solidFill>
+                                <a:srgbClr val="0070C0"/>
+                              </a:solidFill>
+                              <a:latin typeface="Cambria Math" panose="02040503050406030204" pitchFamily="18" charset="0"/>
+                            </a:rPr>
+                            <m:t>2</m:t>
+                          </m:r>
+                        </m:sub>
+                      </m:sSub>
+                      <m:r>
+                        <a:rPr lang="en-US" b="0" i="1" smtClean="0">
+                          <a:solidFill>
+                            <a:srgbClr val="0070C0"/>
+                          </a:solidFill>
+                          <a:latin typeface="Cambria Math" panose="02040503050406030204" pitchFamily="18" charset="0"/>
+                        </a:rPr>
+                        <m:t>/</m:t>
+                      </m:r>
+                      <m:sSub>
+                        <m:sSubPr>
+                          <m:ctrlPr>
+                            <a:rPr lang="en-US" b="0" i="1" smtClean="0">
+                              <a:solidFill>
+                                <a:srgbClr val="0070C0"/>
+                              </a:solidFill>
+                              <a:latin typeface="Cambria Math" panose="02040503050406030204" pitchFamily="18" charset="0"/>
+                            </a:rPr>
+                          </m:ctrlPr>
+                        </m:sSubPr>
+                        <m:e>
+                          <m:r>
+                            <a:rPr lang="en-US" b="0" i="1" smtClean="0">
+                              <a:solidFill>
+                                <a:srgbClr val="0070C0"/>
+                              </a:solidFill>
+                              <a:latin typeface="Cambria Math" panose="02040503050406030204" pitchFamily="18" charset="0"/>
+                            </a:rPr>
+                            <m:t>𝑛</m:t>
+                          </m:r>
+                        </m:e>
+                        <m:sub>
+                          <m:r>
+                            <a:rPr lang="en-US" b="0" i="1" smtClean="0">
+                              <a:solidFill>
+                                <a:srgbClr val="0070C0"/>
+                              </a:solidFill>
+                              <a:latin typeface="Cambria Math" panose="02040503050406030204" pitchFamily="18" charset="0"/>
+                            </a:rPr>
+                            <m:t>1</m:t>
+                          </m:r>
+                        </m:sub>
+                      </m:sSub>
+                    </m:oMath>
+                  </m:oMathPara>
+                </a14:m>
+                <a:endParaRPr lang="en-US" dirty="0">
+                  <a:solidFill>
+                    <a:srgbClr val="0070C0"/>
+                  </a:solidFill>
+                </a:endParaRPr>
+              </a:p>
+            </p:txBody>
+          </p:sp>
+        </mc:Choice>
+        <mc:Fallback>
+          <p:sp>
+            <p:nvSpPr>
+              <p:cNvPr id="28" name="TextBox 27">
+                <a:extLst>
+                  <a:ext uri="{FF2B5EF4-FFF2-40B4-BE49-F238E27FC236}">
+                    <a16:creationId xmlns:a16="http://schemas.microsoft.com/office/drawing/2014/main" id="{7319B219-05C8-A9EB-28CE-D6B42B624733}"/>
+                  </a:ext>
+                </a:extLst>
+              </p:cNvPr>
+              <p:cNvSpPr txBox="1">
+                <a:spLocks noRot="1" noChangeAspect="1" noMove="1" noResize="1" noEditPoints="1" noAdjustHandles="1" noChangeArrowheads="1" noChangeShapeType="1" noTextEdit="1"/>
+              </p:cNvSpPr>
+              <p:nvPr/>
+            </p:nvSpPr>
+            <p:spPr>
+              <a:xfrm>
+                <a:off x="7724473" y="1178474"/>
+                <a:ext cx="826829" cy="369332"/>
+              </a:xfrm>
+              <a:prstGeom prst="rect">
+                <a:avLst/>
+              </a:prstGeom>
+              <a:blipFill>
+                <a:blip r:embed="rId4"/>
+                <a:stretch>
+                  <a:fillRect b="-16667"/>
+                </a:stretch>
+              </a:blipFill>
+            </p:spPr>
+            <p:txBody>
+              <a:bodyPr/>
+              <a:lstStyle/>
+              <a:p>
+                <a:r>
+                  <a:rPr lang="en-US">
+                    <a:noFill/>
+                  </a:rPr>
+                  <a:t> </a:t>
+                </a:r>
+              </a:p>
+            </p:txBody>
+          </p:sp>
+        </mc:Fallback>
+      </mc:AlternateContent>
+      <mc:AlternateContent xmlns:mc="http://schemas.openxmlformats.org/markup-compatibility/2006">
+        <mc:Choice xmlns:a14="http://schemas.microsoft.com/office/drawing/2010/main" Requires="a14">
+          <p:sp>
+            <p:nvSpPr>
+              <p:cNvPr id="29" name="TextBox 28">
+                <a:extLst>
+                  <a:ext uri="{FF2B5EF4-FFF2-40B4-BE49-F238E27FC236}">
+                    <a16:creationId xmlns:a16="http://schemas.microsoft.com/office/drawing/2014/main" id="{4CD4F1EF-6240-4E4D-326F-2307640CDDC0}"/>
+                  </a:ext>
+                </a:extLst>
+              </p:cNvPr>
+              <p:cNvSpPr txBox="1"/>
+              <p:nvPr/>
+            </p:nvSpPr>
+            <p:spPr>
+              <a:xfrm>
+                <a:off x="8610600" y="2934469"/>
+                <a:ext cx="826829" cy="369332"/>
+              </a:xfrm>
+              <a:prstGeom prst="rect">
+                <a:avLst/>
+              </a:prstGeom>
+              <a:noFill/>
+            </p:spPr>
+            <p:txBody>
+              <a:bodyPr wrap="none" rtlCol="0">
+                <a:spAutoFit/>
+              </a:bodyPr>
+              <a:lstStyle/>
+              <a:p>
+                <a14:m>
+                  <m:oMathPara xmlns:m="http://schemas.openxmlformats.org/officeDocument/2006/math">
+                    <m:oMathParaPr>
+                      <m:jc m:val="centerGroup"/>
+                    </m:oMathParaPr>
+                    <m:oMath xmlns:m="http://schemas.openxmlformats.org/officeDocument/2006/math">
+                      <m:sSub>
+                        <m:sSubPr>
+                          <m:ctrlPr>
+                            <a:rPr lang="en-US" b="0" i="1" smtClean="0">
+                              <a:solidFill>
+                                <a:srgbClr val="0070C0"/>
+                              </a:solidFill>
+                              <a:latin typeface="Cambria Math" panose="02040503050406030204" pitchFamily="18" charset="0"/>
+                            </a:rPr>
+                          </m:ctrlPr>
+                        </m:sSubPr>
+                        <m:e>
+                          <m:r>
+                            <a:rPr lang="en-US" b="0" i="1" smtClean="0">
+                              <a:solidFill>
+                                <a:srgbClr val="0070C0"/>
+                              </a:solidFill>
+                              <a:latin typeface="Cambria Math" panose="02040503050406030204" pitchFamily="18" charset="0"/>
+                            </a:rPr>
+                            <m:t>𝑛</m:t>
+                          </m:r>
+                        </m:e>
+                        <m:sub>
+                          <m:r>
+                            <a:rPr lang="en-US" b="0" i="1" smtClean="0">
+                              <a:solidFill>
+                                <a:srgbClr val="0070C0"/>
+                              </a:solidFill>
+                              <a:latin typeface="Cambria Math" panose="02040503050406030204" pitchFamily="18" charset="0"/>
+                            </a:rPr>
+                            <m:t>2</m:t>
+                          </m:r>
+                        </m:sub>
+                      </m:sSub>
+                      <m:r>
+                        <a:rPr lang="en-US" b="0" i="1" smtClean="0">
+                          <a:solidFill>
+                            <a:srgbClr val="0070C0"/>
+                          </a:solidFill>
+                          <a:latin typeface="Cambria Math" panose="02040503050406030204" pitchFamily="18" charset="0"/>
+                        </a:rPr>
+                        <m:t>/</m:t>
+                      </m:r>
+                      <m:sSub>
+                        <m:sSubPr>
+                          <m:ctrlPr>
+                            <a:rPr lang="en-US" b="0" i="1" smtClean="0">
+                              <a:solidFill>
+                                <a:srgbClr val="0070C0"/>
+                              </a:solidFill>
+                              <a:latin typeface="Cambria Math" panose="02040503050406030204" pitchFamily="18" charset="0"/>
+                            </a:rPr>
+                          </m:ctrlPr>
+                        </m:sSubPr>
+                        <m:e>
+                          <m:r>
+                            <a:rPr lang="en-US" b="0" i="1" smtClean="0">
+                              <a:solidFill>
+                                <a:srgbClr val="0070C0"/>
+                              </a:solidFill>
+                              <a:latin typeface="Cambria Math" panose="02040503050406030204" pitchFamily="18" charset="0"/>
+                            </a:rPr>
+                            <m:t>𝑛</m:t>
+                          </m:r>
+                        </m:e>
+                        <m:sub>
+                          <m:r>
+                            <a:rPr lang="en-US" b="0" i="1" smtClean="0">
+                              <a:solidFill>
+                                <a:srgbClr val="0070C0"/>
+                              </a:solidFill>
+                              <a:latin typeface="Cambria Math" panose="02040503050406030204" pitchFamily="18" charset="0"/>
+                            </a:rPr>
+                            <m:t>1</m:t>
+                          </m:r>
+                        </m:sub>
+                      </m:sSub>
+                    </m:oMath>
+                  </m:oMathPara>
+                </a14:m>
+                <a:endParaRPr lang="en-US" dirty="0">
+                  <a:solidFill>
+                    <a:srgbClr val="0070C0"/>
+                  </a:solidFill>
+                </a:endParaRPr>
+              </a:p>
+            </p:txBody>
+          </p:sp>
+        </mc:Choice>
+        <mc:Fallback>
+          <p:sp>
+            <p:nvSpPr>
+              <p:cNvPr id="29" name="TextBox 28">
+                <a:extLst>
+                  <a:ext uri="{FF2B5EF4-FFF2-40B4-BE49-F238E27FC236}">
+                    <a16:creationId xmlns:a16="http://schemas.microsoft.com/office/drawing/2014/main" id="{4CD4F1EF-6240-4E4D-326F-2307640CDDC0}"/>
+                  </a:ext>
+                </a:extLst>
+              </p:cNvPr>
+              <p:cNvSpPr txBox="1">
+                <a:spLocks noRot="1" noChangeAspect="1" noMove="1" noResize="1" noEditPoints="1" noAdjustHandles="1" noChangeArrowheads="1" noChangeShapeType="1" noTextEdit="1"/>
+              </p:cNvSpPr>
+              <p:nvPr/>
+            </p:nvSpPr>
+            <p:spPr>
+              <a:xfrm>
+                <a:off x="8610600" y="2934469"/>
+                <a:ext cx="826829" cy="369332"/>
+              </a:xfrm>
+              <a:prstGeom prst="rect">
+                <a:avLst/>
+              </a:prstGeom>
+              <a:blipFill>
+                <a:blip r:embed="rId5"/>
+                <a:stretch>
+                  <a:fillRect b="-12903"/>
+                </a:stretch>
+              </a:blipFill>
+            </p:spPr>
+            <p:txBody>
+              <a:bodyPr/>
+              <a:lstStyle/>
+              <a:p>
+                <a:r>
+                  <a:rPr lang="en-US">
+                    <a:noFill/>
+                  </a:rPr>
+                  <a:t> </a:t>
+                </a:r>
+              </a:p>
+            </p:txBody>
+          </p:sp>
+        </mc:Fallback>
+      </mc:AlternateContent>
+      <mc:AlternateContent xmlns:mc="http://schemas.openxmlformats.org/markup-compatibility/2006">
+        <mc:Choice xmlns:a14="http://schemas.microsoft.com/office/drawing/2010/main" Requires="a14">
+          <p:sp>
+            <p:nvSpPr>
+              <p:cNvPr id="30" name="TextBox 29">
+                <a:extLst>
+                  <a:ext uri="{FF2B5EF4-FFF2-40B4-BE49-F238E27FC236}">
+                    <a16:creationId xmlns:a16="http://schemas.microsoft.com/office/drawing/2014/main" id="{EDF139D2-6670-D530-98CC-855E1FEED3DF}"/>
+                  </a:ext>
+                </a:extLst>
+              </p:cNvPr>
+              <p:cNvSpPr txBox="1"/>
+              <p:nvPr/>
+            </p:nvSpPr>
+            <p:spPr>
+              <a:xfrm>
+                <a:off x="8610599" y="4981236"/>
+                <a:ext cx="826829" cy="369332"/>
+              </a:xfrm>
+              <a:prstGeom prst="rect">
+                <a:avLst/>
+              </a:prstGeom>
+              <a:noFill/>
+            </p:spPr>
+            <p:txBody>
+              <a:bodyPr wrap="none" rtlCol="0">
+                <a:spAutoFit/>
+              </a:bodyPr>
+              <a:lstStyle/>
+              <a:p>
+                <a14:m>
+                  <m:oMathPara xmlns:m="http://schemas.openxmlformats.org/officeDocument/2006/math">
+                    <m:oMathParaPr>
+                      <m:jc m:val="centerGroup"/>
+                    </m:oMathParaPr>
+                    <m:oMath xmlns:m="http://schemas.openxmlformats.org/officeDocument/2006/math">
+                      <m:sSub>
+                        <m:sSubPr>
+                          <m:ctrlPr>
+                            <a:rPr lang="en-US" b="0" i="1" smtClean="0">
+                              <a:solidFill>
+                                <a:srgbClr val="0070C0"/>
+                              </a:solidFill>
+                              <a:latin typeface="Cambria Math" panose="02040503050406030204" pitchFamily="18" charset="0"/>
+                            </a:rPr>
+                          </m:ctrlPr>
+                        </m:sSubPr>
+                        <m:e>
+                          <m:r>
+                            <a:rPr lang="en-US" b="0" i="1" smtClean="0">
+                              <a:solidFill>
+                                <a:srgbClr val="0070C0"/>
+                              </a:solidFill>
+                              <a:latin typeface="Cambria Math" panose="02040503050406030204" pitchFamily="18" charset="0"/>
+                            </a:rPr>
+                            <m:t>𝑛</m:t>
+                          </m:r>
+                        </m:e>
+                        <m:sub>
+                          <m:r>
+                            <a:rPr lang="en-US" b="0" i="1" smtClean="0">
+                              <a:solidFill>
+                                <a:srgbClr val="0070C0"/>
+                              </a:solidFill>
+                              <a:latin typeface="Cambria Math" panose="02040503050406030204" pitchFamily="18" charset="0"/>
+                            </a:rPr>
+                            <m:t>2</m:t>
+                          </m:r>
+                        </m:sub>
+                      </m:sSub>
+                      <m:r>
+                        <a:rPr lang="en-US" b="0" i="1" smtClean="0">
+                          <a:solidFill>
+                            <a:srgbClr val="0070C0"/>
+                          </a:solidFill>
+                          <a:latin typeface="Cambria Math" panose="02040503050406030204" pitchFamily="18" charset="0"/>
+                        </a:rPr>
+                        <m:t>/</m:t>
+                      </m:r>
+                      <m:sSub>
+                        <m:sSubPr>
+                          <m:ctrlPr>
+                            <a:rPr lang="en-US" b="0" i="1" smtClean="0">
+                              <a:solidFill>
+                                <a:srgbClr val="0070C0"/>
+                              </a:solidFill>
+                              <a:latin typeface="Cambria Math" panose="02040503050406030204" pitchFamily="18" charset="0"/>
+                            </a:rPr>
+                          </m:ctrlPr>
+                        </m:sSubPr>
+                        <m:e>
+                          <m:r>
+                            <a:rPr lang="en-US" b="0" i="1" smtClean="0">
+                              <a:solidFill>
+                                <a:srgbClr val="0070C0"/>
+                              </a:solidFill>
+                              <a:latin typeface="Cambria Math" panose="02040503050406030204" pitchFamily="18" charset="0"/>
+                            </a:rPr>
+                            <m:t>𝑛</m:t>
+                          </m:r>
+                        </m:e>
+                        <m:sub>
+                          <m:r>
+                            <a:rPr lang="en-US" b="0" i="1" smtClean="0">
+                              <a:solidFill>
+                                <a:srgbClr val="0070C0"/>
+                              </a:solidFill>
+                              <a:latin typeface="Cambria Math" panose="02040503050406030204" pitchFamily="18" charset="0"/>
+                            </a:rPr>
+                            <m:t>1</m:t>
+                          </m:r>
+                        </m:sub>
+                      </m:sSub>
+                    </m:oMath>
+                  </m:oMathPara>
+                </a14:m>
+                <a:endParaRPr lang="en-US" dirty="0">
+                  <a:solidFill>
+                    <a:srgbClr val="0070C0"/>
+                  </a:solidFill>
+                </a:endParaRPr>
+              </a:p>
+            </p:txBody>
+          </p:sp>
+        </mc:Choice>
+        <mc:Fallback>
+          <p:sp>
+            <p:nvSpPr>
+              <p:cNvPr id="30" name="TextBox 29">
+                <a:extLst>
+                  <a:ext uri="{FF2B5EF4-FFF2-40B4-BE49-F238E27FC236}">
+                    <a16:creationId xmlns:a16="http://schemas.microsoft.com/office/drawing/2014/main" id="{EDF139D2-6670-D530-98CC-855E1FEED3DF}"/>
+                  </a:ext>
+                </a:extLst>
+              </p:cNvPr>
+              <p:cNvSpPr txBox="1">
+                <a:spLocks noRot="1" noChangeAspect="1" noMove="1" noResize="1" noEditPoints="1" noAdjustHandles="1" noChangeArrowheads="1" noChangeShapeType="1" noTextEdit="1"/>
+              </p:cNvSpPr>
+              <p:nvPr/>
+            </p:nvSpPr>
+            <p:spPr>
+              <a:xfrm>
+                <a:off x="8610599" y="4981236"/>
+                <a:ext cx="826829" cy="369332"/>
+              </a:xfrm>
+              <a:prstGeom prst="rect">
+                <a:avLst/>
+              </a:prstGeom>
+              <a:blipFill>
+                <a:blip r:embed="rId6"/>
+                <a:stretch>
+                  <a:fillRect b="-13333"/>
+                </a:stretch>
+              </a:blipFill>
+            </p:spPr>
+            <p:txBody>
+              <a:bodyPr/>
+              <a:lstStyle/>
+              <a:p>
+                <a:r>
+                  <a:rPr lang="en-US">
+                    <a:noFill/>
+                  </a:rPr>
+                  <a:t> </a:t>
+                </a:r>
+              </a:p>
+            </p:txBody>
+          </p:sp>
+        </mc:Fallback>
+      </mc:AlternateContent>
+    </p:spTree>
+    <p:extLst>
+      <p:ext uri="{BB962C8B-B14F-4D97-AF65-F5344CB8AC3E}">
+        <p14:creationId xmlns:p14="http://schemas.microsoft.com/office/powerpoint/2010/main" val="1988904980"/>
+      </p:ext>
+    </p:extLst>
+  </p:cSld>
+  <p:clrMapOvr>
+    <a:masterClrMapping/>
+  </p:clrMapOvr>
+</p:sld>
+</file>
+
+<file path=ppt/slides/slide7.xml><?xml version="1.0" encoding="utf-8"?>
+<p:sld xmlns:a="http://schemas.openxmlformats.org/drawingml/2006/main" xmlns:r="http://schemas.openxmlformats.org/officeDocument/2006/relationships" xmlns:p="http://schemas.openxmlformats.org/presentationml/2006/main">
+  <p:cSld>
+    <p:spTree>
+      <p:nvGrpSpPr>
+        <p:cNvPr id="1" name=""/>
+        <p:cNvGrpSpPr/>
+        <p:nvPr/>
+      </p:nvGrpSpPr>
+      <p:grpSpPr>
+        <a:xfrm>
+          <a:off x="0" y="0"/>
+          <a:ext cx="0" cy="0"/>
+          <a:chOff x="0" y="0"/>
+          <a:chExt cx="0" cy="0"/>
+        </a:xfrm>
+      </p:grpSpPr>
+      <p:pic>
+        <p:nvPicPr>
+          <p:cNvPr id="23" name="Picture 22">
+            <a:extLst>
+              <a:ext uri="{FF2B5EF4-FFF2-40B4-BE49-F238E27FC236}">
+                <a16:creationId xmlns:a16="http://schemas.microsoft.com/office/drawing/2014/main" id="{02BF7020-5723-6F62-58EA-1065007D3EB9}"/>
+              </a:ext>
+            </a:extLst>
+          </p:cNvPr>
+          <p:cNvPicPr>
+            <a:picLocks noChangeAspect="1"/>
+          </p:cNvPicPr>
+          <p:nvPr/>
+        </p:nvPicPr>
+        <p:blipFill>
+          <a:blip r:embed="rId2"/>
+          <a:stretch>
+            <a:fillRect/>
+          </a:stretch>
+        </p:blipFill>
+        <p:spPr>
+          <a:xfrm>
+            <a:off x="7471379" y="-26682"/>
+            <a:ext cx="2933066" cy="2306854"/>
           </a:xfrm>
           <a:prstGeom prst="rect">
             <a:avLst/>
@@ -4994,10 +10850,40 @@
       </p:pic>
       <p:pic>
         <p:nvPicPr>
-          <p:cNvPr id="5" name="Picture 4">
+          <p:cNvPr id="22" name="Picture 21">
             <a:extLst>
               <a:ext uri="{FF2B5EF4-FFF2-40B4-BE49-F238E27FC236}">
-                <a16:creationId xmlns:a16="http://schemas.microsoft.com/office/drawing/2014/main" id="{44228C56-856C-1338-39C3-78DE1124D208}"/>
+                <a16:creationId xmlns:a16="http://schemas.microsoft.com/office/drawing/2014/main" id="{B3A51C01-A796-7609-09F2-4329F64870A5}"/>
+              </a:ext>
+            </a:extLst>
+          </p:cNvPr>
+          <p:cNvPicPr>
+            <a:picLocks noChangeAspect="1"/>
+          </p:cNvPicPr>
+          <p:nvPr/>
+        </p:nvPicPr>
+        <p:blipFill>
+          <a:blip r:embed="rId3"/>
+          <a:stretch>
+            <a:fillRect/>
+          </a:stretch>
+        </p:blipFill>
+        <p:spPr>
+          <a:xfrm>
+            <a:off x="7326027" y="4413805"/>
+            <a:ext cx="3078418" cy="2444195"/>
+          </a:xfrm>
+          <a:prstGeom prst="rect">
+            <a:avLst/>
+          </a:prstGeom>
+        </p:spPr>
+      </p:pic>
+      <p:pic>
+        <p:nvPicPr>
+          <p:cNvPr id="21" name="Picture 20">
+            <a:extLst>
+              <a:ext uri="{FF2B5EF4-FFF2-40B4-BE49-F238E27FC236}">
+                <a16:creationId xmlns:a16="http://schemas.microsoft.com/office/drawing/2014/main" id="{109E581C-393F-3142-74C1-34DADC00453D}"/>
               </a:ext>
             </a:extLst>
           </p:cNvPr>
@@ -5014,8 +10900,8 @@
         </p:blipFill>
         <p:spPr>
           <a:xfrm>
-            <a:off x="0" y="1483057"/>
-            <a:ext cx="7503209" cy="3014682"/>
+            <a:off x="7417099" y="2283229"/>
+            <a:ext cx="2896274" cy="2264859"/>
           </a:xfrm>
           <a:prstGeom prst="rect">
             <a:avLst/>
@@ -5024,57 +10910,230 @@
       </p:pic>
       <p:sp>
         <p:nvSpPr>
-          <p:cNvPr id="6" name="TextBox 5">
+          <p:cNvPr id="2" name="Title 1">
             <a:extLst>
               <a:ext uri="{FF2B5EF4-FFF2-40B4-BE49-F238E27FC236}">
-                <a16:creationId xmlns:a16="http://schemas.microsoft.com/office/drawing/2014/main" id="{8F11BDB7-C1A7-F128-E8F3-5684614BEF71}"/>
+                <a16:creationId xmlns:a16="http://schemas.microsoft.com/office/drawing/2014/main" id="{139E3DA3-EE80-C7EE-2ED9-AF4E80567FBB}"/>
               </a:ext>
             </a:extLst>
           </p:cNvPr>
-          <p:cNvSpPr txBox="1"/>
+          <p:cNvSpPr>
+            <a:spLocks noGrp="1"/>
+          </p:cNvSpPr>
+          <p:nvPr>
+            <p:ph type="title"/>
+          </p:nvPr>
+        </p:nvSpPr>
+        <p:spPr/>
+        <p:txBody>
+          <a:bodyPr/>
+          <a:lstStyle/>
+          <a:p>
+            <a:r>
+              <a:rPr lang="en-US" dirty="0"/>
+              <a:t>Forward Pumping</a:t>
+            </a:r>
+          </a:p>
+        </p:txBody>
+      </p:sp>
+      <p:sp>
+        <p:nvSpPr>
+          <p:cNvPr id="3" name="Slide Number Placeholder 2">
+            <a:extLst>
+              <a:ext uri="{FF2B5EF4-FFF2-40B4-BE49-F238E27FC236}">
+                <a16:creationId xmlns:a16="http://schemas.microsoft.com/office/drawing/2014/main" id="{93852B24-CF0D-F488-BDEF-9E39E77BE97C}"/>
+              </a:ext>
+            </a:extLst>
+          </p:cNvPr>
+          <p:cNvSpPr>
+            <a:spLocks noGrp="1"/>
+          </p:cNvSpPr>
+          <p:nvPr>
+            <p:ph type="sldNum" sz="quarter" idx="12"/>
+          </p:nvPr>
+        </p:nvSpPr>
+        <p:spPr/>
+        <p:txBody>
+          <a:bodyPr/>
+          <a:lstStyle/>
+          <a:p>
+            <a:fld id="{B9982081-D51A-40C8-8A41-6498517A0DD4}" type="slidenum">
+              <a:rPr lang="en-US" smtClean="0"/>
+              <a:t>7</a:t>
+            </a:fld>
+            <a:endParaRPr lang="en-US"/>
+          </a:p>
+        </p:txBody>
+      </p:sp>
+      <p:cxnSp>
+        <p:nvCxnSpPr>
+          <p:cNvPr id="17" name="Straight Arrow Connector 16">
+            <a:extLst>
+              <a:ext uri="{FF2B5EF4-FFF2-40B4-BE49-F238E27FC236}">
+                <a16:creationId xmlns:a16="http://schemas.microsoft.com/office/drawing/2014/main" id="{8170BDD0-3422-FD4E-77A3-164BE27639C3}"/>
+              </a:ext>
+            </a:extLst>
+          </p:cNvPr>
+          <p:cNvCxnSpPr>
+            <a:cxnSpLocks/>
+          </p:cNvCxnSpPr>
           <p:nvPr/>
-        </p:nvSpPr>
+        </p:nvCxnSpPr>
         <p:spPr>
           <a:xfrm>
-            <a:off x="7921520" y="4829481"/>
-            <a:ext cx="3335059" cy="1200329"/>
+            <a:off x="2340864" y="4766209"/>
+            <a:ext cx="4602102" cy="0"/>
+          </a:xfrm>
+          <a:prstGeom prst="straightConnector1">
+            <a:avLst/>
+          </a:prstGeom>
+          <a:ln w="25400">
+            <a:solidFill>
+              <a:schemeClr val="tx1"/>
+            </a:solidFill>
+            <a:prstDash val="dash"/>
+            <a:tailEnd type="triangle"/>
+          </a:ln>
+        </p:spPr>
+        <p:style>
+          <a:lnRef idx="1">
+            <a:schemeClr val="accent1"/>
+          </a:lnRef>
+          <a:fillRef idx="0">
+            <a:schemeClr val="accent1"/>
+          </a:fillRef>
+          <a:effectRef idx="0">
+            <a:schemeClr val="accent1"/>
+          </a:effectRef>
+          <a:fontRef idx="minor">
+            <a:schemeClr val="tx1"/>
+          </a:fontRef>
+        </p:style>
+      </p:cxnSp>
+      <p:cxnSp>
+        <p:nvCxnSpPr>
+          <p:cNvPr id="18" name="Straight Arrow Connector 17">
+            <a:extLst>
+              <a:ext uri="{FF2B5EF4-FFF2-40B4-BE49-F238E27FC236}">
+                <a16:creationId xmlns:a16="http://schemas.microsoft.com/office/drawing/2014/main" id="{61817101-937C-5B2F-69CB-25A9EB7B5551}"/>
+              </a:ext>
+            </a:extLst>
+          </p:cNvPr>
+          <p:cNvCxnSpPr>
+            <a:cxnSpLocks/>
+          </p:cNvCxnSpPr>
+          <p:nvPr/>
+        </p:nvCxnSpPr>
+        <p:spPr>
+          <a:xfrm flipV="1">
+            <a:off x="2551176" y="3193441"/>
+            <a:ext cx="4391790" cy="336143"/>
+          </a:xfrm>
+          <a:prstGeom prst="straightConnector1">
+            <a:avLst/>
+          </a:prstGeom>
+          <a:ln w="25400">
+            <a:solidFill>
+              <a:schemeClr val="tx1"/>
+            </a:solidFill>
+            <a:prstDash val="dash"/>
+            <a:tailEnd type="triangle"/>
+          </a:ln>
+        </p:spPr>
+        <p:style>
+          <a:lnRef idx="1">
+            <a:schemeClr val="accent1"/>
+          </a:lnRef>
+          <a:fillRef idx="0">
+            <a:schemeClr val="accent1"/>
+          </a:fillRef>
+          <a:effectRef idx="0">
+            <a:schemeClr val="accent1"/>
+          </a:effectRef>
+          <a:fontRef idx="minor">
+            <a:schemeClr val="tx1"/>
+          </a:fontRef>
+        </p:style>
+      </p:cxnSp>
+      <p:cxnSp>
+        <p:nvCxnSpPr>
+          <p:cNvPr id="19" name="Straight Arrow Connector 18">
+            <a:extLst>
+              <a:ext uri="{FF2B5EF4-FFF2-40B4-BE49-F238E27FC236}">
+                <a16:creationId xmlns:a16="http://schemas.microsoft.com/office/drawing/2014/main" id="{11E3FF2D-2A01-C8CA-6FD3-01895573B0E4}"/>
+              </a:ext>
+            </a:extLst>
+          </p:cNvPr>
+          <p:cNvCxnSpPr>
+            <a:cxnSpLocks/>
+          </p:cNvCxnSpPr>
+          <p:nvPr/>
+        </p:nvCxnSpPr>
+        <p:spPr>
+          <a:xfrm flipV="1">
+            <a:off x="6096000" y="1158177"/>
+            <a:ext cx="846966" cy="844359"/>
+          </a:xfrm>
+          <a:prstGeom prst="straightConnector1">
+            <a:avLst/>
+          </a:prstGeom>
+          <a:ln w="25400">
+            <a:solidFill>
+              <a:schemeClr val="tx1"/>
+            </a:solidFill>
+            <a:prstDash val="dash"/>
+            <a:tailEnd type="triangle"/>
+          </a:ln>
+        </p:spPr>
+        <p:style>
+          <a:lnRef idx="1">
+            <a:schemeClr val="accent1"/>
+          </a:lnRef>
+          <a:fillRef idx="0">
+            <a:schemeClr val="accent1"/>
+          </a:fillRef>
+          <a:effectRef idx="0">
+            <a:schemeClr val="accent1"/>
+          </a:effectRef>
+          <a:fontRef idx="minor">
+            <a:schemeClr val="tx1"/>
+          </a:fontRef>
+        </p:style>
+      </p:cxnSp>
+      <p:pic>
+        <p:nvPicPr>
+          <p:cNvPr id="20" name="Picture 19">
+            <a:extLst>
+              <a:ext uri="{FF2B5EF4-FFF2-40B4-BE49-F238E27FC236}">
+                <a16:creationId xmlns:a16="http://schemas.microsoft.com/office/drawing/2014/main" id="{B52CC89A-9DE0-077F-50F0-B3FDA4410A20}"/>
+              </a:ext>
+            </a:extLst>
+          </p:cNvPr>
+          <p:cNvPicPr>
+            <a:picLocks noChangeAspect="1"/>
+          </p:cNvPicPr>
+          <p:nvPr/>
+        </p:nvPicPr>
+        <p:blipFill>
+          <a:blip r:embed="rId5"/>
+          <a:stretch>
+            <a:fillRect/>
+          </a:stretch>
+        </p:blipFill>
+        <p:spPr>
+          <a:xfrm>
+            <a:off x="727961" y="1702681"/>
+            <a:ext cx="6047778" cy="4204338"/>
           </a:xfrm>
           <a:prstGeom prst="rect">
             <a:avLst/>
           </a:prstGeom>
-          <a:noFill/>
         </p:spPr>
-        <p:txBody>
-          <a:bodyPr wrap="square" rtlCol="0">
-            <a:spAutoFit/>
-          </a:bodyPr>
-          <a:lstStyle/>
-          <a:p>
-            <a:pPr marL="285750" indent="-285750">
-              <a:buFont typeface="Arial" panose="020B0604020202020204" pitchFamily="34" charset="0"/>
-              <a:buChar char="•"/>
-            </a:pPr>
-            <a:r>
-              <a:rPr lang="en-US" dirty="0"/>
-              <a:t>Using a peak gain of 5 / m </a:t>
-            </a:r>
-          </a:p>
-          <a:p>
-            <a:pPr marL="285750" indent="-285750">
-              <a:buFont typeface="Arial" panose="020B0604020202020204" pitchFamily="34" charset="0"/>
-              <a:buChar char="•"/>
-            </a:pPr>
-            <a:r>
-              <a:rPr lang="en-US" dirty="0"/>
-              <a:t>No pump decay or gain saturation leads to very high power</a:t>
-            </a:r>
-          </a:p>
-        </p:txBody>
-      </p:sp>
+      </p:pic>
     </p:spTree>
     <p:extLst>
       <p:ext uri="{BB962C8B-B14F-4D97-AF65-F5344CB8AC3E}">
-        <p14:creationId xmlns:p14="http://schemas.microsoft.com/office/powerpoint/2010/main" val="583981711"/>
+        <p14:creationId xmlns:p14="http://schemas.microsoft.com/office/powerpoint/2010/main" val="3847931170"/>
       </p:ext>
     </p:extLst>
   </p:cSld>

--- a/memo.pptx
+++ b/memo.pptx
@@ -5,16 +5,17 @@
     <p:sldMasterId id="2147483648" r:id="rId1"/>
   </p:sldMasterIdLst>
   <p:notesMasterIdLst>
-    <p:notesMasterId r:id="rId9"/>
+    <p:notesMasterId r:id="rId10"/>
   </p:notesMasterIdLst>
   <p:sldIdLst>
     <p:sldId id="257" r:id="rId2"/>
     <p:sldId id="258" r:id="rId3"/>
     <p:sldId id="263" r:id="rId4"/>
     <p:sldId id="261" r:id="rId5"/>
-    <p:sldId id="262" r:id="rId6"/>
-    <p:sldId id="259" r:id="rId7"/>
-    <p:sldId id="260" r:id="rId8"/>
+    <p:sldId id="259" r:id="rId6"/>
+    <p:sldId id="260" r:id="rId7"/>
+    <p:sldId id="264" r:id="rId8"/>
+    <p:sldId id="265" r:id="rId9"/>
   </p:sldIdLst>
   <p:sldSz cx="12192000" cy="6858000"/>
   <p:notesSz cx="6858000" cy="9144000"/>
@@ -203,7 +204,7 @@
           <a:p>
             <a:fld id="{95F362A7-A475-4602-906F-9130A1178AB1}" type="datetimeFigureOut">
               <a:rPr lang="en-US" smtClean="0"/>
-              <a:t>10/10/23</a:t>
+              <a:t>10/12/23</a:t>
             </a:fld>
             <a:endParaRPr lang="en-US"/>
           </a:p>
@@ -701,7 +702,7 @@
           <a:p>
             <a:fld id="{0D38F60B-329E-45AD-8EBB-D3927E357EB0}" type="datetime1">
               <a:rPr lang="en-US" smtClean="0"/>
-              <a:t>10/10/23</a:t>
+              <a:t>10/12/23</a:t>
             </a:fld>
             <a:endParaRPr lang="en-US"/>
           </a:p>
@@ -899,7 +900,7 @@
           <a:p>
             <a:fld id="{7644A20D-A245-4F10-84F9-51D5FC950958}" type="datetime1">
               <a:rPr lang="en-US" smtClean="0"/>
-              <a:t>10/10/23</a:t>
+              <a:t>10/12/23</a:t>
             </a:fld>
             <a:endParaRPr lang="en-US"/>
           </a:p>
@@ -1107,7 +1108,7 @@
           <a:p>
             <a:fld id="{9356318C-5F0D-4B43-96EA-F1352008C9B8}" type="datetime1">
               <a:rPr lang="en-US" smtClean="0"/>
-              <a:t>10/10/23</a:t>
+              <a:t>10/12/23</a:t>
             </a:fld>
             <a:endParaRPr lang="en-US"/>
           </a:p>
@@ -1315,7 +1316,7 @@
           <a:p>
             <a:fld id="{F6E96621-9D08-4937-91A6-0EA3793F0F07}" type="datetime1">
               <a:rPr lang="en-US" smtClean="0"/>
-              <a:t>10/10/23</a:t>
+              <a:t>10/12/23</a:t>
             </a:fld>
             <a:endParaRPr lang="en-US"/>
           </a:p>
@@ -1590,7 +1591,7 @@
           <a:p>
             <a:fld id="{3923D620-10DF-4508-991A-B9D388A501EE}" type="datetime1">
               <a:rPr lang="en-US" smtClean="0"/>
-              <a:t>10/10/23</a:t>
+              <a:t>10/12/23</a:t>
             </a:fld>
             <a:endParaRPr lang="en-US"/>
           </a:p>
@@ -1860,7 +1861,7 @@
           <a:p>
             <a:fld id="{92FA3270-DDBA-458A-9D06-6F36A210CFF8}" type="datetime1">
               <a:rPr lang="en-US" smtClean="0"/>
-              <a:t>10/10/23</a:t>
+              <a:t>10/12/23</a:t>
             </a:fld>
             <a:endParaRPr lang="en-US"/>
           </a:p>
@@ -2272,7 +2273,7 @@
           <a:p>
             <a:fld id="{BC650ADE-7CC5-4CA4-AEFD-DD163139B1E9}" type="datetime1">
               <a:rPr lang="en-US" smtClean="0"/>
-              <a:t>10/10/23</a:t>
+              <a:t>10/12/23</a:t>
             </a:fld>
             <a:endParaRPr lang="en-US"/>
           </a:p>
@@ -2418,7 +2419,7 @@
           <a:p>
             <a:fld id="{468D9ADD-CC3F-4DEB-87EF-630A12738E73}" type="datetime1">
               <a:rPr lang="en-US" smtClean="0"/>
-              <a:t>10/10/23</a:t>
+              <a:t>10/12/23</a:t>
             </a:fld>
             <a:endParaRPr lang="en-US"/>
           </a:p>
@@ -2531,7 +2532,7 @@
           <a:p>
             <a:fld id="{EC5B69B2-D125-4E7B-AA17-A8B6ACE8892E}" type="datetime1">
               <a:rPr lang="en-US" smtClean="0"/>
-              <a:t>10/10/23</a:t>
+              <a:t>10/12/23</a:t>
             </a:fld>
             <a:endParaRPr lang="en-US"/>
           </a:p>
@@ -2842,7 +2843,7 @@
           <a:p>
             <a:fld id="{BBE08CD8-AC86-4874-9FD2-AC99DC82CF46}" type="datetime1">
               <a:rPr lang="en-US" smtClean="0"/>
-              <a:t>10/10/23</a:t>
+              <a:t>10/12/23</a:t>
             </a:fld>
             <a:endParaRPr lang="en-US"/>
           </a:p>
@@ -3133,7 +3134,7 @@
           <a:p>
             <a:fld id="{3B82CD6C-2ADC-45ED-BCAD-25C1101DE6B9}" type="datetime1">
               <a:rPr lang="en-US" smtClean="0"/>
-              <a:t>10/10/23</a:t>
+              <a:t>10/12/23</a:t>
             </a:fld>
             <a:endParaRPr lang="en-US"/>
           </a:p>
@@ -3374,7 +3375,7 @@
           <a:p>
             <a:fld id="{BCB570C2-D09B-4F14-B535-9A0AFE946BB3}" type="datetime1">
               <a:rPr lang="en-US" smtClean="0"/>
-              <a:t>10/10/23</a:t>
+              <a:t>10/12/23</a:t>
             </a:fld>
             <a:endParaRPr lang="en-US"/>
           </a:p>
@@ -4359,8 +4360,8 @@
           </p:spPr>
         </p:pic>
       </p:grpSp>
-      <mc:AlternateContent xmlns:mc="http://schemas.openxmlformats.org/markup-compatibility/2006">
-        <mc:Choice xmlns:a14="http://schemas.microsoft.com/office/drawing/2010/main" Requires="a14">
+      <mc:AlternateContent xmlns:mc="http://schemas.openxmlformats.org/markup-compatibility/2006" xmlns:a14="http://schemas.microsoft.com/office/drawing/2010/main">
+        <mc:Choice Requires="a14">
           <p:sp>
             <p:nvSpPr>
               <p:cNvPr id="17" name="TextBox 16">
@@ -4389,6 +4390,7 @@
               </a:bodyPr>
               <a:lstStyle/>
               <a:p>
+                <a:pPr/>
                 <a14:m>
                   <m:oMathPara xmlns:m="http://schemas.openxmlformats.org/officeDocument/2006/math">
                     <m:oMathParaPr>
@@ -4512,7 +4514,7 @@
             </p:txBody>
           </p:sp>
         </mc:Choice>
-        <mc:Fallback>
+        <mc:Fallback xmlns="">
           <p:sp>
             <p:nvSpPr>
               <p:cNvPr id="17" name="TextBox 16">
@@ -4557,8 +4559,8 @@
           </p:sp>
         </mc:Fallback>
       </mc:AlternateContent>
-      <mc:AlternateContent xmlns:mc="http://schemas.openxmlformats.org/markup-compatibility/2006">
-        <mc:Choice xmlns:a14="http://schemas.microsoft.com/office/drawing/2010/main" Requires="a14">
+      <mc:AlternateContent xmlns:mc="http://schemas.openxmlformats.org/markup-compatibility/2006" xmlns:a14="http://schemas.microsoft.com/office/drawing/2010/main">
+        <mc:Choice Requires="a14">
           <p:sp>
             <p:nvSpPr>
               <p:cNvPr id="18" name="TextBox 17">
@@ -4587,6 +4589,7 @@
               </a:bodyPr>
               <a:lstStyle/>
               <a:p>
+                <a:pPr/>
                 <a14:m>
                   <m:oMathPara xmlns:m="http://schemas.openxmlformats.org/officeDocument/2006/math">
                     <m:oMathParaPr>
@@ -4681,7 +4684,7 @@
             </p:txBody>
           </p:sp>
         </mc:Choice>
-        <mc:Fallback>
+        <mc:Fallback xmlns="">
           <p:sp>
             <p:nvSpPr>
               <p:cNvPr id="18" name="TextBox 17">
@@ -4914,8 +4917,8 @@
           </a:prstGeom>
         </p:spPr>
       </p:pic>
-      <mc:AlternateContent xmlns:mc="http://schemas.openxmlformats.org/markup-compatibility/2006">
-        <mc:Choice xmlns:a14="http://schemas.microsoft.com/office/drawing/2010/main" Requires="a14">
+      <mc:AlternateContent xmlns:mc="http://schemas.openxmlformats.org/markup-compatibility/2006" xmlns:a14="http://schemas.microsoft.com/office/drawing/2010/main">
+        <mc:Choice Requires="a14">
           <p:sp>
             <p:nvSpPr>
               <p:cNvPr id="2" name="Title 1">
@@ -4958,7 +4961,7 @@
             </p:txBody>
           </p:sp>
         </mc:Choice>
-        <mc:Fallback>
+        <mc:Fallback xmlns="">
           <p:sp>
             <p:nvSpPr>
               <p:cNvPr id="2" name="Title 1">
@@ -5076,8 +5079,8 @@
           </a:p>
         </p:txBody>
       </p:sp>
-      <mc:AlternateContent xmlns:mc="http://schemas.openxmlformats.org/markup-compatibility/2006">
-        <mc:Choice xmlns:a14="http://schemas.microsoft.com/office/drawing/2010/main" Requires="a14">
+      <mc:AlternateContent xmlns:mc="http://schemas.openxmlformats.org/markup-compatibility/2006" xmlns:a14="http://schemas.microsoft.com/office/drawing/2010/main">
+        <mc:Choice Requires="a14">
           <p:sp>
             <p:nvSpPr>
               <p:cNvPr id="8" name="TextBox 7">
@@ -5166,7 +5169,7 @@
             </p:txBody>
           </p:sp>
         </mc:Choice>
-        <mc:Fallback>
+        <mc:Fallback xmlns="">
           <p:sp>
             <p:nvSpPr>
               <p:cNvPr id="8" name="TextBox 7">
@@ -5331,8 +5334,8 @@
           </a:prstGeom>
         </p:spPr>
       </p:pic>
-      <mc:AlternateContent xmlns:mc="http://schemas.openxmlformats.org/markup-compatibility/2006">
-        <mc:Choice xmlns:a14="http://schemas.microsoft.com/office/drawing/2010/main" Requires="a14">
+      <mc:AlternateContent xmlns:mc="http://schemas.openxmlformats.org/markup-compatibility/2006" xmlns:a14="http://schemas.microsoft.com/office/drawing/2010/main">
+        <mc:Choice Requires="a14">
           <p:sp>
             <p:nvSpPr>
               <p:cNvPr id="6" name="TextBox 5">
@@ -5361,6 +5364,7 @@
               </a:bodyPr>
               <a:lstStyle/>
               <a:p>
+                <a:pPr/>
                 <a14:m>
                   <m:oMathPara xmlns:m="http://schemas.openxmlformats.org/officeDocument/2006/math">
                     <m:oMathParaPr>
@@ -5456,7 +5460,7 @@
             </p:txBody>
           </p:sp>
         </mc:Choice>
-        <mc:Fallback>
+        <mc:Fallback xmlns="">
           <p:sp>
             <p:nvSpPr>
               <p:cNvPr id="6" name="TextBox 5">
@@ -5501,8 +5505,8 @@
           </p:sp>
         </mc:Fallback>
       </mc:AlternateContent>
-      <mc:AlternateContent xmlns:mc="http://schemas.openxmlformats.org/markup-compatibility/2006">
-        <mc:Choice xmlns:a14="http://schemas.microsoft.com/office/drawing/2010/main" Requires="a14">
+      <mc:AlternateContent xmlns:mc="http://schemas.openxmlformats.org/markup-compatibility/2006" xmlns:a14="http://schemas.microsoft.com/office/drawing/2010/main">
+        <mc:Choice Requires="a14">
           <p:sp>
             <p:nvSpPr>
               <p:cNvPr id="8" name="TextBox 7">
@@ -5667,7 +5671,7 @@
             </p:txBody>
           </p:sp>
         </mc:Choice>
-        <mc:Fallback>
+        <mc:Fallback xmlns="">
           <p:sp>
             <p:nvSpPr>
               <p:cNvPr id="8" name="TextBox 7">
@@ -5779,8 +5783,8 @@
             <a:chExt cx="3395325" cy="1920783"/>
           </a:xfrm>
         </p:grpSpPr>
-        <mc:AlternateContent xmlns:mc="http://schemas.openxmlformats.org/markup-compatibility/2006">
-          <mc:Choice xmlns:a14="http://schemas.microsoft.com/office/drawing/2010/main" Requires="a14">
+        <mc:AlternateContent xmlns:mc="http://schemas.openxmlformats.org/markup-compatibility/2006" xmlns:a14="http://schemas.microsoft.com/office/drawing/2010/main">
+          <mc:Choice Requires="a14">
             <p:sp>
               <p:nvSpPr>
                 <p:cNvPr id="13" name="TextBox 12">
@@ -5809,6 +5813,7 @@
                 </a:bodyPr>
                 <a:lstStyle/>
                 <a:p>
+                  <a:pPr/>
                   <a14:m>
                     <m:oMathPara xmlns:m="http://schemas.openxmlformats.org/officeDocument/2006/math">
                       <m:oMathParaPr>
@@ -6136,7 +6141,7 @@
               </p:txBody>
             </p:sp>
           </mc:Choice>
-          <mc:Fallback>
+          <mc:Fallback xmlns="">
             <p:sp>
               <p:nvSpPr>
                 <p:cNvPr id="13" name="TextBox 12">
@@ -6181,8 +6186,8 @@
             </p:sp>
           </mc:Fallback>
         </mc:AlternateContent>
-        <mc:AlternateContent xmlns:mc="http://schemas.openxmlformats.org/markup-compatibility/2006">
-          <mc:Choice xmlns:a14="http://schemas.microsoft.com/office/drawing/2010/main" Requires="a14">
+        <mc:AlternateContent xmlns:mc="http://schemas.openxmlformats.org/markup-compatibility/2006" xmlns:a14="http://schemas.microsoft.com/office/drawing/2010/main">
+          <mc:Choice Requires="a14">
             <p:sp>
               <p:nvSpPr>
                 <p:cNvPr id="14" name="TextBox 13">
@@ -6211,6 +6216,7 @@
                 </a:bodyPr>
                 <a:lstStyle/>
                 <a:p>
+                  <a:pPr/>
                   <a14:m>
                     <m:oMathPara xmlns:m="http://schemas.openxmlformats.org/officeDocument/2006/math">
                       <m:oMathParaPr>
@@ -6488,7 +6494,7 @@
               </p:txBody>
             </p:sp>
           </mc:Choice>
-          <mc:Fallback>
+          <mc:Fallback xmlns="">
             <p:sp>
               <p:nvSpPr>
                 <p:cNvPr id="14" name="TextBox 13">
@@ -6533,8 +6539,8 @@
             </p:sp>
           </mc:Fallback>
         </mc:AlternateContent>
-        <mc:AlternateContent xmlns:mc="http://schemas.openxmlformats.org/markup-compatibility/2006">
-          <mc:Choice xmlns:a14="http://schemas.microsoft.com/office/drawing/2010/main" Requires="a14">
+        <mc:AlternateContent xmlns:mc="http://schemas.openxmlformats.org/markup-compatibility/2006" xmlns:a14="http://schemas.microsoft.com/office/drawing/2010/main">
+          <mc:Choice Requires="a14">
             <p:sp>
               <p:nvSpPr>
                 <p:cNvPr id="15" name="TextBox 14">
@@ -6563,6 +6569,7 @@
                 </a:bodyPr>
                 <a:lstStyle/>
                 <a:p>
+                  <a:pPr/>
                   <a14:m>
                     <m:oMathPara xmlns:m="http://schemas.openxmlformats.org/officeDocument/2006/math">
                       <m:oMathParaPr>
@@ -6627,7 +6634,7 @@
               </p:txBody>
             </p:sp>
           </mc:Choice>
-          <mc:Fallback>
+          <mc:Fallback xmlns="">
             <p:sp>
               <p:nvSpPr>
                 <p:cNvPr id="15" name="TextBox 14">
@@ -6673,8 +6680,8 @@
           </mc:Fallback>
         </mc:AlternateContent>
       </p:grpSp>
-      <mc:AlternateContent xmlns:mc="http://schemas.openxmlformats.org/markup-compatibility/2006">
-        <mc:Choice xmlns:a14="http://schemas.microsoft.com/office/drawing/2010/main" Requires="a14">
+      <mc:AlternateContent xmlns:mc="http://schemas.openxmlformats.org/markup-compatibility/2006" xmlns:a14="http://schemas.microsoft.com/office/drawing/2010/main">
+        <mc:Choice Requires="a14">
           <p:sp>
             <p:nvSpPr>
               <p:cNvPr id="17" name="TextBox 16">
@@ -6850,7 +6857,7 @@
             </p:txBody>
           </p:sp>
         </mc:Choice>
-        <mc:Fallback>
+        <mc:Fallback xmlns="">
           <p:sp>
             <p:nvSpPr>
               <p:cNvPr id="17" name="TextBox 16">
@@ -6982,8 +6989,8 @@
           </a:p>
         </p:txBody>
       </p:sp>
-      <mc:AlternateContent xmlns:mc="http://schemas.openxmlformats.org/markup-compatibility/2006">
-        <mc:Choice xmlns:a14="http://schemas.microsoft.com/office/drawing/2010/main" Requires="a14">
+      <mc:AlternateContent xmlns:mc="http://schemas.openxmlformats.org/markup-compatibility/2006" xmlns:a14="http://schemas.microsoft.com/office/drawing/2010/main">
+        <mc:Choice Requires="a14">
           <p:sp>
             <p:nvSpPr>
               <p:cNvPr id="4" name="TextBox 3">
@@ -7017,6 +7024,7 @@
               </a:bodyPr>
               <a:lstStyle/>
               <a:p>
+                <a:pPr/>
                 <a14:m>
                   <m:oMathPara xmlns:m="http://schemas.openxmlformats.org/officeDocument/2006/math">
                     <m:oMathParaPr>
@@ -7889,7 +7897,7 @@
             </p:txBody>
           </p:sp>
         </mc:Choice>
-        <mc:Fallback>
+        <mc:Fallback xmlns="">
           <p:sp>
             <p:nvSpPr>
               <p:cNvPr id="4" name="TextBox 3">
@@ -7939,8 +7947,8 @@
           </p:sp>
         </mc:Fallback>
       </mc:AlternateContent>
-      <mc:AlternateContent xmlns:mc="http://schemas.openxmlformats.org/markup-compatibility/2006">
-        <mc:Choice xmlns:a14="http://schemas.microsoft.com/office/drawing/2010/main" Requires="a14">
+      <mc:AlternateContent xmlns:mc="http://schemas.openxmlformats.org/markup-compatibility/2006" xmlns:a14="http://schemas.microsoft.com/office/drawing/2010/main">
+        <mc:Choice Requires="a14">
           <p:sp>
             <p:nvSpPr>
               <p:cNvPr id="8" name="TextBox 7">
@@ -7969,6 +7977,7 @@
               </a:bodyPr>
               <a:lstStyle/>
               <a:p>
+                <a:pPr/>
                 <a14:m>
                   <m:oMathPara xmlns:m="http://schemas.openxmlformats.org/officeDocument/2006/math">
                     <m:oMathParaPr>
@@ -8075,7 +8084,7 @@
             </p:txBody>
           </p:sp>
         </mc:Choice>
-        <mc:Fallback>
+        <mc:Fallback xmlns="">
           <p:sp>
             <p:nvSpPr>
               <p:cNvPr id="8" name="TextBox 7">
@@ -8120,8 +8129,8 @@
           </p:sp>
         </mc:Fallback>
       </mc:AlternateContent>
-      <mc:AlternateContent xmlns:mc="http://schemas.openxmlformats.org/markup-compatibility/2006">
-        <mc:Choice xmlns:a14="http://schemas.microsoft.com/office/drawing/2010/main" Requires="a14">
+      <mc:AlternateContent xmlns:mc="http://schemas.openxmlformats.org/markup-compatibility/2006" xmlns:a14="http://schemas.microsoft.com/office/drawing/2010/main">
+        <mc:Choice Requires="a14">
           <p:sp>
             <p:nvSpPr>
               <p:cNvPr id="9" name="TextBox 8">
@@ -8150,6 +8159,7 @@
               </a:bodyPr>
               <a:lstStyle/>
               <a:p>
+                <a:pPr/>
                 <a14:m>
                   <m:oMathPara xmlns:m="http://schemas.openxmlformats.org/officeDocument/2006/math">
                     <m:oMathParaPr>
@@ -8232,7 +8242,7 @@
             </p:txBody>
           </p:sp>
         </mc:Choice>
-        <mc:Fallback>
+        <mc:Fallback xmlns="">
           <p:sp>
             <p:nvSpPr>
               <p:cNvPr id="9" name="TextBox 8">
@@ -8277,8 +8287,8 @@
           </p:sp>
         </mc:Fallback>
       </mc:AlternateContent>
-      <mc:AlternateContent xmlns:mc="http://schemas.openxmlformats.org/markup-compatibility/2006">
-        <mc:Choice xmlns:a14="http://schemas.microsoft.com/office/drawing/2010/main" Requires="a14">
+      <mc:AlternateContent xmlns:mc="http://schemas.openxmlformats.org/markup-compatibility/2006" xmlns:a14="http://schemas.microsoft.com/office/drawing/2010/main">
+        <mc:Choice Requires="a14">
           <p:sp>
             <p:nvSpPr>
               <p:cNvPr id="10" name="TextBox 9">
@@ -8312,6 +8322,7 @@
               </a:bodyPr>
               <a:lstStyle/>
               <a:p>
+                <a:pPr/>
                 <a14:m>
                   <m:oMathPara xmlns:m="http://schemas.openxmlformats.org/officeDocument/2006/math">
                     <m:oMathParaPr>
@@ -8502,7 +8513,7 @@
             </p:txBody>
           </p:sp>
         </mc:Choice>
-        <mc:Fallback>
+        <mc:Fallback xmlns="">
           <p:sp>
             <p:nvSpPr>
               <p:cNvPr id="10" name="TextBox 9">
@@ -8733,10 +8744,11 @@
               <a:p>
                 <a:r>
                   <a:rPr lang="en-US" dirty="0"/>
-                  <a:t>I’m taking 1-3 from an example from Ansys:</a:t>
+                  <a:t>I’m taking 1-5 from an example from Ansys:</a:t>
                 </a:r>
               </a:p>
               <a:p>
+                <a:pPr/>
                 <a14:m>
                   <m:oMathPara xmlns:m="http://schemas.openxmlformats.org/officeDocument/2006/math">
                     <m:oMathParaPr>
@@ -8817,6 +8829,7 @@
                 <a:endParaRPr lang="en-US" dirty="0"/>
               </a:p>
               <a:p>
+                <a:pPr/>
                 <a14:m>
                   <m:oMathPara xmlns:m="http://schemas.openxmlformats.org/officeDocument/2006/math">
                     <m:oMathParaPr>
@@ -8872,6 +8885,7 @@
                 <a:endParaRPr lang="en-US" dirty="0"/>
               </a:p>
               <a:p>
+                <a:pPr/>
                 <a14:m>
                   <m:oMathPara xmlns:m="http://schemas.openxmlformats.org/officeDocument/2006/math">
                     <m:oMathParaPr>
@@ -9019,8 +9033,8 @@
           </a:p>
         </p:txBody>
       </p:sp>
-      <mc:AlternateContent xmlns:mc="http://schemas.openxmlformats.org/markup-compatibility/2006">
-        <mc:Choice xmlns:a14="http://schemas.microsoft.com/office/drawing/2010/main" Requires="a14">
+      <mc:AlternateContent xmlns:mc="http://schemas.openxmlformats.org/markup-compatibility/2006" xmlns:a14="http://schemas.microsoft.com/office/drawing/2010/main">
+        <mc:Choice Requires="a14">
           <p:sp>
             <p:nvSpPr>
               <p:cNvPr id="22" name="TextBox 21">
@@ -9054,6 +9068,7 @@
               </a:bodyPr>
               <a:lstStyle/>
               <a:p>
+                <a:pPr/>
                 <a14:m>
                   <m:oMathPara xmlns:m="http://schemas.openxmlformats.org/officeDocument/2006/math">
                     <m:oMathParaPr>
@@ -9323,7 +9338,7 @@
             </p:txBody>
           </p:sp>
         </mc:Choice>
-        <mc:Fallback>
+        <mc:Fallback xmlns="">
           <p:sp>
             <p:nvSpPr>
               <p:cNvPr id="22" name="TextBox 21">
@@ -9497,8 +9512,8 @@
             </a:p>
           </p:txBody>
         </p:sp>
-        <mc:AlternateContent xmlns:mc="http://schemas.openxmlformats.org/markup-compatibility/2006">
-          <mc:Choice xmlns:a14="http://schemas.microsoft.com/office/drawing/2010/main" Requires="a14">
+        <mc:AlternateContent xmlns:mc="http://schemas.openxmlformats.org/markup-compatibility/2006" xmlns:a14="http://schemas.microsoft.com/office/drawing/2010/main">
+          <mc:Choice Requires="a14">
             <p:sp>
               <p:nvSpPr>
                 <p:cNvPr id="24" name="TextBox 23">
@@ -9527,6 +9542,7 @@
                 </a:bodyPr>
                 <a:lstStyle/>
                 <a:p>
+                  <a:pPr/>
                   <a14:m>
                     <m:oMathPara xmlns:m="http://schemas.openxmlformats.org/officeDocument/2006/math">
                       <m:oMathParaPr>
@@ -9579,7 +9595,7 @@
               </p:txBody>
             </p:sp>
           </mc:Choice>
-          <mc:Fallback>
+          <mc:Fallback xmlns="">
             <p:sp>
               <p:nvSpPr>
                 <p:cNvPr id="24" name="TextBox 23">
@@ -9624,8 +9640,8 @@
             </p:sp>
           </mc:Fallback>
         </mc:AlternateContent>
-        <mc:AlternateContent xmlns:mc="http://schemas.openxmlformats.org/markup-compatibility/2006">
-          <mc:Choice xmlns:a14="http://schemas.microsoft.com/office/drawing/2010/main" Requires="a14">
+        <mc:AlternateContent xmlns:mc="http://schemas.openxmlformats.org/markup-compatibility/2006" xmlns:a14="http://schemas.microsoft.com/office/drawing/2010/main">
+          <mc:Choice Requires="a14">
             <p:sp>
               <p:nvSpPr>
                 <p:cNvPr id="25" name="TextBox 24">
@@ -9654,6 +9670,7 @@
                 </a:bodyPr>
                 <a:lstStyle/>
                 <a:p>
+                  <a:pPr/>
                   <a14:m>
                     <m:oMathPara xmlns:m="http://schemas.openxmlformats.org/officeDocument/2006/math">
                       <m:oMathParaPr>
@@ -9706,7 +9723,7 @@
               </p:txBody>
             </p:sp>
           </mc:Choice>
-          <mc:Fallback>
+          <mc:Fallback xmlns="">
             <p:sp>
               <p:nvSpPr>
                 <p:cNvPr id="25" name="TextBox 24">
@@ -9825,93 +9842,6 @@
           <a:chExt cx="0" cy="0"/>
         </a:xfrm>
       </p:grpSpPr>
-      <p:sp>
-        <p:nvSpPr>
-          <p:cNvPr id="2" name="Title 1">
-            <a:extLst>
-              <a:ext uri="{FF2B5EF4-FFF2-40B4-BE49-F238E27FC236}">
-                <a16:creationId xmlns:a16="http://schemas.microsoft.com/office/drawing/2014/main" id="{997AEFE3-4881-9D7B-E14F-FE0EFF3177E6}"/>
-              </a:ext>
-            </a:extLst>
-          </p:cNvPr>
-          <p:cNvSpPr>
-            <a:spLocks noGrp="1"/>
-          </p:cNvSpPr>
-          <p:nvPr>
-            <p:ph type="title"/>
-          </p:nvPr>
-        </p:nvSpPr>
-        <p:spPr/>
-        <p:txBody>
-          <a:bodyPr/>
-          <a:lstStyle/>
-          <a:p>
-            <a:r>
-              <a:rPr lang="en-US" dirty="0"/>
-              <a:t>Jointly Solve RE and NLSE</a:t>
-            </a:r>
-          </a:p>
-        </p:txBody>
-      </p:sp>
-      <p:sp>
-        <p:nvSpPr>
-          <p:cNvPr id="3" name="Slide Number Placeholder 2">
-            <a:extLst>
-              <a:ext uri="{FF2B5EF4-FFF2-40B4-BE49-F238E27FC236}">
-                <a16:creationId xmlns:a16="http://schemas.microsoft.com/office/drawing/2014/main" id="{FB692347-6A09-7C68-4DED-A5DE41C4D914}"/>
-              </a:ext>
-            </a:extLst>
-          </p:cNvPr>
-          <p:cNvSpPr>
-            <a:spLocks noGrp="1"/>
-          </p:cNvSpPr>
-          <p:nvPr>
-            <p:ph type="sldNum" sz="quarter" idx="12"/>
-          </p:nvPr>
-        </p:nvSpPr>
-        <p:spPr/>
-        <p:txBody>
-          <a:bodyPr/>
-          <a:lstStyle/>
-          <a:p>
-            <a:fld id="{B9982081-D51A-40C8-8A41-6498517A0DD4}" type="slidenum">
-              <a:rPr lang="en-US" smtClean="0"/>
-              <a:t>5</a:t>
-            </a:fld>
-            <a:endParaRPr lang="en-US"/>
-          </a:p>
-        </p:txBody>
-      </p:sp>
-    </p:spTree>
-    <p:extLst>
-      <p:ext uri="{BB962C8B-B14F-4D97-AF65-F5344CB8AC3E}">
-        <p14:creationId xmlns:p14="http://schemas.microsoft.com/office/powerpoint/2010/main" val="1963120057"/>
-      </p:ext>
-    </p:extLst>
-  </p:cSld>
-  <p:clrMapOvr>
-    <a:masterClrMapping/>
-  </p:clrMapOvr>
-</p:sld>
-</file>
-
-<file path=ppt/slides/slide6.xml><?xml version="1.0" encoding="utf-8"?>
-<p:sld xmlns:a="http://schemas.openxmlformats.org/drawingml/2006/main" xmlns:r="http://schemas.openxmlformats.org/officeDocument/2006/relationships" xmlns:p="http://schemas.openxmlformats.org/presentationml/2006/main">
-  <p:cSld>
-    <p:spTree>
-      <p:nvGrpSpPr>
-        <p:cNvPr id="1" name=""/>
-        <p:cNvGrpSpPr/>
-        <p:nvPr/>
-      </p:nvGrpSpPr>
-      <p:grpSpPr>
-        <a:xfrm>
-          <a:off x="0" y="0"/>
-          <a:ext cx="0" cy="0"/>
-          <a:chOff x="0" y="0"/>
-          <a:chExt cx="0" cy="0"/>
-        </a:xfrm>
-      </p:grpSpPr>
       <p:pic>
         <p:nvPicPr>
           <p:cNvPr id="35" name="Picture 34">
@@ -9963,7 +9893,10 @@
           <a:bodyPr/>
           <a:lstStyle/>
           <a:p>
-            <a:endParaRPr lang="en-US" dirty="0"/>
+            <a:r>
+              <a:rPr lang="en-US" dirty="0"/>
+              <a:t>Forward Pumping</a:t>
+            </a:r>
           </a:p>
         </p:txBody>
       </p:sp>
@@ -9990,7 +9923,7 @@
           <a:p>
             <a:fld id="{B9982081-D51A-40C8-8A41-6498517A0DD4}" type="slidenum">
               <a:rPr lang="en-US" smtClean="0"/>
-              <a:t>6</a:t>
+              <a:t>5</a:t>
             </a:fld>
             <a:endParaRPr lang="en-US"/>
           </a:p>
@@ -10278,8 +10211,8 @@
           </a:p>
         </p:txBody>
       </p:sp>
-      <mc:AlternateContent xmlns:mc="http://schemas.openxmlformats.org/markup-compatibility/2006">
-        <mc:Choice xmlns:a14="http://schemas.microsoft.com/office/drawing/2010/main" Requires="a14">
+      <mc:AlternateContent xmlns:mc="http://schemas.openxmlformats.org/markup-compatibility/2006" xmlns:a14="http://schemas.microsoft.com/office/drawing/2010/main">
+        <mc:Choice Requires="a14">
           <p:sp>
             <p:nvSpPr>
               <p:cNvPr id="28" name="TextBox 27">
@@ -10308,6 +10241,7 @@
               </a:bodyPr>
               <a:lstStyle/>
               <a:p>
+                <a:pPr/>
                 <a14:m>
                   <m:oMathPara xmlns:m="http://schemas.openxmlformats.org/officeDocument/2006/math">
                     <m:oMathParaPr>
@@ -10403,7 +10337,7 @@
             </p:txBody>
           </p:sp>
         </mc:Choice>
-        <mc:Fallback>
+        <mc:Fallback xmlns="">
           <p:sp>
             <p:nvSpPr>
               <p:cNvPr id="28" name="TextBox 27">
@@ -10448,8 +10382,8 @@
           </p:sp>
         </mc:Fallback>
       </mc:AlternateContent>
-      <mc:AlternateContent xmlns:mc="http://schemas.openxmlformats.org/markup-compatibility/2006">
-        <mc:Choice xmlns:a14="http://schemas.microsoft.com/office/drawing/2010/main" Requires="a14">
+      <mc:AlternateContent xmlns:mc="http://schemas.openxmlformats.org/markup-compatibility/2006" xmlns:a14="http://schemas.microsoft.com/office/drawing/2010/main">
+        <mc:Choice Requires="a14">
           <p:sp>
             <p:nvSpPr>
               <p:cNvPr id="29" name="TextBox 28">
@@ -10478,6 +10412,7 @@
               </a:bodyPr>
               <a:lstStyle/>
               <a:p>
+                <a:pPr/>
                 <a14:m>
                   <m:oMathPara xmlns:m="http://schemas.openxmlformats.org/officeDocument/2006/math">
                     <m:oMathParaPr>
@@ -10573,7 +10508,7 @@
             </p:txBody>
           </p:sp>
         </mc:Choice>
-        <mc:Fallback>
+        <mc:Fallback xmlns="">
           <p:sp>
             <p:nvSpPr>
               <p:cNvPr id="29" name="TextBox 28">
@@ -10618,8 +10553,8 @@
           </p:sp>
         </mc:Fallback>
       </mc:AlternateContent>
-      <mc:AlternateContent xmlns:mc="http://schemas.openxmlformats.org/markup-compatibility/2006">
-        <mc:Choice xmlns:a14="http://schemas.microsoft.com/office/drawing/2010/main" Requires="a14">
+      <mc:AlternateContent xmlns:mc="http://schemas.openxmlformats.org/markup-compatibility/2006" xmlns:a14="http://schemas.microsoft.com/office/drawing/2010/main">
+        <mc:Choice Requires="a14">
           <p:sp>
             <p:nvSpPr>
               <p:cNvPr id="30" name="TextBox 29">
@@ -10648,6 +10583,7 @@
               </a:bodyPr>
               <a:lstStyle/>
               <a:p>
+                <a:pPr/>
                 <a14:m>
                   <m:oMathPara xmlns:m="http://schemas.openxmlformats.org/officeDocument/2006/math">
                     <m:oMathParaPr>
@@ -10743,7 +10679,7 @@
             </p:txBody>
           </p:sp>
         </mc:Choice>
-        <mc:Fallback>
+        <mc:Fallback xmlns="">
           <p:sp>
             <p:nvSpPr>
               <p:cNvPr id="30" name="TextBox 29">
@@ -10801,7 +10737,7 @@
 </p:sld>
 </file>
 
-<file path=ppt/slides/slide7.xml><?xml version="1.0" encoding="utf-8"?>
+<file path=ppt/slides/slide6.xml><?xml version="1.0" encoding="utf-8"?>
 <p:sld xmlns:a="http://schemas.openxmlformats.org/drawingml/2006/main" xmlns:r="http://schemas.openxmlformats.org/officeDocument/2006/relationships" xmlns:p="http://schemas.openxmlformats.org/presentationml/2006/main">
   <p:cSld>
     <p:spTree>
@@ -10959,7 +10895,7 @@
           <a:p>
             <a:fld id="{B9982081-D51A-40C8-8A41-6498517A0DD4}" type="slidenum">
               <a:rPr lang="en-US" smtClean="0"/>
-              <a:t>7</a:t>
+              <a:t>6</a:t>
             </a:fld>
             <a:endParaRPr lang="en-US"/>
           </a:p>
@@ -11134,6 +11070,651 @@
     <p:extLst>
       <p:ext uri="{BB962C8B-B14F-4D97-AF65-F5344CB8AC3E}">
         <p14:creationId xmlns:p14="http://schemas.microsoft.com/office/powerpoint/2010/main" val="3847931170"/>
+      </p:ext>
+    </p:extLst>
+  </p:cSld>
+  <p:clrMapOvr>
+    <a:masterClrMapping/>
+  </p:clrMapOvr>
+</p:sld>
+</file>
+
+<file path=ppt/slides/slide7.xml><?xml version="1.0" encoding="utf-8"?>
+<p:sld xmlns:a="http://schemas.openxmlformats.org/drawingml/2006/main" xmlns:r="http://schemas.openxmlformats.org/officeDocument/2006/relationships" xmlns:p="http://schemas.openxmlformats.org/presentationml/2006/main">
+  <p:cSld>
+    <p:spTree>
+      <p:nvGrpSpPr>
+        <p:cNvPr id="1" name=""/>
+        <p:cNvGrpSpPr/>
+        <p:nvPr/>
+      </p:nvGrpSpPr>
+      <p:grpSpPr>
+        <a:xfrm>
+          <a:off x="0" y="0"/>
+          <a:ext cx="0" cy="0"/>
+          <a:chOff x="0" y="0"/>
+          <a:chExt cx="0" cy="0"/>
+        </a:xfrm>
+      </p:grpSpPr>
+      <p:sp>
+        <p:nvSpPr>
+          <p:cNvPr id="2" name="Title 1">
+            <a:extLst>
+              <a:ext uri="{FF2B5EF4-FFF2-40B4-BE49-F238E27FC236}">
+                <a16:creationId xmlns:a16="http://schemas.microsoft.com/office/drawing/2014/main" id="{41637380-E457-CE38-FFBF-3BFD017C1510}"/>
+              </a:ext>
+            </a:extLst>
+          </p:cNvPr>
+          <p:cNvSpPr>
+            <a:spLocks noGrp="1"/>
+          </p:cNvSpPr>
+          <p:nvPr>
+            <p:ph type="title"/>
+          </p:nvPr>
+        </p:nvSpPr>
+        <p:spPr/>
+        <p:txBody>
+          <a:bodyPr/>
+          <a:lstStyle/>
+          <a:p>
+            <a:r>
+              <a:rPr lang="en-US" dirty="0"/>
+              <a:t>Backward Pumping</a:t>
+            </a:r>
+          </a:p>
+        </p:txBody>
+      </p:sp>
+      <p:sp>
+        <p:nvSpPr>
+          <p:cNvPr id="3" name="Slide Number Placeholder 2">
+            <a:extLst>
+              <a:ext uri="{FF2B5EF4-FFF2-40B4-BE49-F238E27FC236}">
+                <a16:creationId xmlns:a16="http://schemas.microsoft.com/office/drawing/2014/main" id="{A9F8114C-5C50-C7F6-A92A-0C093C678674}"/>
+              </a:ext>
+            </a:extLst>
+          </p:cNvPr>
+          <p:cNvSpPr>
+            <a:spLocks noGrp="1"/>
+          </p:cNvSpPr>
+          <p:nvPr>
+            <p:ph type="sldNum" sz="quarter" idx="12"/>
+          </p:nvPr>
+        </p:nvSpPr>
+        <p:spPr/>
+        <p:txBody>
+          <a:bodyPr/>
+          <a:lstStyle/>
+          <a:p>
+            <a:fld id="{B9982081-D51A-40C8-8A41-6498517A0DD4}" type="slidenum">
+              <a:rPr lang="en-US" smtClean="0"/>
+              <a:t>7</a:t>
+            </a:fld>
+            <a:endParaRPr lang="en-US"/>
+          </a:p>
+        </p:txBody>
+      </p:sp>
+      <p:pic>
+        <p:nvPicPr>
+          <p:cNvPr id="8" name="Picture 7">
+            <a:extLst>
+              <a:ext uri="{FF2B5EF4-FFF2-40B4-BE49-F238E27FC236}">
+                <a16:creationId xmlns:a16="http://schemas.microsoft.com/office/drawing/2014/main" id="{5AF8FB4D-C098-F1D3-6340-52BCC1C87E40}"/>
+              </a:ext>
+            </a:extLst>
+          </p:cNvPr>
+          <p:cNvPicPr>
+            <a:picLocks noChangeAspect="1"/>
+          </p:cNvPicPr>
+          <p:nvPr/>
+        </p:nvPicPr>
+        <p:blipFill>
+          <a:blip r:embed="rId2"/>
+          <a:stretch>
+            <a:fillRect/>
+          </a:stretch>
+        </p:blipFill>
+        <p:spPr>
+          <a:xfrm>
+            <a:off x="738235" y="1743777"/>
+            <a:ext cx="6108700" cy="4330700"/>
+          </a:xfrm>
+          <a:prstGeom prst="rect">
+            <a:avLst/>
+          </a:prstGeom>
+        </p:spPr>
+      </p:pic>
+      <p:pic>
+        <p:nvPicPr>
+          <p:cNvPr id="9" name="Picture 8">
+            <a:extLst>
+              <a:ext uri="{FF2B5EF4-FFF2-40B4-BE49-F238E27FC236}">
+                <a16:creationId xmlns:a16="http://schemas.microsoft.com/office/drawing/2014/main" id="{C556F207-61EB-2E87-8990-0D54821C0D44}"/>
+              </a:ext>
+            </a:extLst>
+          </p:cNvPr>
+          <p:cNvPicPr>
+            <a:picLocks noChangeAspect="1"/>
+          </p:cNvPicPr>
+          <p:nvPr/>
+        </p:nvPicPr>
+        <p:blipFill>
+          <a:blip r:embed="rId3"/>
+          <a:stretch>
+            <a:fillRect/>
+          </a:stretch>
+        </p:blipFill>
+        <p:spPr>
+          <a:xfrm>
+            <a:off x="6941520" y="-1"/>
+            <a:ext cx="3939197" cy="6858000"/>
+          </a:xfrm>
+          <a:prstGeom prst="rect">
+            <a:avLst/>
+          </a:prstGeom>
+        </p:spPr>
+      </p:pic>
+      <p:cxnSp>
+        <p:nvCxnSpPr>
+          <p:cNvPr id="10" name="Straight Arrow Connector 9">
+            <a:extLst>
+              <a:ext uri="{FF2B5EF4-FFF2-40B4-BE49-F238E27FC236}">
+                <a16:creationId xmlns:a16="http://schemas.microsoft.com/office/drawing/2014/main" id="{DFB5810A-7657-C807-E0A9-CD3B79C1CE2E}"/>
+              </a:ext>
+            </a:extLst>
+          </p:cNvPr>
+          <p:cNvCxnSpPr>
+            <a:cxnSpLocks/>
+          </p:cNvCxnSpPr>
+          <p:nvPr/>
+        </p:nvCxnSpPr>
+        <p:spPr>
+          <a:xfrm>
+            <a:off x="2340864" y="4766209"/>
+            <a:ext cx="4602102" cy="0"/>
+          </a:xfrm>
+          <a:prstGeom prst="straightConnector1">
+            <a:avLst/>
+          </a:prstGeom>
+          <a:ln w="25400">
+            <a:solidFill>
+              <a:schemeClr val="tx1"/>
+            </a:solidFill>
+            <a:prstDash val="dash"/>
+            <a:tailEnd type="triangle"/>
+          </a:ln>
+        </p:spPr>
+        <p:style>
+          <a:lnRef idx="1">
+            <a:schemeClr val="accent1"/>
+          </a:lnRef>
+          <a:fillRef idx="0">
+            <a:schemeClr val="accent1"/>
+          </a:fillRef>
+          <a:effectRef idx="0">
+            <a:schemeClr val="accent1"/>
+          </a:effectRef>
+          <a:fontRef idx="minor">
+            <a:schemeClr val="tx1"/>
+          </a:fontRef>
+        </p:style>
+      </p:cxnSp>
+      <p:cxnSp>
+        <p:nvCxnSpPr>
+          <p:cNvPr id="11" name="Straight Arrow Connector 10">
+            <a:extLst>
+              <a:ext uri="{FF2B5EF4-FFF2-40B4-BE49-F238E27FC236}">
+                <a16:creationId xmlns:a16="http://schemas.microsoft.com/office/drawing/2014/main" id="{443992B2-7972-7F71-3E33-BE7C0456D699}"/>
+              </a:ext>
+            </a:extLst>
+          </p:cNvPr>
+          <p:cNvCxnSpPr>
+            <a:cxnSpLocks/>
+          </p:cNvCxnSpPr>
+          <p:nvPr/>
+        </p:nvCxnSpPr>
+        <p:spPr>
+          <a:xfrm flipV="1">
+            <a:off x="2551176" y="3193441"/>
+            <a:ext cx="4391790" cy="336143"/>
+          </a:xfrm>
+          <a:prstGeom prst="straightConnector1">
+            <a:avLst/>
+          </a:prstGeom>
+          <a:ln w="25400">
+            <a:solidFill>
+              <a:schemeClr val="tx1"/>
+            </a:solidFill>
+            <a:prstDash val="dash"/>
+            <a:tailEnd type="triangle"/>
+          </a:ln>
+        </p:spPr>
+        <p:style>
+          <a:lnRef idx="1">
+            <a:schemeClr val="accent1"/>
+          </a:lnRef>
+          <a:fillRef idx="0">
+            <a:schemeClr val="accent1"/>
+          </a:fillRef>
+          <a:effectRef idx="0">
+            <a:schemeClr val="accent1"/>
+          </a:effectRef>
+          <a:fontRef idx="minor">
+            <a:schemeClr val="tx1"/>
+          </a:fontRef>
+        </p:style>
+      </p:cxnSp>
+      <p:cxnSp>
+        <p:nvCxnSpPr>
+          <p:cNvPr id="12" name="Straight Arrow Connector 11">
+            <a:extLst>
+              <a:ext uri="{FF2B5EF4-FFF2-40B4-BE49-F238E27FC236}">
+                <a16:creationId xmlns:a16="http://schemas.microsoft.com/office/drawing/2014/main" id="{B9061EE1-D0F1-F9D9-8941-B0A5B988EEAF}"/>
+              </a:ext>
+            </a:extLst>
+          </p:cNvPr>
+          <p:cNvCxnSpPr>
+            <a:cxnSpLocks/>
+          </p:cNvCxnSpPr>
+          <p:nvPr/>
+        </p:nvCxnSpPr>
+        <p:spPr>
+          <a:xfrm flipV="1">
+            <a:off x="6096000" y="1158177"/>
+            <a:ext cx="846966" cy="844359"/>
+          </a:xfrm>
+          <a:prstGeom prst="straightConnector1">
+            <a:avLst/>
+          </a:prstGeom>
+          <a:ln w="25400">
+            <a:solidFill>
+              <a:schemeClr val="tx1"/>
+            </a:solidFill>
+            <a:prstDash val="dash"/>
+            <a:tailEnd type="triangle"/>
+          </a:ln>
+        </p:spPr>
+        <p:style>
+          <a:lnRef idx="1">
+            <a:schemeClr val="accent1"/>
+          </a:lnRef>
+          <a:fillRef idx="0">
+            <a:schemeClr val="accent1"/>
+          </a:fillRef>
+          <a:effectRef idx="0">
+            <a:schemeClr val="accent1"/>
+          </a:effectRef>
+          <a:fontRef idx="minor">
+            <a:schemeClr val="tx1"/>
+          </a:fontRef>
+        </p:style>
+      </p:cxnSp>
+    </p:spTree>
+    <p:extLst>
+      <p:ext uri="{BB962C8B-B14F-4D97-AF65-F5344CB8AC3E}">
+        <p14:creationId xmlns:p14="http://schemas.microsoft.com/office/powerpoint/2010/main" val="512629173"/>
+      </p:ext>
+    </p:extLst>
+  </p:cSld>
+  <p:clrMapOvr>
+    <a:masterClrMapping/>
+  </p:clrMapOvr>
+</p:sld>
+</file>
+
+<file path=ppt/slides/slide8.xml><?xml version="1.0" encoding="utf-8"?>
+<p:sld xmlns:a="http://schemas.openxmlformats.org/drawingml/2006/main" xmlns:r="http://schemas.openxmlformats.org/officeDocument/2006/relationships" xmlns:p="http://schemas.openxmlformats.org/presentationml/2006/main">
+  <p:cSld>
+    <p:spTree>
+      <p:nvGrpSpPr>
+        <p:cNvPr id="1" name=""/>
+        <p:cNvGrpSpPr/>
+        <p:nvPr/>
+      </p:nvGrpSpPr>
+      <p:grpSpPr>
+        <a:xfrm>
+          <a:off x="0" y="0"/>
+          <a:ext cx="0" cy="0"/>
+          <a:chOff x="0" y="0"/>
+          <a:chExt cx="0" cy="0"/>
+        </a:xfrm>
+      </p:grpSpPr>
+      <p:sp>
+        <p:nvSpPr>
+          <p:cNvPr id="2" name="Title 1">
+            <a:extLst>
+              <a:ext uri="{FF2B5EF4-FFF2-40B4-BE49-F238E27FC236}">
+                <a16:creationId xmlns:a16="http://schemas.microsoft.com/office/drawing/2014/main" id="{0FB4781A-87D7-177C-0998-29CDA356711F}"/>
+              </a:ext>
+            </a:extLst>
+          </p:cNvPr>
+          <p:cNvSpPr>
+            <a:spLocks noGrp="1"/>
+          </p:cNvSpPr>
+          <p:nvPr>
+            <p:ph type="title"/>
+          </p:nvPr>
+        </p:nvSpPr>
+        <p:spPr/>
+        <p:txBody>
+          <a:bodyPr/>
+          <a:lstStyle/>
+          <a:p>
+            <a:r>
+              <a:rPr lang="en-US" dirty="0"/>
+              <a:t>Backward Pumping</a:t>
+            </a:r>
+          </a:p>
+        </p:txBody>
+      </p:sp>
+      <p:sp>
+        <p:nvSpPr>
+          <p:cNvPr id="3" name="Slide Number Placeholder 2">
+            <a:extLst>
+              <a:ext uri="{FF2B5EF4-FFF2-40B4-BE49-F238E27FC236}">
+                <a16:creationId xmlns:a16="http://schemas.microsoft.com/office/drawing/2014/main" id="{47FEB1D5-FA4A-1F5D-5F0B-0F8E2C4E6FD2}"/>
+              </a:ext>
+            </a:extLst>
+          </p:cNvPr>
+          <p:cNvSpPr>
+            <a:spLocks noGrp="1"/>
+          </p:cNvSpPr>
+          <p:nvPr>
+            <p:ph type="sldNum" sz="quarter" idx="12"/>
+          </p:nvPr>
+        </p:nvSpPr>
+        <p:spPr/>
+        <p:txBody>
+          <a:bodyPr/>
+          <a:lstStyle/>
+          <a:p>
+            <a:fld id="{B9982081-D51A-40C8-8A41-6498517A0DD4}" type="slidenum">
+              <a:rPr lang="en-US" smtClean="0"/>
+              <a:t>8</a:t>
+            </a:fld>
+            <a:endParaRPr lang="en-US"/>
+          </a:p>
+        </p:txBody>
+      </p:sp>
+      <p:pic>
+        <p:nvPicPr>
+          <p:cNvPr id="4" name="Picture 3">
+            <a:extLst>
+              <a:ext uri="{FF2B5EF4-FFF2-40B4-BE49-F238E27FC236}">
+                <a16:creationId xmlns:a16="http://schemas.microsoft.com/office/drawing/2014/main" id="{87DC9BC0-34BF-EA8D-BEF1-C0E12A6286DF}"/>
+              </a:ext>
+            </a:extLst>
+          </p:cNvPr>
+          <p:cNvPicPr>
+            <a:picLocks noChangeAspect="1"/>
+          </p:cNvPicPr>
+          <p:nvPr/>
+        </p:nvPicPr>
+        <p:blipFill>
+          <a:blip r:embed="rId2"/>
+          <a:stretch>
+            <a:fillRect/>
+          </a:stretch>
+        </p:blipFill>
+        <p:spPr>
+          <a:xfrm>
+            <a:off x="738235" y="1743777"/>
+            <a:ext cx="6108700" cy="4330700"/>
+          </a:xfrm>
+          <a:prstGeom prst="rect">
+            <a:avLst/>
+          </a:prstGeom>
+        </p:spPr>
+      </p:pic>
+      <p:grpSp>
+        <p:nvGrpSpPr>
+          <p:cNvPr id="9" name="Group 8">
+            <a:extLst>
+              <a:ext uri="{FF2B5EF4-FFF2-40B4-BE49-F238E27FC236}">
+                <a16:creationId xmlns:a16="http://schemas.microsoft.com/office/drawing/2014/main" id="{2F62ABB0-406D-A670-6FF4-A34DE657E0FA}"/>
+              </a:ext>
+            </a:extLst>
+          </p:cNvPr>
+          <p:cNvGrpSpPr/>
+          <p:nvPr/>
+        </p:nvGrpSpPr>
+        <p:grpSpPr>
+          <a:xfrm>
+            <a:off x="7494396" y="-26682"/>
+            <a:ext cx="2818977" cy="6858000"/>
+            <a:chOff x="14779256" y="-5406461"/>
+            <a:chExt cx="7776315" cy="18918199"/>
+          </a:xfrm>
+        </p:grpSpPr>
+        <p:pic>
+          <p:nvPicPr>
+            <p:cNvPr id="10" name="Picture 9">
+              <a:extLst>
+                <a:ext uri="{FF2B5EF4-FFF2-40B4-BE49-F238E27FC236}">
+                  <a16:creationId xmlns:a16="http://schemas.microsoft.com/office/drawing/2014/main" id="{3B3171FF-DD4A-CE2D-6338-60A28C94EFAB}"/>
+                </a:ext>
+              </a:extLst>
+            </p:cNvPr>
+            <p:cNvPicPr>
+              <a:picLocks noChangeAspect="1"/>
+            </p:cNvPicPr>
+            <p:nvPr/>
+          </p:nvPicPr>
+          <p:blipFill>
+            <a:blip r:embed="rId3"/>
+            <a:stretch>
+              <a:fillRect/>
+            </a:stretch>
+          </p:blipFill>
+          <p:spPr>
+            <a:xfrm>
+              <a:off x="14779256" y="-5406461"/>
+              <a:ext cx="7769053" cy="6300216"/>
+            </a:xfrm>
+            <a:prstGeom prst="rect">
+              <a:avLst/>
+            </a:prstGeom>
+          </p:spPr>
+        </p:pic>
+        <p:pic>
+          <p:nvPicPr>
+            <p:cNvPr id="11" name="Picture 10">
+              <a:extLst>
+                <a:ext uri="{FF2B5EF4-FFF2-40B4-BE49-F238E27FC236}">
+                  <a16:creationId xmlns:a16="http://schemas.microsoft.com/office/drawing/2014/main" id="{5F2A90C1-9BF1-903A-FFB4-1D94D50B546B}"/>
+                </a:ext>
+              </a:extLst>
+            </p:cNvPr>
+            <p:cNvPicPr>
+              <a:picLocks noChangeAspect="1"/>
+            </p:cNvPicPr>
+            <p:nvPr/>
+          </p:nvPicPr>
+          <p:blipFill>
+            <a:blip r:embed="rId4"/>
+            <a:stretch>
+              <a:fillRect/>
+            </a:stretch>
+          </p:blipFill>
+          <p:spPr>
+            <a:xfrm>
+              <a:off x="14779256" y="893755"/>
+              <a:ext cx="7772400" cy="6372631"/>
+            </a:xfrm>
+            <a:prstGeom prst="rect">
+              <a:avLst/>
+            </a:prstGeom>
+          </p:spPr>
+        </p:pic>
+        <p:pic>
+          <p:nvPicPr>
+            <p:cNvPr id="12" name="Picture 11">
+              <a:extLst>
+                <a:ext uri="{FF2B5EF4-FFF2-40B4-BE49-F238E27FC236}">
+                  <a16:creationId xmlns:a16="http://schemas.microsoft.com/office/drawing/2014/main" id="{7C964EF6-BCE9-2201-476C-8B6D1E7EE6F3}"/>
+                </a:ext>
+              </a:extLst>
+            </p:cNvPr>
+            <p:cNvPicPr>
+              <a:picLocks noChangeAspect="1"/>
+            </p:cNvPicPr>
+            <p:nvPr/>
+          </p:nvPicPr>
+          <p:blipFill>
+            <a:blip r:embed="rId5"/>
+            <a:stretch>
+              <a:fillRect/>
+            </a:stretch>
+          </p:blipFill>
+          <p:spPr>
+            <a:xfrm>
+              <a:off x="14779256" y="7266386"/>
+              <a:ext cx="7776315" cy="6245352"/>
+            </a:xfrm>
+            <a:prstGeom prst="rect">
+              <a:avLst/>
+            </a:prstGeom>
+          </p:spPr>
+        </p:pic>
+      </p:grpSp>
+      <p:cxnSp>
+        <p:nvCxnSpPr>
+          <p:cNvPr id="13" name="Straight Arrow Connector 12">
+            <a:extLst>
+              <a:ext uri="{FF2B5EF4-FFF2-40B4-BE49-F238E27FC236}">
+                <a16:creationId xmlns:a16="http://schemas.microsoft.com/office/drawing/2014/main" id="{6876179D-C6F5-22EF-2E11-90F5E3FD8B7A}"/>
+              </a:ext>
+            </a:extLst>
+          </p:cNvPr>
+          <p:cNvCxnSpPr>
+            <a:cxnSpLocks/>
+          </p:cNvCxnSpPr>
+          <p:nvPr/>
+        </p:nvCxnSpPr>
+        <p:spPr>
+          <a:xfrm>
+            <a:off x="2340864" y="4766209"/>
+            <a:ext cx="4602102" cy="0"/>
+          </a:xfrm>
+          <a:prstGeom prst="straightConnector1">
+            <a:avLst/>
+          </a:prstGeom>
+          <a:ln w="25400">
+            <a:solidFill>
+              <a:schemeClr val="tx1"/>
+            </a:solidFill>
+            <a:prstDash val="dash"/>
+            <a:tailEnd type="triangle"/>
+          </a:ln>
+        </p:spPr>
+        <p:style>
+          <a:lnRef idx="1">
+            <a:schemeClr val="accent1"/>
+          </a:lnRef>
+          <a:fillRef idx="0">
+            <a:schemeClr val="accent1"/>
+          </a:fillRef>
+          <a:effectRef idx="0">
+            <a:schemeClr val="accent1"/>
+          </a:effectRef>
+          <a:fontRef idx="minor">
+            <a:schemeClr val="tx1"/>
+          </a:fontRef>
+        </p:style>
+      </p:cxnSp>
+      <p:cxnSp>
+        <p:nvCxnSpPr>
+          <p:cNvPr id="14" name="Straight Arrow Connector 13">
+            <a:extLst>
+              <a:ext uri="{FF2B5EF4-FFF2-40B4-BE49-F238E27FC236}">
+                <a16:creationId xmlns:a16="http://schemas.microsoft.com/office/drawing/2014/main" id="{5053D68F-D0A5-D256-E716-3441AA66C878}"/>
+              </a:ext>
+            </a:extLst>
+          </p:cNvPr>
+          <p:cNvCxnSpPr>
+            <a:cxnSpLocks/>
+          </p:cNvCxnSpPr>
+          <p:nvPr/>
+        </p:nvCxnSpPr>
+        <p:spPr>
+          <a:xfrm flipV="1">
+            <a:off x="2551176" y="3193441"/>
+            <a:ext cx="4391790" cy="336143"/>
+          </a:xfrm>
+          <a:prstGeom prst="straightConnector1">
+            <a:avLst/>
+          </a:prstGeom>
+          <a:ln w="25400">
+            <a:solidFill>
+              <a:schemeClr val="tx1"/>
+            </a:solidFill>
+            <a:prstDash val="dash"/>
+            <a:tailEnd type="triangle"/>
+          </a:ln>
+        </p:spPr>
+        <p:style>
+          <a:lnRef idx="1">
+            <a:schemeClr val="accent1"/>
+          </a:lnRef>
+          <a:fillRef idx="0">
+            <a:schemeClr val="accent1"/>
+          </a:fillRef>
+          <a:effectRef idx="0">
+            <a:schemeClr val="accent1"/>
+          </a:effectRef>
+          <a:fontRef idx="minor">
+            <a:schemeClr val="tx1"/>
+          </a:fontRef>
+        </p:style>
+      </p:cxnSp>
+      <p:cxnSp>
+        <p:nvCxnSpPr>
+          <p:cNvPr id="15" name="Straight Arrow Connector 14">
+            <a:extLst>
+              <a:ext uri="{FF2B5EF4-FFF2-40B4-BE49-F238E27FC236}">
+                <a16:creationId xmlns:a16="http://schemas.microsoft.com/office/drawing/2014/main" id="{88A7C9EB-D792-CACE-EF1D-82B13100E0DB}"/>
+              </a:ext>
+            </a:extLst>
+          </p:cNvPr>
+          <p:cNvCxnSpPr>
+            <a:cxnSpLocks/>
+          </p:cNvCxnSpPr>
+          <p:nvPr/>
+        </p:nvCxnSpPr>
+        <p:spPr>
+          <a:xfrm flipV="1">
+            <a:off x="6096000" y="1158177"/>
+            <a:ext cx="846966" cy="844359"/>
+          </a:xfrm>
+          <a:prstGeom prst="straightConnector1">
+            <a:avLst/>
+          </a:prstGeom>
+          <a:ln w="25400">
+            <a:solidFill>
+              <a:schemeClr val="tx1"/>
+            </a:solidFill>
+            <a:prstDash val="dash"/>
+            <a:tailEnd type="triangle"/>
+          </a:ln>
+        </p:spPr>
+        <p:style>
+          <a:lnRef idx="1">
+            <a:schemeClr val="accent1"/>
+          </a:lnRef>
+          <a:fillRef idx="0">
+            <a:schemeClr val="accent1"/>
+          </a:fillRef>
+          <a:effectRef idx="0">
+            <a:schemeClr val="accent1"/>
+          </a:effectRef>
+          <a:fontRef idx="minor">
+            <a:schemeClr val="tx1"/>
+          </a:fontRef>
+        </p:style>
+      </p:cxnSp>
+    </p:spTree>
+    <p:extLst>
+      <p:ext uri="{BB962C8B-B14F-4D97-AF65-F5344CB8AC3E}">
+        <p14:creationId xmlns:p14="http://schemas.microsoft.com/office/powerpoint/2010/main" val="285692881"/>
       </p:ext>
     </p:extLst>
   </p:cSld>

--- a/memo.pptx
+++ b/memo.pptx
@@ -5,7 +5,7 @@
     <p:sldMasterId id="2147483648" r:id="rId1"/>
   </p:sldMasterIdLst>
   <p:notesMasterIdLst>
-    <p:notesMasterId r:id="rId10"/>
+    <p:notesMasterId r:id="rId12"/>
   </p:notesMasterIdLst>
   <p:sldIdLst>
     <p:sldId id="257" r:id="rId2"/>
@@ -16,6 +16,8 @@
     <p:sldId id="260" r:id="rId7"/>
     <p:sldId id="264" r:id="rId8"/>
     <p:sldId id="265" r:id="rId9"/>
+    <p:sldId id="266" r:id="rId10"/>
+    <p:sldId id="267" r:id="rId11"/>
   </p:sldIdLst>
   <p:sldSz cx="12192000" cy="6858000"/>
   <p:notesSz cx="6858000" cy="9144000"/>
@@ -4831,6 +4833,381 @@
     <p:extLst>
       <p:ext uri="{BB962C8B-B14F-4D97-AF65-F5344CB8AC3E}">
         <p14:creationId xmlns:p14="http://schemas.microsoft.com/office/powerpoint/2010/main" val="2670367059"/>
+      </p:ext>
+    </p:extLst>
+  </p:cSld>
+  <p:clrMapOvr>
+    <a:masterClrMapping/>
+  </p:clrMapOvr>
+</p:sld>
+</file>
+
+<file path=ppt/slides/slide10.xml><?xml version="1.0" encoding="utf-8"?>
+<p:sld xmlns:a="http://schemas.openxmlformats.org/drawingml/2006/main" xmlns:r="http://schemas.openxmlformats.org/officeDocument/2006/relationships" xmlns:p="http://schemas.openxmlformats.org/presentationml/2006/main">
+  <p:cSld>
+    <p:spTree>
+      <p:nvGrpSpPr>
+        <p:cNvPr id="1" name=""/>
+        <p:cNvGrpSpPr/>
+        <p:nvPr/>
+      </p:nvGrpSpPr>
+      <p:grpSpPr>
+        <a:xfrm>
+          <a:off x="0" y="0"/>
+          <a:ext cx="0" cy="0"/>
+          <a:chOff x="0" y="0"/>
+          <a:chExt cx="0" cy="0"/>
+        </a:xfrm>
+      </p:grpSpPr>
+      <p:sp>
+        <p:nvSpPr>
+          <p:cNvPr id="2" name="Title 1">
+            <a:extLst>
+              <a:ext uri="{FF2B5EF4-FFF2-40B4-BE49-F238E27FC236}">
+                <a16:creationId xmlns:a16="http://schemas.microsoft.com/office/drawing/2014/main" id="{983F0DE1-5808-0EE3-9C2C-BD2DF09FD3C0}"/>
+              </a:ext>
+            </a:extLst>
+          </p:cNvPr>
+          <p:cNvSpPr>
+            <a:spLocks noGrp="1"/>
+          </p:cNvSpPr>
+          <p:nvPr>
+            <p:ph type="title"/>
+          </p:nvPr>
+        </p:nvSpPr>
+        <p:spPr/>
+        <p:txBody>
+          <a:bodyPr/>
+          <a:lstStyle/>
+          <a:p>
+            <a:r>
+              <a:rPr lang="en-US" dirty="0" err="1"/>
+              <a:t>Fwd</a:t>
+            </a:r>
+            <a:r>
+              <a:rPr lang="en-US" dirty="0"/>
+              <a:t> + </a:t>
+            </a:r>
+            <a:r>
+              <a:rPr lang="en-US" dirty="0" err="1"/>
+              <a:t>Bckwd</a:t>
+            </a:r>
+            <a:r>
+              <a:rPr lang="en-US" dirty="0"/>
+              <a:t> Pumping</a:t>
+            </a:r>
+          </a:p>
+        </p:txBody>
+      </p:sp>
+      <p:sp>
+        <p:nvSpPr>
+          <p:cNvPr id="3" name="Slide Number Placeholder 2">
+            <a:extLst>
+              <a:ext uri="{FF2B5EF4-FFF2-40B4-BE49-F238E27FC236}">
+                <a16:creationId xmlns:a16="http://schemas.microsoft.com/office/drawing/2014/main" id="{EF0DA8C1-2B0A-60F8-6203-BBE7624F3239}"/>
+              </a:ext>
+            </a:extLst>
+          </p:cNvPr>
+          <p:cNvSpPr>
+            <a:spLocks noGrp="1"/>
+          </p:cNvSpPr>
+          <p:nvPr>
+            <p:ph type="sldNum" sz="quarter" idx="12"/>
+          </p:nvPr>
+        </p:nvSpPr>
+        <p:spPr/>
+        <p:txBody>
+          <a:bodyPr/>
+          <a:lstStyle/>
+          <a:p>
+            <a:fld id="{B9982081-D51A-40C8-8A41-6498517A0DD4}" type="slidenum">
+              <a:rPr lang="en-US" smtClean="0"/>
+              <a:t>10</a:t>
+            </a:fld>
+            <a:endParaRPr lang="en-US"/>
+          </a:p>
+        </p:txBody>
+      </p:sp>
+      <p:pic>
+        <p:nvPicPr>
+          <p:cNvPr id="4" name="Picture 3">
+            <a:extLst>
+              <a:ext uri="{FF2B5EF4-FFF2-40B4-BE49-F238E27FC236}">
+                <a16:creationId xmlns:a16="http://schemas.microsoft.com/office/drawing/2014/main" id="{6E320EDD-7A11-0ECB-0D10-34AF7A2D1545}"/>
+              </a:ext>
+            </a:extLst>
+          </p:cNvPr>
+          <p:cNvPicPr>
+            <a:picLocks noChangeAspect="1"/>
+          </p:cNvPicPr>
+          <p:nvPr/>
+        </p:nvPicPr>
+        <p:blipFill>
+          <a:blip r:embed="rId2"/>
+          <a:stretch>
+            <a:fillRect/>
+          </a:stretch>
+        </p:blipFill>
+        <p:spPr>
+          <a:xfrm>
+            <a:off x="987628" y="1627081"/>
+            <a:ext cx="5955338" cy="4564091"/>
+          </a:xfrm>
+          <a:prstGeom prst="rect">
+            <a:avLst/>
+          </a:prstGeom>
+        </p:spPr>
+      </p:pic>
+      <p:grpSp>
+        <p:nvGrpSpPr>
+          <p:cNvPr id="9" name="Group 8">
+            <a:extLst>
+              <a:ext uri="{FF2B5EF4-FFF2-40B4-BE49-F238E27FC236}">
+                <a16:creationId xmlns:a16="http://schemas.microsoft.com/office/drawing/2014/main" id="{29F180C3-740E-B9B2-A45A-8A33C9485BAC}"/>
+              </a:ext>
+            </a:extLst>
+          </p:cNvPr>
+          <p:cNvGrpSpPr/>
+          <p:nvPr/>
+        </p:nvGrpSpPr>
+        <p:grpSpPr>
+          <a:xfrm>
+            <a:off x="7371590" y="1"/>
+            <a:ext cx="3309495" cy="6858000"/>
+            <a:chOff x="6942965" y="0"/>
+            <a:chExt cx="4461418" cy="9245037"/>
+          </a:xfrm>
+        </p:grpSpPr>
+        <p:pic>
+          <p:nvPicPr>
+            <p:cNvPr id="6" name="Picture 5">
+              <a:extLst>
+                <a:ext uri="{FF2B5EF4-FFF2-40B4-BE49-F238E27FC236}">
+                  <a16:creationId xmlns:a16="http://schemas.microsoft.com/office/drawing/2014/main" id="{75243071-6264-3D85-DE59-426F75AC6919}"/>
+                </a:ext>
+              </a:extLst>
+            </p:cNvPr>
+            <p:cNvPicPr>
+              <a:picLocks noChangeAspect="1"/>
+            </p:cNvPicPr>
+            <p:nvPr/>
+          </p:nvPicPr>
+          <p:blipFill>
+            <a:blip r:embed="rId3"/>
+            <a:stretch>
+              <a:fillRect/>
+            </a:stretch>
+          </p:blipFill>
+          <p:spPr>
+            <a:xfrm>
+              <a:off x="6954049" y="0"/>
+              <a:ext cx="4399751" cy="3061253"/>
+            </a:xfrm>
+            <a:prstGeom prst="rect">
+              <a:avLst/>
+            </a:prstGeom>
+          </p:spPr>
+        </p:pic>
+        <p:pic>
+          <p:nvPicPr>
+            <p:cNvPr id="7" name="Picture 6">
+              <a:extLst>
+                <a:ext uri="{FF2B5EF4-FFF2-40B4-BE49-F238E27FC236}">
+                  <a16:creationId xmlns:a16="http://schemas.microsoft.com/office/drawing/2014/main" id="{E3416592-2FE6-E896-FB43-DE28864CB837}"/>
+                </a:ext>
+              </a:extLst>
+            </p:cNvPr>
+            <p:cNvPicPr>
+              <a:picLocks noChangeAspect="1"/>
+            </p:cNvPicPr>
+            <p:nvPr/>
+          </p:nvPicPr>
+          <p:blipFill>
+            <a:blip r:embed="rId4"/>
+            <a:stretch>
+              <a:fillRect/>
+            </a:stretch>
+          </p:blipFill>
+          <p:spPr>
+            <a:xfrm>
+              <a:off x="6942965" y="2964537"/>
+              <a:ext cx="4410835" cy="3140250"/>
+            </a:xfrm>
+            <a:prstGeom prst="rect">
+              <a:avLst/>
+            </a:prstGeom>
+          </p:spPr>
+        </p:pic>
+        <p:pic>
+          <p:nvPicPr>
+            <p:cNvPr id="8" name="Picture 7">
+              <a:extLst>
+                <a:ext uri="{FF2B5EF4-FFF2-40B4-BE49-F238E27FC236}">
+                  <a16:creationId xmlns:a16="http://schemas.microsoft.com/office/drawing/2014/main" id="{0C11DEF4-98AE-B996-05B3-E4DB14BA455A}"/>
+                </a:ext>
+              </a:extLst>
+            </p:cNvPr>
+            <p:cNvPicPr>
+              <a:picLocks noChangeAspect="1"/>
+            </p:cNvPicPr>
+            <p:nvPr/>
+          </p:nvPicPr>
+          <p:blipFill>
+            <a:blip r:embed="rId5"/>
+            <a:stretch>
+              <a:fillRect/>
+            </a:stretch>
+          </p:blipFill>
+          <p:spPr>
+            <a:xfrm>
+              <a:off x="6954049" y="6104787"/>
+              <a:ext cx="4450334" cy="3140250"/>
+            </a:xfrm>
+            <a:prstGeom prst="rect">
+              <a:avLst/>
+            </a:prstGeom>
+          </p:spPr>
+        </p:pic>
+      </p:grpSp>
+      <p:cxnSp>
+        <p:nvCxnSpPr>
+          <p:cNvPr id="10" name="Straight Arrow Connector 9">
+            <a:extLst>
+              <a:ext uri="{FF2B5EF4-FFF2-40B4-BE49-F238E27FC236}">
+                <a16:creationId xmlns:a16="http://schemas.microsoft.com/office/drawing/2014/main" id="{C5D29300-650F-1142-41B7-C6C9E14F368E}"/>
+              </a:ext>
+            </a:extLst>
+          </p:cNvPr>
+          <p:cNvCxnSpPr>
+            <a:cxnSpLocks/>
+          </p:cNvCxnSpPr>
+          <p:nvPr/>
+        </p:nvCxnSpPr>
+        <p:spPr>
+          <a:xfrm flipV="1">
+            <a:off x="2271713" y="4766209"/>
+            <a:ext cx="4671253" cy="291566"/>
+          </a:xfrm>
+          <a:prstGeom prst="straightConnector1">
+            <a:avLst/>
+          </a:prstGeom>
+          <a:ln w="25400">
+            <a:solidFill>
+              <a:schemeClr val="tx1"/>
+            </a:solidFill>
+            <a:prstDash val="dash"/>
+            <a:tailEnd type="triangle"/>
+          </a:ln>
+        </p:spPr>
+        <p:style>
+          <a:lnRef idx="1">
+            <a:schemeClr val="accent1"/>
+          </a:lnRef>
+          <a:fillRef idx="0">
+            <a:schemeClr val="accent1"/>
+          </a:fillRef>
+          <a:effectRef idx="0">
+            <a:schemeClr val="accent1"/>
+          </a:effectRef>
+          <a:fontRef idx="minor">
+            <a:schemeClr val="tx1"/>
+          </a:fontRef>
+        </p:style>
+      </p:cxnSp>
+      <p:cxnSp>
+        <p:nvCxnSpPr>
+          <p:cNvPr id="11" name="Straight Arrow Connector 10">
+            <a:extLst>
+              <a:ext uri="{FF2B5EF4-FFF2-40B4-BE49-F238E27FC236}">
+                <a16:creationId xmlns:a16="http://schemas.microsoft.com/office/drawing/2014/main" id="{9859DBCF-467C-C7A9-550B-F7D64953F54D}"/>
+              </a:ext>
+            </a:extLst>
+          </p:cNvPr>
+          <p:cNvCxnSpPr>
+            <a:cxnSpLocks/>
+          </p:cNvCxnSpPr>
+          <p:nvPr/>
+        </p:nvCxnSpPr>
+        <p:spPr>
+          <a:xfrm flipV="1">
+            <a:off x="2414588" y="3193441"/>
+            <a:ext cx="4528378" cy="492734"/>
+          </a:xfrm>
+          <a:prstGeom prst="straightConnector1">
+            <a:avLst/>
+          </a:prstGeom>
+          <a:ln w="25400">
+            <a:solidFill>
+              <a:schemeClr val="tx1"/>
+            </a:solidFill>
+            <a:prstDash val="dash"/>
+            <a:tailEnd type="triangle"/>
+          </a:ln>
+        </p:spPr>
+        <p:style>
+          <a:lnRef idx="1">
+            <a:schemeClr val="accent1"/>
+          </a:lnRef>
+          <a:fillRef idx="0">
+            <a:schemeClr val="accent1"/>
+          </a:fillRef>
+          <a:effectRef idx="0">
+            <a:schemeClr val="accent1"/>
+          </a:effectRef>
+          <a:fontRef idx="minor">
+            <a:schemeClr val="tx1"/>
+          </a:fontRef>
+        </p:style>
+      </p:cxnSp>
+      <p:cxnSp>
+        <p:nvCxnSpPr>
+          <p:cNvPr id="12" name="Straight Arrow Connector 11">
+            <a:extLst>
+              <a:ext uri="{FF2B5EF4-FFF2-40B4-BE49-F238E27FC236}">
+                <a16:creationId xmlns:a16="http://schemas.microsoft.com/office/drawing/2014/main" id="{0C345CFC-FA1E-51C8-31DB-B0373362F8AC}"/>
+              </a:ext>
+            </a:extLst>
+          </p:cNvPr>
+          <p:cNvCxnSpPr>
+            <a:cxnSpLocks/>
+          </p:cNvCxnSpPr>
+          <p:nvPr/>
+        </p:nvCxnSpPr>
+        <p:spPr>
+          <a:xfrm flipV="1">
+            <a:off x="6315075" y="1158177"/>
+            <a:ext cx="627891" cy="727773"/>
+          </a:xfrm>
+          <a:prstGeom prst="straightConnector1">
+            <a:avLst/>
+          </a:prstGeom>
+          <a:ln w="25400">
+            <a:solidFill>
+              <a:schemeClr val="tx1"/>
+            </a:solidFill>
+            <a:prstDash val="dash"/>
+            <a:tailEnd type="triangle"/>
+          </a:ln>
+        </p:spPr>
+        <p:style>
+          <a:lnRef idx="1">
+            <a:schemeClr val="accent1"/>
+          </a:lnRef>
+          <a:fillRef idx="0">
+            <a:schemeClr val="accent1"/>
+          </a:fillRef>
+          <a:effectRef idx="0">
+            <a:schemeClr val="accent1"/>
+          </a:effectRef>
+          <a:fontRef idx="minor">
+            <a:schemeClr val="tx1"/>
+          </a:fontRef>
+        </p:style>
+      </p:cxnSp>
+    </p:spTree>
+    <p:extLst>
+      <p:ext uri="{BB962C8B-B14F-4D97-AF65-F5344CB8AC3E}">
+        <p14:creationId xmlns:p14="http://schemas.microsoft.com/office/powerpoint/2010/main" val="2610779335"/>
       </p:ext>
     </p:extLst>
   </p:cSld>
@@ -11724,6 +12101,300 @@
 </p:sld>
 </file>
 
+<file path=ppt/slides/slide9.xml><?xml version="1.0" encoding="utf-8"?>
+<p:sld xmlns:a="http://schemas.openxmlformats.org/drawingml/2006/main" xmlns:r="http://schemas.openxmlformats.org/officeDocument/2006/relationships" xmlns:p="http://schemas.openxmlformats.org/presentationml/2006/main">
+  <p:cSld>
+    <p:spTree>
+      <p:nvGrpSpPr>
+        <p:cNvPr id="1" name=""/>
+        <p:cNvGrpSpPr/>
+        <p:nvPr/>
+      </p:nvGrpSpPr>
+      <p:grpSpPr>
+        <a:xfrm>
+          <a:off x="0" y="0"/>
+          <a:ext cx="0" cy="0"/>
+          <a:chOff x="0" y="0"/>
+          <a:chExt cx="0" cy="0"/>
+        </a:xfrm>
+      </p:grpSpPr>
+      <p:sp>
+        <p:nvSpPr>
+          <p:cNvPr id="2" name="Title 1">
+            <a:extLst>
+              <a:ext uri="{FF2B5EF4-FFF2-40B4-BE49-F238E27FC236}">
+                <a16:creationId xmlns:a16="http://schemas.microsoft.com/office/drawing/2014/main" id="{24C37E4A-2006-2F3A-7CEF-C1B5E0307F4A}"/>
+              </a:ext>
+            </a:extLst>
+          </p:cNvPr>
+          <p:cNvSpPr>
+            <a:spLocks noGrp="1"/>
+          </p:cNvSpPr>
+          <p:nvPr>
+            <p:ph type="title"/>
+          </p:nvPr>
+        </p:nvSpPr>
+        <p:spPr/>
+        <p:txBody>
+          <a:bodyPr/>
+          <a:lstStyle/>
+          <a:p>
+            <a:r>
+              <a:rPr lang="en-US" dirty="0" err="1"/>
+              <a:t>Fwd</a:t>
+            </a:r>
+            <a:r>
+              <a:rPr lang="en-US" dirty="0"/>
+              <a:t> + </a:t>
+            </a:r>
+            <a:r>
+              <a:rPr lang="en-US" dirty="0" err="1"/>
+              <a:t>Bckwd</a:t>
+            </a:r>
+            <a:r>
+              <a:rPr lang="en-US" dirty="0"/>
+              <a:t> Pumping</a:t>
+            </a:r>
+          </a:p>
+        </p:txBody>
+      </p:sp>
+      <p:sp>
+        <p:nvSpPr>
+          <p:cNvPr id="3" name="Slide Number Placeholder 2">
+            <a:extLst>
+              <a:ext uri="{FF2B5EF4-FFF2-40B4-BE49-F238E27FC236}">
+                <a16:creationId xmlns:a16="http://schemas.microsoft.com/office/drawing/2014/main" id="{0569D8B0-4AD7-AE0B-1C6E-2AA8E5B09F19}"/>
+              </a:ext>
+            </a:extLst>
+          </p:cNvPr>
+          <p:cNvSpPr>
+            <a:spLocks noGrp="1"/>
+          </p:cNvSpPr>
+          <p:nvPr>
+            <p:ph type="sldNum" sz="quarter" idx="12"/>
+          </p:nvPr>
+        </p:nvSpPr>
+        <p:spPr/>
+        <p:txBody>
+          <a:bodyPr/>
+          <a:lstStyle/>
+          <a:p>
+            <a:fld id="{B9982081-D51A-40C8-8A41-6498517A0DD4}" type="slidenum">
+              <a:rPr lang="en-US" smtClean="0"/>
+              <a:t>9</a:t>
+            </a:fld>
+            <a:endParaRPr lang="en-US"/>
+          </a:p>
+        </p:txBody>
+      </p:sp>
+      <p:pic>
+        <p:nvPicPr>
+          <p:cNvPr id="5" name="Picture 4">
+            <a:extLst>
+              <a:ext uri="{FF2B5EF4-FFF2-40B4-BE49-F238E27FC236}">
+                <a16:creationId xmlns:a16="http://schemas.microsoft.com/office/drawing/2014/main" id="{5DC714BC-588E-CFB1-E3A4-8D21BA3D6FF3}"/>
+              </a:ext>
+            </a:extLst>
+          </p:cNvPr>
+          <p:cNvPicPr>
+            <a:picLocks noChangeAspect="1"/>
+          </p:cNvPicPr>
+          <p:nvPr/>
+        </p:nvPicPr>
+        <p:blipFill>
+          <a:blip r:embed="rId2"/>
+          <a:stretch>
+            <a:fillRect/>
+          </a:stretch>
+        </p:blipFill>
+        <p:spPr>
+          <a:xfrm>
+            <a:off x="987628" y="1627081"/>
+            <a:ext cx="5955338" cy="4564091"/>
+          </a:xfrm>
+          <a:prstGeom prst="rect">
+            <a:avLst/>
+          </a:prstGeom>
+        </p:spPr>
+      </p:pic>
+      <p:pic>
+        <p:nvPicPr>
+          <p:cNvPr id="6" name="Picture 5">
+            <a:extLst>
+              <a:ext uri="{FF2B5EF4-FFF2-40B4-BE49-F238E27FC236}">
+                <a16:creationId xmlns:a16="http://schemas.microsoft.com/office/drawing/2014/main" id="{F73C2E6B-F99A-FA99-4757-1BA9A7C6F3DA}"/>
+              </a:ext>
+            </a:extLst>
+          </p:cNvPr>
+          <p:cNvPicPr>
+            <a:picLocks noChangeAspect="1"/>
+          </p:cNvPicPr>
+          <p:nvPr/>
+        </p:nvPicPr>
+        <p:blipFill>
+          <a:blip r:embed="rId3"/>
+          <a:stretch>
+            <a:fillRect/>
+          </a:stretch>
+        </p:blipFill>
+        <p:spPr>
+          <a:xfrm>
+            <a:off x="7019192" y="-1"/>
+            <a:ext cx="3780692" cy="6858000"/>
+          </a:xfrm>
+          <a:prstGeom prst="rect">
+            <a:avLst/>
+          </a:prstGeom>
+        </p:spPr>
+      </p:pic>
+      <p:cxnSp>
+        <p:nvCxnSpPr>
+          <p:cNvPr id="7" name="Straight Arrow Connector 6">
+            <a:extLst>
+              <a:ext uri="{FF2B5EF4-FFF2-40B4-BE49-F238E27FC236}">
+                <a16:creationId xmlns:a16="http://schemas.microsoft.com/office/drawing/2014/main" id="{5D697AC0-97FB-F844-AEF7-A9470CB8AE50}"/>
+              </a:ext>
+            </a:extLst>
+          </p:cNvPr>
+          <p:cNvCxnSpPr>
+            <a:cxnSpLocks/>
+          </p:cNvCxnSpPr>
+          <p:nvPr/>
+        </p:nvCxnSpPr>
+        <p:spPr>
+          <a:xfrm flipV="1">
+            <a:off x="2271713" y="4766209"/>
+            <a:ext cx="4671253" cy="291566"/>
+          </a:xfrm>
+          <a:prstGeom prst="straightConnector1">
+            <a:avLst/>
+          </a:prstGeom>
+          <a:ln w="25400">
+            <a:solidFill>
+              <a:schemeClr val="tx1"/>
+            </a:solidFill>
+            <a:prstDash val="dash"/>
+            <a:tailEnd type="triangle"/>
+          </a:ln>
+        </p:spPr>
+        <p:style>
+          <a:lnRef idx="1">
+            <a:schemeClr val="accent1"/>
+          </a:lnRef>
+          <a:fillRef idx="0">
+            <a:schemeClr val="accent1"/>
+          </a:fillRef>
+          <a:effectRef idx="0">
+            <a:schemeClr val="accent1"/>
+          </a:effectRef>
+          <a:fontRef idx="minor">
+            <a:schemeClr val="tx1"/>
+          </a:fontRef>
+        </p:style>
+      </p:cxnSp>
+      <p:cxnSp>
+        <p:nvCxnSpPr>
+          <p:cNvPr id="8" name="Straight Arrow Connector 7">
+            <a:extLst>
+              <a:ext uri="{FF2B5EF4-FFF2-40B4-BE49-F238E27FC236}">
+                <a16:creationId xmlns:a16="http://schemas.microsoft.com/office/drawing/2014/main" id="{061BEFDE-10B2-379A-3029-18A1EE777A24}"/>
+              </a:ext>
+            </a:extLst>
+          </p:cNvPr>
+          <p:cNvCxnSpPr>
+            <a:cxnSpLocks/>
+          </p:cNvCxnSpPr>
+          <p:nvPr/>
+        </p:nvCxnSpPr>
+        <p:spPr>
+          <a:xfrm flipV="1">
+            <a:off x="2414588" y="3193441"/>
+            <a:ext cx="4528378" cy="492734"/>
+          </a:xfrm>
+          <a:prstGeom prst="straightConnector1">
+            <a:avLst/>
+          </a:prstGeom>
+          <a:ln w="25400">
+            <a:solidFill>
+              <a:schemeClr val="tx1"/>
+            </a:solidFill>
+            <a:prstDash val="dash"/>
+            <a:tailEnd type="triangle"/>
+          </a:ln>
+        </p:spPr>
+        <p:style>
+          <a:lnRef idx="1">
+            <a:schemeClr val="accent1"/>
+          </a:lnRef>
+          <a:fillRef idx="0">
+            <a:schemeClr val="accent1"/>
+          </a:fillRef>
+          <a:effectRef idx="0">
+            <a:schemeClr val="accent1"/>
+          </a:effectRef>
+          <a:fontRef idx="minor">
+            <a:schemeClr val="tx1"/>
+          </a:fontRef>
+        </p:style>
+      </p:cxnSp>
+      <p:cxnSp>
+        <p:nvCxnSpPr>
+          <p:cNvPr id="9" name="Straight Arrow Connector 8">
+            <a:extLst>
+              <a:ext uri="{FF2B5EF4-FFF2-40B4-BE49-F238E27FC236}">
+                <a16:creationId xmlns:a16="http://schemas.microsoft.com/office/drawing/2014/main" id="{31467DF2-3651-6600-6760-A13AF371F7A1}"/>
+              </a:ext>
+            </a:extLst>
+          </p:cNvPr>
+          <p:cNvCxnSpPr>
+            <a:cxnSpLocks/>
+          </p:cNvCxnSpPr>
+          <p:nvPr/>
+        </p:nvCxnSpPr>
+        <p:spPr>
+          <a:xfrm flipV="1">
+            <a:off x="6315075" y="1158177"/>
+            <a:ext cx="627891" cy="727773"/>
+          </a:xfrm>
+          <a:prstGeom prst="straightConnector1">
+            <a:avLst/>
+          </a:prstGeom>
+          <a:ln w="25400">
+            <a:solidFill>
+              <a:schemeClr val="tx1"/>
+            </a:solidFill>
+            <a:prstDash val="dash"/>
+            <a:tailEnd type="triangle"/>
+          </a:ln>
+        </p:spPr>
+        <p:style>
+          <a:lnRef idx="1">
+            <a:schemeClr val="accent1"/>
+          </a:lnRef>
+          <a:fillRef idx="0">
+            <a:schemeClr val="accent1"/>
+          </a:fillRef>
+          <a:effectRef idx="0">
+            <a:schemeClr val="accent1"/>
+          </a:effectRef>
+          <a:fontRef idx="minor">
+            <a:schemeClr val="tx1"/>
+          </a:fontRef>
+        </p:style>
+      </p:cxnSp>
+    </p:spTree>
+    <p:extLst>
+      <p:ext uri="{BB962C8B-B14F-4D97-AF65-F5344CB8AC3E}">
+        <p14:creationId xmlns:p14="http://schemas.microsoft.com/office/powerpoint/2010/main" val="3770553687"/>
+      </p:ext>
+    </p:extLst>
+  </p:cSld>
+  <p:clrMapOvr>
+    <a:masterClrMapping/>
+  </p:clrMapOvr>
+</p:sld>
+</file>
+
 <file path=ppt/theme/theme1.xml><?xml version="1.0" encoding="utf-8"?>
 <a:theme xmlns:a="http://schemas.openxmlformats.org/drawingml/2006/main" name="Office Theme">
   <a:themeElements>

--- a/memo.pptx
+++ b/memo.pptx
@@ -5,7 +5,7 @@
     <p:sldMasterId id="2147483648" r:id="rId1"/>
   </p:sldMasterIdLst>
   <p:notesMasterIdLst>
-    <p:notesMasterId r:id="rId12"/>
+    <p:notesMasterId r:id="rId13"/>
   </p:notesMasterIdLst>
   <p:sldIdLst>
     <p:sldId id="257" r:id="rId2"/>
@@ -18,6 +18,7 @@
     <p:sldId id="265" r:id="rId9"/>
     <p:sldId id="266" r:id="rId10"/>
     <p:sldId id="267" r:id="rId11"/>
+    <p:sldId id="268" r:id="rId12"/>
   </p:sldIdLst>
   <p:sldSz cx="12192000" cy="6858000"/>
   <p:notesSz cx="6858000" cy="9144000"/>
@@ -5208,6 +5209,206 @@
     <p:extLst>
       <p:ext uri="{BB962C8B-B14F-4D97-AF65-F5344CB8AC3E}">
         <p14:creationId xmlns:p14="http://schemas.microsoft.com/office/powerpoint/2010/main" val="2610779335"/>
+      </p:ext>
+    </p:extLst>
+  </p:cSld>
+  <p:clrMapOvr>
+    <a:masterClrMapping/>
+  </p:clrMapOvr>
+</p:sld>
+</file>
+
+<file path=ppt/slides/slide11.xml><?xml version="1.0" encoding="utf-8"?>
+<p:sld xmlns:a="http://schemas.openxmlformats.org/drawingml/2006/main" xmlns:r="http://schemas.openxmlformats.org/officeDocument/2006/relationships" xmlns:p="http://schemas.openxmlformats.org/presentationml/2006/main">
+  <p:cSld>
+    <p:spTree>
+      <p:nvGrpSpPr>
+        <p:cNvPr id="1" name=""/>
+        <p:cNvGrpSpPr/>
+        <p:nvPr/>
+      </p:nvGrpSpPr>
+      <p:grpSpPr>
+        <a:xfrm>
+          <a:off x="0" y="0"/>
+          <a:ext cx="0" cy="0"/>
+          <a:chOff x="0" y="0"/>
+          <a:chExt cx="0" cy="0"/>
+        </a:xfrm>
+      </p:grpSpPr>
+      <p:sp>
+        <p:nvSpPr>
+          <p:cNvPr id="2" name="Title 1">
+            <a:extLst>
+              <a:ext uri="{FF2B5EF4-FFF2-40B4-BE49-F238E27FC236}">
+                <a16:creationId xmlns:a16="http://schemas.microsoft.com/office/drawing/2014/main" id="{F5F56F47-D224-B3A6-7075-C606E866625F}"/>
+              </a:ext>
+            </a:extLst>
+          </p:cNvPr>
+          <p:cNvSpPr>
+            <a:spLocks noGrp="1"/>
+          </p:cNvSpPr>
+          <p:nvPr>
+            <p:ph type="title"/>
+          </p:nvPr>
+        </p:nvSpPr>
+        <p:spPr/>
+        <p:txBody>
+          <a:bodyPr/>
+          <a:lstStyle/>
+          <a:p>
+            <a:r>
+              <a:rPr lang="en-US" dirty="0"/>
+              <a:t>Things to Note</a:t>
+            </a:r>
+          </a:p>
+        </p:txBody>
+      </p:sp>
+      <p:sp>
+        <p:nvSpPr>
+          <p:cNvPr id="3" name="Slide Number Placeholder 2">
+            <a:extLst>
+              <a:ext uri="{FF2B5EF4-FFF2-40B4-BE49-F238E27FC236}">
+                <a16:creationId xmlns:a16="http://schemas.microsoft.com/office/drawing/2014/main" id="{2D291511-20D6-137E-24C5-2A984480C31D}"/>
+              </a:ext>
+            </a:extLst>
+          </p:cNvPr>
+          <p:cNvSpPr>
+            <a:spLocks noGrp="1"/>
+          </p:cNvSpPr>
+          <p:nvPr>
+            <p:ph type="sldNum" sz="quarter" idx="12"/>
+          </p:nvPr>
+        </p:nvSpPr>
+        <p:spPr/>
+        <p:txBody>
+          <a:bodyPr/>
+          <a:lstStyle/>
+          <a:p>
+            <a:fld id="{B9982081-D51A-40C8-8A41-6498517A0DD4}" type="slidenum">
+              <a:rPr lang="en-US" smtClean="0"/>
+              <a:t>11</a:t>
+            </a:fld>
+            <a:endParaRPr lang="en-US"/>
+          </a:p>
+        </p:txBody>
+      </p:sp>
+      <p:sp>
+        <p:nvSpPr>
+          <p:cNvPr id="4" name="TextBox 3">
+            <a:extLst>
+              <a:ext uri="{FF2B5EF4-FFF2-40B4-BE49-F238E27FC236}">
+                <a16:creationId xmlns:a16="http://schemas.microsoft.com/office/drawing/2014/main" id="{3958E847-6418-AACD-BEA3-BAD9ED24A1A4}"/>
+              </a:ext>
+            </a:extLst>
+          </p:cNvPr>
+          <p:cNvSpPr txBox="1"/>
+          <p:nvPr/>
+        </p:nvSpPr>
+        <p:spPr>
+          <a:xfrm>
+            <a:off x="744466" y="1140977"/>
+            <a:ext cx="10204057" cy="2862322"/>
+          </a:xfrm>
+          <a:prstGeom prst="rect">
+            <a:avLst/>
+          </a:prstGeom>
+          <a:noFill/>
+        </p:spPr>
+        <p:txBody>
+          <a:bodyPr wrap="square" rtlCol="0">
+            <a:spAutoFit/>
+          </a:bodyPr>
+          <a:lstStyle/>
+          <a:p>
+            <a:pPr marL="285750" indent="-285750">
+              <a:buFont typeface="Arial" panose="020B0604020202020204" pitchFamily="34" charset="0"/>
+              <a:buChar char="•"/>
+            </a:pPr>
+            <a:r>
+              <a:rPr lang="en-US" dirty="0"/>
+              <a:t>The power curves more or less match what Ansys provides, so nothing alarming there</a:t>
+            </a:r>
+          </a:p>
+          <a:p>
+            <a:pPr marL="742950" lvl="1" indent="-285750">
+              <a:buFont typeface="Arial" panose="020B0604020202020204" pitchFamily="34" charset="0"/>
+              <a:buChar char="•"/>
+            </a:pPr>
+            <a:r>
+              <a:rPr lang="en-US" dirty="0"/>
+              <a:t>However, the results are unrealistic: Watt output with &lt;100 </a:t>
+            </a:r>
+            <a:r>
+              <a:rPr lang="en-US" dirty="0" err="1"/>
+              <a:t>mW</a:t>
+            </a:r>
+            <a:r>
+              <a:rPr lang="en-US" dirty="0"/>
+              <a:t> pump. I hope it’s fixed by using “correct” fiber parameters (</a:t>
+            </a:r>
+            <a:r>
+              <a:rPr lang="en-US" dirty="0" err="1"/>
+              <a:t>Nlight’s</a:t>
+            </a:r>
+            <a:r>
+              <a:rPr lang="en-US" dirty="0"/>
+              <a:t> instead of Ansys default example EDF parameters)</a:t>
+            </a:r>
+          </a:p>
+          <a:p>
+            <a:pPr marL="742950" lvl="1" indent="-285750">
+              <a:buFont typeface="Arial" panose="020B0604020202020204" pitchFamily="34" charset="0"/>
+              <a:buChar char="•"/>
+            </a:pPr>
+            <a:endParaRPr lang="en-US" dirty="0"/>
+          </a:p>
+          <a:p>
+            <a:pPr marL="285750" indent="-285750">
+              <a:buFont typeface="Arial" panose="020B0604020202020204" pitchFamily="34" charset="0"/>
+              <a:buChar char="•"/>
+            </a:pPr>
+            <a:r>
+              <a:rPr lang="en-US" dirty="0"/>
+              <a:t>I did not include ASE</a:t>
+            </a:r>
+          </a:p>
+          <a:p>
+            <a:pPr marL="742950" lvl="1" indent="-285750">
+              <a:buFont typeface="Arial" panose="020B0604020202020204" pitchFamily="34" charset="0"/>
+              <a:buChar char="•"/>
+            </a:pPr>
+            <a:r>
+              <a:rPr lang="en-US" dirty="0"/>
+              <a:t>My understanding is that ASE is basically a rise of the PSD between all the comb-lines, so if ASE is a dominant power contribution that would be bad. But I don’t know if the purpose of the simulation is to address / diagnose that kind of situation?</a:t>
+            </a:r>
+          </a:p>
+          <a:p>
+            <a:pPr marL="742950" lvl="1" indent="-285750">
+              <a:buFont typeface="Arial" panose="020B0604020202020204" pitchFamily="34" charset="0"/>
+              <a:buChar char="•"/>
+            </a:pPr>
+            <a:endParaRPr lang="en-US" dirty="0"/>
+          </a:p>
+          <a:p>
+            <a:pPr marL="285750" indent="-285750">
+              <a:buFont typeface="Arial" panose="020B0604020202020204" pitchFamily="34" charset="0"/>
+              <a:buChar char="•"/>
+            </a:pPr>
+            <a:r>
+              <a:rPr lang="en-US" dirty="0"/>
+              <a:t>Did not include counter-propagating pulses, that is </a:t>
+            </a:r>
+            <a:r>
+              <a:rPr lang="en-US"/>
+              <a:t>the next step.</a:t>
+            </a:r>
+          </a:p>
+        </p:txBody>
+      </p:sp>
+    </p:spTree>
+    <p:extLst>
+      <p:ext uri="{BB962C8B-B14F-4D97-AF65-F5344CB8AC3E}">
+        <p14:creationId xmlns:p14="http://schemas.microsoft.com/office/powerpoint/2010/main" val="1390085138"/>
       </p:ext>
     </p:extLst>
   </p:cSld>

--- a/memo.pptx
+++ b/memo.pptx
@@ -5,20 +5,18 @@
     <p:sldMasterId id="2147483648" r:id="rId1"/>
   </p:sldMasterIdLst>
   <p:notesMasterIdLst>
-    <p:notesMasterId r:id="rId13"/>
+    <p:notesMasterId r:id="rId11"/>
   </p:notesMasterIdLst>
   <p:sldIdLst>
-    <p:sldId id="257" r:id="rId2"/>
-    <p:sldId id="258" r:id="rId3"/>
-    <p:sldId id="263" r:id="rId4"/>
-    <p:sldId id="261" r:id="rId5"/>
-    <p:sldId id="259" r:id="rId6"/>
-    <p:sldId id="260" r:id="rId7"/>
-    <p:sldId id="264" r:id="rId8"/>
-    <p:sldId id="265" r:id="rId9"/>
-    <p:sldId id="266" r:id="rId10"/>
-    <p:sldId id="267" r:id="rId11"/>
-    <p:sldId id="268" r:id="rId12"/>
+    <p:sldId id="263" r:id="rId2"/>
+    <p:sldId id="261" r:id="rId3"/>
+    <p:sldId id="259" r:id="rId4"/>
+    <p:sldId id="260" r:id="rId5"/>
+    <p:sldId id="264" r:id="rId6"/>
+    <p:sldId id="265" r:id="rId7"/>
+    <p:sldId id="266" r:id="rId8"/>
+    <p:sldId id="267" r:id="rId9"/>
+    <p:sldId id="268" r:id="rId10"/>
   </p:sldIdLst>
   <p:sldSz cx="12192000" cy="6858000"/>
   <p:notesSz cx="6858000" cy="9144000"/>
@@ -472,90 +470,6 @@
     </a:lvl9pPr>
   </p:notesStyle>
 </p:notesMaster>
-</file>
-
-<file path=ppt/notesSlides/notesSlide1.xml><?xml version="1.0" encoding="utf-8"?>
-<p:notes xmlns:a="http://schemas.openxmlformats.org/drawingml/2006/main" xmlns:r="http://schemas.openxmlformats.org/officeDocument/2006/relationships" xmlns:p="http://schemas.openxmlformats.org/presentationml/2006/main">
-  <p:cSld>
-    <p:spTree>
-      <p:nvGrpSpPr>
-        <p:cNvPr id="1" name=""/>
-        <p:cNvGrpSpPr/>
-        <p:nvPr/>
-      </p:nvGrpSpPr>
-      <p:grpSpPr>
-        <a:xfrm>
-          <a:off x="0" y="0"/>
-          <a:ext cx="0" cy="0"/>
-          <a:chOff x="0" y="0"/>
-          <a:chExt cx="0" cy="0"/>
-        </a:xfrm>
-      </p:grpSpPr>
-      <p:sp>
-        <p:nvSpPr>
-          <p:cNvPr id="2" name="Slide Image Placeholder 1"/>
-          <p:cNvSpPr>
-            <a:spLocks noGrp="1" noRot="1" noChangeAspect="1"/>
-          </p:cNvSpPr>
-          <p:nvPr>
-            <p:ph type="sldImg"/>
-          </p:nvPr>
-        </p:nvSpPr>
-        <p:spPr/>
-      </p:sp>
-      <p:sp>
-        <p:nvSpPr>
-          <p:cNvPr id="3" name="Notes Placeholder 2"/>
-          <p:cNvSpPr>
-            <a:spLocks noGrp="1"/>
-          </p:cNvSpPr>
-          <p:nvPr>
-            <p:ph type="body" idx="1"/>
-          </p:nvPr>
-        </p:nvSpPr>
-        <p:spPr/>
-        <p:txBody>
-          <a:bodyPr/>
-          <a:lstStyle/>
-          <a:p>
-            <a:endParaRPr lang="en-US" dirty="0"/>
-          </a:p>
-        </p:txBody>
-      </p:sp>
-      <p:sp>
-        <p:nvSpPr>
-          <p:cNvPr id="4" name="Slide Number Placeholder 3"/>
-          <p:cNvSpPr>
-            <a:spLocks noGrp="1"/>
-          </p:cNvSpPr>
-          <p:nvPr>
-            <p:ph type="sldNum" sz="quarter" idx="5"/>
-          </p:nvPr>
-        </p:nvSpPr>
-        <p:spPr/>
-        <p:txBody>
-          <a:bodyPr/>
-          <a:lstStyle/>
-          <a:p>
-            <a:fld id="{F5C2B940-AEEC-CC41-A09A-F2DDC7CCAC30}" type="slidenum">
-              <a:rPr lang="en-US" smtClean="0"/>
-              <a:t>1</a:t>
-            </a:fld>
-            <a:endParaRPr lang="en-US"/>
-          </a:p>
-        </p:txBody>
-      </p:sp>
-    </p:spTree>
-    <p:extLst>
-      <p:ext uri="{BB962C8B-B14F-4D97-AF65-F5344CB8AC3E}">
-        <p14:creationId xmlns:p14="http://schemas.microsoft.com/office/powerpoint/2010/main" val="2482182499"/>
-      </p:ext>
-    </p:extLst>
-  </p:cSld>
-  <p:clrMapOvr>
-    <a:masterClrMapping/>
-  </p:clrMapOvr>
-</p:notes>
 </file>
 
 <file path=ppt/slideLayouts/slideLayout1.xml><?xml version="1.0" encoding="utf-8"?>
@@ -4252,492 +4166,12 @@
           <a:chExt cx="0" cy="0"/>
         </a:xfrm>
       </p:grpSpPr>
-      <p:grpSp>
-        <p:nvGrpSpPr>
-          <p:cNvPr id="15" name="Group 14">
-            <a:extLst>
-              <a:ext uri="{FF2B5EF4-FFF2-40B4-BE49-F238E27FC236}">
-                <a16:creationId xmlns:a16="http://schemas.microsoft.com/office/drawing/2014/main" id="{0E7DCF72-06BC-F1FB-D74E-BF1400509FE1}"/>
-              </a:ext>
-            </a:extLst>
-          </p:cNvPr>
-          <p:cNvGrpSpPr/>
-          <p:nvPr/>
-        </p:nvGrpSpPr>
-        <p:grpSpPr>
-          <a:xfrm>
-            <a:off x="0" y="1317172"/>
-            <a:ext cx="12192000" cy="3048000"/>
-            <a:chOff x="0" y="0"/>
-            <a:chExt cx="23317200" cy="5829300"/>
-          </a:xfrm>
-        </p:grpSpPr>
-        <p:pic>
-          <p:nvPicPr>
-            <p:cNvPr id="12" name="Picture 11">
-              <a:extLst>
-                <a:ext uri="{FF2B5EF4-FFF2-40B4-BE49-F238E27FC236}">
-                  <a16:creationId xmlns:a16="http://schemas.microsoft.com/office/drawing/2014/main" id="{14C91FF6-9ED3-20A9-31D4-9CFFF6FB19D0}"/>
-                </a:ext>
-              </a:extLst>
-            </p:cNvPr>
-            <p:cNvPicPr>
-              <a:picLocks noChangeAspect="1"/>
-            </p:cNvPicPr>
-            <p:nvPr/>
-          </p:nvPicPr>
-          <p:blipFill>
-            <a:blip r:embed="rId3"/>
-            <a:stretch>
-              <a:fillRect/>
-            </a:stretch>
-          </p:blipFill>
-          <p:spPr>
-            <a:xfrm>
-              <a:off x="15544800" y="0"/>
-              <a:ext cx="7772400" cy="5829300"/>
-            </a:xfrm>
-            <a:prstGeom prst="rect">
-              <a:avLst/>
-            </a:prstGeom>
-          </p:spPr>
-        </p:pic>
-        <p:pic>
-          <p:nvPicPr>
-            <p:cNvPr id="13" name="Picture 12">
-              <a:extLst>
-                <a:ext uri="{FF2B5EF4-FFF2-40B4-BE49-F238E27FC236}">
-                  <a16:creationId xmlns:a16="http://schemas.microsoft.com/office/drawing/2014/main" id="{9BD5BC30-4028-DF85-79F7-ED8700DB83FC}"/>
-                </a:ext>
-              </a:extLst>
-            </p:cNvPr>
-            <p:cNvPicPr>
-              <a:picLocks noChangeAspect="1"/>
-            </p:cNvPicPr>
-            <p:nvPr/>
-          </p:nvPicPr>
-          <p:blipFill>
-            <a:blip r:embed="rId4"/>
-            <a:stretch>
-              <a:fillRect/>
-            </a:stretch>
-          </p:blipFill>
-          <p:spPr>
-            <a:xfrm>
-              <a:off x="7772400" y="0"/>
-              <a:ext cx="7772400" cy="5829300"/>
-            </a:xfrm>
-            <a:prstGeom prst="rect">
-              <a:avLst/>
-            </a:prstGeom>
-          </p:spPr>
-        </p:pic>
-        <p:pic>
-          <p:nvPicPr>
-            <p:cNvPr id="14" name="Picture 13">
-              <a:extLst>
-                <a:ext uri="{FF2B5EF4-FFF2-40B4-BE49-F238E27FC236}">
-                  <a16:creationId xmlns:a16="http://schemas.microsoft.com/office/drawing/2014/main" id="{E8824E38-791F-3C2A-5B01-45799F5BC8EC}"/>
-                </a:ext>
-              </a:extLst>
-            </p:cNvPr>
-            <p:cNvPicPr>
-              <a:picLocks noChangeAspect="1"/>
-            </p:cNvPicPr>
-            <p:nvPr/>
-          </p:nvPicPr>
-          <p:blipFill>
-            <a:blip r:embed="rId5"/>
-            <a:stretch>
-              <a:fillRect/>
-            </a:stretch>
-          </p:blipFill>
-          <p:spPr>
-            <a:xfrm>
-              <a:off x="0" y="0"/>
-              <a:ext cx="7772400" cy="5829300"/>
-            </a:xfrm>
-            <a:prstGeom prst="rect">
-              <a:avLst/>
-            </a:prstGeom>
-          </p:spPr>
-        </p:pic>
-      </p:grpSp>
-      <mc:AlternateContent xmlns:mc="http://schemas.openxmlformats.org/markup-compatibility/2006" xmlns:a14="http://schemas.microsoft.com/office/drawing/2010/main">
-        <mc:Choice Requires="a14">
-          <p:sp>
-            <p:nvSpPr>
-              <p:cNvPr id="17" name="TextBox 16">
-                <a:extLst>
-                  <a:ext uri="{FF2B5EF4-FFF2-40B4-BE49-F238E27FC236}">
-                    <a16:creationId xmlns:a16="http://schemas.microsoft.com/office/drawing/2014/main" id="{00EE4786-B6B0-4A9D-CCB2-C73ECD7652DE}"/>
-                  </a:ext>
-                </a:extLst>
-              </p:cNvPr>
-              <p:cNvSpPr txBox="1"/>
-              <p:nvPr/>
-            </p:nvSpPr>
-            <p:spPr>
-              <a:xfrm>
-                <a:off x="155453" y="4361044"/>
-                <a:ext cx="2937599" cy="369332"/>
-              </a:xfrm>
-              <a:prstGeom prst="rect">
-                <a:avLst/>
-              </a:prstGeom>
-              <a:noFill/>
-            </p:spPr>
-            <p:txBody>
-              <a:bodyPr wrap="none" rtlCol="0">
-                <a:spAutoFit/>
-              </a:bodyPr>
-              <a:lstStyle/>
-              <a:p>
-                <a:pPr/>
-                <a14:m>
-                  <m:oMathPara xmlns:m="http://schemas.openxmlformats.org/officeDocument/2006/math">
-                    <m:oMathParaPr>
-                      <m:jc m:val="centerGroup"/>
-                    </m:oMathParaPr>
-                    <m:oMath xmlns:m="http://schemas.openxmlformats.org/officeDocument/2006/math">
-                      <m:r>
-                        <a:rPr lang="en-US" b="0" i="1" smtClean="0">
-                          <a:latin typeface="Cambria Math" panose="02040503050406030204" pitchFamily="18" charset="0"/>
-                        </a:rPr>
-                        <m:t>𝑔</m:t>
-                      </m:r>
-                      <m:r>
-                        <a:rPr lang="en-US" b="0" i="1" smtClean="0">
-                          <a:latin typeface="Cambria Math" panose="02040503050406030204" pitchFamily="18" charset="0"/>
-                        </a:rPr>
-                        <m:t>∝</m:t>
-                      </m:r>
-                      <m:sSub>
-                        <m:sSubPr>
-                          <m:ctrlPr>
-                            <a:rPr lang="en-US" b="0" i="1" smtClean="0">
-                              <a:latin typeface="Cambria Math" panose="02040503050406030204" pitchFamily="18" charset="0"/>
-                            </a:rPr>
-                          </m:ctrlPr>
-                        </m:sSubPr>
-                        <m:e>
-                          <m:r>
-                            <a:rPr lang="en-US" b="0" i="1" smtClean="0">
-                              <a:latin typeface="Cambria Math" panose="02040503050406030204" pitchFamily="18" charset="0"/>
-                            </a:rPr>
-                            <m:t>𝜎</m:t>
-                          </m:r>
-                        </m:e>
-                        <m:sub>
-                          <m:r>
-                            <a:rPr lang="en-US" b="0" i="1" smtClean="0">
-                              <a:latin typeface="Cambria Math" panose="02040503050406030204" pitchFamily="18" charset="0"/>
-                            </a:rPr>
-                            <m:t>𝑒</m:t>
-                          </m:r>
-                        </m:sub>
-                      </m:sSub>
-                      <m:d>
-                        <m:dPr>
-                          <m:ctrlPr>
-                            <a:rPr lang="en-US" b="0" i="1" smtClean="0">
-                              <a:latin typeface="Cambria Math" panose="02040503050406030204" pitchFamily="18" charset="0"/>
-                            </a:rPr>
-                          </m:ctrlPr>
-                        </m:dPr>
-                        <m:e>
-                          <m:r>
-                            <a:rPr lang="en-US" b="0" i="1" smtClean="0">
-                              <a:latin typeface="Cambria Math" panose="02040503050406030204" pitchFamily="18" charset="0"/>
-                            </a:rPr>
-                            <m:t>1+</m:t>
-                          </m:r>
-                          <m:r>
-                            <a:rPr lang="en-US" b="0" i="1" smtClean="0">
-                              <a:latin typeface="Cambria Math" panose="02040503050406030204" pitchFamily="18" charset="0"/>
-                            </a:rPr>
-                            <m:t>𝐷</m:t>
-                          </m:r>
-                        </m:e>
-                      </m:d>
-                      <m:r>
-                        <a:rPr lang="en-US" b="0" i="1" smtClean="0">
-                          <a:latin typeface="Cambria Math" panose="02040503050406030204" pitchFamily="18" charset="0"/>
-                        </a:rPr>
-                        <m:t>−</m:t>
-                      </m:r>
-                      <m:sSub>
-                        <m:sSubPr>
-                          <m:ctrlPr>
-                            <a:rPr lang="en-US" b="0" i="1" smtClean="0">
-                              <a:latin typeface="Cambria Math" panose="02040503050406030204" pitchFamily="18" charset="0"/>
-                            </a:rPr>
-                          </m:ctrlPr>
-                        </m:sSubPr>
-                        <m:e>
-                          <m:r>
-                            <a:rPr lang="en-US" b="0" i="1" smtClean="0">
-                              <a:latin typeface="Cambria Math" panose="02040503050406030204" pitchFamily="18" charset="0"/>
-                            </a:rPr>
-                            <m:t>𝜎</m:t>
-                          </m:r>
-                        </m:e>
-                        <m:sub>
-                          <m:r>
-                            <a:rPr lang="en-US" b="0" i="1" smtClean="0">
-                              <a:latin typeface="Cambria Math" panose="02040503050406030204" pitchFamily="18" charset="0"/>
-                            </a:rPr>
-                            <m:t>𝑎</m:t>
-                          </m:r>
-                        </m:sub>
-                      </m:sSub>
-                      <m:r>
-                        <a:rPr lang="en-US" b="0" i="1" smtClean="0">
-                          <a:latin typeface="Cambria Math" panose="02040503050406030204" pitchFamily="18" charset="0"/>
-                        </a:rPr>
-                        <m:t>(1−</m:t>
-                      </m:r>
-                      <m:r>
-                        <a:rPr lang="en-US" b="0" i="1" smtClean="0">
-                          <a:latin typeface="Cambria Math" panose="02040503050406030204" pitchFamily="18" charset="0"/>
-                        </a:rPr>
-                        <m:t>𝐷</m:t>
-                      </m:r>
-                      <m:r>
-                        <a:rPr lang="en-US" b="0" i="1" smtClean="0">
-                          <a:latin typeface="Cambria Math" panose="02040503050406030204" pitchFamily="18" charset="0"/>
-                        </a:rPr>
-                        <m:t>)</m:t>
-                      </m:r>
-                    </m:oMath>
-                  </m:oMathPara>
-                </a14:m>
-                <a:endParaRPr lang="en-US" dirty="0"/>
-              </a:p>
-            </p:txBody>
-          </p:sp>
-        </mc:Choice>
-        <mc:Fallback xmlns="">
-          <p:sp>
-            <p:nvSpPr>
-              <p:cNvPr id="17" name="TextBox 16">
-                <a:extLst>
-                  <a:ext uri="{FF2B5EF4-FFF2-40B4-BE49-F238E27FC236}">
-                    <a16:creationId xmlns:a16="http://schemas.microsoft.com/office/drawing/2014/main" id="{00EE4786-B6B0-4A9D-CCB2-C73ECD7652DE}"/>
-                  </a:ext>
-                </a:extLst>
-              </p:cNvPr>
-              <p:cNvSpPr txBox="1">
-                <a:spLocks noRot="1" noChangeAspect="1" noMove="1" noResize="1" noEditPoints="1" noAdjustHandles="1" noChangeArrowheads="1" noChangeShapeType="1" noTextEdit="1"/>
-              </p:cNvSpPr>
-              <p:nvPr/>
-            </p:nvSpPr>
-            <p:spPr>
-              <a:xfrm>
-                <a:off x="155453" y="4361044"/>
-                <a:ext cx="2937599" cy="369332"/>
-              </a:xfrm>
-              <a:prstGeom prst="rect">
-                <a:avLst/>
-              </a:prstGeom>
-              <a:blipFill>
-                <a:blip r:embed="rId6"/>
-                <a:stretch>
-                  <a:fillRect b="-13333"/>
-                </a:stretch>
-              </a:blipFill>
-            </p:spPr>
-            <p:txBody>
-              <a:bodyPr/>
-              <a:lstStyle/>
-              <a:p>
-                <a:r>
-                  <a:rPr lang="en-US">
-                    <a:noFill/>
-                  </a:rPr>
-                  <a:t> </a:t>
-                </a:r>
-              </a:p>
-            </p:txBody>
-          </p:sp>
-        </mc:Fallback>
-      </mc:AlternateContent>
-      <mc:AlternateContent xmlns:mc="http://schemas.openxmlformats.org/markup-compatibility/2006" xmlns:a14="http://schemas.microsoft.com/office/drawing/2010/main">
-        <mc:Choice Requires="a14">
-          <p:sp>
-            <p:nvSpPr>
-              <p:cNvPr id="18" name="TextBox 17">
-                <a:extLst>
-                  <a:ext uri="{FF2B5EF4-FFF2-40B4-BE49-F238E27FC236}">
-                    <a16:creationId xmlns:a16="http://schemas.microsoft.com/office/drawing/2014/main" id="{EBF65ACA-8ADE-BEB9-DA4F-9F0B48B2F14C}"/>
-                  </a:ext>
-                </a:extLst>
-              </p:cNvPr>
-              <p:cNvSpPr txBox="1"/>
-              <p:nvPr/>
-            </p:nvSpPr>
-            <p:spPr>
-              <a:xfrm>
-                <a:off x="155453" y="5166522"/>
-                <a:ext cx="2572948" cy="369332"/>
-              </a:xfrm>
-              <a:prstGeom prst="rect">
-                <a:avLst/>
-              </a:prstGeom>
-              <a:noFill/>
-            </p:spPr>
-            <p:txBody>
-              <a:bodyPr wrap="none" rtlCol="0">
-                <a:spAutoFit/>
-              </a:bodyPr>
-              <a:lstStyle/>
-              <a:p>
-                <a:pPr/>
-                <a14:m>
-                  <m:oMathPara xmlns:m="http://schemas.openxmlformats.org/officeDocument/2006/math">
-                    <m:oMathParaPr>
-                      <m:jc m:val="centerGroup"/>
-                    </m:oMathParaPr>
-                    <m:oMath xmlns:m="http://schemas.openxmlformats.org/officeDocument/2006/math">
-                      <m:r>
-                        <a:rPr lang="en-US" b="0" i="1" smtClean="0">
-                          <a:latin typeface="Cambria Math" panose="02040503050406030204" pitchFamily="18" charset="0"/>
-                        </a:rPr>
-                        <m:t>−1&lt; </m:t>
-                      </m:r>
-                      <m:r>
-                        <a:rPr lang="en-US" b="0" i="1" smtClean="0">
-                          <a:latin typeface="Cambria Math" panose="02040503050406030204" pitchFamily="18" charset="0"/>
-                        </a:rPr>
-                        <m:t>𝐷</m:t>
-                      </m:r>
-                      <m:r>
-                        <a:rPr lang="en-US" b="0" i="1" smtClean="0">
-                          <a:latin typeface="Cambria Math" panose="02040503050406030204" pitchFamily="18" charset="0"/>
-                        </a:rPr>
-                        <m:t>=</m:t>
-                      </m:r>
-                      <m:sSub>
-                        <m:sSubPr>
-                          <m:ctrlPr>
-                            <a:rPr lang="en-US" b="0" i="1" smtClean="0">
-                              <a:latin typeface="Cambria Math" panose="02040503050406030204" pitchFamily="18" charset="0"/>
-                            </a:rPr>
-                          </m:ctrlPr>
-                        </m:sSubPr>
-                        <m:e>
-                          <m:r>
-                            <a:rPr lang="en-US" b="0" i="1" smtClean="0">
-                              <a:latin typeface="Cambria Math" panose="02040503050406030204" pitchFamily="18" charset="0"/>
-                            </a:rPr>
-                            <m:t>𝑁</m:t>
-                          </m:r>
-                        </m:e>
-                        <m:sub>
-                          <m:r>
-                            <a:rPr lang="en-US" b="0" i="1" smtClean="0">
-                              <a:latin typeface="Cambria Math" panose="02040503050406030204" pitchFamily="18" charset="0"/>
-                            </a:rPr>
-                            <m:t>2</m:t>
-                          </m:r>
-                        </m:sub>
-                      </m:sSub>
-                      <m:r>
-                        <a:rPr lang="en-US" b="0" i="1" smtClean="0">
-                          <a:latin typeface="Cambria Math" panose="02040503050406030204" pitchFamily="18" charset="0"/>
-                        </a:rPr>
-                        <m:t>−</m:t>
-                      </m:r>
-                      <m:sSub>
-                        <m:sSubPr>
-                          <m:ctrlPr>
-                            <a:rPr lang="en-US" b="0" i="1" smtClean="0">
-                              <a:latin typeface="Cambria Math" panose="02040503050406030204" pitchFamily="18" charset="0"/>
-                            </a:rPr>
-                          </m:ctrlPr>
-                        </m:sSubPr>
-                        <m:e>
-                          <m:r>
-                            <a:rPr lang="en-US" b="0" i="1" smtClean="0">
-                              <a:latin typeface="Cambria Math" panose="02040503050406030204" pitchFamily="18" charset="0"/>
-                            </a:rPr>
-                            <m:t>𝑁</m:t>
-                          </m:r>
-                        </m:e>
-                        <m:sub>
-                          <m:r>
-                            <a:rPr lang="en-US" b="0" i="1" smtClean="0">
-                              <a:latin typeface="Cambria Math" panose="02040503050406030204" pitchFamily="18" charset="0"/>
-                            </a:rPr>
-                            <m:t>1</m:t>
-                          </m:r>
-                        </m:sub>
-                      </m:sSub>
-                      <m:r>
-                        <a:rPr lang="en-US" b="0" i="1" smtClean="0">
-                          <a:latin typeface="Cambria Math" panose="02040503050406030204" pitchFamily="18" charset="0"/>
-                        </a:rPr>
-                        <m:t>&lt;1</m:t>
-                      </m:r>
-                    </m:oMath>
-                  </m:oMathPara>
-                </a14:m>
-                <a:endParaRPr lang="en-US" dirty="0"/>
-              </a:p>
-            </p:txBody>
-          </p:sp>
-        </mc:Choice>
-        <mc:Fallback xmlns="">
-          <p:sp>
-            <p:nvSpPr>
-              <p:cNvPr id="18" name="TextBox 17">
-                <a:extLst>
-                  <a:ext uri="{FF2B5EF4-FFF2-40B4-BE49-F238E27FC236}">
-                    <a16:creationId xmlns:a16="http://schemas.microsoft.com/office/drawing/2014/main" id="{EBF65ACA-8ADE-BEB9-DA4F-9F0B48B2F14C}"/>
-                  </a:ext>
-                </a:extLst>
-              </p:cNvPr>
-              <p:cNvSpPr txBox="1">
-                <a:spLocks noRot="1" noChangeAspect="1" noMove="1" noResize="1" noEditPoints="1" noAdjustHandles="1" noChangeArrowheads="1" noChangeShapeType="1" noTextEdit="1"/>
-              </p:cNvSpPr>
-              <p:nvPr/>
-            </p:nvSpPr>
-            <p:spPr>
-              <a:xfrm>
-                <a:off x="155453" y="5166522"/>
-                <a:ext cx="2572948" cy="369332"/>
-              </a:xfrm>
-              <a:prstGeom prst="rect">
-                <a:avLst/>
-              </a:prstGeom>
-              <a:blipFill>
-                <a:blip r:embed="rId7"/>
-                <a:stretch>
-                  <a:fillRect b="-17241"/>
-                </a:stretch>
-              </a:blipFill>
-            </p:spPr>
-            <p:txBody>
-              <a:bodyPr/>
-              <a:lstStyle/>
-              <a:p>
-                <a:r>
-                  <a:rPr lang="en-US">
-                    <a:noFill/>
-                  </a:rPr>
-                  <a:t> </a:t>
-                </a:r>
-              </a:p>
-            </p:txBody>
-          </p:sp>
-        </mc:Fallback>
-      </mc:AlternateContent>
       <p:sp>
         <p:nvSpPr>
-          <p:cNvPr id="3" name="Title 2">
-            <a:extLst>
-              <a:ext uri="{FF2B5EF4-FFF2-40B4-BE49-F238E27FC236}">
-                <a16:creationId xmlns:a16="http://schemas.microsoft.com/office/drawing/2014/main" id="{ACEF141C-0841-6FF1-F298-B2410B535613}"/>
+          <p:cNvPr id="2" name="Title 1">
+            <a:extLst>
+              <a:ext uri="{FF2B5EF4-FFF2-40B4-BE49-F238E27FC236}">
+                <a16:creationId xmlns:a16="http://schemas.microsoft.com/office/drawing/2014/main" id="{ADEF71BA-DD5D-0DC2-855C-9B44BA42545E}"/>
               </a:ext>
             </a:extLst>
           </p:cNvPr>
@@ -4755,147 +4189,7 @@
           <a:p>
             <a:r>
               <a:rPr lang="en-US" dirty="0"/>
-              <a:t>Input Parameters</a:t>
-            </a:r>
-          </a:p>
-        </p:txBody>
-      </p:sp>
-      <p:sp>
-        <p:nvSpPr>
-          <p:cNvPr id="4" name="TextBox 3">
-            <a:extLst>
-              <a:ext uri="{FF2B5EF4-FFF2-40B4-BE49-F238E27FC236}">
-                <a16:creationId xmlns:a16="http://schemas.microsoft.com/office/drawing/2014/main" id="{2261289E-D5DA-619B-CA7E-884384736713}"/>
-              </a:ext>
-            </a:extLst>
-          </p:cNvPr>
-          <p:cNvSpPr txBox="1"/>
-          <p:nvPr/>
-        </p:nvSpPr>
-        <p:spPr>
-          <a:xfrm>
-            <a:off x="330069" y="4763783"/>
-            <a:ext cx="779572" cy="369332"/>
-          </a:xfrm>
-          <a:prstGeom prst="rect">
-            <a:avLst/>
-          </a:prstGeom>
-          <a:noFill/>
-        </p:spPr>
-        <p:txBody>
-          <a:bodyPr wrap="none" rtlCol="0">
-            <a:spAutoFit/>
-          </a:bodyPr>
-          <a:lstStyle/>
-          <a:p>
-            <a:r>
-              <a:rPr lang="en-US" dirty="0"/>
-              <a:t>where</a:t>
-            </a:r>
-          </a:p>
-        </p:txBody>
-      </p:sp>
-      <p:sp>
-        <p:nvSpPr>
-          <p:cNvPr id="7" name="TextBox 6">
-            <a:extLst>
-              <a:ext uri="{FF2B5EF4-FFF2-40B4-BE49-F238E27FC236}">
-                <a16:creationId xmlns:a16="http://schemas.microsoft.com/office/drawing/2014/main" id="{1BC8FF01-F482-AE89-9724-8665C9177A0D}"/>
-              </a:ext>
-            </a:extLst>
-          </p:cNvPr>
-          <p:cNvSpPr txBox="1"/>
-          <p:nvPr/>
-        </p:nvSpPr>
-        <p:spPr>
-          <a:xfrm>
-            <a:off x="9238593" y="4545710"/>
-            <a:ext cx="2228880" cy="369332"/>
-          </a:xfrm>
-          <a:prstGeom prst="rect">
-            <a:avLst/>
-          </a:prstGeom>
-          <a:noFill/>
-        </p:spPr>
-        <p:txBody>
-          <a:bodyPr wrap="none" rtlCol="0">
-            <a:spAutoFit/>
-          </a:bodyPr>
-          <a:lstStyle/>
-          <a:p>
-            <a:r>
-              <a:rPr lang="en-US" dirty="0"/>
-              <a:t>GVD for ER 110 4/125</a:t>
-            </a:r>
-          </a:p>
-        </p:txBody>
-      </p:sp>
-    </p:spTree>
-    <p:extLst>
-      <p:ext uri="{BB962C8B-B14F-4D97-AF65-F5344CB8AC3E}">
-        <p14:creationId xmlns:p14="http://schemas.microsoft.com/office/powerpoint/2010/main" val="2670367059"/>
-      </p:ext>
-    </p:extLst>
-  </p:cSld>
-  <p:clrMapOvr>
-    <a:masterClrMapping/>
-  </p:clrMapOvr>
-</p:sld>
-</file>
-
-<file path=ppt/slides/slide10.xml><?xml version="1.0" encoding="utf-8"?>
-<p:sld xmlns:a="http://schemas.openxmlformats.org/drawingml/2006/main" xmlns:r="http://schemas.openxmlformats.org/officeDocument/2006/relationships" xmlns:p="http://schemas.openxmlformats.org/presentationml/2006/main">
-  <p:cSld>
-    <p:spTree>
-      <p:nvGrpSpPr>
-        <p:cNvPr id="1" name=""/>
-        <p:cNvGrpSpPr/>
-        <p:nvPr/>
-      </p:nvGrpSpPr>
-      <p:grpSpPr>
-        <a:xfrm>
-          <a:off x="0" y="0"/>
-          <a:ext cx="0" cy="0"/>
-          <a:chOff x="0" y="0"/>
-          <a:chExt cx="0" cy="0"/>
-        </a:xfrm>
-      </p:grpSpPr>
-      <p:sp>
-        <p:nvSpPr>
-          <p:cNvPr id="2" name="Title 1">
-            <a:extLst>
-              <a:ext uri="{FF2B5EF4-FFF2-40B4-BE49-F238E27FC236}">
-                <a16:creationId xmlns:a16="http://schemas.microsoft.com/office/drawing/2014/main" id="{983F0DE1-5808-0EE3-9C2C-BD2DF09FD3C0}"/>
-              </a:ext>
-            </a:extLst>
-          </p:cNvPr>
-          <p:cNvSpPr>
-            <a:spLocks noGrp="1"/>
-          </p:cNvSpPr>
-          <p:nvPr>
-            <p:ph type="title"/>
-          </p:nvPr>
-        </p:nvSpPr>
-        <p:spPr/>
-        <p:txBody>
-          <a:bodyPr/>
-          <a:lstStyle/>
-          <a:p>
-            <a:r>
-              <a:rPr lang="en-US" dirty="0" err="1"/>
-              <a:t>Fwd</a:t>
-            </a:r>
-            <a:r>
-              <a:rPr lang="en-US" dirty="0"/>
-              <a:t> + </a:t>
-            </a:r>
-            <a:r>
-              <a:rPr lang="en-US" dirty="0" err="1"/>
-              <a:t>Bckwd</a:t>
-            </a:r>
-            <a:r>
-              <a:rPr lang="en-US" dirty="0"/>
-              <a:t> Pumping</a:t>
+              <a:t>Modeling an EDFA</a:t>
             </a:r>
           </a:p>
         </p:txBody>
@@ -4905,7 +4199,7 @@
           <p:cNvPr id="3" name="Slide Number Placeholder 2">
             <a:extLst>
               <a:ext uri="{FF2B5EF4-FFF2-40B4-BE49-F238E27FC236}">
-                <a16:creationId xmlns:a16="http://schemas.microsoft.com/office/drawing/2014/main" id="{EF0DA8C1-2B0A-60F8-6203-BBE7624F3239}"/>
+                <a16:creationId xmlns:a16="http://schemas.microsoft.com/office/drawing/2014/main" id="{98CCE90B-3AC5-C0DA-288A-34E1D1CA1FAE}"/>
               </a:ext>
             </a:extLst>
           </p:cNvPr>
@@ -4923,954 +4217,7 @@
           <a:p>
             <a:fld id="{B9982081-D51A-40C8-8A41-6498517A0DD4}" type="slidenum">
               <a:rPr lang="en-US" smtClean="0"/>
-              <a:t>10</a:t>
-            </a:fld>
-            <a:endParaRPr lang="en-US"/>
-          </a:p>
-        </p:txBody>
-      </p:sp>
-      <p:pic>
-        <p:nvPicPr>
-          <p:cNvPr id="4" name="Picture 3">
-            <a:extLst>
-              <a:ext uri="{FF2B5EF4-FFF2-40B4-BE49-F238E27FC236}">
-                <a16:creationId xmlns:a16="http://schemas.microsoft.com/office/drawing/2014/main" id="{6E320EDD-7A11-0ECB-0D10-34AF7A2D1545}"/>
-              </a:ext>
-            </a:extLst>
-          </p:cNvPr>
-          <p:cNvPicPr>
-            <a:picLocks noChangeAspect="1"/>
-          </p:cNvPicPr>
-          <p:nvPr/>
-        </p:nvPicPr>
-        <p:blipFill>
-          <a:blip r:embed="rId2"/>
-          <a:stretch>
-            <a:fillRect/>
-          </a:stretch>
-        </p:blipFill>
-        <p:spPr>
-          <a:xfrm>
-            <a:off x="987628" y="1627081"/>
-            <a:ext cx="5955338" cy="4564091"/>
-          </a:xfrm>
-          <a:prstGeom prst="rect">
-            <a:avLst/>
-          </a:prstGeom>
-        </p:spPr>
-      </p:pic>
-      <p:grpSp>
-        <p:nvGrpSpPr>
-          <p:cNvPr id="9" name="Group 8">
-            <a:extLst>
-              <a:ext uri="{FF2B5EF4-FFF2-40B4-BE49-F238E27FC236}">
-                <a16:creationId xmlns:a16="http://schemas.microsoft.com/office/drawing/2014/main" id="{29F180C3-740E-B9B2-A45A-8A33C9485BAC}"/>
-              </a:ext>
-            </a:extLst>
-          </p:cNvPr>
-          <p:cNvGrpSpPr/>
-          <p:nvPr/>
-        </p:nvGrpSpPr>
-        <p:grpSpPr>
-          <a:xfrm>
-            <a:off x="7371590" y="1"/>
-            <a:ext cx="3309495" cy="6858000"/>
-            <a:chOff x="6942965" y="0"/>
-            <a:chExt cx="4461418" cy="9245037"/>
-          </a:xfrm>
-        </p:grpSpPr>
-        <p:pic>
-          <p:nvPicPr>
-            <p:cNvPr id="6" name="Picture 5">
-              <a:extLst>
-                <a:ext uri="{FF2B5EF4-FFF2-40B4-BE49-F238E27FC236}">
-                  <a16:creationId xmlns:a16="http://schemas.microsoft.com/office/drawing/2014/main" id="{75243071-6264-3D85-DE59-426F75AC6919}"/>
-                </a:ext>
-              </a:extLst>
-            </p:cNvPr>
-            <p:cNvPicPr>
-              <a:picLocks noChangeAspect="1"/>
-            </p:cNvPicPr>
-            <p:nvPr/>
-          </p:nvPicPr>
-          <p:blipFill>
-            <a:blip r:embed="rId3"/>
-            <a:stretch>
-              <a:fillRect/>
-            </a:stretch>
-          </p:blipFill>
-          <p:spPr>
-            <a:xfrm>
-              <a:off x="6954049" y="0"/>
-              <a:ext cx="4399751" cy="3061253"/>
-            </a:xfrm>
-            <a:prstGeom prst="rect">
-              <a:avLst/>
-            </a:prstGeom>
-          </p:spPr>
-        </p:pic>
-        <p:pic>
-          <p:nvPicPr>
-            <p:cNvPr id="7" name="Picture 6">
-              <a:extLst>
-                <a:ext uri="{FF2B5EF4-FFF2-40B4-BE49-F238E27FC236}">
-                  <a16:creationId xmlns:a16="http://schemas.microsoft.com/office/drawing/2014/main" id="{E3416592-2FE6-E896-FB43-DE28864CB837}"/>
-                </a:ext>
-              </a:extLst>
-            </p:cNvPr>
-            <p:cNvPicPr>
-              <a:picLocks noChangeAspect="1"/>
-            </p:cNvPicPr>
-            <p:nvPr/>
-          </p:nvPicPr>
-          <p:blipFill>
-            <a:blip r:embed="rId4"/>
-            <a:stretch>
-              <a:fillRect/>
-            </a:stretch>
-          </p:blipFill>
-          <p:spPr>
-            <a:xfrm>
-              <a:off x="6942965" y="2964537"/>
-              <a:ext cx="4410835" cy="3140250"/>
-            </a:xfrm>
-            <a:prstGeom prst="rect">
-              <a:avLst/>
-            </a:prstGeom>
-          </p:spPr>
-        </p:pic>
-        <p:pic>
-          <p:nvPicPr>
-            <p:cNvPr id="8" name="Picture 7">
-              <a:extLst>
-                <a:ext uri="{FF2B5EF4-FFF2-40B4-BE49-F238E27FC236}">
-                  <a16:creationId xmlns:a16="http://schemas.microsoft.com/office/drawing/2014/main" id="{0C11DEF4-98AE-B996-05B3-E4DB14BA455A}"/>
-                </a:ext>
-              </a:extLst>
-            </p:cNvPr>
-            <p:cNvPicPr>
-              <a:picLocks noChangeAspect="1"/>
-            </p:cNvPicPr>
-            <p:nvPr/>
-          </p:nvPicPr>
-          <p:blipFill>
-            <a:blip r:embed="rId5"/>
-            <a:stretch>
-              <a:fillRect/>
-            </a:stretch>
-          </p:blipFill>
-          <p:spPr>
-            <a:xfrm>
-              <a:off x="6954049" y="6104787"/>
-              <a:ext cx="4450334" cy="3140250"/>
-            </a:xfrm>
-            <a:prstGeom prst="rect">
-              <a:avLst/>
-            </a:prstGeom>
-          </p:spPr>
-        </p:pic>
-      </p:grpSp>
-      <p:cxnSp>
-        <p:nvCxnSpPr>
-          <p:cNvPr id="10" name="Straight Arrow Connector 9">
-            <a:extLst>
-              <a:ext uri="{FF2B5EF4-FFF2-40B4-BE49-F238E27FC236}">
-                <a16:creationId xmlns:a16="http://schemas.microsoft.com/office/drawing/2014/main" id="{C5D29300-650F-1142-41B7-C6C9E14F368E}"/>
-              </a:ext>
-            </a:extLst>
-          </p:cNvPr>
-          <p:cNvCxnSpPr>
-            <a:cxnSpLocks/>
-          </p:cNvCxnSpPr>
-          <p:nvPr/>
-        </p:nvCxnSpPr>
-        <p:spPr>
-          <a:xfrm flipV="1">
-            <a:off x="2271713" y="4766209"/>
-            <a:ext cx="4671253" cy="291566"/>
-          </a:xfrm>
-          <a:prstGeom prst="straightConnector1">
-            <a:avLst/>
-          </a:prstGeom>
-          <a:ln w="25400">
-            <a:solidFill>
-              <a:schemeClr val="tx1"/>
-            </a:solidFill>
-            <a:prstDash val="dash"/>
-            <a:tailEnd type="triangle"/>
-          </a:ln>
-        </p:spPr>
-        <p:style>
-          <a:lnRef idx="1">
-            <a:schemeClr val="accent1"/>
-          </a:lnRef>
-          <a:fillRef idx="0">
-            <a:schemeClr val="accent1"/>
-          </a:fillRef>
-          <a:effectRef idx="0">
-            <a:schemeClr val="accent1"/>
-          </a:effectRef>
-          <a:fontRef idx="minor">
-            <a:schemeClr val="tx1"/>
-          </a:fontRef>
-        </p:style>
-      </p:cxnSp>
-      <p:cxnSp>
-        <p:nvCxnSpPr>
-          <p:cNvPr id="11" name="Straight Arrow Connector 10">
-            <a:extLst>
-              <a:ext uri="{FF2B5EF4-FFF2-40B4-BE49-F238E27FC236}">
-                <a16:creationId xmlns:a16="http://schemas.microsoft.com/office/drawing/2014/main" id="{9859DBCF-467C-C7A9-550B-F7D64953F54D}"/>
-              </a:ext>
-            </a:extLst>
-          </p:cNvPr>
-          <p:cNvCxnSpPr>
-            <a:cxnSpLocks/>
-          </p:cNvCxnSpPr>
-          <p:nvPr/>
-        </p:nvCxnSpPr>
-        <p:spPr>
-          <a:xfrm flipV="1">
-            <a:off x="2414588" y="3193441"/>
-            <a:ext cx="4528378" cy="492734"/>
-          </a:xfrm>
-          <a:prstGeom prst="straightConnector1">
-            <a:avLst/>
-          </a:prstGeom>
-          <a:ln w="25400">
-            <a:solidFill>
-              <a:schemeClr val="tx1"/>
-            </a:solidFill>
-            <a:prstDash val="dash"/>
-            <a:tailEnd type="triangle"/>
-          </a:ln>
-        </p:spPr>
-        <p:style>
-          <a:lnRef idx="1">
-            <a:schemeClr val="accent1"/>
-          </a:lnRef>
-          <a:fillRef idx="0">
-            <a:schemeClr val="accent1"/>
-          </a:fillRef>
-          <a:effectRef idx="0">
-            <a:schemeClr val="accent1"/>
-          </a:effectRef>
-          <a:fontRef idx="minor">
-            <a:schemeClr val="tx1"/>
-          </a:fontRef>
-        </p:style>
-      </p:cxnSp>
-      <p:cxnSp>
-        <p:nvCxnSpPr>
-          <p:cNvPr id="12" name="Straight Arrow Connector 11">
-            <a:extLst>
-              <a:ext uri="{FF2B5EF4-FFF2-40B4-BE49-F238E27FC236}">
-                <a16:creationId xmlns:a16="http://schemas.microsoft.com/office/drawing/2014/main" id="{0C345CFC-FA1E-51C8-31DB-B0373362F8AC}"/>
-              </a:ext>
-            </a:extLst>
-          </p:cNvPr>
-          <p:cNvCxnSpPr>
-            <a:cxnSpLocks/>
-          </p:cNvCxnSpPr>
-          <p:nvPr/>
-        </p:nvCxnSpPr>
-        <p:spPr>
-          <a:xfrm flipV="1">
-            <a:off x="6315075" y="1158177"/>
-            <a:ext cx="627891" cy="727773"/>
-          </a:xfrm>
-          <a:prstGeom prst="straightConnector1">
-            <a:avLst/>
-          </a:prstGeom>
-          <a:ln w="25400">
-            <a:solidFill>
-              <a:schemeClr val="tx1"/>
-            </a:solidFill>
-            <a:prstDash val="dash"/>
-            <a:tailEnd type="triangle"/>
-          </a:ln>
-        </p:spPr>
-        <p:style>
-          <a:lnRef idx="1">
-            <a:schemeClr val="accent1"/>
-          </a:lnRef>
-          <a:fillRef idx="0">
-            <a:schemeClr val="accent1"/>
-          </a:fillRef>
-          <a:effectRef idx="0">
-            <a:schemeClr val="accent1"/>
-          </a:effectRef>
-          <a:fontRef idx="minor">
-            <a:schemeClr val="tx1"/>
-          </a:fontRef>
-        </p:style>
-      </p:cxnSp>
-    </p:spTree>
-    <p:extLst>
-      <p:ext uri="{BB962C8B-B14F-4D97-AF65-F5344CB8AC3E}">
-        <p14:creationId xmlns:p14="http://schemas.microsoft.com/office/powerpoint/2010/main" val="2610779335"/>
-      </p:ext>
-    </p:extLst>
-  </p:cSld>
-  <p:clrMapOvr>
-    <a:masterClrMapping/>
-  </p:clrMapOvr>
-</p:sld>
-</file>
-
-<file path=ppt/slides/slide11.xml><?xml version="1.0" encoding="utf-8"?>
-<p:sld xmlns:a="http://schemas.openxmlformats.org/drawingml/2006/main" xmlns:r="http://schemas.openxmlformats.org/officeDocument/2006/relationships" xmlns:p="http://schemas.openxmlformats.org/presentationml/2006/main">
-  <p:cSld>
-    <p:spTree>
-      <p:nvGrpSpPr>
-        <p:cNvPr id="1" name=""/>
-        <p:cNvGrpSpPr/>
-        <p:nvPr/>
-      </p:nvGrpSpPr>
-      <p:grpSpPr>
-        <a:xfrm>
-          <a:off x="0" y="0"/>
-          <a:ext cx="0" cy="0"/>
-          <a:chOff x="0" y="0"/>
-          <a:chExt cx="0" cy="0"/>
-        </a:xfrm>
-      </p:grpSpPr>
-      <p:sp>
-        <p:nvSpPr>
-          <p:cNvPr id="2" name="Title 1">
-            <a:extLst>
-              <a:ext uri="{FF2B5EF4-FFF2-40B4-BE49-F238E27FC236}">
-                <a16:creationId xmlns:a16="http://schemas.microsoft.com/office/drawing/2014/main" id="{F5F56F47-D224-B3A6-7075-C606E866625F}"/>
-              </a:ext>
-            </a:extLst>
-          </p:cNvPr>
-          <p:cNvSpPr>
-            <a:spLocks noGrp="1"/>
-          </p:cNvSpPr>
-          <p:nvPr>
-            <p:ph type="title"/>
-          </p:nvPr>
-        </p:nvSpPr>
-        <p:spPr/>
-        <p:txBody>
-          <a:bodyPr/>
-          <a:lstStyle/>
-          <a:p>
-            <a:r>
-              <a:rPr lang="en-US" dirty="0"/>
-              <a:t>Things to Note</a:t>
-            </a:r>
-          </a:p>
-        </p:txBody>
-      </p:sp>
-      <p:sp>
-        <p:nvSpPr>
-          <p:cNvPr id="3" name="Slide Number Placeholder 2">
-            <a:extLst>
-              <a:ext uri="{FF2B5EF4-FFF2-40B4-BE49-F238E27FC236}">
-                <a16:creationId xmlns:a16="http://schemas.microsoft.com/office/drawing/2014/main" id="{2D291511-20D6-137E-24C5-2A984480C31D}"/>
-              </a:ext>
-            </a:extLst>
-          </p:cNvPr>
-          <p:cNvSpPr>
-            <a:spLocks noGrp="1"/>
-          </p:cNvSpPr>
-          <p:nvPr>
-            <p:ph type="sldNum" sz="quarter" idx="12"/>
-          </p:nvPr>
-        </p:nvSpPr>
-        <p:spPr/>
-        <p:txBody>
-          <a:bodyPr/>
-          <a:lstStyle/>
-          <a:p>
-            <a:fld id="{B9982081-D51A-40C8-8A41-6498517A0DD4}" type="slidenum">
-              <a:rPr lang="en-US" smtClean="0"/>
-              <a:t>11</a:t>
-            </a:fld>
-            <a:endParaRPr lang="en-US"/>
-          </a:p>
-        </p:txBody>
-      </p:sp>
-      <p:sp>
-        <p:nvSpPr>
-          <p:cNvPr id="4" name="TextBox 3">
-            <a:extLst>
-              <a:ext uri="{FF2B5EF4-FFF2-40B4-BE49-F238E27FC236}">
-                <a16:creationId xmlns:a16="http://schemas.microsoft.com/office/drawing/2014/main" id="{3958E847-6418-AACD-BEA3-BAD9ED24A1A4}"/>
-              </a:ext>
-            </a:extLst>
-          </p:cNvPr>
-          <p:cNvSpPr txBox="1"/>
-          <p:nvPr/>
-        </p:nvSpPr>
-        <p:spPr>
-          <a:xfrm>
-            <a:off x="744466" y="1140977"/>
-            <a:ext cx="10204057" cy="2862322"/>
-          </a:xfrm>
-          <a:prstGeom prst="rect">
-            <a:avLst/>
-          </a:prstGeom>
-          <a:noFill/>
-        </p:spPr>
-        <p:txBody>
-          <a:bodyPr wrap="square" rtlCol="0">
-            <a:spAutoFit/>
-          </a:bodyPr>
-          <a:lstStyle/>
-          <a:p>
-            <a:pPr marL="285750" indent="-285750">
-              <a:buFont typeface="Arial" panose="020B0604020202020204" pitchFamily="34" charset="0"/>
-              <a:buChar char="•"/>
-            </a:pPr>
-            <a:r>
-              <a:rPr lang="en-US" dirty="0"/>
-              <a:t>The power curves more or less match what Ansys provides, so nothing alarming there</a:t>
-            </a:r>
-          </a:p>
-          <a:p>
-            <a:pPr marL="742950" lvl="1" indent="-285750">
-              <a:buFont typeface="Arial" panose="020B0604020202020204" pitchFamily="34" charset="0"/>
-              <a:buChar char="•"/>
-            </a:pPr>
-            <a:r>
-              <a:rPr lang="en-US" dirty="0"/>
-              <a:t>However, the results are unrealistic: Watt output with &lt;100 </a:t>
-            </a:r>
-            <a:r>
-              <a:rPr lang="en-US" dirty="0" err="1"/>
-              <a:t>mW</a:t>
-            </a:r>
-            <a:r>
-              <a:rPr lang="en-US" dirty="0"/>
-              <a:t> pump. I hope it’s fixed by using “correct” fiber parameters (</a:t>
-            </a:r>
-            <a:r>
-              <a:rPr lang="en-US" dirty="0" err="1"/>
-              <a:t>Nlight’s</a:t>
-            </a:r>
-            <a:r>
-              <a:rPr lang="en-US" dirty="0"/>
-              <a:t> instead of Ansys default example EDF parameters)</a:t>
-            </a:r>
-          </a:p>
-          <a:p>
-            <a:pPr marL="742950" lvl="1" indent="-285750">
-              <a:buFont typeface="Arial" panose="020B0604020202020204" pitchFamily="34" charset="0"/>
-              <a:buChar char="•"/>
-            </a:pPr>
-            <a:endParaRPr lang="en-US" dirty="0"/>
-          </a:p>
-          <a:p>
-            <a:pPr marL="285750" indent="-285750">
-              <a:buFont typeface="Arial" panose="020B0604020202020204" pitchFamily="34" charset="0"/>
-              <a:buChar char="•"/>
-            </a:pPr>
-            <a:r>
-              <a:rPr lang="en-US" dirty="0"/>
-              <a:t>I did not include ASE</a:t>
-            </a:r>
-          </a:p>
-          <a:p>
-            <a:pPr marL="742950" lvl="1" indent="-285750">
-              <a:buFont typeface="Arial" panose="020B0604020202020204" pitchFamily="34" charset="0"/>
-              <a:buChar char="•"/>
-            </a:pPr>
-            <a:r>
-              <a:rPr lang="en-US" dirty="0"/>
-              <a:t>My understanding is that ASE is basically a rise of the PSD between all the comb-lines, so if ASE is a dominant power contribution that would be bad. But I don’t know if the purpose of the simulation is to address / diagnose that kind of situation?</a:t>
-            </a:r>
-          </a:p>
-          <a:p>
-            <a:pPr marL="742950" lvl="1" indent="-285750">
-              <a:buFont typeface="Arial" panose="020B0604020202020204" pitchFamily="34" charset="0"/>
-              <a:buChar char="•"/>
-            </a:pPr>
-            <a:endParaRPr lang="en-US" dirty="0"/>
-          </a:p>
-          <a:p>
-            <a:pPr marL="285750" indent="-285750">
-              <a:buFont typeface="Arial" panose="020B0604020202020204" pitchFamily="34" charset="0"/>
-              <a:buChar char="•"/>
-            </a:pPr>
-            <a:r>
-              <a:rPr lang="en-US" dirty="0"/>
-              <a:t>Did not include counter-propagating pulses, that is </a:t>
-            </a:r>
-            <a:r>
-              <a:rPr lang="en-US"/>
-              <a:t>the next step.</a:t>
-            </a:r>
-          </a:p>
-        </p:txBody>
-      </p:sp>
-    </p:spTree>
-    <p:extLst>
-      <p:ext uri="{BB962C8B-B14F-4D97-AF65-F5344CB8AC3E}">
-        <p14:creationId xmlns:p14="http://schemas.microsoft.com/office/powerpoint/2010/main" val="1390085138"/>
-      </p:ext>
-    </p:extLst>
-  </p:cSld>
-  <p:clrMapOvr>
-    <a:masterClrMapping/>
-  </p:clrMapOvr>
-</p:sld>
-</file>
-
-<file path=ppt/slides/slide2.xml><?xml version="1.0" encoding="utf-8"?>
-<p:sld xmlns:a="http://schemas.openxmlformats.org/drawingml/2006/main" xmlns:r="http://schemas.openxmlformats.org/officeDocument/2006/relationships" xmlns:p="http://schemas.openxmlformats.org/presentationml/2006/main">
-  <p:cSld>
-    <p:spTree>
-      <p:nvGrpSpPr>
-        <p:cNvPr id="1" name=""/>
-        <p:cNvGrpSpPr/>
-        <p:nvPr/>
-      </p:nvGrpSpPr>
-      <p:grpSpPr>
-        <a:xfrm>
-          <a:off x="0" y="0"/>
-          <a:ext cx="0" cy="0"/>
-          <a:chOff x="0" y="0"/>
-          <a:chExt cx="0" cy="0"/>
-        </a:xfrm>
-      </p:grpSpPr>
-      <p:pic>
-        <p:nvPicPr>
-          <p:cNvPr id="10" name="Picture 9">
-            <a:extLst>
-              <a:ext uri="{FF2B5EF4-FFF2-40B4-BE49-F238E27FC236}">
-                <a16:creationId xmlns:a16="http://schemas.microsoft.com/office/drawing/2014/main" id="{232B0110-65E7-CFED-D1FB-76FD9AF73B42}"/>
-              </a:ext>
-            </a:extLst>
-          </p:cNvPr>
-          <p:cNvPicPr>
-            <a:picLocks noChangeAspect="1"/>
-          </p:cNvPicPr>
-          <p:nvPr/>
-        </p:nvPicPr>
-        <p:blipFill>
-          <a:blip r:embed="rId2"/>
-          <a:stretch>
-            <a:fillRect/>
-          </a:stretch>
-        </p:blipFill>
-        <p:spPr>
-          <a:xfrm>
-            <a:off x="52551" y="1504077"/>
-            <a:ext cx="7503209" cy="3014682"/>
-          </a:xfrm>
-          <a:prstGeom prst="rect">
-            <a:avLst/>
-          </a:prstGeom>
-        </p:spPr>
-      </p:pic>
-      <p:pic>
-        <p:nvPicPr>
-          <p:cNvPr id="9" name="Picture 8">
-            <a:extLst>
-              <a:ext uri="{FF2B5EF4-FFF2-40B4-BE49-F238E27FC236}">
-                <a16:creationId xmlns:a16="http://schemas.microsoft.com/office/drawing/2014/main" id="{5CC9CE3A-92C5-23CB-8AA2-51FD741B0F00}"/>
-              </a:ext>
-            </a:extLst>
-          </p:cNvPr>
-          <p:cNvPicPr>
-            <a:picLocks noChangeAspect="1"/>
-          </p:cNvPicPr>
-          <p:nvPr/>
-        </p:nvPicPr>
-        <p:blipFill>
-          <a:blip r:embed="rId3"/>
-          <a:stretch>
-            <a:fillRect/>
-          </a:stretch>
-        </p:blipFill>
-        <p:spPr>
-          <a:xfrm>
-            <a:off x="7769771" y="1179096"/>
-            <a:ext cx="4466897" cy="3350173"/>
-          </a:xfrm>
-          <a:prstGeom prst="rect">
-            <a:avLst/>
-          </a:prstGeom>
-        </p:spPr>
-      </p:pic>
-      <mc:AlternateContent xmlns:mc="http://schemas.openxmlformats.org/markup-compatibility/2006" xmlns:a14="http://schemas.microsoft.com/office/drawing/2010/main">
-        <mc:Choice Requires="a14">
-          <p:sp>
-            <p:nvSpPr>
-              <p:cNvPr id="2" name="Title 1">
-                <a:extLst>
-                  <a:ext uri="{FF2B5EF4-FFF2-40B4-BE49-F238E27FC236}">
-                    <a16:creationId xmlns:a16="http://schemas.microsoft.com/office/drawing/2014/main" id="{37B87062-235E-A840-D0E8-FEFA6CFA6C69}"/>
-                  </a:ext>
-                </a:extLst>
-              </p:cNvPr>
-              <p:cNvSpPr>
-                <a:spLocks noGrp="1"/>
-              </p:cNvSpPr>
-              <p:nvPr>
-                <p:ph type="title"/>
-              </p:nvPr>
-            </p:nvSpPr>
-            <p:spPr/>
-            <p:txBody>
-              <a:bodyPr>
-                <a:normAutofit/>
-              </a:bodyPr>
-              <a:lstStyle/>
-              <a:p>
-                <a:r>
-                  <a:rPr lang="en-US" dirty="0"/>
-                  <a:t>Simulation for no change in gain along </a:t>
-                </a:r>
-                <a14:m>
-                  <m:oMath xmlns:m="http://schemas.openxmlformats.org/officeDocument/2006/math">
-                    <m:r>
-                      <a:rPr lang="en-US" b="0" i="1" smtClean="0">
-                        <a:latin typeface="Cambria Math" panose="02040503050406030204" pitchFamily="18" charset="0"/>
-                      </a:rPr>
-                      <m:t>𝑧</m:t>
-                    </m:r>
-                  </m:oMath>
-                </a14:m>
-                <a:endParaRPr lang="en-US" dirty="0"/>
-              </a:p>
-            </p:txBody>
-          </p:sp>
-        </mc:Choice>
-        <mc:Fallback xmlns="">
-          <p:sp>
-            <p:nvSpPr>
-              <p:cNvPr id="2" name="Title 1">
-                <a:extLst>
-                  <a:ext uri="{FF2B5EF4-FFF2-40B4-BE49-F238E27FC236}">
-                    <a16:creationId xmlns:a16="http://schemas.microsoft.com/office/drawing/2014/main" id="{37B87062-235E-A840-D0E8-FEFA6CFA6C69}"/>
-                  </a:ext>
-                </a:extLst>
-              </p:cNvPr>
-              <p:cNvSpPr>
-                <a:spLocks noGrp="1" noRot="1" noChangeAspect="1" noMove="1" noResize="1" noEditPoints="1" noAdjustHandles="1" noChangeArrowheads="1" noChangeShapeType="1" noTextEdit="1"/>
-              </p:cNvSpPr>
-              <p:nvPr>
-                <p:ph type="title"/>
-              </p:nvPr>
-            </p:nvSpPr>
-            <p:spPr>
-              <a:blipFill>
-                <a:blip r:embed="rId4"/>
-                <a:stretch>
-                  <a:fillRect l="-2413" t="-11268" b="-22535"/>
-                </a:stretch>
-              </a:blipFill>
-            </p:spPr>
-            <p:txBody>
-              <a:bodyPr/>
-              <a:lstStyle/>
-              <a:p>
-                <a:r>
-                  <a:rPr lang="en-US">
-                    <a:noFill/>
-                  </a:rPr>
-                  <a:t> </a:t>
-                </a:r>
-              </a:p>
-            </p:txBody>
-          </p:sp>
-        </mc:Fallback>
-      </mc:AlternateContent>
-      <p:sp>
-        <p:nvSpPr>
-          <p:cNvPr id="3" name="Slide Number Placeholder 2">
-            <a:extLst>
-              <a:ext uri="{FF2B5EF4-FFF2-40B4-BE49-F238E27FC236}">
-                <a16:creationId xmlns:a16="http://schemas.microsoft.com/office/drawing/2014/main" id="{37A36D0D-6B2E-68F1-822D-830A51A41C88}"/>
-              </a:ext>
-            </a:extLst>
-          </p:cNvPr>
-          <p:cNvSpPr>
-            <a:spLocks noGrp="1"/>
-          </p:cNvSpPr>
-          <p:nvPr>
-            <p:ph type="sldNum" sz="quarter" idx="12"/>
-          </p:nvPr>
-        </p:nvSpPr>
-        <p:spPr/>
-        <p:txBody>
-          <a:bodyPr/>
-          <a:lstStyle/>
-          <a:p>
-            <a:fld id="{B9982081-D51A-40C8-8A41-6498517A0DD4}" type="slidenum">
-              <a:rPr lang="en-US" smtClean="0"/>
-              <a:t>2</a:t>
-            </a:fld>
-            <a:endParaRPr lang="en-US" dirty="0"/>
-          </a:p>
-        </p:txBody>
-      </p:sp>
-      <p:sp>
-        <p:nvSpPr>
-          <p:cNvPr id="6" name="TextBox 5">
-            <a:extLst>
-              <a:ext uri="{FF2B5EF4-FFF2-40B4-BE49-F238E27FC236}">
-                <a16:creationId xmlns:a16="http://schemas.microsoft.com/office/drawing/2014/main" id="{8F11BDB7-C1A7-F128-E8F3-5684614BEF71}"/>
-              </a:ext>
-            </a:extLst>
-          </p:cNvPr>
-          <p:cNvSpPr txBox="1"/>
-          <p:nvPr/>
-        </p:nvSpPr>
-        <p:spPr>
-          <a:xfrm>
-            <a:off x="2603286" y="4842645"/>
-            <a:ext cx="3335059" cy="1477328"/>
-          </a:xfrm>
-          <a:prstGeom prst="rect">
-            <a:avLst/>
-          </a:prstGeom>
-          <a:noFill/>
-        </p:spPr>
-        <p:txBody>
-          <a:bodyPr wrap="square" rtlCol="0">
-            <a:spAutoFit/>
-          </a:bodyPr>
-          <a:lstStyle/>
-          <a:p>
-            <a:pPr marL="285750" indent="-285750">
-              <a:buFont typeface="Arial" panose="020B0604020202020204" pitchFamily="34" charset="0"/>
-              <a:buChar char="•"/>
-            </a:pPr>
-            <a:r>
-              <a:rPr lang="en-US" dirty="0"/>
-              <a:t>Using a gain peak of 110 dB/m at 1530 nm</a:t>
-            </a:r>
-          </a:p>
-          <a:p>
-            <a:pPr marL="285750" indent="-285750">
-              <a:buFont typeface="Arial" panose="020B0604020202020204" pitchFamily="34" charset="0"/>
-              <a:buChar char="•"/>
-            </a:pPr>
-            <a:r>
-              <a:rPr lang="en-US" dirty="0"/>
-              <a:t>No pump decay or gain saturation → fails to capture important features!</a:t>
-            </a:r>
-          </a:p>
-        </p:txBody>
-      </p:sp>
-      <mc:AlternateContent xmlns:mc="http://schemas.openxmlformats.org/markup-compatibility/2006" xmlns:a14="http://schemas.microsoft.com/office/drawing/2010/main">
-        <mc:Choice Requires="a14">
-          <p:sp>
-            <p:nvSpPr>
-              <p:cNvPr id="8" name="TextBox 7">
-                <a:extLst>
-                  <a:ext uri="{FF2B5EF4-FFF2-40B4-BE49-F238E27FC236}">
-                    <a16:creationId xmlns:a16="http://schemas.microsoft.com/office/drawing/2014/main" id="{CF6BB450-4DCC-D3FF-B1A4-12203A8D4217}"/>
-                  </a:ext>
-                </a:extLst>
-              </p:cNvPr>
-              <p:cNvSpPr txBox="1"/>
-              <p:nvPr/>
-            </p:nvSpPr>
-            <p:spPr>
-              <a:xfrm>
-                <a:off x="6253657" y="4842645"/>
-                <a:ext cx="3636579" cy="1200329"/>
-              </a:xfrm>
-              <a:prstGeom prst="rect">
-                <a:avLst/>
-              </a:prstGeom>
-              <a:noFill/>
-            </p:spPr>
-            <p:txBody>
-              <a:bodyPr wrap="square" rtlCol="0">
-                <a:spAutoFit/>
-              </a:bodyPr>
-              <a:lstStyle/>
-              <a:p>
-                <a:r>
-                  <a:rPr lang="en-US" dirty="0">
-                    <a:solidFill>
-                      <a:srgbClr val="FF0000"/>
-                    </a:solidFill>
-                  </a:rPr>
-                  <a:t>Need to Model pump decay and gain saturation. These together with the signal power </a:t>
-                </a:r>
-                <a14:m>
-                  <m:oMath xmlns:m="http://schemas.openxmlformats.org/officeDocument/2006/math">
-                    <m:r>
-                      <a:rPr lang="en-US" b="0" i="1" smtClean="0">
-                        <a:solidFill>
-                          <a:srgbClr val="FF0000"/>
-                        </a:solidFill>
-                        <a:latin typeface="Cambria Math" panose="02040503050406030204" pitchFamily="18" charset="0"/>
-                      </a:rPr>
-                      <m:t>𝑃</m:t>
-                    </m:r>
-                    <m:r>
-                      <a:rPr lang="en-US" b="0" i="1" smtClean="0">
-                        <a:solidFill>
-                          <a:srgbClr val="FF0000"/>
-                        </a:solidFill>
-                        <a:latin typeface="Cambria Math" panose="02040503050406030204" pitchFamily="18" charset="0"/>
-                      </a:rPr>
-                      <m:t>(</m:t>
-                    </m:r>
-                    <m:r>
-                      <a:rPr lang="en-US" b="0" i="1" smtClean="0">
-                        <a:solidFill>
-                          <a:srgbClr val="FF0000"/>
-                        </a:solidFill>
-                        <a:latin typeface="Cambria Math" panose="02040503050406030204" pitchFamily="18" charset="0"/>
-                      </a:rPr>
-                      <m:t>𝜈</m:t>
-                    </m:r>
-                    <m:r>
-                      <a:rPr lang="en-US" b="0" i="1" smtClean="0">
-                        <a:solidFill>
-                          <a:srgbClr val="FF0000"/>
-                        </a:solidFill>
-                        <a:latin typeface="Cambria Math" panose="02040503050406030204" pitchFamily="18" charset="0"/>
-                      </a:rPr>
-                      <m:t>)</m:t>
-                    </m:r>
-                  </m:oMath>
-                </a14:m>
-                <a:r>
-                  <a:rPr lang="en-US" dirty="0">
-                    <a:solidFill>
-                      <a:srgbClr val="FF0000"/>
-                    </a:solidFill>
-                  </a:rPr>
-                  <a:t> are coupled variables.</a:t>
-                </a:r>
-              </a:p>
-            </p:txBody>
-          </p:sp>
-        </mc:Choice>
-        <mc:Fallback xmlns="">
-          <p:sp>
-            <p:nvSpPr>
-              <p:cNvPr id="8" name="TextBox 7">
-                <a:extLst>
-                  <a:ext uri="{FF2B5EF4-FFF2-40B4-BE49-F238E27FC236}">
-                    <a16:creationId xmlns:a16="http://schemas.microsoft.com/office/drawing/2014/main" id="{CF6BB450-4DCC-D3FF-B1A4-12203A8D4217}"/>
-                  </a:ext>
-                </a:extLst>
-              </p:cNvPr>
-              <p:cNvSpPr txBox="1">
-                <a:spLocks noRot="1" noChangeAspect="1" noMove="1" noResize="1" noEditPoints="1" noAdjustHandles="1" noChangeArrowheads="1" noChangeShapeType="1" noTextEdit="1"/>
-              </p:cNvSpPr>
-              <p:nvPr/>
-            </p:nvSpPr>
-            <p:spPr>
-              <a:xfrm>
-                <a:off x="6253657" y="4842645"/>
-                <a:ext cx="3636579" cy="1200329"/>
-              </a:xfrm>
-              <a:prstGeom prst="rect">
-                <a:avLst/>
-              </a:prstGeom>
-              <a:blipFill>
-                <a:blip r:embed="rId5"/>
-                <a:stretch>
-                  <a:fillRect l="-1394" t="-2105" r="-2091" b="-8421"/>
-                </a:stretch>
-              </a:blipFill>
-            </p:spPr>
-            <p:txBody>
-              <a:bodyPr/>
-              <a:lstStyle/>
-              <a:p>
-                <a:r>
-                  <a:rPr lang="en-US">
-                    <a:noFill/>
-                  </a:rPr>
-                  <a:t> </a:t>
-                </a:r>
-              </a:p>
-            </p:txBody>
-          </p:sp>
-        </mc:Fallback>
-      </mc:AlternateContent>
-    </p:spTree>
-    <p:extLst>
-      <p:ext uri="{BB962C8B-B14F-4D97-AF65-F5344CB8AC3E}">
-        <p14:creationId xmlns:p14="http://schemas.microsoft.com/office/powerpoint/2010/main" val="583981711"/>
-      </p:ext>
-    </p:extLst>
-  </p:cSld>
-  <p:clrMapOvr>
-    <a:masterClrMapping/>
-  </p:clrMapOvr>
-</p:sld>
-</file>
-
-<file path=ppt/slides/slide3.xml><?xml version="1.0" encoding="utf-8"?>
-<p:sld xmlns:a="http://schemas.openxmlformats.org/drawingml/2006/main" xmlns:r="http://schemas.openxmlformats.org/officeDocument/2006/relationships" xmlns:p="http://schemas.openxmlformats.org/presentationml/2006/main">
-  <p:cSld>
-    <p:spTree>
-      <p:nvGrpSpPr>
-        <p:cNvPr id="1" name=""/>
-        <p:cNvGrpSpPr/>
-        <p:nvPr/>
-      </p:nvGrpSpPr>
-      <p:grpSpPr>
-        <a:xfrm>
-          <a:off x="0" y="0"/>
-          <a:ext cx="0" cy="0"/>
-          <a:chOff x="0" y="0"/>
-          <a:chExt cx="0" cy="0"/>
-        </a:xfrm>
-      </p:grpSpPr>
-      <p:sp>
-        <p:nvSpPr>
-          <p:cNvPr id="2" name="Title 1">
-            <a:extLst>
-              <a:ext uri="{FF2B5EF4-FFF2-40B4-BE49-F238E27FC236}">
-                <a16:creationId xmlns:a16="http://schemas.microsoft.com/office/drawing/2014/main" id="{ADEF71BA-DD5D-0DC2-855C-9B44BA42545E}"/>
-              </a:ext>
-            </a:extLst>
-          </p:cNvPr>
-          <p:cNvSpPr>
-            <a:spLocks noGrp="1"/>
-          </p:cNvSpPr>
-          <p:nvPr>
-            <p:ph type="title"/>
-          </p:nvPr>
-        </p:nvSpPr>
-        <p:spPr/>
-        <p:txBody>
-          <a:bodyPr/>
-          <a:lstStyle/>
-          <a:p>
-            <a:endParaRPr lang="en-US"/>
-          </a:p>
-        </p:txBody>
-      </p:sp>
-      <p:sp>
-        <p:nvSpPr>
-          <p:cNvPr id="3" name="Slide Number Placeholder 2">
-            <a:extLst>
-              <a:ext uri="{FF2B5EF4-FFF2-40B4-BE49-F238E27FC236}">
-                <a16:creationId xmlns:a16="http://schemas.microsoft.com/office/drawing/2014/main" id="{98CCE90B-3AC5-C0DA-288A-34E1D1CA1FAE}"/>
-              </a:ext>
-            </a:extLst>
-          </p:cNvPr>
-          <p:cNvSpPr>
-            <a:spLocks noGrp="1"/>
-          </p:cNvSpPr>
-          <p:nvPr>
-            <p:ph type="sldNum" sz="quarter" idx="12"/>
-          </p:nvPr>
-        </p:nvSpPr>
-        <p:spPr/>
-        <p:txBody>
-          <a:bodyPr/>
-          <a:lstStyle/>
-          <a:p>
-            <a:fld id="{B9982081-D51A-40C8-8A41-6498517A0DD4}" type="slidenum">
-              <a:rPr lang="en-US" smtClean="0"/>
-              <a:t>3</a:t>
+              <a:t>1</a:t>
             </a:fld>
             <a:endParaRPr lang="en-US"/>
           </a:p>
@@ -7493,7 +5840,7 @@
 </p:sld>
 </file>
 
-<file path=ppt/slides/slide4.xml><?xml version="1.0" encoding="utf-8"?>
+<file path=ppt/slides/slide2.xml><?xml version="1.0" encoding="utf-8"?>
 <p:sld xmlns:a="http://schemas.openxmlformats.org/drawingml/2006/main" xmlns:r="http://schemas.openxmlformats.org/officeDocument/2006/relationships" xmlns:p="http://schemas.openxmlformats.org/presentationml/2006/main">
   <p:cSld>
     <p:spTree>
@@ -7561,7 +5908,7 @@
           <a:p>
             <a:fld id="{B9982081-D51A-40C8-8A41-6498517A0DD4}" type="slidenum">
               <a:rPr lang="en-US" smtClean="0"/>
-              <a:t>4</a:t>
+              <a:t>2</a:t>
             </a:fld>
             <a:endParaRPr lang="en-US"/>
           </a:p>
@@ -10403,7 +8750,7 @@
 </p:sld>
 </file>
 
-<file path=ppt/slides/slide5.xml><?xml version="1.0" encoding="utf-8"?>
+<file path=ppt/slides/slide3.xml><?xml version="1.0" encoding="utf-8"?>
 <p:sld xmlns:a="http://schemas.openxmlformats.org/drawingml/2006/main" xmlns:r="http://schemas.openxmlformats.org/officeDocument/2006/relationships" xmlns:p="http://schemas.openxmlformats.org/presentationml/2006/main">
   <p:cSld>
     <p:spTree>
@@ -10501,7 +8848,7 @@
           <a:p>
             <a:fld id="{B9982081-D51A-40C8-8A41-6498517A0DD4}" type="slidenum">
               <a:rPr lang="en-US" smtClean="0"/>
-              <a:t>5</a:t>
+              <a:t>3</a:t>
             </a:fld>
             <a:endParaRPr lang="en-US"/>
           </a:p>
@@ -11315,7 +9662,7 @@
 </p:sld>
 </file>
 
-<file path=ppt/slides/slide6.xml><?xml version="1.0" encoding="utf-8"?>
+<file path=ppt/slides/slide4.xml><?xml version="1.0" encoding="utf-8"?>
 <p:sld xmlns:a="http://schemas.openxmlformats.org/drawingml/2006/main" xmlns:r="http://schemas.openxmlformats.org/officeDocument/2006/relationships" xmlns:p="http://schemas.openxmlformats.org/presentationml/2006/main">
   <p:cSld>
     <p:spTree>
@@ -11473,7 +9820,7 @@
           <a:p>
             <a:fld id="{B9982081-D51A-40C8-8A41-6498517A0DD4}" type="slidenum">
               <a:rPr lang="en-US" smtClean="0"/>
-              <a:t>6</a:t>
+              <a:t>4</a:t>
             </a:fld>
             <a:endParaRPr lang="en-US"/>
           </a:p>
@@ -11657,7 +10004,7 @@
 </p:sld>
 </file>
 
-<file path=ppt/slides/slide7.xml><?xml version="1.0" encoding="utf-8"?>
+<file path=ppt/slides/slide5.xml><?xml version="1.0" encoding="utf-8"?>
 <p:sld xmlns:a="http://schemas.openxmlformats.org/drawingml/2006/main" xmlns:r="http://schemas.openxmlformats.org/officeDocument/2006/relationships" xmlns:p="http://schemas.openxmlformats.org/presentationml/2006/main">
   <p:cSld>
     <p:spTree>
@@ -11725,7 +10072,7 @@
           <a:p>
             <a:fld id="{B9982081-D51A-40C8-8A41-6498517A0DD4}" type="slidenum">
               <a:rPr lang="en-US" smtClean="0"/>
-              <a:t>7</a:t>
+              <a:t>5</a:t>
             </a:fld>
             <a:endParaRPr lang="en-US"/>
           </a:p>
@@ -11939,7 +10286,7 @@
 </p:sld>
 </file>
 
-<file path=ppt/slides/slide8.xml><?xml version="1.0" encoding="utf-8"?>
+<file path=ppt/slides/slide6.xml><?xml version="1.0" encoding="utf-8"?>
 <p:sld xmlns:a="http://schemas.openxmlformats.org/drawingml/2006/main" xmlns:r="http://schemas.openxmlformats.org/officeDocument/2006/relationships" xmlns:p="http://schemas.openxmlformats.org/presentationml/2006/main">
   <p:cSld>
     <p:spTree>
@@ -12007,7 +10354,7 @@
           <a:p>
             <a:fld id="{B9982081-D51A-40C8-8A41-6498517A0DD4}" type="slidenum">
               <a:rPr lang="en-US" smtClean="0"/>
-              <a:t>8</a:t>
+              <a:t>6</a:t>
             </a:fld>
             <a:endParaRPr lang="en-US"/>
           </a:p>
@@ -12302,7 +10649,7 @@
 </p:sld>
 </file>
 
-<file path=ppt/slides/slide9.xml><?xml version="1.0" encoding="utf-8"?>
+<file path=ppt/slides/slide7.xml><?xml version="1.0" encoding="utf-8"?>
 <p:sld xmlns:a="http://schemas.openxmlformats.org/drawingml/2006/main" xmlns:r="http://schemas.openxmlformats.org/officeDocument/2006/relationships" xmlns:p="http://schemas.openxmlformats.org/presentationml/2006/main">
   <p:cSld>
     <p:spTree>
@@ -12382,7 +10729,7 @@
           <a:p>
             <a:fld id="{B9982081-D51A-40C8-8A41-6498517A0DD4}" type="slidenum">
               <a:rPr lang="en-US" smtClean="0"/>
-              <a:t>9</a:t>
+              <a:t>7</a:t>
             </a:fld>
             <a:endParaRPr lang="en-US"/>
           </a:p>
@@ -12587,6 +10934,577 @@
     <p:extLst>
       <p:ext uri="{BB962C8B-B14F-4D97-AF65-F5344CB8AC3E}">
         <p14:creationId xmlns:p14="http://schemas.microsoft.com/office/powerpoint/2010/main" val="3770553687"/>
+      </p:ext>
+    </p:extLst>
+  </p:cSld>
+  <p:clrMapOvr>
+    <a:masterClrMapping/>
+  </p:clrMapOvr>
+</p:sld>
+</file>
+
+<file path=ppt/slides/slide8.xml><?xml version="1.0" encoding="utf-8"?>
+<p:sld xmlns:a="http://schemas.openxmlformats.org/drawingml/2006/main" xmlns:r="http://schemas.openxmlformats.org/officeDocument/2006/relationships" xmlns:p="http://schemas.openxmlformats.org/presentationml/2006/main">
+  <p:cSld>
+    <p:spTree>
+      <p:nvGrpSpPr>
+        <p:cNvPr id="1" name=""/>
+        <p:cNvGrpSpPr/>
+        <p:nvPr/>
+      </p:nvGrpSpPr>
+      <p:grpSpPr>
+        <a:xfrm>
+          <a:off x="0" y="0"/>
+          <a:ext cx="0" cy="0"/>
+          <a:chOff x="0" y="0"/>
+          <a:chExt cx="0" cy="0"/>
+        </a:xfrm>
+      </p:grpSpPr>
+      <p:sp>
+        <p:nvSpPr>
+          <p:cNvPr id="2" name="Title 1">
+            <a:extLst>
+              <a:ext uri="{FF2B5EF4-FFF2-40B4-BE49-F238E27FC236}">
+                <a16:creationId xmlns:a16="http://schemas.microsoft.com/office/drawing/2014/main" id="{983F0DE1-5808-0EE3-9C2C-BD2DF09FD3C0}"/>
+              </a:ext>
+            </a:extLst>
+          </p:cNvPr>
+          <p:cNvSpPr>
+            <a:spLocks noGrp="1"/>
+          </p:cNvSpPr>
+          <p:nvPr>
+            <p:ph type="title"/>
+          </p:nvPr>
+        </p:nvSpPr>
+        <p:spPr/>
+        <p:txBody>
+          <a:bodyPr/>
+          <a:lstStyle/>
+          <a:p>
+            <a:r>
+              <a:rPr lang="en-US" dirty="0" err="1"/>
+              <a:t>Fwd</a:t>
+            </a:r>
+            <a:r>
+              <a:rPr lang="en-US" dirty="0"/>
+              <a:t> + </a:t>
+            </a:r>
+            <a:r>
+              <a:rPr lang="en-US" dirty="0" err="1"/>
+              <a:t>Bckwd</a:t>
+            </a:r>
+            <a:r>
+              <a:rPr lang="en-US" dirty="0"/>
+              <a:t> Pumping</a:t>
+            </a:r>
+          </a:p>
+        </p:txBody>
+      </p:sp>
+      <p:sp>
+        <p:nvSpPr>
+          <p:cNvPr id="3" name="Slide Number Placeholder 2">
+            <a:extLst>
+              <a:ext uri="{FF2B5EF4-FFF2-40B4-BE49-F238E27FC236}">
+                <a16:creationId xmlns:a16="http://schemas.microsoft.com/office/drawing/2014/main" id="{EF0DA8C1-2B0A-60F8-6203-BBE7624F3239}"/>
+              </a:ext>
+            </a:extLst>
+          </p:cNvPr>
+          <p:cNvSpPr>
+            <a:spLocks noGrp="1"/>
+          </p:cNvSpPr>
+          <p:nvPr>
+            <p:ph type="sldNum" sz="quarter" idx="12"/>
+          </p:nvPr>
+        </p:nvSpPr>
+        <p:spPr/>
+        <p:txBody>
+          <a:bodyPr/>
+          <a:lstStyle/>
+          <a:p>
+            <a:fld id="{B9982081-D51A-40C8-8A41-6498517A0DD4}" type="slidenum">
+              <a:rPr lang="en-US" smtClean="0"/>
+              <a:t>8</a:t>
+            </a:fld>
+            <a:endParaRPr lang="en-US"/>
+          </a:p>
+        </p:txBody>
+      </p:sp>
+      <p:pic>
+        <p:nvPicPr>
+          <p:cNvPr id="4" name="Picture 3">
+            <a:extLst>
+              <a:ext uri="{FF2B5EF4-FFF2-40B4-BE49-F238E27FC236}">
+                <a16:creationId xmlns:a16="http://schemas.microsoft.com/office/drawing/2014/main" id="{6E320EDD-7A11-0ECB-0D10-34AF7A2D1545}"/>
+              </a:ext>
+            </a:extLst>
+          </p:cNvPr>
+          <p:cNvPicPr>
+            <a:picLocks noChangeAspect="1"/>
+          </p:cNvPicPr>
+          <p:nvPr/>
+        </p:nvPicPr>
+        <p:blipFill>
+          <a:blip r:embed="rId2"/>
+          <a:stretch>
+            <a:fillRect/>
+          </a:stretch>
+        </p:blipFill>
+        <p:spPr>
+          <a:xfrm>
+            <a:off x="987628" y="1627081"/>
+            <a:ext cx="5955338" cy="4564091"/>
+          </a:xfrm>
+          <a:prstGeom prst="rect">
+            <a:avLst/>
+          </a:prstGeom>
+        </p:spPr>
+      </p:pic>
+      <p:grpSp>
+        <p:nvGrpSpPr>
+          <p:cNvPr id="9" name="Group 8">
+            <a:extLst>
+              <a:ext uri="{FF2B5EF4-FFF2-40B4-BE49-F238E27FC236}">
+                <a16:creationId xmlns:a16="http://schemas.microsoft.com/office/drawing/2014/main" id="{29F180C3-740E-B9B2-A45A-8A33C9485BAC}"/>
+              </a:ext>
+            </a:extLst>
+          </p:cNvPr>
+          <p:cNvGrpSpPr/>
+          <p:nvPr/>
+        </p:nvGrpSpPr>
+        <p:grpSpPr>
+          <a:xfrm>
+            <a:off x="7371590" y="1"/>
+            <a:ext cx="3309495" cy="6858000"/>
+            <a:chOff x="6942965" y="0"/>
+            <a:chExt cx="4461418" cy="9245037"/>
+          </a:xfrm>
+        </p:grpSpPr>
+        <p:pic>
+          <p:nvPicPr>
+            <p:cNvPr id="6" name="Picture 5">
+              <a:extLst>
+                <a:ext uri="{FF2B5EF4-FFF2-40B4-BE49-F238E27FC236}">
+                  <a16:creationId xmlns:a16="http://schemas.microsoft.com/office/drawing/2014/main" id="{75243071-6264-3D85-DE59-426F75AC6919}"/>
+                </a:ext>
+              </a:extLst>
+            </p:cNvPr>
+            <p:cNvPicPr>
+              <a:picLocks noChangeAspect="1"/>
+            </p:cNvPicPr>
+            <p:nvPr/>
+          </p:nvPicPr>
+          <p:blipFill>
+            <a:blip r:embed="rId3"/>
+            <a:stretch>
+              <a:fillRect/>
+            </a:stretch>
+          </p:blipFill>
+          <p:spPr>
+            <a:xfrm>
+              <a:off x="6954049" y="0"/>
+              <a:ext cx="4399751" cy="3061253"/>
+            </a:xfrm>
+            <a:prstGeom prst="rect">
+              <a:avLst/>
+            </a:prstGeom>
+          </p:spPr>
+        </p:pic>
+        <p:pic>
+          <p:nvPicPr>
+            <p:cNvPr id="7" name="Picture 6">
+              <a:extLst>
+                <a:ext uri="{FF2B5EF4-FFF2-40B4-BE49-F238E27FC236}">
+                  <a16:creationId xmlns:a16="http://schemas.microsoft.com/office/drawing/2014/main" id="{E3416592-2FE6-E896-FB43-DE28864CB837}"/>
+                </a:ext>
+              </a:extLst>
+            </p:cNvPr>
+            <p:cNvPicPr>
+              <a:picLocks noChangeAspect="1"/>
+            </p:cNvPicPr>
+            <p:nvPr/>
+          </p:nvPicPr>
+          <p:blipFill>
+            <a:blip r:embed="rId4"/>
+            <a:stretch>
+              <a:fillRect/>
+            </a:stretch>
+          </p:blipFill>
+          <p:spPr>
+            <a:xfrm>
+              <a:off x="6942965" y="2964537"/>
+              <a:ext cx="4410835" cy="3140250"/>
+            </a:xfrm>
+            <a:prstGeom prst="rect">
+              <a:avLst/>
+            </a:prstGeom>
+          </p:spPr>
+        </p:pic>
+        <p:pic>
+          <p:nvPicPr>
+            <p:cNvPr id="8" name="Picture 7">
+              <a:extLst>
+                <a:ext uri="{FF2B5EF4-FFF2-40B4-BE49-F238E27FC236}">
+                  <a16:creationId xmlns:a16="http://schemas.microsoft.com/office/drawing/2014/main" id="{0C11DEF4-98AE-B996-05B3-E4DB14BA455A}"/>
+                </a:ext>
+              </a:extLst>
+            </p:cNvPr>
+            <p:cNvPicPr>
+              <a:picLocks noChangeAspect="1"/>
+            </p:cNvPicPr>
+            <p:nvPr/>
+          </p:nvPicPr>
+          <p:blipFill>
+            <a:blip r:embed="rId5"/>
+            <a:stretch>
+              <a:fillRect/>
+            </a:stretch>
+          </p:blipFill>
+          <p:spPr>
+            <a:xfrm>
+              <a:off x="6954049" y="6104787"/>
+              <a:ext cx="4450334" cy="3140250"/>
+            </a:xfrm>
+            <a:prstGeom prst="rect">
+              <a:avLst/>
+            </a:prstGeom>
+          </p:spPr>
+        </p:pic>
+      </p:grpSp>
+      <p:cxnSp>
+        <p:nvCxnSpPr>
+          <p:cNvPr id="10" name="Straight Arrow Connector 9">
+            <a:extLst>
+              <a:ext uri="{FF2B5EF4-FFF2-40B4-BE49-F238E27FC236}">
+                <a16:creationId xmlns:a16="http://schemas.microsoft.com/office/drawing/2014/main" id="{C5D29300-650F-1142-41B7-C6C9E14F368E}"/>
+              </a:ext>
+            </a:extLst>
+          </p:cNvPr>
+          <p:cNvCxnSpPr>
+            <a:cxnSpLocks/>
+          </p:cNvCxnSpPr>
+          <p:nvPr/>
+        </p:nvCxnSpPr>
+        <p:spPr>
+          <a:xfrm flipV="1">
+            <a:off x="2271713" y="4766209"/>
+            <a:ext cx="4671253" cy="291566"/>
+          </a:xfrm>
+          <a:prstGeom prst="straightConnector1">
+            <a:avLst/>
+          </a:prstGeom>
+          <a:ln w="25400">
+            <a:solidFill>
+              <a:schemeClr val="tx1"/>
+            </a:solidFill>
+            <a:prstDash val="dash"/>
+            <a:tailEnd type="triangle"/>
+          </a:ln>
+        </p:spPr>
+        <p:style>
+          <a:lnRef idx="1">
+            <a:schemeClr val="accent1"/>
+          </a:lnRef>
+          <a:fillRef idx="0">
+            <a:schemeClr val="accent1"/>
+          </a:fillRef>
+          <a:effectRef idx="0">
+            <a:schemeClr val="accent1"/>
+          </a:effectRef>
+          <a:fontRef idx="minor">
+            <a:schemeClr val="tx1"/>
+          </a:fontRef>
+        </p:style>
+      </p:cxnSp>
+      <p:cxnSp>
+        <p:nvCxnSpPr>
+          <p:cNvPr id="11" name="Straight Arrow Connector 10">
+            <a:extLst>
+              <a:ext uri="{FF2B5EF4-FFF2-40B4-BE49-F238E27FC236}">
+                <a16:creationId xmlns:a16="http://schemas.microsoft.com/office/drawing/2014/main" id="{9859DBCF-467C-C7A9-550B-F7D64953F54D}"/>
+              </a:ext>
+            </a:extLst>
+          </p:cNvPr>
+          <p:cNvCxnSpPr>
+            <a:cxnSpLocks/>
+          </p:cNvCxnSpPr>
+          <p:nvPr/>
+        </p:nvCxnSpPr>
+        <p:spPr>
+          <a:xfrm flipV="1">
+            <a:off x="2414588" y="3193441"/>
+            <a:ext cx="4528378" cy="492734"/>
+          </a:xfrm>
+          <a:prstGeom prst="straightConnector1">
+            <a:avLst/>
+          </a:prstGeom>
+          <a:ln w="25400">
+            <a:solidFill>
+              <a:schemeClr val="tx1"/>
+            </a:solidFill>
+            <a:prstDash val="dash"/>
+            <a:tailEnd type="triangle"/>
+          </a:ln>
+        </p:spPr>
+        <p:style>
+          <a:lnRef idx="1">
+            <a:schemeClr val="accent1"/>
+          </a:lnRef>
+          <a:fillRef idx="0">
+            <a:schemeClr val="accent1"/>
+          </a:fillRef>
+          <a:effectRef idx="0">
+            <a:schemeClr val="accent1"/>
+          </a:effectRef>
+          <a:fontRef idx="minor">
+            <a:schemeClr val="tx1"/>
+          </a:fontRef>
+        </p:style>
+      </p:cxnSp>
+      <p:cxnSp>
+        <p:nvCxnSpPr>
+          <p:cNvPr id="12" name="Straight Arrow Connector 11">
+            <a:extLst>
+              <a:ext uri="{FF2B5EF4-FFF2-40B4-BE49-F238E27FC236}">
+                <a16:creationId xmlns:a16="http://schemas.microsoft.com/office/drawing/2014/main" id="{0C345CFC-FA1E-51C8-31DB-B0373362F8AC}"/>
+              </a:ext>
+            </a:extLst>
+          </p:cNvPr>
+          <p:cNvCxnSpPr>
+            <a:cxnSpLocks/>
+          </p:cNvCxnSpPr>
+          <p:nvPr/>
+        </p:nvCxnSpPr>
+        <p:spPr>
+          <a:xfrm flipV="1">
+            <a:off x="6315075" y="1158177"/>
+            <a:ext cx="627891" cy="727773"/>
+          </a:xfrm>
+          <a:prstGeom prst="straightConnector1">
+            <a:avLst/>
+          </a:prstGeom>
+          <a:ln w="25400">
+            <a:solidFill>
+              <a:schemeClr val="tx1"/>
+            </a:solidFill>
+            <a:prstDash val="dash"/>
+            <a:tailEnd type="triangle"/>
+          </a:ln>
+        </p:spPr>
+        <p:style>
+          <a:lnRef idx="1">
+            <a:schemeClr val="accent1"/>
+          </a:lnRef>
+          <a:fillRef idx="0">
+            <a:schemeClr val="accent1"/>
+          </a:fillRef>
+          <a:effectRef idx="0">
+            <a:schemeClr val="accent1"/>
+          </a:effectRef>
+          <a:fontRef idx="minor">
+            <a:schemeClr val="tx1"/>
+          </a:fontRef>
+        </p:style>
+      </p:cxnSp>
+    </p:spTree>
+    <p:extLst>
+      <p:ext uri="{BB962C8B-B14F-4D97-AF65-F5344CB8AC3E}">
+        <p14:creationId xmlns:p14="http://schemas.microsoft.com/office/powerpoint/2010/main" val="2610779335"/>
+      </p:ext>
+    </p:extLst>
+  </p:cSld>
+  <p:clrMapOvr>
+    <a:masterClrMapping/>
+  </p:clrMapOvr>
+</p:sld>
+</file>
+
+<file path=ppt/slides/slide9.xml><?xml version="1.0" encoding="utf-8"?>
+<p:sld xmlns:a="http://schemas.openxmlformats.org/drawingml/2006/main" xmlns:r="http://schemas.openxmlformats.org/officeDocument/2006/relationships" xmlns:p="http://schemas.openxmlformats.org/presentationml/2006/main">
+  <p:cSld>
+    <p:spTree>
+      <p:nvGrpSpPr>
+        <p:cNvPr id="1" name=""/>
+        <p:cNvGrpSpPr/>
+        <p:nvPr/>
+      </p:nvGrpSpPr>
+      <p:grpSpPr>
+        <a:xfrm>
+          <a:off x="0" y="0"/>
+          <a:ext cx="0" cy="0"/>
+          <a:chOff x="0" y="0"/>
+          <a:chExt cx="0" cy="0"/>
+        </a:xfrm>
+      </p:grpSpPr>
+      <p:sp>
+        <p:nvSpPr>
+          <p:cNvPr id="2" name="Title 1">
+            <a:extLst>
+              <a:ext uri="{FF2B5EF4-FFF2-40B4-BE49-F238E27FC236}">
+                <a16:creationId xmlns:a16="http://schemas.microsoft.com/office/drawing/2014/main" id="{F5F56F47-D224-B3A6-7075-C606E866625F}"/>
+              </a:ext>
+            </a:extLst>
+          </p:cNvPr>
+          <p:cNvSpPr>
+            <a:spLocks noGrp="1"/>
+          </p:cNvSpPr>
+          <p:nvPr>
+            <p:ph type="title"/>
+          </p:nvPr>
+        </p:nvSpPr>
+        <p:spPr/>
+        <p:txBody>
+          <a:bodyPr/>
+          <a:lstStyle/>
+          <a:p>
+            <a:r>
+              <a:rPr lang="en-US" dirty="0"/>
+              <a:t>Things to Note</a:t>
+            </a:r>
+          </a:p>
+        </p:txBody>
+      </p:sp>
+      <p:sp>
+        <p:nvSpPr>
+          <p:cNvPr id="3" name="Slide Number Placeholder 2">
+            <a:extLst>
+              <a:ext uri="{FF2B5EF4-FFF2-40B4-BE49-F238E27FC236}">
+                <a16:creationId xmlns:a16="http://schemas.microsoft.com/office/drawing/2014/main" id="{2D291511-20D6-137E-24C5-2A984480C31D}"/>
+              </a:ext>
+            </a:extLst>
+          </p:cNvPr>
+          <p:cNvSpPr>
+            <a:spLocks noGrp="1"/>
+          </p:cNvSpPr>
+          <p:nvPr>
+            <p:ph type="sldNum" sz="quarter" idx="12"/>
+          </p:nvPr>
+        </p:nvSpPr>
+        <p:spPr/>
+        <p:txBody>
+          <a:bodyPr/>
+          <a:lstStyle/>
+          <a:p>
+            <a:fld id="{B9982081-D51A-40C8-8A41-6498517A0DD4}" type="slidenum">
+              <a:rPr lang="en-US" smtClean="0"/>
+              <a:t>9</a:t>
+            </a:fld>
+            <a:endParaRPr lang="en-US"/>
+          </a:p>
+        </p:txBody>
+      </p:sp>
+      <p:sp>
+        <p:nvSpPr>
+          <p:cNvPr id="4" name="TextBox 3">
+            <a:extLst>
+              <a:ext uri="{FF2B5EF4-FFF2-40B4-BE49-F238E27FC236}">
+                <a16:creationId xmlns:a16="http://schemas.microsoft.com/office/drawing/2014/main" id="{3958E847-6418-AACD-BEA3-BAD9ED24A1A4}"/>
+              </a:ext>
+            </a:extLst>
+          </p:cNvPr>
+          <p:cNvSpPr txBox="1"/>
+          <p:nvPr/>
+        </p:nvSpPr>
+        <p:spPr>
+          <a:xfrm>
+            <a:off x="744466" y="1140977"/>
+            <a:ext cx="10204057" cy="2862322"/>
+          </a:xfrm>
+          <a:prstGeom prst="rect">
+            <a:avLst/>
+          </a:prstGeom>
+          <a:noFill/>
+        </p:spPr>
+        <p:txBody>
+          <a:bodyPr wrap="square" rtlCol="0">
+            <a:spAutoFit/>
+          </a:bodyPr>
+          <a:lstStyle/>
+          <a:p>
+            <a:pPr marL="285750" indent="-285750">
+              <a:buFont typeface="Arial" panose="020B0604020202020204" pitchFamily="34" charset="0"/>
+              <a:buChar char="•"/>
+            </a:pPr>
+            <a:r>
+              <a:rPr lang="en-US" dirty="0"/>
+              <a:t>The power curves more or less match what Ansys provides, so nothing alarming there</a:t>
+            </a:r>
+          </a:p>
+          <a:p>
+            <a:pPr marL="742950" lvl="1" indent="-285750">
+              <a:buFont typeface="Arial" panose="020B0604020202020204" pitchFamily="34" charset="0"/>
+              <a:buChar char="•"/>
+            </a:pPr>
+            <a:r>
+              <a:rPr lang="en-US" dirty="0"/>
+              <a:t>However, the results are unrealistic: Watt output with &lt;100 </a:t>
+            </a:r>
+            <a:r>
+              <a:rPr lang="en-US" dirty="0" err="1"/>
+              <a:t>mW</a:t>
+            </a:r>
+            <a:r>
+              <a:rPr lang="en-US" dirty="0"/>
+              <a:t> pump. I hope it’s fixed by using “correct” fiber parameters (</a:t>
+            </a:r>
+            <a:r>
+              <a:rPr lang="en-US" dirty="0" err="1"/>
+              <a:t>Nlight’s</a:t>
+            </a:r>
+            <a:r>
+              <a:rPr lang="en-US" dirty="0"/>
+              <a:t> instead of Ansys default example EDF parameters)</a:t>
+            </a:r>
+          </a:p>
+          <a:p>
+            <a:pPr marL="742950" lvl="1" indent="-285750">
+              <a:buFont typeface="Arial" panose="020B0604020202020204" pitchFamily="34" charset="0"/>
+              <a:buChar char="•"/>
+            </a:pPr>
+            <a:endParaRPr lang="en-US" dirty="0"/>
+          </a:p>
+          <a:p>
+            <a:pPr marL="285750" indent="-285750">
+              <a:buFont typeface="Arial" panose="020B0604020202020204" pitchFamily="34" charset="0"/>
+              <a:buChar char="•"/>
+            </a:pPr>
+            <a:r>
+              <a:rPr lang="en-US" dirty="0"/>
+              <a:t>I did not include ASE</a:t>
+            </a:r>
+          </a:p>
+          <a:p>
+            <a:pPr marL="742950" lvl="1" indent="-285750">
+              <a:buFont typeface="Arial" panose="020B0604020202020204" pitchFamily="34" charset="0"/>
+              <a:buChar char="•"/>
+            </a:pPr>
+            <a:r>
+              <a:rPr lang="en-US" dirty="0"/>
+              <a:t>My understanding is that ASE is basically a rise of the PSD between all the comb-lines, so if ASE is a dominant power contribution that would be bad. But I don’t know if the purpose of the simulation is to address / diagnose that kind of situation?</a:t>
+            </a:r>
+          </a:p>
+          <a:p>
+            <a:pPr marL="742950" lvl="1" indent="-285750">
+              <a:buFont typeface="Arial" panose="020B0604020202020204" pitchFamily="34" charset="0"/>
+              <a:buChar char="•"/>
+            </a:pPr>
+            <a:endParaRPr lang="en-US" dirty="0"/>
+          </a:p>
+          <a:p>
+            <a:pPr marL="285750" indent="-285750">
+              <a:buFont typeface="Arial" panose="020B0604020202020204" pitchFamily="34" charset="0"/>
+              <a:buChar char="•"/>
+            </a:pPr>
+            <a:r>
+              <a:rPr lang="en-US" dirty="0"/>
+              <a:t>Did not include counter-propagating pulses, that is the next step.</a:t>
+            </a:r>
+          </a:p>
+        </p:txBody>
+      </p:sp>
+    </p:spTree>
+    <p:extLst>
+      <p:ext uri="{BB962C8B-B14F-4D97-AF65-F5344CB8AC3E}">
+        <p14:creationId xmlns:p14="http://schemas.microsoft.com/office/powerpoint/2010/main" val="1390085138"/>
       </p:ext>
     </p:extLst>
   </p:cSld>

--- a/memo.pptx
+++ b/memo.pptx
@@ -5,18 +5,13 @@
     <p:sldMasterId id="2147483648" r:id="rId1"/>
   </p:sldMasterIdLst>
   <p:notesMasterIdLst>
-    <p:notesMasterId r:id="rId11"/>
+    <p:notesMasterId r:id="rId6"/>
   </p:notesMasterIdLst>
   <p:sldIdLst>
     <p:sldId id="263" r:id="rId2"/>
     <p:sldId id="261" r:id="rId3"/>
-    <p:sldId id="259" r:id="rId4"/>
-    <p:sldId id="260" r:id="rId5"/>
-    <p:sldId id="264" r:id="rId6"/>
-    <p:sldId id="265" r:id="rId7"/>
-    <p:sldId id="266" r:id="rId8"/>
-    <p:sldId id="267" r:id="rId9"/>
-    <p:sldId id="268" r:id="rId10"/>
+    <p:sldId id="269" r:id="rId4"/>
+    <p:sldId id="270" r:id="rId5"/>
   </p:sldIdLst>
   <p:sldSz cx="12192000" cy="6858000"/>
   <p:notesSz cx="6858000" cy="9144000"/>
@@ -205,7 +200,7 @@
           <a:p>
             <a:fld id="{95F362A7-A475-4602-906F-9130A1178AB1}" type="datetimeFigureOut">
               <a:rPr lang="en-US" smtClean="0"/>
-              <a:t>10/12/23</a:t>
+              <a:t>10/13/23</a:t>
             </a:fld>
             <a:endParaRPr lang="en-US"/>
           </a:p>
@@ -619,7 +614,7 @@
           <a:p>
             <a:fld id="{0D38F60B-329E-45AD-8EBB-D3927E357EB0}" type="datetime1">
               <a:rPr lang="en-US" smtClean="0"/>
-              <a:t>10/12/23</a:t>
+              <a:t>10/13/23</a:t>
             </a:fld>
             <a:endParaRPr lang="en-US"/>
           </a:p>
@@ -817,7 +812,7 @@
           <a:p>
             <a:fld id="{7644A20D-A245-4F10-84F9-51D5FC950958}" type="datetime1">
               <a:rPr lang="en-US" smtClean="0"/>
-              <a:t>10/12/23</a:t>
+              <a:t>10/13/23</a:t>
             </a:fld>
             <a:endParaRPr lang="en-US"/>
           </a:p>
@@ -1025,7 +1020,7 @@
           <a:p>
             <a:fld id="{9356318C-5F0D-4B43-96EA-F1352008C9B8}" type="datetime1">
               <a:rPr lang="en-US" smtClean="0"/>
-              <a:t>10/12/23</a:t>
+              <a:t>10/13/23</a:t>
             </a:fld>
             <a:endParaRPr lang="en-US"/>
           </a:p>
@@ -1233,7 +1228,7 @@
           <a:p>
             <a:fld id="{F6E96621-9D08-4937-91A6-0EA3793F0F07}" type="datetime1">
               <a:rPr lang="en-US" smtClean="0"/>
-              <a:t>10/12/23</a:t>
+              <a:t>10/13/23</a:t>
             </a:fld>
             <a:endParaRPr lang="en-US"/>
           </a:p>
@@ -1508,7 +1503,7 @@
           <a:p>
             <a:fld id="{3923D620-10DF-4508-991A-B9D388A501EE}" type="datetime1">
               <a:rPr lang="en-US" smtClean="0"/>
-              <a:t>10/12/23</a:t>
+              <a:t>10/13/23</a:t>
             </a:fld>
             <a:endParaRPr lang="en-US"/>
           </a:p>
@@ -1778,7 +1773,7 @@
           <a:p>
             <a:fld id="{92FA3270-DDBA-458A-9D06-6F36A210CFF8}" type="datetime1">
               <a:rPr lang="en-US" smtClean="0"/>
-              <a:t>10/12/23</a:t>
+              <a:t>10/13/23</a:t>
             </a:fld>
             <a:endParaRPr lang="en-US"/>
           </a:p>
@@ -2190,7 +2185,7 @@
           <a:p>
             <a:fld id="{BC650ADE-7CC5-4CA4-AEFD-DD163139B1E9}" type="datetime1">
               <a:rPr lang="en-US" smtClean="0"/>
-              <a:t>10/12/23</a:t>
+              <a:t>10/13/23</a:t>
             </a:fld>
             <a:endParaRPr lang="en-US"/>
           </a:p>
@@ -2336,7 +2331,7 @@
           <a:p>
             <a:fld id="{468D9ADD-CC3F-4DEB-87EF-630A12738E73}" type="datetime1">
               <a:rPr lang="en-US" smtClean="0"/>
-              <a:t>10/12/23</a:t>
+              <a:t>10/13/23</a:t>
             </a:fld>
             <a:endParaRPr lang="en-US"/>
           </a:p>
@@ -2449,7 +2444,7 @@
           <a:p>
             <a:fld id="{EC5B69B2-D125-4E7B-AA17-A8B6ACE8892E}" type="datetime1">
               <a:rPr lang="en-US" smtClean="0"/>
-              <a:t>10/12/23</a:t>
+              <a:t>10/13/23</a:t>
             </a:fld>
             <a:endParaRPr lang="en-US"/>
           </a:p>
@@ -2760,7 +2755,7 @@
           <a:p>
             <a:fld id="{BBE08CD8-AC86-4874-9FD2-AC99DC82CF46}" type="datetime1">
               <a:rPr lang="en-US" smtClean="0"/>
-              <a:t>10/12/23</a:t>
+              <a:t>10/13/23</a:t>
             </a:fld>
             <a:endParaRPr lang="en-US"/>
           </a:p>
@@ -3051,7 +3046,7 @@
           <a:p>
             <a:fld id="{3B82CD6C-2ADC-45ED-BCAD-25C1101DE6B9}" type="datetime1">
               <a:rPr lang="en-US" smtClean="0"/>
-              <a:t>10/12/23</a:t>
+              <a:t>10/13/23</a:t>
             </a:fld>
             <a:endParaRPr lang="en-US"/>
           </a:p>
@@ -3292,7 +3287,7 @@
           <a:p>
             <a:fld id="{BCB570C2-D09B-4F14-B535-9A0AFE946BB3}" type="datetime1">
               <a:rPr lang="en-US" smtClean="0"/>
-              <a:t>10/12/23</a:t>
+              <a:t>10/13/23</a:t>
             </a:fld>
             <a:endParaRPr lang="en-US"/>
           </a:p>
@@ -7632,8 +7627,8 @@
           </a:p>
         </p:txBody>
       </p:sp>
-      <mc:AlternateContent xmlns:mc="http://schemas.openxmlformats.org/markup-compatibility/2006">
-        <mc:Choice xmlns:a14="http://schemas.microsoft.com/office/drawing/2010/main" Requires="a14">
+      <mc:AlternateContent xmlns:mc="http://schemas.openxmlformats.org/markup-compatibility/2006" xmlns:a14="http://schemas.microsoft.com/office/drawing/2010/main">
+        <mc:Choice Requires="a14">
           <p:sp>
             <p:nvSpPr>
               <p:cNvPr id="16" name="TextBox 15">
@@ -7843,7 +7838,7 @@
             </p:txBody>
           </p:sp>
         </mc:Choice>
-        <mc:Fallback>
+        <mc:Fallback xmlns="">
           <p:sp>
             <p:nvSpPr>
               <p:cNvPr id="16" name="TextBox 15">
@@ -8767,42 +8762,12 @@
           <a:chExt cx="0" cy="0"/>
         </a:xfrm>
       </p:grpSpPr>
-      <p:pic>
-        <p:nvPicPr>
-          <p:cNvPr id="35" name="Picture 34">
+      <p:sp>
+        <p:nvSpPr>
+          <p:cNvPr id="6" name="Title 5">
             <a:extLst>
               <a:ext uri="{FF2B5EF4-FFF2-40B4-BE49-F238E27FC236}">
-                <a16:creationId xmlns:a16="http://schemas.microsoft.com/office/drawing/2014/main" id="{21AF8365-2401-067D-C3F8-395F39CB7378}"/>
-              </a:ext>
-            </a:extLst>
-          </p:cNvPr>
-          <p:cNvPicPr>
-            <a:picLocks noChangeAspect="1"/>
-          </p:cNvPicPr>
-          <p:nvPr/>
-        </p:nvPicPr>
-        <p:blipFill>
-          <a:blip r:embed="rId2"/>
-          <a:stretch>
-            <a:fillRect/>
-          </a:stretch>
-        </p:blipFill>
-        <p:spPr>
-          <a:xfrm>
-            <a:off x="727961" y="1702681"/>
-            <a:ext cx="6047778" cy="4204338"/>
-          </a:xfrm>
-          <a:prstGeom prst="rect">
-            <a:avLst/>
-          </a:prstGeom>
-        </p:spPr>
-      </p:pic>
-      <p:sp>
-        <p:nvSpPr>
-          <p:cNvPr id="2" name="Title 1">
-            <a:extLst>
-              <a:ext uri="{FF2B5EF4-FFF2-40B4-BE49-F238E27FC236}">
-                <a16:creationId xmlns:a16="http://schemas.microsoft.com/office/drawing/2014/main" id="{FBE7E0F6-21D3-EDB7-0806-0B18FA0EC5BE}"/>
+                <a16:creationId xmlns:a16="http://schemas.microsoft.com/office/drawing/2014/main" id="{B6A90580-FAC6-CF02-A8B7-E2602FA133EC}"/>
               </a:ext>
             </a:extLst>
           </p:cNvPr>
@@ -8820,7 +8785,7 @@
           <a:p>
             <a:r>
               <a:rPr lang="en-US" dirty="0"/>
-              <a:t>Forward Pumping</a:t>
+              <a:t>Diagnosing unphysical results</a:t>
             </a:r>
           </a:p>
         </p:txBody>
@@ -8830,7 +8795,7 @@
           <p:cNvPr id="3" name="Slide Number Placeholder 2">
             <a:extLst>
               <a:ext uri="{FF2B5EF4-FFF2-40B4-BE49-F238E27FC236}">
-                <a16:creationId xmlns:a16="http://schemas.microsoft.com/office/drawing/2014/main" id="{9FC0435A-C0E2-D9FF-2FD3-CD73F67654D3}"/>
+                <a16:creationId xmlns:a16="http://schemas.microsoft.com/office/drawing/2014/main" id="{A06D3157-A2DA-C525-A52D-60BE23870EA3}"/>
               </a:ext>
             </a:extLst>
           </p:cNvPr>
@@ -8854,296 +8819,14 @@
           </a:p>
         </p:txBody>
       </p:sp>
-      <p:pic>
-        <p:nvPicPr>
-          <p:cNvPr id="18" name="Picture 17">
-            <a:extLst>
-              <a:ext uri="{FF2B5EF4-FFF2-40B4-BE49-F238E27FC236}">
-                <a16:creationId xmlns:a16="http://schemas.microsoft.com/office/drawing/2014/main" id="{FEA941E5-13B2-F939-2FAA-3C94E3426621}"/>
-              </a:ext>
-            </a:extLst>
-          </p:cNvPr>
-          <p:cNvPicPr>
-            <a:picLocks noChangeAspect="1"/>
-          </p:cNvPicPr>
-          <p:nvPr/>
-        </p:nvPicPr>
-        <p:blipFill>
-          <a:blip r:embed="rId3"/>
-          <a:stretch>
-            <a:fillRect/>
-          </a:stretch>
-        </p:blipFill>
-        <p:spPr>
-          <a:xfrm>
-            <a:off x="7045588" y="136525"/>
-            <a:ext cx="3659915" cy="6508678"/>
-          </a:xfrm>
-          <a:prstGeom prst="rect">
-            <a:avLst/>
-          </a:prstGeom>
-        </p:spPr>
-      </p:pic>
-      <p:cxnSp>
-        <p:nvCxnSpPr>
-          <p:cNvPr id="20" name="Straight Arrow Connector 19">
-            <a:extLst>
-              <a:ext uri="{FF2B5EF4-FFF2-40B4-BE49-F238E27FC236}">
-                <a16:creationId xmlns:a16="http://schemas.microsoft.com/office/drawing/2014/main" id="{7754A692-14E5-77D9-287D-FBD6F1CD6ABE}"/>
-              </a:ext>
-            </a:extLst>
-          </p:cNvPr>
-          <p:cNvCxnSpPr>
-            <a:cxnSpLocks/>
-          </p:cNvCxnSpPr>
-          <p:nvPr/>
-        </p:nvCxnSpPr>
-        <p:spPr>
-          <a:xfrm>
-            <a:off x="2340864" y="4766209"/>
-            <a:ext cx="4602102" cy="0"/>
-          </a:xfrm>
-          <a:prstGeom prst="straightConnector1">
-            <a:avLst/>
-          </a:prstGeom>
-          <a:ln w="25400">
-            <a:solidFill>
-              <a:schemeClr val="tx1"/>
-            </a:solidFill>
-            <a:prstDash val="dash"/>
-            <a:tailEnd type="triangle"/>
-          </a:ln>
-        </p:spPr>
-        <p:style>
-          <a:lnRef idx="1">
-            <a:schemeClr val="accent1"/>
-          </a:lnRef>
-          <a:fillRef idx="0">
-            <a:schemeClr val="accent1"/>
-          </a:fillRef>
-          <a:effectRef idx="0">
-            <a:schemeClr val="accent1"/>
-          </a:effectRef>
-          <a:fontRef idx="minor">
-            <a:schemeClr val="tx1"/>
-          </a:fontRef>
-        </p:style>
-      </p:cxnSp>
-      <p:cxnSp>
-        <p:nvCxnSpPr>
-          <p:cNvPr id="21" name="Straight Arrow Connector 20">
-            <a:extLst>
-              <a:ext uri="{FF2B5EF4-FFF2-40B4-BE49-F238E27FC236}">
-                <a16:creationId xmlns:a16="http://schemas.microsoft.com/office/drawing/2014/main" id="{3F1AC194-CCCF-9F8D-6F22-DA0899872AEA}"/>
-              </a:ext>
-            </a:extLst>
-          </p:cNvPr>
-          <p:cNvCxnSpPr>
-            <a:cxnSpLocks/>
-          </p:cNvCxnSpPr>
-          <p:nvPr/>
-        </p:nvCxnSpPr>
-        <p:spPr>
-          <a:xfrm flipV="1">
-            <a:off x="2551176" y="3193441"/>
-            <a:ext cx="4391790" cy="336143"/>
-          </a:xfrm>
-          <a:prstGeom prst="straightConnector1">
-            <a:avLst/>
-          </a:prstGeom>
-          <a:ln w="25400">
-            <a:solidFill>
-              <a:schemeClr val="tx1"/>
-            </a:solidFill>
-            <a:prstDash val="dash"/>
-            <a:tailEnd type="triangle"/>
-          </a:ln>
-        </p:spPr>
-        <p:style>
-          <a:lnRef idx="1">
-            <a:schemeClr val="accent1"/>
-          </a:lnRef>
-          <a:fillRef idx="0">
-            <a:schemeClr val="accent1"/>
-          </a:fillRef>
-          <a:effectRef idx="0">
-            <a:schemeClr val="accent1"/>
-          </a:effectRef>
-          <a:fontRef idx="minor">
-            <a:schemeClr val="tx1"/>
-          </a:fontRef>
-        </p:style>
-      </p:cxnSp>
-      <p:cxnSp>
-        <p:nvCxnSpPr>
-          <p:cNvPr id="23" name="Straight Arrow Connector 22">
-            <a:extLst>
-              <a:ext uri="{FF2B5EF4-FFF2-40B4-BE49-F238E27FC236}">
-                <a16:creationId xmlns:a16="http://schemas.microsoft.com/office/drawing/2014/main" id="{72C90BBD-964B-60AE-C8A6-42A393CF4ECC}"/>
-              </a:ext>
-            </a:extLst>
-          </p:cNvPr>
-          <p:cNvCxnSpPr>
-            <a:cxnSpLocks/>
-          </p:cNvCxnSpPr>
-          <p:nvPr/>
-        </p:nvCxnSpPr>
-        <p:spPr>
-          <a:xfrm flipV="1">
-            <a:off x="6096000" y="1158177"/>
-            <a:ext cx="846966" cy="844359"/>
-          </a:xfrm>
-          <a:prstGeom prst="straightConnector1">
-            <a:avLst/>
-          </a:prstGeom>
-          <a:ln w="25400">
-            <a:solidFill>
-              <a:schemeClr val="tx1"/>
-            </a:solidFill>
-            <a:prstDash val="dash"/>
-            <a:tailEnd type="triangle"/>
-          </a:ln>
-        </p:spPr>
-        <p:style>
-          <a:lnRef idx="1">
-            <a:schemeClr val="accent1"/>
-          </a:lnRef>
-          <a:fillRef idx="0">
-            <a:schemeClr val="accent1"/>
-          </a:fillRef>
-          <a:effectRef idx="0">
-            <a:schemeClr val="accent1"/>
-          </a:effectRef>
-          <a:fontRef idx="minor">
-            <a:schemeClr val="tx1"/>
-          </a:fontRef>
-        </p:style>
-      </p:cxnSp>
-      <p:sp>
-        <p:nvSpPr>
-          <p:cNvPr id="25" name="TextBox 24">
-            <a:extLst>
-              <a:ext uri="{FF2B5EF4-FFF2-40B4-BE49-F238E27FC236}">
-                <a16:creationId xmlns:a16="http://schemas.microsoft.com/office/drawing/2014/main" id="{9834590E-0169-5EEB-8990-59A2D0497502}"/>
-              </a:ext>
-            </a:extLst>
-          </p:cNvPr>
-          <p:cNvSpPr txBox="1"/>
-          <p:nvPr/>
-        </p:nvSpPr>
-        <p:spPr>
-          <a:xfrm>
-            <a:off x="8610600" y="445700"/>
-            <a:ext cx="734496" cy="369332"/>
-          </a:xfrm>
-          <a:prstGeom prst="rect">
-            <a:avLst/>
-          </a:prstGeom>
-          <a:noFill/>
-        </p:spPr>
-        <p:txBody>
-          <a:bodyPr wrap="none" rtlCol="0">
-            <a:spAutoFit/>
-          </a:bodyPr>
-          <a:lstStyle/>
-          <a:p>
-            <a:r>
-              <a:rPr lang="en-US" dirty="0">
-                <a:solidFill>
-                  <a:srgbClr val="FF9F01"/>
-                </a:solidFill>
-              </a:rPr>
-              <a:t>pump</a:t>
-            </a:r>
-          </a:p>
-        </p:txBody>
-      </p:sp>
-      <p:sp>
-        <p:nvSpPr>
-          <p:cNvPr id="26" name="TextBox 25">
-            <a:extLst>
-              <a:ext uri="{FF2B5EF4-FFF2-40B4-BE49-F238E27FC236}">
-                <a16:creationId xmlns:a16="http://schemas.microsoft.com/office/drawing/2014/main" id="{EC1199FF-96F3-C8E2-D662-4BF59AA2B41E}"/>
-              </a:ext>
-            </a:extLst>
-          </p:cNvPr>
-          <p:cNvSpPr txBox="1"/>
-          <p:nvPr/>
-        </p:nvSpPr>
-        <p:spPr>
-          <a:xfrm>
-            <a:off x="8610600" y="2571190"/>
-            <a:ext cx="734496" cy="369332"/>
-          </a:xfrm>
-          <a:prstGeom prst="rect">
-            <a:avLst/>
-          </a:prstGeom>
-          <a:noFill/>
-        </p:spPr>
-        <p:txBody>
-          <a:bodyPr wrap="none" rtlCol="0">
-            <a:spAutoFit/>
-          </a:bodyPr>
-          <a:lstStyle/>
-          <a:p>
-            <a:r>
-              <a:rPr lang="en-US" dirty="0">
-                <a:solidFill>
-                  <a:srgbClr val="FF9F01"/>
-                </a:solidFill>
-              </a:rPr>
-              <a:t>pump</a:t>
-            </a:r>
-          </a:p>
-        </p:txBody>
-      </p:sp>
-      <p:sp>
-        <p:nvSpPr>
-          <p:cNvPr id="27" name="TextBox 26">
-            <a:extLst>
-              <a:ext uri="{FF2B5EF4-FFF2-40B4-BE49-F238E27FC236}">
-                <a16:creationId xmlns:a16="http://schemas.microsoft.com/office/drawing/2014/main" id="{F3812974-E40F-F95D-053D-1B9BB27E3ED9}"/>
-              </a:ext>
-            </a:extLst>
-          </p:cNvPr>
-          <p:cNvSpPr txBox="1"/>
-          <p:nvPr/>
-        </p:nvSpPr>
-        <p:spPr>
-          <a:xfrm>
-            <a:off x="8610600" y="4654371"/>
-            <a:ext cx="734496" cy="369332"/>
-          </a:xfrm>
-          <a:prstGeom prst="rect">
-            <a:avLst/>
-          </a:prstGeom>
-          <a:noFill/>
-        </p:spPr>
-        <p:txBody>
-          <a:bodyPr wrap="none" rtlCol="0">
-            <a:spAutoFit/>
-          </a:bodyPr>
-          <a:lstStyle/>
-          <a:p>
-            <a:r>
-              <a:rPr lang="en-US" dirty="0">
-                <a:solidFill>
-                  <a:srgbClr val="FF9F01"/>
-                </a:solidFill>
-              </a:rPr>
-              <a:t>pump</a:t>
-            </a:r>
-          </a:p>
-        </p:txBody>
-      </p:sp>
-      <mc:AlternateContent xmlns:mc="http://schemas.openxmlformats.org/markup-compatibility/2006" xmlns:a14="http://schemas.microsoft.com/office/drawing/2010/main">
-        <mc:Choice Requires="a14">
+      <mc:AlternateContent xmlns:mc="http://schemas.openxmlformats.org/markup-compatibility/2006">
+        <mc:Choice xmlns:a14="http://schemas.microsoft.com/office/drawing/2010/main" Requires="a14">
           <p:sp>
             <p:nvSpPr>
-              <p:cNvPr id="28" name="TextBox 27">
+              <p:cNvPr id="9" name="TextBox 8">
                 <a:extLst>
                   <a:ext uri="{FF2B5EF4-FFF2-40B4-BE49-F238E27FC236}">
-                    <a16:creationId xmlns:a16="http://schemas.microsoft.com/office/drawing/2014/main" id="{7319B219-05C8-A9EB-28CE-D6B42B624733}"/>
+                    <a16:creationId xmlns:a16="http://schemas.microsoft.com/office/drawing/2014/main" id="{046BBF9E-4DBC-0043-9AE1-D9A24F579DC5}"/>
                   </a:ext>
                 </a:extLst>
               </p:cNvPr>
@@ -9152,8 +8835,8 @@
             </p:nvSpPr>
             <p:spPr>
               <a:xfrm>
-                <a:off x="7724473" y="1178474"/>
-                <a:ext cx="826829" cy="369332"/>
+                <a:off x="942654" y="1105344"/>
+                <a:ext cx="9228762" cy="4524315"/>
               </a:xfrm>
               <a:prstGeom prst="rect">
                 <a:avLst/>
@@ -9161,114 +8844,179 @@
               <a:noFill/>
             </p:spPr>
             <p:txBody>
-              <a:bodyPr wrap="none" rtlCol="0">
+              <a:bodyPr wrap="square">
                 <a:spAutoFit/>
               </a:bodyPr>
               <a:lstStyle/>
               <a:p>
-                <a:pPr/>
+                <a:pPr marL="285750" indent="-285750">
+                  <a:buFont typeface="Arial" panose="020B0604020202020204" pitchFamily="34" charset="0"/>
+                  <a:buChar char="•"/>
+                </a:pPr>
+                <a:r>
+                  <a:rPr lang="en-US" dirty="0"/>
+                  <a:t>Turns out I don’t think you can bypass an update to </a:t>
+                </a:r>
+                <a:r>
+                  <a:rPr lang="en-US" dirty="0" err="1"/>
+                  <a:t>PyNLO</a:t>
+                </a:r>
+                <a:r>
+                  <a:rPr lang="en-US" dirty="0"/>
+                  <a:t> by using an iterative method. It works for the CW case but not for broadband. Not sure why, maybe because you can’t “collapse” all the wavelength info into some 1D trick like what I was doing. Spent so much time on this one.</a:t>
+                </a:r>
+              </a:p>
+              <a:p>
+                <a:pPr marL="285750" indent="-285750">
+                  <a:buFont typeface="Arial" panose="020B0604020202020204" pitchFamily="34" charset="0"/>
+                  <a:buChar char="•"/>
+                </a:pPr>
+                <a:endParaRPr lang="en-US" dirty="0"/>
+              </a:p>
+              <a:p>
+                <a:pPr marL="285750" indent="-285750">
+                  <a:buFont typeface="Arial" panose="020B0604020202020204" pitchFamily="34" charset="0"/>
+                  <a:buChar char="•"/>
+                </a:pPr>
+                <a:r>
+                  <a:rPr lang="en-US" dirty="0"/>
+                  <a:t>Modified </a:t>
+                </a:r>
+                <a:r>
+                  <a:rPr lang="en-US" dirty="0" err="1"/>
+                  <a:t>PyNLO’s</a:t>
+                </a:r>
+                <a:r>
+                  <a:rPr lang="en-US" dirty="0"/>
+                  <a:t> propagate function to simultaneously propagate the pump together with the signal. </a:t>
+                </a:r>
+              </a:p>
+              <a:p>
+                <a:pPr marL="285750" indent="-285750">
+                  <a:buFont typeface="Arial" panose="020B0604020202020204" pitchFamily="34" charset="0"/>
+                  <a:buChar char="•"/>
+                </a:pPr>
+                <a:endParaRPr lang="en-US" dirty="0"/>
+              </a:p>
+              <a:p>
+                <a:pPr marL="285750" indent="-285750">
+                  <a:buFont typeface="Arial" panose="020B0604020202020204" pitchFamily="34" charset="0"/>
+                  <a:buChar char="•"/>
+                </a:pPr>
+                <a:r>
+                  <a:rPr lang="en-US" dirty="0"/>
+                  <a:t>Starting out first with forward pumping</a:t>
+                </a:r>
+              </a:p>
+              <a:p>
+                <a:pPr marL="285750" indent="-285750">
+                  <a:buFont typeface="Arial" panose="020B0604020202020204" pitchFamily="34" charset="0"/>
+                  <a:buChar char="•"/>
+                </a:pPr>
+                <a:endParaRPr lang="en-US" dirty="0"/>
+              </a:p>
+              <a:p>
+                <a:pPr marL="285750" indent="-285750">
+                  <a:buFont typeface="Arial" panose="020B0604020202020204" pitchFamily="34" charset="0"/>
+                  <a:buChar char="•"/>
+                </a:pPr>
+                <a:r>
+                  <a:rPr lang="en-US" dirty="0"/>
+                  <a:t>Validate results / diagnose source of unexpected results: </a:t>
+                </a:r>
+              </a:p>
+              <a:p>
+                <a:pPr marL="742950" lvl="1" indent="-285750">
+                  <a:buFont typeface="Arial" panose="020B0604020202020204" pitchFamily="34" charset="0"/>
+                  <a:buChar char="•"/>
+                </a:pPr>
+                <a:r>
+                  <a:rPr lang="en-US" dirty="0"/>
+                  <a:t>Compare </a:t>
+                </a:r>
+                <a:r>
+                  <a:rPr lang="en-US" dirty="0" err="1"/>
+                  <a:t>PyNLO</a:t>
+                </a:r>
+                <a:r>
+                  <a:rPr lang="en-US" dirty="0"/>
+                  <a:t> calculated solutions to just solving the rate equations. This should agree in the limit that there is no nonlinearity (</a:t>
+                </a:r>
                 <a14:m>
-                  <m:oMathPara xmlns:m="http://schemas.openxmlformats.org/officeDocument/2006/math">
-                    <m:oMathParaPr>
-                      <m:jc m:val="centerGroup"/>
-                    </m:oMathParaPr>
-                    <m:oMath xmlns:m="http://schemas.openxmlformats.org/officeDocument/2006/math">
-                      <m:sSub>
-                        <m:sSubPr>
-                          <m:ctrlPr>
-                            <a:rPr lang="en-US" b="0" i="1" smtClean="0">
-                              <a:solidFill>
-                                <a:srgbClr val="0070C0"/>
-                              </a:solidFill>
-                              <a:latin typeface="Cambria Math" panose="02040503050406030204" pitchFamily="18" charset="0"/>
-                            </a:rPr>
-                          </m:ctrlPr>
-                        </m:sSubPr>
-                        <m:e>
-                          <m:r>
-                            <a:rPr lang="en-US" b="0" i="1" smtClean="0">
-                              <a:solidFill>
-                                <a:srgbClr val="0070C0"/>
-                              </a:solidFill>
-                              <a:latin typeface="Cambria Math" panose="02040503050406030204" pitchFamily="18" charset="0"/>
-                            </a:rPr>
-                            <m:t>𝑛</m:t>
-                          </m:r>
-                        </m:e>
-                        <m:sub>
-                          <m:r>
-                            <a:rPr lang="en-US" b="0" i="1" smtClean="0">
-                              <a:solidFill>
-                                <a:srgbClr val="0070C0"/>
-                              </a:solidFill>
-                              <a:latin typeface="Cambria Math" panose="02040503050406030204" pitchFamily="18" charset="0"/>
-                            </a:rPr>
-                            <m:t>2</m:t>
-                          </m:r>
-                        </m:sub>
-                      </m:sSub>
-                      <m:r>
-                        <a:rPr lang="en-US" b="0" i="1" smtClean="0">
-                          <a:solidFill>
-                            <a:srgbClr val="0070C0"/>
-                          </a:solidFill>
-                          <a:latin typeface="Cambria Math" panose="02040503050406030204" pitchFamily="18" charset="0"/>
-                        </a:rPr>
-                        <m:t>/</m:t>
-                      </m:r>
-                      <m:sSub>
-                        <m:sSubPr>
-                          <m:ctrlPr>
-                            <a:rPr lang="en-US" b="0" i="1" smtClean="0">
-                              <a:solidFill>
-                                <a:srgbClr val="0070C0"/>
-                              </a:solidFill>
-                              <a:latin typeface="Cambria Math" panose="02040503050406030204" pitchFamily="18" charset="0"/>
-                            </a:rPr>
-                          </m:ctrlPr>
-                        </m:sSubPr>
-                        <m:e>
-                          <m:r>
-                            <a:rPr lang="en-US" b="0" i="1" smtClean="0">
-                              <a:solidFill>
-                                <a:srgbClr val="0070C0"/>
-                              </a:solidFill>
-                              <a:latin typeface="Cambria Math" panose="02040503050406030204" pitchFamily="18" charset="0"/>
-                            </a:rPr>
-                            <m:t>𝑛</m:t>
-                          </m:r>
-                        </m:e>
-                        <m:sub>
-                          <m:r>
-                            <a:rPr lang="en-US" b="0" i="1" smtClean="0">
-                              <a:solidFill>
-                                <a:srgbClr val="0070C0"/>
-                              </a:solidFill>
-                              <a:latin typeface="Cambria Math" panose="02040503050406030204" pitchFamily="18" charset="0"/>
-                            </a:rPr>
-                            <m:t>1</m:t>
-                          </m:r>
-                        </m:sub>
-                      </m:sSub>
-                    </m:oMath>
-                  </m:oMathPara>
+                  <m:oMath xmlns:m="http://schemas.openxmlformats.org/officeDocument/2006/math">
+                    <m:r>
+                      <a:rPr lang="en-US" b="0" i="1" smtClean="0">
+                        <a:latin typeface="Cambria Math" panose="02040503050406030204" pitchFamily="18" charset="0"/>
+                      </a:rPr>
+                      <m:t>𝛾</m:t>
+                    </m:r>
+                    <m:r>
+                      <a:rPr lang="en-US" b="0" i="1" smtClean="0">
+                        <a:latin typeface="Cambria Math" panose="02040503050406030204" pitchFamily="18" charset="0"/>
+                      </a:rPr>
+                      <m:t>=0</m:t>
+                    </m:r>
+                  </m:oMath>
                 </a14:m>
-                <a:endParaRPr lang="en-US" dirty="0">
-                  <a:solidFill>
-                    <a:srgbClr val="0070C0"/>
-                  </a:solidFill>
-                </a:endParaRPr>
+                <a:r>
+                  <a:rPr lang="en-US" dirty="0"/>
+                  <a:t>)</a:t>
+                </a:r>
+              </a:p>
+              <a:p>
+                <a:pPr marL="742950" lvl="1" indent="-285750">
+                  <a:buFont typeface="Arial" panose="020B0604020202020204" pitchFamily="34" charset="0"/>
+                  <a:buChar char="•"/>
+                </a:pPr>
+                <a:endParaRPr lang="en-US" dirty="0"/>
+              </a:p>
+              <a:p>
+                <a:pPr marL="742950" lvl="1" indent="-285750">
+                  <a:buFont typeface="Arial" panose="020B0604020202020204" pitchFamily="34" charset="0"/>
+                  <a:buChar char="•"/>
+                </a:pPr>
+                <a:r>
+                  <a:rPr lang="en-US" dirty="0"/>
+                  <a:t>For broadband, solving the RE is a large set of coupled ODE’s </a:t>
+                </a:r>
+                <a14:m>
+                  <m:oMath xmlns:m="http://schemas.openxmlformats.org/officeDocument/2006/math">
+                    <m:r>
+                      <a:rPr lang="en-US" b="0" i="1" smtClean="0">
+                        <a:latin typeface="Cambria Math" panose="02040503050406030204" pitchFamily="18" charset="0"/>
+                      </a:rPr>
+                      <m:t>→</m:t>
+                    </m:r>
+                  </m:oMath>
+                </a14:m>
+                <a:r>
+                  <a:rPr lang="en-US" dirty="0"/>
+                  <a:t> can crunch them with </a:t>
+                </a:r>
+                <a:r>
+                  <a:rPr lang="en-US" dirty="0" err="1"/>
+                  <a:t>scipy’s</a:t>
+                </a:r>
+                <a:r>
+                  <a:rPr lang="en-US" dirty="0"/>
+                  <a:t> </a:t>
+                </a:r>
+                <a:r>
+                  <a:rPr lang="en-US" dirty="0" err="1"/>
+                  <a:t>odeint</a:t>
+                </a:r>
+                <a:endParaRPr lang="en-US" dirty="0"/>
               </a:p>
             </p:txBody>
           </p:sp>
         </mc:Choice>
-        <mc:Fallback xmlns="">
+        <mc:Fallback>
           <p:sp>
             <p:nvSpPr>
-              <p:cNvPr id="28" name="TextBox 27">
+              <p:cNvPr id="9" name="TextBox 8">
                 <a:extLst>
                   <a:ext uri="{FF2B5EF4-FFF2-40B4-BE49-F238E27FC236}">
-                    <a16:creationId xmlns:a16="http://schemas.microsoft.com/office/drawing/2014/main" id="{7319B219-05C8-A9EB-28CE-D6B42B624733}"/>
+                    <a16:creationId xmlns:a16="http://schemas.microsoft.com/office/drawing/2014/main" id="{046BBF9E-4DBC-0043-9AE1-D9A24F579DC5}"/>
                   </a:ext>
                 </a:extLst>
               </p:cNvPr>
@@ -9279,358 +9027,16 @@
             </p:nvSpPr>
             <p:spPr>
               <a:xfrm>
-                <a:off x="7724473" y="1178474"/>
-                <a:ext cx="826829" cy="369332"/>
+                <a:off x="942654" y="1105344"/>
+                <a:ext cx="9228762" cy="4524315"/>
               </a:xfrm>
               <a:prstGeom prst="rect">
                 <a:avLst/>
               </a:prstGeom>
               <a:blipFill>
-                <a:blip r:embed="rId4"/>
+                <a:blip r:embed="rId2"/>
                 <a:stretch>
-                  <a:fillRect b="-16667"/>
-                </a:stretch>
-              </a:blipFill>
-            </p:spPr>
-            <p:txBody>
-              <a:bodyPr/>
-              <a:lstStyle/>
-              <a:p>
-                <a:r>
-                  <a:rPr lang="en-US">
-                    <a:noFill/>
-                  </a:rPr>
-                  <a:t> </a:t>
-                </a:r>
-              </a:p>
-            </p:txBody>
-          </p:sp>
-        </mc:Fallback>
-      </mc:AlternateContent>
-      <mc:AlternateContent xmlns:mc="http://schemas.openxmlformats.org/markup-compatibility/2006" xmlns:a14="http://schemas.microsoft.com/office/drawing/2010/main">
-        <mc:Choice Requires="a14">
-          <p:sp>
-            <p:nvSpPr>
-              <p:cNvPr id="29" name="TextBox 28">
-                <a:extLst>
-                  <a:ext uri="{FF2B5EF4-FFF2-40B4-BE49-F238E27FC236}">
-                    <a16:creationId xmlns:a16="http://schemas.microsoft.com/office/drawing/2014/main" id="{4CD4F1EF-6240-4E4D-326F-2307640CDDC0}"/>
-                  </a:ext>
-                </a:extLst>
-              </p:cNvPr>
-              <p:cNvSpPr txBox="1"/>
-              <p:nvPr/>
-            </p:nvSpPr>
-            <p:spPr>
-              <a:xfrm>
-                <a:off x="8610600" y="2934469"/>
-                <a:ext cx="826829" cy="369332"/>
-              </a:xfrm>
-              <a:prstGeom prst="rect">
-                <a:avLst/>
-              </a:prstGeom>
-              <a:noFill/>
-            </p:spPr>
-            <p:txBody>
-              <a:bodyPr wrap="none" rtlCol="0">
-                <a:spAutoFit/>
-              </a:bodyPr>
-              <a:lstStyle/>
-              <a:p>
-                <a:pPr/>
-                <a14:m>
-                  <m:oMathPara xmlns:m="http://schemas.openxmlformats.org/officeDocument/2006/math">
-                    <m:oMathParaPr>
-                      <m:jc m:val="centerGroup"/>
-                    </m:oMathParaPr>
-                    <m:oMath xmlns:m="http://schemas.openxmlformats.org/officeDocument/2006/math">
-                      <m:sSub>
-                        <m:sSubPr>
-                          <m:ctrlPr>
-                            <a:rPr lang="en-US" b="0" i="1" smtClean="0">
-                              <a:solidFill>
-                                <a:srgbClr val="0070C0"/>
-                              </a:solidFill>
-                              <a:latin typeface="Cambria Math" panose="02040503050406030204" pitchFamily="18" charset="0"/>
-                            </a:rPr>
-                          </m:ctrlPr>
-                        </m:sSubPr>
-                        <m:e>
-                          <m:r>
-                            <a:rPr lang="en-US" b="0" i="1" smtClean="0">
-                              <a:solidFill>
-                                <a:srgbClr val="0070C0"/>
-                              </a:solidFill>
-                              <a:latin typeface="Cambria Math" panose="02040503050406030204" pitchFamily="18" charset="0"/>
-                            </a:rPr>
-                            <m:t>𝑛</m:t>
-                          </m:r>
-                        </m:e>
-                        <m:sub>
-                          <m:r>
-                            <a:rPr lang="en-US" b="0" i="1" smtClean="0">
-                              <a:solidFill>
-                                <a:srgbClr val="0070C0"/>
-                              </a:solidFill>
-                              <a:latin typeface="Cambria Math" panose="02040503050406030204" pitchFamily="18" charset="0"/>
-                            </a:rPr>
-                            <m:t>2</m:t>
-                          </m:r>
-                        </m:sub>
-                      </m:sSub>
-                      <m:r>
-                        <a:rPr lang="en-US" b="0" i="1" smtClean="0">
-                          <a:solidFill>
-                            <a:srgbClr val="0070C0"/>
-                          </a:solidFill>
-                          <a:latin typeface="Cambria Math" panose="02040503050406030204" pitchFamily="18" charset="0"/>
-                        </a:rPr>
-                        <m:t>/</m:t>
-                      </m:r>
-                      <m:sSub>
-                        <m:sSubPr>
-                          <m:ctrlPr>
-                            <a:rPr lang="en-US" b="0" i="1" smtClean="0">
-                              <a:solidFill>
-                                <a:srgbClr val="0070C0"/>
-                              </a:solidFill>
-                              <a:latin typeface="Cambria Math" panose="02040503050406030204" pitchFamily="18" charset="0"/>
-                            </a:rPr>
-                          </m:ctrlPr>
-                        </m:sSubPr>
-                        <m:e>
-                          <m:r>
-                            <a:rPr lang="en-US" b="0" i="1" smtClean="0">
-                              <a:solidFill>
-                                <a:srgbClr val="0070C0"/>
-                              </a:solidFill>
-                              <a:latin typeface="Cambria Math" panose="02040503050406030204" pitchFamily="18" charset="0"/>
-                            </a:rPr>
-                            <m:t>𝑛</m:t>
-                          </m:r>
-                        </m:e>
-                        <m:sub>
-                          <m:r>
-                            <a:rPr lang="en-US" b="0" i="1" smtClean="0">
-                              <a:solidFill>
-                                <a:srgbClr val="0070C0"/>
-                              </a:solidFill>
-                              <a:latin typeface="Cambria Math" panose="02040503050406030204" pitchFamily="18" charset="0"/>
-                            </a:rPr>
-                            <m:t>1</m:t>
-                          </m:r>
-                        </m:sub>
-                      </m:sSub>
-                    </m:oMath>
-                  </m:oMathPara>
-                </a14:m>
-                <a:endParaRPr lang="en-US" dirty="0">
-                  <a:solidFill>
-                    <a:srgbClr val="0070C0"/>
-                  </a:solidFill>
-                </a:endParaRPr>
-              </a:p>
-            </p:txBody>
-          </p:sp>
-        </mc:Choice>
-        <mc:Fallback xmlns="">
-          <p:sp>
-            <p:nvSpPr>
-              <p:cNvPr id="29" name="TextBox 28">
-                <a:extLst>
-                  <a:ext uri="{FF2B5EF4-FFF2-40B4-BE49-F238E27FC236}">
-                    <a16:creationId xmlns:a16="http://schemas.microsoft.com/office/drawing/2014/main" id="{4CD4F1EF-6240-4E4D-326F-2307640CDDC0}"/>
-                  </a:ext>
-                </a:extLst>
-              </p:cNvPr>
-              <p:cNvSpPr txBox="1">
-                <a:spLocks noRot="1" noChangeAspect="1" noMove="1" noResize="1" noEditPoints="1" noAdjustHandles="1" noChangeArrowheads="1" noChangeShapeType="1" noTextEdit="1"/>
-              </p:cNvSpPr>
-              <p:nvPr/>
-            </p:nvSpPr>
-            <p:spPr>
-              <a:xfrm>
-                <a:off x="8610600" y="2934469"/>
-                <a:ext cx="826829" cy="369332"/>
-              </a:xfrm>
-              <a:prstGeom prst="rect">
-                <a:avLst/>
-              </a:prstGeom>
-              <a:blipFill>
-                <a:blip r:embed="rId5"/>
-                <a:stretch>
-                  <a:fillRect b="-12903"/>
-                </a:stretch>
-              </a:blipFill>
-            </p:spPr>
-            <p:txBody>
-              <a:bodyPr/>
-              <a:lstStyle/>
-              <a:p>
-                <a:r>
-                  <a:rPr lang="en-US">
-                    <a:noFill/>
-                  </a:rPr>
-                  <a:t> </a:t>
-                </a:r>
-              </a:p>
-            </p:txBody>
-          </p:sp>
-        </mc:Fallback>
-      </mc:AlternateContent>
-      <mc:AlternateContent xmlns:mc="http://schemas.openxmlformats.org/markup-compatibility/2006" xmlns:a14="http://schemas.microsoft.com/office/drawing/2010/main">
-        <mc:Choice Requires="a14">
-          <p:sp>
-            <p:nvSpPr>
-              <p:cNvPr id="30" name="TextBox 29">
-                <a:extLst>
-                  <a:ext uri="{FF2B5EF4-FFF2-40B4-BE49-F238E27FC236}">
-                    <a16:creationId xmlns:a16="http://schemas.microsoft.com/office/drawing/2014/main" id="{EDF139D2-6670-D530-98CC-855E1FEED3DF}"/>
-                  </a:ext>
-                </a:extLst>
-              </p:cNvPr>
-              <p:cNvSpPr txBox="1"/>
-              <p:nvPr/>
-            </p:nvSpPr>
-            <p:spPr>
-              <a:xfrm>
-                <a:off x="8610599" y="4981236"/>
-                <a:ext cx="826829" cy="369332"/>
-              </a:xfrm>
-              <a:prstGeom prst="rect">
-                <a:avLst/>
-              </a:prstGeom>
-              <a:noFill/>
-            </p:spPr>
-            <p:txBody>
-              <a:bodyPr wrap="none" rtlCol="0">
-                <a:spAutoFit/>
-              </a:bodyPr>
-              <a:lstStyle/>
-              <a:p>
-                <a:pPr/>
-                <a14:m>
-                  <m:oMathPara xmlns:m="http://schemas.openxmlformats.org/officeDocument/2006/math">
-                    <m:oMathParaPr>
-                      <m:jc m:val="centerGroup"/>
-                    </m:oMathParaPr>
-                    <m:oMath xmlns:m="http://schemas.openxmlformats.org/officeDocument/2006/math">
-                      <m:sSub>
-                        <m:sSubPr>
-                          <m:ctrlPr>
-                            <a:rPr lang="en-US" b="0" i="1" smtClean="0">
-                              <a:solidFill>
-                                <a:srgbClr val="0070C0"/>
-                              </a:solidFill>
-                              <a:latin typeface="Cambria Math" panose="02040503050406030204" pitchFamily="18" charset="0"/>
-                            </a:rPr>
-                          </m:ctrlPr>
-                        </m:sSubPr>
-                        <m:e>
-                          <m:r>
-                            <a:rPr lang="en-US" b="0" i="1" smtClean="0">
-                              <a:solidFill>
-                                <a:srgbClr val="0070C0"/>
-                              </a:solidFill>
-                              <a:latin typeface="Cambria Math" panose="02040503050406030204" pitchFamily="18" charset="0"/>
-                            </a:rPr>
-                            <m:t>𝑛</m:t>
-                          </m:r>
-                        </m:e>
-                        <m:sub>
-                          <m:r>
-                            <a:rPr lang="en-US" b="0" i="1" smtClean="0">
-                              <a:solidFill>
-                                <a:srgbClr val="0070C0"/>
-                              </a:solidFill>
-                              <a:latin typeface="Cambria Math" panose="02040503050406030204" pitchFamily="18" charset="0"/>
-                            </a:rPr>
-                            <m:t>2</m:t>
-                          </m:r>
-                        </m:sub>
-                      </m:sSub>
-                      <m:r>
-                        <a:rPr lang="en-US" b="0" i="1" smtClean="0">
-                          <a:solidFill>
-                            <a:srgbClr val="0070C0"/>
-                          </a:solidFill>
-                          <a:latin typeface="Cambria Math" panose="02040503050406030204" pitchFamily="18" charset="0"/>
-                        </a:rPr>
-                        <m:t>/</m:t>
-                      </m:r>
-                      <m:sSub>
-                        <m:sSubPr>
-                          <m:ctrlPr>
-                            <a:rPr lang="en-US" b="0" i="1" smtClean="0">
-                              <a:solidFill>
-                                <a:srgbClr val="0070C0"/>
-                              </a:solidFill>
-                              <a:latin typeface="Cambria Math" panose="02040503050406030204" pitchFamily="18" charset="0"/>
-                            </a:rPr>
-                          </m:ctrlPr>
-                        </m:sSubPr>
-                        <m:e>
-                          <m:r>
-                            <a:rPr lang="en-US" b="0" i="1" smtClean="0">
-                              <a:solidFill>
-                                <a:srgbClr val="0070C0"/>
-                              </a:solidFill>
-                              <a:latin typeface="Cambria Math" panose="02040503050406030204" pitchFamily="18" charset="0"/>
-                            </a:rPr>
-                            <m:t>𝑛</m:t>
-                          </m:r>
-                        </m:e>
-                        <m:sub>
-                          <m:r>
-                            <a:rPr lang="en-US" b="0" i="1" smtClean="0">
-                              <a:solidFill>
-                                <a:srgbClr val="0070C0"/>
-                              </a:solidFill>
-                              <a:latin typeface="Cambria Math" panose="02040503050406030204" pitchFamily="18" charset="0"/>
-                            </a:rPr>
-                            <m:t>1</m:t>
-                          </m:r>
-                        </m:sub>
-                      </m:sSub>
-                    </m:oMath>
-                  </m:oMathPara>
-                </a14:m>
-                <a:endParaRPr lang="en-US" dirty="0">
-                  <a:solidFill>
-                    <a:srgbClr val="0070C0"/>
-                  </a:solidFill>
-                </a:endParaRPr>
-              </a:p>
-            </p:txBody>
-          </p:sp>
-        </mc:Choice>
-        <mc:Fallback xmlns="">
-          <p:sp>
-            <p:nvSpPr>
-              <p:cNvPr id="30" name="TextBox 29">
-                <a:extLst>
-                  <a:ext uri="{FF2B5EF4-FFF2-40B4-BE49-F238E27FC236}">
-                    <a16:creationId xmlns:a16="http://schemas.microsoft.com/office/drawing/2014/main" id="{EDF139D2-6670-D530-98CC-855E1FEED3DF}"/>
-                  </a:ext>
-                </a:extLst>
-              </p:cNvPr>
-              <p:cNvSpPr txBox="1">
-                <a:spLocks noRot="1" noChangeAspect="1" noMove="1" noResize="1" noEditPoints="1" noAdjustHandles="1" noChangeArrowheads="1" noChangeShapeType="1" noTextEdit="1"/>
-              </p:cNvSpPr>
-              <p:nvPr/>
-            </p:nvSpPr>
-            <p:spPr>
-              <a:xfrm>
-                <a:off x="8610599" y="4981236"/>
-                <a:ext cx="826829" cy="369332"/>
-              </a:xfrm>
-              <a:prstGeom prst="rect">
-                <a:avLst/>
-              </a:prstGeom>
-              <a:blipFill>
-                <a:blip r:embed="rId6"/>
-                <a:stretch>
-                  <a:fillRect b="-13333"/>
+                  <a:fillRect l="-412" t="-559" r="-275" b="-1117"/>
                 </a:stretch>
               </a:blipFill>
             </p:spPr>
@@ -9652,7 +9058,7 @@
     </p:spTree>
     <p:extLst>
       <p:ext uri="{BB962C8B-B14F-4D97-AF65-F5344CB8AC3E}">
-        <p14:creationId xmlns:p14="http://schemas.microsoft.com/office/powerpoint/2010/main" val="1988904980"/>
+        <p14:creationId xmlns:p14="http://schemas.microsoft.com/office/powerpoint/2010/main" val="2314942620"/>
       </p:ext>
     </p:extLst>
   </p:cSld>
@@ -9679,12 +9085,79 @@
           <a:chExt cx="0" cy="0"/>
         </a:xfrm>
       </p:grpSpPr>
+      <p:sp>
+        <p:nvSpPr>
+          <p:cNvPr id="2" name="Title 1">
+            <a:extLst>
+              <a:ext uri="{FF2B5EF4-FFF2-40B4-BE49-F238E27FC236}">
+                <a16:creationId xmlns:a16="http://schemas.microsoft.com/office/drawing/2014/main" id="{9FE85E91-E4F3-11ED-2896-BFE6E6BC0F7B}"/>
+              </a:ext>
+            </a:extLst>
+          </p:cNvPr>
+          <p:cNvSpPr>
+            <a:spLocks noGrp="1"/>
+          </p:cNvSpPr>
+          <p:nvPr>
+            <p:ph type="title"/>
+          </p:nvPr>
+        </p:nvSpPr>
+        <p:spPr/>
+        <p:txBody>
+          <a:bodyPr>
+            <a:noAutofit/>
+          </a:bodyPr>
+          <a:lstStyle/>
+          <a:p>
+            <a:r>
+              <a:rPr lang="en-US" dirty="0"/>
+              <a:t>650 </a:t>
+            </a:r>
+            <a:r>
+              <a:rPr lang="en-US" dirty="0" err="1"/>
+              <a:t>mW</a:t>
+            </a:r>
+            <a:r>
+              <a:rPr lang="en-US" dirty="0"/>
+              <a:t> pump, 1.5 m of ER 80</a:t>
+            </a:r>
+          </a:p>
+        </p:txBody>
+      </p:sp>
+      <p:sp>
+        <p:nvSpPr>
+          <p:cNvPr id="3" name="Slide Number Placeholder 2">
+            <a:extLst>
+              <a:ext uri="{FF2B5EF4-FFF2-40B4-BE49-F238E27FC236}">
+                <a16:creationId xmlns:a16="http://schemas.microsoft.com/office/drawing/2014/main" id="{3CD2E26A-83E7-7848-0A93-C2251C5FE996}"/>
+              </a:ext>
+            </a:extLst>
+          </p:cNvPr>
+          <p:cNvSpPr>
+            <a:spLocks noGrp="1"/>
+          </p:cNvSpPr>
+          <p:nvPr>
+            <p:ph type="sldNum" sz="quarter" idx="12"/>
+          </p:nvPr>
+        </p:nvSpPr>
+        <p:spPr/>
+        <p:txBody>
+          <a:bodyPr/>
+          <a:lstStyle/>
+          <a:p>
+            <a:fld id="{B9982081-D51A-40C8-8A41-6498517A0DD4}" type="slidenum">
+              <a:rPr lang="en-US" smtClean="0"/>
+              <a:t>4</a:t>
+            </a:fld>
+            <a:endParaRPr lang="en-US"/>
+          </a:p>
+        </p:txBody>
+      </p:sp>
       <p:pic>
         <p:nvPicPr>
-          <p:cNvPr id="23" name="Picture 22">
+          <p:cNvPr id="5" name="Picture 4">
             <a:extLst>
               <a:ext uri="{FF2B5EF4-FFF2-40B4-BE49-F238E27FC236}">
-                <a16:creationId xmlns:a16="http://schemas.microsoft.com/office/drawing/2014/main" id="{02BF7020-5723-6F62-58EA-1065007D3EB9}"/>
+                <a16:creationId xmlns:a16="http://schemas.microsoft.com/office/drawing/2014/main" id="{E90CBFB4-6E82-1CD8-E575-758D78071DD3}"/>
               </a:ext>
             </a:extLst>
           </p:cNvPr>
@@ -9701,8 +9174,8 @@
         </p:blipFill>
         <p:spPr>
           <a:xfrm>
-            <a:off x="7471379" y="-26682"/>
-            <a:ext cx="2933066" cy="2306854"/>
+            <a:off x="6096001" y="1484616"/>
+            <a:ext cx="6096001" cy="4572000"/>
           </a:xfrm>
           <a:prstGeom prst="rect">
             <a:avLst/>
@@ -9711,10 +9184,10 @@
       </p:pic>
       <p:pic>
         <p:nvPicPr>
-          <p:cNvPr id="22" name="Picture 21">
+          <p:cNvPr id="7" name="Picture 6">
             <a:extLst>
               <a:ext uri="{FF2B5EF4-FFF2-40B4-BE49-F238E27FC236}">
-                <a16:creationId xmlns:a16="http://schemas.microsoft.com/office/drawing/2014/main" id="{B3A51C01-A796-7609-09F2-4329F64870A5}"/>
+                <a16:creationId xmlns:a16="http://schemas.microsoft.com/office/drawing/2014/main" id="{0FE2E77F-DDE7-CF2D-7D7F-FBBFFDE95730}"/>
               </a:ext>
             </a:extLst>
           </p:cNvPr>
@@ -9731,260 +9204,8 @@
         </p:blipFill>
         <p:spPr>
           <a:xfrm>
-            <a:off x="7326027" y="4413805"/>
-            <a:ext cx="3078418" cy="2444195"/>
-          </a:xfrm>
-          <a:prstGeom prst="rect">
-            <a:avLst/>
-          </a:prstGeom>
-        </p:spPr>
-      </p:pic>
-      <p:pic>
-        <p:nvPicPr>
-          <p:cNvPr id="21" name="Picture 20">
-            <a:extLst>
-              <a:ext uri="{FF2B5EF4-FFF2-40B4-BE49-F238E27FC236}">
-                <a16:creationId xmlns:a16="http://schemas.microsoft.com/office/drawing/2014/main" id="{109E581C-393F-3142-74C1-34DADC00453D}"/>
-              </a:ext>
-            </a:extLst>
-          </p:cNvPr>
-          <p:cNvPicPr>
-            <a:picLocks noChangeAspect="1"/>
-          </p:cNvPicPr>
-          <p:nvPr/>
-        </p:nvPicPr>
-        <p:blipFill>
-          <a:blip r:embed="rId4"/>
-          <a:stretch>
-            <a:fillRect/>
-          </a:stretch>
-        </p:blipFill>
-        <p:spPr>
-          <a:xfrm>
-            <a:off x="7417099" y="2283229"/>
-            <a:ext cx="2896274" cy="2264859"/>
-          </a:xfrm>
-          <a:prstGeom prst="rect">
-            <a:avLst/>
-          </a:prstGeom>
-        </p:spPr>
-      </p:pic>
-      <p:sp>
-        <p:nvSpPr>
-          <p:cNvPr id="2" name="Title 1">
-            <a:extLst>
-              <a:ext uri="{FF2B5EF4-FFF2-40B4-BE49-F238E27FC236}">
-                <a16:creationId xmlns:a16="http://schemas.microsoft.com/office/drawing/2014/main" id="{139E3DA3-EE80-C7EE-2ED9-AF4E80567FBB}"/>
-              </a:ext>
-            </a:extLst>
-          </p:cNvPr>
-          <p:cNvSpPr>
-            <a:spLocks noGrp="1"/>
-          </p:cNvSpPr>
-          <p:nvPr>
-            <p:ph type="title"/>
-          </p:nvPr>
-        </p:nvSpPr>
-        <p:spPr/>
-        <p:txBody>
-          <a:bodyPr/>
-          <a:lstStyle/>
-          <a:p>
-            <a:r>
-              <a:rPr lang="en-US" dirty="0"/>
-              <a:t>Forward Pumping</a:t>
-            </a:r>
-          </a:p>
-        </p:txBody>
-      </p:sp>
-      <p:sp>
-        <p:nvSpPr>
-          <p:cNvPr id="3" name="Slide Number Placeholder 2">
-            <a:extLst>
-              <a:ext uri="{FF2B5EF4-FFF2-40B4-BE49-F238E27FC236}">
-                <a16:creationId xmlns:a16="http://schemas.microsoft.com/office/drawing/2014/main" id="{93852B24-CF0D-F488-BDEF-9E39E77BE97C}"/>
-              </a:ext>
-            </a:extLst>
-          </p:cNvPr>
-          <p:cNvSpPr>
-            <a:spLocks noGrp="1"/>
-          </p:cNvSpPr>
-          <p:nvPr>
-            <p:ph type="sldNum" sz="quarter" idx="12"/>
-          </p:nvPr>
-        </p:nvSpPr>
-        <p:spPr/>
-        <p:txBody>
-          <a:bodyPr/>
-          <a:lstStyle/>
-          <a:p>
-            <a:fld id="{B9982081-D51A-40C8-8A41-6498517A0DD4}" type="slidenum">
-              <a:rPr lang="en-US" smtClean="0"/>
-              <a:t>4</a:t>
-            </a:fld>
-            <a:endParaRPr lang="en-US"/>
-          </a:p>
-        </p:txBody>
-      </p:sp>
-      <p:cxnSp>
-        <p:nvCxnSpPr>
-          <p:cNvPr id="17" name="Straight Arrow Connector 16">
-            <a:extLst>
-              <a:ext uri="{FF2B5EF4-FFF2-40B4-BE49-F238E27FC236}">
-                <a16:creationId xmlns:a16="http://schemas.microsoft.com/office/drawing/2014/main" id="{8170BDD0-3422-FD4E-77A3-164BE27639C3}"/>
-              </a:ext>
-            </a:extLst>
-          </p:cNvPr>
-          <p:cNvCxnSpPr>
-            <a:cxnSpLocks/>
-          </p:cNvCxnSpPr>
-          <p:nvPr/>
-        </p:nvCxnSpPr>
-        <p:spPr>
-          <a:xfrm>
-            <a:off x="2340864" y="4766209"/>
-            <a:ext cx="4602102" cy="0"/>
-          </a:xfrm>
-          <a:prstGeom prst="straightConnector1">
-            <a:avLst/>
-          </a:prstGeom>
-          <a:ln w="25400">
-            <a:solidFill>
-              <a:schemeClr val="tx1"/>
-            </a:solidFill>
-            <a:prstDash val="dash"/>
-            <a:tailEnd type="triangle"/>
-          </a:ln>
-        </p:spPr>
-        <p:style>
-          <a:lnRef idx="1">
-            <a:schemeClr val="accent1"/>
-          </a:lnRef>
-          <a:fillRef idx="0">
-            <a:schemeClr val="accent1"/>
-          </a:fillRef>
-          <a:effectRef idx="0">
-            <a:schemeClr val="accent1"/>
-          </a:effectRef>
-          <a:fontRef idx="minor">
-            <a:schemeClr val="tx1"/>
-          </a:fontRef>
-        </p:style>
-      </p:cxnSp>
-      <p:cxnSp>
-        <p:nvCxnSpPr>
-          <p:cNvPr id="18" name="Straight Arrow Connector 17">
-            <a:extLst>
-              <a:ext uri="{FF2B5EF4-FFF2-40B4-BE49-F238E27FC236}">
-                <a16:creationId xmlns:a16="http://schemas.microsoft.com/office/drawing/2014/main" id="{61817101-937C-5B2F-69CB-25A9EB7B5551}"/>
-              </a:ext>
-            </a:extLst>
-          </p:cNvPr>
-          <p:cNvCxnSpPr>
-            <a:cxnSpLocks/>
-          </p:cNvCxnSpPr>
-          <p:nvPr/>
-        </p:nvCxnSpPr>
-        <p:spPr>
-          <a:xfrm flipV="1">
-            <a:off x="2551176" y="3193441"/>
-            <a:ext cx="4391790" cy="336143"/>
-          </a:xfrm>
-          <a:prstGeom prst="straightConnector1">
-            <a:avLst/>
-          </a:prstGeom>
-          <a:ln w="25400">
-            <a:solidFill>
-              <a:schemeClr val="tx1"/>
-            </a:solidFill>
-            <a:prstDash val="dash"/>
-            <a:tailEnd type="triangle"/>
-          </a:ln>
-        </p:spPr>
-        <p:style>
-          <a:lnRef idx="1">
-            <a:schemeClr val="accent1"/>
-          </a:lnRef>
-          <a:fillRef idx="0">
-            <a:schemeClr val="accent1"/>
-          </a:fillRef>
-          <a:effectRef idx="0">
-            <a:schemeClr val="accent1"/>
-          </a:effectRef>
-          <a:fontRef idx="minor">
-            <a:schemeClr val="tx1"/>
-          </a:fontRef>
-        </p:style>
-      </p:cxnSp>
-      <p:cxnSp>
-        <p:nvCxnSpPr>
-          <p:cNvPr id="19" name="Straight Arrow Connector 18">
-            <a:extLst>
-              <a:ext uri="{FF2B5EF4-FFF2-40B4-BE49-F238E27FC236}">
-                <a16:creationId xmlns:a16="http://schemas.microsoft.com/office/drawing/2014/main" id="{11E3FF2D-2A01-C8CA-6FD3-01895573B0E4}"/>
-              </a:ext>
-            </a:extLst>
-          </p:cNvPr>
-          <p:cNvCxnSpPr>
-            <a:cxnSpLocks/>
-          </p:cNvCxnSpPr>
-          <p:nvPr/>
-        </p:nvCxnSpPr>
-        <p:spPr>
-          <a:xfrm flipV="1">
-            <a:off x="6096000" y="1158177"/>
-            <a:ext cx="846966" cy="844359"/>
-          </a:xfrm>
-          <a:prstGeom prst="straightConnector1">
-            <a:avLst/>
-          </a:prstGeom>
-          <a:ln w="25400">
-            <a:solidFill>
-              <a:schemeClr val="tx1"/>
-            </a:solidFill>
-            <a:prstDash val="dash"/>
-            <a:tailEnd type="triangle"/>
-          </a:ln>
-        </p:spPr>
-        <p:style>
-          <a:lnRef idx="1">
-            <a:schemeClr val="accent1"/>
-          </a:lnRef>
-          <a:fillRef idx="0">
-            <a:schemeClr val="accent1"/>
-          </a:fillRef>
-          <a:effectRef idx="0">
-            <a:schemeClr val="accent1"/>
-          </a:effectRef>
-          <a:fontRef idx="minor">
-            <a:schemeClr val="tx1"/>
-          </a:fontRef>
-        </p:style>
-      </p:cxnSp>
-      <p:pic>
-        <p:nvPicPr>
-          <p:cNvPr id="20" name="Picture 19">
-            <a:extLst>
-              <a:ext uri="{FF2B5EF4-FFF2-40B4-BE49-F238E27FC236}">
-                <a16:creationId xmlns:a16="http://schemas.microsoft.com/office/drawing/2014/main" id="{B52CC89A-9DE0-077F-50F0-B3FDA4410A20}"/>
-              </a:ext>
-            </a:extLst>
-          </p:cNvPr>
-          <p:cNvPicPr>
-            <a:picLocks noChangeAspect="1"/>
-          </p:cNvPicPr>
-          <p:nvPr/>
-        </p:nvPicPr>
-        <p:blipFill>
-          <a:blip r:embed="rId5"/>
-          <a:stretch>
-            <a:fillRect/>
-          </a:stretch>
-        </p:blipFill>
-        <p:spPr>
-          <a:xfrm>
-            <a:off x="727961" y="1702681"/>
-            <a:ext cx="6047778" cy="4204338"/>
+            <a:off x="0" y="1484616"/>
+            <a:ext cx="6096000" cy="4572000"/>
           </a:xfrm>
           <a:prstGeom prst="rect">
             <a:avLst/>
@@ -9994,1517 +9215,7 @@
     </p:spTree>
     <p:extLst>
       <p:ext uri="{BB962C8B-B14F-4D97-AF65-F5344CB8AC3E}">
-        <p14:creationId xmlns:p14="http://schemas.microsoft.com/office/powerpoint/2010/main" val="3847931170"/>
-      </p:ext>
-    </p:extLst>
-  </p:cSld>
-  <p:clrMapOvr>
-    <a:masterClrMapping/>
-  </p:clrMapOvr>
-</p:sld>
-</file>
-
-<file path=ppt/slides/slide5.xml><?xml version="1.0" encoding="utf-8"?>
-<p:sld xmlns:a="http://schemas.openxmlformats.org/drawingml/2006/main" xmlns:r="http://schemas.openxmlformats.org/officeDocument/2006/relationships" xmlns:p="http://schemas.openxmlformats.org/presentationml/2006/main">
-  <p:cSld>
-    <p:spTree>
-      <p:nvGrpSpPr>
-        <p:cNvPr id="1" name=""/>
-        <p:cNvGrpSpPr/>
-        <p:nvPr/>
-      </p:nvGrpSpPr>
-      <p:grpSpPr>
-        <a:xfrm>
-          <a:off x="0" y="0"/>
-          <a:ext cx="0" cy="0"/>
-          <a:chOff x="0" y="0"/>
-          <a:chExt cx="0" cy="0"/>
-        </a:xfrm>
-      </p:grpSpPr>
-      <p:sp>
-        <p:nvSpPr>
-          <p:cNvPr id="2" name="Title 1">
-            <a:extLst>
-              <a:ext uri="{FF2B5EF4-FFF2-40B4-BE49-F238E27FC236}">
-                <a16:creationId xmlns:a16="http://schemas.microsoft.com/office/drawing/2014/main" id="{41637380-E457-CE38-FFBF-3BFD017C1510}"/>
-              </a:ext>
-            </a:extLst>
-          </p:cNvPr>
-          <p:cNvSpPr>
-            <a:spLocks noGrp="1"/>
-          </p:cNvSpPr>
-          <p:nvPr>
-            <p:ph type="title"/>
-          </p:nvPr>
-        </p:nvSpPr>
-        <p:spPr/>
-        <p:txBody>
-          <a:bodyPr/>
-          <a:lstStyle/>
-          <a:p>
-            <a:r>
-              <a:rPr lang="en-US" dirty="0"/>
-              <a:t>Backward Pumping</a:t>
-            </a:r>
-          </a:p>
-        </p:txBody>
-      </p:sp>
-      <p:sp>
-        <p:nvSpPr>
-          <p:cNvPr id="3" name="Slide Number Placeholder 2">
-            <a:extLst>
-              <a:ext uri="{FF2B5EF4-FFF2-40B4-BE49-F238E27FC236}">
-                <a16:creationId xmlns:a16="http://schemas.microsoft.com/office/drawing/2014/main" id="{A9F8114C-5C50-C7F6-A92A-0C093C678674}"/>
-              </a:ext>
-            </a:extLst>
-          </p:cNvPr>
-          <p:cNvSpPr>
-            <a:spLocks noGrp="1"/>
-          </p:cNvSpPr>
-          <p:nvPr>
-            <p:ph type="sldNum" sz="quarter" idx="12"/>
-          </p:nvPr>
-        </p:nvSpPr>
-        <p:spPr/>
-        <p:txBody>
-          <a:bodyPr/>
-          <a:lstStyle/>
-          <a:p>
-            <a:fld id="{B9982081-D51A-40C8-8A41-6498517A0DD4}" type="slidenum">
-              <a:rPr lang="en-US" smtClean="0"/>
-              <a:t>5</a:t>
-            </a:fld>
-            <a:endParaRPr lang="en-US"/>
-          </a:p>
-        </p:txBody>
-      </p:sp>
-      <p:pic>
-        <p:nvPicPr>
-          <p:cNvPr id="8" name="Picture 7">
-            <a:extLst>
-              <a:ext uri="{FF2B5EF4-FFF2-40B4-BE49-F238E27FC236}">
-                <a16:creationId xmlns:a16="http://schemas.microsoft.com/office/drawing/2014/main" id="{5AF8FB4D-C098-F1D3-6340-52BCC1C87E40}"/>
-              </a:ext>
-            </a:extLst>
-          </p:cNvPr>
-          <p:cNvPicPr>
-            <a:picLocks noChangeAspect="1"/>
-          </p:cNvPicPr>
-          <p:nvPr/>
-        </p:nvPicPr>
-        <p:blipFill>
-          <a:blip r:embed="rId2"/>
-          <a:stretch>
-            <a:fillRect/>
-          </a:stretch>
-        </p:blipFill>
-        <p:spPr>
-          <a:xfrm>
-            <a:off x="738235" y="1743777"/>
-            <a:ext cx="6108700" cy="4330700"/>
-          </a:xfrm>
-          <a:prstGeom prst="rect">
-            <a:avLst/>
-          </a:prstGeom>
-        </p:spPr>
-      </p:pic>
-      <p:pic>
-        <p:nvPicPr>
-          <p:cNvPr id="9" name="Picture 8">
-            <a:extLst>
-              <a:ext uri="{FF2B5EF4-FFF2-40B4-BE49-F238E27FC236}">
-                <a16:creationId xmlns:a16="http://schemas.microsoft.com/office/drawing/2014/main" id="{C556F207-61EB-2E87-8990-0D54821C0D44}"/>
-              </a:ext>
-            </a:extLst>
-          </p:cNvPr>
-          <p:cNvPicPr>
-            <a:picLocks noChangeAspect="1"/>
-          </p:cNvPicPr>
-          <p:nvPr/>
-        </p:nvPicPr>
-        <p:blipFill>
-          <a:blip r:embed="rId3"/>
-          <a:stretch>
-            <a:fillRect/>
-          </a:stretch>
-        </p:blipFill>
-        <p:spPr>
-          <a:xfrm>
-            <a:off x="6941520" y="-1"/>
-            <a:ext cx="3939197" cy="6858000"/>
-          </a:xfrm>
-          <a:prstGeom prst="rect">
-            <a:avLst/>
-          </a:prstGeom>
-        </p:spPr>
-      </p:pic>
-      <p:cxnSp>
-        <p:nvCxnSpPr>
-          <p:cNvPr id="10" name="Straight Arrow Connector 9">
-            <a:extLst>
-              <a:ext uri="{FF2B5EF4-FFF2-40B4-BE49-F238E27FC236}">
-                <a16:creationId xmlns:a16="http://schemas.microsoft.com/office/drawing/2014/main" id="{DFB5810A-7657-C807-E0A9-CD3B79C1CE2E}"/>
-              </a:ext>
-            </a:extLst>
-          </p:cNvPr>
-          <p:cNvCxnSpPr>
-            <a:cxnSpLocks/>
-          </p:cNvCxnSpPr>
-          <p:nvPr/>
-        </p:nvCxnSpPr>
-        <p:spPr>
-          <a:xfrm>
-            <a:off x="2340864" y="4766209"/>
-            <a:ext cx="4602102" cy="0"/>
-          </a:xfrm>
-          <a:prstGeom prst="straightConnector1">
-            <a:avLst/>
-          </a:prstGeom>
-          <a:ln w="25400">
-            <a:solidFill>
-              <a:schemeClr val="tx1"/>
-            </a:solidFill>
-            <a:prstDash val="dash"/>
-            <a:tailEnd type="triangle"/>
-          </a:ln>
-        </p:spPr>
-        <p:style>
-          <a:lnRef idx="1">
-            <a:schemeClr val="accent1"/>
-          </a:lnRef>
-          <a:fillRef idx="0">
-            <a:schemeClr val="accent1"/>
-          </a:fillRef>
-          <a:effectRef idx="0">
-            <a:schemeClr val="accent1"/>
-          </a:effectRef>
-          <a:fontRef idx="minor">
-            <a:schemeClr val="tx1"/>
-          </a:fontRef>
-        </p:style>
-      </p:cxnSp>
-      <p:cxnSp>
-        <p:nvCxnSpPr>
-          <p:cNvPr id="11" name="Straight Arrow Connector 10">
-            <a:extLst>
-              <a:ext uri="{FF2B5EF4-FFF2-40B4-BE49-F238E27FC236}">
-                <a16:creationId xmlns:a16="http://schemas.microsoft.com/office/drawing/2014/main" id="{443992B2-7972-7F71-3E33-BE7C0456D699}"/>
-              </a:ext>
-            </a:extLst>
-          </p:cNvPr>
-          <p:cNvCxnSpPr>
-            <a:cxnSpLocks/>
-          </p:cNvCxnSpPr>
-          <p:nvPr/>
-        </p:nvCxnSpPr>
-        <p:spPr>
-          <a:xfrm flipV="1">
-            <a:off x="2551176" y="3193441"/>
-            <a:ext cx="4391790" cy="336143"/>
-          </a:xfrm>
-          <a:prstGeom prst="straightConnector1">
-            <a:avLst/>
-          </a:prstGeom>
-          <a:ln w="25400">
-            <a:solidFill>
-              <a:schemeClr val="tx1"/>
-            </a:solidFill>
-            <a:prstDash val="dash"/>
-            <a:tailEnd type="triangle"/>
-          </a:ln>
-        </p:spPr>
-        <p:style>
-          <a:lnRef idx="1">
-            <a:schemeClr val="accent1"/>
-          </a:lnRef>
-          <a:fillRef idx="0">
-            <a:schemeClr val="accent1"/>
-          </a:fillRef>
-          <a:effectRef idx="0">
-            <a:schemeClr val="accent1"/>
-          </a:effectRef>
-          <a:fontRef idx="minor">
-            <a:schemeClr val="tx1"/>
-          </a:fontRef>
-        </p:style>
-      </p:cxnSp>
-      <p:cxnSp>
-        <p:nvCxnSpPr>
-          <p:cNvPr id="12" name="Straight Arrow Connector 11">
-            <a:extLst>
-              <a:ext uri="{FF2B5EF4-FFF2-40B4-BE49-F238E27FC236}">
-                <a16:creationId xmlns:a16="http://schemas.microsoft.com/office/drawing/2014/main" id="{B9061EE1-D0F1-F9D9-8941-B0A5B988EEAF}"/>
-              </a:ext>
-            </a:extLst>
-          </p:cNvPr>
-          <p:cNvCxnSpPr>
-            <a:cxnSpLocks/>
-          </p:cNvCxnSpPr>
-          <p:nvPr/>
-        </p:nvCxnSpPr>
-        <p:spPr>
-          <a:xfrm flipV="1">
-            <a:off x="6096000" y="1158177"/>
-            <a:ext cx="846966" cy="844359"/>
-          </a:xfrm>
-          <a:prstGeom prst="straightConnector1">
-            <a:avLst/>
-          </a:prstGeom>
-          <a:ln w="25400">
-            <a:solidFill>
-              <a:schemeClr val="tx1"/>
-            </a:solidFill>
-            <a:prstDash val="dash"/>
-            <a:tailEnd type="triangle"/>
-          </a:ln>
-        </p:spPr>
-        <p:style>
-          <a:lnRef idx="1">
-            <a:schemeClr val="accent1"/>
-          </a:lnRef>
-          <a:fillRef idx="0">
-            <a:schemeClr val="accent1"/>
-          </a:fillRef>
-          <a:effectRef idx="0">
-            <a:schemeClr val="accent1"/>
-          </a:effectRef>
-          <a:fontRef idx="minor">
-            <a:schemeClr val="tx1"/>
-          </a:fontRef>
-        </p:style>
-      </p:cxnSp>
-    </p:spTree>
-    <p:extLst>
-      <p:ext uri="{BB962C8B-B14F-4D97-AF65-F5344CB8AC3E}">
-        <p14:creationId xmlns:p14="http://schemas.microsoft.com/office/powerpoint/2010/main" val="512629173"/>
-      </p:ext>
-    </p:extLst>
-  </p:cSld>
-  <p:clrMapOvr>
-    <a:masterClrMapping/>
-  </p:clrMapOvr>
-</p:sld>
-</file>
-
-<file path=ppt/slides/slide6.xml><?xml version="1.0" encoding="utf-8"?>
-<p:sld xmlns:a="http://schemas.openxmlformats.org/drawingml/2006/main" xmlns:r="http://schemas.openxmlformats.org/officeDocument/2006/relationships" xmlns:p="http://schemas.openxmlformats.org/presentationml/2006/main">
-  <p:cSld>
-    <p:spTree>
-      <p:nvGrpSpPr>
-        <p:cNvPr id="1" name=""/>
-        <p:cNvGrpSpPr/>
-        <p:nvPr/>
-      </p:nvGrpSpPr>
-      <p:grpSpPr>
-        <a:xfrm>
-          <a:off x="0" y="0"/>
-          <a:ext cx="0" cy="0"/>
-          <a:chOff x="0" y="0"/>
-          <a:chExt cx="0" cy="0"/>
-        </a:xfrm>
-      </p:grpSpPr>
-      <p:sp>
-        <p:nvSpPr>
-          <p:cNvPr id="2" name="Title 1">
-            <a:extLst>
-              <a:ext uri="{FF2B5EF4-FFF2-40B4-BE49-F238E27FC236}">
-                <a16:creationId xmlns:a16="http://schemas.microsoft.com/office/drawing/2014/main" id="{0FB4781A-87D7-177C-0998-29CDA356711F}"/>
-              </a:ext>
-            </a:extLst>
-          </p:cNvPr>
-          <p:cNvSpPr>
-            <a:spLocks noGrp="1"/>
-          </p:cNvSpPr>
-          <p:nvPr>
-            <p:ph type="title"/>
-          </p:nvPr>
-        </p:nvSpPr>
-        <p:spPr/>
-        <p:txBody>
-          <a:bodyPr/>
-          <a:lstStyle/>
-          <a:p>
-            <a:r>
-              <a:rPr lang="en-US" dirty="0"/>
-              <a:t>Backward Pumping</a:t>
-            </a:r>
-          </a:p>
-        </p:txBody>
-      </p:sp>
-      <p:sp>
-        <p:nvSpPr>
-          <p:cNvPr id="3" name="Slide Number Placeholder 2">
-            <a:extLst>
-              <a:ext uri="{FF2B5EF4-FFF2-40B4-BE49-F238E27FC236}">
-                <a16:creationId xmlns:a16="http://schemas.microsoft.com/office/drawing/2014/main" id="{47FEB1D5-FA4A-1F5D-5F0B-0F8E2C4E6FD2}"/>
-              </a:ext>
-            </a:extLst>
-          </p:cNvPr>
-          <p:cNvSpPr>
-            <a:spLocks noGrp="1"/>
-          </p:cNvSpPr>
-          <p:nvPr>
-            <p:ph type="sldNum" sz="quarter" idx="12"/>
-          </p:nvPr>
-        </p:nvSpPr>
-        <p:spPr/>
-        <p:txBody>
-          <a:bodyPr/>
-          <a:lstStyle/>
-          <a:p>
-            <a:fld id="{B9982081-D51A-40C8-8A41-6498517A0DD4}" type="slidenum">
-              <a:rPr lang="en-US" smtClean="0"/>
-              <a:t>6</a:t>
-            </a:fld>
-            <a:endParaRPr lang="en-US"/>
-          </a:p>
-        </p:txBody>
-      </p:sp>
-      <p:pic>
-        <p:nvPicPr>
-          <p:cNvPr id="4" name="Picture 3">
-            <a:extLst>
-              <a:ext uri="{FF2B5EF4-FFF2-40B4-BE49-F238E27FC236}">
-                <a16:creationId xmlns:a16="http://schemas.microsoft.com/office/drawing/2014/main" id="{87DC9BC0-34BF-EA8D-BEF1-C0E12A6286DF}"/>
-              </a:ext>
-            </a:extLst>
-          </p:cNvPr>
-          <p:cNvPicPr>
-            <a:picLocks noChangeAspect="1"/>
-          </p:cNvPicPr>
-          <p:nvPr/>
-        </p:nvPicPr>
-        <p:blipFill>
-          <a:blip r:embed="rId2"/>
-          <a:stretch>
-            <a:fillRect/>
-          </a:stretch>
-        </p:blipFill>
-        <p:spPr>
-          <a:xfrm>
-            <a:off x="738235" y="1743777"/>
-            <a:ext cx="6108700" cy="4330700"/>
-          </a:xfrm>
-          <a:prstGeom prst="rect">
-            <a:avLst/>
-          </a:prstGeom>
-        </p:spPr>
-      </p:pic>
-      <p:grpSp>
-        <p:nvGrpSpPr>
-          <p:cNvPr id="9" name="Group 8">
-            <a:extLst>
-              <a:ext uri="{FF2B5EF4-FFF2-40B4-BE49-F238E27FC236}">
-                <a16:creationId xmlns:a16="http://schemas.microsoft.com/office/drawing/2014/main" id="{2F62ABB0-406D-A670-6FF4-A34DE657E0FA}"/>
-              </a:ext>
-            </a:extLst>
-          </p:cNvPr>
-          <p:cNvGrpSpPr/>
-          <p:nvPr/>
-        </p:nvGrpSpPr>
-        <p:grpSpPr>
-          <a:xfrm>
-            <a:off x="7494396" y="-26682"/>
-            <a:ext cx="2818977" cy="6858000"/>
-            <a:chOff x="14779256" y="-5406461"/>
-            <a:chExt cx="7776315" cy="18918199"/>
-          </a:xfrm>
-        </p:grpSpPr>
-        <p:pic>
-          <p:nvPicPr>
-            <p:cNvPr id="10" name="Picture 9">
-              <a:extLst>
-                <a:ext uri="{FF2B5EF4-FFF2-40B4-BE49-F238E27FC236}">
-                  <a16:creationId xmlns:a16="http://schemas.microsoft.com/office/drawing/2014/main" id="{3B3171FF-DD4A-CE2D-6338-60A28C94EFAB}"/>
-                </a:ext>
-              </a:extLst>
-            </p:cNvPr>
-            <p:cNvPicPr>
-              <a:picLocks noChangeAspect="1"/>
-            </p:cNvPicPr>
-            <p:nvPr/>
-          </p:nvPicPr>
-          <p:blipFill>
-            <a:blip r:embed="rId3"/>
-            <a:stretch>
-              <a:fillRect/>
-            </a:stretch>
-          </p:blipFill>
-          <p:spPr>
-            <a:xfrm>
-              <a:off x="14779256" y="-5406461"/>
-              <a:ext cx="7769053" cy="6300216"/>
-            </a:xfrm>
-            <a:prstGeom prst="rect">
-              <a:avLst/>
-            </a:prstGeom>
-          </p:spPr>
-        </p:pic>
-        <p:pic>
-          <p:nvPicPr>
-            <p:cNvPr id="11" name="Picture 10">
-              <a:extLst>
-                <a:ext uri="{FF2B5EF4-FFF2-40B4-BE49-F238E27FC236}">
-                  <a16:creationId xmlns:a16="http://schemas.microsoft.com/office/drawing/2014/main" id="{5F2A90C1-9BF1-903A-FFB4-1D94D50B546B}"/>
-                </a:ext>
-              </a:extLst>
-            </p:cNvPr>
-            <p:cNvPicPr>
-              <a:picLocks noChangeAspect="1"/>
-            </p:cNvPicPr>
-            <p:nvPr/>
-          </p:nvPicPr>
-          <p:blipFill>
-            <a:blip r:embed="rId4"/>
-            <a:stretch>
-              <a:fillRect/>
-            </a:stretch>
-          </p:blipFill>
-          <p:spPr>
-            <a:xfrm>
-              <a:off x="14779256" y="893755"/>
-              <a:ext cx="7772400" cy="6372631"/>
-            </a:xfrm>
-            <a:prstGeom prst="rect">
-              <a:avLst/>
-            </a:prstGeom>
-          </p:spPr>
-        </p:pic>
-        <p:pic>
-          <p:nvPicPr>
-            <p:cNvPr id="12" name="Picture 11">
-              <a:extLst>
-                <a:ext uri="{FF2B5EF4-FFF2-40B4-BE49-F238E27FC236}">
-                  <a16:creationId xmlns:a16="http://schemas.microsoft.com/office/drawing/2014/main" id="{7C964EF6-BCE9-2201-476C-8B6D1E7EE6F3}"/>
-                </a:ext>
-              </a:extLst>
-            </p:cNvPr>
-            <p:cNvPicPr>
-              <a:picLocks noChangeAspect="1"/>
-            </p:cNvPicPr>
-            <p:nvPr/>
-          </p:nvPicPr>
-          <p:blipFill>
-            <a:blip r:embed="rId5"/>
-            <a:stretch>
-              <a:fillRect/>
-            </a:stretch>
-          </p:blipFill>
-          <p:spPr>
-            <a:xfrm>
-              <a:off x="14779256" y="7266386"/>
-              <a:ext cx="7776315" cy="6245352"/>
-            </a:xfrm>
-            <a:prstGeom prst="rect">
-              <a:avLst/>
-            </a:prstGeom>
-          </p:spPr>
-        </p:pic>
-      </p:grpSp>
-      <p:cxnSp>
-        <p:nvCxnSpPr>
-          <p:cNvPr id="13" name="Straight Arrow Connector 12">
-            <a:extLst>
-              <a:ext uri="{FF2B5EF4-FFF2-40B4-BE49-F238E27FC236}">
-                <a16:creationId xmlns:a16="http://schemas.microsoft.com/office/drawing/2014/main" id="{6876179D-C6F5-22EF-2E11-90F5E3FD8B7A}"/>
-              </a:ext>
-            </a:extLst>
-          </p:cNvPr>
-          <p:cNvCxnSpPr>
-            <a:cxnSpLocks/>
-          </p:cNvCxnSpPr>
-          <p:nvPr/>
-        </p:nvCxnSpPr>
-        <p:spPr>
-          <a:xfrm>
-            <a:off x="2340864" y="4766209"/>
-            <a:ext cx="4602102" cy="0"/>
-          </a:xfrm>
-          <a:prstGeom prst="straightConnector1">
-            <a:avLst/>
-          </a:prstGeom>
-          <a:ln w="25400">
-            <a:solidFill>
-              <a:schemeClr val="tx1"/>
-            </a:solidFill>
-            <a:prstDash val="dash"/>
-            <a:tailEnd type="triangle"/>
-          </a:ln>
-        </p:spPr>
-        <p:style>
-          <a:lnRef idx="1">
-            <a:schemeClr val="accent1"/>
-          </a:lnRef>
-          <a:fillRef idx="0">
-            <a:schemeClr val="accent1"/>
-          </a:fillRef>
-          <a:effectRef idx="0">
-            <a:schemeClr val="accent1"/>
-          </a:effectRef>
-          <a:fontRef idx="minor">
-            <a:schemeClr val="tx1"/>
-          </a:fontRef>
-        </p:style>
-      </p:cxnSp>
-      <p:cxnSp>
-        <p:nvCxnSpPr>
-          <p:cNvPr id="14" name="Straight Arrow Connector 13">
-            <a:extLst>
-              <a:ext uri="{FF2B5EF4-FFF2-40B4-BE49-F238E27FC236}">
-                <a16:creationId xmlns:a16="http://schemas.microsoft.com/office/drawing/2014/main" id="{5053D68F-D0A5-D256-E716-3441AA66C878}"/>
-              </a:ext>
-            </a:extLst>
-          </p:cNvPr>
-          <p:cNvCxnSpPr>
-            <a:cxnSpLocks/>
-          </p:cNvCxnSpPr>
-          <p:nvPr/>
-        </p:nvCxnSpPr>
-        <p:spPr>
-          <a:xfrm flipV="1">
-            <a:off x="2551176" y="3193441"/>
-            <a:ext cx="4391790" cy="336143"/>
-          </a:xfrm>
-          <a:prstGeom prst="straightConnector1">
-            <a:avLst/>
-          </a:prstGeom>
-          <a:ln w="25400">
-            <a:solidFill>
-              <a:schemeClr val="tx1"/>
-            </a:solidFill>
-            <a:prstDash val="dash"/>
-            <a:tailEnd type="triangle"/>
-          </a:ln>
-        </p:spPr>
-        <p:style>
-          <a:lnRef idx="1">
-            <a:schemeClr val="accent1"/>
-          </a:lnRef>
-          <a:fillRef idx="0">
-            <a:schemeClr val="accent1"/>
-          </a:fillRef>
-          <a:effectRef idx="0">
-            <a:schemeClr val="accent1"/>
-          </a:effectRef>
-          <a:fontRef idx="minor">
-            <a:schemeClr val="tx1"/>
-          </a:fontRef>
-        </p:style>
-      </p:cxnSp>
-      <p:cxnSp>
-        <p:nvCxnSpPr>
-          <p:cNvPr id="15" name="Straight Arrow Connector 14">
-            <a:extLst>
-              <a:ext uri="{FF2B5EF4-FFF2-40B4-BE49-F238E27FC236}">
-                <a16:creationId xmlns:a16="http://schemas.microsoft.com/office/drawing/2014/main" id="{88A7C9EB-D792-CACE-EF1D-82B13100E0DB}"/>
-              </a:ext>
-            </a:extLst>
-          </p:cNvPr>
-          <p:cNvCxnSpPr>
-            <a:cxnSpLocks/>
-          </p:cNvCxnSpPr>
-          <p:nvPr/>
-        </p:nvCxnSpPr>
-        <p:spPr>
-          <a:xfrm flipV="1">
-            <a:off x="6096000" y="1158177"/>
-            <a:ext cx="846966" cy="844359"/>
-          </a:xfrm>
-          <a:prstGeom prst="straightConnector1">
-            <a:avLst/>
-          </a:prstGeom>
-          <a:ln w="25400">
-            <a:solidFill>
-              <a:schemeClr val="tx1"/>
-            </a:solidFill>
-            <a:prstDash val="dash"/>
-            <a:tailEnd type="triangle"/>
-          </a:ln>
-        </p:spPr>
-        <p:style>
-          <a:lnRef idx="1">
-            <a:schemeClr val="accent1"/>
-          </a:lnRef>
-          <a:fillRef idx="0">
-            <a:schemeClr val="accent1"/>
-          </a:fillRef>
-          <a:effectRef idx="0">
-            <a:schemeClr val="accent1"/>
-          </a:effectRef>
-          <a:fontRef idx="minor">
-            <a:schemeClr val="tx1"/>
-          </a:fontRef>
-        </p:style>
-      </p:cxnSp>
-    </p:spTree>
-    <p:extLst>
-      <p:ext uri="{BB962C8B-B14F-4D97-AF65-F5344CB8AC3E}">
-        <p14:creationId xmlns:p14="http://schemas.microsoft.com/office/powerpoint/2010/main" val="285692881"/>
-      </p:ext>
-    </p:extLst>
-  </p:cSld>
-  <p:clrMapOvr>
-    <a:masterClrMapping/>
-  </p:clrMapOvr>
-</p:sld>
-</file>
-
-<file path=ppt/slides/slide7.xml><?xml version="1.0" encoding="utf-8"?>
-<p:sld xmlns:a="http://schemas.openxmlformats.org/drawingml/2006/main" xmlns:r="http://schemas.openxmlformats.org/officeDocument/2006/relationships" xmlns:p="http://schemas.openxmlformats.org/presentationml/2006/main">
-  <p:cSld>
-    <p:spTree>
-      <p:nvGrpSpPr>
-        <p:cNvPr id="1" name=""/>
-        <p:cNvGrpSpPr/>
-        <p:nvPr/>
-      </p:nvGrpSpPr>
-      <p:grpSpPr>
-        <a:xfrm>
-          <a:off x="0" y="0"/>
-          <a:ext cx="0" cy="0"/>
-          <a:chOff x="0" y="0"/>
-          <a:chExt cx="0" cy="0"/>
-        </a:xfrm>
-      </p:grpSpPr>
-      <p:sp>
-        <p:nvSpPr>
-          <p:cNvPr id="2" name="Title 1">
-            <a:extLst>
-              <a:ext uri="{FF2B5EF4-FFF2-40B4-BE49-F238E27FC236}">
-                <a16:creationId xmlns:a16="http://schemas.microsoft.com/office/drawing/2014/main" id="{24C37E4A-2006-2F3A-7CEF-C1B5E0307F4A}"/>
-              </a:ext>
-            </a:extLst>
-          </p:cNvPr>
-          <p:cNvSpPr>
-            <a:spLocks noGrp="1"/>
-          </p:cNvSpPr>
-          <p:nvPr>
-            <p:ph type="title"/>
-          </p:nvPr>
-        </p:nvSpPr>
-        <p:spPr/>
-        <p:txBody>
-          <a:bodyPr/>
-          <a:lstStyle/>
-          <a:p>
-            <a:r>
-              <a:rPr lang="en-US" dirty="0" err="1"/>
-              <a:t>Fwd</a:t>
-            </a:r>
-            <a:r>
-              <a:rPr lang="en-US" dirty="0"/>
-              <a:t> + </a:t>
-            </a:r>
-            <a:r>
-              <a:rPr lang="en-US" dirty="0" err="1"/>
-              <a:t>Bckwd</a:t>
-            </a:r>
-            <a:r>
-              <a:rPr lang="en-US" dirty="0"/>
-              <a:t> Pumping</a:t>
-            </a:r>
-          </a:p>
-        </p:txBody>
-      </p:sp>
-      <p:sp>
-        <p:nvSpPr>
-          <p:cNvPr id="3" name="Slide Number Placeholder 2">
-            <a:extLst>
-              <a:ext uri="{FF2B5EF4-FFF2-40B4-BE49-F238E27FC236}">
-                <a16:creationId xmlns:a16="http://schemas.microsoft.com/office/drawing/2014/main" id="{0569D8B0-4AD7-AE0B-1C6E-2AA8E5B09F19}"/>
-              </a:ext>
-            </a:extLst>
-          </p:cNvPr>
-          <p:cNvSpPr>
-            <a:spLocks noGrp="1"/>
-          </p:cNvSpPr>
-          <p:nvPr>
-            <p:ph type="sldNum" sz="quarter" idx="12"/>
-          </p:nvPr>
-        </p:nvSpPr>
-        <p:spPr/>
-        <p:txBody>
-          <a:bodyPr/>
-          <a:lstStyle/>
-          <a:p>
-            <a:fld id="{B9982081-D51A-40C8-8A41-6498517A0DD4}" type="slidenum">
-              <a:rPr lang="en-US" smtClean="0"/>
-              <a:t>7</a:t>
-            </a:fld>
-            <a:endParaRPr lang="en-US"/>
-          </a:p>
-        </p:txBody>
-      </p:sp>
-      <p:pic>
-        <p:nvPicPr>
-          <p:cNvPr id="5" name="Picture 4">
-            <a:extLst>
-              <a:ext uri="{FF2B5EF4-FFF2-40B4-BE49-F238E27FC236}">
-                <a16:creationId xmlns:a16="http://schemas.microsoft.com/office/drawing/2014/main" id="{5DC714BC-588E-CFB1-E3A4-8D21BA3D6FF3}"/>
-              </a:ext>
-            </a:extLst>
-          </p:cNvPr>
-          <p:cNvPicPr>
-            <a:picLocks noChangeAspect="1"/>
-          </p:cNvPicPr>
-          <p:nvPr/>
-        </p:nvPicPr>
-        <p:blipFill>
-          <a:blip r:embed="rId2"/>
-          <a:stretch>
-            <a:fillRect/>
-          </a:stretch>
-        </p:blipFill>
-        <p:spPr>
-          <a:xfrm>
-            <a:off x="987628" y="1627081"/>
-            <a:ext cx="5955338" cy="4564091"/>
-          </a:xfrm>
-          <a:prstGeom prst="rect">
-            <a:avLst/>
-          </a:prstGeom>
-        </p:spPr>
-      </p:pic>
-      <p:pic>
-        <p:nvPicPr>
-          <p:cNvPr id="6" name="Picture 5">
-            <a:extLst>
-              <a:ext uri="{FF2B5EF4-FFF2-40B4-BE49-F238E27FC236}">
-                <a16:creationId xmlns:a16="http://schemas.microsoft.com/office/drawing/2014/main" id="{F73C2E6B-F99A-FA99-4757-1BA9A7C6F3DA}"/>
-              </a:ext>
-            </a:extLst>
-          </p:cNvPr>
-          <p:cNvPicPr>
-            <a:picLocks noChangeAspect="1"/>
-          </p:cNvPicPr>
-          <p:nvPr/>
-        </p:nvPicPr>
-        <p:blipFill>
-          <a:blip r:embed="rId3"/>
-          <a:stretch>
-            <a:fillRect/>
-          </a:stretch>
-        </p:blipFill>
-        <p:spPr>
-          <a:xfrm>
-            <a:off x="7019192" y="-1"/>
-            <a:ext cx="3780692" cy="6858000"/>
-          </a:xfrm>
-          <a:prstGeom prst="rect">
-            <a:avLst/>
-          </a:prstGeom>
-        </p:spPr>
-      </p:pic>
-      <p:cxnSp>
-        <p:nvCxnSpPr>
-          <p:cNvPr id="7" name="Straight Arrow Connector 6">
-            <a:extLst>
-              <a:ext uri="{FF2B5EF4-FFF2-40B4-BE49-F238E27FC236}">
-                <a16:creationId xmlns:a16="http://schemas.microsoft.com/office/drawing/2014/main" id="{5D697AC0-97FB-F844-AEF7-A9470CB8AE50}"/>
-              </a:ext>
-            </a:extLst>
-          </p:cNvPr>
-          <p:cNvCxnSpPr>
-            <a:cxnSpLocks/>
-          </p:cNvCxnSpPr>
-          <p:nvPr/>
-        </p:nvCxnSpPr>
-        <p:spPr>
-          <a:xfrm flipV="1">
-            <a:off x="2271713" y="4766209"/>
-            <a:ext cx="4671253" cy="291566"/>
-          </a:xfrm>
-          <a:prstGeom prst="straightConnector1">
-            <a:avLst/>
-          </a:prstGeom>
-          <a:ln w="25400">
-            <a:solidFill>
-              <a:schemeClr val="tx1"/>
-            </a:solidFill>
-            <a:prstDash val="dash"/>
-            <a:tailEnd type="triangle"/>
-          </a:ln>
-        </p:spPr>
-        <p:style>
-          <a:lnRef idx="1">
-            <a:schemeClr val="accent1"/>
-          </a:lnRef>
-          <a:fillRef idx="0">
-            <a:schemeClr val="accent1"/>
-          </a:fillRef>
-          <a:effectRef idx="0">
-            <a:schemeClr val="accent1"/>
-          </a:effectRef>
-          <a:fontRef idx="minor">
-            <a:schemeClr val="tx1"/>
-          </a:fontRef>
-        </p:style>
-      </p:cxnSp>
-      <p:cxnSp>
-        <p:nvCxnSpPr>
-          <p:cNvPr id="8" name="Straight Arrow Connector 7">
-            <a:extLst>
-              <a:ext uri="{FF2B5EF4-FFF2-40B4-BE49-F238E27FC236}">
-                <a16:creationId xmlns:a16="http://schemas.microsoft.com/office/drawing/2014/main" id="{061BEFDE-10B2-379A-3029-18A1EE777A24}"/>
-              </a:ext>
-            </a:extLst>
-          </p:cNvPr>
-          <p:cNvCxnSpPr>
-            <a:cxnSpLocks/>
-          </p:cNvCxnSpPr>
-          <p:nvPr/>
-        </p:nvCxnSpPr>
-        <p:spPr>
-          <a:xfrm flipV="1">
-            <a:off x="2414588" y="3193441"/>
-            <a:ext cx="4528378" cy="492734"/>
-          </a:xfrm>
-          <a:prstGeom prst="straightConnector1">
-            <a:avLst/>
-          </a:prstGeom>
-          <a:ln w="25400">
-            <a:solidFill>
-              <a:schemeClr val="tx1"/>
-            </a:solidFill>
-            <a:prstDash val="dash"/>
-            <a:tailEnd type="triangle"/>
-          </a:ln>
-        </p:spPr>
-        <p:style>
-          <a:lnRef idx="1">
-            <a:schemeClr val="accent1"/>
-          </a:lnRef>
-          <a:fillRef idx="0">
-            <a:schemeClr val="accent1"/>
-          </a:fillRef>
-          <a:effectRef idx="0">
-            <a:schemeClr val="accent1"/>
-          </a:effectRef>
-          <a:fontRef idx="minor">
-            <a:schemeClr val="tx1"/>
-          </a:fontRef>
-        </p:style>
-      </p:cxnSp>
-      <p:cxnSp>
-        <p:nvCxnSpPr>
-          <p:cNvPr id="9" name="Straight Arrow Connector 8">
-            <a:extLst>
-              <a:ext uri="{FF2B5EF4-FFF2-40B4-BE49-F238E27FC236}">
-                <a16:creationId xmlns:a16="http://schemas.microsoft.com/office/drawing/2014/main" id="{31467DF2-3651-6600-6760-A13AF371F7A1}"/>
-              </a:ext>
-            </a:extLst>
-          </p:cNvPr>
-          <p:cNvCxnSpPr>
-            <a:cxnSpLocks/>
-          </p:cNvCxnSpPr>
-          <p:nvPr/>
-        </p:nvCxnSpPr>
-        <p:spPr>
-          <a:xfrm flipV="1">
-            <a:off x="6315075" y="1158177"/>
-            <a:ext cx="627891" cy="727773"/>
-          </a:xfrm>
-          <a:prstGeom prst="straightConnector1">
-            <a:avLst/>
-          </a:prstGeom>
-          <a:ln w="25400">
-            <a:solidFill>
-              <a:schemeClr val="tx1"/>
-            </a:solidFill>
-            <a:prstDash val="dash"/>
-            <a:tailEnd type="triangle"/>
-          </a:ln>
-        </p:spPr>
-        <p:style>
-          <a:lnRef idx="1">
-            <a:schemeClr val="accent1"/>
-          </a:lnRef>
-          <a:fillRef idx="0">
-            <a:schemeClr val="accent1"/>
-          </a:fillRef>
-          <a:effectRef idx="0">
-            <a:schemeClr val="accent1"/>
-          </a:effectRef>
-          <a:fontRef idx="minor">
-            <a:schemeClr val="tx1"/>
-          </a:fontRef>
-        </p:style>
-      </p:cxnSp>
-    </p:spTree>
-    <p:extLst>
-      <p:ext uri="{BB962C8B-B14F-4D97-AF65-F5344CB8AC3E}">
-        <p14:creationId xmlns:p14="http://schemas.microsoft.com/office/powerpoint/2010/main" val="3770553687"/>
-      </p:ext>
-    </p:extLst>
-  </p:cSld>
-  <p:clrMapOvr>
-    <a:masterClrMapping/>
-  </p:clrMapOvr>
-</p:sld>
-</file>
-
-<file path=ppt/slides/slide8.xml><?xml version="1.0" encoding="utf-8"?>
-<p:sld xmlns:a="http://schemas.openxmlformats.org/drawingml/2006/main" xmlns:r="http://schemas.openxmlformats.org/officeDocument/2006/relationships" xmlns:p="http://schemas.openxmlformats.org/presentationml/2006/main">
-  <p:cSld>
-    <p:spTree>
-      <p:nvGrpSpPr>
-        <p:cNvPr id="1" name=""/>
-        <p:cNvGrpSpPr/>
-        <p:nvPr/>
-      </p:nvGrpSpPr>
-      <p:grpSpPr>
-        <a:xfrm>
-          <a:off x="0" y="0"/>
-          <a:ext cx="0" cy="0"/>
-          <a:chOff x="0" y="0"/>
-          <a:chExt cx="0" cy="0"/>
-        </a:xfrm>
-      </p:grpSpPr>
-      <p:sp>
-        <p:nvSpPr>
-          <p:cNvPr id="2" name="Title 1">
-            <a:extLst>
-              <a:ext uri="{FF2B5EF4-FFF2-40B4-BE49-F238E27FC236}">
-                <a16:creationId xmlns:a16="http://schemas.microsoft.com/office/drawing/2014/main" id="{983F0DE1-5808-0EE3-9C2C-BD2DF09FD3C0}"/>
-              </a:ext>
-            </a:extLst>
-          </p:cNvPr>
-          <p:cNvSpPr>
-            <a:spLocks noGrp="1"/>
-          </p:cNvSpPr>
-          <p:nvPr>
-            <p:ph type="title"/>
-          </p:nvPr>
-        </p:nvSpPr>
-        <p:spPr/>
-        <p:txBody>
-          <a:bodyPr/>
-          <a:lstStyle/>
-          <a:p>
-            <a:r>
-              <a:rPr lang="en-US" dirty="0" err="1"/>
-              <a:t>Fwd</a:t>
-            </a:r>
-            <a:r>
-              <a:rPr lang="en-US" dirty="0"/>
-              <a:t> + </a:t>
-            </a:r>
-            <a:r>
-              <a:rPr lang="en-US" dirty="0" err="1"/>
-              <a:t>Bckwd</a:t>
-            </a:r>
-            <a:r>
-              <a:rPr lang="en-US" dirty="0"/>
-              <a:t> Pumping</a:t>
-            </a:r>
-          </a:p>
-        </p:txBody>
-      </p:sp>
-      <p:sp>
-        <p:nvSpPr>
-          <p:cNvPr id="3" name="Slide Number Placeholder 2">
-            <a:extLst>
-              <a:ext uri="{FF2B5EF4-FFF2-40B4-BE49-F238E27FC236}">
-                <a16:creationId xmlns:a16="http://schemas.microsoft.com/office/drawing/2014/main" id="{EF0DA8C1-2B0A-60F8-6203-BBE7624F3239}"/>
-              </a:ext>
-            </a:extLst>
-          </p:cNvPr>
-          <p:cNvSpPr>
-            <a:spLocks noGrp="1"/>
-          </p:cNvSpPr>
-          <p:nvPr>
-            <p:ph type="sldNum" sz="quarter" idx="12"/>
-          </p:nvPr>
-        </p:nvSpPr>
-        <p:spPr/>
-        <p:txBody>
-          <a:bodyPr/>
-          <a:lstStyle/>
-          <a:p>
-            <a:fld id="{B9982081-D51A-40C8-8A41-6498517A0DD4}" type="slidenum">
-              <a:rPr lang="en-US" smtClean="0"/>
-              <a:t>8</a:t>
-            </a:fld>
-            <a:endParaRPr lang="en-US"/>
-          </a:p>
-        </p:txBody>
-      </p:sp>
-      <p:pic>
-        <p:nvPicPr>
-          <p:cNvPr id="4" name="Picture 3">
-            <a:extLst>
-              <a:ext uri="{FF2B5EF4-FFF2-40B4-BE49-F238E27FC236}">
-                <a16:creationId xmlns:a16="http://schemas.microsoft.com/office/drawing/2014/main" id="{6E320EDD-7A11-0ECB-0D10-34AF7A2D1545}"/>
-              </a:ext>
-            </a:extLst>
-          </p:cNvPr>
-          <p:cNvPicPr>
-            <a:picLocks noChangeAspect="1"/>
-          </p:cNvPicPr>
-          <p:nvPr/>
-        </p:nvPicPr>
-        <p:blipFill>
-          <a:blip r:embed="rId2"/>
-          <a:stretch>
-            <a:fillRect/>
-          </a:stretch>
-        </p:blipFill>
-        <p:spPr>
-          <a:xfrm>
-            <a:off x="987628" y="1627081"/>
-            <a:ext cx="5955338" cy="4564091"/>
-          </a:xfrm>
-          <a:prstGeom prst="rect">
-            <a:avLst/>
-          </a:prstGeom>
-        </p:spPr>
-      </p:pic>
-      <p:grpSp>
-        <p:nvGrpSpPr>
-          <p:cNvPr id="9" name="Group 8">
-            <a:extLst>
-              <a:ext uri="{FF2B5EF4-FFF2-40B4-BE49-F238E27FC236}">
-                <a16:creationId xmlns:a16="http://schemas.microsoft.com/office/drawing/2014/main" id="{29F180C3-740E-B9B2-A45A-8A33C9485BAC}"/>
-              </a:ext>
-            </a:extLst>
-          </p:cNvPr>
-          <p:cNvGrpSpPr/>
-          <p:nvPr/>
-        </p:nvGrpSpPr>
-        <p:grpSpPr>
-          <a:xfrm>
-            <a:off x="7371590" y="1"/>
-            <a:ext cx="3309495" cy="6858000"/>
-            <a:chOff x="6942965" y="0"/>
-            <a:chExt cx="4461418" cy="9245037"/>
-          </a:xfrm>
-        </p:grpSpPr>
-        <p:pic>
-          <p:nvPicPr>
-            <p:cNvPr id="6" name="Picture 5">
-              <a:extLst>
-                <a:ext uri="{FF2B5EF4-FFF2-40B4-BE49-F238E27FC236}">
-                  <a16:creationId xmlns:a16="http://schemas.microsoft.com/office/drawing/2014/main" id="{75243071-6264-3D85-DE59-426F75AC6919}"/>
-                </a:ext>
-              </a:extLst>
-            </p:cNvPr>
-            <p:cNvPicPr>
-              <a:picLocks noChangeAspect="1"/>
-            </p:cNvPicPr>
-            <p:nvPr/>
-          </p:nvPicPr>
-          <p:blipFill>
-            <a:blip r:embed="rId3"/>
-            <a:stretch>
-              <a:fillRect/>
-            </a:stretch>
-          </p:blipFill>
-          <p:spPr>
-            <a:xfrm>
-              <a:off x="6954049" y="0"/>
-              <a:ext cx="4399751" cy="3061253"/>
-            </a:xfrm>
-            <a:prstGeom prst="rect">
-              <a:avLst/>
-            </a:prstGeom>
-          </p:spPr>
-        </p:pic>
-        <p:pic>
-          <p:nvPicPr>
-            <p:cNvPr id="7" name="Picture 6">
-              <a:extLst>
-                <a:ext uri="{FF2B5EF4-FFF2-40B4-BE49-F238E27FC236}">
-                  <a16:creationId xmlns:a16="http://schemas.microsoft.com/office/drawing/2014/main" id="{E3416592-2FE6-E896-FB43-DE28864CB837}"/>
-                </a:ext>
-              </a:extLst>
-            </p:cNvPr>
-            <p:cNvPicPr>
-              <a:picLocks noChangeAspect="1"/>
-            </p:cNvPicPr>
-            <p:nvPr/>
-          </p:nvPicPr>
-          <p:blipFill>
-            <a:blip r:embed="rId4"/>
-            <a:stretch>
-              <a:fillRect/>
-            </a:stretch>
-          </p:blipFill>
-          <p:spPr>
-            <a:xfrm>
-              <a:off x="6942965" y="2964537"/>
-              <a:ext cx="4410835" cy="3140250"/>
-            </a:xfrm>
-            <a:prstGeom prst="rect">
-              <a:avLst/>
-            </a:prstGeom>
-          </p:spPr>
-        </p:pic>
-        <p:pic>
-          <p:nvPicPr>
-            <p:cNvPr id="8" name="Picture 7">
-              <a:extLst>
-                <a:ext uri="{FF2B5EF4-FFF2-40B4-BE49-F238E27FC236}">
-                  <a16:creationId xmlns:a16="http://schemas.microsoft.com/office/drawing/2014/main" id="{0C11DEF4-98AE-B996-05B3-E4DB14BA455A}"/>
-                </a:ext>
-              </a:extLst>
-            </p:cNvPr>
-            <p:cNvPicPr>
-              <a:picLocks noChangeAspect="1"/>
-            </p:cNvPicPr>
-            <p:nvPr/>
-          </p:nvPicPr>
-          <p:blipFill>
-            <a:blip r:embed="rId5"/>
-            <a:stretch>
-              <a:fillRect/>
-            </a:stretch>
-          </p:blipFill>
-          <p:spPr>
-            <a:xfrm>
-              <a:off x="6954049" y="6104787"/>
-              <a:ext cx="4450334" cy="3140250"/>
-            </a:xfrm>
-            <a:prstGeom prst="rect">
-              <a:avLst/>
-            </a:prstGeom>
-          </p:spPr>
-        </p:pic>
-      </p:grpSp>
-      <p:cxnSp>
-        <p:nvCxnSpPr>
-          <p:cNvPr id="10" name="Straight Arrow Connector 9">
-            <a:extLst>
-              <a:ext uri="{FF2B5EF4-FFF2-40B4-BE49-F238E27FC236}">
-                <a16:creationId xmlns:a16="http://schemas.microsoft.com/office/drawing/2014/main" id="{C5D29300-650F-1142-41B7-C6C9E14F368E}"/>
-              </a:ext>
-            </a:extLst>
-          </p:cNvPr>
-          <p:cNvCxnSpPr>
-            <a:cxnSpLocks/>
-          </p:cNvCxnSpPr>
-          <p:nvPr/>
-        </p:nvCxnSpPr>
-        <p:spPr>
-          <a:xfrm flipV="1">
-            <a:off x="2271713" y="4766209"/>
-            <a:ext cx="4671253" cy="291566"/>
-          </a:xfrm>
-          <a:prstGeom prst="straightConnector1">
-            <a:avLst/>
-          </a:prstGeom>
-          <a:ln w="25400">
-            <a:solidFill>
-              <a:schemeClr val="tx1"/>
-            </a:solidFill>
-            <a:prstDash val="dash"/>
-            <a:tailEnd type="triangle"/>
-          </a:ln>
-        </p:spPr>
-        <p:style>
-          <a:lnRef idx="1">
-            <a:schemeClr val="accent1"/>
-          </a:lnRef>
-          <a:fillRef idx="0">
-            <a:schemeClr val="accent1"/>
-          </a:fillRef>
-          <a:effectRef idx="0">
-            <a:schemeClr val="accent1"/>
-          </a:effectRef>
-          <a:fontRef idx="minor">
-            <a:schemeClr val="tx1"/>
-          </a:fontRef>
-        </p:style>
-      </p:cxnSp>
-      <p:cxnSp>
-        <p:nvCxnSpPr>
-          <p:cNvPr id="11" name="Straight Arrow Connector 10">
-            <a:extLst>
-              <a:ext uri="{FF2B5EF4-FFF2-40B4-BE49-F238E27FC236}">
-                <a16:creationId xmlns:a16="http://schemas.microsoft.com/office/drawing/2014/main" id="{9859DBCF-467C-C7A9-550B-F7D64953F54D}"/>
-              </a:ext>
-            </a:extLst>
-          </p:cNvPr>
-          <p:cNvCxnSpPr>
-            <a:cxnSpLocks/>
-          </p:cNvCxnSpPr>
-          <p:nvPr/>
-        </p:nvCxnSpPr>
-        <p:spPr>
-          <a:xfrm flipV="1">
-            <a:off x="2414588" y="3193441"/>
-            <a:ext cx="4528378" cy="492734"/>
-          </a:xfrm>
-          <a:prstGeom prst="straightConnector1">
-            <a:avLst/>
-          </a:prstGeom>
-          <a:ln w="25400">
-            <a:solidFill>
-              <a:schemeClr val="tx1"/>
-            </a:solidFill>
-            <a:prstDash val="dash"/>
-            <a:tailEnd type="triangle"/>
-          </a:ln>
-        </p:spPr>
-        <p:style>
-          <a:lnRef idx="1">
-            <a:schemeClr val="accent1"/>
-          </a:lnRef>
-          <a:fillRef idx="0">
-            <a:schemeClr val="accent1"/>
-          </a:fillRef>
-          <a:effectRef idx="0">
-            <a:schemeClr val="accent1"/>
-          </a:effectRef>
-          <a:fontRef idx="minor">
-            <a:schemeClr val="tx1"/>
-          </a:fontRef>
-        </p:style>
-      </p:cxnSp>
-      <p:cxnSp>
-        <p:nvCxnSpPr>
-          <p:cNvPr id="12" name="Straight Arrow Connector 11">
-            <a:extLst>
-              <a:ext uri="{FF2B5EF4-FFF2-40B4-BE49-F238E27FC236}">
-                <a16:creationId xmlns:a16="http://schemas.microsoft.com/office/drawing/2014/main" id="{0C345CFC-FA1E-51C8-31DB-B0373362F8AC}"/>
-              </a:ext>
-            </a:extLst>
-          </p:cNvPr>
-          <p:cNvCxnSpPr>
-            <a:cxnSpLocks/>
-          </p:cNvCxnSpPr>
-          <p:nvPr/>
-        </p:nvCxnSpPr>
-        <p:spPr>
-          <a:xfrm flipV="1">
-            <a:off x="6315075" y="1158177"/>
-            <a:ext cx="627891" cy="727773"/>
-          </a:xfrm>
-          <a:prstGeom prst="straightConnector1">
-            <a:avLst/>
-          </a:prstGeom>
-          <a:ln w="25400">
-            <a:solidFill>
-              <a:schemeClr val="tx1"/>
-            </a:solidFill>
-            <a:prstDash val="dash"/>
-            <a:tailEnd type="triangle"/>
-          </a:ln>
-        </p:spPr>
-        <p:style>
-          <a:lnRef idx="1">
-            <a:schemeClr val="accent1"/>
-          </a:lnRef>
-          <a:fillRef idx="0">
-            <a:schemeClr val="accent1"/>
-          </a:fillRef>
-          <a:effectRef idx="0">
-            <a:schemeClr val="accent1"/>
-          </a:effectRef>
-          <a:fontRef idx="minor">
-            <a:schemeClr val="tx1"/>
-          </a:fontRef>
-        </p:style>
-      </p:cxnSp>
-    </p:spTree>
-    <p:extLst>
-      <p:ext uri="{BB962C8B-B14F-4D97-AF65-F5344CB8AC3E}">
-        <p14:creationId xmlns:p14="http://schemas.microsoft.com/office/powerpoint/2010/main" val="2610779335"/>
-      </p:ext>
-    </p:extLst>
-  </p:cSld>
-  <p:clrMapOvr>
-    <a:masterClrMapping/>
-  </p:clrMapOvr>
-</p:sld>
-</file>
-
-<file path=ppt/slides/slide9.xml><?xml version="1.0" encoding="utf-8"?>
-<p:sld xmlns:a="http://schemas.openxmlformats.org/drawingml/2006/main" xmlns:r="http://schemas.openxmlformats.org/officeDocument/2006/relationships" xmlns:p="http://schemas.openxmlformats.org/presentationml/2006/main">
-  <p:cSld>
-    <p:spTree>
-      <p:nvGrpSpPr>
-        <p:cNvPr id="1" name=""/>
-        <p:cNvGrpSpPr/>
-        <p:nvPr/>
-      </p:nvGrpSpPr>
-      <p:grpSpPr>
-        <a:xfrm>
-          <a:off x="0" y="0"/>
-          <a:ext cx="0" cy="0"/>
-          <a:chOff x="0" y="0"/>
-          <a:chExt cx="0" cy="0"/>
-        </a:xfrm>
-      </p:grpSpPr>
-      <p:sp>
-        <p:nvSpPr>
-          <p:cNvPr id="2" name="Title 1">
-            <a:extLst>
-              <a:ext uri="{FF2B5EF4-FFF2-40B4-BE49-F238E27FC236}">
-                <a16:creationId xmlns:a16="http://schemas.microsoft.com/office/drawing/2014/main" id="{F5F56F47-D224-B3A6-7075-C606E866625F}"/>
-              </a:ext>
-            </a:extLst>
-          </p:cNvPr>
-          <p:cNvSpPr>
-            <a:spLocks noGrp="1"/>
-          </p:cNvSpPr>
-          <p:nvPr>
-            <p:ph type="title"/>
-          </p:nvPr>
-        </p:nvSpPr>
-        <p:spPr/>
-        <p:txBody>
-          <a:bodyPr/>
-          <a:lstStyle/>
-          <a:p>
-            <a:r>
-              <a:rPr lang="en-US" dirty="0"/>
-              <a:t>Things to Note</a:t>
-            </a:r>
-          </a:p>
-        </p:txBody>
-      </p:sp>
-      <p:sp>
-        <p:nvSpPr>
-          <p:cNvPr id="3" name="Slide Number Placeholder 2">
-            <a:extLst>
-              <a:ext uri="{FF2B5EF4-FFF2-40B4-BE49-F238E27FC236}">
-                <a16:creationId xmlns:a16="http://schemas.microsoft.com/office/drawing/2014/main" id="{2D291511-20D6-137E-24C5-2A984480C31D}"/>
-              </a:ext>
-            </a:extLst>
-          </p:cNvPr>
-          <p:cNvSpPr>
-            <a:spLocks noGrp="1"/>
-          </p:cNvSpPr>
-          <p:nvPr>
-            <p:ph type="sldNum" sz="quarter" idx="12"/>
-          </p:nvPr>
-        </p:nvSpPr>
-        <p:spPr/>
-        <p:txBody>
-          <a:bodyPr/>
-          <a:lstStyle/>
-          <a:p>
-            <a:fld id="{B9982081-D51A-40C8-8A41-6498517A0DD4}" type="slidenum">
-              <a:rPr lang="en-US" smtClean="0"/>
-              <a:t>9</a:t>
-            </a:fld>
-            <a:endParaRPr lang="en-US"/>
-          </a:p>
-        </p:txBody>
-      </p:sp>
-      <p:sp>
-        <p:nvSpPr>
-          <p:cNvPr id="4" name="TextBox 3">
-            <a:extLst>
-              <a:ext uri="{FF2B5EF4-FFF2-40B4-BE49-F238E27FC236}">
-                <a16:creationId xmlns:a16="http://schemas.microsoft.com/office/drawing/2014/main" id="{3958E847-6418-AACD-BEA3-BAD9ED24A1A4}"/>
-              </a:ext>
-            </a:extLst>
-          </p:cNvPr>
-          <p:cNvSpPr txBox="1"/>
-          <p:nvPr/>
-        </p:nvSpPr>
-        <p:spPr>
-          <a:xfrm>
-            <a:off x="744466" y="1140977"/>
-            <a:ext cx="10204057" cy="2862322"/>
-          </a:xfrm>
-          <a:prstGeom prst="rect">
-            <a:avLst/>
-          </a:prstGeom>
-          <a:noFill/>
-        </p:spPr>
-        <p:txBody>
-          <a:bodyPr wrap="square" rtlCol="0">
-            <a:spAutoFit/>
-          </a:bodyPr>
-          <a:lstStyle/>
-          <a:p>
-            <a:pPr marL="285750" indent="-285750">
-              <a:buFont typeface="Arial" panose="020B0604020202020204" pitchFamily="34" charset="0"/>
-              <a:buChar char="•"/>
-            </a:pPr>
-            <a:r>
-              <a:rPr lang="en-US" dirty="0"/>
-              <a:t>The power curves more or less match what Ansys provides, so nothing alarming there</a:t>
-            </a:r>
-          </a:p>
-          <a:p>
-            <a:pPr marL="742950" lvl="1" indent="-285750">
-              <a:buFont typeface="Arial" panose="020B0604020202020204" pitchFamily="34" charset="0"/>
-              <a:buChar char="•"/>
-            </a:pPr>
-            <a:r>
-              <a:rPr lang="en-US" dirty="0"/>
-              <a:t>However, the results are unrealistic: Watt output with &lt;100 </a:t>
-            </a:r>
-            <a:r>
-              <a:rPr lang="en-US" dirty="0" err="1"/>
-              <a:t>mW</a:t>
-            </a:r>
-            <a:r>
-              <a:rPr lang="en-US" dirty="0"/>
-              <a:t> pump. I hope it’s fixed by using “correct” fiber parameters (</a:t>
-            </a:r>
-            <a:r>
-              <a:rPr lang="en-US" dirty="0" err="1"/>
-              <a:t>Nlight’s</a:t>
-            </a:r>
-            <a:r>
-              <a:rPr lang="en-US" dirty="0"/>
-              <a:t> instead of Ansys default example EDF parameters)</a:t>
-            </a:r>
-          </a:p>
-          <a:p>
-            <a:pPr marL="742950" lvl="1" indent="-285750">
-              <a:buFont typeface="Arial" panose="020B0604020202020204" pitchFamily="34" charset="0"/>
-              <a:buChar char="•"/>
-            </a:pPr>
-            <a:endParaRPr lang="en-US" dirty="0"/>
-          </a:p>
-          <a:p>
-            <a:pPr marL="285750" indent="-285750">
-              <a:buFont typeface="Arial" panose="020B0604020202020204" pitchFamily="34" charset="0"/>
-              <a:buChar char="•"/>
-            </a:pPr>
-            <a:r>
-              <a:rPr lang="en-US" dirty="0"/>
-              <a:t>I did not include ASE</a:t>
-            </a:r>
-          </a:p>
-          <a:p>
-            <a:pPr marL="742950" lvl="1" indent="-285750">
-              <a:buFont typeface="Arial" panose="020B0604020202020204" pitchFamily="34" charset="0"/>
-              <a:buChar char="•"/>
-            </a:pPr>
-            <a:r>
-              <a:rPr lang="en-US" dirty="0"/>
-              <a:t>My understanding is that ASE is basically a rise of the PSD between all the comb-lines, so if ASE is a dominant power contribution that would be bad. But I don’t know if the purpose of the simulation is to address / diagnose that kind of situation?</a:t>
-            </a:r>
-          </a:p>
-          <a:p>
-            <a:pPr marL="742950" lvl="1" indent="-285750">
-              <a:buFont typeface="Arial" panose="020B0604020202020204" pitchFamily="34" charset="0"/>
-              <a:buChar char="•"/>
-            </a:pPr>
-            <a:endParaRPr lang="en-US" dirty="0"/>
-          </a:p>
-          <a:p>
-            <a:pPr marL="285750" indent="-285750">
-              <a:buFont typeface="Arial" panose="020B0604020202020204" pitchFamily="34" charset="0"/>
-              <a:buChar char="•"/>
-            </a:pPr>
-            <a:r>
-              <a:rPr lang="en-US" dirty="0"/>
-              <a:t>Did not include counter-propagating pulses, that is the next step.</a:t>
-            </a:r>
-          </a:p>
-        </p:txBody>
-      </p:sp>
-    </p:spTree>
-    <p:extLst>
-      <p:ext uri="{BB962C8B-B14F-4D97-AF65-F5344CB8AC3E}">
-        <p14:creationId xmlns:p14="http://schemas.microsoft.com/office/powerpoint/2010/main" val="1390085138"/>
+        <p14:creationId xmlns:p14="http://schemas.microsoft.com/office/powerpoint/2010/main" val="1775009256"/>
       </p:ext>
     </p:extLst>
   </p:cSld>

--- a/memo.pptx
+++ b/memo.pptx
@@ -5,13 +5,15 @@
     <p:sldMasterId id="2147483648" r:id="rId1"/>
   </p:sldMasterIdLst>
   <p:notesMasterIdLst>
-    <p:notesMasterId r:id="rId6"/>
+    <p:notesMasterId r:id="rId8"/>
   </p:notesMasterIdLst>
   <p:sldIdLst>
     <p:sldId id="263" r:id="rId2"/>
     <p:sldId id="261" r:id="rId3"/>
     <p:sldId id="269" r:id="rId4"/>
     <p:sldId id="270" r:id="rId5"/>
+    <p:sldId id="272" r:id="rId6"/>
+    <p:sldId id="273" r:id="rId7"/>
   </p:sldIdLst>
   <p:sldSz cx="12192000" cy="6858000"/>
   <p:notesSz cx="6858000" cy="9144000"/>
@@ -200,7 +202,7 @@
           <a:p>
             <a:fld id="{95F362A7-A475-4602-906F-9130A1178AB1}" type="datetimeFigureOut">
               <a:rPr lang="en-US" smtClean="0"/>
-              <a:t>10/13/23</a:t>
+              <a:t>10/20/23</a:t>
             </a:fld>
             <a:endParaRPr lang="en-US"/>
           </a:p>
@@ -614,7 +616,7 @@
           <a:p>
             <a:fld id="{0D38F60B-329E-45AD-8EBB-D3927E357EB0}" type="datetime1">
               <a:rPr lang="en-US" smtClean="0"/>
-              <a:t>10/13/23</a:t>
+              <a:t>10/20/23</a:t>
             </a:fld>
             <a:endParaRPr lang="en-US"/>
           </a:p>
@@ -812,7 +814,7 @@
           <a:p>
             <a:fld id="{7644A20D-A245-4F10-84F9-51D5FC950958}" type="datetime1">
               <a:rPr lang="en-US" smtClean="0"/>
-              <a:t>10/13/23</a:t>
+              <a:t>10/20/23</a:t>
             </a:fld>
             <a:endParaRPr lang="en-US"/>
           </a:p>
@@ -1020,7 +1022,7 @@
           <a:p>
             <a:fld id="{9356318C-5F0D-4B43-96EA-F1352008C9B8}" type="datetime1">
               <a:rPr lang="en-US" smtClean="0"/>
-              <a:t>10/13/23</a:t>
+              <a:t>10/20/23</a:t>
             </a:fld>
             <a:endParaRPr lang="en-US"/>
           </a:p>
@@ -1228,7 +1230,7 @@
           <a:p>
             <a:fld id="{F6E96621-9D08-4937-91A6-0EA3793F0F07}" type="datetime1">
               <a:rPr lang="en-US" smtClean="0"/>
-              <a:t>10/13/23</a:t>
+              <a:t>10/20/23</a:t>
             </a:fld>
             <a:endParaRPr lang="en-US"/>
           </a:p>
@@ -1503,7 +1505,7 @@
           <a:p>
             <a:fld id="{3923D620-10DF-4508-991A-B9D388A501EE}" type="datetime1">
               <a:rPr lang="en-US" smtClean="0"/>
-              <a:t>10/13/23</a:t>
+              <a:t>10/20/23</a:t>
             </a:fld>
             <a:endParaRPr lang="en-US"/>
           </a:p>
@@ -1773,7 +1775,7 @@
           <a:p>
             <a:fld id="{92FA3270-DDBA-458A-9D06-6F36A210CFF8}" type="datetime1">
               <a:rPr lang="en-US" smtClean="0"/>
-              <a:t>10/13/23</a:t>
+              <a:t>10/20/23</a:t>
             </a:fld>
             <a:endParaRPr lang="en-US"/>
           </a:p>
@@ -2185,7 +2187,7 @@
           <a:p>
             <a:fld id="{BC650ADE-7CC5-4CA4-AEFD-DD163139B1E9}" type="datetime1">
               <a:rPr lang="en-US" smtClean="0"/>
-              <a:t>10/13/23</a:t>
+              <a:t>10/20/23</a:t>
             </a:fld>
             <a:endParaRPr lang="en-US"/>
           </a:p>
@@ -2331,7 +2333,7 @@
           <a:p>
             <a:fld id="{468D9ADD-CC3F-4DEB-87EF-630A12738E73}" type="datetime1">
               <a:rPr lang="en-US" smtClean="0"/>
-              <a:t>10/13/23</a:t>
+              <a:t>10/20/23</a:t>
             </a:fld>
             <a:endParaRPr lang="en-US"/>
           </a:p>
@@ -2444,7 +2446,7 @@
           <a:p>
             <a:fld id="{EC5B69B2-D125-4E7B-AA17-A8B6ACE8892E}" type="datetime1">
               <a:rPr lang="en-US" smtClean="0"/>
-              <a:t>10/13/23</a:t>
+              <a:t>10/20/23</a:t>
             </a:fld>
             <a:endParaRPr lang="en-US"/>
           </a:p>
@@ -2755,7 +2757,7 @@
           <a:p>
             <a:fld id="{BBE08CD8-AC86-4874-9FD2-AC99DC82CF46}" type="datetime1">
               <a:rPr lang="en-US" smtClean="0"/>
-              <a:t>10/13/23</a:t>
+              <a:t>10/20/23</a:t>
             </a:fld>
             <a:endParaRPr lang="en-US"/>
           </a:p>
@@ -3046,7 +3048,7 @@
           <a:p>
             <a:fld id="{3B82CD6C-2ADC-45ED-BCAD-25C1101DE6B9}" type="datetime1">
               <a:rPr lang="en-US" smtClean="0"/>
-              <a:t>10/13/23</a:t>
+              <a:t>10/20/23</a:t>
             </a:fld>
             <a:endParaRPr lang="en-US"/>
           </a:p>
@@ -3287,7 +3289,7 @@
           <a:p>
             <a:fld id="{BCB570C2-D09B-4F14-B535-9A0AFE946BB3}" type="datetime1">
               <a:rPr lang="en-US" smtClean="0"/>
-              <a:t>10/13/23</a:t>
+              <a:t>10/20/23</a:t>
             </a:fld>
             <a:endParaRPr lang="en-US"/>
           </a:p>
@@ -7532,8 +7534,8 @@
         </p:nvSpPr>
         <p:spPr>
           <a:xfrm>
-            <a:off x="7560768" y="994917"/>
-            <a:ext cx="4082592" cy="1754326"/>
+            <a:off x="7526325" y="1473115"/>
+            <a:ext cx="3303020" cy="1477328"/>
           </a:xfrm>
           <a:prstGeom prst="rect">
             <a:avLst/>
@@ -7558,11 +7560,11 @@
             </a:pPr>
             <a:r>
               <a:rPr lang="en-US" dirty="0"/>
-              <a:t>Total doping concentration (ions / m</a:t>
+              <a:t>Absorption cross-section (m</a:t>
             </a:r>
             <a:r>
               <a:rPr lang="en-US" baseline="30000" dirty="0"/>
-              <a:t>3</a:t>
+              <a:t>2</a:t>
             </a:r>
             <a:r>
               <a:rPr lang="en-US" dirty="0"/>
@@ -7576,7 +7578,7 @@
             </a:pPr>
             <a:r>
               <a:rPr lang="en-US" dirty="0"/>
-              <a:t>Absorption cross-section (m</a:t>
+              <a:t>Emission cross-section (m</a:t>
             </a:r>
             <a:r>
               <a:rPr lang="en-US" baseline="30000" dirty="0"/>
@@ -7594,15 +7596,7 @@
             </a:pPr>
             <a:r>
               <a:rPr lang="en-US" dirty="0"/>
-              <a:t>Emission cross-section (m</a:t>
-            </a:r>
-            <a:r>
-              <a:rPr lang="en-US" baseline="30000" dirty="0"/>
-              <a:t>2</a:t>
-            </a:r>
-            <a:r>
-              <a:rPr lang="en-US" dirty="0"/>
-              <a:t>)</a:t>
+              <a:t>Fiber core size</a:t>
             </a:r>
           </a:p>
           <a:p>
@@ -7612,282 +7606,11 @@
             </a:pPr>
             <a:r>
               <a:rPr lang="en-US" dirty="0"/>
-              <a:t>Fiber core size</a:t>
-            </a:r>
-          </a:p>
-          <a:p>
-            <a:pPr marL="342900" indent="-342900">
-              <a:buFont typeface="+mj-lt"/>
-              <a:buAutoNum type="arabicPeriod"/>
-            </a:pPr>
-            <a:r>
-              <a:rPr lang="en-US" dirty="0"/>
               <a:t>Excited state lifetime</a:t>
             </a:r>
           </a:p>
         </p:txBody>
       </p:sp>
-      <mc:AlternateContent xmlns:mc="http://schemas.openxmlformats.org/markup-compatibility/2006" xmlns:a14="http://schemas.microsoft.com/office/drawing/2010/main">
-        <mc:Choice Requires="a14">
-          <p:sp>
-            <p:nvSpPr>
-              <p:cNvPr id="16" name="TextBox 15">
-                <a:extLst>
-                  <a:ext uri="{FF2B5EF4-FFF2-40B4-BE49-F238E27FC236}">
-                    <a16:creationId xmlns:a16="http://schemas.microsoft.com/office/drawing/2014/main" id="{431691A4-A96B-63F4-E224-323DEDD3739E}"/>
-                  </a:ext>
-                </a:extLst>
-              </p:cNvPr>
-              <p:cNvSpPr txBox="1"/>
-              <p:nvPr/>
-            </p:nvSpPr>
-            <p:spPr>
-              <a:xfrm>
-                <a:off x="7209997" y="2889208"/>
-                <a:ext cx="4252703" cy="1200329"/>
-              </a:xfrm>
-              <a:prstGeom prst="rect">
-                <a:avLst/>
-              </a:prstGeom>
-              <a:noFill/>
-              <a:ln w="19050">
-                <a:solidFill>
-                  <a:schemeClr val="tx1"/>
-                </a:solidFill>
-              </a:ln>
-            </p:spPr>
-            <p:txBody>
-              <a:bodyPr wrap="none" rtlCol="0">
-                <a:spAutoFit/>
-              </a:bodyPr>
-              <a:lstStyle/>
-              <a:p>
-                <a:r>
-                  <a:rPr lang="en-US" dirty="0"/>
-                  <a:t>I’m taking 1-5 from an example from Ansys:</a:t>
-                </a:r>
-              </a:p>
-              <a:p>
-                <a:pPr/>
-                <a14:m>
-                  <m:oMathPara xmlns:m="http://schemas.openxmlformats.org/officeDocument/2006/math">
-                    <m:oMathParaPr>
-                      <m:jc m:val="centerGroup"/>
-                    </m:oMathParaPr>
-                    <m:oMath xmlns:m="http://schemas.openxmlformats.org/officeDocument/2006/math">
-                      <m:r>
-                        <a:rPr lang="en-US" b="0" i="1" smtClean="0">
-                          <a:latin typeface="Cambria Math" panose="02040503050406030204" pitchFamily="18" charset="0"/>
-                        </a:rPr>
-                        <m:t>𝑛</m:t>
-                      </m:r>
-                      <m:r>
-                        <a:rPr lang="en-US" b="0" i="1" smtClean="0">
-                          <a:latin typeface="Cambria Math" panose="02040503050406030204" pitchFamily="18" charset="0"/>
-                        </a:rPr>
-                        <m:t>=7×</m:t>
-                      </m:r>
-                      <m:sSup>
-                        <m:sSupPr>
-                          <m:ctrlPr>
-                            <a:rPr lang="en-US" b="0" i="1" smtClean="0">
-                              <a:latin typeface="Cambria Math" panose="02040503050406030204" pitchFamily="18" charset="0"/>
-                            </a:rPr>
-                          </m:ctrlPr>
-                        </m:sSupPr>
-                        <m:e>
-                          <m:r>
-                            <a:rPr lang="en-US" b="0" i="1" smtClean="0">
-                              <a:latin typeface="Cambria Math" panose="02040503050406030204" pitchFamily="18" charset="0"/>
-                            </a:rPr>
-                            <m:t>10</m:t>
-                          </m:r>
-                        </m:e>
-                        <m:sup>
-                          <m:r>
-                            <a:rPr lang="en-US" b="0" i="1" smtClean="0">
-                              <a:latin typeface="Cambria Math" panose="02040503050406030204" pitchFamily="18" charset="0"/>
-                            </a:rPr>
-                            <m:t>24</m:t>
-                          </m:r>
-                        </m:sup>
-                      </m:sSup>
-                      <m:r>
-                        <a:rPr lang="en-US" b="0" i="1" smtClean="0">
-                          <a:latin typeface="Cambria Math" panose="02040503050406030204" pitchFamily="18" charset="0"/>
-                        </a:rPr>
-                        <m:t> </m:t>
-                      </m:r>
-                      <m:sSup>
-                        <m:sSupPr>
-                          <m:ctrlPr>
-                            <a:rPr lang="en-US" b="0" i="1" smtClean="0">
-                              <a:latin typeface="Cambria Math" panose="02040503050406030204" pitchFamily="18" charset="0"/>
-                            </a:rPr>
-                          </m:ctrlPr>
-                        </m:sSupPr>
-                        <m:e>
-                          <m:r>
-                            <a:rPr lang="en-US" b="0" i="1" smtClean="0">
-                              <a:latin typeface="Cambria Math" panose="02040503050406030204" pitchFamily="18" charset="0"/>
-                            </a:rPr>
-                            <m:t>𝑚</m:t>
-                          </m:r>
-                        </m:e>
-                        <m:sup>
-                          <m:r>
-                            <a:rPr lang="en-US" b="0" i="1" smtClean="0">
-                              <a:latin typeface="Cambria Math" panose="02040503050406030204" pitchFamily="18" charset="0"/>
-                            </a:rPr>
-                            <m:t>−3</m:t>
-                          </m:r>
-                        </m:sup>
-                      </m:sSup>
-                    </m:oMath>
-                  </m:oMathPara>
-                </a14:m>
-                <a:endParaRPr lang="en-US" dirty="0"/>
-              </a:p>
-              <a:p>
-                <a:pPr/>
-                <a14:m>
-                  <m:oMathPara xmlns:m="http://schemas.openxmlformats.org/officeDocument/2006/math">
-                    <m:oMathParaPr>
-                      <m:jc m:val="centerGroup"/>
-                    </m:oMathParaPr>
-                    <m:oMath xmlns:m="http://schemas.openxmlformats.org/officeDocument/2006/math">
-                      <m:sSub>
-                        <m:sSubPr>
-                          <m:ctrlPr>
-                            <a:rPr lang="en-US" b="0" i="1" smtClean="0">
-                              <a:latin typeface="Cambria Math" panose="02040503050406030204" pitchFamily="18" charset="0"/>
-                            </a:rPr>
-                          </m:ctrlPr>
-                        </m:sSubPr>
-                        <m:e>
-                          <m:r>
-                            <a:rPr lang="en-US" b="0" i="1" smtClean="0">
-                              <a:latin typeface="Cambria Math" panose="02040503050406030204" pitchFamily="18" charset="0"/>
-                            </a:rPr>
-                            <m:t>𝑟</m:t>
-                          </m:r>
-                        </m:e>
-                        <m:sub>
-                          <m:r>
-                            <a:rPr lang="en-US" b="0" i="1" smtClean="0">
-                              <a:latin typeface="Cambria Math" panose="02040503050406030204" pitchFamily="18" charset="0"/>
-                            </a:rPr>
-                            <m:t>𝑐𝑜𝑟𝑒</m:t>
-                          </m:r>
-                        </m:sub>
-                      </m:sSub>
-                      <m:r>
-                        <a:rPr lang="en-US" b="0" i="1" smtClean="0">
-                          <a:latin typeface="Cambria Math" panose="02040503050406030204" pitchFamily="18" charset="0"/>
-                        </a:rPr>
-                        <m:t>=1.05 </m:t>
-                      </m:r>
-                      <m:r>
-                        <a:rPr lang="en-US" b="0" i="1" smtClean="0">
-                          <a:latin typeface="Cambria Math" panose="02040503050406030204" pitchFamily="18" charset="0"/>
-                        </a:rPr>
-                        <m:t>𝜇</m:t>
-                      </m:r>
-                      <m:r>
-                        <a:rPr lang="en-US" b="0" i="1" smtClean="0">
-                          <a:latin typeface="Cambria Math" panose="02040503050406030204" pitchFamily="18" charset="0"/>
-                        </a:rPr>
-                        <m:t>𝑚</m:t>
-                      </m:r>
-                    </m:oMath>
-                  </m:oMathPara>
-                </a14:m>
-                <a:endParaRPr lang="en-US" dirty="0"/>
-              </a:p>
-              <a:p>
-                <a:pPr/>
-                <a14:m>
-                  <m:oMathPara xmlns:m="http://schemas.openxmlformats.org/officeDocument/2006/math">
-                    <m:oMathParaPr>
-                      <m:jc m:val="centerGroup"/>
-                    </m:oMathParaPr>
-                    <m:oMath xmlns:m="http://schemas.openxmlformats.org/officeDocument/2006/math">
-                      <m:r>
-                        <a:rPr lang="en-US" b="0" i="1" smtClean="0">
-                          <a:latin typeface="Cambria Math" panose="02040503050406030204" pitchFamily="18" charset="0"/>
-                        </a:rPr>
-                        <m:t>𝜏</m:t>
-                      </m:r>
-                      <m:r>
-                        <a:rPr lang="en-US" b="0" i="1" smtClean="0">
-                          <a:latin typeface="Cambria Math" panose="02040503050406030204" pitchFamily="18" charset="0"/>
-                        </a:rPr>
-                        <m:t>=10.2 </m:t>
-                      </m:r>
-                      <m:r>
-                        <a:rPr lang="en-US" b="0" i="1" smtClean="0">
-                          <a:latin typeface="Cambria Math" panose="02040503050406030204" pitchFamily="18" charset="0"/>
-                        </a:rPr>
-                        <m:t>𝑚𝑠</m:t>
-                      </m:r>
-                    </m:oMath>
-                  </m:oMathPara>
-                </a14:m>
-                <a:endParaRPr lang="en-US" dirty="0"/>
-              </a:p>
-            </p:txBody>
-          </p:sp>
-        </mc:Choice>
-        <mc:Fallback xmlns="">
-          <p:sp>
-            <p:nvSpPr>
-              <p:cNvPr id="16" name="TextBox 15">
-                <a:extLst>
-                  <a:ext uri="{FF2B5EF4-FFF2-40B4-BE49-F238E27FC236}">
-                    <a16:creationId xmlns:a16="http://schemas.microsoft.com/office/drawing/2014/main" id="{431691A4-A96B-63F4-E224-323DEDD3739E}"/>
-                  </a:ext>
-                </a:extLst>
-              </p:cNvPr>
-              <p:cNvSpPr txBox="1">
-                <a:spLocks noRot="1" noChangeAspect="1" noMove="1" noResize="1" noEditPoints="1" noAdjustHandles="1" noChangeArrowheads="1" noChangeShapeType="1" noTextEdit="1"/>
-              </p:cNvSpPr>
-              <p:nvPr/>
-            </p:nvSpPr>
-            <p:spPr>
-              <a:xfrm>
-                <a:off x="7209997" y="2889208"/>
-                <a:ext cx="4252703" cy="1200329"/>
-              </a:xfrm>
-              <a:prstGeom prst="rect">
-                <a:avLst/>
-              </a:prstGeom>
-              <a:blipFill>
-                <a:blip r:embed="rId6"/>
-                <a:stretch>
-                  <a:fillRect l="-1187" t="-2062" b="-3093"/>
-                </a:stretch>
-              </a:blipFill>
-              <a:ln w="19050">
-                <a:solidFill>
-                  <a:schemeClr val="tx1"/>
-                </a:solidFill>
-              </a:ln>
-            </p:spPr>
-            <p:txBody>
-              <a:bodyPr/>
-              <a:lstStyle/>
-              <a:p>
-                <a:r>
-                  <a:rPr lang="en-US">
-                    <a:noFill/>
-                  </a:rPr>
-                  <a:t> </a:t>
-                </a:r>
-              </a:p>
-            </p:txBody>
-          </p:sp>
-        </mc:Fallback>
-      </mc:AlternateContent>
       <p:pic>
         <p:nvPicPr>
           <p:cNvPr id="20" name="Picture 19">
@@ -7903,7 +7626,7 @@
           <p:nvPr/>
         </p:nvPicPr>
         <p:blipFill>
-          <a:blip r:embed="rId7"/>
+          <a:blip r:embed="rId6"/>
           <a:stretch>
             <a:fillRect/>
           </a:stretch>
@@ -8732,6 +8455,167 @@
           </a:fontRef>
         </p:style>
       </p:cxnSp>
+      <mc:AlternateContent xmlns:mc="http://schemas.openxmlformats.org/markup-compatibility/2006">
+        <mc:Choice xmlns:a14="http://schemas.microsoft.com/office/drawing/2010/main" Requires="a14">
+          <p:sp>
+            <p:nvSpPr>
+              <p:cNvPr id="7" name="TextBox 6">
+                <a:extLst>
+                  <a:ext uri="{FF2B5EF4-FFF2-40B4-BE49-F238E27FC236}">
+                    <a16:creationId xmlns:a16="http://schemas.microsoft.com/office/drawing/2014/main" id="{2786311C-0A03-6097-C308-3FA1A5195932}"/>
+                  </a:ext>
+                </a:extLst>
+              </p:cNvPr>
+              <p:cNvSpPr txBox="1"/>
+              <p:nvPr/>
+            </p:nvSpPr>
+            <p:spPr>
+              <a:xfrm>
+                <a:off x="6809671" y="3243014"/>
+                <a:ext cx="4544129" cy="374270"/>
+              </a:xfrm>
+              <a:prstGeom prst="rect">
+                <a:avLst/>
+              </a:prstGeom>
+              <a:noFill/>
+            </p:spPr>
+            <p:txBody>
+              <a:bodyPr wrap="none" rtlCol="0">
+                <a:spAutoFit/>
+              </a:bodyPr>
+              <a:lstStyle/>
+              <a:p>
+                <a14:m>
+                  <m:oMath xmlns:m="http://schemas.openxmlformats.org/officeDocument/2006/math">
+                    <m:sSup>
+                      <m:sSupPr>
+                        <m:ctrlPr>
+                          <a:rPr lang="en-US" b="0" i="1" smtClean="0">
+                            <a:latin typeface="Cambria Math" panose="02040503050406030204" pitchFamily="18" charset="0"/>
+                          </a:rPr>
+                        </m:ctrlPr>
+                      </m:sSupPr>
+                      <m:e>
+                        <m:r>
+                          <a:rPr lang="en-US" b="0" i="1" smtClean="0">
+                            <a:latin typeface="Cambria Math" panose="02040503050406030204" pitchFamily="18" charset="0"/>
+                          </a:rPr>
+                          <m:t>𝑒</m:t>
+                        </m:r>
+                      </m:e>
+                      <m:sup>
+                        <m:r>
+                          <a:rPr lang="en-US" b="0" i="1" smtClean="0">
+                            <a:latin typeface="Cambria Math" panose="02040503050406030204" pitchFamily="18" charset="0"/>
+                          </a:rPr>
+                          <m:t>−</m:t>
+                        </m:r>
+                        <m:r>
+                          <m:rPr>
+                            <m:sty m:val="p"/>
+                          </m:rPr>
+                          <a:rPr lang="en-US" b="0" i="0" smtClean="0">
+                            <a:latin typeface="Cambria Math" panose="02040503050406030204" pitchFamily="18" charset="0"/>
+                          </a:rPr>
+                          <m:t>Γ</m:t>
+                        </m:r>
+                        <m:r>
+                          <a:rPr lang="en-US" b="0" i="1" smtClean="0">
+                            <a:latin typeface="Cambria Math" panose="02040503050406030204" pitchFamily="18" charset="0"/>
+                          </a:rPr>
+                          <m:t>𝜎</m:t>
+                        </m:r>
+                        <m:r>
+                          <a:rPr lang="en-US" b="0" i="1" smtClean="0">
+                            <a:latin typeface="Cambria Math" panose="02040503050406030204" pitchFamily="18" charset="0"/>
+                          </a:rPr>
+                          <m:t>𝑛𝑧</m:t>
+                        </m:r>
+                      </m:sup>
+                    </m:sSup>
+                  </m:oMath>
+                </a14:m>
+                <a:r>
+                  <a:rPr lang="en-US" dirty="0"/>
+                  <a:t> = small signal absorption </a:t>
+                </a:r>
+                <a14:m>
+                  <m:oMath xmlns:m="http://schemas.openxmlformats.org/officeDocument/2006/math">
+                    <m:r>
+                      <a:rPr lang="en-US" b="0" i="1" smtClean="0">
+                        <a:latin typeface="Cambria Math" panose="02040503050406030204" pitchFamily="18" charset="0"/>
+                      </a:rPr>
+                      <m:t>→</m:t>
+                    </m:r>
+                  </m:oMath>
+                </a14:m>
+                <a:r>
+                  <a:rPr lang="en-US" dirty="0"/>
+                  <a:t> </a:t>
+                </a:r>
+                <a14:m>
+                  <m:oMath xmlns:m="http://schemas.openxmlformats.org/officeDocument/2006/math">
+                    <m:r>
+                      <a:rPr lang="en-US" b="0" i="1" dirty="0" smtClean="0">
+                        <a:latin typeface="Cambria Math" panose="02040503050406030204" pitchFamily="18" charset="0"/>
+                      </a:rPr>
+                      <m:t>𝑛</m:t>
+                    </m:r>
+                  </m:oMath>
+                </a14:m>
+                <a:r>
+                  <a:rPr lang="en-US" dirty="0"/>
+                  <a:t> is known</a:t>
+                </a:r>
+              </a:p>
+            </p:txBody>
+          </p:sp>
+        </mc:Choice>
+        <mc:Fallback>
+          <p:sp>
+            <p:nvSpPr>
+              <p:cNvPr id="7" name="TextBox 6">
+                <a:extLst>
+                  <a:ext uri="{FF2B5EF4-FFF2-40B4-BE49-F238E27FC236}">
+                    <a16:creationId xmlns:a16="http://schemas.microsoft.com/office/drawing/2014/main" id="{2786311C-0A03-6097-C308-3FA1A5195932}"/>
+                  </a:ext>
+                </a:extLst>
+              </p:cNvPr>
+              <p:cNvSpPr txBox="1">
+                <a:spLocks noRot="1" noChangeAspect="1" noMove="1" noResize="1" noEditPoints="1" noAdjustHandles="1" noChangeArrowheads="1" noChangeShapeType="1" noTextEdit="1"/>
+              </p:cNvSpPr>
+              <p:nvPr/>
+            </p:nvSpPr>
+            <p:spPr>
+              <a:xfrm>
+                <a:off x="6809671" y="3243014"/>
+                <a:ext cx="4544129" cy="374270"/>
+              </a:xfrm>
+              <a:prstGeom prst="rect">
+                <a:avLst/>
+              </a:prstGeom>
+              <a:blipFill>
+                <a:blip r:embed="rId12"/>
+                <a:stretch>
+                  <a:fillRect t="-6667" b="-26667"/>
+                </a:stretch>
+              </a:blipFill>
+            </p:spPr>
+            <p:txBody>
+              <a:bodyPr/>
+              <a:lstStyle/>
+              <a:p>
+                <a:r>
+                  <a:rPr lang="en-US">
+                    <a:noFill/>
+                  </a:rPr>
+                  <a:t> </a:t>
+                </a:r>
+              </a:p>
+            </p:txBody>
+          </p:sp>
+        </mc:Fallback>
+      </mc:AlternateContent>
     </p:spTree>
     <p:extLst>
       <p:ext uri="{BB962C8B-B14F-4D97-AF65-F5344CB8AC3E}">
@@ -8819,8 +8703,8 @@
           </a:p>
         </p:txBody>
       </p:sp>
-      <mc:AlternateContent xmlns:mc="http://schemas.openxmlformats.org/markup-compatibility/2006">
-        <mc:Choice xmlns:a14="http://schemas.microsoft.com/office/drawing/2010/main" Requires="a14">
+      <mc:AlternateContent xmlns:mc="http://schemas.openxmlformats.org/markup-compatibility/2006" xmlns:a14="http://schemas.microsoft.com/office/drawing/2010/main">
+        <mc:Choice Requires="a14">
           <p:sp>
             <p:nvSpPr>
               <p:cNvPr id="9" name="TextBox 8">
@@ -8905,7 +8789,7 @@
                 </a:pPr>
                 <a:r>
                   <a:rPr lang="en-US" dirty="0"/>
-                  <a:t>Starting out first with forward pumping</a:t>
+                  <a:t>Starting out first with forward pumping. Solve backward pumping with shooting method.</a:t>
                 </a:r>
               </a:p>
               <a:p>
@@ -9010,7 +8894,7 @@
             </p:txBody>
           </p:sp>
         </mc:Choice>
-        <mc:Fallback>
+        <mc:Fallback xmlns="">
           <p:sp>
             <p:nvSpPr>
               <p:cNvPr id="9" name="TextBox 8">
@@ -9216,6 +9100,526 @@
     <p:extLst>
       <p:ext uri="{BB962C8B-B14F-4D97-AF65-F5344CB8AC3E}">
         <p14:creationId xmlns:p14="http://schemas.microsoft.com/office/powerpoint/2010/main" val="1775009256"/>
+      </p:ext>
+    </p:extLst>
+  </p:cSld>
+  <p:clrMapOvr>
+    <a:masterClrMapping/>
+  </p:clrMapOvr>
+</p:sld>
+</file>
+
+<file path=ppt/slides/slide5.xml><?xml version="1.0" encoding="utf-8"?>
+<p:sld xmlns:a="http://schemas.openxmlformats.org/drawingml/2006/main" xmlns:r="http://schemas.openxmlformats.org/officeDocument/2006/relationships" xmlns:p="http://schemas.openxmlformats.org/presentationml/2006/main">
+  <p:cSld>
+    <p:spTree>
+      <p:nvGrpSpPr>
+        <p:cNvPr id="1" name=""/>
+        <p:cNvGrpSpPr/>
+        <p:nvPr/>
+      </p:nvGrpSpPr>
+      <p:grpSpPr>
+        <a:xfrm>
+          <a:off x="0" y="0"/>
+          <a:ext cx="0" cy="0"/>
+          <a:chOff x="0" y="0"/>
+          <a:chExt cx="0" cy="0"/>
+        </a:xfrm>
+      </p:grpSpPr>
+      <p:sp>
+        <p:nvSpPr>
+          <p:cNvPr id="6" name="Title 5">
+            <a:extLst>
+              <a:ext uri="{FF2B5EF4-FFF2-40B4-BE49-F238E27FC236}">
+                <a16:creationId xmlns:a16="http://schemas.microsoft.com/office/drawing/2014/main" id="{00C4124E-C7EA-DE4A-4868-7AC9A19B3CE0}"/>
+              </a:ext>
+            </a:extLst>
+          </p:cNvPr>
+          <p:cNvSpPr>
+            <a:spLocks noGrp="1"/>
+          </p:cNvSpPr>
+          <p:nvPr>
+            <p:ph type="title"/>
+          </p:nvPr>
+        </p:nvSpPr>
+        <p:spPr/>
+        <p:txBody>
+          <a:bodyPr/>
+          <a:lstStyle/>
+          <a:p>
+            <a:r>
+              <a:rPr lang="en-US" dirty="0"/>
+              <a:t>Accounting for excited state absorption</a:t>
+            </a:r>
+          </a:p>
+        </p:txBody>
+      </p:sp>
+      <p:sp>
+        <p:nvSpPr>
+          <p:cNvPr id="7" name="Text Placeholder 6">
+            <a:extLst>
+              <a:ext uri="{FF2B5EF4-FFF2-40B4-BE49-F238E27FC236}">
+                <a16:creationId xmlns:a16="http://schemas.microsoft.com/office/drawing/2014/main" id="{143E3D10-ECD0-713B-31F0-9532D178AAC4}"/>
+              </a:ext>
+            </a:extLst>
+          </p:cNvPr>
+          <p:cNvSpPr>
+            <a:spLocks noGrp="1"/>
+          </p:cNvSpPr>
+          <p:nvPr>
+            <p:ph type="body" idx="1"/>
+          </p:nvPr>
+        </p:nvSpPr>
+        <p:spPr/>
+        <p:txBody>
+          <a:bodyPr/>
+          <a:lstStyle/>
+          <a:p>
+            <a:endParaRPr lang="en-US" dirty="0"/>
+          </a:p>
+        </p:txBody>
+      </p:sp>
+      <p:sp>
+        <p:nvSpPr>
+          <p:cNvPr id="3" name="Slide Number Placeholder 2">
+            <a:extLst>
+              <a:ext uri="{FF2B5EF4-FFF2-40B4-BE49-F238E27FC236}">
+                <a16:creationId xmlns:a16="http://schemas.microsoft.com/office/drawing/2014/main" id="{B144C6E4-7F9D-7DE2-811D-1D4B6E46F08C}"/>
+              </a:ext>
+            </a:extLst>
+          </p:cNvPr>
+          <p:cNvSpPr>
+            <a:spLocks noGrp="1"/>
+          </p:cNvSpPr>
+          <p:nvPr>
+            <p:ph type="sldNum" sz="quarter" idx="12"/>
+          </p:nvPr>
+        </p:nvSpPr>
+        <p:spPr/>
+        <p:txBody>
+          <a:bodyPr/>
+          <a:lstStyle/>
+          <a:p>
+            <a:fld id="{B9982081-D51A-40C8-8A41-6498517A0DD4}" type="slidenum">
+              <a:rPr lang="en-US" smtClean="0"/>
+              <a:t>5</a:t>
+            </a:fld>
+            <a:endParaRPr lang="en-US"/>
+          </a:p>
+        </p:txBody>
+      </p:sp>
+    </p:spTree>
+    <p:extLst>
+      <p:ext uri="{BB962C8B-B14F-4D97-AF65-F5344CB8AC3E}">
+        <p14:creationId xmlns:p14="http://schemas.microsoft.com/office/powerpoint/2010/main" val="3837137468"/>
+      </p:ext>
+    </p:extLst>
+  </p:cSld>
+  <p:clrMapOvr>
+    <a:masterClrMapping/>
+  </p:clrMapOvr>
+</p:sld>
+</file>
+
+<file path=ppt/slides/slide6.xml><?xml version="1.0" encoding="utf-8"?>
+<p:sld xmlns:a="http://schemas.openxmlformats.org/drawingml/2006/main" xmlns:r="http://schemas.openxmlformats.org/officeDocument/2006/relationships" xmlns:p="http://schemas.openxmlformats.org/presentationml/2006/main">
+  <p:cSld>
+    <p:spTree>
+      <p:nvGrpSpPr>
+        <p:cNvPr id="1" name=""/>
+        <p:cNvGrpSpPr/>
+        <p:nvPr/>
+      </p:nvGrpSpPr>
+      <p:grpSpPr>
+        <a:xfrm>
+          <a:off x="0" y="0"/>
+          <a:ext cx="0" cy="0"/>
+          <a:chOff x="0" y="0"/>
+          <a:chExt cx="0" cy="0"/>
+        </a:xfrm>
+      </p:grpSpPr>
+      <mc:AlternateContent xmlns:mc="http://schemas.openxmlformats.org/markup-compatibility/2006">
+        <mc:Choice xmlns:a14="http://schemas.microsoft.com/office/drawing/2010/main" Requires="a14">
+          <p:sp>
+            <p:nvSpPr>
+              <p:cNvPr id="5" name="Title 4">
+                <a:extLst>
+                  <a:ext uri="{FF2B5EF4-FFF2-40B4-BE49-F238E27FC236}">
+                    <a16:creationId xmlns:a16="http://schemas.microsoft.com/office/drawing/2014/main" id="{F4E580B5-A9FD-9CC8-F608-E1B662FF13AD}"/>
+                  </a:ext>
+                </a:extLst>
+              </p:cNvPr>
+              <p:cNvSpPr>
+                <a:spLocks noGrp="1"/>
+              </p:cNvSpPr>
+              <p:nvPr>
+                <p:ph type="title"/>
+              </p:nvPr>
+            </p:nvSpPr>
+            <p:spPr/>
+            <p:txBody>
+              <a:bodyPr>
+                <a:normAutofit/>
+              </a:bodyPr>
+              <a:lstStyle/>
+              <a:p>
+                <a:r>
+                  <a:rPr lang="en-US" dirty="0"/>
+                  <a:t>ESA for both pump and signal </a:t>
+                </a:r>
+                <a14:m>
+                  <m:oMath xmlns:m="http://schemas.openxmlformats.org/officeDocument/2006/math">
+                    <m:r>
+                      <a:rPr lang="en-US" b="0" i="1" smtClean="0">
+                        <a:latin typeface="Cambria Math" panose="02040503050406030204" pitchFamily="18" charset="0"/>
+                      </a:rPr>
+                      <m:t>→</m:t>
+                    </m:r>
+                  </m:oMath>
+                </a14:m>
+                <a:r>
+                  <a:rPr lang="en-US" dirty="0"/>
+                  <a:t> 5-levels</a:t>
+                </a:r>
+              </a:p>
+            </p:txBody>
+          </p:sp>
+        </mc:Choice>
+        <mc:Fallback>
+          <p:sp>
+            <p:nvSpPr>
+              <p:cNvPr id="5" name="Title 4">
+                <a:extLst>
+                  <a:ext uri="{FF2B5EF4-FFF2-40B4-BE49-F238E27FC236}">
+                    <a16:creationId xmlns:a16="http://schemas.microsoft.com/office/drawing/2014/main" id="{F4E580B5-A9FD-9CC8-F608-E1B662FF13AD}"/>
+                  </a:ext>
+                </a:extLst>
+              </p:cNvPr>
+              <p:cNvSpPr>
+                <a:spLocks noGrp="1" noRot="1" noChangeAspect="1" noMove="1" noResize="1" noEditPoints="1" noAdjustHandles="1" noChangeArrowheads="1" noChangeShapeType="1" noTextEdit="1"/>
+              </p:cNvSpPr>
+              <p:nvPr>
+                <p:ph type="title"/>
+              </p:nvPr>
+            </p:nvSpPr>
+            <p:spPr>
+              <a:blipFill>
+                <a:blip r:embed="rId2"/>
+                <a:stretch>
+                  <a:fillRect l="-2413" t="-11268" b="-22535"/>
+                </a:stretch>
+              </a:blipFill>
+            </p:spPr>
+            <p:txBody>
+              <a:bodyPr/>
+              <a:lstStyle/>
+              <a:p>
+                <a:r>
+                  <a:rPr lang="en-US">
+                    <a:noFill/>
+                  </a:rPr>
+                  <a:t> </a:t>
+                </a:r>
+              </a:p>
+            </p:txBody>
+          </p:sp>
+        </mc:Fallback>
+      </mc:AlternateContent>
+      <p:sp>
+        <p:nvSpPr>
+          <p:cNvPr id="4" name="Slide Number Placeholder 3">
+            <a:extLst>
+              <a:ext uri="{FF2B5EF4-FFF2-40B4-BE49-F238E27FC236}">
+                <a16:creationId xmlns:a16="http://schemas.microsoft.com/office/drawing/2014/main" id="{56AA6F92-F9C4-C646-B0B0-159F125BEA46}"/>
+              </a:ext>
+            </a:extLst>
+          </p:cNvPr>
+          <p:cNvSpPr>
+            <a:spLocks noGrp="1"/>
+          </p:cNvSpPr>
+          <p:nvPr>
+            <p:ph type="sldNum" sz="quarter" idx="12"/>
+          </p:nvPr>
+        </p:nvSpPr>
+        <p:spPr/>
+        <p:txBody>
+          <a:bodyPr/>
+          <a:lstStyle/>
+          <a:p>
+            <a:fld id="{B9982081-D51A-40C8-8A41-6498517A0DD4}" type="slidenum">
+              <a:rPr lang="en-US" smtClean="0"/>
+              <a:t>6</a:t>
+            </a:fld>
+            <a:endParaRPr lang="en-US"/>
+          </a:p>
+        </p:txBody>
+      </p:sp>
+      <p:pic>
+        <p:nvPicPr>
+          <p:cNvPr id="3" name="Picture 2" descr="A black background with blue text&#10;&#10;Description automatically generated">
+            <a:extLst>
+              <a:ext uri="{FF2B5EF4-FFF2-40B4-BE49-F238E27FC236}">
+                <a16:creationId xmlns:a16="http://schemas.microsoft.com/office/drawing/2014/main" id="{DB607998-0BAF-0F70-CD19-D0AD4CEA67CC}"/>
+              </a:ext>
+            </a:extLst>
+          </p:cNvPr>
+          <p:cNvPicPr>
+            <a:picLocks noChangeAspect="1"/>
+          </p:cNvPicPr>
+          <p:nvPr/>
+        </p:nvPicPr>
+        <p:blipFill>
+          <a:blip r:embed="rId3">
+            <a:extLst>
+              <a:ext uri="{28A0092B-C50C-407E-A947-70E740481C1C}">
+                <a14:useLocalDpi xmlns:a14="http://schemas.microsoft.com/office/drawing/2010/main" val="0"/>
+              </a:ext>
+            </a:extLst>
+          </a:blip>
+          <a:stretch>
+            <a:fillRect/>
+          </a:stretch>
+        </p:blipFill>
+        <p:spPr>
+          <a:xfrm>
+            <a:off x="838200" y="1064028"/>
+            <a:ext cx="4711700" cy="5346700"/>
+          </a:xfrm>
+          <a:prstGeom prst="rect">
+            <a:avLst/>
+          </a:prstGeom>
+        </p:spPr>
+      </p:pic>
+      <p:sp>
+        <p:nvSpPr>
+          <p:cNvPr id="6" name="TextBox 5">
+            <a:extLst>
+              <a:ext uri="{FF2B5EF4-FFF2-40B4-BE49-F238E27FC236}">
+                <a16:creationId xmlns:a16="http://schemas.microsoft.com/office/drawing/2014/main" id="{4A45212B-4295-B918-335C-C6452541EAC2}"/>
+              </a:ext>
+            </a:extLst>
+          </p:cNvPr>
+          <p:cNvSpPr txBox="1"/>
+          <p:nvPr/>
+        </p:nvSpPr>
+        <p:spPr>
+          <a:xfrm>
+            <a:off x="6620933" y="1346200"/>
+            <a:ext cx="4182534" cy="3139321"/>
+          </a:xfrm>
+          <a:prstGeom prst="rect">
+            <a:avLst/>
+          </a:prstGeom>
+          <a:noFill/>
+        </p:spPr>
+        <p:txBody>
+          <a:bodyPr wrap="square" rtlCol="0">
+            <a:spAutoFit/>
+          </a:bodyPr>
+          <a:lstStyle/>
+          <a:p>
+            <a:pPr marL="342900" indent="-342900">
+              <a:buFont typeface="Arial" panose="020B0604020202020204" pitchFamily="34" charset="0"/>
+              <a:buChar char="•"/>
+            </a:pPr>
+            <a:r>
+              <a:rPr lang="en-US" dirty="0"/>
+              <a:t>You need to include lifetimes to “close” the circuit if you want to apply steady state (i.e. energy needs to be conserved). </a:t>
+            </a:r>
+          </a:p>
+          <a:p>
+            <a:pPr marL="342900" indent="-342900">
+              <a:buFont typeface="Arial" panose="020B0604020202020204" pitchFamily="34" charset="0"/>
+              <a:buChar char="•"/>
+            </a:pPr>
+            <a:r>
+              <a:rPr lang="en-US" dirty="0"/>
+              <a:t>You can isolate population to the pump level (3), laser excited state (2), and (5) which is responsible for the green fluorescence.</a:t>
+            </a:r>
+          </a:p>
+          <a:p>
+            <a:pPr marL="800100" lvl="1" indent="-342900">
+              <a:buFont typeface="Arial" panose="020B0604020202020204" pitchFamily="34" charset="0"/>
+              <a:buChar char="•"/>
+            </a:pPr>
+            <a:r>
+              <a:rPr lang="en-US" dirty="0"/>
+              <a:t>Done by making the lifetime of (4) much smaller than the others (e.g. ns)</a:t>
+            </a:r>
+          </a:p>
+        </p:txBody>
+      </p:sp>
+      <p:sp>
+        <p:nvSpPr>
+          <p:cNvPr id="7" name="TextBox 6">
+            <a:extLst>
+              <a:ext uri="{FF2B5EF4-FFF2-40B4-BE49-F238E27FC236}">
+                <a16:creationId xmlns:a16="http://schemas.microsoft.com/office/drawing/2014/main" id="{574732EA-45D5-DD9D-2442-51D3266C27DE}"/>
+              </a:ext>
+            </a:extLst>
+          </p:cNvPr>
+          <p:cNvSpPr txBox="1"/>
+          <p:nvPr/>
+        </p:nvSpPr>
+        <p:spPr>
+          <a:xfrm>
+            <a:off x="0" y="6581001"/>
+            <a:ext cx="4642425" cy="276999"/>
+          </a:xfrm>
+          <a:prstGeom prst="rect">
+            <a:avLst/>
+          </a:prstGeom>
+          <a:noFill/>
+        </p:spPr>
+        <p:txBody>
+          <a:bodyPr wrap="none" rtlCol="0">
+            <a:spAutoFit/>
+          </a:bodyPr>
+          <a:lstStyle/>
+          <a:p>
+            <a:r>
+              <a:rPr lang="en-US" sz="1200" dirty="0"/>
+              <a:t>Yu. O. </a:t>
+            </a:r>
+            <a:r>
+              <a:rPr lang="en-US" sz="1200" dirty="0" err="1"/>
+              <a:t>Barmenkov</a:t>
+            </a:r>
+            <a:r>
+              <a:rPr lang="en-US" sz="1200" dirty="0"/>
+              <a:t>, et al., Journal of Applied Physics 106, 083108 (2009).</a:t>
+            </a:r>
+          </a:p>
+        </p:txBody>
+      </p:sp>
+      <p:sp>
+        <p:nvSpPr>
+          <p:cNvPr id="8" name="TextBox 7">
+            <a:extLst>
+              <a:ext uri="{FF2B5EF4-FFF2-40B4-BE49-F238E27FC236}">
+                <a16:creationId xmlns:a16="http://schemas.microsoft.com/office/drawing/2014/main" id="{37AB44EC-52B1-DB32-6903-2A03F53854AA}"/>
+              </a:ext>
+            </a:extLst>
+          </p:cNvPr>
+          <p:cNvSpPr txBox="1"/>
+          <p:nvPr/>
+        </p:nvSpPr>
+        <p:spPr>
+          <a:xfrm>
+            <a:off x="4775200" y="5424640"/>
+            <a:ext cx="5751511" cy="369332"/>
+          </a:xfrm>
+          <a:prstGeom prst="rect">
+            <a:avLst/>
+          </a:prstGeom>
+          <a:noFill/>
+        </p:spPr>
+        <p:txBody>
+          <a:bodyPr wrap="none" rtlCol="0">
+            <a:spAutoFit/>
+          </a:bodyPr>
+          <a:lstStyle/>
+          <a:p>
+            <a:r>
+              <a:rPr lang="en-US" dirty="0"/>
+              <a:t>Solve for n</a:t>
+            </a:r>
+            <a:r>
+              <a:rPr lang="en-US" baseline="-25000" dirty="0"/>
+              <a:t>1</a:t>
+            </a:r>
+            <a:r>
+              <a:rPr lang="en-US" dirty="0"/>
+              <a:t> n</a:t>
+            </a:r>
+            <a:r>
+              <a:rPr lang="en-US" baseline="-25000" dirty="0"/>
+              <a:t>2</a:t>
+            </a:r>
+            <a:r>
+              <a:rPr lang="en-US" dirty="0"/>
+              <a:t> n</a:t>
+            </a:r>
+            <a:r>
+              <a:rPr lang="en-US" baseline="-25000" dirty="0"/>
+              <a:t>3</a:t>
+            </a:r>
+            <a:r>
+              <a:rPr lang="en-US" dirty="0"/>
+              <a:t> n</a:t>
+            </a:r>
+            <a:r>
+              <a:rPr lang="en-US" baseline="-25000" dirty="0"/>
+              <a:t>4</a:t>
+            </a:r>
+            <a:r>
+              <a:rPr lang="en-US" dirty="0"/>
+              <a:t> n</a:t>
+            </a:r>
+            <a:r>
+              <a:rPr lang="en-US" baseline="-25000" dirty="0"/>
+              <a:t>5</a:t>
+            </a:r>
+            <a:r>
+              <a:rPr lang="en-US" dirty="0"/>
+              <a:t> in terms of </a:t>
+            </a:r>
+            <a:r>
+              <a:rPr lang="en-US" dirty="0" err="1"/>
+              <a:t>n</a:t>
+            </a:r>
+            <a:r>
+              <a:rPr lang="en-US" baseline="-25000" dirty="0" err="1"/>
+              <a:t>tot</a:t>
+            </a:r>
+            <a:r>
+              <a:rPr lang="en-US" dirty="0"/>
+              <a:t> = n</a:t>
+            </a:r>
+            <a:r>
+              <a:rPr lang="en-US" baseline="-25000" dirty="0"/>
+              <a:t>1</a:t>
+            </a:r>
+            <a:r>
+              <a:rPr lang="en-US" dirty="0"/>
+              <a:t> + n</a:t>
+            </a:r>
+            <a:r>
+              <a:rPr lang="en-US" baseline="-25000" dirty="0"/>
+              <a:t>2</a:t>
+            </a:r>
+            <a:r>
+              <a:rPr lang="en-US" dirty="0"/>
+              <a:t> + n</a:t>
+            </a:r>
+            <a:r>
+              <a:rPr lang="en-US" baseline="-25000" dirty="0"/>
+              <a:t>3</a:t>
+            </a:r>
+            <a:r>
+              <a:rPr lang="en-US" dirty="0"/>
+              <a:t> + n</a:t>
+            </a:r>
+            <a:r>
+              <a:rPr lang="en-US" baseline="-25000" dirty="0"/>
+              <a:t>4</a:t>
+            </a:r>
+            <a:r>
+              <a:rPr lang="en-US" dirty="0"/>
+              <a:t> + n</a:t>
+            </a:r>
+            <a:r>
+              <a:rPr lang="en-US" baseline="-25000" dirty="0"/>
+              <a:t>5</a:t>
+            </a:r>
+            <a:endParaRPr lang="en-US" dirty="0"/>
+          </a:p>
+        </p:txBody>
+      </p:sp>
+    </p:spTree>
+    <p:extLst>
+      <p:ext uri="{BB962C8B-B14F-4D97-AF65-F5344CB8AC3E}">
+        <p14:creationId xmlns:p14="http://schemas.microsoft.com/office/powerpoint/2010/main" val="4119830051"/>
       </p:ext>
     </p:extLst>
   </p:cSld>

--- a/memo.pptx
+++ b/memo.pptx
@@ -5,15 +5,14 @@
     <p:sldMasterId id="2147483648" r:id="rId1"/>
   </p:sldMasterIdLst>
   <p:notesMasterIdLst>
-    <p:notesMasterId r:id="rId8"/>
+    <p:notesMasterId r:id="rId7"/>
   </p:notesMasterIdLst>
   <p:sldIdLst>
     <p:sldId id="263" r:id="rId2"/>
     <p:sldId id="261" r:id="rId3"/>
-    <p:sldId id="269" r:id="rId4"/>
-    <p:sldId id="270" r:id="rId5"/>
-    <p:sldId id="272" r:id="rId6"/>
-    <p:sldId id="273" r:id="rId7"/>
+    <p:sldId id="270" r:id="rId4"/>
+    <p:sldId id="272" r:id="rId5"/>
+    <p:sldId id="273" r:id="rId6"/>
   </p:sldIdLst>
   <p:sldSz cx="12192000" cy="6858000"/>
   <p:notesSz cx="6858000" cy="9144000"/>
@@ -202,7 +201,7 @@
           <a:p>
             <a:fld id="{95F362A7-A475-4602-906F-9130A1178AB1}" type="datetimeFigureOut">
               <a:rPr lang="en-US" smtClean="0"/>
-              <a:t>10/20/23</a:t>
+              <a:t>10/28/23</a:t>
             </a:fld>
             <a:endParaRPr lang="en-US"/>
           </a:p>
@@ -616,7 +615,7 @@
           <a:p>
             <a:fld id="{0D38F60B-329E-45AD-8EBB-D3927E357EB0}" type="datetime1">
               <a:rPr lang="en-US" smtClean="0"/>
-              <a:t>10/20/23</a:t>
+              <a:t>10/28/23</a:t>
             </a:fld>
             <a:endParaRPr lang="en-US"/>
           </a:p>
@@ -814,7 +813,7 @@
           <a:p>
             <a:fld id="{7644A20D-A245-4F10-84F9-51D5FC950958}" type="datetime1">
               <a:rPr lang="en-US" smtClean="0"/>
-              <a:t>10/20/23</a:t>
+              <a:t>10/28/23</a:t>
             </a:fld>
             <a:endParaRPr lang="en-US"/>
           </a:p>
@@ -1022,7 +1021,7 @@
           <a:p>
             <a:fld id="{9356318C-5F0D-4B43-96EA-F1352008C9B8}" type="datetime1">
               <a:rPr lang="en-US" smtClean="0"/>
-              <a:t>10/20/23</a:t>
+              <a:t>10/28/23</a:t>
             </a:fld>
             <a:endParaRPr lang="en-US"/>
           </a:p>
@@ -1230,7 +1229,7 @@
           <a:p>
             <a:fld id="{F6E96621-9D08-4937-91A6-0EA3793F0F07}" type="datetime1">
               <a:rPr lang="en-US" smtClean="0"/>
-              <a:t>10/20/23</a:t>
+              <a:t>10/28/23</a:t>
             </a:fld>
             <a:endParaRPr lang="en-US"/>
           </a:p>
@@ -1505,7 +1504,7 @@
           <a:p>
             <a:fld id="{3923D620-10DF-4508-991A-B9D388A501EE}" type="datetime1">
               <a:rPr lang="en-US" smtClean="0"/>
-              <a:t>10/20/23</a:t>
+              <a:t>10/28/23</a:t>
             </a:fld>
             <a:endParaRPr lang="en-US"/>
           </a:p>
@@ -1775,7 +1774,7 @@
           <a:p>
             <a:fld id="{92FA3270-DDBA-458A-9D06-6F36A210CFF8}" type="datetime1">
               <a:rPr lang="en-US" smtClean="0"/>
-              <a:t>10/20/23</a:t>
+              <a:t>10/28/23</a:t>
             </a:fld>
             <a:endParaRPr lang="en-US"/>
           </a:p>
@@ -2187,7 +2186,7 @@
           <a:p>
             <a:fld id="{BC650ADE-7CC5-4CA4-AEFD-DD163139B1E9}" type="datetime1">
               <a:rPr lang="en-US" smtClean="0"/>
-              <a:t>10/20/23</a:t>
+              <a:t>10/28/23</a:t>
             </a:fld>
             <a:endParaRPr lang="en-US"/>
           </a:p>
@@ -2333,7 +2332,7 @@
           <a:p>
             <a:fld id="{468D9ADD-CC3F-4DEB-87EF-630A12738E73}" type="datetime1">
               <a:rPr lang="en-US" smtClean="0"/>
-              <a:t>10/20/23</a:t>
+              <a:t>10/28/23</a:t>
             </a:fld>
             <a:endParaRPr lang="en-US"/>
           </a:p>
@@ -2446,7 +2445,7 @@
           <a:p>
             <a:fld id="{EC5B69B2-D125-4E7B-AA17-A8B6ACE8892E}" type="datetime1">
               <a:rPr lang="en-US" smtClean="0"/>
-              <a:t>10/20/23</a:t>
+              <a:t>10/28/23</a:t>
             </a:fld>
             <a:endParaRPr lang="en-US"/>
           </a:p>
@@ -2757,7 +2756,7 @@
           <a:p>
             <a:fld id="{BBE08CD8-AC86-4874-9FD2-AC99DC82CF46}" type="datetime1">
               <a:rPr lang="en-US" smtClean="0"/>
-              <a:t>10/20/23</a:t>
+              <a:t>10/28/23</a:t>
             </a:fld>
             <a:endParaRPr lang="en-US"/>
           </a:p>
@@ -3048,7 +3047,7 @@
           <a:p>
             <a:fld id="{3B82CD6C-2ADC-45ED-BCAD-25C1101DE6B9}" type="datetime1">
               <a:rPr lang="en-US" smtClean="0"/>
-              <a:t>10/20/23</a:t>
+              <a:t>10/28/23</a:t>
             </a:fld>
             <a:endParaRPr lang="en-US"/>
           </a:p>
@@ -3289,7 +3288,7 @@
           <a:p>
             <a:fld id="{BCB570C2-D09B-4F14-B535-9A0AFE946BB3}" type="datetime1">
               <a:rPr lang="en-US" smtClean="0"/>
-              <a:t>10/20/23</a:t>
+              <a:t>10/28/23</a:t>
             </a:fld>
             <a:endParaRPr lang="en-US"/>
           </a:p>
@@ -8455,8 +8454,8 @@
           </a:fontRef>
         </p:style>
       </p:cxnSp>
-      <mc:AlternateContent xmlns:mc="http://schemas.openxmlformats.org/markup-compatibility/2006">
-        <mc:Choice xmlns:a14="http://schemas.microsoft.com/office/drawing/2010/main" Requires="a14">
+      <mc:AlternateContent xmlns:mc="http://schemas.openxmlformats.org/markup-compatibility/2006" xmlns:a14="http://schemas.microsoft.com/office/drawing/2010/main">
+        <mc:Choice Requires="a14">
           <p:sp>
             <p:nvSpPr>
               <p:cNvPr id="7" name="TextBox 6">
@@ -8571,7 +8570,7 @@
             </p:txBody>
           </p:sp>
         </mc:Choice>
-        <mc:Fallback>
+        <mc:Fallback xmlns="">
           <p:sp>
             <p:nvSpPr>
               <p:cNvPr id="7" name="TextBox 6">
@@ -8648,329 +8647,6 @@
       </p:grpSpPr>
       <p:sp>
         <p:nvSpPr>
-          <p:cNvPr id="6" name="Title 5">
-            <a:extLst>
-              <a:ext uri="{FF2B5EF4-FFF2-40B4-BE49-F238E27FC236}">
-                <a16:creationId xmlns:a16="http://schemas.microsoft.com/office/drawing/2014/main" id="{B6A90580-FAC6-CF02-A8B7-E2602FA133EC}"/>
-              </a:ext>
-            </a:extLst>
-          </p:cNvPr>
-          <p:cNvSpPr>
-            <a:spLocks noGrp="1"/>
-          </p:cNvSpPr>
-          <p:nvPr>
-            <p:ph type="title"/>
-          </p:nvPr>
-        </p:nvSpPr>
-        <p:spPr/>
-        <p:txBody>
-          <a:bodyPr/>
-          <a:lstStyle/>
-          <a:p>
-            <a:r>
-              <a:rPr lang="en-US" dirty="0"/>
-              <a:t>Diagnosing unphysical results</a:t>
-            </a:r>
-          </a:p>
-        </p:txBody>
-      </p:sp>
-      <p:sp>
-        <p:nvSpPr>
-          <p:cNvPr id="3" name="Slide Number Placeholder 2">
-            <a:extLst>
-              <a:ext uri="{FF2B5EF4-FFF2-40B4-BE49-F238E27FC236}">
-                <a16:creationId xmlns:a16="http://schemas.microsoft.com/office/drawing/2014/main" id="{A06D3157-A2DA-C525-A52D-60BE23870EA3}"/>
-              </a:ext>
-            </a:extLst>
-          </p:cNvPr>
-          <p:cNvSpPr>
-            <a:spLocks noGrp="1"/>
-          </p:cNvSpPr>
-          <p:nvPr>
-            <p:ph type="sldNum" sz="quarter" idx="12"/>
-          </p:nvPr>
-        </p:nvSpPr>
-        <p:spPr/>
-        <p:txBody>
-          <a:bodyPr/>
-          <a:lstStyle/>
-          <a:p>
-            <a:fld id="{B9982081-D51A-40C8-8A41-6498517A0DD4}" type="slidenum">
-              <a:rPr lang="en-US" smtClean="0"/>
-              <a:t>3</a:t>
-            </a:fld>
-            <a:endParaRPr lang="en-US"/>
-          </a:p>
-        </p:txBody>
-      </p:sp>
-      <mc:AlternateContent xmlns:mc="http://schemas.openxmlformats.org/markup-compatibility/2006" xmlns:a14="http://schemas.microsoft.com/office/drawing/2010/main">
-        <mc:Choice Requires="a14">
-          <p:sp>
-            <p:nvSpPr>
-              <p:cNvPr id="9" name="TextBox 8">
-                <a:extLst>
-                  <a:ext uri="{FF2B5EF4-FFF2-40B4-BE49-F238E27FC236}">
-                    <a16:creationId xmlns:a16="http://schemas.microsoft.com/office/drawing/2014/main" id="{046BBF9E-4DBC-0043-9AE1-D9A24F579DC5}"/>
-                  </a:ext>
-                </a:extLst>
-              </p:cNvPr>
-              <p:cNvSpPr txBox="1"/>
-              <p:nvPr/>
-            </p:nvSpPr>
-            <p:spPr>
-              <a:xfrm>
-                <a:off x="942654" y="1105344"/>
-                <a:ext cx="9228762" cy="4524315"/>
-              </a:xfrm>
-              <a:prstGeom prst="rect">
-                <a:avLst/>
-              </a:prstGeom>
-              <a:noFill/>
-            </p:spPr>
-            <p:txBody>
-              <a:bodyPr wrap="square">
-                <a:spAutoFit/>
-              </a:bodyPr>
-              <a:lstStyle/>
-              <a:p>
-                <a:pPr marL="285750" indent="-285750">
-                  <a:buFont typeface="Arial" panose="020B0604020202020204" pitchFamily="34" charset="0"/>
-                  <a:buChar char="•"/>
-                </a:pPr>
-                <a:r>
-                  <a:rPr lang="en-US" dirty="0"/>
-                  <a:t>Turns out I don’t think you can bypass an update to </a:t>
-                </a:r>
-                <a:r>
-                  <a:rPr lang="en-US" dirty="0" err="1"/>
-                  <a:t>PyNLO</a:t>
-                </a:r>
-                <a:r>
-                  <a:rPr lang="en-US" dirty="0"/>
-                  <a:t> by using an iterative method. It works for the CW case but not for broadband. Not sure why, maybe because you can’t “collapse” all the wavelength info into some 1D trick like what I was doing. Spent so much time on this one.</a:t>
-                </a:r>
-              </a:p>
-              <a:p>
-                <a:pPr marL="285750" indent="-285750">
-                  <a:buFont typeface="Arial" panose="020B0604020202020204" pitchFamily="34" charset="0"/>
-                  <a:buChar char="•"/>
-                </a:pPr>
-                <a:endParaRPr lang="en-US" dirty="0"/>
-              </a:p>
-              <a:p>
-                <a:pPr marL="285750" indent="-285750">
-                  <a:buFont typeface="Arial" panose="020B0604020202020204" pitchFamily="34" charset="0"/>
-                  <a:buChar char="•"/>
-                </a:pPr>
-                <a:r>
-                  <a:rPr lang="en-US" dirty="0"/>
-                  <a:t>Modified </a:t>
-                </a:r>
-                <a:r>
-                  <a:rPr lang="en-US" dirty="0" err="1"/>
-                  <a:t>PyNLO’s</a:t>
-                </a:r>
-                <a:r>
-                  <a:rPr lang="en-US" dirty="0"/>
-                  <a:t> propagate function to simultaneously propagate the pump together with the signal. </a:t>
-                </a:r>
-              </a:p>
-              <a:p>
-                <a:pPr marL="285750" indent="-285750">
-                  <a:buFont typeface="Arial" panose="020B0604020202020204" pitchFamily="34" charset="0"/>
-                  <a:buChar char="•"/>
-                </a:pPr>
-                <a:endParaRPr lang="en-US" dirty="0"/>
-              </a:p>
-              <a:p>
-                <a:pPr marL="285750" indent="-285750">
-                  <a:buFont typeface="Arial" panose="020B0604020202020204" pitchFamily="34" charset="0"/>
-                  <a:buChar char="•"/>
-                </a:pPr>
-                <a:r>
-                  <a:rPr lang="en-US" dirty="0"/>
-                  <a:t>Starting out first with forward pumping. Solve backward pumping with shooting method.</a:t>
-                </a:r>
-              </a:p>
-              <a:p>
-                <a:pPr marL="285750" indent="-285750">
-                  <a:buFont typeface="Arial" panose="020B0604020202020204" pitchFamily="34" charset="0"/>
-                  <a:buChar char="•"/>
-                </a:pPr>
-                <a:endParaRPr lang="en-US" dirty="0"/>
-              </a:p>
-              <a:p>
-                <a:pPr marL="285750" indent="-285750">
-                  <a:buFont typeface="Arial" panose="020B0604020202020204" pitchFamily="34" charset="0"/>
-                  <a:buChar char="•"/>
-                </a:pPr>
-                <a:r>
-                  <a:rPr lang="en-US" dirty="0"/>
-                  <a:t>Validate results / diagnose source of unexpected results: </a:t>
-                </a:r>
-              </a:p>
-              <a:p>
-                <a:pPr marL="742950" lvl="1" indent="-285750">
-                  <a:buFont typeface="Arial" panose="020B0604020202020204" pitchFamily="34" charset="0"/>
-                  <a:buChar char="•"/>
-                </a:pPr>
-                <a:r>
-                  <a:rPr lang="en-US" dirty="0"/>
-                  <a:t>Compare </a:t>
-                </a:r>
-                <a:r>
-                  <a:rPr lang="en-US" dirty="0" err="1"/>
-                  <a:t>PyNLO</a:t>
-                </a:r>
-                <a:r>
-                  <a:rPr lang="en-US" dirty="0"/>
-                  <a:t> calculated solutions to just solving the rate equations. This should agree in the limit that there is no nonlinearity (</a:t>
-                </a:r>
-                <a14:m>
-                  <m:oMath xmlns:m="http://schemas.openxmlformats.org/officeDocument/2006/math">
-                    <m:r>
-                      <a:rPr lang="en-US" b="0" i="1" smtClean="0">
-                        <a:latin typeface="Cambria Math" panose="02040503050406030204" pitchFamily="18" charset="0"/>
-                      </a:rPr>
-                      <m:t>𝛾</m:t>
-                    </m:r>
-                    <m:r>
-                      <a:rPr lang="en-US" b="0" i="1" smtClean="0">
-                        <a:latin typeface="Cambria Math" panose="02040503050406030204" pitchFamily="18" charset="0"/>
-                      </a:rPr>
-                      <m:t>=0</m:t>
-                    </m:r>
-                  </m:oMath>
-                </a14:m>
-                <a:r>
-                  <a:rPr lang="en-US" dirty="0"/>
-                  <a:t>)</a:t>
-                </a:r>
-              </a:p>
-              <a:p>
-                <a:pPr marL="742950" lvl="1" indent="-285750">
-                  <a:buFont typeface="Arial" panose="020B0604020202020204" pitchFamily="34" charset="0"/>
-                  <a:buChar char="•"/>
-                </a:pPr>
-                <a:endParaRPr lang="en-US" dirty="0"/>
-              </a:p>
-              <a:p>
-                <a:pPr marL="742950" lvl="1" indent="-285750">
-                  <a:buFont typeface="Arial" panose="020B0604020202020204" pitchFamily="34" charset="0"/>
-                  <a:buChar char="•"/>
-                </a:pPr>
-                <a:r>
-                  <a:rPr lang="en-US" dirty="0"/>
-                  <a:t>For broadband, solving the RE is a large set of coupled ODE’s </a:t>
-                </a:r>
-                <a14:m>
-                  <m:oMath xmlns:m="http://schemas.openxmlformats.org/officeDocument/2006/math">
-                    <m:r>
-                      <a:rPr lang="en-US" b="0" i="1" smtClean="0">
-                        <a:latin typeface="Cambria Math" panose="02040503050406030204" pitchFamily="18" charset="0"/>
-                      </a:rPr>
-                      <m:t>→</m:t>
-                    </m:r>
-                  </m:oMath>
-                </a14:m>
-                <a:r>
-                  <a:rPr lang="en-US" dirty="0"/>
-                  <a:t> can crunch them with </a:t>
-                </a:r>
-                <a:r>
-                  <a:rPr lang="en-US" dirty="0" err="1"/>
-                  <a:t>scipy’s</a:t>
-                </a:r>
-                <a:r>
-                  <a:rPr lang="en-US" dirty="0"/>
-                  <a:t> </a:t>
-                </a:r>
-                <a:r>
-                  <a:rPr lang="en-US" dirty="0" err="1"/>
-                  <a:t>odeint</a:t>
-                </a:r>
-                <a:endParaRPr lang="en-US" dirty="0"/>
-              </a:p>
-            </p:txBody>
-          </p:sp>
-        </mc:Choice>
-        <mc:Fallback xmlns="">
-          <p:sp>
-            <p:nvSpPr>
-              <p:cNvPr id="9" name="TextBox 8">
-                <a:extLst>
-                  <a:ext uri="{FF2B5EF4-FFF2-40B4-BE49-F238E27FC236}">
-                    <a16:creationId xmlns:a16="http://schemas.microsoft.com/office/drawing/2014/main" id="{046BBF9E-4DBC-0043-9AE1-D9A24F579DC5}"/>
-                  </a:ext>
-                </a:extLst>
-              </p:cNvPr>
-              <p:cNvSpPr txBox="1">
-                <a:spLocks noRot="1" noChangeAspect="1" noMove="1" noResize="1" noEditPoints="1" noAdjustHandles="1" noChangeArrowheads="1" noChangeShapeType="1" noTextEdit="1"/>
-              </p:cNvSpPr>
-              <p:nvPr/>
-            </p:nvSpPr>
-            <p:spPr>
-              <a:xfrm>
-                <a:off x="942654" y="1105344"/>
-                <a:ext cx="9228762" cy="4524315"/>
-              </a:xfrm>
-              <a:prstGeom prst="rect">
-                <a:avLst/>
-              </a:prstGeom>
-              <a:blipFill>
-                <a:blip r:embed="rId2"/>
-                <a:stretch>
-                  <a:fillRect l="-412" t="-559" r="-275" b="-1117"/>
-                </a:stretch>
-              </a:blipFill>
-            </p:spPr>
-            <p:txBody>
-              <a:bodyPr/>
-              <a:lstStyle/>
-              <a:p>
-                <a:r>
-                  <a:rPr lang="en-US">
-                    <a:noFill/>
-                  </a:rPr>
-                  <a:t> </a:t>
-                </a:r>
-              </a:p>
-            </p:txBody>
-          </p:sp>
-        </mc:Fallback>
-      </mc:AlternateContent>
-    </p:spTree>
-    <p:extLst>
-      <p:ext uri="{BB962C8B-B14F-4D97-AF65-F5344CB8AC3E}">
-        <p14:creationId xmlns:p14="http://schemas.microsoft.com/office/powerpoint/2010/main" val="2314942620"/>
-      </p:ext>
-    </p:extLst>
-  </p:cSld>
-  <p:clrMapOvr>
-    <a:masterClrMapping/>
-  </p:clrMapOvr>
-</p:sld>
-</file>
-
-<file path=ppt/slides/slide4.xml><?xml version="1.0" encoding="utf-8"?>
-<p:sld xmlns:a="http://schemas.openxmlformats.org/drawingml/2006/main" xmlns:r="http://schemas.openxmlformats.org/officeDocument/2006/relationships" xmlns:p="http://schemas.openxmlformats.org/presentationml/2006/main">
-  <p:cSld>
-    <p:spTree>
-      <p:nvGrpSpPr>
-        <p:cNvPr id="1" name=""/>
-        <p:cNvGrpSpPr/>
-        <p:nvPr/>
-      </p:nvGrpSpPr>
-      <p:grpSpPr>
-        <a:xfrm>
-          <a:off x="0" y="0"/>
-          <a:ext cx="0" cy="0"/>
-          <a:chOff x="0" y="0"/>
-          <a:chExt cx="0" cy="0"/>
-        </a:xfrm>
-      </p:grpSpPr>
-      <p:sp>
-        <p:nvSpPr>
           <p:cNvPr id="2" name="Title 1">
             <a:extLst>
               <a:ext uri="{FF2B5EF4-FFF2-40B4-BE49-F238E27FC236}">
@@ -9030,7 +8706,7 @@
           <a:p>
             <a:fld id="{B9982081-D51A-40C8-8A41-6498517A0DD4}" type="slidenum">
               <a:rPr lang="en-US" smtClean="0"/>
-              <a:t>4</a:t>
+              <a:t>3</a:t>
             </a:fld>
             <a:endParaRPr lang="en-US"/>
           </a:p>
@@ -9038,10 +8714,10 @@
       </p:sp>
       <p:pic>
         <p:nvPicPr>
-          <p:cNvPr id="5" name="Picture 4">
+          <p:cNvPr id="7" name="Picture 6">
             <a:extLst>
               <a:ext uri="{FF2B5EF4-FFF2-40B4-BE49-F238E27FC236}">
-                <a16:creationId xmlns:a16="http://schemas.microsoft.com/office/drawing/2014/main" id="{E90CBFB4-6E82-1CD8-E575-758D78071DD3}"/>
+                <a16:creationId xmlns:a16="http://schemas.microsoft.com/office/drawing/2014/main" id="{0FE2E77F-DDE7-CF2D-7D7F-FBBFFDE95730}"/>
               </a:ext>
             </a:extLst>
           </p:cNvPr>
@@ -9058,37 +8734,7 @@
         </p:blipFill>
         <p:spPr>
           <a:xfrm>
-            <a:off x="6096001" y="1484616"/>
-            <a:ext cx="6096001" cy="4572000"/>
-          </a:xfrm>
-          <a:prstGeom prst="rect">
-            <a:avLst/>
-          </a:prstGeom>
-        </p:spPr>
-      </p:pic>
-      <p:pic>
-        <p:nvPicPr>
-          <p:cNvPr id="7" name="Picture 6">
-            <a:extLst>
-              <a:ext uri="{FF2B5EF4-FFF2-40B4-BE49-F238E27FC236}">
-                <a16:creationId xmlns:a16="http://schemas.microsoft.com/office/drawing/2014/main" id="{0FE2E77F-DDE7-CF2D-7D7F-FBBFFDE95730}"/>
-              </a:ext>
-            </a:extLst>
-          </p:cNvPr>
-          <p:cNvPicPr>
-            <a:picLocks noChangeAspect="1"/>
-          </p:cNvPicPr>
-          <p:nvPr/>
-        </p:nvPicPr>
-        <p:blipFill>
-          <a:blip r:embed="rId3"/>
-          <a:stretch>
-            <a:fillRect/>
-          </a:stretch>
-        </p:blipFill>
-        <p:spPr>
-          <a:xfrm>
-            <a:off x="0" y="1484616"/>
+            <a:off x="838200" y="1339052"/>
             <a:ext cx="6096000" cy="4572000"/>
           </a:xfrm>
           <a:prstGeom prst="rect">
@@ -9109,7 +8755,7 @@
 </p:sld>
 </file>
 
-<file path=ppt/slides/slide5.xml><?xml version="1.0" encoding="utf-8"?>
+<file path=ppt/slides/slide4.xml><?xml version="1.0" encoding="utf-8"?>
 <p:sld xmlns:a="http://schemas.openxmlformats.org/drawingml/2006/main" xmlns:r="http://schemas.openxmlformats.org/officeDocument/2006/relationships" xmlns:p="http://schemas.openxmlformats.org/presentationml/2006/main">
   <p:cSld>
     <p:spTree>
@@ -9202,7 +8848,7 @@
           <a:p>
             <a:fld id="{B9982081-D51A-40C8-8A41-6498517A0DD4}" type="slidenum">
               <a:rPr lang="en-US" smtClean="0"/>
-              <a:t>5</a:t>
+              <a:t>4</a:t>
             </a:fld>
             <a:endParaRPr lang="en-US"/>
           </a:p>
@@ -9221,7 +8867,7 @@
 </p:sld>
 </file>
 
-<file path=ppt/slides/slide6.xml><?xml version="1.0" encoding="utf-8"?>
+<file path=ppt/slides/slide5.xml><?xml version="1.0" encoding="utf-8"?>
 <p:sld xmlns:a="http://schemas.openxmlformats.org/drawingml/2006/main" xmlns:r="http://schemas.openxmlformats.org/officeDocument/2006/relationships" xmlns:p="http://schemas.openxmlformats.org/presentationml/2006/main">
   <p:cSld>
     <p:spTree>
@@ -9238,8 +8884,8 @@
           <a:chExt cx="0" cy="0"/>
         </a:xfrm>
       </p:grpSpPr>
-      <mc:AlternateContent xmlns:mc="http://schemas.openxmlformats.org/markup-compatibility/2006">
-        <mc:Choice xmlns:a14="http://schemas.microsoft.com/office/drawing/2010/main" Requires="a14">
+      <mc:AlternateContent xmlns:mc="http://schemas.openxmlformats.org/markup-compatibility/2006" xmlns:a14="http://schemas.microsoft.com/office/drawing/2010/main">
+        <mc:Choice Requires="a14">
           <p:sp>
             <p:nvSpPr>
               <p:cNvPr id="5" name="Title 4">
@@ -9285,7 +8931,7 @@
             </p:txBody>
           </p:sp>
         </mc:Choice>
-        <mc:Fallback>
+        <mc:Fallback xmlns="">
           <p:sp>
             <p:nvSpPr>
               <p:cNvPr id="5" name="Title 4">
@@ -9348,7 +8994,7 @@
           <a:p>
             <a:fld id="{B9982081-D51A-40C8-8A41-6498517A0DD4}" type="slidenum">
               <a:rPr lang="en-US" smtClean="0"/>
-              <a:t>6</a:t>
+              <a:t>5</a:t>
             </a:fld>
             <a:endParaRPr lang="en-US"/>
           </a:p>

--- a/memo.pptx
+++ b/memo.pptx
@@ -5,7 +5,7 @@
     <p:sldMasterId id="2147483648" r:id="rId1"/>
   </p:sldMasterIdLst>
   <p:notesMasterIdLst>
-    <p:notesMasterId r:id="rId7"/>
+    <p:notesMasterId r:id="rId9"/>
   </p:notesMasterIdLst>
   <p:sldIdLst>
     <p:sldId id="263" r:id="rId2"/>
@@ -13,6 +13,8 @@
     <p:sldId id="270" r:id="rId4"/>
     <p:sldId id="272" r:id="rId5"/>
     <p:sldId id="273" r:id="rId6"/>
+    <p:sldId id="274" r:id="rId7"/>
+    <p:sldId id="276" r:id="rId8"/>
   </p:sldIdLst>
   <p:sldSz cx="12192000" cy="6858000"/>
   <p:notesSz cx="6858000" cy="9144000"/>
@@ -201,7 +203,7 @@
           <a:p>
             <a:fld id="{95F362A7-A475-4602-906F-9130A1178AB1}" type="datetimeFigureOut">
               <a:rPr lang="en-US" smtClean="0"/>
-              <a:t>10/28/23</a:t>
+              <a:t>10/30/23</a:t>
             </a:fld>
             <a:endParaRPr lang="en-US"/>
           </a:p>
@@ -615,7 +617,7 @@
           <a:p>
             <a:fld id="{0D38F60B-329E-45AD-8EBB-D3927E357EB0}" type="datetime1">
               <a:rPr lang="en-US" smtClean="0"/>
-              <a:t>10/28/23</a:t>
+              <a:t>10/30/23</a:t>
             </a:fld>
             <a:endParaRPr lang="en-US"/>
           </a:p>
@@ -813,7 +815,7 @@
           <a:p>
             <a:fld id="{7644A20D-A245-4F10-84F9-51D5FC950958}" type="datetime1">
               <a:rPr lang="en-US" smtClean="0"/>
-              <a:t>10/28/23</a:t>
+              <a:t>10/30/23</a:t>
             </a:fld>
             <a:endParaRPr lang="en-US"/>
           </a:p>
@@ -1021,7 +1023,7 @@
           <a:p>
             <a:fld id="{9356318C-5F0D-4B43-96EA-F1352008C9B8}" type="datetime1">
               <a:rPr lang="en-US" smtClean="0"/>
-              <a:t>10/28/23</a:t>
+              <a:t>10/30/23</a:t>
             </a:fld>
             <a:endParaRPr lang="en-US"/>
           </a:p>
@@ -1229,7 +1231,7 @@
           <a:p>
             <a:fld id="{F6E96621-9D08-4937-91A6-0EA3793F0F07}" type="datetime1">
               <a:rPr lang="en-US" smtClean="0"/>
-              <a:t>10/28/23</a:t>
+              <a:t>10/30/23</a:t>
             </a:fld>
             <a:endParaRPr lang="en-US"/>
           </a:p>
@@ -1504,7 +1506,7 @@
           <a:p>
             <a:fld id="{3923D620-10DF-4508-991A-B9D388A501EE}" type="datetime1">
               <a:rPr lang="en-US" smtClean="0"/>
-              <a:t>10/28/23</a:t>
+              <a:t>10/30/23</a:t>
             </a:fld>
             <a:endParaRPr lang="en-US"/>
           </a:p>
@@ -1774,7 +1776,7 @@
           <a:p>
             <a:fld id="{92FA3270-DDBA-458A-9D06-6F36A210CFF8}" type="datetime1">
               <a:rPr lang="en-US" smtClean="0"/>
-              <a:t>10/28/23</a:t>
+              <a:t>10/30/23</a:t>
             </a:fld>
             <a:endParaRPr lang="en-US"/>
           </a:p>
@@ -2186,7 +2188,7 @@
           <a:p>
             <a:fld id="{BC650ADE-7CC5-4CA4-AEFD-DD163139B1E9}" type="datetime1">
               <a:rPr lang="en-US" smtClean="0"/>
-              <a:t>10/28/23</a:t>
+              <a:t>10/30/23</a:t>
             </a:fld>
             <a:endParaRPr lang="en-US"/>
           </a:p>
@@ -2332,7 +2334,7 @@
           <a:p>
             <a:fld id="{468D9ADD-CC3F-4DEB-87EF-630A12738E73}" type="datetime1">
               <a:rPr lang="en-US" smtClean="0"/>
-              <a:t>10/28/23</a:t>
+              <a:t>10/30/23</a:t>
             </a:fld>
             <a:endParaRPr lang="en-US"/>
           </a:p>
@@ -2445,7 +2447,7 @@
           <a:p>
             <a:fld id="{EC5B69B2-D125-4E7B-AA17-A8B6ACE8892E}" type="datetime1">
               <a:rPr lang="en-US" smtClean="0"/>
-              <a:t>10/28/23</a:t>
+              <a:t>10/30/23</a:t>
             </a:fld>
             <a:endParaRPr lang="en-US"/>
           </a:p>
@@ -2756,7 +2758,7 @@
           <a:p>
             <a:fld id="{BBE08CD8-AC86-4874-9FD2-AC99DC82CF46}" type="datetime1">
               <a:rPr lang="en-US" smtClean="0"/>
-              <a:t>10/28/23</a:t>
+              <a:t>10/30/23</a:t>
             </a:fld>
             <a:endParaRPr lang="en-US"/>
           </a:p>
@@ -3047,7 +3049,7 @@
           <a:p>
             <a:fld id="{3B82CD6C-2ADC-45ED-BCAD-25C1101DE6B9}" type="datetime1">
               <a:rPr lang="en-US" smtClean="0"/>
-              <a:t>10/28/23</a:t>
+              <a:t>10/30/23</a:t>
             </a:fld>
             <a:endParaRPr lang="en-US"/>
           </a:p>
@@ -3288,7 +3290,7 @@
           <a:p>
             <a:fld id="{BCB570C2-D09B-4F14-B535-9A0AFE946BB3}" type="datetime1">
               <a:rPr lang="en-US" smtClean="0"/>
-              <a:t>10/28/23</a:t>
+              <a:t>10/30/23</a:t>
             </a:fld>
             <a:endParaRPr lang="en-US"/>
           </a:p>
@@ -8670,15 +8672,7 @@
           <a:p>
             <a:r>
               <a:rPr lang="en-US" dirty="0"/>
-              <a:t>650 </a:t>
-            </a:r>
-            <a:r>
-              <a:rPr lang="en-US" dirty="0" err="1"/>
-              <a:t>mW</a:t>
-            </a:r>
-            <a:r>
-              <a:rPr lang="en-US" dirty="0"/>
-              <a:t> pump, 1.5 m of ER 80</a:t>
+              <a:t>2W pump, 2 m of ER 80</a:t>
             </a:r>
           </a:p>
         </p:txBody>
@@ -8712,12 +8706,51 @@
           </a:p>
         </p:txBody>
       </p:sp>
+      <p:sp>
+        <p:nvSpPr>
+          <p:cNvPr id="10" name="TextBox 9">
+            <a:extLst>
+              <a:ext uri="{FF2B5EF4-FFF2-40B4-BE49-F238E27FC236}">
+                <a16:creationId xmlns:a16="http://schemas.microsoft.com/office/drawing/2014/main" id="{C59896C4-9F48-3584-F785-5E3808DC96CC}"/>
+              </a:ext>
+            </a:extLst>
+          </p:cNvPr>
+          <p:cNvSpPr txBox="1"/>
+          <p:nvPr/>
+        </p:nvSpPr>
+        <p:spPr>
+          <a:xfrm>
+            <a:off x="7653867" y="1701799"/>
+            <a:ext cx="2954866" cy="646331"/>
+          </a:xfrm>
+          <a:prstGeom prst="rect">
+            <a:avLst/>
+          </a:prstGeom>
+          <a:noFill/>
+        </p:spPr>
+        <p:txBody>
+          <a:bodyPr wrap="square" rtlCol="0">
+            <a:spAutoFit/>
+          </a:bodyPr>
+          <a:lstStyle/>
+          <a:p>
+            <a:r>
+              <a:rPr lang="en-US" dirty="0">
+                <a:solidFill>
+                  <a:srgbClr val="FF0000"/>
+                </a:solidFill>
+              </a:rPr>
+              <a:t>Unphysically high conversion efficiency!</a:t>
+            </a:r>
+          </a:p>
+        </p:txBody>
+      </p:sp>
       <p:pic>
         <p:nvPicPr>
-          <p:cNvPr id="7" name="Picture 6">
+          <p:cNvPr id="11" name="Picture 10">
             <a:extLst>
               <a:ext uri="{FF2B5EF4-FFF2-40B4-BE49-F238E27FC236}">
-                <a16:creationId xmlns:a16="http://schemas.microsoft.com/office/drawing/2014/main" id="{0FE2E77F-DDE7-CF2D-7D7F-FBBFFDE95730}"/>
+                <a16:creationId xmlns:a16="http://schemas.microsoft.com/office/drawing/2014/main" id="{C4272780-B886-FD15-B550-BAF6E74AA99D}"/>
               </a:ext>
             </a:extLst>
           </p:cNvPr>
@@ -8734,14 +8767,49 @@
         </p:blipFill>
         <p:spPr>
           <a:xfrm>
-            <a:off x="838200" y="1339052"/>
-            <a:ext cx="6096000" cy="4572000"/>
+            <a:off x="973667" y="1320799"/>
+            <a:ext cx="6596239" cy="4947179"/>
           </a:xfrm>
           <a:prstGeom prst="rect">
             <a:avLst/>
           </a:prstGeom>
         </p:spPr>
       </p:pic>
+      <p:sp>
+        <p:nvSpPr>
+          <p:cNvPr id="12" name="TextBox 11">
+            <a:extLst>
+              <a:ext uri="{FF2B5EF4-FFF2-40B4-BE49-F238E27FC236}">
+                <a16:creationId xmlns:a16="http://schemas.microsoft.com/office/drawing/2014/main" id="{E5BF6101-7705-2B23-A325-AD79A6D7FE6E}"/>
+              </a:ext>
+            </a:extLst>
+          </p:cNvPr>
+          <p:cNvSpPr txBox="1"/>
+          <p:nvPr/>
+        </p:nvSpPr>
+        <p:spPr>
+          <a:xfrm>
+            <a:off x="8153400" y="2472267"/>
+            <a:ext cx="2743200" cy="646331"/>
+          </a:xfrm>
+          <a:prstGeom prst="rect">
+            <a:avLst/>
+          </a:prstGeom>
+          <a:noFill/>
+        </p:spPr>
+        <p:txBody>
+          <a:bodyPr wrap="square" rtlCol="0">
+            <a:spAutoFit/>
+          </a:bodyPr>
+          <a:lstStyle/>
+          <a:p>
+            <a:r>
+              <a:rPr lang="en-US" dirty="0"/>
+              <a:t>Used: 0.7 dB insertion loss, 0.2 dB splicing loss</a:t>
+            </a:r>
+          </a:p>
+        </p:txBody>
+      </p:sp>
     </p:spTree>
     <p:extLst>
       <p:ext uri="{BB962C8B-B14F-4D97-AF65-F5344CB8AC3E}">
@@ -9266,6 +9334,386 @@
     <p:extLst>
       <p:ext uri="{BB962C8B-B14F-4D97-AF65-F5344CB8AC3E}">
         <p14:creationId xmlns:p14="http://schemas.microsoft.com/office/powerpoint/2010/main" val="4119830051"/>
+      </p:ext>
+    </p:extLst>
+  </p:cSld>
+  <p:clrMapOvr>
+    <a:masterClrMapping/>
+  </p:clrMapOvr>
+</p:sld>
+</file>
+
+<file path=ppt/slides/slide6.xml><?xml version="1.0" encoding="utf-8"?>
+<p:sld xmlns:a="http://schemas.openxmlformats.org/drawingml/2006/main" xmlns:r="http://schemas.openxmlformats.org/officeDocument/2006/relationships" xmlns:p="http://schemas.openxmlformats.org/presentationml/2006/main">
+  <p:cSld>
+    <p:spTree>
+      <p:nvGrpSpPr>
+        <p:cNvPr id="1" name=""/>
+        <p:cNvGrpSpPr/>
+        <p:nvPr/>
+      </p:nvGrpSpPr>
+      <p:grpSpPr>
+        <a:xfrm>
+          <a:off x="0" y="0"/>
+          <a:ext cx="0" cy="0"/>
+          <a:chOff x="0" y="0"/>
+          <a:chExt cx="0" cy="0"/>
+        </a:xfrm>
+      </p:grpSpPr>
+      <p:sp>
+        <p:nvSpPr>
+          <p:cNvPr id="3" name="Slide Number Placeholder 2">
+            <a:extLst>
+              <a:ext uri="{FF2B5EF4-FFF2-40B4-BE49-F238E27FC236}">
+                <a16:creationId xmlns:a16="http://schemas.microsoft.com/office/drawing/2014/main" id="{71E61EC8-6D22-D841-9539-56AF72B0130C}"/>
+              </a:ext>
+            </a:extLst>
+          </p:cNvPr>
+          <p:cNvSpPr>
+            <a:spLocks noGrp="1"/>
+          </p:cNvSpPr>
+          <p:nvPr>
+            <p:ph type="sldNum" sz="quarter" idx="12"/>
+          </p:nvPr>
+        </p:nvSpPr>
+        <p:spPr/>
+        <p:txBody>
+          <a:bodyPr/>
+          <a:lstStyle/>
+          <a:p>
+            <a:fld id="{B9982081-D51A-40C8-8A41-6498517A0DD4}" type="slidenum">
+              <a:rPr lang="en-US" smtClean="0"/>
+              <a:t>6</a:t>
+            </a:fld>
+            <a:endParaRPr lang="en-US"/>
+          </a:p>
+        </p:txBody>
+      </p:sp>
+      <p:sp>
+        <p:nvSpPr>
+          <p:cNvPr id="5" name="TextBox 4">
+            <a:extLst>
+              <a:ext uri="{FF2B5EF4-FFF2-40B4-BE49-F238E27FC236}">
+                <a16:creationId xmlns:a16="http://schemas.microsoft.com/office/drawing/2014/main" id="{DE8BDE8C-9EED-77F2-E508-9E4D1BABC917}"/>
+              </a:ext>
+            </a:extLst>
+          </p:cNvPr>
+          <p:cNvSpPr txBox="1"/>
+          <p:nvPr/>
+        </p:nvSpPr>
+        <p:spPr>
+          <a:xfrm>
+            <a:off x="8411289" y="1540807"/>
+            <a:ext cx="3141822" cy="369332"/>
+          </a:xfrm>
+          <a:prstGeom prst="rect">
+            <a:avLst/>
+          </a:prstGeom>
+          <a:noFill/>
+        </p:spPr>
+        <p:txBody>
+          <a:bodyPr wrap="none" rtlCol="0">
+            <a:spAutoFit/>
+          </a:bodyPr>
+          <a:lstStyle/>
+          <a:p>
+            <a:r>
+              <a:rPr lang="en-US" dirty="0">
+                <a:solidFill>
+                  <a:srgbClr val="FF0000"/>
+                </a:solidFill>
+              </a:rPr>
+              <a:t>More realistic power evolution!</a:t>
+            </a:r>
+          </a:p>
+        </p:txBody>
+      </p:sp>
+      <p:sp>
+        <p:nvSpPr>
+          <p:cNvPr id="6" name="Title 1">
+            <a:extLst>
+              <a:ext uri="{FF2B5EF4-FFF2-40B4-BE49-F238E27FC236}">
+                <a16:creationId xmlns:a16="http://schemas.microsoft.com/office/drawing/2014/main" id="{FABB0B74-3F47-CEF3-D23B-4EA29A3B2744}"/>
+              </a:ext>
+            </a:extLst>
+          </p:cNvPr>
+          <p:cNvSpPr>
+            <a:spLocks noGrp="1"/>
+          </p:cNvSpPr>
+          <p:nvPr>
+            <p:ph type="title"/>
+          </p:nvPr>
+        </p:nvSpPr>
+        <p:spPr/>
+        <p:txBody>
+          <a:bodyPr>
+            <a:noAutofit/>
+          </a:bodyPr>
+          <a:lstStyle/>
+          <a:p>
+            <a:r>
+              <a:rPr lang="en-US" dirty="0"/>
+              <a:t>2W pump, 2 m of ER 80</a:t>
+            </a:r>
+          </a:p>
+        </p:txBody>
+      </p:sp>
+      <p:pic>
+        <p:nvPicPr>
+          <p:cNvPr id="8" name="Picture 7">
+            <a:extLst>
+              <a:ext uri="{FF2B5EF4-FFF2-40B4-BE49-F238E27FC236}">
+                <a16:creationId xmlns:a16="http://schemas.microsoft.com/office/drawing/2014/main" id="{627520B6-E087-8194-92F3-E9A63030A739}"/>
+              </a:ext>
+            </a:extLst>
+          </p:cNvPr>
+          <p:cNvPicPr>
+            <a:picLocks noChangeAspect="1"/>
+          </p:cNvPicPr>
+          <p:nvPr/>
+        </p:nvPicPr>
+        <p:blipFill>
+          <a:blip r:embed="rId2"/>
+          <a:stretch>
+            <a:fillRect/>
+          </a:stretch>
+        </p:blipFill>
+        <p:spPr>
+          <a:xfrm>
+            <a:off x="439578" y="1540807"/>
+            <a:ext cx="7772400" cy="4294001"/>
+          </a:xfrm>
+          <a:prstGeom prst="rect">
+            <a:avLst/>
+          </a:prstGeom>
+        </p:spPr>
+      </p:pic>
+      <p:sp>
+        <p:nvSpPr>
+          <p:cNvPr id="9" name="TextBox 8">
+            <a:extLst>
+              <a:ext uri="{FF2B5EF4-FFF2-40B4-BE49-F238E27FC236}">
+                <a16:creationId xmlns:a16="http://schemas.microsoft.com/office/drawing/2014/main" id="{00E2E87E-674A-E3B8-8C32-29EEEA8E890E}"/>
+              </a:ext>
+            </a:extLst>
+          </p:cNvPr>
+          <p:cNvSpPr txBox="1"/>
+          <p:nvPr/>
+        </p:nvSpPr>
+        <p:spPr>
+          <a:xfrm>
+            <a:off x="8610600" y="2336801"/>
+            <a:ext cx="2743200" cy="646331"/>
+          </a:xfrm>
+          <a:prstGeom prst="rect">
+            <a:avLst/>
+          </a:prstGeom>
+          <a:noFill/>
+        </p:spPr>
+        <p:txBody>
+          <a:bodyPr wrap="square" rtlCol="0">
+            <a:spAutoFit/>
+          </a:bodyPr>
+          <a:lstStyle/>
+          <a:p>
+            <a:r>
+              <a:rPr lang="en-US" dirty="0"/>
+              <a:t>Used: 0.7 dB insertion loss, 0.2 dB splicing loss</a:t>
+            </a:r>
+          </a:p>
+        </p:txBody>
+      </p:sp>
+    </p:spTree>
+    <p:extLst>
+      <p:ext uri="{BB962C8B-B14F-4D97-AF65-F5344CB8AC3E}">
+        <p14:creationId xmlns:p14="http://schemas.microsoft.com/office/powerpoint/2010/main" val="784256433"/>
+      </p:ext>
+    </p:extLst>
+  </p:cSld>
+  <p:clrMapOvr>
+    <a:masterClrMapping/>
+  </p:clrMapOvr>
+</p:sld>
+</file>
+
+<file path=ppt/slides/slide7.xml><?xml version="1.0" encoding="utf-8"?>
+<p:sld xmlns:a="http://schemas.openxmlformats.org/drawingml/2006/main" xmlns:r="http://schemas.openxmlformats.org/officeDocument/2006/relationships" xmlns:p="http://schemas.openxmlformats.org/presentationml/2006/main">
+  <p:cSld>
+    <p:spTree>
+      <p:nvGrpSpPr>
+        <p:cNvPr id="1" name=""/>
+        <p:cNvGrpSpPr/>
+        <p:nvPr/>
+      </p:nvGrpSpPr>
+      <p:grpSpPr>
+        <a:xfrm>
+          <a:off x="0" y="0"/>
+          <a:ext cx="0" cy="0"/>
+          <a:chOff x="0" y="0"/>
+          <a:chExt cx="0" cy="0"/>
+        </a:xfrm>
+      </p:grpSpPr>
+      <p:sp>
+        <p:nvSpPr>
+          <p:cNvPr id="2" name="Title 1">
+            <a:extLst>
+              <a:ext uri="{FF2B5EF4-FFF2-40B4-BE49-F238E27FC236}">
+                <a16:creationId xmlns:a16="http://schemas.microsoft.com/office/drawing/2014/main" id="{F7AA97BB-071F-DB4E-AC6B-4B379AB6F8EF}"/>
+              </a:ext>
+            </a:extLst>
+          </p:cNvPr>
+          <p:cNvSpPr>
+            <a:spLocks noGrp="1"/>
+          </p:cNvSpPr>
+          <p:nvPr>
+            <p:ph type="title"/>
+          </p:nvPr>
+        </p:nvSpPr>
+        <p:spPr/>
+        <p:txBody>
+          <a:bodyPr/>
+          <a:lstStyle/>
+          <a:p>
+            <a:r>
+              <a:rPr lang="en-US" dirty="0"/>
+              <a:t>2W pump, 2 m of ER 80</a:t>
+            </a:r>
+          </a:p>
+        </p:txBody>
+      </p:sp>
+      <p:sp>
+        <p:nvSpPr>
+          <p:cNvPr id="3" name="Slide Number Placeholder 2">
+            <a:extLst>
+              <a:ext uri="{FF2B5EF4-FFF2-40B4-BE49-F238E27FC236}">
+                <a16:creationId xmlns:a16="http://schemas.microsoft.com/office/drawing/2014/main" id="{EA76F0C6-EC6F-8865-88D8-DE794A59BC7E}"/>
+              </a:ext>
+            </a:extLst>
+          </p:cNvPr>
+          <p:cNvSpPr>
+            <a:spLocks noGrp="1"/>
+          </p:cNvSpPr>
+          <p:nvPr>
+            <p:ph type="sldNum" sz="quarter" idx="12"/>
+          </p:nvPr>
+        </p:nvSpPr>
+        <p:spPr/>
+        <p:txBody>
+          <a:bodyPr/>
+          <a:lstStyle/>
+          <a:p>
+            <a:fld id="{B9982081-D51A-40C8-8A41-6498517A0DD4}" type="slidenum">
+              <a:rPr lang="en-US" smtClean="0"/>
+              <a:t>7</a:t>
+            </a:fld>
+            <a:endParaRPr lang="en-US"/>
+          </a:p>
+        </p:txBody>
+      </p:sp>
+      <p:pic>
+        <p:nvPicPr>
+          <p:cNvPr id="4" name="Picture 3">
+            <a:extLst>
+              <a:ext uri="{FF2B5EF4-FFF2-40B4-BE49-F238E27FC236}">
+                <a16:creationId xmlns:a16="http://schemas.microsoft.com/office/drawing/2014/main" id="{20E9494B-4494-8FAB-BF4E-1E4025152EA7}"/>
+              </a:ext>
+            </a:extLst>
+          </p:cNvPr>
+          <p:cNvPicPr>
+            <a:picLocks noChangeAspect="1"/>
+          </p:cNvPicPr>
+          <p:nvPr/>
+        </p:nvPicPr>
+        <p:blipFill>
+          <a:blip r:embed="rId2"/>
+          <a:stretch>
+            <a:fillRect/>
+          </a:stretch>
+        </p:blipFill>
+        <p:spPr>
+          <a:xfrm>
+            <a:off x="643466" y="1772518"/>
+            <a:ext cx="7772400" cy="3976000"/>
+          </a:xfrm>
+          <a:prstGeom prst="rect">
+            <a:avLst/>
+          </a:prstGeom>
+        </p:spPr>
+      </p:pic>
+      <p:sp>
+        <p:nvSpPr>
+          <p:cNvPr id="5" name="TextBox 4">
+            <a:extLst>
+              <a:ext uri="{FF2B5EF4-FFF2-40B4-BE49-F238E27FC236}">
+                <a16:creationId xmlns:a16="http://schemas.microsoft.com/office/drawing/2014/main" id="{90620F62-FBBD-C0D3-5B44-12BA715B6B10}"/>
+              </a:ext>
+            </a:extLst>
+          </p:cNvPr>
+          <p:cNvSpPr txBox="1"/>
+          <p:nvPr/>
+        </p:nvSpPr>
+        <p:spPr>
+          <a:xfrm>
+            <a:off x="8669867" y="1772517"/>
+            <a:ext cx="2819400" cy="646331"/>
+          </a:xfrm>
+          <a:prstGeom prst="rect">
+            <a:avLst/>
+          </a:prstGeom>
+          <a:noFill/>
+        </p:spPr>
+        <p:txBody>
+          <a:bodyPr wrap="square" rtlCol="0">
+            <a:spAutoFit/>
+          </a:bodyPr>
+          <a:lstStyle/>
+          <a:p>
+            <a:r>
+              <a:rPr lang="en-US" dirty="0"/>
+              <a:t>Backward pumping using shooting method</a:t>
+            </a:r>
+          </a:p>
+        </p:txBody>
+      </p:sp>
+      <p:sp>
+        <p:nvSpPr>
+          <p:cNvPr id="6" name="TextBox 5">
+            <a:extLst>
+              <a:ext uri="{FF2B5EF4-FFF2-40B4-BE49-F238E27FC236}">
+                <a16:creationId xmlns:a16="http://schemas.microsoft.com/office/drawing/2014/main" id="{85391B1C-9CFF-1F22-ED66-B05369378ABE}"/>
+              </a:ext>
+            </a:extLst>
+          </p:cNvPr>
+          <p:cNvSpPr txBox="1"/>
+          <p:nvPr/>
+        </p:nvSpPr>
+        <p:spPr>
+          <a:xfrm>
+            <a:off x="8707967" y="2782669"/>
+            <a:ext cx="2743200" cy="646331"/>
+          </a:xfrm>
+          <a:prstGeom prst="rect">
+            <a:avLst/>
+          </a:prstGeom>
+          <a:noFill/>
+        </p:spPr>
+        <p:txBody>
+          <a:bodyPr wrap="square" rtlCol="0">
+            <a:spAutoFit/>
+          </a:bodyPr>
+          <a:lstStyle/>
+          <a:p>
+            <a:r>
+              <a:rPr lang="en-US" dirty="0"/>
+              <a:t>Used: 0.7 dB insertion loss, 0.2 dB splicing loss</a:t>
+            </a:r>
+          </a:p>
+        </p:txBody>
+      </p:sp>
+    </p:spTree>
+    <p:extLst>
+      <p:ext uri="{BB962C8B-B14F-4D97-AF65-F5344CB8AC3E}">
+        <p14:creationId xmlns:p14="http://schemas.microsoft.com/office/powerpoint/2010/main" val="1026437419"/>
       </p:ext>
     </p:extLst>
   </p:cSld>

--- a/memo.pptx
+++ b/memo.pptx
@@ -5,16 +5,18 @@
     <p:sldMasterId id="2147483648" r:id="rId1"/>
   </p:sldMasterIdLst>
   <p:notesMasterIdLst>
-    <p:notesMasterId r:id="rId9"/>
+    <p:notesMasterId r:id="rId11"/>
   </p:notesMasterIdLst>
   <p:sldIdLst>
-    <p:sldId id="263" r:id="rId2"/>
-    <p:sldId id="261" r:id="rId3"/>
-    <p:sldId id="270" r:id="rId4"/>
-    <p:sldId id="272" r:id="rId5"/>
-    <p:sldId id="273" r:id="rId6"/>
-    <p:sldId id="274" r:id="rId7"/>
-    <p:sldId id="276" r:id="rId8"/>
+    <p:sldId id="278" r:id="rId2"/>
+    <p:sldId id="263" r:id="rId3"/>
+    <p:sldId id="261" r:id="rId4"/>
+    <p:sldId id="270" r:id="rId5"/>
+    <p:sldId id="272" r:id="rId6"/>
+    <p:sldId id="273" r:id="rId7"/>
+    <p:sldId id="274" r:id="rId8"/>
+    <p:sldId id="276" r:id="rId9"/>
+    <p:sldId id="277" r:id="rId10"/>
   </p:sldIdLst>
   <p:sldSz cx="12192000" cy="6858000"/>
   <p:notesSz cx="6858000" cy="9144000"/>
@@ -4166,10 +4168,10 @@
       </p:grpSpPr>
       <p:sp>
         <p:nvSpPr>
-          <p:cNvPr id="2" name="Title 1">
-            <a:extLst>
-              <a:ext uri="{FF2B5EF4-FFF2-40B4-BE49-F238E27FC236}">
-                <a16:creationId xmlns:a16="http://schemas.microsoft.com/office/drawing/2014/main" id="{ADEF71BA-DD5D-0DC2-855C-9B44BA42545E}"/>
+          <p:cNvPr id="4" name="Title 3">
+            <a:extLst>
+              <a:ext uri="{FF2B5EF4-FFF2-40B4-BE49-F238E27FC236}">
+                <a16:creationId xmlns:a16="http://schemas.microsoft.com/office/drawing/2014/main" id="{B5E082D7-49C3-BCF4-58BD-2A6446E3D73B}"/>
               </a:ext>
             </a:extLst>
           </p:cNvPr>
@@ -4187,8 +4189,33 @@
           <a:p>
             <a:r>
               <a:rPr lang="en-US" dirty="0"/>
-              <a:t>Modeling an EDFA</a:t>
-            </a:r>
+              <a:t>2 Level rate equations</a:t>
+            </a:r>
+          </a:p>
+        </p:txBody>
+      </p:sp>
+      <p:sp>
+        <p:nvSpPr>
+          <p:cNvPr id="5" name="Text Placeholder 4">
+            <a:extLst>
+              <a:ext uri="{FF2B5EF4-FFF2-40B4-BE49-F238E27FC236}">
+                <a16:creationId xmlns:a16="http://schemas.microsoft.com/office/drawing/2014/main" id="{29FE6455-E696-3BE2-1DDE-6F873A9D335F}"/>
+              </a:ext>
+            </a:extLst>
+          </p:cNvPr>
+          <p:cNvSpPr>
+            <a:spLocks noGrp="1"/>
+          </p:cNvSpPr>
+          <p:nvPr>
+            <p:ph type="body" idx="1"/>
+          </p:nvPr>
+        </p:nvSpPr>
+        <p:spPr/>
+        <p:txBody>
+          <a:bodyPr/>
+          <a:lstStyle/>
+          <a:p>
+            <a:endParaRPr lang="en-US"/>
           </a:p>
         </p:txBody>
       </p:sp>
@@ -4197,7 +4224,7 @@
           <p:cNvPr id="3" name="Slide Number Placeholder 2">
             <a:extLst>
               <a:ext uri="{FF2B5EF4-FFF2-40B4-BE49-F238E27FC236}">
-                <a16:creationId xmlns:a16="http://schemas.microsoft.com/office/drawing/2014/main" id="{98CCE90B-3AC5-C0DA-288A-34E1D1CA1FAE}"/>
+                <a16:creationId xmlns:a16="http://schemas.microsoft.com/office/drawing/2014/main" id="{9817C07C-A52F-4BAC-3B77-AE262E54C2D1}"/>
               </a:ext>
             </a:extLst>
           </p:cNvPr>
@@ -4216,6 +4243,93 @@
             <a:fld id="{B9982081-D51A-40C8-8A41-6498517A0DD4}" type="slidenum">
               <a:rPr lang="en-US" smtClean="0"/>
               <a:t>1</a:t>
+            </a:fld>
+            <a:endParaRPr lang="en-US"/>
+          </a:p>
+        </p:txBody>
+      </p:sp>
+    </p:spTree>
+    <p:extLst>
+      <p:ext uri="{BB962C8B-B14F-4D97-AF65-F5344CB8AC3E}">
+        <p14:creationId xmlns:p14="http://schemas.microsoft.com/office/powerpoint/2010/main" val="2481435167"/>
+      </p:ext>
+    </p:extLst>
+  </p:cSld>
+  <p:clrMapOvr>
+    <a:masterClrMapping/>
+  </p:clrMapOvr>
+</p:sld>
+</file>
+
+<file path=ppt/slides/slide2.xml><?xml version="1.0" encoding="utf-8"?>
+<p:sld xmlns:a="http://schemas.openxmlformats.org/drawingml/2006/main" xmlns:r="http://schemas.openxmlformats.org/officeDocument/2006/relationships" xmlns:p="http://schemas.openxmlformats.org/presentationml/2006/main">
+  <p:cSld>
+    <p:spTree>
+      <p:nvGrpSpPr>
+        <p:cNvPr id="1" name=""/>
+        <p:cNvGrpSpPr/>
+        <p:nvPr/>
+      </p:nvGrpSpPr>
+      <p:grpSpPr>
+        <a:xfrm>
+          <a:off x="0" y="0"/>
+          <a:ext cx="0" cy="0"/>
+          <a:chOff x="0" y="0"/>
+          <a:chExt cx="0" cy="0"/>
+        </a:xfrm>
+      </p:grpSpPr>
+      <p:sp>
+        <p:nvSpPr>
+          <p:cNvPr id="2" name="Title 1">
+            <a:extLst>
+              <a:ext uri="{FF2B5EF4-FFF2-40B4-BE49-F238E27FC236}">
+                <a16:creationId xmlns:a16="http://schemas.microsoft.com/office/drawing/2014/main" id="{ADEF71BA-DD5D-0DC2-855C-9B44BA42545E}"/>
+              </a:ext>
+            </a:extLst>
+          </p:cNvPr>
+          <p:cNvSpPr>
+            <a:spLocks noGrp="1"/>
+          </p:cNvSpPr>
+          <p:nvPr>
+            <p:ph type="title"/>
+          </p:nvPr>
+        </p:nvSpPr>
+        <p:spPr/>
+        <p:txBody>
+          <a:bodyPr/>
+          <a:lstStyle/>
+          <a:p>
+            <a:r>
+              <a:rPr lang="en-US" dirty="0"/>
+              <a:t>Modeling an EDFA</a:t>
+            </a:r>
+          </a:p>
+        </p:txBody>
+      </p:sp>
+      <p:sp>
+        <p:nvSpPr>
+          <p:cNvPr id="3" name="Slide Number Placeholder 2">
+            <a:extLst>
+              <a:ext uri="{FF2B5EF4-FFF2-40B4-BE49-F238E27FC236}">
+                <a16:creationId xmlns:a16="http://schemas.microsoft.com/office/drawing/2014/main" id="{98CCE90B-3AC5-C0DA-288A-34E1D1CA1FAE}"/>
+              </a:ext>
+            </a:extLst>
+          </p:cNvPr>
+          <p:cNvSpPr>
+            <a:spLocks noGrp="1"/>
+          </p:cNvSpPr>
+          <p:nvPr>
+            <p:ph type="sldNum" sz="quarter" idx="12"/>
+          </p:nvPr>
+        </p:nvSpPr>
+        <p:spPr/>
+        <p:txBody>
+          <a:bodyPr/>
+          <a:lstStyle/>
+          <a:p>
+            <a:fld id="{B9982081-D51A-40C8-8A41-6498517A0DD4}" type="slidenum">
+              <a:rPr lang="en-US" smtClean="0"/>
+              <a:t>2</a:t>
             </a:fld>
             <a:endParaRPr lang="en-US"/>
           </a:p>
@@ -4428,222 +4542,50 @@
           </p:sp>
         </mc:Fallback>
       </mc:AlternateContent>
-      <mc:AlternateContent xmlns:mc="http://schemas.openxmlformats.org/markup-compatibility/2006" xmlns:a14="http://schemas.microsoft.com/office/drawing/2010/main">
-        <mc:Choice Requires="a14">
-          <p:sp>
-            <p:nvSpPr>
-              <p:cNvPr id="8" name="TextBox 7">
-                <a:extLst>
-                  <a:ext uri="{FF2B5EF4-FFF2-40B4-BE49-F238E27FC236}">
-                    <a16:creationId xmlns:a16="http://schemas.microsoft.com/office/drawing/2014/main" id="{AEEA68EF-D9E2-2D25-16AD-F4431FD27AEC}"/>
-                  </a:ext>
-                </a:extLst>
-              </p:cNvPr>
-              <p:cNvSpPr txBox="1"/>
-              <p:nvPr/>
-            </p:nvSpPr>
-            <p:spPr>
-              <a:xfrm>
-                <a:off x="6256909" y="1590720"/>
-                <a:ext cx="5479669" cy="1797159"/>
-              </a:xfrm>
-              <a:prstGeom prst="rect">
-                <a:avLst/>
-              </a:prstGeom>
-              <a:noFill/>
-              <a:ln w="25400">
-                <a:solidFill>
-                  <a:schemeClr val="tx1"/>
-                </a:solidFill>
-              </a:ln>
-            </p:spPr>
-            <p:txBody>
-              <a:bodyPr wrap="square" rtlCol="0">
-                <a:spAutoFit/>
-              </a:bodyPr>
-              <a:lstStyle/>
-              <a:p>
-                <a:pPr marL="285750" indent="-285750">
-                  <a:buFont typeface="Arial" panose="020B0604020202020204" pitchFamily="34" charset="0"/>
-                  <a:buChar char="•"/>
-                </a:pPr>
-                <a:r>
-                  <a:rPr lang="en-US" dirty="0"/>
-                  <a:t>Assume pump transition undergoes non-radiative decay immediately to the metastable state → can model as a two-level system:</a:t>
-                </a:r>
-              </a:p>
-              <a:p>
-                <a:pPr marL="285750" indent="-285750">
-                  <a:buFont typeface="Arial" panose="020B0604020202020204" pitchFamily="34" charset="0"/>
-                  <a:buChar char="•"/>
-                </a:pPr>
-                <a:endParaRPr lang="en-US" dirty="0"/>
-              </a:p>
-              <a:p>
-                <a:pPr/>
-                <a14:m>
-                  <m:oMathPara xmlns:m="http://schemas.openxmlformats.org/officeDocument/2006/math">
-                    <m:oMathParaPr>
-                      <m:jc m:val="centerGroup"/>
-                    </m:oMathParaPr>
-                    <m:oMath xmlns:m="http://schemas.openxmlformats.org/officeDocument/2006/math">
-                      <m:sSub>
-                        <m:sSubPr>
-                          <m:ctrlPr>
-                            <a:rPr lang="en-US" b="0" i="1" smtClean="0">
-                              <a:latin typeface="Cambria Math" panose="02040503050406030204" pitchFamily="18" charset="0"/>
-                            </a:rPr>
-                          </m:ctrlPr>
-                        </m:sSubPr>
-                        <m:e>
-                          <m:r>
-                            <a:rPr lang="en-US" b="0" i="1" smtClean="0">
-                              <a:latin typeface="Cambria Math" panose="02040503050406030204" pitchFamily="18" charset="0"/>
-                            </a:rPr>
-                            <m:t>𝜎</m:t>
-                          </m:r>
-                        </m:e>
-                        <m:sub>
-                          <m:r>
-                            <a:rPr lang="en-US" b="0" i="1" smtClean="0">
-                              <a:latin typeface="Cambria Math" panose="02040503050406030204" pitchFamily="18" charset="0"/>
-                            </a:rPr>
-                            <m:t>𝑎</m:t>
-                          </m:r>
-                          <m:r>
-                            <a:rPr lang="en-US" b="0" i="1" smtClean="0">
-                              <a:latin typeface="Cambria Math" panose="02040503050406030204" pitchFamily="18" charset="0"/>
-                            </a:rPr>
-                            <m:t>, </m:t>
-                          </m:r>
-                          <m:r>
-                            <a:rPr lang="en-US" b="0" i="1" smtClean="0">
-                              <a:latin typeface="Cambria Math" panose="02040503050406030204" pitchFamily="18" charset="0"/>
-                            </a:rPr>
-                            <m:t>𝑝</m:t>
-                          </m:r>
-                        </m:sub>
-                      </m:sSub>
-                      <m:r>
-                        <a:rPr lang="en-US" b="0" i="1" smtClean="0">
-                          <a:latin typeface="Cambria Math" panose="02040503050406030204" pitchFamily="18" charset="0"/>
-                        </a:rPr>
-                        <m:t>&gt;0</m:t>
-                      </m:r>
-                    </m:oMath>
-                  </m:oMathPara>
-                </a14:m>
-                <a:endParaRPr lang="en-US" b="0" dirty="0"/>
-              </a:p>
-              <a:p>
-                <a:pPr/>
-                <a14:m>
-                  <m:oMathPara xmlns:m="http://schemas.openxmlformats.org/officeDocument/2006/math">
-                    <m:oMathParaPr>
-                      <m:jc m:val="centerGroup"/>
-                    </m:oMathParaPr>
-                    <m:oMath xmlns:m="http://schemas.openxmlformats.org/officeDocument/2006/math">
-                      <m:sSub>
-                        <m:sSubPr>
-                          <m:ctrlPr>
-                            <a:rPr lang="en-US" b="0" i="1" smtClean="0">
-                              <a:latin typeface="Cambria Math" panose="02040503050406030204" pitchFamily="18" charset="0"/>
-                            </a:rPr>
-                          </m:ctrlPr>
-                        </m:sSubPr>
-                        <m:e>
-                          <m:r>
-                            <a:rPr lang="en-US" b="0" i="1" smtClean="0">
-                              <a:latin typeface="Cambria Math" panose="02040503050406030204" pitchFamily="18" charset="0"/>
-                            </a:rPr>
-                            <m:t>𝜎</m:t>
-                          </m:r>
-                        </m:e>
-                        <m:sub>
-                          <m:r>
-                            <a:rPr lang="en-US" b="0" i="1" smtClean="0">
-                              <a:latin typeface="Cambria Math" panose="02040503050406030204" pitchFamily="18" charset="0"/>
-                            </a:rPr>
-                            <m:t>𝑒</m:t>
-                          </m:r>
-                          <m:r>
-                            <a:rPr lang="en-US" b="0" i="1" smtClean="0">
-                              <a:latin typeface="Cambria Math" panose="02040503050406030204" pitchFamily="18" charset="0"/>
-                            </a:rPr>
-                            <m:t>,</m:t>
-                          </m:r>
-                          <m:r>
-                            <a:rPr lang="en-US" b="0" i="1" smtClean="0">
-                              <a:latin typeface="Cambria Math" panose="02040503050406030204" pitchFamily="18" charset="0"/>
-                            </a:rPr>
-                            <m:t>𝑝</m:t>
-                          </m:r>
-                        </m:sub>
-                      </m:sSub>
-                      <m:r>
-                        <a:rPr lang="en-US" b="0" i="1" smtClean="0">
-                          <a:latin typeface="Cambria Math" panose="02040503050406030204" pitchFamily="18" charset="0"/>
-                        </a:rPr>
-                        <m:t>=0</m:t>
-                      </m:r>
-                    </m:oMath>
-                  </m:oMathPara>
-                </a14:m>
-                <a:endParaRPr lang="en-US" dirty="0"/>
-              </a:p>
-            </p:txBody>
-          </p:sp>
-        </mc:Choice>
-        <mc:Fallback xmlns="">
-          <p:sp>
-            <p:nvSpPr>
-              <p:cNvPr id="8" name="TextBox 7">
-                <a:extLst>
-                  <a:ext uri="{FF2B5EF4-FFF2-40B4-BE49-F238E27FC236}">
-                    <a16:creationId xmlns:a16="http://schemas.microsoft.com/office/drawing/2014/main" id="{AEEA68EF-D9E2-2D25-16AD-F4431FD27AEC}"/>
-                  </a:ext>
-                </a:extLst>
-              </p:cNvPr>
-              <p:cNvSpPr txBox="1">
-                <a:spLocks noRot="1" noChangeAspect="1" noMove="1" noResize="1" noEditPoints="1" noAdjustHandles="1" noChangeArrowheads="1" noChangeShapeType="1" noTextEdit="1"/>
-              </p:cNvSpPr>
-              <p:nvPr/>
-            </p:nvSpPr>
-            <p:spPr>
-              <a:xfrm>
-                <a:off x="6256909" y="1590720"/>
-                <a:ext cx="5479669" cy="1797159"/>
-              </a:xfrm>
-              <a:prstGeom prst="rect">
-                <a:avLst/>
-              </a:prstGeom>
-              <a:blipFill>
-                <a:blip r:embed="rId4"/>
-                <a:stretch>
-                  <a:fillRect l="-461" t="-1389"/>
-                </a:stretch>
-              </a:blipFill>
-              <a:ln w="25400">
-                <a:solidFill>
-                  <a:schemeClr val="tx1"/>
-                </a:solidFill>
-              </a:ln>
-            </p:spPr>
-            <p:txBody>
-              <a:bodyPr/>
-              <a:lstStyle/>
-              <a:p>
-                <a:r>
-                  <a:rPr lang="en-US">
-                    <a:noFill/>
-                  </a:rPr>
-                  <a:t> </a:t>
-                </a:r>
-              </a:p>
-            </p:txBody>
-          </p:sp>
-        </mc:Fallback>
-      </mc:AlternateContent>
+      <p:sp>
+        <p:nvSpPr>
+          <p:cNvPr id="8" name="TextBox 7">
+            <a:extLst>
+              <a:ext uri="{FF2B5EF4-FFF2-40B4-BE49-F238E27FC236}">
+                <a16:creationId xmlns:a16="http://schemas.microsoft.com/office/drawing/2014/main" id="{AEEA68EF-D9E2-2D25-16AD-F4431FD27AEC}"/>
+              </a:ext>
+            </a:extLst>
+          </p:cNvPr>
+          <p:cNvSpPr txBox="1"/>
+          <p:nvPr/>
+        </p:nvSpPr>
+        <p:spPr>
+          <a:xfrm>
+            <a:off x="6256909" y="1590720"/>
+            <a:ext cx="5479669" cy="923330"/>
+          </a:xfrm>
+          <a:prstGeom prst="rect">
+            <a:avLst/>
+          </a:prstGeom>
+          <a:noFill/>
+          <a:ln w="25400">
+            <a:solidFill>
+              <a:schemeClr val="tx1"/>
+            </a:solidFill>
+          </a:ln>
+        </p:spPr>
+        <p:txBody>
+          <a:bodyPr wrap="square" rtlCol="0">
+            <a:spAutoFit/>
+          </a:bodyPr>
+          <a:lstStyle/>
+          <a:p>
+            <a:pPr marL="285750" indent="-285750">
+              <a:buFont typeface="Arial" panose="020B0604020202020204" pitchFamily="34" charset="0"/>
+              <a:buChar char="•"/>
+            </a:pPr>
+            <a:r>
+              <a:rPr lang="en-US" dirty="0"/>
+              <a:t>Assume pump transition undergoes non-radiative decay immediately to the metastable state → can model as a two-level system:</a:t>
+            </a:r>
+          </a:p>
+        </p:txBody>
+      </p:sp>
       <p:cxnSp>
         <p:nvCxnSpPr>
           <p:cNvPr id="11" name="Straight Arrow Connector 10">
@@ -4700,7 +4642,7 @@
         </p:nvGrpSpPr>
         <p:grpSpPr>
           <a:xfrm>
-            <a:off x="6256909" y="3758184"/>
+            <a:off x="6256909" y="2815272"/>
             <a:ext cx="3395325" cy="1920783"/>
             <a:chOff x="5577840" y="3886200"/>
             <a:chExt cx="3395325" cy="1920783"/>
@@ -5603,8 +5545,8 @@
           </mc:Fallback>
         </mc:AlternateContent>
       </p:grpSp>
-      <mc:AlternateContent xmlns:mc="http://schemas.openxmlformats.org/markup-compatibility/2006" xmlns:a14="http://schemas.microsoft.com/office/drawing/2010/main">
-        <mc:Choice Requires="a14">
+      <mc:AlternateContent xmlns:mc="http://schemas.openxmlformats.org/markup-compatibility/2006">
+        <mc:Choice xmlns:a14="http://schemas.microsoft.com/office/drawing/2010/main" Requires="a14">
           <p:sp>
             <p:nvSpPr>
               <p:cNvPr id="17" name="TextBox 16">
@@ -5619,7 +5561,7 @@
             </p:nvSpPr>
             <p:spPr>
               <a:xfrm>
-                <a:off x="6256909" y="5770466"/>
+                <a:off x="6256909" y="4827554"/>
                 <a:ext cx="4094839" cy="517770"/>
               </a:xfrm>
               <a:prstGeom prst="rect">
@@ -5780,7 +5722,7 @@
             </p:txBody>
           </p:sp>
         </mc:Choice>
-        <mc:Fallback xmlns="">
+        <mc:Fallback>
           <p:sp>
             <p:nvSpPr>
               <p:cNvPr id="17" name="TextBox 16">
@@ -5797,7 +5739,7 @@
             </p:nvSpPr>
             <p:spPr>
               <a:xfrm>
-                <a:off x="6256909" y="5770466"/>
+                <a:off x="6256909" y="4827554"/>
                 <a:ext cx="4094839" cy="517770"/>
               </a:xfrm>
               <a:prstGeom prst="rect">
@@ -5806,7 +5748,7 @@
               <a:blipFill>
                 <a:blip r:embed="rId8"/>
                 <a:stretch>
-                  <a:fillRect l="-1235" r="-309"/>
+                  <a:fillRect l="-1235" r="-309" b="-2439"/>
                 </a:stretch>
               </a:blipFill>
             </p:spPr>
@@ -5838,7 +5780,7 @@
 </p:sld>
 </file>
 
-<file path=ppt/slides/slide2.xml><?xml version="1.0" encoding="utf-8"?>
+<file path=ppt/slides/slide3.xml><?xml version="1.0" encoding="utf-8"?>
 <p:sld xmlns:a="http://schemas.openxmlformats.org/drawingml/2006/main" xmlns:r="http://schemas.openxmlformats.org/officeDocument/2006/relationships" xmlns:p="http://schemas.openxmlformats.org/presentationml/2006/main">
   <p:cSld>
     <p:spTree>
@@ -5906,7 +5848,7 @@
           <a:p>
             <a:fld id="{B9982081-D51A-40C8-8A41-6498517A0DD4}" type="slidenum">
               <a:rPr lang="en-US" smtClean="0"/>
-              <a:t>2</a:t>
+              <a:t>3</a:t>
             </a:fld>
             <a:endParaRPr lang="en-US"/>
           </a:p>
@@ -7521,97 +7463,159 @@
           </a:p>
         </p:txBody>
       </p:sp>
-      <p:sp>
-        <p:nvSpPr>
-          <p:cNvPr id="15" name="TextBox 14">
-            <a:extLst>
-              <a:ext uri="{FF2B5EF4-FFF2-40B4-BE49-F238E27FC236}">
-                <a16:creationId xmlns:a16="http://schemas.microsoft.com/office/drawing/2014/main" id="{B06D07D4-0DC5-A199-7C3E-95AA93DF0AA6}"/>
-              </a:ext>
-            </a:extLst>
-          </p:cNvPr>
-          <p:cNvSpPr txBox="1"/>
-          <p:nvPr/>
-        </p:nvSpPr>
-        <p:spPr>
-          <a:xfrm>
-            <a:off x="7526325" y="1473115"/>
-            <a:ext cx="3303020" cy="1477328"/>
-          </a:xfrm>
-          <a:prstGeom prst="rect">
-            <a:avLst/>
-          </a:prstGeom>
-          <a:noFill/>
-        </p:spPr>
-        <p:txBody>
-          <a:bodyPr wrap="none" rtlCol="0">
-            <a:spAutoFit/>
-          </a:bodyPr>
-          <a:lstStyle/>
-          <a:p>
-            <a:r>
-              <a:rPr lang="en-US" dirty="0"/>
-              <a:t>Need to know:</a:t>
-            </a:r>
-          </a:p>
-          <a:p>
-            <a:pPr marL="342900" indent="-342900">
-              <a:buFont typeface="+mj-lt"/>
-              <a:buAutoNum type="arabicPeriod"/>
-            </a:pPr>
-            <a:r>
-              <a:rPr lang="en-US" dirty="0"/>
-              <a:t>Absorption cross-section (m</a:t>
-            </a:r>
-            <a:r>
-              <a:rPr lang="en-US" baseline="30000" dirty="0"/>
-              <a:t>2</a:t>
-            </a:r>
-            <a:r>
-              <a:rPr lang="en-US" dirty="0"/>
-              <a:t>)</a:t>
-            </a:r>
-          </a:p>
-          <a:p>
-            <a:pPr marL="342900" indent="-342900">
-              <a:buFont typeface="+mj-lt"/>
-              <a:buAutoNum type="arabicPeriod"/>
-            </a:pPr>
-            <a:r>
-              <a:rPr lang="en-US" dirty="0"/>
-              <a:t>Emission cross-section (m</a:t>
-            </a:r>
-            <a:r>
-              <a:rPr lang="en-US" baseline="30000" dirty="0"/>
-              <a:t>2</a:t>
-            </a:r>
-            <a:r>
-              <a:rPr lang="en-US" dirty="0"/>
-              <a:t>)</a:t>
-            </a:r>
-          </a:p>
-          <a:p>
-            <a:pPr marL="342900" indent="-342900">
-              <a:buFont typeface="+mj-lt"/>
-              <a:buAutoNum type="arabicPeriod"/>
-            </a:pPr>
-            <a:r>
-              <a:rPr lang="en-US" dirty="0"/>
-              <a:t>Fiber core size</a:t>
-            </a:r>
-          </a:p>
-          <a:p>
-            <a:pPr marL="342900" indent="-342900">
-              <a:buFont typeface="+mj-lt"/>
-              <a:buAutoNum type="arabicPeriod"/>
-            </a:pPr>
-            <a:r>
-              <a:rPr lang="en-US" dirty="0"/>
-              <a:t>Excited state lifetime</a:t>
-            </a:r>
-          </a:p>
-        </p:txBody>
-      </p:sp>
+      <mc:AlternateContent xmlns:mc="http://schemas.openxmlformats.org/markup-compatibility/2006">
+        <mc:Choice xmlns:a14="http://schemas.microsoft.com/office/drawing/2010/main" Requires="a14">
+          <p:sp>
+            <p:nvSpPr>
+              <p:cNvPr id="15" name="TextBox 14">
+                <a:extLst>
+                  <a:ext uri="{FF2B5EF4-FFF2-40B4-BE49-F238E27FC236}">
+                    <a16:creationId xmlns:a16="http://schemas.microsoft.com/office/drawing/2014/main" id="{B06D07D4-0DC5-A199-7C3E-95AA93DF0AA6}"/>
+                  </a:ext>
+                </a:extLst>
+              </p:cNvPr>
+              <p:cNvSpPr txBox="1"/>
+              <p:nvPr/>
+            </p:nvSpPr>
+            <p:spPr>
+              <a:xfrm>
+                <a:off x="7526325" y="1319216"/>
+                <a:ext cx="4411675" cy="1754326"/>
+              </a:xfrm>
+              <a:prstGeom prst="rect">
+                <a:avLst/>
+              </a:prstGeom>
+              <a:noFill/>
+            </p:spPr>
+            <p:txBody>
+              <a:bodyPr wrap="square" rtlCol="0">
+                <a:spAutoFit/>
+              </a:bodyPr>
+              <a:lstStyle/>
+              <a:p>
+                <a:r>
+                  <a:rPr lang="en-US" dirty="0"/>
+                  <a:t>Need to know:</a:t>
+                </a:r>
+              </a:p>
+              <a:p>
+                <a:pPr marL="342900" indent="-342900">
+                  <a:buFont typeface="+mj-lt"/>
+                  <a:buAutoNum type="arabicPeriod"/>
+                </a:pPr>
+                <a:r>
+                  <a:rPr lang="en-US" dirty="0"/>
+                  <a:t>Absorption cross-section (m</a:t>
+                </a:r>
+                <a:r>
+                  <a:rPr lang="en-US" baseline="30000" dirty="0"/>
+                  <a:t>2</a:t>
+                </a:r>
+                <a:r>
+                  <a:rPr lang="en-US" dirty="0"/>
+                  <a:t>)</a:t>
+                </a:r>
+              </a:p>
+              <a:p>
+                <a:pPr marL="342900" indent="-342900">
+                  <a:buFont typeface="+mj-lt"/>
+                  <a:buAutoNum type="arabicPeriod"/>
+                </a:pPr>
+                <a:r>
+                  <a:rPr lang="en-US" dirty="0"/>
+                  <a:t>Emission cross-section (m</a:t>
+                </a:r>
+                <a:r>
+                  <a:rPr lang="en-US" baseline="30000" dirty="0"/>
+                  <a:t>2</a:t>
+                </a:r>
+                <a:r>
+                  <a:rPr lang="en-US" dirty="0"/>
+                  <a:t>)</a:t>
+                </a:r>
+              </a:p>
+              <a:p>
+                <a:pPr marL="342900" indent="-342900">
+                  <a:buFont typeface="+mj-lt"/>
+                  <a:buAutoNum type="arabicPeriod"/>
+                </a:pPr>
+                <a:r>
+                  <a:rPr lang="en-US" dirty="0"/>
+                  <a:t>Fiber core size</a:t>
+                </a:r>
+              </a:p>
+              <a:p>
+                <a:pPr marL="342900" indent="-342900">
+                  <a:buFont typeface="+mj-lt"/>
+                  <a:buAutoNum type="arabicPeriod"/>
+                </a:pPr>
+                <a:r>
+                  <a:rPr lang="en-US" dirty="0"/>
+                  <a:t>Excited state lifetime (well known from literature </a:t>
+                </a:r>
+                <a14:m>
+                  <m:oMath xmlns:m="http://schemas.openxmlformats.org/officeDocument/2006/math">
+                    <m:r>
+                      <a:rPr lang="en-US" b="0" i="1" smtClean="0">
+                        <a:latin typeface="Cambria Math" panose="02040503050406030204" pitchFamily="18" charset="0"/>
+                      </a:rPr>
+                      <m:t>~</m:t>
+                    </m:r>
+                  </m:oMath>
+                </a14:m>
+                <a:r>
+                  <a:rPr lang="en-US" dirty="0"/>
+                  <a:t> 10 ms)</a:t>
+                </a:r>
+              </a:p>
+            </p:txBody>
+          </p:sp>
+        </mc:Choice>
+        <mc:Fallback>
+          <p:sp>
+            <p:nvSpPr>
+              <p:cNvPr id="15" name="TextBox 14">
+                <a:extLst>
+                  <a:ext uri="{FF2B5EF4-FFF2-40B4-BE49-F238E27FC236}">
+                    <a16:creationId xmlns:a16="http://schemas.microsoft.com/office/drawing/2014/main" id="{B06D07D4-0DC5-A199-7C3E-95AA93DF0AA6}"/>
+                  </a:ext>
+                </a:extLst>
+              </p:cNvPr>
+              <p:cNvSpPr txBox="1">
+                <a:spLocks noRot="1" noChangeAspect="1" noMove="1" noResize="1" noEditPoints="1" noAdjustHandles="1" noChangeArrowheads="1" noChangeShapeType="1" noTextEdit="1"/>
+              </p:cNvSpPr>
+              <p:nvPr/>
+            </p:nvSpPr>
+            <p:spPr>
+              <a:xfrm>
+                <a:off x="7526325" y="1319216"/>
+                <a:ext cx="4411675" cy="1754326"/>
+              </a:xfrm>
+              <a:prstGeom prst="rect">
+                <a:avLst/>
+              </a:prstGeom>
+              <a:blipFill>
+                <a:blip r:embed="rId6"/>
+                <a:stretch>
+                  <a:fillRect l="-1149" t="-1439" b="-5036"/>
+                </a:stretch>
+              </a:blipFill>
+            </p:spPr>
+            <p:txBody>
+              <a:bodyPr/>
+              <a:lstStyle/>
+              <a:p>
+                <a:r>
+                  <a:rPr lang="en-US">
+                    <a:noFill/>
+                  </a:rPr>
+                  <a:t> </a:t>
+                </a:r>
+              </a:p>
+            </p:txBody>
+          </p:sp>
+        </mc:Fallback>
+      </mc:AlternateContent>
       <p:pic>
         <p:nvPicPr>
           <p:cNvPr id="20" name="Picture 19">
@@ -7627,7 +7631,7 @@
           <p:nvPr/>
         </p:nvPicPr>
         <p:blipFill>
-          <a:blip r:embed="rId6"/>
+          <a:blip r:embed="rId7"/>
           <a:stretch>
             <a:fillRect/>
           </a:stretch>
@@ -8630,7 +8634,7 @@
 </p:sld>
 </file>
 
-<file path=ppt/slides/slide3.xml><?xml version="1.0" encoding="utf-8"?>
+<file path=ppt/slides/slide4.xml><?xml version="1.0" encoding="utf-8"?>
 <p:sld xmlns:a="http://schemas.openxmlformats.org/drawingml/2006/main" xmlns:r="http://schemas.openxmlformats.org/officeDocument/2006/relationships" xmlns:p="http://schemas.openxmlformats.org/presentationml/2006/main">
   <p:cSld>
     <p:spTree>
@@ -8700,7 +8704,7 @@
           <a:p>
             <a:fld id="{B9982081-D51A-40C8-8A41-6498517A0DD4}" type="slidenum">
               <a:rPr lang="en-US" smtClean="0"/>
-              <a:t>3</a:t>
+              <a:t>4</a:t>
             </a:fld>
             <a:endParaRPr lang="en-US"/>
           </a:p>
@@ -8745,36 +8749,6 @@
           </a:p>
         </p:txBody>
       </p:sp>
-      <p:pic>
-        <p:nvPicPr>
-          <p:cNvPr id="11" name="Picture 10">
-            <a:extLst>
-              <a:ext uri="{FF2B5EF4-FFF2-40B4-BE49-F238E27FC236}">
-                <a16:creationId xmlns:a16="http://schemas.microsoft.com/office/drawing/2014/main" id="{C4272780-B886-FD15-B550-BAF6E74AA99D}"/>
-              </a:ext>
-            </a:extLst>
-          </p:cNvPr>
-          <p:cNvPicPr>
-            <a:picLocks noChangeAspect="1"/>
-          </p:cNvPicPr>
-          <p:nvPr/>
-        </p:nvPicPr>
-        <p:blipFill>
-          <a:blip r:embed="rId2"/>
-          <a:stretch>
-            <a:fillRect/>
-          </a:stretch>
-        </p:blipFill>
-        <p:spPr>
-          <a:xfrm>
-            <a:off x="973667" y="1320799"/>
-            <a:ext cx="6596239" cy="4947179"/>
-          </a:xfrm>
-          <a:prstGeom prst="rect">
-            <a:avLst/>
-          </a:prstGeom>
-        </p:spPr>
-      </p:pic>
       <p:sp>
         <p:nvSpPr>
           <p:cNvPr id="12" name="TextBox 11">
@@ -8810,6 +8784,80 @@
           </a:p>
         </p:txBody>
       </p:sp>
+      <p:pic>
+        <p:nvPicPr>
+          <p:cNvPr id="14" name="Picture 13">
+            <a:extLst>
+              <a:ext uri="{FF2B5EF4-FFF2-40B4-BE49-F238E27FC236}">
+                <a16:creationId xmlns:a16="http://schemas.microsoft.com/office/drawing/2014/main" id="{744EE2DF-767A-D6E9-F681-7DCBE4B002BE}"/>
+              </a:ext>
+            </a:extLst>
+          </p:cNvPr>
+          <p:cNvPicPr>
+            <a:picLocks noChangeAspect="1"/>
+          </p:cNvPicPr>
+          <p:nvPr/>
+        </p:nvPicPr>
+        <p:blipFill>
+          <a:blip r:embed="rId2"/>
+          <a:stretch>
+            <a:fillRect/>
+          </a:stretch>
+        </p:blipFill>
+        <p:spPr>
+          <a:xfrm>
+            <a:off x="838200" y="1295400"/>
+            <a:ext cx="6527800" cy="4895850"/>
+          </a:xfrm>
+          <a:prstGeom prst="rect">
+            <a:avLst/>
+          </a:prstGeom>
+        </p:spPr>
+      </p:pic>
+      <p:sp>
+        <p:nvSpPr>
+          <p:cNvPr id="15" name="TextBox 14">
+            <a:extLst>
+              <a:ext uri="{FF2B5EF4-FFF2-40B4-BE49-F238E27FC236}">
+                <a16:creationId xmlns:a16="http://schemas.microsoft.com/office/drawing/2014/main" id="{A1F9F4BF-189F-52FD-7658-7E6FFC7484AC}"/>
+              </a:ext>
+            </a:extLst>
+          </p:cNvPr>
+          <p:cNvSpPr txBox="1"/>
+          <p:nvPr/>
+        </p:nvSpPr>
+        <p:spPr>
+          <a:xfrm>
+            <a:off x="7806267" y="3403599"/>
+            <a:ext cx="3259666" cy="2308324"/>
+          </a:xfrm>
+          <a:prstGeom prst="rect">
+            <a:avLst/>
+          </a:prstGeom>
+          <a:noFill/>
+        </p:spPr>
+        <p:txBody>
+          <a:bodyPr wrap="square" rtlCol="0">
+            <a:spAutoFit/>
+          </a:bodyPr>
+          <a:lstStyle/>
+          <a:p>
+            <a:r>
+              <a:rPr lang="en-US" dirty="0"/>
+              <a:t>Since seed power is quite high, this likely isn’t due to unaccounted ASE? </a:t>
+            </a:r>
+          </a:p>
+          <a:p>
+            <a:endParaRPr lang="en-US" dirty="0"/>
+          </a:p>
+          <a:p>
+            <a:r>
+              <a:rPr lang="en-US" dirty="0"/>
+              <a:t>So, the next step to try is to  account for excited state absorption, since green fluorescence is always observed. </a:t>
+            </a:r>
+          </a:p>
+        </p:txBody>
+      </p:sp>
     </p:spTree>
     <p:extLst>
       <p:ext uri="{BB962C8B-B14F-4D97-AF65-F5344CB8AC3E}">
@@ -8823,7 +8871,7 @@
 </p:sld>
 </file>
 
-<file path=ppt/slides/slide4.xml><?xml version="1.0" encoding="utf-8"?>
+<file path=ppt/slides/slide5.xml><?xml version="1.0" encoding="utf-8"?>
 <p:sld xmlns:a="http://schemas.openxmlformats.org/drawingml/2006/main" xmlns:r="http://schemas.openxmlformats.org/officeDocument/2006/relationships" xmlns:p="http://schemas.openxmlformats.org/presentationml/2006/main">
   <p:cSld>
     <p:spTree>
@@ -8916,7 +8964,7 @@
           <a:p>
             <a:fld id="{B9982081-D51A-40C8-8A41-6498517A0DD4}" type="slidenum">
               <a:rPr lang="en-US" smtClean="0"/>
-              <a:t>4</a:t>
+              <a:t>5</a:t>
             </a:fld>
             <a:endParaRPr lang="en-US"/>
           </a:p>
@@ -8935,7 +8983,7 @@
 </p:sld>
 </file>
 
-<file path=ppt/slides/slide5.xml><?xml version="1.0" encoding="utf-8"?>
+<file path=ppt/slides/slide6.xml><?xml version="1.0" encoding="utf-8"?>
 <p:sld xmlns:a="http://schemas.openxmlformats.org/drawingml/2006/main" xmlns:r="http://schemas.openxmlformats.org/officeDocument/2006/relationships" xmlns:p="http://schemas.openxmlformats.org/presentationml/2006/main">
   <p:cSld>
     <p:spTree>
@@ -9062,7 +9110,7 @@
           <a:p>
             <a:fld id="{B9982081-D51A-40C8-8A41-6498517A0DD4}" type="slidenum">
               <a:rPr lang="en-US" smtClean="0"/>
-              <a:t>5</a:t>
+              <a:t>6</a:t>
             </a:fld>
             <a:endParaRPr lang="en-US"/>
           </a:p>
@@ -9138,7 +9186,7 @@
             </a:pPr>
             <a:r>
               <a:rPr lang="en-US" dirty="0"/>
-              <a:t>You need to include lifetimes to “close” the circuit if you want to apply steady state (i.e. energy needs to be conserved). </a:t>
+              <a:t>You need to include lifetimes to “close” the circuit if you want to apply steady state (i.e. electron number needs to be conserved)</a:t>
             </a:r>
           </a:p>
           <a:p>
@@ -9148,7 +9196,7 @@
             </a:pPr>
             <a:r>
               <a:rPr lang="en-US" dirty="0"/>
-              <a:t>You can isolate population to the pump level (3), laser excited state (2), and (5) which is responsible for the green fluorescence.</a:t>
+              <a:t>You can isolate population to the laser excited state (2), pump level (3), and pump excited state (5) which is responsible for the green fluorescence.</a:t>
             </a:r>
           </a:p>
           <a:p>
@@ -9334,199 +9382,6 @@
     <p:extLst>
       <p:ext uri="{BB962C8B-B14F-4D97-AF65-F5344CB8AC3E}">
         <p14:creationId xmlns:p14="http://schemas.microsoft.com/office/powerpoint/2010/main" val="4119830051"/>
-      </p:ext>
-    </p:extLst>
-  </p:cSld>
-  <p:clrMapOvr>
-    <a:masterClrMapping/>
-  </p:clrMapOvr>
-</p:sld>
-</file>
-
-<file path=ppt/slides/slide6.xml><?xml version="1.0" encoding="utf-8"?>
-<p:sld xmlns:a="http://schemas.openxmlformats.org/drawingml/2006/main" xmlns:r="http://schemas.openxmlformats.org/officeDocument/2006/relationships" xmlns:p="http://schemas.openxmlformats.org/presentationml/2006/main">
-  <p:cSld>
-    <p:spTree>
-      <p:nvGrpSpPr>
-        <p:cNvPr id="1" name=""/>
-        <p:cNvGrpSpPr/>
-        <p:nvPr/>
-      </p:nvGrpSpPr>
-      <p:grpSpPr>
-        <a:xfrm>
-          <a:off x="0" y="0"/>
-          <a:ext cx="0" cy="0"/>
-          <a:chOff x="0" y="0"/>
-          <a:chExt cx="0" cy="0"/>
-        </a:xfrm>
-      </p:grpSpPr>
-      <p:sp>
-        <p:nvSpPr>
-          <p:cNvPr id="3" name="Slide Number Placeholder 2">
-            <a:extLst>
-              <a:ext uri="{FF2B5EF4-FFF2-40B4-BE49-F238E27FC236}">
-                <a16:creationId xmlns:a16="http://schemas.microsoft.com/office/drawing/2014/main" id="{71E61EC8-6D22-D841-9539-56AF72B0130C}"/>
-              </a:ext>
-            </a:extLst>
-          </p:cNvPr>
-          <p:cNvSpPr>
-            <a:spLocks noGrp="1"/>
-          </p:cNvSpPr>
-          <p:nvPr>
-            <p:ph type="sldNum" sz="quarter" idx="12"/>
-          </p:nvPr>
-        </p:nvSpPr>
-        <p:spPr/>
-        <p:txBody>
-          <a:bodyPr/>
-          <a:lstStyle/>
-          <a:p>
-            <a:fld id="{B9982081-D51A-40C8-8A41-6498517A0DD4}" type="slidenum">
-              <a:rPr lang="en-US" smtClean="0"/>
-              <a:t>6</a:t>
-            </a:fld>
-            <a:endParaRPr lang="en-US"/>
-          </a:p>
-        </p:txBody>
-      </p:sp>
-      <p:sp>
-        <p:nvSpPr>
-          <p:cNvPr id="5" name="TextBox 4">
-            <a:extLst>
-              <a:ext uri="{FF2B5EF4-FFF2-40B4-BE49-F238E27FC236}">
-                <a16:creationId xmlns:a16="http://schemas.microsoft.com/office/drawing/2014/main" id="{DE8BDE8C-9EED-77F2-E508-9E4D1BABC917}"/>
-              </a:ext>
-            </a:extLst>
-          </p:cNvPr>
-          <p:cNvSpPr txBox="1"/>
-          <p:nvPr/>
-        </p:nvSpPr>
-        <p:spPr>
-          <a:xfrm>
-            <a:off x="8411289" y="1540807"/>
-            <a:ext cx="3141822" cy="369332"/>
-          </a:xfrm>
-          <a:prstGeom prst="rect">
-            <a:avLst/>
-          </a:prstGeom>
-          <a:noFill/>
-        </p:spPr>
-        <p:txBody>
-          <a:bodyPr wrap="none" rtlCol="0">
-            <a:spAutoFit/>
-          </a:bodyPr>
-          <a:lstStyle/>
-          <a:p>
-            <a:r>
-              <a:rPr lang="en-US" dirty="0">
-                <a:solidFill>
-                  <a:srgbClr val="FF0000"/>
-                </a:solidFill>
-              </a:rPr>
-              <a:t>More realistic power evolution!</a:t>
-            </a:r>
-          </a:p>
-        </p:txBody>
-      </p:sp>
-      <p:sp>
-        <p:nvSpPr>
-          <p:cNvPr id="6" name="Title 1">
-            <a:extLst>
-              <a:ext uri="{FF2B5EF4-FFF2-40B4-BE49-F238E27FC236}">
-                <a16:creationId xmlns:a16="http://schemas.microsoft.com/office/drawing/2014/main" id="{FABB0B74-3F47-CEF3-D23B-4EA29A3B2744}"/>
-              </a:ext>
-            </a:extLst>
-          </p:cNvPr>
-          <p:cNvSpPr>
-            <a:spLocks noGrp="1"/>
-          </p:cNvSpPr>
-          <p:nvPr>
-            <p:ph type="title"/>
-          </p:nvPr>
-        </p:nvSpPr>
-        <p:spPr/>
-        <p:txBody>
-          <a:bodyPr>
-            <a:noAutofit/>
-          </a:bodyPr>
-          <a:lstStyle/>
-          <a:p>
-            <a:r>
-              <a:rPr lang="en-US" dirty="0"/>
-              <a:t>2W pump, 2 m of ER 80</a:t>
-            </a:r>
-          </a:p>
-        </p:txBody>
-      </p:sp>
-      <p:pic>
-        <p:nvPicPr>
-          <p:cNvPr id="8" name="Picture 7">
-            <a:extLst>
-              <a:ext uri="{FF2B5EF4-FFF2-40B4-BE49-F238E27FC236}">
-                <a16:creationId xmlns:a16="http://schemas.microsoft.com/office/drawing/2014/main" id="{627520B6-E087-8194-92F3-E9A63030A739}"/>
-              </a:ext>
-            </a:extLst>
-          </p:cNvPr>
-          <p:cNvPicPr>
-            <a:picLocks noChangeAspect="1"/>
-          </p:cNvPicPr>
-          <p:nvPr/>
-        </p:nvPicPr>
-        <p:blipFill>
-          <a:blip r:embed="rId2"/>
-          <a:stretch>
-            <a:fillRect/>
-          </a:stretch>
-        </p:blipFill>
-        <p:spPr>
-          <a:xfrm>
-            <a:off x="439578" y="1540807"/>
-            <a:ext cx="7772400" cy="4294001"/>
-          </a:xfrm>
-          <a:prstGeom prst="rect">
-            <a:avLst/>
-          </a:prstGeom>
-        </p:spPr>
-      </p:pic>
-      <p:sp>
-        <p:nvSpPr>
-          <p:cNvPr id="9" name="TextBox 8">
-            <a:extLst>
-              <a:ext uri="{FF2B5EF4-FFF2-40B4-BE49-F238E27FC236}">
-                <a16:creationId xmlns:a16="http://schemas.microsoft.com/office/drawing/2014/main" id="{00E2E87E-674A-E3B8-8C32-29EEEA8E890E}"/>
-              </a:ext>
-            </a:extLst>
-          </p:cNvPr>
-          <p:cNvSpPr txBox="1"/>
-          <p:nvPr/>
-        </p:nvSpPr>
-        <p:spPr>
-          <a:xfrm>
-            <a:off x="8610600" y="2336801"/>
-            <a:ext cx="2743200" cy="646331"/>
-          </a:xfrm>
-          <a:prstGeom prst="rect">
-            <a:avLst/>
-          </a:prstGeom>
-          <a:noFill/>
-        </p:spPr>
-        <p:txBody>
-          <a:bodyPr wrap="square" rtlCol="0">
-            <a:spAutoFit/>
-          </a:bodyPr>
-          <a:lstStyle/>
-          <a:p>
-            <a:r>
-              <a:rPr lang="en-US" dirty="0"/>
-              <a:t>Used: 0.7 dB insertion loss, 0.2 dB splicing loss</a:t>
-            </a:r>
-          </a:p>
-        </p:txBody>
-      </p:sp>
-    </p:spTree>
-    <p:extLst>
-      <p:ext uri="{BB962C8B-B14F-4D97-AF65-F5344CB8AC3E}">
-        <p14:creationId xmlns:p14="http://schemas.microsoft.com/office/powerpoint/2010/main" val="784256433"/>
       </p:ext>
     </p:extLst>
   </p:cSld>
@@ -9555,6 +9410,199 @@
       </p:grpSpPr>
       <p:sp>
         <p:nvSpPr>
+          <p:cNvPr id="3" name="Slide Number Placeholder 2">
+            <a:extLst>
+              <a:ext uri="{FF2B5EF4-FFF2-40B4-BE49-F238E27FC236}">
+                <a16:creationId xmlns:a16="http://schemas.microsoft.com/office/drawing/2014/main" id="{71E61EC8-6D22-D841-9539-56AF72B0130C}"/>
+              </a:ext>
+            </a:extLst>
+          </p:cNvPr>
+          <p:cNvSpPr>
+            <a:spLocks noGrp="1"/>
+          </p:cNvSpPr>
+          <p:nvPr>
+            <p:ph type="sldNum" sz="quarter" idx="12"/>
+          </p:nvPr>
+        </p:nvSpPr>
+        <p:spPr/>
+        <p:txBody>
+          <a:bodyPr/>
+          <a:lstStyle/>
+          <a:p>
+            <a:fld id="{B9982081-D51A-40C8-8A41-6498517A0DD4}" type="slidenum">
+              <a:rPr lang="en-US" smtClean="0"/>
+              <a:t>7</a:t>
+            </a:fld>
+            <a:endParaRPr lang="en-US"/>
+          </a:p>
+        </p:txBody>
+      </p:sp>
+      <p:sp>
+        <p:nvSpPr>
+          <p:cNvPr id="5" name="TextBox 4">
+            <a:extLst>
+              <a:ext uri="{FF2B5EF4-FFF2-40B4-BE49-F238E27FC236}">
+                <a16:creationId xmlns:a16="http://schemas.microsoft.com/office/drawing/2014/main" id="{DE8BDE8C-9EED-77F2-E508-9E4D1BABC917}"/>
+              </a:ext>
+            </a:extLst>
+          </p:cNvPr>
+          <p:cNvSpPr txBox="1"/>
+          <p:nvPr/>
+        </p:nvSpPr>
+        <p:spPr>
+          <a:xfrm>
+            <a:off x="8411289" y="1540807"/>
+            <a:ext cx="3141822" cy="369332"/>
+          </a:xfrm>
+          <a:prstGeom prst="rect">
+            <a:avLst/>
+          </a:prstGeom>
+          <a:noFill/>
+        </p:spPr>
+        <p:txBody>
+          <a:bodyPr wrap="none" rtlCol="0">
+            <a:spAutoFit/>
+          </a:bodyPr>
+          <a:lstStyle/>
+          <a:p>
+            <a:r>
+              <a:rPr lang="en-US" dirty="0">
+                <a:solidFill>
+                  <a:srgbClr val="FF0000"/>
+                </a:solidFill>
+              </a:rPr>
+              <a:t>More realistic power evolution!</a:t>
+            </a:r>
+          </a:p>
+        </p:txBody>
+      </p:sp>
+      <p:sp>
+        <p:nvSpPr>
+          <p:cNvPr id="6" name="Title 1">
+            <a:extLst>
+              <a:ext uri="{FF2B5EF4-FFF2-40B4-BE49-F238E27FC236}">
+                <a16:creationId xmlns:a16="http://schemas.microsoft.com/office/drawing/2014/main" id="{FABB0B74-3F47-CEF3-D23B-4EA29A3B2744}"/>
+              </a:ext>
+            </a:extLst>
+          </p:cNvPr>
+          <p:cNvSpPr>
+            <a:spLocks noGrp="1"/>
+          </p:cNvSpPr>
+          <p:nvPr>
+            <p:ph type="title"/>
+          </p:nvPr>
+        </p:nvSpPr>
+        <p:spPr/>
+        <p:txBody>
+          <a:bodyPr>
+            <a:noAutofit/>
+          </a:bodyPr>
+          <a:lstStyle/>
+          <a:p>
+            <a:r>
+              <a:rPr lang="en-US" dirty="0"/>
+              <a:t>2W pump, 2 m of ER 80</a:t>
+            </a:r>
+          </a:p>
+        </p:txBody>
+      </p:sp>
+      <p:pic>
+        <p:nvPicPr>
+          <p:cNvPr id="8" name="Picture 7">
+            <a:extLst>
+              <a:ext uri="{FF2B5EF4-FFF2-40B4-BE49-F238E27FC236}">
+                <a16:creationId xmlns:a16="http://schemas.microsoft.com/office/drawing/2014/main" id="{627520B6-E087-8194-92F3-E9A63030A739}"/>
+              </a:ext>
+            </a:extLst>
+          </p:cNvPr>
+          <p:cNvPicPr>
+            <a:picLocks noChangeAspect="1"/>
+          </p:cNvPicPr>
+          <p:nvPr/>
+        </p:nvPicPr>
+        <p:blipFill>
+          <a:blip r:embed="rId2"/>
+          <a:stretch>
+            <a:fillRect/>
+          </a:stretch>
+        </p:blipFill>
+        <p:spPr>
+          <a:xfrm>
+            <a:off x="439578" y="1540807"/>
+            <a:ext cx="7772400" cy="4294001"/>
+          </a:xfrm>
+          <a:prstGeom prst="rect">
+            <a:avLst/>
+          </a:prstGeom>
+        </p:spPr>
+      </p:pic>
+      <p:sp>
+        <p:nvSpPr>
+          <p:cNvPr id="9" name="TextBox 8">
+            <a:extLst>
+              <a:ext uri="{FF2B5EF4-FFF2-40B4-BE49-F238E27FC236}">
+                <a16:creationId xmlns:a16="http://schemas.microsoft.com/office/drawing/2014/main" id="{00E2E87E-674A-E3B8-8C32-29EEEA8E890E}"/>
+              </a:ext>
+            </a:extLst>
+          </p:cNvPr>
+          <p:cNvSpPr txBox="1"/>
+          <p:nvPr/>
+        </p:nvSpPr>
+        <p:spPr>
+          <a:xfrm>
+            <a:off x="8610600" y="2336801"/>
+            <a:ext cx="2743200" cy="646331"/>
+          </a:xfrm>
+          <a:prstGeom prst="rect">
+            <a:avLst/>
+          </a:prstGeom>
+          <a:noFill/>
+        </p:spPr>
+        <p:txBody>
+          <a:bodyPr wrap="square" rtlCol="0">
+            <a:spAutoFit/>
+          </a:bodyPr>
+          <a:lstStyle/>
+          <a:p>
+            <a:r>
+              <a:rPr lang="en-US" dirty="0"/>
+              <a:t>Used: 0.7 dB insertion loss, 0.2 dB splicing loss</a:t>
+            </a:r>
+          </a:p>
+        </p:txBody>
+      </p:sp>
+    </p:spTree>
+    <p:extLst>
+      <p:ext uri="{BB962C8B-B14F-4D97-AF65-F5344CB8AC3E}">
+        <p14:creationId xmlns:p14="http://schemas.microsoft.com/office/powerpoint/2010/main" val="784256433"/>
+      </p:ext>
+    </p:extLst>
+  </p:cSld>
+  <p:clrMapOvr>
+    <a:masterClrMapping/>
+  </p:clrMapOvr>
+</p:sld>
+</file>
+
+<file path=ppt/slides/slide8.xml><?xml version="1.0" encoding="utf-8"?>
+<p:sld xmlns:a="http://schemas.openxmlformats.org/drawingml/2006/main" xmlns:r="http://schemas.openxmlformats.org/officeDocument/2006/relationships" xmlns:p="http://schemas.openxmlformats.org/presentationml/2006/main">
+  <p:cSld>
+    <p:spTree>
+      <p:nvGrpSpPr>
+        <p:cNvPr id="1" name=""/>
+        <p:cNvGrpSpPr/>
+        <p:nvPr/>
+      </p:nvGrpSpPr>
+      <p:grpSpPr>
+        <a:xfrm>
+          <a:off x="0" y="0"/>
+          <a:ext cx="0" cy="0"/>
+          <a:chOff x="0" y="0"/>
+          <a:chExt cx="0" cy="0"/>
+        </a:xfrm>
+      </p:grpSpPr>
+      <p:sp>
+        <p:nvSpPr>
           <p:cNvPr id="2" name="Title 1">
             <a:extLst>
               <a:ext uri="{FF2B5EF4-FFF2-40B4-BE49-F238E27FC236}">
@@ -9604,7 +9652,7 @@
           <a:p>
             <a:fld id="{B9982081-D51A-40C8-8A41-6498517A0DD4}" type="slidenum">
               <a:rPr lang="en-US" smtClean="0"/>
-              <a:t>7</a:t>
+              <a:t>8</a:t>
             </a:fld>
             <a:endParaRPr lang="en-US"/>
           </a:p>
@@ -9670,7 +9718,7 @@
           <a:p>
             <a:r>
               <a:rPr lang="en-US" dirty="0"/>
-              <a:t>Backward pumping using shooting method</a:t>
+              <a:t>Backward pumping also matches experiment okay. </a:t>
             </a:r>
           </a:p>
         </p:txBody>
@@ -9689,7 +9737,7 @@
         </p:nvSpPr>
         <p:spPr>
           <a:xfrm>
-            <a:off x="8707967" y="2782669"/>
+            <a:off x="8707967" y="3297610"/>
             <a:ext cx="2743200" cy="646331"/>
           </a:xfrm>
           <a:prstGeom prst="rect">
@@ -9710,10 +9758,136 @@
           </a:p>
         </p:txBody>
       </p:sp>
+      <p:sp>
+        <p:nvSpPr>
+          <p:cNvPr id="7" name="TextBox 6">
+            <a:extLst>
+              <a:ext uri="{FF2B5EF4-FFF2-40B4-BE49-F238E27FC236}">
+                <a16:creationId xmlns:a16="http://schemas.microsoft.com/office/drawing/2014/main" id="{E481235E-FC22-1E4A-0187-A93980DDA3F5}"/>
+              </a:ext>
+            </a:extLst>
+          </p:cNvPr>
+          <p:cNvSpPr txBox="1"/>
+          <p:nvPr/>
+        </p:nvSpPr>
+        <p:spPr>
+          <a:xfrm>
+            <a:off x="8898467" y="2540000"/>
+            <a:ext cx="2895600" cy="646331"/>
+          </a:xfrm>
+          <a:prstGeom prst="rect">
+            <a:avLst/>
+          </a:prstGeom>
+          <a:noFill/>
+        </p:spPr>
+        <p:txBody>
+          <a:bodyPr wrap="square" rtlCol="0">
+            <a:spAutoFit/>
+          </a:bodyPr>
+          <a:lstStyle/>
+          <a:p>
+            <a:pPr marL="285750" indent="-285750">
+              <a:buFont typeface="Arial" panose="020B0604020202020204" pitchFamily="34" charset="0"/>
+              <a:buChar char="•"/>
+            </a:pPr>
+            <a:r>
+              <a:rPr lang="en-US" dirty="0"/>
+              <a:t>Calculated using shooting method</a:t>
+            </a:r>
+          </a:p>
+        </p:txBody>
+      </p:sp>
     </p:spTree>
     <p:extLst>
       <p:ext uri="{BB962C8B-B14F-4D97-AF65-F5344CB8AC3E}">
         <p14:creationId xmlns:p14="http://schemas.microsoft.com/office/powerpoint/2010/main" val="1026437419"/>
+      </p:ext>
+    </p:extLst>
+  </p:cSld>
+  <p:clrMapOvr>
+    <a:masterClrMapping/>
+  </p:clrMapOvr>
+</p:sld>
+</file>
+
+<file path=ppt/slides/slide9.xml><?xml version="1.0" encoding="utf-8"?>
+<p:sld xmlns:a="http://schemas.openxmlformats.org/drawingml/2006/main" xmlns:r="http://schemas.openxmlformats.org/officeDocument/2006/relationships" xmlns:p="http://schemas.openxmlformats.org/presentationml/2006/main">
+  <p:cSld>
+    <p:spTree>
+      <p:nvGrpSpPr>
+        <p:cNvPr id="1" name=""/>
+        <p:cNvGrpSpPr/>
+        <p:nvPr/>
+      </p:nvGrpSpPr>
+      <p:grpSpPr>
+        <a:xfrm>
+          <a:off x="0" y="0"/>
+          <a:ext cx="0" cy="0"/>
+          <a:chOff x="0" y="0"/>
+          <a:chExt cx="0" cy="0"/>
+        </a:xfrm>
+      </p:grpSpPr>
+      <p:sp>
+        <p:nvSpPr>
+          <p:cNvPr id="2" name="Title 1">
+            <a:extLst>
+              <a:ext uri="{FF2B5EF4-FFF2-40B4-BE49-F238E27FC236}">
+                <a16:creationId xmlns:a16="http://schemas.microsoft.com/office/drawing/2014/main" id="{39E30EFF-0874-0215-F994-C9C7512D2A5B}"/>
+              </a:ext>
+            </a:extLst>
+          </p:cNvPr>
+          <p:cNvSpPr>
+            <a:spLocks noGrp="1"/>
+          </p:cNvSpPr>
+          <p:nvPr>
+            <p:ph type="title"/>
+          </p:nvPr>
+        </p:nvSpPr>
+        <p:spPr/>
+        <p:txBody>
+          <a:bodyPr/>
+          <a:lstStyle/>
+          <a:p>
+            <a:r>
+              <a:rPr lang="en-US" dirty="0"/>
+              <a:t>Figure 9 cavity</a:t>
+            </a:r>
+          </a:p>
+        </p:txBody>
+      </p:sp>
+      <p:sp>
+        <p:nvSpPr>
+          <p:cNvPr id="3" name="Slide Number Placeholder 2">
+            <a:extLst>
+              <a:ext uri="{FF2B5EF4-FFF2-40B4-BE49-F238E27FC236}">
+                <a16:creationId xmlns:a16="http://schemas.microsoft.com/office/drawing/2014/main" id="{3EEC6729-D725-6619-81B8-12E40889E39D}"/>
+              </a:ext>
+            </a:extLst>
+          </p:cNvPr>
+          <p:cNvSpPr>
+            <a:spLocks noGrp="1"/>
+          </p:cNvSpPr>
+          <p:nvPr>
+            <p:ph type="sldNum" sz="quarter" idx="12"/>
+          </p:nvPr>
+        </p:nvSpPr>
+        <p:spPr/>
+        <p:txBody>
+          <a:bodyPr/>
+          <a:lstStyle/>
+          <a:p>
+            <a:fld id="{B9982081-D51A-40C8-8A41-6498517A0DD4}" type="slidenum">
+              <a:rPr lang="en-US" smtClean="0"/>
+              <a:t>9</a:t>
+            </a:fld>
+            <a:endParaRPr lang="en-US"/>
+          </a:p>
+        </p:txBody>
+      </p:sp>
+    </p:spTree>
+    <p:extLst>
+      <p:ext uri="{BB962C8B-B14F-4D97-AF65-F5344CB8AC3E}">
+        <p14:creationId xmlns:p14="http://schemas.microsoft.com/office/powerpoint/2010/main" val="2476284306"/>
       </p:ext>
     </p:extLst>
   </p:cSld>

--- a/memo.pptx
+++ b/memo.pptx
@@ -5,7 +5,7 @@
     <p:sldMasterId id="2147483648" r:id="rId1"/>
   </p:sldMasterIdLst>
   <p:notesMasterIdLst>
-    <p:notesMasterId r:id="rId11"/>
+    <p:notesMasterId r:id="rId15"/>
   </p:notesMasterIdLst>
   <p:sldIdLst>
     <p:sldId id="278" r:id="rId2"/>
@@ -16,7 +16,11 @@
     <p:sldId id="273" r:id="rId7"/>
     <p:sldId id="274" r:id="rId8"/>
     <p:sldId id="276" r:id="rId9"/>
-    <p:sldId id="277" r:id="rId10"/>
+    <p:sldId id="281" r:id="rId10"/>
+    <p:sldId id="282" r:id="rId11"/>
+    <p:sldId id="277" r:id="rId12"/>
+    <p:sldId id="279" r:id="rId13"/>
+    <p:sldId id="280" r:id="rId14"/>
   </p:sldIdLst>
   <p:sldSz cx="12192000" cy="6858000"/>
   <p:notesSz cx="6858000" cy="9144000"/>
@@ -4252,6 +4256,2623 @@
     <p:extLst>
       <p:ext uri="{BB962C8B-B14F-4D97-AF65-F5344CB8AC3E}">
         <p14:creationId xmlns:p14="http://schemas.microsoft.com/office/powerpoint/2010/main" val="2481435167"/>
+      </p:ext>
+    </p:extLst>
+  </p:cSld>
+  <p:clrMapOvr>
+    <a:masterClrMapping/>
+  </p:clrMapOvr>
+</p:sld>
+</file>
+
+<file path=ppt/slides/slide10.xml><?xml version="1.0" encoding="utf-8"?>
+<p:sld xmlns:a="http://schemas.openxmlformats.org/drawingml/2006/main" xmlns:r="http://schemas.openxmlformats.org/officeDocument/2006/relationships" xmlns:p="http://schemas.openxmlformats.org/presentationml/2006/main">
+  <p:cSld>
+    <p:spTree>
+      <p:nvGrpSpPr>
+        <p:cNvPr id="1" name=""/>
+        <p:cNvGrpSpPr/>
+        <p:nvPr/>
+      </p:nvGrpSpPr>
+      <p:grpSpPr>
+        <a:xfrm>
+          <a:off x="0" y="0"/>
+          <a:ext cx="0" cy="0"/>
+          <a:chOff x="0" y="0"/>
+          <a:chExt cx="0" cy="0"/>
+        </a:xfrm>
+      </p:grpSpPr>
+      <p:sp>
+        <p:nvSpPr>
+          <p:cNvPr id="5" name="Title 4">
+            <a:extLst>
+              <a:ext uri="{FF2B5EF4-FFF2-40B4-BE49-F238E27FC236}">
+                <a16:creationId xmlns:a16="http://schemas.microsoft.com/office/drawing/2014/main" id="{F4140D05-015F-D05E-58FE-DAC001B4728F}"/>
+              </a:ext>
+            </a:extLst>
+          </p:cNvPr>
+          <p:cNvSpPr>
+            <a:spLocks noGrp="1"/>
+          </p:cNvSpPr>
+          <p:nvPr>
+            <p:ph type="title"/>
+          </p:nvPr>
+        </p:nvSpPr>
+        <p:spPr/>
+        <p:txBody>
+          <a:bodyPr/>
+          <a:lstStyle/>
+          <a:p>
+            <a:r>
+              <a:rPr lang="en-US" dirty="0"/>
+              <a:t>Setup</a:t>
+            </a:r>
+          </a:p>
+        </p:txBody>
+      </p:sp>
+      <p:sp>
+        <p:nvSpPr>
+          <p:cNvPr id="4" name="Slide Number Placeholder 3">
+            <a:extLst>
+              <a:ext uri="{FF2B5EF4-FFF2-40B4-BE49-F238E27FC236}">
+                <a16:creationId xmlns:a16="http://schemas.microsoft.com/office/drawing/2014/main" id="{AA5FC38E-76F7-3ED6-5DB4-57CC6D0E8645}"/>
+              </a:ext>
+            </a:extLst>
+          </p:cNvPr>
+          <p:cNvSpPr>
+            <a:spLocks noGrp="1"/>
+          </p:cNvSpPr>
+          <p:nvPr>
+            <p:ph type="sldNum" sz="quarter" idx="12"/>
+          </p:nvPr>
+        </p:nvSpPr>
+        <p:spPr/>
+        <p:txBody>
+          <a:bodyPr/>
+          <a:lstStyle/>
+          <a:p>
+            <a:fld id="{B9982081-D51A-40C8-8A41-6498517A0DD4}" type="slidenum">
+              <a:rPr lang="en-US" smtClean="0"/>
+              <a:t>10</a:t>
+            </a:fld>
+            <a:endParaRPr lang="en-US" dirty="0"/>
+          </a:p>
+        </p:txBody>
+      </p:sp>
+      <p:pic>
+        <p:nvPicPr>
+          <p:cNvPr id="6" name="Picture 5" descr="A black background with a black square&#10;&#10;Description automatically generated with medium confidence">
+            <a:extLst>
+              <a:ext uri="{FF2B5EF4-FFF2-40B4-BE49-F238E27FC236}">
+                <a16:creationId xmlns:a16="http://schemas.microsoft.com/office/drawing/2014/main" id="{97CB0CBF-BFB9-0A5C-CC00-C3934B3029FC}"/>
+              </a:ext>
+            </a:extLst>
+          </p:cNvPr>
+          <p:cNvPicPr>
+            <a:picLocks noChangeAspect="1"/>
+          </p:cNvPicPr>
+          <p:nvPr/>
+        </p:nvPicPr>
+        <p:blipFill>
+          <a:blip r:embed="rId2">
+            <a:extLst>
+              <a:ext uri="{28A0092B-C50C-407E-A947-70E740481C1C}">
+                <a14:useLocalDpi xmlns:a14="http://schemas.microsoft.com/office/drawing/2010/main" val="0"/>
+              </a:ext>
+            </a:extLst>
+          </a:blip>
+          <a:stretch>
+            <a:fillRect/>
+          </a:stretch>
+        </p:blipFill>
+        <p:spPr>
+          <a:xfrm>
+            <a:off x="697498" y="1083295"/>
+            <a:ext cx="4779971" cy="1883019"/>
+          </a:xfrm>
+          <a:prstGeom prst="rect">
+            <a:avLst/>
+          </a:prstGeom>
+        </p:spPr>
+      </p:pic>
+      <mc:AlternateContent xmlns:mc="http://schemas.openxmlformats.org/markup-compatibility/2006">
+        <mc:Choice xmlns:a14="http://schemas.microsoft.com/office/drawing/2010/main" Requires="a14">
+          <p:sp>
+            <p:nvSpPr>
+              <p:cNvPr id="8" name="TextBox 7">
+                <a:extLst>
+                  <a:ext uri="{FF2B5EF4-FFF2-40B4-BE49-F238E27FC236}">
+                    <a16:creationId xmlns:a16="http://schemas.microsoft.com/office/drawing/2014/main" id="{E8032E2A-2936-0AB5-F0FE-25A94718EF5F}"/>
+                  </a:ext>
+                </a:extLst>
+              </p:cNvPr>
+              <p:cNvSpPr txBox="1"/>
+              <p:nvPr/>
+            </p:nvSpPr>
+            <p:spPr>
+              <a:xfrm>
+                <a:off x="6155266" y="1126067"/>
+                <a:ext cx="4893733" cy="3416320"/>
+              </a:xfrm>
+              <a:prstGeom prst="rect">
+                <a:avLst/>
+              </a:prstGeom>
+              <a:noFill/>
+            </p:spPr>
+            <p:txBody>
+              <a:bodyPr wrap="square" rtlCol="0">
+                <a:spAutoFit/>
+              </a:bodyPr>
+              <a:lstStyle/>
+              <a:p>
+                <a:r>
+                  <a:rPr lang="en-US" dirty="0"/>
+                  <a:t>While loop:</a:t>
+                </a:r>
+              </a:p>
+              <a:p>
+                <a:pPr marL="342900" indent="-342900">
+                  <a:buFont typeface="+mj-lt"/>
+                  <a:buAutoNum type="arabicPeriod"/>
+                </a:pPr>
+                <a:r>
+                  <a:rPr lang="en-US" dirty="0"/>
+                  <a:t>Splitter splits envelope 50/50</a:t>
+                </a:r>
+              </a:p>
+              <a:p>
+                <a:pPr marL="342900" indent="-342900">
+                  <a:buFont typeface="+mj-lt"/>
+                  <a:buAutoNum type="arabicPeriod"/>
+                </a:pPr>
+                <a:r>
+                  <a:rPr lang="en-US" dirty="0"/>
+                  <a:t>Clockwise arm:</a:t>
+                </a:r>
+              </a:p>
+              <a:p>
+                <a:pPr marL="800100" lvl="1" indent="-342900">
+                  <a:buFont typeface="+mj-lt"/>
+                  <a:buAutoNum type="arabicPeriod"/>
+                </a:pPr>
+                <a:r>
+                  <a:rPr lang="en-US" dirty="0"/>
+                  <a:t>gain section, propagated </a:t>
+                </a:r>
+                <a:r>
+                  <a:rPr lang="en-US" i="1" dirty="0"/>
+                  <a:t>with</a:t>
+                </a:r>
+                <a:r>
+                  <a:rPr lang="en-US" dirty="0"/>
+                  <a:t> the pump</a:t>
+                </a:r>
+              </a:p>
+              <a:p>
+                <a:pPr marL="800100" lvl="1" indent="-342900">
+                  <a:buFont typeface="+mj-lt"/>
+                  <a:buAutoNum type="arabicPeriod"/>
+                </a:pPr>
+                <a:r>
+                  <a:rPr lang="en-US" dirty="0"/>
+                  <a:t>phase bias</a:t>
+                </a:r>
+              </a:p>
+              <a:p>
+                <a:pPr marL="342900" indent="-342900">
+                  <a:buFont typeface="+mj-lt"/>
+                  <a:buAutoNum type="arabicPeriod"/>
+                </a:pPr>
+                <a:r>
+                  <a:rPr lang="en-US" dirty="0"/>
+                  <a:t>Counter-Clockwise arm:</a:t>
+                </a:r>
+              </a:p>
+              <a:p>
+                <a:pPr marL="800100" lvl="1" indent="-342900">
+                  <a:buFont typeface="+mj-lt"/>
+                  <a:buAutoNum type="arabicPeriod"/>
+                </a:pPr>
+                <a:r>
+                  <a:rPr lang="en-US" dirty="0"/>
+                  <a:t>Phase bias</a:t>
+                </a:r>
+              </a:p>
+              <a:p>
+                <a:pPr marL="800100" lvl="1" indent="-342900">
+                  <a:buFont typeface="+mj-lt"/>
+                  <a:buAutoNum type="arabicPeriod"/>
+                </a:pPr>
+                <a:r>
+                  <a:rPr lang="en-US" dirty="0"/>
+                  <a:t>Gain section, propagated </a:t>
+                </a:r>
+                <a:r>
+                  <a:rPr lang="en-US" i="1" dirty="0"/>
+                  <a:t>against</a:t>
+                </a:r>
+                <a:r>
+                  <a:rPr lang="en-US" dirty="0"/>
+                  <a:t> the pump</a:t>
+                </a:r>
+              </a:p>
+              <a:p>
+                <a:pPr marL="342900" indent="-342900">
+                  <a:buFont typeface="+mj-lt"/>
+                  <a:buAutoNum type="arabicPeriod"/>
+                </a:pPr>
+                <a:r>
+                  <a:rPr lang="en-US" dirty="0"/>
+                  <a:t>The sum of the two fields: </a:t>
+                </a:r>
+                <a14:m>
+                  <m:oMath xmlns:m="http://schemas.openxmlformats.org/officeDocument/2006/math">
+                    <m:sSub>
+                      <m:sSubPr>
+                        <m:ctrlPr>
+                          <a:rPr lang="en-US" b="0" i="1" smtClean="0">
+                            <a:latin typeface="Cambria Math" panose="02040503050406030204" pitchFamily="18" charset="0"/>
+                          </a:rPr>
+                        </m:ctrlPr>
+                      </m:sSubPr>
+                      <m:e>
+                        <m:r>
+                          <a:rPr lang="en-US" b="0" i="1" smtClean="0">
+                            <a:latin typeface="Cambria Math" panose="02040503050406030204" pitchFamily="18" charset="0"/>
+                          </a:rPr>
+                          <m:t>𝐴</m:t>
+                        </m:r>
+                      </m:e>
+                      <m:sub>
+                        <m:r>
+                          <a:rPr lang="en-US" b="0" i="1" smtClean="0">
+                            <a:latin typeface="Cambria Math" panose="02040503050406030204" pitchFamily="18" charset="0"/>
+                          </a:rPr>
+                          <m:t>𝑐𝑤</m:t>
+                        </m:r>
+                      </m:sub>
+                    </m:sSub>
+                    <m:r>
+                      <a:rPr lang="en-US" b="0" i="1" smtClean="0">
+                        <a:latin typeface="Cambria Math" panose="02040503050406030204" pitchFamily="18" charset="0"/>
+                      </a:rPr>
+                      <m:t>+</m:t>
+                    </m:r>
+                    <m:sSub>
+                      <m:sSubPr>
+                        <m:ctrlPr>
+                          <a:rPr lang="en-US" b="0" i="1" smtClean="0">
+                            <a:latin typeface="Cambria Math" panose="02040503050406030204" pitchFamily="18" charset="0"/>
+                          </a:rPr>
+                        </m:ctrlPr>
+                      </m:sSubPr>
+                      <m:e>
+                        <m:r>
+                          <a:rPr lang="en-US" b="0" i="1" smtClean="0">
+                            <a:latin typeface="Cambria Math" panose="02040503050406030204" pitchFamily="18" charset="0"/>
+                          </a:rPr>
+                          <m:t>𝐴</m:t>
+                        </m:r>
+                      </m:e>
+                      <m:sub>
+                        <m:r>
+                          <a:rPr lang="en-US" b="0" i="1" smtClean="0">
+                            <a:latin typeface="Cambria Math" panose="02040503050406030204" pitchFamily="18" charset="0"/>
+                          </a:rPr>
+                          <m:t>𝑐𝑐𝑤</m:t>
+                        </m:r>
+                      </m:sub>
+                    </m:sSub>
+                  </m:oMath>
+                </a14:m>
+                <a:r>
+                  <a:rPr lang="en-US" dirty="0"/>
+                  <a:t> is sent to the straight section, which means the output coupler takes out </a:t>
+                </a:r>
+                <a14:m>
+                  <m:oMath xmlns:m="http://schemas.openxmlformats.org/officeDocument/2006/math">
+                    <m:sSub>
+                      <m:sSubPr>
+                        <m:ctrlPr>
+                          <a:rPr lang="en-US" b="0" i="1" smtClean="0">
+                            <a:latin typeface="Cambria Math" panose="02040503050406030204" pitchFamily="18" charset="0"/>
+                          </a:rPr>
+                        </m:ctrlPr>
+                      </m:sSubPr>
+                      <m:e>
+                        <m:r>
+                          <a:rPr lang="en-US" b="0" i="1" smtClean="0">
+                            <a:latin typeface="Cambria Math" panose="02040503050406030204" pitchFamily="18" charset="0"/>
+                          </a:rPr>
+                          <m:t>𝐴</m:t>
+                        </m:r>
+                      </m:e>
+                      <m:sub>
+                        <m:r>
+                          <a:rPr lang="en-US" b="0" i="1" smtClean="0">
+                            <a:latin typeface="Cambria Math" panose="02040503050406030204" pitchFamily="18" charset="0"/>
+                          </a:rPr>
+                          <m:t>𝑐𝑤</m:t>
+                        </m:r>
+                      </m:sub>
+                    </m:sSub>
+                    <m:r>
+                      <a:rPr lang="en-US" b="0" i="1" smtClean="0">
+                        <a:latin typeface="Cambria Math" panose="02040503050406030204" pitchFamily="18" charset="0"/>
+                      </a:rPr>
+                      <m:t>−</m:t>
+                    </m:r>
+                    <m:sSub>
+                      <m:sSubPr>
+                        <m:ctrlPr>
+                          <a:rPr lang="en-US" b="0" i="1" smtClean="0">
+                            <a:latin typeface="Cambria Math" panose="02040503050406030204" pitchFamily="18" charset="0"/>
+                          </a:rPr>
+                        </m:ctrlPr>
+                      </m:sSubPr>
+                      <m:e>
+                        <m:r>
+                          <a:rPr lang="en-US" b="0" i="1" smtClean="0">
+                            <a:latin typeface="Cambria Math" panose="02040503050406030204" pitchFamily="18" charset="0"/>
+                          </a:rPr>
+                          <m:t>𝐴</m:t>
+                        </m:r>
+                      </m:e>
+                      <m:sub>
+                        <m:r>
+                          <a:rPr lang="en-US" b="0" i="1" smtClean="0">
+                            <a:latin typeface="Cambria Math" panose="02040503050406030204" pitchFamily="18" charset="0"/>
+                          </a:rPr>
+                          <m:t>𝑐𝑐𝑤</m:t>
+                        </m:r>
+                      </m:sub>
+                    </m:sSub>
+                  </m:oMath>
+                </a14:m>
+                <a:endParaRPr lang="en-US" dirty="0"/>
+              </a:p>
+            </p:txBody>
+          </p:sp>
+        </mc:Choice>
+        <mc:Fallback>
+          <p:sp>
+            <p:nvSpPr>
+              <p:cNvPr id="8" name="TextBox 7">
+                <a:extLst>
+                  <a:ext uri="{FF2B5EF4-FFF2-40B4-BE49-F238E27FC236}">
+                    <a16:creationId xmlns:a16="http://schemas.microsoft.com/office/drawing/2014/main" id="{E8032E2A-2936-0AB5-F0FE-25A94718EF5F}"/>
+                  </a:ext>
+                </a:extLst>
+              </p:cNvPr>
+              <p:cNvSpPr txBox="1">
+                <a:spLocks noRot="1" noChangeAspect="1" noMove="1" noResize="1" noEditPoints="1" noAdjustHandles="1" noChangeArrowheads="1" noChangeShapeType="1" noTextEdit="1"/>
+              </p:cNvSpPr>
+              <p:nvPr/>
+            </p:nvSpPr>
+            <p:spPr>
+              <a:xfrm>
+                <a:off x="6155266" y="1126067"/>
+                <a:ext cx="4893733" cy="3416320"/>
+              </a:xfrm>
+              <a:prstGeom prst="rect">
+                <a:avLst/>
+              </a:prstGeom>
+              <a:blipFill>
+                <a:blip r:embed="rId3"/>
+                <a:stretch>
+                  <a:fillRect l="-1036" t="-741" b="-2222"/>
+                </a:stretch>
+              </a:blipFill>
+            </p:spPr>
+            <p:txBody>
+              <a:bodyPr/>
+              <a:lstStyle/>
+              <a:p>
+                <a:r>
+                  <a:rPr lang="en-US">
+                    <a:noFill/>
+                  </a:rPr>
+                  <a:t> </a:t>
+                </a:r>
+              </a:p>
+            </p:txBody>
+          </p:sp>
+        </mc:Fallback>
+      </mc:AlternateContent>
+      <p:grpSp>
+        <p:nvGrpSpPr>
+          <p:cNvPr id="12" name="Group 11">
+            <a:extLst>
+              <a:ext uri="{FF2B5EF4-FFF2-40B4-BE49-F238E27FC236}">
+                <a16:creationId xmlns:a16="http://schemas.microsoft.com/office/drawing/2014/main" id="{56062030-7047-46CB-614A-D69EA0E48E79}"/>
+              </a:ext>
+            </a:extLst>
+          </p:cNvPr>
+          <p:cNvGrpSpPr/>
+          <p:nvPr/>
+        </p:nvGrpSpPr>
+        <p:grpSpPr>
+          <a:xfrm>
+            <a:off x="0" y="4621419"/>
+            <a:ext cx="5986792" cy="2245047"/>
+            <a:chOff x="414867" y="649817"/>
+            <a:chExt cx="15544800" cy="5829300"/>
+          </a:xfrm>
+        </p:grpSpPr>
+        <p:pic>
+          <p:nvPicPr>
+            <p:cNvPr id="10" name="Picture 9">
+              <a:extLst>
+                <a:ext uri="{FF2B5EF4-FFF2-40B4-BE49-F238E27FC236}">
+                  <a16:creationId xmlns:a16="http://schemas.microsoft.com/office/drawing/2014/main" id="{C39952BD-F523-ECA5-19DE-6351BADA4AD5}"/>
+                </a:ext>
+              </a:extLst>
+            </p:cNvPr>
+            <p:cNvPicPr>
+              <a:picLocks noChangeAspect="1"/>
+            </p:cNvPicPr>
+            <p:nvPr/>
+          </p:nvPicPr>
+          <p:blipFill>
+            <a:blip r:embed="rId4"/>
+            <a:stretch>
+              <a:fillRect/>
+            </a:stretch>
+          </p:blipFill>
+          <p:spPr>
+            <a:xfrm>
+              <a:off x="414867" y="649817"/>
+              <a:ext cx="7772400" cy="5829300"/>
+            </a:xfrm>
+            <a:prstGeom prst="rect">
+              <a:avLst/>
+            </a:prstGeom>
+          </p:spPr>
+        </p:pic>
+        <p:pic>
+          <p:nvPicPr>
+            <p:cNvPr id="11" name="Picture 10">
+              <a:extLst>
+                <a:ext uri="{FF2B5EF4-FFF2-40B4-BE49-F238E27FC236}">
+                  <a16:creationId xmlns:a16="http://schemas.microsoft.com/office/drawing/2014/main" id="{D0E199BD-CF03-7B70-4B3B-0043A9C8BAFF}"/>
+                </a:ext>
+              </a:extLst>
+            </p:cNvPr>
+            <p:cNvPicPr>
+              <a:picLocks noChangeAspect="1"/>
+            </p:cNvPicPr>
+            <p:nvPr/>
+          </p:nvPicPr>
+          <p:blipFill>
+            <a:blip r:embed="rId5"/>
+            <a:stretch>
+              <a:fillRect/>
+            </a:stretch>
+          </p:blipFill>
+          <p:spPr>
+            <a:xfrm>
+              <a:off x="8187267" y="649817"/>
+              <a:ext cx="7772400" cy="5829300"/>
+            </a:xfrm>
+            <a:prstGeom prst="rect">
+              <a:avLst/>
+            </a:prstGeom>
+          </p:spPr>
+        </p:pic>
+      </p:grpSp>
+      <p:pic>
+        <p:nvPicPr>
+          <p:cNvPr id="15" name="Picture 14">
+            <a:extLst>
+              <a:ext uri="{FF2B5EF4-FFF2-40B4-BE49-F238E27FC236}">
+                <a16:creationId xmlns:a16="http://schemas.microsoft.com/office/drawing/2014/main" id="{46EF5E0F-8560-A872-606D-A4D86A02FC90}"/>
+              </a:ext>
+            </a:extLst>
+          </p:cNvPr>
+          <p:cNvPicPr>
+            <a:picLocks noChangeAspect="1"/>
+          </p:cNvPicPr>
+          <p:nvPr/>
+        </p:nvPicPr>
+        <p:blipFill>
+          <a:blip r:embed="rId6"/>
+          <a:stretch>
+            <a:fillRect/>
+          </a:stretch>
+        </p:blipFill>
+        <p:spPr>
+          <a:xfrm>
+            <a:off x="2606445" y="2773387"/>
+            <a:ext cx="2993396" cy="1676732"/>
+          </a:xfrm>
+          <a:prstGeom prst="rect">
+            <a:avLst/>
+          </a:prstGeom>
+        </p:spPr>
+      </p:pic>
+      <p:sp>
+        <p:nvSpPr>
+          <p:cNvPr id="16" name="TextBox 15">
+            <a:extLst>
+              <a:ext uri="{FF2B5EF4-FFF2-40B4-BE49-F238E27FC236}">
+                <a16:creationId xmlns:a16="http://schemas.microsoft.com/office/drawing/2014/main" id="{0046C301-3A3E-302F-FD8B-299CFE1BA089}"/>
+              </a:ext>
+            </a:extLst>
+          </p:cNvPr>
+          <p:cNvSpPr txBox="1"/>
+          <p:nvPr/>
+        </p:nvSpPr>
+        <p:spPr>
+          <a:xfrm>
+            <a:off x="6696946" y="4684889"/>
+            <a:ext cx="5185162" cy="1477328"/>
+          </a:xfrm>
+          <a:prstGeom prst="rect">
+            <a:avLst/>
+          </a:prstGeom>
+          <a:noFill/>
+        </p:spPr>
+        <p:txBody>
+          <a:bodyPr wrap="square" rtlCol="0">
+            <a:spAutoFit/>
+          </a:bodyPr>
+          <a:lstStyle/>
+          <a:p>
+            <a:r>
+              <a:rPr lang="en-US" dirty="0"/>
+              <a:t>I haven’t checked this, but most of the difference in nonlinear phase shift should be acquired by the difference in forward vs backward seeding. So, I haven’t tested placing the gain section closer to center vs. one side of the loop</a:t>
+            </a:r>
+          </a:p>
+        </p:txBody>
+      </p:sp>
+      <p:sp>
+        <p:nvSpPr>
+          <p:cNvPr id="17" name="TextBox 16">
+            <a:extLst>
+              <a:ext uri="{FF2B5EF4-FFF2-40B4-BE49-F238E27FC236}">
+                <a16:creationId xmlns:a16="http://schemas.microsoft.com/office/drawing/2014/main" id="{6BB6AF05-3ABF-A321-73C0-F84D48F2D86D}"/>
+              </a:ext>
+            </a:extLst>
+          </p:cNvPr>
+          <p:cNvSpPr txBox="1"/>
+          <p:nvPr/>
+        </p:nvSpPr>
+        <p:spPr>
+          <a:xfrm>
+            <a:off x="234428" y="3327650"/>
+            <a:ext cx="2524539" cy="1077218"/>
+          </a:xfrm>
+          <a:prstGeom prst="rect">
+            <a:avLst/>
+          </a:prstGeom>
+          <a:noFill/>
+        </p:spPr>
+        <p:txBody>
+          <a:bodyPr wrap="square" rtlCol="0">
+            <a:spAutoFit/>
+          </a:bodyPr>
+          <a:lstStyle/>
+          <a:p>
+            <a:r>
+              <a:rPr lang="en-US" sz="1600" dirty="0"/>
+              <a:t>Simultaneous forward and backward seeding is calculated using shooting method</a:t>
+            </a:r>
+          </a:p>
+        </p:txBody>
+      </p:sp>
+      <p:sp>
+        <p:nvSpPr>
+          <p:cNvPr id="18" name="TextBox 17">
+            <a:extLst>
+              <a:ext uri="{FF2B5EF4-FFF2-40B4-BE49-F238E27FC236}">
+                <a16:creationId xmlns:a16="http://schemas.microsoft.com/office/drawing/2014/main" id="{126204B5-4929-95EE-2855-BBB81DE11FD9}"/>
+              </a:ext>
+            </a:extLst>
+          </p:cNvPr>
+          <p:cNvSpPr txBox="1"/>
+          <p:nvPr/>
+        </p:nvSpPr>
+        <p:spPr>
+          <a:xfrm>
+            <a:off x="974520" y="4431879"/>
+            <a:ext cx="1313180" cy="276999"/>
+          </a:xfrm>
+          <a:prstGeom prst="rect">
+            <a:avLst/>
+          </a:prstGeom>
+          <a:noFill/>
+        </p:spPr>
+        <p:txBody>
+          <a:bodyPr wrap="none" rtlCol="0">
+            <a:spAutoFit/>
+          </a:bodyPr>
+          <a:lstStyle/>
+          <a:p>
+            <a:r>
+              <a:rPr lang="en-US" sz="1200" dirty="0"/>
+              <a:t>With pump in EDF</a:t>
+            </a:r>
+          </a:p>
+        </p:txBody>
+      </p:sp>
+      <p:sp>
+        <p:nvSpPr>
+          <p:cNvPr id="19" name="TextBox 18">
+            <a:extLst>
+              <a:ext uri="{FF2B5EF4-FFF2-40B4-BE49-F238E27FC236}">
+                <a16:creationId xmlns:a16="http://schemas.microsoft.com/office/drawing/2014/main" id="{5FF262C3-AFB3-9E0F-7991-FABC12887C8D}"/>
+              </a:ext>
+            </a:extLst>
+          </p:cNvPr>
+          <p:cNvSpPr txBox="1"/>
+          <p:nvPr/>
+        </p:nvSpPr>
+        <p:spPr>
+          <a:xfrm>
+            <a:off x="3855176" y="4431879"/>
+            <a:ext cx="1468864" cy="276999"/>
+          </a:xfrm>
+          <a:prstGeom prst="rect">
+            <a:avLst/>
+          </a:prstGeom>
+          <a:noFill/>
+        </p:spPr>
+        <p:txBody>
+          <a:bodyPr wrap="none" rtlCol="0">
+            <a:spAutoFit/>
+          </a:bodyPr>
+          <a:lstStyle/>
+          <a:p>
+            <a:r>
+              <a:rPr lang="en-US" sz="1200" dirty="0"/>
+              <a:t>Against pump in EDF</a:t>
+            </a:r>
+          </a:p>
+        </p:txBody>
+      </p:sp>
+      <p:cxnSp>
+        <p:nvCxnSpPr>
+          <p:cNvPr id="21" name="Straight Arrow Connector 20">
+            <a:extLst>
+              <a:ext uri="{FF2B5EF4-FFF2-40B4-BE49-F238E27FC236}">
+                <a16:creationId xmlns:a16="http://schemas.microsoft.com/office/drawing/2014/main" id="{B0B21DD1-5068-B83C-1420-9F8E76CAE531}"/>
+              </a:ext>
+            </a:extLst>
+          </p:cNvPr>
+          <p:cNvCxnSpPr>
+            <a:cxnSpLocks/>
+          </p:cNvCxnSpPr>
+          <p:nvPr/>
+        </p:nvCxnSpPr>
+        <p:spPr>
+          <a:xfrm>
+            <a:off x="6096000" y="5423553"/>
+            <a:ext cx="440265" cy="0"/>
+          </a:xfrm>
+          <a:prstGeom prst="straightConnector1">
+            <a:avLst/>
+          </a:prstGeom>
+          <a:ln w="38100">
+            <a:solidFill>
+              <a:srgbClr val="FF0000"/>
+            </a:solidFill>
+            <a:tailEnd type="triangle"/>
+          </a:ln>
+        </p:spPr>
+        <p:style>
+          <a:lnRef idx="1">
+            <a:schemeClr val="accent1"/>
+          </a:lnRef>
+          <a:fillRef idx="0">
+            <a:schemeClr val="accent1"/>
+          </a:fillRef>
+          <a:effectRef idx="0">
+            <a:schemeClr val="accent1"/>
+          </a:effectRef>
+          <a:fontRef idx="minor">
+            <a:schemeClr val="tx1"/>
+          </a:fontRef>
+        </p:style>
+      </p:cxnSp>
+    </p:spTree>
+    <p:extLst>
+      <p:ext uri="{BB962C8B-B14F-4D97-AF65-F5344CB8AC3E}">
+        <p14:creationId xmlns:p14="http://schemas.microsoft.com/office/powerpoint/2010/main" val="1548702550"/>
+      </p:ext>
+    </p:extLst>
+  </p:cSld>
+  <p:clrMapOvr>
+    <a:masterClrMapping/>
+  </p:clrMapOvr>
+</p:sld>
+</file>
+
+<file path=ppt/slides/slide11.xml><?xml version="1.0" encoding="utf-8"?>
+<p:sld xmlns:a="http://schemas.openxmlformats.org/drawingml/2006/main" xmlns:r="http://schemas.openxmlformats.org/officeDocument/2006/relationships" xmlns:p="http://schemas.openxmlformats.org/presentationml/2006/main">
+  <p:cSld>
+    <p:spTree>
+      <p:nvGrpSpPr>
+        <p:cNvPr id="1" name=""/>
+        <p:cNvGrpSpPr/>
+        <p:nvPr/>
+      </p:nvGrpSpPr>
+      <p:grpSpPr>
+        <a:xfrm>
+          <a:off x="0" y="0"/>
+          <a:ext cx="0" cy="0"/>
+          <a:chOff x="0" y="0"/>
+          <a:chExt cx="0" cy="0"/>
+        </a:xfrm>
+      </p:grpSpPr>
+      <p:sp>
+        <p:nvSpPr>
+          <p:cNvPr id="2" name="Title 1">
+            <a:extLst>
+              <a:ext uri="{FF2B5EF4-FFF2-40B4-BE49-F238E27FC236}">
+                <a16:creationId xmlns:a16="http://schemas.microsoft.com/office/drawing/2014/main" id="{39E30EFF-0874-0215-F994-C9C7512D2A5B}"/>
+              </a:ext>
+            </a:extLst>
+          </p:cNvPr>
+          <p:cNvSpPr>
+            <a:spLocks noGrp="1"/>
+          </p:cNvSpPr>
+          <p:nvPr>
+            <p:ph type="title"/>
+          </p:nvPr>
+        </p:nvSpPr>
+        <p:spPr/>
+        <p:txBody>
+          <a:bodyPr/>
+          <a:lstStyle/>
+          <a:p>
+            <a:r>
+              <a:rPr lang="en-US" dirty="0"/>
+              <a:t>200 MHz</a:t>
+            </a:r>
+          </a:p>
+        </p:txBody>
+      </p:sp>
+      <p:sp>
+        <p:nvSpPr>
+          <p:cNvPr id="3" name="Slide Number Placeholder 2">
+            <a:extLst>
+              <a:ext uri="{FF2B5EF4-FFF2-40B4-BE49-F238E27FC236}">
+                <a16:creationId xmlns:a16="http://schemas.microsoft.com/office/drawing/2014/main" id="{3EEC6729-D725-6619-81B8-12E40889E39D}"/>
+              </a:ext>
+            </a:extLst>
+          </p:cNvPr>
+          <p:cNvSpPr>
+            <a:spLocks noGrp="1"/>
+          </p:cNvSpPr>
+          <p:nvPr>
+            <p:ph type="sldNum" sz="quarter" idx="12"/>
+          </p:nvPr>
+        </p:nvSpPr>
+        <p:spPr/>
+        <p:txBody>
+          <a:bodyPr/>
+          <a:lstStyle/>
+          <a:p>
+            <a:fld id="{B9982081-D51A-40C8-8A41-6498517A0DD4}" type="slidenum">
+              <a:rPr lang="en-US" smtClean="0"/>
+              <a:t>11</a:t>
+            </a:fld>
+            <a:endParaRPr lang="en-US" dirty="0"/>
+          </a:p>
+        </p:txBody>
+      </p:sp>
+      <p:sp>
+        <p:nvSpPr>
+          <p:cNvPr id="7" name="TextBox 6">
+            <a:extLst>
+              <a:ext uri="{FF2B5EF4-FFF2-40B4-BE49-F238E27FC236}">
+                <a16:creationId xmlns:a16="http://schemas.microsoft.com/office/drawing/2014/main" id="{E99C7153-4FFB-4194-4DE9-E592D32F9DB9}"/>
+              </a:ext>
+            </a:extLst>
+          </p:cNvPr>
+          <p:cNvSpPr txBox="1"/>
+          <p:nvPr/>
+        </p:nvSpPr>
+        <p:spPr>
+          <a:xfrm>
+            <a:off x="169333" y="5433020"/>
+            <a:ext cx="6494791" cy="923330"/>
+          </a:xfrm>
+          <a:prstGeom prst="rect">
+            <a:avLst/>
+          </a:prstGeom>
+          <a:noFill/>
+        </p:spPr>
+        <p:txBody>
+          <a:bodyPr wrap="none" rtlCol="0">
+            <a:spAutoFit/>
+          </a:bodyPr>
+          <a:lstStyle/>
+          <a:p>
+            <a:pPr marL="285750" indent="-285750">
+              <a:buFont typeface="Arial" panose="020B0604020202020204" pitchFamily="34" charset="0"/>
+              <a:buChar char="•"/>
+            </a:pPr>
+            <a:r>
+              <a:rPr lang="en-US" dirty="0"/>
+              <a:t>200 MHz, 4.5 </a:t>
+            </a:r>
+            <a:r>
+              <a:rPr lang="en-US" dirty="0" err="1"/>
+              <a:t>ps</a:t>
+            </a:r>
+            <a:r>
+              <a:rPr lang="en-US" dirty="0"/>
+              <a:t>/nm/km round trip</a:t>
+            </a:r>
+          </a:p>
+          <a:p>
+            <a:pPr marL="285750" indent="-285750">
+              <a:buFont typeface="Arial" panose="020B0604020202020204" pitchFamily="34" charset="0"/>
+              <a:buChar char="•"/>
+            </a:pPr>
+            <a:r>
+              <a:rPr lang="en-US" dirty="0"/>
+              <a:t>11 cm straight arm</a:t>
+            </a:r>
+          </a:p>
+          <a:p>
+            <a:pPr marL="742950" lvl="1" indent="-285750">
+              <a:buFont typeface="Arial" panose="020B0604020202020204" pitchFamily="34" charset="0"/>
+              <a:buChar char="•"/>
+            </a:pPr>
+            <a:r>
+              <a:rPr lang="en-US" dirty="0"/>
+              <a:t>accounting for: 0.7 dB insertion loss and 0.7 dB splicing loss</a:t>
+            </a:r>
+          </a:p>
+        </p:txBody>
+      </p:sp>
+      <p:grpSp>
+        <p:nvGrpSpPr>
+          <p:cNvPr id="10" name="Group 9">
+            <a:extLst>
+              <a:ext uri="{FF2B5EF4-FFF2-40B4-BE49-F238E27FC236}">
+                <a16:creationId xmlns:a16="http://schemas.microsoft.com/office/drawing/2014/main" id="{695B717E-1E08-54CD-B1A5-5E5893ADE1AC}"/>
+              </a:ext>
+            </a:extLst>
+          </p:cNvPr>
+          <p:cNvGrpSpPr/>
+          <p:nvPr/>
+        </p:nvGrpSpPr>
+        <p:grpSpPr>
+          <a:xfrm>
+            <a:off x="129823" y="1516591"/>
+            <a:ext cx="10199512" cy="3824817"/>
+            <a:chOff x="0" y="980017"/>
+            <a:chExt cx="12192000" cy="4572000"/>
+          </a:xfrm>
+        </p:grpSpPr>
+        <p:grpSp>
+          <p:nvGrpSpPr>
+            <p:cNvPr id="6" name="Group 5">
+              <a:extLst>
+                <a:ext uri="{FF2B5EF4-FFF2-40B4-BE49-F238E27FC236}">
+                  <a16:creationId xmlns:a16="http://schemas.microsoft.com/office/drawing/2014/main" id="{C5AA96C5-DE8C-B2A9-A849-A820D17BF538}"/>
+                </a:ext>
+              </a:extLst>
+            </p:cNvPr>
+            <p:cNvGrpSpPr/>
+            <p:nvPr/>
+          </p:nvGrpSpPr>
+          <p:grpSpPr>
+            <a:xfrm>
+              <a:off x="0" y="980017"/>
+              <a:ext cx="12192000" cy="4572000"/>
+              <a:chOff x="746759" y="1108790"/>
+              <a:chExt cx="12788950" cy="4795856"/>
+            </a:xfrm>
+          </p:grpSpPr>
+          <p:pic>
+            <p:nvPicPr>
+              <p:cNvPr id="4" name="Picture 3">
+                <a:extLst>
+                  <a:ext uri="{FF2B5EF4-FFF2-40B4-BE49-F238E27FC236}">
+                    <a16:creationId xmlns:a16="http://schemas.microsoft.com/office/drawing/2014/main" id="{FD1A35C2-3351-C6E9-DEA8-5888E65C5881}"/>
+                  </a:ext>
+                </a:extLst>
+              </p:cNvPr>
+              <p:cNvPicPr>
+                <a:picLocks noChangeAspect="1"/>
+              </p:cNvPicPr>
+              <p:nvPr/>
+            </p:nvPicPr>
+            <p:blipFill>
+              <a:blip r:embed="rId2"/>
+              <a:stretch>
+                <a:fillRect/>
+              </a:stretch>
+            </p:blipFill>
+            <p:spPr>
+              <a:xfrm>
+                <a:off x="746759" y="1108790"/>
+                <a:ext cx="6394475" cy="4795856"/>
+              </a:xfrm>
+              <a:prstGeom prst="rect">
+                <a:avLst/>
+              </a:prstGeom>
+            </p:spPr>
+          </p:pic>
+          <p:pic>
+            <p:nvPicPr>
+              <p:cNvPr id="5" name="Picture 4">
+                <a:extLst>
+                  <a:ext uri="{FF2B5EF4-FFF2-40B4-BE49-F238E27FC236}">
+                    <a16:creationId xmlns:a16="http://schemas.microsoft.com/office/drawing/2014/main" id="{4E04ED0E-A550-E3D2-A3D6-430370935A1C}"/>
+                  </a:ext>
+                </a:extLst>
+              </p:cNvPr>
+              <p:cNvPicPr>
+                <a:picLocks noChangeAspect="1"/>
+              </p:cNvPicPr>
+              <p:nvPr/>
+            </p:nvPicPr>
+            <p:blipFill>
+              <a:blip r:embed="rId3"/>
+              <a:stretch>
+                <a:fillRect/>
+              </a:stretch>
+            </p:blipFill>
+            <p:spPr>
+              <a:xfrm>
+                <a:off x="7141234" y="1108790"/>
+                <a:ext cx="6394475" cy="4795856"/>
+              </a:xfrm>
+              <a:prstGeom prst="rect">
+                <a:avLst/>
+              </a:prstGeom>
+            </p:spPr>
+          </p:pic>
+        </p:grpSp>
+        <p:sp>
+          <p:nvSpPr>
+            <p:cNvPr id="8" name="TextBox 7">
+              <a:extLst>
+                <a:ext uri="{FF2B5EF4-FFF2-40B4-BE49-F238E27FC236}">
+                  <a16:creationId xmlns:a16="http://schemas.microsoft.com/office/drawing/2014/main" id="{010929FC-9381-E950-3DEC-DBB4509D5E9A}"/>
+                </a:ext>
+              </a:extLst>
+            </p:cNvPr>
+            <p:cNvSpPr txBox="1"/>
+            <p:nvPr/>
+          </p:nvSpPr>
+          <p:spPr>
+            <a:xfrm>
+              <a:off x="1938866" y="1405466"/>
+              <a:ext cx="990600" cy="646331"/>
+            </a:xfrm>
+            <a:prstGeom prst="rect">
+              <a:avLst/>
+            </a:prstGeom>
+            <a:noFill/>
+          </p:spPr>
+          <p:txBody>
+            <a:bodyPr wrap="square" rtlCol="0">
+              <a:spAutoFit/>
+            </a:bodyPr>
+            <a:lstStyle/>
+            <a:p>
+              <a:r>
+                <a:rPr lang="en-US" sz="1400" dirty="0"/>
+                <a:t>400 </a:t>
+              </a:r>
+              <a:r>
+                <a:rPr lang="en-US" sz="1400" dirty="0" err="1"/>
+                <a:t>mW</a:t>
+              </a:r>
+              <a:r>
+                <a:rPr lang="en-US" sz="1400" dirty="0"/>
+                <a:t> pump</a:t>
+              </a:r>
+            </a:p>
+          </p:txBody>
+        </p:sp>
+        <p:sp>
+          <p:nvSpPr>
+            <p:cNvPr id="9" name="TextBox 8">
+              <a:extLst>
+                <a:ext uri="{FF2B5EF4-FFF2-40B4-BE49-F238E27FC236}">
+                  <a16:creationId xmlns:a16="http://schemas.microsoft.com/office/drawing/2014/main" id="{C7D57701-04F1-D7FE-BAD4-4AF9FB5CF2CE}"/>
+                </a:ext>
+              </a:extLst>
+            </p:cNvPr>
+            <p:cNvSpPr txBox="1"/>
+            <p:nvPr/>
+          </p:nvSpPr>
+          <p:spPr>
+            <a:xfrm>
+              <a:off x="8001001" y="1405466"/>
+              <a:ext cx="1024464" cy="646331"/>
+            </a:xfrm>
+            <a:prstGeom prst="rect">
+              <a:avLst/>
+            </a:prstGeom>
+            <a:noFill/>
+          </p:spPr>
+          <p:txBody>
+            <a:bodyPr wrap="square" rtlCol="0">
+              <a:spAutoFit/>
+            </a:bodyPr>
+            <a:lstStyle/>
+            <a:p>
+              <a:r>
+                <a:rPr lang="en-US" sz="1400" dirty="0"/>
+                <a:t>450 </a:t>
+              </a:r>
+              <a:r>
+                <a:rPr lang="en-US" sz="1400" dirty="0" err="1"/>
+                <a:t>mW</a:t>
+              </a:r>
+              <a:r>
+                <a:rPr lang="en-US" sz="1400" dirty="0"/>
+                <a:t> pump</a:t>
+              </a:r>
+            </a:p>
+          </p:txBody>
+        </p:sp>
+      </p:grpSp>
+      <mc:AlternateContent xmlns:mc="http://schemas.openxmlformats.org/markup-compatibility/2006">
+        <mc:Choice xmlns:a14="http://schemas.microsoft.com/office/drawing/2010/main" Requires="a14">
+          <p:sp>
+            <p:nvSpPr>
+              <p:cNvPr id="11" name="TextBox 10">
+                <a:extLst>
+                  <a:ext uri="{FF2B5EF4-FFF2-40B4-BE49-F238E27FC236}">
+                    <a16:creationId xmlns:a16="http://schemas.microsoft.com/office/drawing/2014/main" id="{590BDFAC-4028-DFE8-FB4B-616846733CDC}"/>
+                  </a:ext>
+                </a:extLst>
+              </p:cNvPr>
+              <p:cNvSpPr txBox="1"/>
+              <p:nvPr/>
+            </p:nvSpPr>
+            <p:spPr>
+              <a:xfrm>
+                <a:off x="10329335" y="2032268"/>
+                <a:ext cx="1676398" cy="646331"/>
+              </a:xfrm>
+              <a:prstGeom prst="rect">
+                <a:avLst/>
+              </a:prstGeom>
+              <a:noFill/>
+            </p:spPr>
+            <p:txBody>
+              <a:bodyPr wrap="square" rtlCol="0">
+                <a:spAutoFit/>
+              </a:bodyPr>
+              <a:lstStyle/>
+              <a:p>
+                <a:r>
+                  <a:rPr lang="en-US" dirty="0"/>
+                  <a:t>Output coupler:</a:t>
+                </a:r>
+              </a:p>
+              <a:p>
+                <a14:m>
+                  <m:oMath xmlns:m="http://schemas.openxmlformats.org/officeDocument/2006/math">
+                    <m:sSub>
+                      <m:sSubPr>
+                        <m:ctrlPr>
+                          <a:rPr lang="en-US" b="0" i="1" smtClean="0">
+                            <a:latin typeface="Cambria Math" panose="02040503050406030204" pitchFamily="18" charset="0"/>
+                          </a:rPr>
+                        </m:ctrlPr>
+                      </m:sSubPr>
+                      <m:e>
+                        <m:r>
+                          <a:rPr lang="en-US" b="0" i="1" smtClean="0">
+                            <a:latin typeface="Cambria Math" panose="02040503050406030204" pitchFamily="18" charset="0"/>
+                          </a:rPr>
+                          <m:t>𝐸</m:t>
+                        </m:r>
+                      </m:e>
+                      <m:sub>
+                        <m:r>
+                          <a:rPr lang="en-US" b="0" i="1" smtClean="0">
+                            <a:latin typeface="Cambria Math" panose="02040503050406030204" pitchFamily="18" charset="0"/>
+                          </a:rPr>
+                          <m:t>𝑐𝑤</m:t>
+                        </m:r>
+                      </m:sub>
+                    </m:sSub>
+                    <m:r>
+                      <a:rPr lang="en-US" b="0" i="1" smtClean="0">
+                        <a:latin typeface="Cambria Math" panose="02040503050406030204" pitchFamily="18" charset="0"/>
+                      </a:rPr>
+                      <m:t>−</m:t>
+                    </m:r>
+                    <m:sSub>
+                      <m:sSubPr>
+                        <m:ctrlPr>
+                          <a:rPr lang="en-US" b="0" i="1" smtClean="0">
+                            <a:latin typeface="Cambria Math" panose="02040503050406030204" pitchFamily="18" charset="0"/>
+                          </a:rPr>
+                        </m:ctrlPr>
+                      </m:sSubPr>
+                      <m:e>
+                        <m:r>
+                          <a:rPr lang="en-US" b="0" i="1" smtClean="0">
+                            <a:latin typeface="Cambria Math" panose="02040503050406030204" pitchFamily="18" charset="0"/>
+                          </a:rPr>
+                          <m:t>𝐸</m:t>
+                        </m:r>
+                      </m:e>
+                      <m:sub>
+                        <m:r>
+                          <a:rPr lang="en-US" b="0" i="1" smtClean="0">
+                            <a:latin typeface="Cambria Math" panose="02040503050406030204" pitchFamily="18" charset="0"/>
+                          </a:rPr>
+                          <m:t>𝑐𝑐𝑤</m:t>
+                        </m:r>
+                      </m:sub>
+                    </m:sSub>
+                  </m:oMath>
+                </a14:m>
+                <a:r>
+                  <a:rPr lang="en-US" dirty="0"/>
+                  <a:t> </a:t>
+                </a:r>
+              </a:p>
+            </p:txBody>
+          </p:sp>
+        </mc:Choice>
+        <mc:Fallback>
+          <p:sp>
+            <p:nvSpPr>
+              <p:cNvPr id="11" name="TextBox 10">
+                <a:extLst>
+                  <a:ext uri="{FF2B5EF4-FFF2-40B4-BE49-F238E27FC236}">
+                    <a16:creationId xmlns:a16="http://schemas.microsoft.com/office/drawing/2014/main" id="{590BDFAC-4028-DFE8-FB4B-616846733CDC}"/>
+                  </a:ext>
+                </a:extLst>
+              </p:cNvPr>
+              <p:cNvSpPr txBox="1">
+                <a:spLocks noRot="1" noChangeAspect="1" noMove="1" noResize="1" noEditPoints="1" noAdjustHandles="1" noChangeArrowheads="1" noChangeShapeType="1" noTextEdit="1"/>
+              </p:cNvSpPr>
+              <p:nvPr/>
+            </p:nvSpPr>
+            <p:spPr>
+              <a:xfrm>
+                <a:off x="10329335" y="2032268"/>
+                <a:ext cx="1676398" cy="646331"/>
+              </a:xfrm>
+              <a:prstGeom prst="rect">
+                <a:avLst/>
+              </a:prstGeom>
+              <a:blipFill>
+                <a:blip r:embed="rId4"/>
+                <a:stretch>
+                  <a:fillRect l="-3008" t="-3846" r="-2256" b="-15385"/>
+                </a:stretch>
+              </a:blipFill>
+            </p:spPr>
+            <p:txBody>
+              <a:bodyPr/>
+              <a:lstStyle/>
+              <a:p>
+                <a:r>
+                  <a:rPr lang="en-US">
+                    <a:noFill/>
+                  </a:rPr>
+                  <a:t> </a:t>
+                </a:r>
+              </a:p>
+            </p:txBody>
+          </p:sp>
+        </mc:Fallback>
+      </mc:AlternateContent>
+      <mc:AlternateContent xmlns:mc="http://schemas.openxmlformats.org/markup-compatibility/2006">
+        <mc:Choice xmlns:a14="http://schemas.microsoft.com/office/drawing/2010/main" Requires="a14">
+          <p:sp>
+            <p:nvSpPr>
+              <p:cNvPr id="13" name="TextBox 12">
+                <a:extLst>
+                  <a:ext uri="{FF2B5EF4-FFF2-40B4-BE49-F238E27FC236}">
+                    <a16:creationId xmlns:a16="http://schemas.microsoft.com/office/drawing/2014/main" id="{C0E6A858-D012-F0F8-9290-A03211FEE510}"/>
+                  </a:ext>
+                </a:extLst>
+              </p:cNvPr>
+              <p:cNvSpPr txBox="1"/>
+              <p:nvPr/>
+            </p:nvSpPr>
+            <p:spPr>
+              <a:xfrm>
+                <a:off x="10329335" y="3572933"/>
+                <a:ext cx="1676398" cy="923330"/>
+              </a:xfrm>
+              <a:prstGeom prst="rect">
+                <a:avLst/>
+              </a:prstGeom>
+              <a:noFill/>
+            </p:spPr>
+            <p:txBody>
+              <a:bodyPr wrap="square" rtlCol="0">
+                <a:spAutoFit/>
+              </a:bodyPr>
+              <a:lstStyle/>
+              <a:p>
+                <a:r>
+                  <a:rPr lang="en-US" dirty="0"/>
+                  <a:t>Reflected back to cavity:</a:t>
+                </a:r>
+              </a:p>
+              <a:p>
+                <a14:m>
+                  <m:oMathPara xmlns:m="http://schemas.openxmlformats.org/officeDocument/2006/math">
+                    <m:oMathParaPr>
+                      <m:jc m:val="centerGroup"/>
+                    </m:oMathParaPr>
+                    <m:oMath xmlns:m="http://schemas.openxmlformats.org/officeDocument/2006/math">
+                      <m:sSub>
+                        <m:sSubPr>
+                          <m:ctrlPr>
+                            <a:rPr lang="en-US" b="0" i="1" smtClean="0">
+                              <a:latin typeface="Cambria Math" panose="02040503050406030204" pitchFamily="18" charset="0"/>
+                            </a:rPr>
+                          </m:ctrlPr>
+                        </m:sSubPr>
+                        <m:e>
+                          <m:r>
+                            <a:rPr lang="en-US" b="0" i="1" smtClean="0">
+                              <a:latin typeface="Cambria Math" panose="02040503050406030204" pitchFamily="18" charset="0"/>
+                            </a:rPr>
+                            <m:t>𝐸</m:t>
+                          </m:r>
+                        </m:e>
+                        <m:sub>
+                          <m:r>
+                            <a:rPr lang="en-US" b="0" i="1" smtClean="0">
+                              <a:latin typeface="Cambria Math" panose="02040503050406030204" pitchFamily="18" charset="0"/>
+                            </a:rPr>
+                            <m:t>𝑐𝑤</m:t>
+                          </m:r>
+                        </m:sub>
+                      </m:sSub>
+                      <m:r>
+                        <a:rPr lang="en-US" b="0" i="1" smtClean="0">
+                          <a:latin typeface="Cambria Math" panose="02040503050406030204" pitchFamily="18" charset="0"/>
+                        </a:rPr>
+                        <m:t>+</m:t>
+                      </m:r>
+                      <m:sSub>
+                        <m:sSubPr>
+                          <m:ctrlPr>
+                            <a:rPr lang="en-US" b="0" i="1" smtClean="0">
+                              <a:latin typeface="Cambria Math" panose="02040503050406030204" pitchFamily="18" charset="0"/>
+                            </a:rPr>
+                          </m:ctrlPr>
+                        </m:sSubPr>
+                        <m:e>
+                          <m:r>
+                            <a:rPr lang="en-US" b="0" i="1" smtClean="0">
+                              <a:latin typeface="Cambria Math" panose="02040503050406030204" pitchFamily="18" charset="0"/>
+                            </a:rPr>
+                            <m:t>𝐸</m:t>
+                          </m:r>
+                        </m:e>
+                        <m:sub>
+                          <m:r>
+                            <a:rPr lang="en-US" b="0" i="1" smtClean="0">
+                              <a:latin typeface="Cambria Math" panose="02040503050406030204" pitchFamily="18" charset="0"/>
+                            </a:rPr>
+                            <m:t>𝑐𝑐𝑤</m:t>
+                          </m:r>
+                        </m:sub>
+                      </m:sSub>
+                    </m:oMath>
+                  </m:oMathPara>
+                </a14:m>
+                <a:endParaRPr lang="en-US" dirty="0"/>
+              </a:p>
+            </p:txBody>
+          </p:sp>
+        </mc:Choice>
+        <mc:Fallback>
+          <p:sp>
+            <p:nvSpPr>
+              <p:cNvPr id="13" name="TextBox 12">
+                <a:extLst>
+                  <a:ext uri="{FF2B5EF4-FFF2-40B4-BE49-F238E27FC236}">
+                    <a16:creationId xmlns:a16="http://schemas.microsoft.com/office/drawing/2014/main" id="{C0E6A858-D012-F0F8-9290-A03211FEE510}"/>
+                  </a:ext>
+                </a:extLst>
+              </p:cNvPr>
+              <p:cNvSpPr txBox="1">
+                <a:spLocks noRot="1" noChangeAspect="1" noMove="1" noResize="1" noEditPoints="1" noAdjustHandles="1" noChangeArrowheads="1" noChangeShapeType="1" noTextEdit="1"/>
+              </p:cNvSpPr>
+              <p:nvPr/>
+            </p:nvSpPr>
+            <p:spPr>
+              <a:xfrm>
+                <a:off x="10329335" y="3572933"/>
+                <a:ext cx="1676398" cy="923330"/>
+              </a:xfrm>
+              <a:prstGeom prst="rect">
+                <a:avLst/>
+              </a:prstGeom>
+              <a:blipFill>
+                <a:blip r:embed="rId5"/>
+                <a:stretch>
+                  <a:fillRect l="-3008" t="-2703"/>
+                </a:stretch>
+              </a:blipFill>
+            </p:spPr>
+            <p:txBody>
+              <a:bodyPr/>
+              <a:lstStyle/>
+              <a:p>
+                <a:r>
+                  <a:rPr lang="en-US">
+                    <a:noFill/>
+                  </a:rPr>
+                  <a:t> </a:t>
+                </a:r>
+              </a:p>
+            </p:txBody>
+          </p:sp>
+        </mc:Fallback>
+      </mc:AlternateContent>
+      <p:cxnSp>
+        <p:nvCxnSpPr>
+          <p:cNvPr id="17" name="Straight Arrow Connector 16">
+            <a:extLst>
+              <a:ext uri="{FF2B5EF4-FFF2-40B4-BE49-F238E27FC236}">
+                <a16:creationId xmlns:a16="http://schemas.microsoft.com/office/drawing/2014/main" id="{A3C9E243-9754-72AB-CB7C-3A6B061E51DB}"/>
+              </a:ext>
+            </a:extLst>
+          </p:cNvPr>
+          <p:cNvCxnSpPr/>
+          <p:nvPr/>
+        </p:nvCxnSpPr>
+        <p:spPr>
+          <a:xfrm flipH="1">
+            <a:off x="9922935" y="2438615"/>
+            <a:ext cx="406400" cy="0"/>
+          </a:xfrm>
+          <a:prstGeom prst="straightConnector1">
+            <a:avLst/>
+          </a:prstGeom>
+          <a:ln w="25400">
+            <a:solidFill>
+              <a:srgbClr val="FF0000"/>
+            </a:solidFill>
+            <a:tailEnd type="triangle"/>
+          </a:ln>
+        </p:spPr>
+        <p:style>
+          <a:lnRef idx="1">
+            <a:schemeClr val="accent1"/>
+          </a:lnRef>
+          <a:fillRef idx="0">
+            <a:schemeClr val="accent1"/>
+          </a:fillRef>
+          <a:effectRef idx="0">
+            <a:schemeClr val="accent1"/>
+          </a:effectRef>
+          <a:fontRef idx="minor">
+            <a:schemeClr val="tx1"/>
+          </a:fontRef>
+        </p:style>
+      </p:cxnSp>
+      <p:cxnSp>
+        <p:nvCxnSpPr>
+          <p:cNvPr id="18" name="Straight Arrow Connector 17">
+            <a:extLst>
+              <a:ext uri="{FF2B5EF4-FFF2-40B4-BE49-F238E27FC236}">
+                <a16:creationId xmlns:a16="http://schemas.microsoft.com/office/drawing/2014/main" id="{223070F9-4288-4113-703A-DCB474D8F8E2}"/>
+              </a:ext>
+            </a:extLst>
+          </p:cNvPr>
+          <p:cNvCxnSpPr/>
+          <p:nvPr/>
+        </p:nvCxnSpPr>
+        <p:spPr>
+          <a:xfrm flipH="1">
+            <a:off x="9922935" y="4157349"/>
+            <a:ext cx="406400" cy="0"/>
+          </a:xfrm>
+          <a:prstGeom prst="straightConnector1">
+            <a:avLst/>
+          </a:prstGeom>
+          <a:ln w="25400">
+            <a:solidFill>
+              <a:srgbClr val="FF0000"/>
+            </a:solidFill>
+            <a:tailEnd type="triangle"/>
+          </a:ln>
+        </p:spPr>
+        <p:style>
+          <a:lnRef idx="1">
+            <a:schemeClr val="accent1"/>
+          </a:lnRef>
+          <a:fillRef idx="0">
+            <a:schemeClr val="accent1"/>
+          </a:fillRef>
+          <a:effectRef idx="0">
+            <a:schemeClr val="accent1"/>
+          </a:effectRef>
+          <a:fontRef idx="minor">
+            <a:schemeClr val="tx1"/>
+          </a:fontRef>
+        </p:style>
+      </p:cxnSp>
+    </p:spTree>
+    <p:extLst>
+      <p:ext uri="{BB962C8B-B14F-4D97-AF65-F5344CB8AC3E}">
+        <p14:creationId xmlns:p14="http://schemas.microsoft.com/office/powerpoint/2010/main" val="2476284306"/>
+      </p:ext>
+    </p:extLst>
+  </p:cSld>
+  <p:clrMapOvr>
+    <a:masterClrMapping/>
+  </p:clrMapOvr>
+</p:sld>
+</file>
+
+<file path=ppt/slides/slide12.xml><?xml version="1.0" encoding="utf-8"?>
+<p:sld xmlns:a="http://schemas.openxmlformats.org/drawingml/2006/main" xmlns:r="http://schemas.openxmlformats.org/officeDocument/2006/relationships" xmlns:p="http://schemas.openxmlformats.org/presentationml/2006/main">
+  <p:cSld>
+    <p:spTree>
+      <p:nvGrpSpPr>
+        <p:cNvPr id="1" name=""/>
+        <p:cNvGrpSpPr/>
+        <p:nvPr/>
+      </p:nvGrpSpPr>
+      <p:grpSpPr>
+        <a:xfrm>
+          <a:off x="0" y="0"/>
+          <a:ext cx="0" cy="0"/>
+          <a:chOff x="0" y="0"/>
+          <a:chExt cx="0" cy="0"/>
+        </a:xfrm>
+      </p:grpSpPr>
+      <p:sp>
+        <p:nvSpPr>
+          <p:cNvPr id="2" name="Title 1">
+            <a:extLst>
+              <a:ext uri="{FF2B5EF4-FFF2-40B4-BE49-F238E27FC236}">
+                <a16:creationId xmlns:a16="http://schemas.microsoft.com/office/drawing/2014/main" id="{CFE05767-C0B7-764A-87A3-93D09B3493E6}"/>
+              </a:ext>
+            </a:extLst>
+          </p:cNvPr>
+          <p:cNvSpPr>
+            <a:spLocks noGrp="1"/>
+          </p:cNvSpPr>
+          <p:nvPr>
+            <p:ph type="title"/>
+          </p:nvPr>
+        </p:nvSpPr>
+        <p:spPr/>
+        <p:txBody>
+          <a:bodyPr/>
+          <a:lstStyle/>
+          <a:p>
+            <a:r>
+              <a:rPr lang="en-US" dirty="0"/>
+              <a:t>100 MHz</a:t>
+            </a:r>
+          </a:p>
+        </p:txBody>
+      </p:sp>
+      <p:sp>
+        <p:nvSpPr>
+          <p:cNvPr id="3" name="Slide Number Placeholder 2">
+            <a:extLst>
+              <a:ext uri="{FF2B5EF4-FFF2-40B4-BE49-F238E27FC236}">
+                <a16:creationId xmlns:a16="http://schemas.microsoft.com/office/drawing/2014/main" id="{EBEFB8EE-5343-108E-9E2D-5FA6121D93BA}"/>
+              </a:ext>
+            </a:extLst>
+          </p:cNvPr>
+          <p:cNvSpPr>
+            <a:spLocks noGrp="1"/>
+          </p:cNvSpPr>
+          <p:nvPr>
+            <p:ph type="sldNum" sz="quarter" idx="12"/>
+          </p:nvPr>
+        </p:nvSpPr>
+        <p:spPr/>
+        <p:txBody>
+          <a:bodyPr/>
+          <a:lstStyle/>
+          <a:p>
+            <a:fld id="{B9982081-D51A-40C8-8A41-6498517A0DD4}" type="slidenum">
+              <a:rPr lang="en-US" smtClean="0"/>
+              <a:t>12</a:t>
+            </a:fld>
+            <a:endParaRPr lang="en-US"/>
+          </a:p>
+        </p:txBody>
+      </p:sp>
+      <p:grpSp>
+        <p:nvGrpSpPr>
+          <p:cNvPr id="7" name="Group 6">
+            <a:extLst>
+              <a:ext uri="{FF2B5EF4-FFF2-40B4-BE49-F238E27FC236}">
+                <a16:creationId xmlns:a16="http://schemas.microsoft.com/office/drawing/2014/main" id="{7BCB966A-1876-70DB-1804-BCCC3AF3CEB8}"/>
+              </a:ext>
+            </a:extLst>
+          </p:cNvPr>
+          <p:cNvGrpSpPr/>
+          <p:nvPr/>
+        </p:nvGrpSpPr>
+        <p:grpSpPr>
+          <a:xfrm>
+            <a:off x="0" y="1450178"/>
+            <a:ext cx="10199510" cy="3824817"/>
+            <a:chOff x="160866" y="1028699"/>
+            <a:chExt cx="15544800" cy="5829301"/>
+          </a:xfrm>
+        </p:grpSpPr>
+        <p:pic>
+          <p:nvPicPr>
+            <p:cNvPr id="8" name="Picture 7">
+              <a:extLst>
+                <a:ext uri="{FF2B5EF4-FFF2-40B4-BE49-F238E27FC236}">
+                  <a16:creationId xmlns:a16="http://schemas.microsoft.com/office/drawing/2014/main" id="{DEEFD849-7FE9-0E25-5C4F-3A6A172D8C35}"/>
+                </a:ext>
+              </a:extLst>
+            </p:cNvPr>
+            <p:cNvPicPr>
+              <a:picLocks noChangeAspect="1"/>
+            </p:cNvPicPr>
+            <p:nvPr/>
+          </p:nvPicPr>
+          <p:blipFill>
+            <a:blip r:embed="rId2"/>
+            <a:stretch>
+              <a:fillRect/>
+            </a:stretch>
+          </p:blipFill>
+          <p:spPr>
+            <a:xfrm>
+              <a:off x="160866" y="1028700"/>
+              <a:ext cx="7772400" cy="5829300"/>
+            </a:xfrm>
+            <a:prstGeom prst="rect">
+              <a:avLst/>
+            </a:prstGeom>
+          </p:spPr>
+        </p:pic>
+        <p:pic>
+          <p:nvPicPr>
+            <p:cNvPr id="9" name="Picture 8">
+              <a:extLst>
+                <a:ext uri="{FF2B5EF4-FFF2-40B4-BE49-F238E27FC236}">
+                  <a16:creationId xmlns:a16="http://schemas.microsoft.com/office/drawing/2014/main" id="{5CDAD1ED-D62B-E426-C506-9C7EEE4DA88B}"/>
+                </a:ext>
+              </a:extLst>
+            </p:cNvPr>
+            <p:cNvPicPr>
+              <a:picLocks noChangeAspect="1"/>
+            </p:cNvPicPr>
+            <p:nvPr/>
+          </p:nvPicPr>
+          <p:blipFill>
+            <a:blip r:embed="rId3"/>
+            <a:stretch>
+              <a:fillRect/>
+            </a:stretch>
+          </p:blipFill>
+          <p:spPr>
+            <a:xfrm>
+              <a:off x="7933266" y="1028699"/>
+              <a:ext cx="7772400" cy="5829300"/>
+            </a:xfrm>
+            <a:prstGeom prst="rect">
+              <a:avLst/>
+            </a:prstGeom>
+          </p:spPr>
+        </p:pic>
+      </p:grpSp>
+      <p:sp>
+        <p:nvSpPr>
+          <p:cNvPr id="10" name="TextBox 9">
+            <a:extLst>
+              <a:ext uri="{FF2B5EF4-FFF2-40B4-BE49-F238E27FC236}">
+                <a16:creationId xmlns:a16="http://schemas.microsoft.com/office/drawing/2014/main" id="{F957740D-46B4-7360-9941-8C60ED3B610C}"/>
+              </a:ext>
+            </a:extLst>
+          </p:cNvPr>
+          <p:cNvSpPr txBox="1"/>
+          <p:nvPr/>
+        </p:nvSpPr>
+        <p:spPr>
+          <a:xfrm>
+            <a:off x="169333" y="5433020"/>
+            <a:ext cx="6494791" cy="923330"/>
+          </a:xfrm>
+          <a:prstGeom prst="rect">
+            <a:avLst/>
+          </a:prstGeom>
+          <a:noFill/>
+        </p:spPr>
+        <p:txBody>
+          <a:bodyPr wrap="none" rtlCol="0">
+            <a:spAutoFit/>
+          </a:bodyPr>
+          <a:lstStyle/>
+          <a:p>
+            <a:pPr marL="285750" indent="-285750">
+              <a:buFont typeface="Arial" panose="020B0604020202020204" pitchFamily="34" charset="0"/>
+              <a:buChar char="•"/>
+            </a:pPr>
+            <a:r>
+              <a:rPr lang="en-US" dirty="0"/>
+              <a:t>100 MHz, 3.5 </a:t>
+            </a:r>
+            <a:r>
+              <a:rPr lang="en-US" dirty="0" err="1"/>
+              <a:t>ps</a:t>
+            </a:r>
+            <a:r>
+              <a:rPr lang="en-US" dirty="0"/>
+              <a:t>/nm/km round trip</a:t>
+            </a:r>
+          </a:p>
+          <a:p>
+            <a:pPr marL="285750" indent="-285750">
+              <a:buFont typeface="Arial" panose="020B0604020202020204" pitchFamily="34" charset="0"/>
+              <a:buChar char="•"/>
+            </a:pPr>
+            <a:r>
+              <a:rPr lang="en-US" dirty="0"/>
+              <a:t>15 cm straight arm</a:t>
+            </a:r>
+          </a:p>
+          <a:p>
+            <a:pPr marL="742950" lvl="1" indent="-285750">
+              <a:buFont typeface="Arial" panose="020B0604020202020204" pitchFamily="34" charset="0"/>
+              <a:buChar char="•"/>
+            </a:pPr>
+            <a:r>
+              <a:rPr lang="en-US" dirty="0"/>
+              <a:t>accounting for: 0.7 dB insertion loss and 0.7 dB splicing loss</a:t>
+            </a:r>
+          </a:p>
+        </p:txBody>
+      </p:sp>
+      <mc:AlternateContent xmlns:mc="http://schemas.openxmlformats.org/markup-compatibility/2006">
+        <mc:Choice xmlns:a14="http://schemas.microsoft.com/office/drawing/2010/main" Requires="a14">
+          <p:sp>
+            <p:nvSpPr>
+              <p:cNvPr id="11" name="TextBox 10">
+                <a:extLst>
+                  <a:ext uri="{FF2B5EF4-FFF2-40B4-BE49-F238E27FC236}">
+                    <a16:creationId xmlns:a16="http://schemas.microsoft.com/office/drawing/2014/main" id="{E7A9181A-7B64-C617-7530-EB0706B2076D}"/>
+                  </a:ext>
+                </a:extLst>
+              </p:cNvPr>
+              <p:cNvSpPr txBox="1"/>
+              <p:nvPr/>
+            </p:nvSpPr>
+            <p:spPr>
+              <a:xfrm>
+                <a:off x="10329335" y="2032268"/>
+                <a:ext cx="1676398" cy="646331"/>
+              </a:xfrm>
+              <a:prstGeom prst="rect">
+                <a:avLst/>
+              </a:prstGeom>
+              <a:noFill/>
+            </p:spPr>
+            <p:txBody>
+              <a:bodyPr wrap="square" rtlCol="0">
+                <a:spAutoFit/>
+              </a:bodyPr>
+              <a:lstStyle/>
+              <a:p>
+                <a:r>
+                  <a:rPr lang="en-US" dirty="0"/>
+                  <a:t>Output coupler:</a:t>
+                </a:r>
+              </a:p>
+              <a:p>
+                <a14:m>
+                  <m:oMath xmlns:m="http://schemas.openxmlformats.org/officeDocument/2006/math">
+                    <m:sSub>
+                      <m:sSubPr>
+                        <m:ctrlPr>
+                          <a:rPr lang="en-US" b="0" i="1" smtClean="0">
+                            <a:latin typeface="Cambria Math" panose="02040503050406030204" pitchFamily="18" charset="0"/>
+                          </a:rPr>
+                        </m:ctrlPr>
+                      </m:sSubPr>
+                      <m:e>
+                        <m:r>
+                          <a:rPr lang="en-US" b="0" i="1" smtClean="0">
+                            <a:latin typeface="Cambria Math" panose="02040503050406030204" pitchFamily="18" charset="0"/>
+                          </a:rPr>
+                          <m:t>𝐸</m:t>
+                        </m:r>
+                      </m:e>
+                      <m:sub>
+                        <m:r>
+                          <a:rPr lang="en-US" b="0" i="1" smtClean="0">
+                            <a:latin typeface="Cambria Math" panose="02040503050406030204" pitchFamily="18" charset="0"/>
+                          </a:rPr>
+                          <m:t>𝑐𝑤</m:t>
+                        </m:r>
+                      </m:sub>
+                    </m:sSub>
+                    <m:r>
+                      <a:rPr lang="en-US" b="0" i="1" smtClean="0">
+                        <a:latin typeface="Cambria Math" panose="02040503050406030204" pitchFamily="18" charset="0"/>
+                      </a:rPr>
+                      <m:t>−</m:t>
+                    </m:r>
+                    <m:sSub>
+                      <m:sSubPr>
+                        <m:ctrlPr>
+                          <a:rPr lang="en-US" b="0" i="1" smtClean="0">
+                            <a:latin typeface="Cambria Math" panose="02040503050406030204" pitchFamily="18" charset="0"/>
+                          </a:rPr>
+                        </m:ctrlPr>
+                      </m:sSubPr>
+                      <m:e>
+                        <m:r>
+                          <a:rPr lang="en-US" b="0" i="1" smtClean="0">
+                            <a:latin typeface="Cambria Math" panose="02040503050406030204" pitchFamily="18" charset="0"/>
+                          </a:rPr>
+                          <m:t>𝐸</m:t>
+                        </m:r>
+                      </m:e>
+                      <m:sub>
+                        <m:r>
+                          <a:rPr lang="en-US" b="0" i="1" smtClean="0">
+                            <a:latin typeface="Cambria Math" panose="02040503050406030204" pitchFamily="18" charset="0"/>
+                          </a:rPr>
+                          <m:t>𝑐𝑐𝑤</m:t>
+                        </m:r>
+                      </m:sub>
+                    </m:sSub>
+                  </m:oMath>
+                </a14:m>
+                <a:r>
+                  <a:rPr lang="en-US" dirty="0"/>
+                  <a:t> </a:t>
+                </a:r>
+              </a:p>
+            </p:txBody>
+          </p:sp>
+        </mc:Choice>
+        <mc:Fallback>
+          <p:sp>
+            <p:nvSpPr>
+              <p:cNvPr id="11" name="TextBox 10">
+                <a:extLst>
+                  <a:ext uri="{FF2B5EF4-FFF2-40B4-BE49-F238E27FC236}">
+                    <a16:creationId xmlns:a16="http://schemas.microsoft.com/office/drawing/2014/main" id="{E7A9181A-7B64-C617-7530-EB0706B2076D}"/>
+                  </a:ext>
+                </a:extLst>
+              </p:cNvPr>
+              <p:cNvSpPr txBox="1">
+                <a:spLocks noRot="1" noChangeAspect="1" noMove="1" noResize="1" noEditPoints="1" noAdjustHandles="1" noChangeArrowheads="1" noChangeShapeType="1" noTextEdit="1"/>
+              </p:cNvSpPr>
+              <p:nvPr/>
+            </p:nvSpPr>
+            <p:spPr>
+              <a:xfrm>
+                <a:off x="10329335" y="2032268"/>
+                <a:ext cx="1676398" cy="646331"/>
+              </a:xfrm>
+              <a:prstGeom prst="rect">
+                <a:avLst/>
+              </a:prstGeom>
+              <a:blipFill>
+                <a:blip r:embed="rId4"/>
+                <a:stretch>
+                  <a:fillRect l="-3008" t="-3846" r="-2256"/>
+                </a:stretch>
+              </a:blipFill>
+            </p:spPr>
+            <p:txBody>
+              <a:bodyPr/>
+              <a:lstStyle/>
+              <a:p>
+                <a:r>
+                  <a:rPr lang="en-US">
+                    <a:noFill/>
+                  </a:rPr>
+                  <a:t> </a:t>
+                </a:r>
+              </a:p>
+            </p:txBody>
+          </p:sp>
+        </mc:Fallback>
+      </mc:AlternateContent>
+      <mc:AlternateContent xmlns:mc="http://schemas.openxmlformats.org/markup-compatibility/2006">
+        <mc:Choice xmlns:a14="http://schemas.microsoft.com/office/drawing/2010/main" Requires="a14">
+          <p:sp>
+            <p:nvSpPr>
+              <p:cNvPr id="12" name="TextBox 11">
+                <a:extLst>
+                  <a:ext uri="{FF2B5EF4-FFF2-40B4-BE49-F238E27FC236}">
+                    <a16:creationId xmlns:a16="http://schemas.microsoft.com/office/drawing/2014/main" id="{FE51138E-6AB5-DF80-871F-81AB4ED69F1C}"/>
+                  </a:ext>
+                </a:extLst>
+              </p:cNvPr>
+              <p:cNvSpPr txBox="1"/>
+              <p:nvPr/>
+            </p:nvSpPr>
+            <p:spPr>
+              <a:xfrm>
+                <a:off x="10329335" y="3572933"/>
+                <a:ext cx="1676398" cy="923330"/>
+              </a:xfrm>
+              <a:prstGeom prst="rect">
+                <a:avLst/>
+              </a:prstGeom>
+              <a:noFill/>
+            </p:spPr>
+            <p:txBody>
+              <a:bodyPr wrap="square" rtlCol="0">
+                <a:spAutoFit/>
+              </a:bodyPr>
+              <a:lstStyle/>
+              <a:p>
+                <a:r>
+                  <a:rPr lang="en-US" dirty="0"/>
+                  <a:t>Reflected back to cavity:</a:t>
+                </a:r>
+              </a:p>
+              <a:p>
+                <a14:m>
+                  <m:oMathPara xmlns:m="http://schemas.openxmlformats.org/officeDocument/2006/math">
+                    <m:oMathParaPr>
+                      <m:jc m:val="centerGroup"/>
+                    </m:oMathParaPr>
+                    <m:oMath xmlns:m="http://schemas.openxmlformats.org/officeDocument/2006/math">
+                      <m:sSub>
+                        <m:sSubPr>
+                          <m:ctrlPr>
+                            <a:rPr lang="en-US" b="0" i="1" smtClean="0">
+                              <a:latin typeface="Cambria Math" panose="02040503050406030204" pitchFamily="18" charset="0"/>
+                            </a:rPr>
+                          </m:ctrlPr>
+                        </m:sSubPr>
+                        <m:e>
+                          <m:r>
+                            <a:rPr lang="en-US" b="0" i="1" smtClean="0">
+                              <a:latin typeface="Cambria Math" panose="02040503050406030204" pitchFamily="18" charset="0"/>
+                            </a:rPr>
+                            <m:t>𝐸</m:t>
+                          </m:r>
+                        </m:e>
+                        <m:sub>
+                          <m:r>
+                            <a:rPr lang="en-US" b="0" i="1" smtClean="0">
+                              <a:latin typeface="Cambria Math" panose="02040503050406030204" pitchFamily="18" charset="0"/>
+                            </a:rPr>
+                            <m:t>𝑐𝑤</m:t>
+                          </m:r>
+                        </m:sub>
+                      </m:sSub>
+                      <m:r>
+                        <a:rPr lang="en-US" b="0" i="1" smtClean="0">
+                          <a:latin typeface="Cambria Math" panose="02040503050406030204" pitchFamily="18" charset="0"/>
+                        </a:rPr>
+                        <m:t>+</m:t>
+                      </m:r>
+                      <m:sSub>
+                        <m:sSubPr>
+                          <m:ctrlPr>
+                            <a:rPr lang="en-US" b="0" i="1" smtClean="0">
+                              <a:latin typeface="Cambria Math" panose="02040503050406030204" pitchFamily="18" charset="0"/>
+                            </a:rPr>
+                          </m:ctrlPr>
+                        </m:sSubPr>
+                        <m:e>
+                          <m:r>
+                            <a:rPr lang="en-US" b="0" i="1" smtClean="0">
+                              <a:latin typeface="Cambria Math" panose="02040503050406030204" pitchFamily="18" charset="0"/>
+                            </a:rPr>
+                            <m:t>𝐸</m:t>
+                          </m:r>
+                        </m:e>
+                        <m:sub>
+                          <m:r>
+                            <a:rPr lang="en-US" b="0" i="1" smtClean="0">
+                              <a:latin typeface="Cambria Math" panose="02040503050406030204" pitchFamily="18" charset="0"/>
+                            </a:rPr>
+                            <m:t>𝑐𝑐𝑤</m:t>
+                          </m:r>
+                        </m:sub>
+                      </m:sSub>
+                    </m:oMath>
+                  </m:oMathPara>
+                </a14:m>
+                <a:endParaRPr lang="en-US" dirty="0"/>
+              </a:p>
+            </p:txBody>
+          </p:sp>
+        </mc:Choice>
+        <mc:Fallback>
+          <p:sp>
+            <p:nvSpPr>
+              <p:cNvPr id="12" name="TextBox 11">
+                <a:extLst>
+                  <a:ext uri="{FF2B5EF4-FFF2-40B4-BE49-F238E27FC236}">
+                    <a16:creationId xmlns:a16="http://schemas.microsoft.com/office/drawing/2014/main" id="{FE51138E-6AB5-DF80-871F-81AB4ED69F1C}"/>
+                  </a:ext>
+                </a:extLst>
+              </p:cNvPr>
+              <p:cNvSpPr txBox="1">
+                <a:spLocks noRot="1" noChangeAspect="1" noMove="1" noResize="1" noEditPoints="1" noAdjustHandles="1" noChangeArrowheads="1" noChangeShapeType="1" noTextEdit="1"/>
+              </p:cNvSpPr>
+              <p:nvPr/>
+            </p:nvSpPr>
+            <p:spPr>
+              <a:xfrm>
+                <a:off x="10329335" y="3572933"/>
+                <a:ext cx="1676398" cy="923330"/>
+              </a:xfrm>
+              <a:prstGeom prst="rect">
+                <a:avLst/>
+              </a:prstGeom>
+              <a:blipFill>
+                <a:blip r:embed="rId5"/>
+                <a:stretch>
+                  <a:fillRect l="-3008" t="-2703"/>
+                </a:stretch>
+              </a:blipFill>
+            </p:spPr>
+            <p:txBody>
+              <a:bodyPr/>
+              <a:lstStyle/>
+              <a:p>
+                <a:r>
+                  <a:rPr lang="en-US">
+                    <a:noFill/>
+                  </a:rPr>
+                  <a:t> </a:t>
+                </a:r>
+              </a:p>
+            </p:txBody>
+          </p:sp>
+        </mc:Fallback>
+      </mc:AlternateContent>
+      <p:cxnSp>
+        <p:nvCxnSpPr>
+          <p:cNvPr id="13" name="Straight Arrow Connector 12">
+            <a:extLst>
+              <a:ext uri="{FF2B5EF4-FFF2-40B4-BE49-F238E27FC236}">
+                <a16:creationId xmlns:a16="http://schemas.microsoft.com/office/drawing/2014/main" id="{B39ED3A8-388C-F6A9-CF93-75366CCC3E8E}"/>
+              </a:ext>
+            </a:extLst>
+          </p:cNvPr>
+          <p:cNvCxnSpPr/>
+          <p:nvPr/>
+        </p:nvCxnSpPr>
+        <p:spPr>
+          <a:xfrm flipH="1">
+            <a:off x="9922935" y="2438615"/>
+            <a:ext cx="406400" cy="0"/>
+          </a:xfrm>
+          <a:prstGeom prst="straightConnector1">
+            <a:avLst/>
+          </a:prstGeom>
+          <a:ln w="25400">
+            <a:solidFill>
+              <a:srgbClr val="FF0000"/>
+            </a:solidFill>
+            <a:tailEnd type="triangle"/>
+          </a:ln>
+        </p:spPr>
+        <p:style>
+          <a:lnRef idx="1">
+            <a:schemeClr val="accent1"/>
+          </a:lnRef>
+          <a:fillRef idx="0">
+            <a:schemeClr val="accent1"/>
+          </a:fillRef>
+          <a:effectRef idx="0">
+            <a:schemeClr val="accent1"/>
+          </a:effectRef>
+          <a:fontRef idx="minor">
+            <a:schemeClr val="tx1"/>
+          </a:fontRef>
+        </p:style>
+      </p:cxnSp>
+      <p:cxnSp>
+        <p:nvCxnSpPr>
+          <p:cNvPr id="14" name="Straight Arrow Connector 13">
+            <a:extLst>
+              <a:ext uri="{FF2B5EF4-FFF2-40B4-BE49-F238E27FC236}">
+                <a16:creationId xmlns:a16="http://schemas.microsoft.com/office/drawing/2014/main" id="{DEA14D14-E3A2-078C-D610-B6072D2E93DB}"/>
+              </a:ext>
+            </a:extLst>
+          </p:cNvPr>
+          <p:cNvCxnSpPr/>
+          <p:nvPr/>
+        </p:nvCxnSpPr>
+        <p:spPr>
+          <a:xfrm flipH="1">
+            <a:off x="9922935" y="4157349"/>
+            <a:ext cx="406400" cy="0"/>
+          </a:xfrm>
+          <a:prstGeom prst="straightConnector1">
+            <a:avLst/>
+          </a:prstGeom>
+          <a:ln w="25400">
+            <a:solidFill>
+              <a:srgbClr val="FF0000"/>
+            </a:solidFill>
+            <a:tailEnd type="triangle"/>
+          </a:ln>
+        </p:spPr>
+        <p:style>
+          <a:lnRef idx="1">
+            <a:schemeClr val="accent1"/>
+          </a:lnRef>
+          <a:fillRef idx="0">
+            <a:schemeClr val="accent1"/>
+          </a:fillRef>
+          <a:effectRef idx="0">
+            <a:schemeClr val="accent1"/>
+          </a:effectRef>
+          <a:fontRef idx="minor">
+            <a:schemeClr val="tx1"/>
+          </a:fontRef>
+        </p:style>
+      </p:cxnSp>
+      <p:sp>
+        <p:nvSpPr>
+          <p:cNvPr id="15" name="TextBox 14">
+            <a:extLst>
+              <a:ext uri="{FF2B5EF4-FFF2-40B4-BE49-F238E27FC236}">
+                <a16:creationId xmlns:a16="http://schemas.microsoft.com/office/drawing/2014/main" id="{AA6DB8C7-753E-99DF-71EB-5404CE4D0C87}"/>
+              </a:ext>
+            </a:extLst>
+          </p:cNvPr>
+          <p:cNvSpPr txBox="1"/>
+          <p:nvPr/>
+        </p:nvSpPr>
+        <p:spPr>
+          <a:xfrm>
+            <a:off x="1629832" y="1832213"/>
+            <a:ext cx="1117600" cy="523220"/>
+          </a:xfrm>
+          <a:prstGeom prst="rect">
+            <a:avLst/>
+          </a:prstGeom>
+          <a:noFill/>
+        </p:spPr>
+        <p:txBody>
+          <a:bodyPr wrap="square" rtlCol="0">
+            <a:spAutoFit/>
+          </a:bodyPr>
+          <a:lstStyle/>
+          <a:p>
+            <a:r>
+              <a:rPr lang="en-US" sz="1400" dirty="0"/>
+              <a:t>60 </a:t>
+            </a:r>
+            <a:r>
+              <a:rPr lang="en-US" sz="1400" dirty="0" err="1"/>
+              <a:t>mW</a:t>
+            </a:r>
+            <a:r>
+              <a:rPr lang="en-US" sz="1400" dirty="0"/>
+              <a:t> pump</a:t>
+            </a:r>
+          </a:p>
+        </p:txBody>
+      </p:sp>
+      <p:sp>
+        <p:nvSpPr>
+          <p:cNvPr id="16" name="TextBox 15">
+            <a:extLst>
+              <a:ext uri="{FF2B5EF4-FFF2-40B4-BE49-F238E27FC236}">
+                <a16:creationId xmlns:a16="http://schemas.microsoft.com/office/drawing/2014/main" id="{5AB02D45-AD8A-F52C-6F0A-4C2214F95F90}"/>
+              </a:ext>
+            </a:extLst>
+          </p:cNvPr>
+          <p:cNvSpPr txBox="1"/>
+          <p:nvPr/>
+        </p:nvSpPr>
+        <p:spPr>
+          <a:xfrm>
+            <a:off x="6769098" y="1832213"/>
+            <a:ext cx="1117600" cy="523220"/>
+          </a:xfrm>
+          <a:prstGeom prst="rect">
+            <a:avLst/>
+          </a:prstGeom>
+          <a:noFill/>
+        </p:spPr>
+        <p:txBody>
+          <a:bodyPr wrap="square" rtlCol="0">
+            <a:spAutoFit/>
+          </a:bodyPr>
+          <a:lstStyle/>
+          <a:p>
+            <a:r>
+              <a:rPr lang="en-US" sz="1400" dirty="0"/>
+              <a:t>75 </a:t>
+            </a:r>
+            <a:r>
+              <a:rPr lang="en-US" sz="1400" dirty="0" err="1"/>
+              <a:t>mW</a:t>
+            </a:r>
+            <a:r>
+              <a:rPr lang="en-US" sz="1400" dirty="0"/>
+              <a:t> pump</a:t>
+            </a:r>
+          </a:p>
+        </p:txBody>
+      </p:sp>
+    </p:spTree>
+    <p:extLst>
+      <p:ext uri="{BB962C8B-B14F-4D97-AF65-F5344CB8AC3E}">
+        <p14:creationId xmlns:p14="http://schemas.microsoft.com/office/powerpoint/2010/main" val="3422921867"/>
+      </p:ext>
+    </p:extLst>
+  </p:cSld>
+  <p:clrMapOvr>
+    <a:masterClrMapping/>
+  </p:clrMapOvr>
+</p:sld>
+</file>
+
+<file path=ppt/slides/slide13.xml><?xml version="1.0" encoding="utf-8"?>
+<p:sld xmlns:a="http://schemas.openxmlformats.org/drawingml/2006/main" xmlns:r="http://schemas.openxmlformats.org/officeDocument/2006/relationships" xmlns:p="http://schemas.openxmlformats.org/presentationml/2006/main">
+  <p:cSld>
+    <p:spTree>
+      <p:nvGrpSpPr>
+        <p:cNvPr id="1" name=""/>
+        <p:cNvGrpSpPr/>
+        <p:nvPr/>
+      </p:nvGrpSpPr>
+      <p:grpSpPr>
+        <a:xfrm>
+          <a:off x="0" y="0"/>
+          <a:ext cx="0" cy="0"/>
+          <a:chOff x="0" y="0"/>
+          <a:chExt cx="0" cy="0"/>
+        </a:xfrm>
+      </p:grpSpPr>
+      <p:sp>
+        <p:nvSpPr>
+          <p:cNvPr id="2" name="Title 1">
+            <a:extLst>
+              <a:ext uri="{FF2B5EF4-FFF2-40B4-BE49-F238E27FC236}">
+                <a16:creationId xmlns:a16="http://schemas.microsoft.com/office/drawing/2014/main" id="{11DB3E3B-B31A-4BFA-2DF6-DCE77E19E8F6}"/>
+              </a:ext>
+            </a:extLst>
+          </p:cNvPr>
+          <p:cNvSpPr>
+            <a:spLocks noGrp="1"/>
+          </p:cNvSpPr>
+          <p:nvPr>
+            <p:ph type="title"/>
+          </p:nvPr>
+        </p:nvSpPr>
+        <p:spPr/>
+        <p:txBody>
+          <a:bodyPr/>
+          <a:lstStyle/>
+          <a:p>
+            <a:r>
+              <a:rPr lang="en-US" dirty="0"/>
+              <a:t>Length of straight section is important</a:t>
+            </a:r>
+          </a:p>
+        </p:txBody>
+      </p:sp>
+      <p:sp>
+        <p:nvSpPr>
+          <p:cNvPr id="3" name="Slide Number Placeholder 2">
+            <a:extLst>
+              <a:ext uri="{FF2B5EF4-FFF2-40B4-BE49-F238E27FC236}">
+                <a16:creationId xmlns:a16="http://schemas.microsoft.com/office/drawing/2014/main" id="{BCD2728D-841A-A24A-2A60-E66224E4E59D}"/>
+              </a:ext>
+            </a:extLst>
+          </p:cNvPr>
+          <p:cNvSpPr>
+            <a:spLocks noGrp="1"/>
+          </p:cNvSpPr>
+          <p:nvPr>
+            <p:ph type="sldNum" sz="quarter" idx="12"/>
+          </p:nvPr>
+        </p:nvSpPr>
+        <p:spPr/>
+        <p:txBody>
+          <a:bodyPr/>
+          <a:lstStyle/>
+          <a:p>
+            <a:fld id="{B9982081-D51A-40C8-8A41-6498517A0DD4}" type="slidenum">
+              <a:rPr lang="en-US" smtClean="0"/>
+              <a:t>13</a:t>
+            </a:fld>
+            <a:endParaRPr lang="en-US"/>
+          </a:p>
+        </p:txBody>
+      </p:sp>
+      <p:grpSp>
+        <p:nvGrpSpPr>
+          <p:cNvPr id="7" name="Group 6">
+            <a:extLst>
+              <a:ext uri="{FF2B5EF4-FFF2-40B4-BE49-F238E27FC236}">
+                <a16:creationId xmlns:a16="http://schemas.microsoft.com/office/drawing/2014/main" id="{BC457F54-4A02-AA8B-7901-5B94DA6ECFE2}"/>
+              </a:ext>
+            </a:extLst>
+          </p:cNvPr>
+          <p:cNvGrpSpPr/>
+          <p:nvPr/>
+        </p:nvGrpSpPr>
+        <p:grpSpPr>
+          <a:xfrm>
+            <a:off x="0" y="1066799"/>
+            <a:ext cx="12192000" cy="3048000"/>
+            <a:chOff x="0" y="1028699"/>
+            <a:chExt cx="23317200" cy="5829300"/>
+          </a:xfrm>
+        </p:grpSpPr>
+        <p:pic>
+          <p:nvPicPr>
+            <p:cNvPr id="4" name="Picture 3">
+              <a:extLst>
+                <a:ext uri="{FF2B5EF4-FFF2-40B4-BE49-F238E27FC236}">
+                  <a16:creationId xmlns:a16="http://schemas.microsoft.com/office/drawing/2014/main" id="{E8E9631A-F47D-53BE-D431-21BAA2F4C468}"/>
+                </a:ext>
+              </a:extLst>
+            </p:cNvPr>
+            <p:cNvPicPr>
+              <a:picLocks noChangeAspect="1"/>
+            </p:cNvPicPr>
+            <p:nvPr/>
+          </p:nvPicPr>
+          <p:blipFill>
+            <a:blip r:embed="rId2"/>
+            <a:stretch>
+              <a:fillRect/>
+            </a:stretch>
+          </p:blipFill>
+          <p:spPr>
+            <a:xfrm>
+              <a:off x="0" y="1028699"/>
+              <a:ext cx="7772400" cy="5829300"/>
+            </a:xfrm>
+            <a:prstGeom prst="rect">
+              <a:avLst/>
+            </a:prstGeom>
+          </p:spPr>
+        </p:pic>
+        <p:pic>
+          <p:nvPicPr>
+            <p:cNvPr id="5" name="Picture 4">
+              <a:extLst>
+                <a:ext uri="{FF2B5EF4-FFF2-40B4-BE49-F238E27FC236}">
+                  <a16:creationId xmlns:a16="http://schemas.microsoft.com/office/drawing/2014/main" id="{26FD56AE-5D72-3044-B916-8AC18C8E9A1D}"/>
+                </a:ext>
+              </a:extLst>
+            </p:cNvPr>
+            <p:cNvPicPr>
+              <a:picLocks noChangeAspect="1"/>
+            </p:cNvPicPr>
+            <p:nvPr/>
+          </p:nvPicPr>
+          <p:blipFill>
+            <a:blip r:embed="rId3"/>
+            <a:stretch>
+              <a:fillRect/>
+            </a:stretch>
+          </p:blipFill>
+          <p:spPr>
+            <a:xfrm>
+              <a:off x="7772400" y="1028699"/>
+              <a:ext cx="7772400" cy="5829300"/>
+            </a:xfrm>
+            <a:prstGeom prst="rect">
+              <a:avLst/>
+            </a:prstGeom>
+          </p:spPr>
+        </p:pic>
+        <p:pic>
+          <p:nvPicPr>
+            <p:cNvPr id="6" name="Picture 5">
+              <a:extLst>
+                <a:ext uri="{FF2B5EF4-FFF2-40B4-BE49-F238E27FC236}">
+                  <a16:creationId xmlns:a16="http://schemas.microsoft.com/office/drawing/2014/main" id="{9296765C-F11C-929B-252E-885BDE800D75}"/>
+                </a:ext>
+              </a:extLst>
+            </p:cNvPr>
+            <p:cNvPicPr>
+              <a:picLocks noChangeAspect="1"/>
+            </p:cNvPicPr>
+            <p:nvPr/>
+          </p:nvPicPr>
+          <p:blipFill>
+            <a:blip r:embed="rId4"/>
+            <a:stretch>
+              <a:fillRect/>
+            </a:stretch>
+          </p:blipFill>
+          <p:spPr>
+            <a:xfrm>
+              <a:off x="15544800" y="1028699"/>
+              <a:ext cx="7772400" cy="5829300"/>
+            </a:xfrm>
+            <a:prstGeom prst="rect">
+              <a:avLst/>
+            </a:prstGeom>
+          </p:spPr>
+        </p:pic>
+      </p:grpSp>
+      <p:sp>
+        <p:nvSpPr>
+          <p:cNvPr id="9" name="TextBox 8">
+            <a:extLst>
+              <a:ext uri="{FF2B5EF4-FFF2-40B4-BE49-F238E27FC236}">
+                <a16:creationId xmlns:a16="http://schemas.microsoft.com/office/drawing/2014/main" id="{D7FA7EEC-E65F-B531-CFE6-D2FD4186C88A}"/>
+              </a:ext>
+            </a:extLst>
+          </p:cNvPr>
+          <p:cNvSpPr txBox="1"/>
+          <p:nvPr/>
+        </p:nvSpPr>
+        <p:spPr>
+          <a:xfrm>
+            <a:off x="669929" y="4258733"/>
+            <a:ext cx="3394071" cy="369332"/>
+          </a:xfrm>
+          <a:prstGeom prst="rect">
+            <a:avLst/>
+          </a:prstGeom>
+          <a:noFill/>
+        </p:spPr>
+        <p:txBody>
+          <a:bodyPr wrap="none" rtlCol="0">
+            <a:spAutoFit/>
+          </a:bodyPr>
+          <a:lstStyle/>
+          <a:p>
+            <a:r>
+              <a:rPr lang="en-US" dirty="0"/>
+              <a:t>15 cm straight section @ 100 MHz</a:t>
+            </a:r>
+          </a:p>
+        </p:txBody>
+      </p:sp>
+      <mc:AlternateContent xmlns:mc="http://schemas.openxmlformats.org/markup-compatibility/2006">
+        <mc:Choice xmlns:a14="http://schemas.microsoft.com/office/drawing/2010/main" Requires="a14">
+          <p:sp>
+            <p:nvSpPr>
+              <p:cNvPr id="12" name="TextBox 11">
+                <a:extLst>
+                  <a:ext uri="{FF2B5EF4-FFF2-40B4-BE49-F238E27FC236}">
+                    <a16:creationId xmlns:a16="http://schemas.microsoft.com/office/drawing/2014/main" id="{9C47A671-05DA-CE0A-5FAD-F72B0B82413F}"/>
+                  </a:ext>
+                </a:extLst>
+              </p:cNvPr>
+              <p:cNvSpPr txBox="1"/>
+              <p:nvPr/>
+            </p:nvSpPr>
+            <p:spPr>
+              <a:xfrm>
+                <a:off x="413741" y="4771999"/>
+                <a:ext cx="7900526" cy="1815882"/>
+              </a:xfrm>
+              <a:prstGeom prst="rect">
+                <a:avLst/>
+              </a:prstGeom>
+              <a:noFill/>
+            </p:spPr>
+            <p:txBody>
+              <a:bodyPr wrap="square" rtlCol="0">
+                <a:spAutoFit/>
+              </a:bodyPr>
+              <a:lstStyle/>
+              <a:p>
+                <a:r>
+                  <a:rPr lang="en-US" sz="1400" dirty="0"/>
+                  <a:t>I can’t quite pin down the effect of elongating the straight section</a:t>
+                </a:r>
+              </a:p>
+              <a:p>
+                <a:pPr marL="285750" indent="-285750">
+                  <a:buFont typeface="Arial" panose="020B0604020202020204" pitchFamily="34" charset="0"/>
+                  <a:buChar char="•"/>
+                </a:pPr>
+                <a:r>
+                  <a:rPr lang="en-US" sz="1400" dirty="0"/>
+                  <a:t>I think it has a similar effect as pushing the cavity more anomalous, even if the round-trip dispersion is kept the same. </a:t>
+                </a:r>
+              </a:p>
+              <a:p>
+                <a:pPr marL="285750" indent="-285750">
+                  <a:buFont typeface="Arial" panose="020B0604020202020204" pitchFamily="34" charset="0"/>
+                  <a:buChar char="•"/>
+                </a:pPr>
+                <a:r>
+                  <a:rPr lang="en-US" sz="1400" dirty="0"/>
+                  <a:t>Each simulation takes </a:t>
+                </a:r>
+                <a14:m>
+                  <m:oMath xmlns:m="http://schemas.openxmlformats.org/officeDocument/2006/math">
+                    <m:r>
+                      <a:rPr lang="en-US" sz="1400" b="0" i="1" smtClean="0">
+                        <a:latin typeface="Cambria Math" panose="02040503050406030204" pitchFamily="18" charset="0"/>
+                      </a:rPr>
+                      <m:t>~</m:t>
+                    </m:r>
+                  </m:oMath>
+                </a14:m>
+                <a:r>
+                  <a:rPr lang="en-US" sz="1400" dirty="0"/>
+                  <a:t> 5 – 7 min, so I haven’t tested parameters thoroughly, but at 100 MHz I think I can push the straight section to around 30 cm. Whereas, for 200 MHz, I have a hard time reaching stability with any straight section longer than </a:t>
+                </a:r>
+                <a14:m>
+                  <m:oMath xmlns:m="http://schemas.openxmlformats.org/officeDocument/2006/math">
+                    <m:r>
+                      <a:rPr lang="en-US" sz="1400" b="0" i="1" smtClean="0">
+                        <a:latin typeface="Cambria Math" panose="02040503050406030204" pitchFamily="18" charset="0"/>
+                      </a:rPr>
+                      <m:t>~</m:t>
+                    </m:r>
+                  </m:oMath>
+                </a14:m>
+                <a:r>
+                  <a:rPr lang="en-US" sz="1400" dirty="0"/>
+                  <a:t>11 cm</a:t>
+                </a:r>
+              </a:p>
+              <a:p>
+                <a:pPr marL="742950" lvl="1" indent="-285750">
+                  <a:buFont typeface="Arial" panose="020B0604020202020204" pitchFamily="34" charset="0"/>
+                  <a:buChar char="•"/>
+                </a:pPr>
+                <a:r>
+                  <a:rPr lang="en-US" sz="1400" dirty="0">
+                    <a:solidFill>
+                      <a:srgbClr val="00B0F0"/>
+                    </a:solidFill>
+                  </a:rPr>
+                  <a:t>This is different than what I was doing experimentally, where I thought only the </a:t>
+                </a:r>
+                <a:r>
+                  <a:rPr lang="en-US" sz="1400" i="1" dirty="0">
+                    <a:solidFill>
+                      <a:srgbClr val="00B0F0"/>
+                    </a:solidFill>
+                  </a:rPr>
+                  <a:t>total</a:t>
+                </a:r>
+                <a:r>
+                  <a:rPr lang="en-US" sz="1400" dirty="0">
+                    <a:solidFill>
+                      <a:srgbClr val="00B0F0"/>
+                    </a:solidFill>
+                  </a:rPr>
+                  <a:t> round trip dispersion mattered. I think it turns out different lengths of straight section has a big effect.</a:t>
+                </a:r>
+              </a:p>
+            </p:txBody>
+          </p:sp>
+        </mc:Choice>
+        <mc:Fallback>
+          <p:sp>
+            <p:nvSpPr>
+              <p:cNvPr id="12" name="TextBox 11">
+                <a:extLst>
+                  <a:ext uri="{FF2B5EF4-FFF2-40B4-BE49-F238E27FC236}">
+                    <a16:creationId xmlns:a16="http://schemas.microsoft.com/office/drawing/2014/main" id="{9C47A671-05DA-CE0A-5FAD-F72B0B82413F}"/>
+                  </a:ext>
+                </a:extLst>
+              </p:cNvPr>
+              <p:cNvSpPr txBox="1">
+                <a:spLocks noRot="1" noChangeAspect="1" noMove="1" noResize="1" noEditPoints="1" noAdjustHandles="1" noChangeArrowheads="1" noChangeShapeType="1" noTextEdit="1"/>
+              </p:cNvSpPr>
+              <p:nvPr/>
+            </p:nvSpPr>
+            <p:spPr>
+              <a:xfrm>
+                <a:off x="413741" y="4771999"/>
+                <a:ext cx="7900526" cy="1815882"/>
+              </a:xfrm>
+              <a:prstGeom prst="rect">
+                <a:avLst/>
+              </a:prstGeom>
+              <a:blipFill>
+                <a:blip r:embed="rId5"/>
+                <a:stretch>
+                  <a:fillRect l="-161" t="-694" b="-3472"/>
+                </a:stretch>
+              </a:blipFill>
+            </p:spPr>
+            <p:txBody>
+              <a:bodyPr/>
+              <a:lstStyle/>
+              <a:p>
+                <a:r>
+                  <a:rPr lang="en-US">
+                    <a:noFill/>
+                  </a:rPr>
+                  <a:t> </a:t>
+                </a:r>
+              </a:p>
+            </p:txBody>
+          </p:sp>
+        </mc:Fallback>
+      </mc:AlternateContent>
+      <p:sp>
+        <p:nvSpPr>
+          <p:cNvPr id="13" name="TextBox 12">
+            <a:extLst>
+              <a:ext uri="{FF2B5EF4-FFF2-40B4-BE49-F238E27FC236}">
+                <a16:creationId xmlns:a16="http://schemas.microsoft.com/office/drawing/2014/main" id="{A9BB71AD-AABD-D7BF-6E1A-853CF14F913A}"/>
+              </a:ext>
+            </a:extLst>
+          </p:cNvPr>
+          <p:cNvSpPr txBox="1"/>
+          <p:nvPr/>
+        </p:nvSpPr>
+        <p:spPr>
+          <a:xfrm>
+            <a:off x="4733929" y="4258733"/>
+            <a:ext cx="3394071" cy="369332"/>
+          </a:xfrm>
+          <a:prstGeom prst="rect">
+            <a:avLst/>
+          </a:prstGeom>
+          <a:noFill/>
+        </p:spPr>
+        <p:txBody>
+          <a:bodyPr wrap="none" rtlCol="0">
+            <a:spAutoFit/>
+          </a:bodyPr>
+          <a:lstStyle/>
+          <a:p>
+            <a:r>
+              <a:rPr lang="en-US" dirty="0"/>
+              <a:t>20 cm straight section @ 100 MHz</a:t>
+            </a:r>
+          </a:p>
+        </p:txBody>
+      </p:sp>
+      <p:sp>
+        <p:nvSpPr>
+          <p:cNvPr id="14" name="TextBox 13">
+            <a:extLst>
+              <a:ext uri="{FF2B5EF4-FFF2-40B4-BE49-F238E27FC236}">
+                <a16:creationId xmlns:a16="http://schemas.microsoft.com/office/drawing/2014/main" id="{166F7FF0-9194-788E-1D26-113C9359D440}"/>
+              </a:ext>
+            </a:extLst>
+          </p:cNvPr>
+          <p:cNvSpPr txBox="1"/>
+          <p:nvPr/>
+        </p:nvSpPr>
+        <p:spPr>
+          <a:xfrm>
+            <a:off x="8610600" y="4258733"/>
+            <a:ext cx="3394071" cy="369332"/>
+          </a:xfrm>
+          <a:prstGeom prst="rect">
+            <a:avLst/>
+          </a:prstGeom>
+          <a:noFill/>
+        </p:spPr>
+        <p:txBody>
+          <a:bodyPr wrap="none" rtlCol="0">
+            <a:spAutoFit/>
+          </a:bodyPr>
+          <a:lstStyle/>
+          <a:p>
+            <a:r>
+              <a:rPr lang="en-US" dirty="0"/>
+              <a:t>30 cm straight section @ 100 MHz</a:t>
+            </a:r>
+          </a:p>
+        </p:txBody>
+      </p:sp>
+    </p:spTree>
+    <p:extLst>
+      <p:ext uri="{BB962C8B-B14F-4D97-AF65-F5344CB8AC3E}">
+        <p14:creationId xmlns:p14="http://schemas.microsoft.com/office/powerpoint/2010/main" val="2155446868"/>
       </p:ext>
     </p:extLst>
   </p:cSld>
@@ -5562,7 +8183,7 @@
             <p:spPr>
               <a:xfrm>
                 <a:off x="6256909" y="4827554"/>
-                <a:ext cx="4094839" cy="517770"/>
+                <a:ext cx="4098494" cy="517770"/>
               </a:xfrm>
               <a:prstGeom prst="rect">
                 <a:avLst/>
@@ -5716,7 +8337,7 @@
                       <a:srgbClr val="002060"/>
                     </a:solidFill>
                   </a:rPr>
-                  <a:t> will reach steady state!</a:t>
+                  <a:t> will reach steady state</a:t>
                 </a:r>
               </a:p>
             </p:txBody>
@@ -5740,7 +8361,7 @@
             <p:spPr>
               <a:xfrm>
                 <a:off x="6256909" y="4827554"/>
-                <a:ext cx="4094839" cy="517770"/>
+                <a:ext cx="4098494" cy="517770"/>
               </a:xfrm>
               <a:prstGeom prst="rect">
                 <a:avLst/>
@@ -5748,7 +8369,346 @@
               <a:blipFill>
                 <a:blip r:embed="rId8"/>
                 <a:stretch>
-                  <a:fillRect l="-1235" r="-309" b="-2439"/>
+                  <a:fillRect l="-1235" b="-2439"/>
+                </a:stretch>
+              </a:blipFill>
+            </p:spPr>
+            <p:txBody>
+              <a:bodyPr/>
+              <a:lstStyle/>
+              <a:p>
+                <a:r>
+                  <a:rPr lang="en-US">
+                    <a:noFill/>
+                  </a:rPr>
+                  <a:t> </a:t>
+                </a:r>
+              </a:p>
+            </p:txBody>
+          </p:sp>
+        </mc:Fallback>
+      </mc:AlternateContent>
+      <p:sp>
+        <p:nvSpPr>
+          <p:cNvPr id="4" name="TextBox 3">
+            <a:extLst>
+              <a:ext uri="{FF2B5EF4-FFF2-40B4-BE49-F238E27FC236}">
+                <a16:creationId xmlns:a16="http://schemas.microsoft.com/office/drawing/2014/main" id="{2073F913-87DE-AA5F-3424-6C3118443D48}"/>
+              </a:ext>
+            </a:extLst>
+          </p:cNvPr>
+          <p:cNvSpPr txBox="1"/>
+          <p:nvPr/>
+        </p:nvSpPr>
+        <p:spPr>
+          <a:xfrm>
+            <a:off x="9742130" y="2978490"/>
+            <a:ext cx="1238544" cy="369332"/>
+          </a:xfrm>
+          <a:prstGeom prst="rect">
+            <a:avLst/>
+          </a:prstGeom>
+          <a:noFill/>
+        </p:spPr>
+        <p:txBody>
+          <a:bodyPr wrap="none" rtlCol="0">
+            <a:spAutoFit/>
+          </a:bodyPr>
+          <a:lstStyle/>
+          <a:p>
+            <a:r>
+              <a:rPr lang="en-US" dirty="0">
+                <a:solidFill>
+                  <a:srgbClr val="00B0F0"/>
+                </a:solidFill>
+              </a:rPr>
+              <a:t>Pump term</a:t>
+            </a:r>
+          </a:p>
+        </p:txBody>
+      </p:sp>
+      <p:sp>
+        <p:nvSpPr>
+          <p:cNvPr id="7" name="TextBox 6">
+            <a:extLst>
+              <a:ext uri="{FF2B5EF4-FFF2-40B4-BE49-F238E27FC236}">
+                <a16:creationId xmlns:a16="http://schemas.microsoft.com/office/drawing/2014/main" id="{E8CB9043-0692-42D6-8CF9-7A4BE5F3068D}"/>
+              </a:ext>
+            </a:extLst>
+          </p:cNvPr>
+          <p:cNvSpPr txBox="1"/>
+          <p:nvPr/>
+        </p:nvSpPr>
+        <p:spPr>
+          <a:xfrm>
+            <a:off x="9742130" y="3655502"/>
+            <a:ext cx="1244956" cy="369332"/>
+          </a:xfrm>
+          <a:prstGeom prst="rect">
+            <a:avLst/>
+          </a:prstGeom>
+          <a:noFill/>
+        </p:spPr>
+        <p:txBody>
+          <a:bodyPr wrap="none" rtlCol="0">
+            <a:spAutoFit/>
+          </a:bodyPr>
+          <a:lstStyle/>
+          <a:p>
+            <a:r>
+              <a:rPr lang="en-US" dirty="0">
+                <a:solidFill>
+                  <a:srgbClr val="00B0F0"/>
+                </a:solidFill>
+              </a:rPr>
+              <a:t>Signal term</a:t>
+            </a:r>
+          </a:p>
+        </p:txBody>
+      </p:sp>
+      <p:sp>
+        <p:nvSpPr>
+          <p:cNvPr id="9" name="TextBox 8">
+            <a:extLst>
+              <a:ext uri="{FF2B5EF4-FFF2-40B4-BE49-F238E27FC236}">
+                <a16:creationId xmlns:a16="http://schemas.microsoft.com/office/drawing/2014/main" id="{107915F7-63F9-C3D8-31AE-7B92CE3EACA6}"/>
+              </a:ext>
+            </a:extLst>
+          </p:cNvPr>
+          <p:cNvSpPr txBox="1"/>
+          <p:nvPr/>
+        </p:nvSpPr>
+        <p:spPr>
+          <a:xfrm>
+            <a:off x="9742130" y="4268010"/>
+            <a:ext cx="2290884" cy="369332"/>
+          </a:xfrm>
+          <a:prstGeom prst="rect">
+            <a:avLst/>
+          </a:prstGeom>
+          <a:noFill/>
+        </p:spPr>
+        <p:txBody>
+          <a:bodyPr wrap="none" rtlCol="0">
+            <a:spAutoFit/>
+          </a:bodyPr>
+          <a:lstStyle/>
+          <a:p>
+            <a:r>
+              <a:rPr lang="en-US" dirty="0">
+                <a:solidFill>
+                  <a:srgbClr val="00B0F0"/>
+                </a:solidFill>
+              </a:rPr>
+              <a:t>Spontaneous emission</a:t>
+            </a:r>
+          </a:p>
+        </p:txBody>
+      </p:sp>
+      <mc:AlternateContent xmlns:mc="http://schemas.openxmlformats.org/markup-compatibility/2006">
+        <mc:Choice xmlns:a14="http://schemas.microsoft.com/office/drawing/2010/main" Requires="a14">
+          <p:sp>
+            <p:nvSpPr>
+              <p:cNvPr id="18" name="TextBox 17">
+                <a:extLst>
+                  <a:ext uri="{FF2B5EF4-FFF2-40B4-BE49-F238E27FC236}">
+                    <a16:creationId xmlns:a16="http://schemas.microsoft.com/office/drawing/2014/main" id="{7AEDB4C6-2522-300B-A22A-7F49F69428F9}"/>
+                  </a:ext>
+                </a:extLst>
+              </p:cNvPr>
+              <p:cNvSpPr txBox="1"/>
+              <p:nvPr/>
+            </p:nvSpPr>
+            <p:spPr>
+              <a:xfrm>
+                <a:off x="6685534" y="5410893"/>
+                <a:ext cx="3296666" cy="369332"/>
+              </a:xfrm>
+              <a:prstGeom prst="rect">
+                <a:avLst/>
+              </a:prstGeom>
+              <a:noFill/>
+            </p:spPr>
+            <p:txBody>
+              <a:bodyPr wrap="square">
+                <a:spAutoFit/>
+              </a:bodyPr>
+              <a:lstStyle/>
+              <a:p>
+                <a:pPr marL="285750" indent="-285750">
+                  <a:buFont typeface="Arial" panose="020B0604020202020204" pitchFamily="34" charset="0"/>
+                  <a:buChar char="•"/>
+                </a:pPr>
+                <a:r>
+                  <a:rPr lang="en-US" dirty="0">
+                    <a:solidFill>
+                      <a:srgbClr val="002060"/>
+                    </a:solidFill>
+                  </a:rPr>
+                  <a:t>Set </a:t>
+                </a:r>
+                <a14:m>
+                  <m:oMath xmlns:m="http://schemas.openxmlformats.org/officeDocument/2006/math">
+                    <m:sSub>
+                      <m:sSubPr>
+                        <m:ctrlPr>
+                          <a:rPr lang="en-US" b="0" i="1" dirty="0" smtClean="0">
+                            <a:solidFill>
+                              <a:srgbClr val="002060"/>
+                            </a:solidFill>
+                            <a:latin typeface="Cambria Math" panose="02040503050406030204" pitchFamily="18" charset="0"/>
+                          </a:rPr>
+                        </m:ctrlPr>
+                      </m:sSubPr>
+                      <m:e>
+                        <m:acc>
+                          <m:accPr>
+                            <m:chr m:val="̇"/>
+                            <m:ctrlPr>
+                              <a:rPr lang="en-US" b="0" i="1" smtClean="0">
+                                <a:solidFill>
+                                  <a:srgbClr val="002060"/>
+                                </a:solidFill>
+                                <a:latin typeface="Cambria Math" panose="02040503050406030204" pitchFamily="18" charset="0"/>
+                              </a:rPr>
+                            </m:ctrlPr>
+                          </m:accPr>
+                          <m:e>
+                            <m:r>
+                              <a:rPr lang="en-US" b="0" i="1" smtClean="0">
+                                <a:solidFill>
+                                  <a:srgbClr val="002060"/>
+                                </a:solidFill>
+                                <a:latin typeface="Cambria Math" panose="02040503050406030204" pitchFamily="18" charset="0"/>
+                              </a:rPr>
+                              <m:t>𝑛</m:t>
+                            </m:r>
+                          </m:e>
+                        </m:acc>
+                      </m:e>
+                      <m:sub>
+                        <m:r>
+                          <a:rPr lang="en-US" b="0" i="1" dirty="0" smtClean="0">
+                            <a:solidFill>
+                              <a:srgbClr val="002060"/>
+                            </a:solidFill>
+                            <a:latin typeface="Cambria Math" panose="02040503050406030204" pitchFamily="18" charset="0"/>
+                          </a:rPr>
+                          <m:t>2</m:t>
+                        </m:r>
+                      </m:sub>
+                    </m:sSub>
+                    <m:r>
+                      <a:rPr lang="en-US" b="0" i="1" dirty="0" smtClean="0">
+                        <a:solidFill>
+                          <a:srgbClr val="002060"/>
+                        </a:solidFill>
+                        <a:latin typeface="Cambria Math" panose="02040503050406030204" pitchFamily="18" charset="0"/>
+                      </a:rPr>
+                      <m:t>=0</m:t>
+                    </m:r>
+                  </m:oMath>
+                </a14:m>
+                <a:r>
+                  <a:rPr lang="en-US" dirty="0">
+                    <a:solidFill>
+                      <a:srgbClr val="002060"/>
+                    </a:solidFill>
+                  </a:rPr>
+                  <a:t> and solve for </a:t>
+                </a:r>
+                <a14:m>
+                  <m:oMath xmlns:m="http://schemas.openxmlformats.org/officeDocument/2006/math">
+                    <m:sSub>
+                      <m:sSubPr>
+                        <m:ctrlPr>
+                          <a:rPr lang="en-US" b="0" i="1" smtClean="0">
+                            <a:solidFill>
+                              <a:srgbClr val="002060"/>
+                            </a:solidFill>
+                            <a:latin typeface="Cambria Math" panose="02040503050406030204" pitchFamily="18" charset="0"/>
+                          </a:rPr>
+                        </m:ctrlPr>
+                      </m:sSubPr>
+                      <m:e>
+                        <m:r>
+                          <a:rPr lang="en-US" b="0" i="1" smtClean="0">
+                            <a:solidFill>
+                              <a:srgbClr val="002060"/>
+                            </a:solidFill>
+                            <a:latin typeface="Cambria Math" panose="02040503050406030204" pitchFamily="18" charset="0"/>
+                          </a:rPr>
+                          <m:t>𝑛</m:t>
+                        </m:r>
+                      </m:e>
+                      <m:sub>
+                        <m:r>
+                          <a:rPr lang="en-US" b="0" i="1" smtClean="0">
+                            <a:solidFill>
+                              <a:srgbClr val="002060"/>
+                            </a:solidFill>
+                            <a:latin typeface="Cambria Math" panose="02040503050406030204" pitchFamily="18" charset="0"/>
+                          </a:rPr>
+                          <m:t>2</m:t>
+                        </m:r>
+                      </m:sub>
+                    </m:sSub>
+                    <m:r>
+                      <a:rPr lang="en-US" b="0" i="1" smtClean="0">
+                        <a:solidFill>
+                          <a:srgbClr val="002060"/>
+                        </a:solidFill>
+                        <a:latin typeface="Cambria Math" panose="02040503050406030204" pitchFamily="18" charset="0"/>
+                      </a:rPr>
+                      <m:t>/</m:t>
+                    </m:r>
+                    <m:r>
+                      <a:rPr lang="en-US" b="0" i="1" smtClean="0">
+                        <a:solidFill>
+                          <a:srgbClr val="002060"/>
+                        </a:solidFill>
+                        <a:latin typeface="Cambria Math" panose="02040503050406030204" pitchFamily="18" charset="0"/>
+                      </a:rPr>
+                      <m:t>𝑛</m:t>
+                    </m:r>
+                  </m:oMath>
+                </a14:m>
+                <a:endParaRPr lang="en-US" dirty="0">
+                  <a:solidFill>
+                    <a:srgbClr val="002060"/>
+                  </a:solidFill>
+                </a:endParaRPr>
+              </a:p>
+            </p:txBody>
+          </p:sp>
+        </mc:Choice>
+        <mc:Fallback>
+          <p:sp>
+            <p:nvSpPr>
+              <p:cNvPr id="18" name="TextBox 17">
+                <a:extLst>
+                  <a:ext uri="{FF2B5EF4-FFF2-40B4-BE49-F238E27FC236}">
+                    <a16:creationId xmlns:a16="http://schemas.microsoft.com/office/drawing/2014/main" id="{7AEDB4C6-2522-300B-A22A-7F49F69428F9}"/>
+                  </a:ext>
+                </a:extLst>
+              </p:cNvPr>
+              <p:cNvSpPr txBox="1">
+                <a:spLocks noRot="1" noChangeAspect="1" noMove="1" noResize="1" noEditPoints="1" noAdjustHandles="1" noChangeArrowheads="1" noChangeShapeType="1" noTextEdit="1"/>
+              </p:cNvSpPr>
+              <p:nvPr/>
+            </p:nvSpPr>
+            <p:spPr>
+              <a:xfrm>
+                <a:off x="6685534" y="5410893"/>
+                <a:ext cx="3296666" cy="369332"/>
+              </a:xfrm>
+              <a:prstGeom prst="rect">
+                <a:avLst/>
+              </a:prstGeom>
+              <a:blipFill>
+                <a:blip r:embed="rId9"/>
+                <a:stretch>
+                  <a:fillRect l="-1149" t="-10000" b="-23333"/>
                 </a:stretch>
               </a:blipFill>
             </p:spPr>
@@ -8853,7 +11813,7 @@
           <a:p>
             <a:r>
               <a:rPr lang="en-US" dirty="0"/>
-              <a:t>So, the next step to try is to  account for excited state absorption, since green fluorescence is always observed. </a:t>
+              <a:t>So, the next step to try is to  account for excited state absorption, since after all green fluorescence is always observed. </a:t>
             </a:r>
           </a:p>
         </p:txBody>
@@ -9378,6 +12338,45 @@
           </a:p>
         </p:txBody>
       </p:sp>
+      <p:sp>
+        <p:nvSpPr>
+          <p:cNvPr id="2" name="TextBox 1">
+            <a:extLst>
+              <a:ext uri="{FF2B5EF4-FFF2-40B4-BE49-F238E27FC236}">
+                <a16:creationId xmlns:a16="http://schemas.microsoft.com/office/drawing/2014/main" id="{EB21746F-3EC9-0600-CA35-2F91B787CA85}"/>
+              </a:ext>
+            </a:extLst>
+          </p:cNvPr>
+          <p:cNvSpPr txBox="1"/>
+          <p:nvPr/>
+        </p:nvSpPr>
+        <p:spPr>
+          <a:xfrm>
+            <a:off x="5235839" y="5779185"/>
+            <a:ext cx="5290872" cy="646331"/>
+          </a:xfrm>
+          <a:prstGeom prst="rect">
+            <a:avLst/>
+          </a:prstGeom>
+          <a:noFill/>
+        </p:spPr>
+        <p:txBody>
+          <a:bodyPr wrap="square" rtlCol="0">
+            <a:spAutoFit/>
+          </a:bodyPr>
+          <a:lstStyle/>
+          <a:p>
+            <a:pPr marL="285750" indent="-285750">
+              <a:buFont typeface="Arial" panose="020B0604020202020204" pitchFamily="34" charset="0"/>
+              <a:buChar char="•"/>
+            </a:pPr>
+            <a:r>
+              <a:rPr lang="en-US" dirty="0"/>
+              <a:t>Computed in Mathematica and then copied to Python using Sympy</a:t>
+            </a:r>
+          </a:p>
+        </p:txBody>
+      </p:sp>
     </p:spTree>
     <p:extLst>
       <p:ext uri="{BB962C8B-B14F-4D97-AF65-F5344CB8AC3E}">
@@ -9452,7 +12451,7 @@
         <p:spPr>
           <a:xfrm>
             <a:off x="8411289" y="1540807"/>
-            <a:ext cx="3141822" cy="369332"/>
+            <a:ext cx="3543644" cy="923330"/>
           </a:xfrm>
           <a:prstGeom prst="rect">
             <a:avLst/>
@@ -9460,7 +12459,7 @@
           <a:noFill/>
         </p:spPr>
         <p:txBody>
-          <a:bodyPr wrap="none" rtlCol="0">
+          <a:bodyPr wrap="square" rtlCol="0">
             <a:spAutoFit/>
           </a:bodyPr>
           <a:lstStyle/>
@@ -9471,7 +12470,7 @@
                   <a:srgbClr val="FF0000"/>
                 </a:solidFill>
               </a:rPr>
-              <a:t>More realistic power evolution!</a:t>
+              <a:t>Not perfect, but much more realistic power evolution, maybe actually a little too lossy.</a:t>
             </a:r>
           </a:p>
         </p:txBody>
@@ -9550,7 +12549,7 @@
         </p:nvSpPr>
         <p:spPr>
           <a:xfrm>
-            <a:off x="8610600" y="2336801"/>
+            <a:off x="8610600" y="2516696"/>
             <a:ext cx="2743200" cy="646331"/>
           </a:xfrm>
           <a:prstGeom prst="rect">
@@ -9567,6 +12566,53 @@
             <a:r>
               <a:rPr lang="en-US" dirty="0"/>
               <a:t>Used: 0.7 dB insertion loss, 0.2 dB splicing loss</a:t>
+            </a:r>
+          </a:p>
+        </p:txBody>
+      </p:sp>
+      <p:sp>
+        <p:nvSpPr>
+          <p:cNvPr id="10" name="TextBox 9">
+            <a:extLst>
+              <a:ext uri="{FF2B5EF4-FFF2-40B4-BE49-F238E27FC236}">
+                <a16:creationId xmlns:a16="http://schemas.microsoft.com/office/drawing/2014/main" id="{5CD31E83-005A-27FA-8A60-A53314C77CA8}"/>
+              </a:ext>
+            </a:extLst>
+          </p:cNvPr>
+          <p:cNvSpPr txBox="1"/>
+          <p:nvPr/>
+        </p:nvSpPr>
+        <p:spPr>
+          <a:xfrm>
+            <a:off x="8576733" y="3307603"/>
+            <a:ext cx="3141133" cy="1384995"/>
+          </a:xfrm>
+          <a:prstGeom prst="rect">
+            <a:avLst/>
+          </a:prstGeom>
+          <a:noFill/>
+        </p:spPr>
+        <p:txBody>
+          <a:bodyPr wrap="square" rtlCol="0">
+            <a:spAutoFit/>
+          </a:bodyPr>
+          <a:lstStyle/>
+          <a:p>
+            <a:pPr marL="285750" indent="-285750">
+              <a:buFont typeface="Arial" panose="020B0604020202020204" pitchFamily="34" charset="0"/>
+              <a:buChar char="•"/>
+            </a:pPr>
+            <a:r>
+              <a:rPr lang="en-US" sz="1400" dirty="0"/>
+              <a:t>Better match to experiment can be achieved by varying 5-level parameters, although the ones obtained from </a:t>
+            </a:r>
+            <a:r>
+              <a:rPr lang="en-US" sz="1400" dirty="0" err="1"/>
+              <a:t>Barmenkov</a:t>
+            </a:r>
+            <a:r>
+              <a:rPr lang="en-US" sz="1400" dirty="0"/>
+              <a:t> et al. are not too bad. Their numbers are similar to other older papers.</a:t>
             </a:r>
           </a:p>
         </p:txBody>
@@ -9718,7 +12764,7 @@
           <a:p>
             <a:r>
               <a:rPr lang="en-US" dirty="0"/>
-              <a:t>Backward pumping also matches experiment okay. </a:t>
+              <a:t>Backward pumping also matches experiment better. </a:t>
             </a:r>
           </a:p>
         </p:txBody>
@@ -9829,10 +12875,10 @@
       </p:grpSpPr>
       <p:sp>
         <p:nvSpPr>
-          <p:cNvPr id="2" name="Title 1">
-            <a:extLst>
-              <a:ext uri="{FF2B5EF4-FFF2-40B4-BE49-F238E27FC236}">
-                <a16:creationId xmlns:a16="http://schemas.microsoft.com/office/drawing/2014/main" id="{39E30EFF-0874-0215-F994-C9C7512D2A5B}"/>
+          <p:cNvPr id="6" name="Title 5">
+            <a:extLst>
+              <a:ext uri="{FF2B5EF4-FFF2-40B4-BE49-F238E27FC236}">
+                <a16:creationId xmlns:a16="http://schemas.microsoft.com/office/drawing/2014/main" id="{DF977188-04BD-95A5-F6F0-6F9A3085DE5C}"/>
               </a:ext>
             </a:extLst>
           </p:cNvPr>
@@ -9857,10 +12903,35 @@
       </p:sp>
       <p:sp>
         <p:nvSpPr>
+          <p:cNvPr id="7" name="Text Placeholder 6">
+            <a:extLst>
+              <a:ext uri="{FF2B5EF4-FFF2-40B4-BE49-F238E27FC236}">
+                <a16:creationId xmlns:a16="http://schemas.microsoft.com/office/drawing/2014/main" id="{B0CFC0D4-E8E9-3B5E-1FA7-1659814BA79E}"/>
+              </a:ext>
+            </a:extLst>
+          </p:cNvPr>
+          <p:cNvSpPr>
+            <a:spLocks noGrp="1"/>
+          </p:cNvSpPr>
+          <p:nvPr>
+            <p:ph type="body" idx="1"/>
+          </p:nvPr>
+        </p:nvSpPr>
+        <p:spPr/>
+        <p:txBody>
+          <a:bodyPr/>
+          <a:lstStyle/>
+          <a:p>
+            <a:endParaRPr lang="en-US"/>
+          </a:p>
+        </p:txBody>
+      </p:sp>
+      <p:sp>
+        <p:nvSpPr>
           <p:cNvPr id="3" name="Slide Number Placeholder 2">
             <a:extLst>
               <a:ext uri="{FF2B5EF4-FFF2-40B4-BE49-F238E27FC236}">
-                <a16:creationId xmlns:a16="http://schemas.microsoft.com/office/drawing/2014/main" id="{3EEC6729-D725-6619-81B8-12E40889E39D}"/>
+                <a16:creationId xmlns:a16="http://schemas.microsoft.com/office/drawing/2014/main" id="{0F057EAC-10F3-68BB-67F7-17B1CA59B0E4}"/>
               </a:ext>
             </a:extLst>
           </p:cNvPr>
@@ -9887,7 +12958,7 @@
     </p:spTree>
     <p:extLst>
       <p:ext uri="{BB962C8B-B14F-4D97-AF65-F5344CB8AC3E}">
-        <p14:creationId xmlns:p14="http://schemas.microsoft.com/office/powerpoint/2010/main" val="2476284306"/>
+        <p14:creationId xmlns:p14="http://schemas.microsoft.com/office/powerpoint/2010/main" val="1612518591"/>
       </p:ext>
     </p:extLst>
   </p:cSld>

--- a/memo.pptx
+++ b/memo.pptx
@@ -209,7 +209,7 @@
           <a:p>
             <a:fld id="{95F362A7-A475-4602-906F-9130A1178AB1}" type="datetimeFigureOut">
               <a:rPr lang="en-US" smtClean="0"/>
-              <a:t>10/30/23</a:t>
+              <a:t>10/31/23</a:t>
             </a:fld>
             <a:endParaRPr lang="en-US"/>
           </a:p>
@@ -623,7 +623,7 @@
           <a:p>
             <a:fld id="{0D38F60B-329E-45AD-8EBB-D3927E357EB0}" type="datetime1">
               <a:rPr lang="en-US" smtClean="0"/>
-              <a:t>10/30/23</a:t>
+              <a:t>10/31/23</a:t>
             </a:fld>
             <a:endParaRPr lang="en-US"/>
           </a:p>
@@ -821,7 +821,7 @@
           <a:p>
             <a:fld id="{7644A20D-A245-4F10-84F9-51D5FC950958}" type="datetime1">
               <a:rPr lang="en-US" smtClean="0"/>
-              <a:t>10/30/23</a:t>
+              <a:t>10/31/23</a:t>
             </a:fld>
             <a:endParaRPr lang="en-US"/>
           </a:p>
@@ -1029,7 +1029,7 @@
           <a:p>
             <a:fld id="{9356318C-5F0D-4B43-96EA-F1352008C9B8}" type="datetime1">
               <a:rPr lang="en-US" smtClean="0"/>
-              <a:t>10/30/23</a:t>
+              <a:t>10/31/23</a:t>
             </a:fld>
             <a:endParaRPr lang="en-US"/>
           </a:p>
@@ -1237,7 +1237,7 @@
           <a:p>
             <a:fld id="{F6E96621-9D08-4937-91A6-0EA3793F0F07}" type="datetime1">
               <a:rPr lang="en-US" smtClean="0"/>
-              <a:t>10/30/23</a:t>
+              <a:t>10/31/23</a:t>
             </a:fld>
             <a:endParaRPr lang="en-US"/>
           </a:p>
@@ -1512,7 +1512,7 @@
           <a:p>
             <a:fld id="{3923D620-10DF-4508-991A-B9D388A501EE}" type="datetime1">
               <a:rPr lang="en-US" smtClean="0"/>
-              <a:t>10/30/23</a:t>
+              <a:t>10/31/23</a:t>
             </a:fld>
             <a:endParaRPr lang="en-US"/>
           </a:p>
@@ -1782,7 +1782,7 @@
           <a:p>
             <a:fld id="{92FA3270-DDBA-458A-9D06-6F36A210CFF8}" type="datetime1">
               <a:rPr lang="en-US" smtClean="0"/>
-              <a:t>10/30/23</a:t>
+              <a:t>10/31/23</a:t>
             </a:fld>
             <a:endParaRPr lang="en-US"/>
           </a:p>
@@ -2194,7 +2194,7 @@
           <a:p>
             <a:fld id="{BC650ADE-7CC5-4CA4-AEFD-DD163139B1E9}" type="datetime1">
               <a:rPr lang="en-US" smtClean="0"/>
-              <a:t>10/30/23</a:t>
+              <a:t>10/31/23</a:t>
             </a:fld>
             <a:endParaRPr lang="en-US"/>
           </a:p>
@@ -2340,7 +2340,7 @@
           <a:p>
             <a:fld id="{468D9ADD-CC3F-4DEB-87EF-630A12738E73}" type="datetime1">
               <a:rPr lang="en-US" smtClean="0"/>
-              <a:t>10/30/23</a:t>
+              <a:t>10/31/23</a:t>
             </a:fld>
             <a:endParaRPr lang="en-US"/>
           </a:p>
@@ -2453,7 +2453,7 @@
           <a:p>
             <a:fld id="{EC5B69B2-D125-4E7B-AA17-A8B6ACE8892E}" type="datetime1">
               <a:rPr lang="en-US" smtClean="0"/>
-              <a:t>10/30/23</a:t>
+              <a:t>10/31/23</a:t>
             </a:fld>
             <a:endParaRPr lang="en-US"/>
           </a:p>
@@ -2764,7 +2764,7 @@
           <a:p>
             <a:fld id="{BBE08CD8-AC86-4874-9FD2-AC99DC82CF46}" type="datetime1">
               <a:rPr lang="en-US" smtClean="0"/>
-              <a:t>10/30/23</a:t>
+              <a:t>10/31/23</a:t>
             </a:fld>
             <a:endParaRPr lang="en-US"/>
           </a:p>
@@ -3055,7 +3055,7 @@
           <a:p>
             <a:fld id="{3B82CD6C-2ADC-45ED-BCAD-25C1101DE6B9}" type="datetime1">
               <a:rPr lang="en-US" smtClean="0"/>
-              <a:t>10/30/23</a:t>
+              <a:t>10/31/23</a:t>
             </a:fld>
             <a:endParaRPr lang="en-US"/>
           </a:p>
@@ -3296,7 +3296,7 @@
           <a:p>
             <a:fld id="{BCB570C2-D09B-4F14-B535-9A0AFE946BB3}" type="datetime1">
               <a:rPr lang="en-US" smtClean="0"/>
-              <a:t>10/30/23</a:t>
+              <a:t>10/31/23</a:t>
             </a:fld>
             <a:endParaRPr lang="en-US"/>
           </a:p>
@@ -4367,16 +4367,16 @@
         </p:blipFill>
         <p:spPr>
           <a:xfrm>
-            <a:off x="697498" y="1083295"/>
-            <a:ext cx="4779971" cy="1883019"/>
+            <a:off x="697497" y="1083294"/>
+            <a:ext cx="4781608" cy="1883664"/>
           </a:xfrm>
           <a:prstGeom prst="rect">
             <a:avLst/>
           </a:prstGeom>
         </p:spPr>
       </p:pic>
-      <mc:AlternateContent xmlns:mc="http://schemas.openxmlformats.org/markup-compatibility/2006">
-        <mc:Choice xmlns:a14="http://schemas.microsoft.com/office/drawing/2010/main" Requires="a14">
+      <mc:AlternateContent xmlns:mc="http://schemas.openxmlformats.org/markup-compatibility/2006" xmlns:a14="http://schemas.microsoft.com/office/drawing/2010/main">
+        <mc:Choice Requires="a14">
           <p:sp>
             <p:nvSpPr>
               <p:cNvPr id="8" name="TextBox 7">
@@ -4634,7 +4634,7 @@
             </p:txBody>
           </p:sp>
         </mc:Choice>
-        <mc:Fallback>
+        <mc:Fallback xmlns="">
           <p:sp>
             <p:nvSpPr>
               <p:cNvPr id="8" name="TextBox 7">
@@ -4974,6 +4974,170 @@
           </a:fontRef>
         </p:style>
       </p:cxnSp>
+      <mc:AlternateContent xmlns:mc="http://schemas.openxmlformats.org/markup-compatibility/2006" xmlns:a14="http://schemas.microsoft.com/office/drawing/2010/main">
+        <mc:Choice Requires="a14">
+          <p:sp>
+            <p:nvSpPr>
+              <p:cNvPr id="3" name="TextBox 2">
+                <a:extLst>
+                  <a:ext uri="{FF2B5EF4-FFF2-40B4-BE49-F238E27FC236}">
+                    <a16:creationId xmlns:a16="http://schemas.microsoft.com/office/drawing/2014/main" id="{FB06C662-8E66-D05B-EF1B-A946EE46A78F}"/>
+                  </a:ext>
+                </a:extLst>
+              </p:cNvPr>
+              <p:cNvSpPr txBox="1"/>
+              <p:nvPr/>
+            </p:nvSpPr>
+            <p:spPr>
+              <a:xfrm>
+                <a:off x="6205210" y="6304719"/>
+                <a:ext cx="3339569" cy="391582"/>
+              </a:xfrm>
+              <a:prstGeom prst="rect">
+                <a:avLst/>
+              </a:prstGeom>
+              <a:noFill/>
+            </p:spPr>
+            <p:txBody>
+              <a:bodyPr wrap="none" rtlCol="0">
+                <a:spAutoFit/>
+              </a:bodyPr>
+              <a:lstStyle/>
+              <a:p>
+                <a:r>
+                  <a:rPr lang="en-US" dirty="0"/>
+                  <a:t>Using: </a:t>
+                </a:r>
+                <a14:m>
+                  <m:oMath xmlns:m="http://schemas.openxmlformats.org/officeDocument/2006/math">
+                    <m:sSub>
+                      <m:sSubPr>
+                        <m:ctrlPr>
+                          <a:rPr lang="en-US" b="0" i="1" smtClean="0">
+                            <a:latin typeface="Cambria Math" panose="02040503050406030204" pitchFamily="18" charset="0"/>
+                          </a:rPr>
+                        </m:ctrlPr>
+                      </m:sSubPr>
+                      <m:e>
+                        <m:r>
+                          <a:rPr lang="en-US" b="0" i="1" smtClean="0">
+                            <a:latin typeface="Cambria Math" panose="02040503050406030204" pitchFamily="18" charset="0"/>
+                          </a:rPr>
+                          <m:t>𝛾</m:t>
+                        </m:r>
+                      </m:e>
+                      <m:sub>
+                        <m:r>
+                          <a:rPr lang="en-US" b="0" i="1" smtClean="0">
+                            <a:latin typeface="Cambria Math" panose="02040503050406030204" pitchFamily="18" charset="0"/>
+                          </a:rPr>
+                          <m:t>𝑝𝑚</m:t>
+                        </m:r>
+                        <m:r>
+                          <a:rPr lang="en-US" b="0" i="1" smtClean="0">
+                            <a:latin typeface="Cambria Math" panose="02040503050406030204" pitchFamily="18" charset="0"/>
+                          </a:rPr>
+                          <m:t>1550</m:t>
+                        </m:r>
+                      </m:sub>
+                    </m:sSub>
+                    <m:r>
+                      <a:rPr lang="en-US" b="0" i="1" smtClean="0">
+                        <a:latin typeface="Cambria Math" panose="02040503050406030204" pitchFamily="18" charset="0"/>
+                      </a:rPr>
+                      <m:t>=1.2,</m:t>
+                    </m:r>
+                  </m:oMath>
+                </a14:m>
+                <a:r>
+                  <a:rPr lang="en-US" dirty="0"/>
+                  <a:t> </a:t>
+                </a:r>
+                <a14:m>
+                  <m:oMath xmlns:m="http://schemas.openxmlformats.org/officeDocument/2006/math">
+                    <m:sSub>
+                      <m:sSubPr>
+                        <m:ctrlPr>
+                          <a:rPr lang="en-US" i="1">
+                            <a:latin typeface="Cambria Math" panose="02040503050406030204" pitchFamily="18" charset="0"/>
+                          </a:rPr>
+                        </m:ctrlPr>
+                      </m:sSubPr>
+                      <m:e>
+                        <m:r>
+                          <a:rPr lang="en-US" i="1">
+                            <a:latin typeface="Cambria Math" panose="02040503050406030204" pitchFamily="18" charset="0"/>
+                          </a:rPr>
+                          <m:t>𝛾</m:t>
+                        </m:r>
+                      </m:e>
+                      <m:sub>
+                        <m:r>
+                          <a:rPr lang="en-US" i="1">
+                            <a:latin typeface="Cambria Math" panose="02040503050406030204" pitchFamily="18" charset="0"/>
+                          </a:rPr>
+                          <m:t>𝑒𝑑𝑓</m:t>
+                        </m:r>
+                      </m:sub>
+                    </m:sSub>
+                    <m:r>
+                      <a:rPr lang="en-US" i="1">
+                        <a:latin typeface="Cambria Math" panose="02040503050406030204" pitchFamily="18" charset="0"/>
+                      </a:rPr>
+                      <m:t>=6.5</m:t>
+                    </m:r>
+                  </m:oMath>
+                </a14:m>
+                <a:endParaRPr lang="en-US" dirty="0"/>
+              </a:p>
+            </p:txBody>
+          </p:sp>
+        </mc:Choice>
+        <mc:Fallback xmlns="">
+          <p:sp>
+            <p:nvSpPr>
+              <p:cNvPr id="3" name="TextBox 2">
+                <a:extLst>
+                  <a:ext uri="{FF2B5EF4-FFF2-40B4-BE49-F238E27FC236}">
+                    <a16:creationId xmlns:a16="http://schemas.microsoft.com/office/drawing/2014/main" id="{FB06C662-8E66-D05B-EF1B-A946EE46A78F}"/>
+                  </a:ext>
+                </a:extLst>
+              </p:cNvPr>
+              <p:cNvSpPr txBox="1">
+                <a:spLocks noRot="1" noChangeAspect="1" noMove="1" noResize="1" noEditPoints="1" noAdjustHandles="1" noChangeArrowheads="1" noChangeShapeType="1" noTextEdit="1"/>
+              </p:cNvSpPr>
+              <p:nvPr/>
+            </p:nvSpPr>
+            <p:spPr>
+              <a:xfrm>
+                <a:off x="6205210" y="6304719"/>
+                <a:ext cx="3339569" cy="391582"/>
+              </a:xfrm>
+              <a:prstGeom prst="rect">
+                <a:avLst/>
+              </a:prstGeom>
+              <a:blipFill>
+                <a:blip r:embed="rId7"/>
+                <a:stretch>
+                  <a:fillRect l="-1515" t="-6250" b="-18750"/>
+                </a:stretch>
+              </a:blipFill>
+            </p:spPr>
+            <p:txBody>
+              <a:bodyPr/>
+              <a:lstStyle/>
+              <a:p>
+                <a:r>
+                  <a:rPr lang="en-US">
+                    <a:noFill/>
+                  </a:rPr>
+                  <a:t> </a:t>
+                </a:r>
+              </a:p>
+            </p:txBody>
+          </p:sp>
+        </mc:Fallback>
+      </mc:AlternateContent>
     </p:spTree>
     <p:extLst>
       <p:ext uri="{BB962C8B-B14F-4D97-AF65-F5344CB8AC3E}">
@@ -5316,8 +5480,8 @@
           </p:txBody>
         </p:sp>
       </p:grpSp>
-      <mc:AlternateContent xmlns:mc="http://schemas.openxmlformats.org/markup-compatibility/2006">
-        <mc:Choice xmlns:a14="http://schemas.microsoft.com/office/drawing/2010/main" Requires="a14">
+      <mc:AlternateContent xmlns:mc="http://schemas.openxmlformats.org/markup-compatibility/2006" xmlns:a14="http://schemas.microsoft.com/office/drawing/2010/main">
+        <mc:Choice Requires="a14">
           <p:sp>
             <p:nvSpPr>
               <p:cNvPr id="11" name="TextBox 10">
@@ -5420,7 +5584,7 @@
             </p:txBody>
           </p:sp>
         </mc:Choice>
-        <mc:Fallback>
+        <mc:Fallback xmlns="">
           <p:sp>
             <p:nvSpPr>
               <p:cNvPr id="11" name="TextBox 10">
@@ -5465,8 +5629,8 @@
           </p:sp>
         </mc:Fallback>
       </mc:AlternateContent>
-      <mc:AlternateContent xmlns:mc="http://schemas.openxmlformats.org/markup-compatibility/2006">
-        <mc:Choice xmlns:a14="http://schemas.microsoft.com/office/drawing/2010/main" Requires="a14">
+      <mc:AlternateContent xmlns:mc="http://schemas.openxmlformats.org/markup-compatibility/2006" xmlns:a14="http://schemas.microsoft.com/office/drawing/2010/main">
+        <mc:Choice Requires="a14">
           <p:sp>
             <p:nvSpPr>
               <p:cNvPr id="13" name="TextBox 12">
@@ -5501,6 +5665,7 @@
                 </a:r>
               </a:p>
               <a:p>
+                <a:pPr/>
                 <a14:m>
                   <m:oMathPara xmlns:m="http://schemas.openxmlformats.org/officeDocument/2006/math">
                     <m:oMathParaPr>
@@ -5571,7 +5736,7 @@
             </p:txBody>
           </p:sp>
         </mc:Choice>
-        <mc:Fallback>
+        <mc:Fallback xmlns="">
           <p:sp>
             <p:nvSpPr>
               <p:cNvPr id="13" name="TextBox 12">
@@ -5935,8 +6100,8 @@
           </a:p>
         </p:txBody>
       </p:sp>
-      <mc:AlternateContent xmlns:mc="http://schemas.openxmlformats.org/markup-compatibility/2006">
-        <mc:Choice xmlns:a14="http://schemas.microsoft.com/office/drawing/2010/main" Requires="a14">
+      <mc:AlternateContent xmlns:mc="http://schemas.openxmlformats.org/markup-compatibility/2006" xmlns:a14="http://schemas.microsoft.com/office/drawing/2010/main">
+        <mc:Choice Requires="a14">
           <p:sp>
             <p:nvSpPr>
               <p:cNvPr id="11" name="TextBox 10">
@@ -6039,7 +6204,7 @@
             </p:txBody>
           </p:sp>
         </mc:Choice>
-        <mc:Fallback>
+        <mc:Fallback xmlns="">
           <p:sp>
             <p:nvSpPr>
               <p:cNvPr id="11" name="TextBox 10">
@@ -6084,8 +6249,8 @@
           </p:sp>
         </mc:Fallback>
       </mc:AlternateContent>
-      <mc:AlternateContent xmlns:mc="http://schemas.openxmlformats.org/markup-compatibility/2006">
-        <mc:Choice xmlns:a14="http://schemas.microsoft.com/office/drawing/2010/main" Requires="a14">
+      <mc:AlternateContent xmlns:mc="http://schemas.openxmlformats.org/markup-compatibility/2006" xmlns:a14="http://schemas.microsoft.com/office/drawing/2010/main">
+        <mc:Choice Requires="a14">
           <p:sp>
             <p:nvSpPr>
               <p:cNvPr id="12" name="TextBox 11">
@@ -6120,6 +6285,7 @@
                 </a:r>
               </a:p>
               <a:p>
+                <a:pPr/>
                 <a14:m>
                   <m:oMathPara xmlns:m="http://schemas.openxmlformats.org/officeDocument/2006/math">
                     <m:oMathParaPr>
@@ -6190,7 +6356,7 @@
             </p:txBody>
           </p:sp>
         </mc:Choice>
-        <mc:Fallback>
+        <mc:Fallback xmlns="">
           <p:sp>
             <p:nvSpPr>
               <p:cNvPr id="12" name="TextBox 11">
@@ -6638,8 +6804,8 @@
           </a:p>
         </p:txBody>
       </p:sp>
-      <mc:AlternateContent xmlns:mc="http://schemas.openxmlformats.org/markup-compatibility/2006">
-        <mc:Choice xmlns:a14="http://schemas.microsoft.com/office/drawing/2010/main" Requires="a14">
+      <mc:AlternateContent xmlns:mc="http://schemas.openxmlformats.org/markup-compatibility/2006" xmlns:a14="http://schemas.microsoft.com/office/drawing/2010/main">
+        <mc:Choice Requires="a14">
           <p:sp>
             <p:nvSpPr>
               <p:cNvPr id="12" name="TextBox 11">
@@ -6680,7 +6846,7 @@
                 </a:pPr>
                 <a:r>
                   <a:rPr lang="en-US" sz="1400" dirty="0"/>
-                  <a:t>I think it has a similar effect as pushing the cavity more anomalous, even if the round-trip dispersion is kept the same. </a:t>
+                  <a:t>I think it has a similar effect as pushing the cavity more anomalous, even if the round-trip dispersion is kept the same?</a:t>
                 </a:r>
               </a:p>
               <a:p>
@@ -6754,7 +6920,7 @@
             </p:txBody>
           </p:sp>
         </mc:Choice>
-        <mc:Fallback>
+        <mc:Fallback xmlns="">
           <p:sp>
             <p:nvSpPr>
               <p:cNvPr id="12" name="TextBox 11">
@@ -8166,8 +8332,8 @@
           </mc:Fallback>
         </mc:AlternateContent>
       </p:grpSp>
-      <mc:AlternateContent xmlns:mc="http://schemas.openxmlformats.org/markup-compatibility/2006">
-        <mc:Choice xmlns:a14="http://schemas.microsoft.com/office/drawing/2010/main" Requires="a14">
+      <mc:AlternateContent xmlns:mc="http://schemas.openxmlformats.org/markup-compatibility/2006" xmlns:a14="http://schemas.microsoft.com/office/drawing/2010/main">
+        <mc:Choice Requires="a14">
           <p:sp>
             <p:nvSpPr>
               <p:cNvPr id="17" name="TextBox 16">
@@ -8343,7 +8509,7 @@
             </p:txBody>
           </p:sp>
         </mc:Choice>
-        <mc:Fallback>
+        <mc:Fallback xmlns="">
           <p:sp>
             <p:nvSpPr>
               <p:cNvPr id="17" name="TextBox 16">
@@ -8481,7 +8647,7 @@
         <p:spPr>
           <a:xfrm>
             <a:off x="9742130" y="4268010"/>
-            <a:ext cx="2290884" cy="369332"/>
+            <a:ext cx="2005742" cy="369332"/>
           </a:xfrm>
           <a:prstGeom prst="rect">
             <a:avLst/>
@@ -8500,13 +8666,13 @@
                   <a:srgbClr val="00B0F0"/>
                 </a:solidFill>
               </a:rPr>
-              <a:t>Spontaneous emission</a:t>
+              <a:t>Spontaneous decay</a:t>
             </a:r>
           </a:p>
         </p:txBody>
       </p:sp>
-      <mc:AlternateContent xmlns:mc="http://schemas.openxmlformats.org/markup-compatibility/2006">
-        <mc:Choice xmlns:a14="http://schemas.microsoft.com/office/drawing/2010/main" Requires="a14">
+      <mc:AlternateContent xmlns:mc="http://schemas.openxmlformats.org/markup-compatibility/2006" xmlns:a14="http://schemas.microsoft.com/office/drawing/2010/main">
+        <mc:Choice Requires="a14">
           <p:sp>
             <p:nvSpPr>
               <p:cNvPr id="18" name="TextBox 17">
@@ -8682,7 +8848,7 @@
             </p:txBody>
           </p:sp>
         </mc:Choice>
-        <mc:Fallback>
+        <mc:Fallback xmlns="">
           <p:sp>
             <p:nvSpPr>
               <p:cNvPr id="18" name="TextBox 17">
@@ -10423,8 +10589,8 @@
           </a:p>
         </p:txBody>
       </p:sp>
-      <mc:AlternateContent xmlns:mc="http://schemas.openxmlformats.org/markup-compatibility/2006">
-        <mc:Choice xmlns:a14="http://schemas.microsoft.com/office/drawing/2010/main" Requires="a14">
+      <mc:AlternateContent xmlns:mc="http://schemas.openxmlformats.org/markup-compatibility/2006" xmlns:a14="http://schemas.microsoft.com/office/drawing/2010/main">
+        <mc:Choice Requires="a14">
           <p:sp>
             <p:nvSpPr>
               <p:cNvPr id="15" name="TextBox 14">
@@ -10531,7 +10697,7 @@
             </p:txBody>
           </p:sp>
         </mc:Choice>
-        <mc:Fallback>
+        <mc:Fallback xmlns="">
           <p:sp>
             <p:nvSpPr>
               <p:cNvPr id="15" name="TextBox 14">

--- a/memo.pptx
+++ b/memo.pptx
@@ -5,7 +5,7 @@
     <p:sldMasterId id="2147483648" r:id="rId1"/>
   </p:sldMasterIdLst>
   <p:notesMasterIdLst>
-    <p:notesMasterId r:id="rId15"/>
+    <p:notesMasterId r:id="rId16"/>
   </p:notesMasterIdLst>
   <p:sldIdLst>
     <p:sldId id="278" r:id="rId2"/>
@@ -18,9 +18,10 @@
     <p:sldId id="276" r:id="rId9"/>
     <p:sldId id="281" r:id="rId10"/>
     <p:sldId id="282" r:id="rId11"/>
-    <p:sldId id="277" r:id="rId12"/>
-    <p:sldId id="279" r:id="rId13"/>
-    <p:sldId id="280" r:id="rId14"/>
+    <p:sldId id="283" r:id="rId12"/>
+    <p:sldId id="277" r:id="rId13"/>
+    <p:sldId id="279" r:id="rId14"/>
+    <p:sldId id="280" r:id="rId15"/>
   </p:sldIdLst>
   <p:sldSz cx="12192000" cy="6858000"/>
   <p:notesSz cx="6858000" cy="9144000"/>
@@ -4219,7 +4220,7 @@
           <a:bodyPr/>
           <a:lstStyle/>
           <a:p>
-            <a:endParaRPr lang="en-US"/>
+            <a:endParaRPr lang="en-US" dirty="0"/>
           </a:p>
         </p:txBody>
       </p:sp>
@@ -5173,7 +5174,7 @@
           <p:cNvPr id="2" name="Title 1">
             <a:extLst>
               <a:ext uri="{FF2B5EF4-FFF2-40B4-BE49-F238E27FC236}">
-                <a16:creationId xmlns:a16="http://schemas.microsoft.com/office/drawing/2014/main" id="{39E30EFF-0874-0215-F994-C9C7512D2A5B}"/>
+                <a16:creationId xmlns:a16="http://schemas.microsoft.com/office/drawing/2014/main" id="{1201BFAD-BD48-A43D-73C7-9E8DB67DDF48}"/>
               </a:ext>
             </a:extLst>
           </p:cNvPr>
@@ -5191,7 +5192,7 @@
           <a:p>
             <a:r>
               <a:rPr lang="en-US" dirty="0"/>
-              <a:t>200 MHz</a:t>
+              <a:t>Looking for stability</a:t>
             </a:r>
           </a:p>
         </p:txBody>
@@ -5201,7 +5202,7 @@
           <p:cNvPr id="3" name="Slide Number Placeholder 2">
             <a:extLst>
               <a:ext uri="{FF2B5EF4-FFF2-40B4-BE49-F238E27FC236}">
-                <a16:creationId xmlns:a16="http://schemas.microsoft.com/office/drawing/2014/main" id="{3EEC6729-D725-6619-81B8-12E40889E39D}"/>
+                <a16:creationId xmlns:a16="http://schemas.microsoft.com/office/drawing/2014/main" id="{EDB5526C-1E30-EB6C-24AB-AD714B840ABE}"/>
               </a:ext>
             </a:extLst>
           </p:cNvPr>
@@ -5220,6 +5221,539 @@
             <a:fld id="{B9982081-D51A-40C8-8A41-6498517A0DD4}" type="slidenum">
               <a:rPr lang="en-US" smtClean="0"/>
               <a:t>11</a:t>
+            </a:fld>
+            <a:endParaRPr lang="en-US" dirty="0"/>
+          </a:p>
+        </p:txBody>
+      </p:sp>
+      <p:pic>
+        <p:nvPicPr>
+          <p:cNvPr id="4" name="ezgif.com-gif-to-mp4">
+            <a:hlinkClick r:id="" action="ppaction://media"/>
+            <a:extLst>
+              <a:ext uri="{FF2B5EF4-FFF2-40B4-BE49-F238E27FC236}">
+                <a16:creationId xmlns:a16="http://schemas.microsoft.com/office/drawing/2014/main" id="{1C5E577D-8230-07C7-C200-647FFC831234}"/>
+              </a:ext>
+            </a:extLst>
+          </p:cNvPr>
+          <p:cNvPicPr>
+            <a:picLocks noChangeAspect="1"/>
+          </p:cNvPicPr>
+          <p:nvPr>
+            <a:videoFile r:link="rId2"/>
+            <p:extLst>
+              <p:ext uri="{DAA4B4D4-6D71-4841-9C94-3DE7FCFB9230}">
+                <p14:media xmlns:p14="http://schemas.microsoft.com/office/powerpoint/2010/main" r:embed="rId1"/>
+              </p:ext>
+            </p:extLst>
+          </p:nvPr>
+        </p:nvPicPr>
+        <p:blipFill>
+          <a:blip r:embed="rId4"/>
+          <a:stretch>
+            <a:fillRect/>
+          </a:stretch>
+        </p:blipFill>
+        <p:spPr>
+          <a:xfrm>
+            <a:off x="190463" y="1703498"/>
+            <a:ext cx="6511551" cy="4883663"/>
+          </a:xfrm>
+          <a:prstGeom prst="rect">
+            <a:avLst/>
+          </a:prstGeom>
+        </p:spPr>
+      </p:pic>
+      <p:sp>
+        <p:nvSpPr>
+          <p:cNvPr id="6" name="TextBox 5">
+            <a:extLst>
+              <a:ext uri="{FF2B5EF4-FFF2-40B4-BE49-F238E27FC236}">
+                <a16:creationId xmlns:a16="http://schemas.microsoft.com/office/drawing/2014/main" id="{105139A3-90F2-D956-44B5-2B2ECA0563D4}"/>
+              </a:ext>
+            </a:extLst>
+          </p:cNvPr>
+          <p:cNvSpPr txBox="1"/>
+          <p:nvPr/>
+        </p:nvSpPr>
+        <p:spPr>
+          <a:xfrm>
+            <a:off x="7164593" y="1355464"/>
+            <a:ext cx="3948056" cy="2862322"/>
+          </a:xfrm>
+          <a:prstGeom prst="rect">
+            <a:avLst/>
+          </a:prstGeom>
+          <a:noFill/>
+        </p:spPr>
+        <p:txBody>
+          <a:bodyPr wrap="square" rtlCol="0">
+            <a:spAutoFit/>
+          </a:bodyPr>
+          <a:lstStyle/>
+          <a:p>
+            <a:r>
+              <a:rPr lang="en-US" dirty="0"/>
+              <a:t>Run simulation until output spectrum doesn’t differ from the previous by more than some threshold</a:t>
+            </a:r>
+          </a:p>
+          <a:p>
+            <a:endParaRPr lang="en-US" dirty="0"/>
+          </a:p>
+          <a:p>
+            <a:r>
+              <a:rPr lang="en-US" dirty="0"/>
+              <a:t>Seed with a 1 </a:t>
+            </a:r>
+            <a:r>
+              <a:rPr lang="en-US" dirty="0" err="1"/>
+              <a:t>mW</a:t>
+            </a:r>
+            <a:r>
+              <a:rPr lang="en-US" dirty="0"/>
+              <a:t> 2ps pulse. (So, kind of skip to the middle where you already have quasi-CW?)</a:t>
+            </a:r>
+          </a:p>
+          <a:p>
+            <a:endParaRPr lang="en-US" dirty="0"/>
+          </a:p>
+          <a:p>
+            <a:r>
+              <a:rPr lang="en-US" dirty="0"/>
+              <a:t>If loop counts exceed 500, then cavity is deemed unstable. </a:t>
+            </a:r>
+          </a:p>
+        </p:txBody>
+      </p:sp>
+      <p:sp>
+        <p:nvSpPr>
+          <p:cNvPr id="7" name="TextBox 6">
+            <a:extLst>
+              <a:ext uri="{FF2B5EF4-FFF2-40B4-BE49-F238E27FC236}">
+                <a16:creationId xmlns:a16="http://schemas.microsoft.com/office/drawing/2014/main" id="{855D8917-E82B-26A2-8AFC-D4F9EE67AC87}"/>
+              </a:ext>
+            </a:extLst>
+          </p:cNvPr>
+          <p:cNvSpPr txBox="1"/>
+          <p:nvPr/>
+        </p:nvSpPr>
+        <p:spPr>
+          <a:xfrm>
+            <a:off x="1183342" y="1057167"/>
+            <a:ext cx="5325035" cy="646331"/>
+          </a:xfrm>
+          <a:prstGeom prst="rect">
+            <a:avLst/>
+          </a:prstGeom>
+          <a:noFill/>
+        </p:spPr>
+        <p:txBody>
+          <a:bodyPr wrap="square" rtlCol="0">
+            <a:spAutoFit/>
+          </a:bodyPr>
+          <a:lstStyle/>
+          <a:p>
+            <a:r>
+              <a:rPr lang="en-US" b="1" dirty="0"/>
+              <a:t>Output spectrum for 200 MHz, 11 cm straight section, 4 </a:t>
+            </a:r>
+            <a:r>
+              <a:rPr lang="en-US" b="1" dirty="0" err="1"/>
+              <a:t>ps</a:t>
+            </a:r>
+            <a:r>
+              <a:rPr lang="en-US" b="1" dirty="0"/>
+              <a:t>/nm/km round trip dispersion</a:t>
+            </a:r>
+          </a:p>
+        </p:txBody>
+      </p:sp>
+      <p:pic>
+        <p:nvPicPr>
+          <p:cNvPr id="13" name="Picture 12">
+            <a:extLst>
+              <a:ext uri="{FF2B5EF4-FFF2-40B4-BE49-F238E27FC236}">
+                <a16:creationId xmlns:a16="http://schemas.microsoft.com/office/drawing/2014/main" id="{269146B5-DA17-4E2E-AE7B-E67AABC2D9DB}"/>
+              </a:ext>
+            </a:extLst>
+          </p:cNvPr>
+          <p:cNvPicPr>
+            <a:picLocks noChangeAspect="1"/>
+          </p:cNvPicPr>
+          <p:nvPr/>
+        </p:nvPicPr>
+        <p:blipFill>
+          <a:blip r:embed="rId5"/>
+          <a:stretch>
+            <a:fillRect/>
+          </a:stretch>
+        </p:blipFill>
+        <p:spPr>
+          <a:xfrm>
+            <a:off x="6721433" y="4230867"/>
+            <a:ext cx="2514006" cy="1845216"/>
+          </a:xfrm>
+          <a:prstGeom prst="rect">
+            <a:avLst/>
+          </a:prstGeom>
+        </p:spPr>
+      </p:pic>
+      <p:pic>
+        <p:nvPicPr>
+          <p:cNvPr id="14" name="Picture 13">
+            <a:extLst>
+              <a:ext uri="{FF2B5EF4-FFF2-40B4-BE49-F238E27FC236}">
+                <a16:creationId xmlns:a16="http://schemas.microsoft.com/office/drawing/2014/main" id="{F0CD071E-678C-C3A7-BD3E-1596A3FB3CEF}"/>
+              </a:ext>
+            </a:extLst>
+          </p:cNvPr>
+          <p:cNvPicPr>
+            <a:picLocks noChangeAspect="1"/>
+          </p:cNvPicPr>
+          <p:nvPr/>
+        </p:nvPicPr>
+        <p:blipFill>
+          <a:blip r:embed="rId6"/>
+          <a:stretch>
+            <a:fillRect/>
+          </a:stretch>
+        </p:blipFill>
+        <p:spPr>
+          <a:xfrm>
+            <a:off x="9254859" y="4217786"/>
+            <a:ext cx="2514006" cy="1858297"/>
+          </a:xfrm>
+          <a:prstGeom prst="rect">
+            <a:avLst/>
+          </a:prstGeom>
+        </p:spPr>
+      </p:pic>
+      <p:sp>
+        <p:nvSpPr>
+          <p:cNvPr id="15" name="TextBox 14">
+            <a:extLst>
+              <a:ext uri="{FF2B5EF4-FFF2-40B4-BE49-F238E27FC236}">
+                <a16:creationId xmlns:a16="http://schemas.microsoft.com/office/drawing/2014/main" id="{B9CA9286-60F8-A18A-F23C-4CF1AE56523D}"/>
+              </a:ext>
+            </a:extLst>
+          </p:cNvPr>
+          <p:cNvSpPr txBox="1"/>
+          <p:nvPr/>
+        </p:nvSpPr>
+        <p:spPr>
+          <a:xfrm>
+            <a:off x="8304558" y="4592936"/>
+            <a:ext cx="1047217" cy="338554"/>
+          </a:xfrm>
+          <a:prstGeom prst="rect">
+            <a:avLst/>
+          </a:prstGeom>
+          <a:noFill/>
+        </p:spPr>
+        <p:txBody>
+          <a:bodyPr wrap="square" rtlCol="0">
+            <a:spAutoFit/>
+          </a:bodyPr>
+          <a:lstStyle/>
+          <a:p>
+            <a:r>
+              <a:rPr lang="en-US" sz="1600" dirty="0"/>
+              <a:t>unstable</a:t>
+            </a:r>
+          </a:p>
+        </p:txBody>
+      </p:sp>
+      <p:sp>
+        <p:nvSpPr>
+          <p:cNvPr id="17" name="TextBox 16">
+            <a:extLst>
+              <a:ext uri="{FF2B5EF4-FFF2-40B4-BE49-F238E27FC236}">
+                <a16:creationId xmlns:a16="http://schemas.microsoft.com/office/drawing/2014/main" id="{13C8176B-60E9-3933-7B0C-39C2C0454006}"/>
+              </a:ext>
+            </a:extLst>
+          </p:cNvPr>
+          <p:cNvSpPr txBox="1"/>
+          <p:nvPr/>
+        </p:nvSpPr>
+        <p:spPr>
+          <a:xfrm>
+            <a:off x="7065156" y="6125496"/>
+            <a:ext cx="4047493" cy="461665"/>
+          </a:xfrm>
+          <a:prstGeom prst="rect">
+            <a:avLst/>
+          </a:prstGeom>
+          <a:noFill/>
+        </p:spPr>
+        <p:txBody>
+          <a:bodyPr wrap="square" rtlCol="0">
+            <a:spAutoFit/>
+          </a:bodyPr>
+          <a:lstStyle/>
+          <a:p>
+            <a:r>
+              <a:rPr lang="en-US" sz="1200" dirty="0">
+                <a:solidFill>
+                  <a:srgbClr val="00B050"/>
+                </a:solidFill>
+              </a:rPr>
+              <a:t>Flip side is: the more anomalous the cavity, the higher pump the required pump current</a:t>
+            </a:r>
+          </a:p>
+        </p:txBody>
+      </p:sp>
+      <p:sp>
+        <p:nvSpPr>
+          <p:cNvPr id="18" name="TextBox 17">
+            <a:extLst>
+              <a:ext uri="{FF2B5EF4-FFF2-40B4-BE49-F238E27FC236}">
+                <a16:creationId xmlns:a16="http://schemas.microsoft.com/office/drawing/2014/main" id="{7A8AA4D6-C257-6E66-12E1-0A7A41EC2D9A}"/>
+              </a:ext>
+            </a:extLst>
+          </p:cNvPr>
+          <p:cNvSpPr txBox="1"/>
+          <p:nvPr/>
+        </p:nvSpPr>
+        <p:spPr>
+          <a:xfrm>
+            <a:off x="10954320" y="4592936"/>
+            <a:ext cx="1047217" cy="338554"/>
+          </a:xfrm>
+          <a:prstGeom prst="rect">
+            <a:avLst/>
+          </a:prstGeom>
+          <a:noFill/>
+        </p:spPr>
+        <p:txBody>
+          <a:bodyPr wrap="square" rtlCol="0">
+            <a:spAutoFit/>
+          </a:bodyPr>
+          <a:lstStyle/>
+          <a:p>
+            <a:r>
+              <a:rPr lang="en-US" sz="1600" dirty="0"/>
+              <a:t>stable</a:t>
+            </a:r>
+          </a:p>
+        </p:txBody>
+      </p:sp>
+    </p:spTree>
+    <p:extLst>
+      <p:ext uri="{BB962C8B-B14F-4D97-AF65-F5344CB8AC3E}">
+        <p14:creationId xmlns:p14="http://schemas.microsoft.com/office/powerpoint/2010/main" val="1903822799"/>
+      </p:ext>
+    </p:extLst>
+  </p:cSld>
+  <p:clrMapOvr>
+    <a:masterClrMapping/>
+  </p:clrMapOvr>
+  <p:timing>
+    <p:tnLst>
+      <p:par>
+        <p:cTn id="1" dur="indefinite" restart="never" nodeType="tmRoot">
+          <p:childTnLst>
+            <p:seq concurrent="1" nextAc="seek">
+              <p:cTn id="2" dur="indefinite" nodeType="mainSeq">
+                <p:childTnLst>
+                  <p:par>
+                    <p:cTn id="3" fill="hold">
+                      <p:stCondLst>
+                        <p:cond delay="indefinite"/>
+                      </p:stCondLst>
+                      <p:childTnLst>
+                        <p:par>
+                          <p:cTn id="4" fill="hold">
+                            <p:stCondLst>
+                              <p:cond delay="0"/>
+                            </p:stCondLst>
+                            <p:childTnLst>
+                              <p:par>
+                                <p:cTn id="5" presetID="1" presetClass="mediacall" presetSubtype="0" fill="hold" nodeType="clickEffect">
+                                  <p:stCondLst>
+                                    <p:cond delay="0"/>
+                                  </p:stCondLst>
+                                  <p:childTnLst>
+                                    <p:cmd type="call" cmd="playFrom(0.0)">
+                                      <p:cBhvr>
+                                        <p:cTn id="6" dur="36000" fill="hold"/>
+                                        <p:tgtEl>
+                                          <p:spTgt spid="4"/>
+                                        </p:tgtEl>
+                                      </p:cBhvr>
+                                    </p:cmd>
+                                  </p:childTnLst>
+                                </p:cTn>
+                              </p:par>
+                            </p:childTnLst>
+                          </p:cTn>
+                        </p:par>
+                      </p:childTnLst>
+                    </p:cTn>
+                  </p:par>
+                </p:childTnLst>
+              </p:cTn>
+              <p:prevCondLst>
+                <p:cond evt="onPrev" delay="0">
+                  <p:tgtEl>
+                    <p:sldTgt/>
+                  </p:tgtEl>
+                </p:cond>
+              </p:prevCondLst>
+              <p:nextCondLst>
+                <p:cond evt="onNext" delay="0">
+                  <p:tgtEl>
+                    <p:sldTgt/>
+                  </p:tgtEl>
+                </p:cond>
+              </p:nextCondLst>
+            </p:seq>
+            <p:video>
+              <p:cMediaNode vol="80000">
+                <p:cTn id="7" fill="hold" display="0">
+                  <p:stCondLst>
+                    <p:cond delay="indefinite"/>
+                  </p:stCondLst>
+                </p:cTn>
+                <p:tgtEl>
+                  <p:spTgt spid="4"/>
+                </p:tgtEl>
+              </p:cMediaNode>
+            </p:video>
+            <p:seq concurrent="1" nextAc="seek">
+              <p:cTn id="8" restart="whenNotActive" fill="hold" evtFilter="cancelBubble" nodeType="interactiveSeq">
+                <p:stCondLst>
+                  <p:cond evt="onClick" delay="0">
+                    <p:tgtEl>
+                      <p:spTgt spid="4"/>
+                    </p:tgtEl>
+                  </p:cond>
+                </p:stCondLst>
+                <p:endSync evt="end" delay="0">
+                  <p:rtn val="all"/>
+                </p:endSync>
+                <p:childTnLst>
+                  <p:par>
+                    <p:cTn id="9" fill="hold">
+                      <p:stCondLst>
+                        <p:cond delay="0"/>
+                      </p:stCondLst>
+                      <p:childTnLst>
+                        <p:par>
+                          <p:cTn id="10" fill="hold">
+                            <p:stCondLst>
+                              <p:cond delay="0"/>
+                            </p:stCondLst>
+                            <p:childTnLst>
+                              <p:par>
+                                <p:cTn id="11" presetID="2" presetClass="mediacall" presetSubtype="0" fill="hold" nodeType="clickEffect">
+                                  <p:stCondLst>
+                                    <p:cond delay="0"/>
+                                  </p:stCondLst>
+                                  <p:childTnLst>
+                                    <p:cmd type="call" cmd="togglePause">
+                                      <p:cBhvr>
+                                        <p:cTn id="12" dur="1" fill="hold"/>
+                                        <p:tgtEl>
+                                          <p:spTgt spid="4"/>
+                                        </p:tgtEl>
+                                      </p:cBhvr>
+                                    </p:cmd>
+                                  </p:childTnLst>
+                                </p:cTn>
+                              </p:par>
+                            </p:childTnLst>
+                          </p:cTn>
+                        </p:par>
+                      </p:childTnLst>
+                    </p:cTn>
+                  </p:par>
+                </p:childTnLst>
+              </p:cTn>
+              <p:nextCondLst>
+                <p:cond evt="onClick" delay="0">
+                  <p:tgtEl>
+                    <p:spTgt spid="4"/>
+                  </p:tgtEl>
+                </p:cond>
+              </p:nextCondLst>
+            </p:seq>
+          </p:childTnLst>
+        </p:cTn>
+      </p:par>
+    </p:tnLst>
+  </p:timing>
+</p:sld>
+</file>
+
+<file path=ppt/slides/slide12.xml><?xml version="1.0" encoding="utf-8"?>
+<p:sld xmlns:a="http://schemas.openxmlformats.org/drawingml/2006/main" xmlns:r="http://schemas.openxmlformats.org/officeDocument/2006/relationships" xmlns:p="http://schemas.openxmlformats.org/presentationml/2006/main">
+  <p:cSld>
+    <p:spTree>
+      <p:nvGrpSpPr>
+        <p:cNvPr id="1" name=""/>
+        <p:cNvGrpSpPr/>
+        <p:nvPr/>
+      </p:nvGrpSpPr>
+      <p:grpSpPr>
+        <a:xfrm>
+          <a:off x="0" y="0"/>
+          <a:ext cx="0" cy="0"/>
+          <a:chOff x="0" y="0"/>
+          <a:chExt cx="0" cy="0"/>
+        </a:xfrm>
+      </p:grpSpPr>
+      <p:sp>
+        <p:nvSpPr>
+          <p:cNvPr id="2" name="Title 1">
+            <a:extLst>
+              <a:ext uri="{FF2B5EF4-FFF2-40B4-BE49-F238E27FC236}">
+                <a16:creationId xmlns:a16="http://schemas.microsoft.com/office/drawing/2014/main" id="{39E30EFF-0874-0215-F994-C9C7512D2A5B}"/>
+              </a:ext>
+            </a:extLst>
+          </p:cNvPr>
+          <p:cNvSpPr>
+            <a:spLocks noGrp="1"/>
+          </p:cNvSpPr>
+          <p:nvPr>
+            <p:ph type="title"/>
+          </p:nvPr>
+        </p:nvSpPr>
+        <p:spPr/>
+        <p:txBody>
+          <a:bodyPr/>
+          <a:lstStyle/>
+          <a:p>
+            <a:r>
+              <a:rPr lang="en-US" dirty="0"/>
+              <a:t>200 MHz</a:t>
+            </a:r>
+          </a:p>
+        </p:txBody>
+      </p:sp>
+      <p:sp>
+        <p:nvSpPr>
+          <p:cNvPr id="3" name="Slide Number Placeholder 2">
+            <a:extLst>
+              <a:ext uri="{FF2B5EF4-FFF2-40B4-BE49-F238E27FC236}">
+                <a16:creationId xmlns:a16="http://schemas.microsoft.com/office/drawing/2014/main" id="{3EEC6729-D725-6619-81B8-12E40889E39D}"/>
+              </a:ext>
+            </a:extLst>
+          </p:cNvPr>
+          <p:cNvSpPr>
+            <a:spLocks noGrp="1"/>
+          </p:cNvSpPr>
+          <p:nvPr>
+            <p:ph type="sldNum" sz="quarter" idx="12"/>
+          </p:nvPr>
+        </p:nvSpPr>
+        <p:spPr/>
+        <p:txBody>
+          <a:bodyPr/>
+          <a:lstStyle/>
+          <a:p>
+            <a:fld id="{B9982081-D51A-40C8-8A41-6498517A0DD4}" type="slidenum">
+              <a:rPr lang="en-US" smtClean="0"/>
+              <a:t>12</a:t>
             </a:fld>
             <a:endParaRPr lang="en-US" dirty="0"/>
           </a:p>
@@ -5878,7 +6412,7 @@
 </p:sld>
 </file>
 
-<file path=ppt/slides/slide12.xml><?xml version="1.0" encoding="utf-8"?>
+<file path=ppt/slides/slide13.xml><?xml version="1.0" encoding="utf-8"?>
 <p:sld xmlns:a="http://schemas.openxmlformats.org/drawingml/2006/main" xmlns:r="http://schemas.openxmlformats.org/officeDocument/2006/relationships" xmlns:p="http://schemas.openxmlformats.org/presentationml/2006/main">
   <p:cSld>
     <p:spTree>
@@ -5946,93 +6480,12 @@
           <a:p>
             <a:fld id="{B9982081-D51A-40C8-8A41-6498517A0DD4}" type="slidenum">
               <a:rPr lang="en-US" smtClean="0"/>
-              <a:t>12</a:t>
+              <a:t>13</a:t>
             </a:fld>
             <a:endParaRPr lang="en-US"/>
           </a:p>
         </p:txBody>
       </p:sp>
-      <p:grpSp>
-        <p:nvGrpSpPr>
-          <p:cNvPr id="7" name="Group 6">
-            <a:extLst>
-              <a:ext uri="{FF2B5EF4-FFF2-40B4-BE49-F238E27FC236}">
-                <a16:creationId xmlns:a16="http://schemas.microsoft.com/office/drawing/2014/main" id="{7BCB966A-1876-70DB-1804-BCCC3AF3CEB8}"/>
-              </a:ext>
-            </a:extLst>
-          </p:cNvPr>
-          <p:cNvGrpSpPr/>
-          <p:nvPr/>
-        </p:nvGrpSpPr>
-        <p:grpSpPr>
-          <a:xfrm>
-            <a:off x="0" y="1450178"/>
-            <a:ext cx="10199510" cy="3824817"/>
-            <a:chOff x="160866" y="1028699"/>
-            <a:chExt cx="15544800" cy="5829301"/>
-          </a:xfrm>
-        </p:grpSpPr>
-        <p:pic>
-          <p:nvPicPr>
-            <p:cNvPr id="8" name="Picture 7">
-              <a:extLst>
-                <a:ext uri="{FF2B5EF4-FFF2-40B4-BE49-F238E27FC236}">
-                  <a16:creationId xmlns:a16="http://schemas.microsoft.com/office/drawing/2014/main" id="{DEEFD849-7FE9-0E25-5C4F-3A6A172D8C35}"/>
-                </a:ext>
-              </a:extLst>
-            </p:cNvPr>
-            <p:cNvPicPr>
-              <a:picLocks noChangeAspect="1"/>
-            </p:cNvPicPr>
-            <p:nvPr/>
-          </p:nvPicPr>
-          <p:blipFill>
-            <a:blip r:embed="rId2"/>
-            <a:stretch>
-              <a:fillRect/>
-            </a:stretch>
-          </p:blipFill>
-          <p:spPr>
-            <a:xfrm>
-              <a:off x="160866" y="1028700"/>
-              <a:ext cx="7772400" cy="5829300"/>
-            </a:xfrm>
-            <a:prstGeom prst="rect">
-              <a:avLst/>
-            </a:prstGeom>
-          </p:spPr>
-        </p:pic>
-        <p:pic>
-          <p:nvPicPr>
-            <p:cNvPr id="9" name="Picture 8">
-              <a:extLst>
-                <a:ext uri="{FF2B5EF4-FFF2-40B4-BE49-F238E27FC236}">
-                  <a16:creationId xmlns:a16="http://schemas.microsoft.com/office/drawing/2014/main" id="{5CDAD1ED-D62B-E426-C506-9C7EEE4DA88B}"/>
-                </a:ext>
-              </a:extLst>
-            </p:cNvPr>
-            <p:cNvPicPr>
-              <a:picLocks noChangeAspect="1"/>
-            </p:cNvPicPr>
-            <p:nvPr/>
-          </p:nvPicPr>
-          <p:blipFill>
-            <a:blip r:embed="rId3"/>
-            <a:stretch>
-              <a:fillRect/>
-            </a:stretch>
-          </p:blipFill>
-          <p:spPr>
-            <a:xfrm>
-              <a:off x="7933266" y="1028699"/>
-              <a:ext cx="7772400" cy="5829300"/>
-            </a:xfrm>
-            <a:prstGeom prst="rect">
-              <a:avLst/>
-            </a:prstGeom>
-          </p:spPr>
-        </p:pic>
-      </p:grpSp>
       <p:sp>
         <p:nvSpPr>
           <p:cNvPr id="10" name="TextBox 9">
@@ -6571,6 +7024,87 @@
           </a:p>
         </p:txBody>
       </p:sp>
+      <p:grpSp>
+        <p:nvGrpSpPr>
+          <p:cNvPr id="4" name="Group 3">
+            <a:extLst>
+              <a:ext uri="{FF2B5EF4-FFF2-40B4-BE49-F238E27FC236}">
+                <a16:creationId xmlns:a16="http://schemas.microsoft.com/office/drawing/2014/main" id="{D2BBD3ED-669D-F343-4EB5-23AC12D502BA}"/>
+              </a:ext>
+            </a:extLst>
+          </p:cNvPr>
+          <p:cNvGrpSpPr/>
+          <p:nvPr/>
+        </p:nvGrpSpPr>
+        <p:grpSpPr>
+          <a:xfrm>
+            <a:off x="130635" y="1511141"/>
+            <a:ext cx="10199510" cy="3824817"/>
+            <a:chOff x="160866" y="1028699"/>
+            <a:chExt cx="15544800" cy="5829301"/>
+          </a:xfrm>
+        </p:grpSpPr>
+        <p:pic>
+          <p:nvPicPr>
+            <p:cNvPr id="5" name="Picture 4">
+              <a:extLst>
+                <a:ext uri="{FF2B5EF4-FFF2-40B4-BE49-F238E27FC236}">
+                  <a16:creationId xmlns:a16="http://schemas.microsoft.com/office/drawing/2014/main" id="{17A94417-5EBD-6B7D-80FC-23185A4696FB}"/>
+                </a:ext>
+              </a:extLst>
+            </p:cNvPr>
+            <p:cNvPicPr>
+              <a:picLocks noChangeAspect="1"/>
+            </p:cNvPicPr>
+            <p:nvPr/>
+          </p:nvPicPr>
+          <p:blipFill>
+            <a:blip r:embed="rId6"/>
+            <a:stretch>
+              <a:fillRect/>
+            </a:stretch>
+          </p:blipFill>
+          <p:spPr>
+            <a:xfrm>
+              <a:off x="160866" y="1028700"/>
+              <a:ext cx="7772400" cy="5829300"/>
+            </a:xfrm>
+            <a:prstGeom prst="rect">
+              <a:avLst/>
+            </a:prstGeom>
+          </p:spPr>
+        </p:pic>
+        <p:pic>
+          <p:nvPicPr>
+            <p:cNvPr id="6" name="Picture 5">
+              <a:extLst>
+                <a:ext uri="{FF2B5EF4-FFF2-40B4-BE49-F238E27FC236}">
+                  <a16:creationId xmlns:a16="http://schemas.microsoft.com/office/drawing/2014/main" id="{79DF6768-8063-4490-CE31-C670D1BE1472}"/>
+                </a:ext>
+              </a:extLst>
+            </p:cNvPr>
+            <p:cNvPicPr>
+              <a:picLocks noChangeAspect="1"/>
+            </p:cNvPicPr>
+            <p:nvPr/>
+          </p:nvPicPr>
+          <p:blipFill>
+            <a:blip r:embed="rId7"/>
+            <a:stretch>
+              <a:fillRect/>
+            </a:stretch>
+          </p:blipFill>
+          <p:spPr>
+            <a:xfrm>
+              <a:off x="7933266" y="1028699"/>
+              <a:ext cx="7772400" cy="5829300"/>
+            </a:xfrm>
+            <a:prstGeom prst="rect">
+              <a:avLst/>
+            </a:prstGeom>
+          </p:spPr>
+        </p:pic>
+      </p:grpSp>
     </p:spTree>
     <p:extLst>
       <p:ext uri="{BB962C8B-B14F-4D97-AF65-F5344CB8AC3E}">
@@ -6584,7 +7118,7 @@
 </p:sld>
 </file>
 
-<file path=ppt/slides/slide13.xml><?xml version="1.0" encoding="utf-8"?>
+<file path=ppt/slides/slide14.xml><?xml version="1.0" encoding="utf-8"?>
 <p:sld xmlns:a="http://schemas.openxmlformats.org/drawingml/2006/main" xmlns:r="http://schemas.openxmlformats.org/officeDocument/2006/relationships" xmlns:p="http://schemas.openxmlformats.org/presentationml/2006/main">
   <p:cSld>
     <p:spTree>
@@ -6652,7 +7186,7 @@
           <a:p>
             <a:fld id="{B9982081-D51A-40C8-8A41-6498517A0DD4}" type="slidenum">
               <a:rPr lang="en-US" smtClean="0"/>
-              <a:t>13</a:t>
+              <a:t>14</a:t>
             </a:fld>
             <a:endParaRPr lang="en-US"/>
           </a:p>

--- a/memo.pptx
+++ b/memo.pptx
@@ -5257,7 +5257,7 @@
         <p:spPr>
           <a:xfrm>
             <a:off x="190463" y="1703498"/>
-            <a:ext cx="6511551" cy="4883663"/>
+            <a:ext cx="5000327" cy="3750245"/>
           </a:xfrm>
           <a:prstGeom prst="rect">
             <a:avLst/>
@@ -5278,8 +5278,8 @@
         </p:nvSpPr>
         <p:spPr>
           <a:xfrm>
-            <a:off x="7164593" y="1355464"/>
-            <a:ext cx="3948056" cy="2862322"/>
+            <a:off x="5306802" y="1559987"/>
+            <a:ext cx="6188511" cy="2031325"/>
           </a:xfrm>
           <a:prstGeom prst="rect">
             <a:avLst/>
@@ -5368,72 +5368,104 @@
           </a:p>
         </p:txBody>
       </p:sp>
-      <p:pic>
-        <p:nvPicPr>
-          <p:cNvPr id="13" name="Picture 12">
-            <a:extLst>
-              <a:ext uri="{FF2B5EF4-FFF2-40B4-BE49-F238E27FC236}">
-                <a16:creationId xmlns:a16="http://schemas.microsoft.com/office/drawing/2014/main" id="{269146B5-DA17-4E2E-AE7B-E67AABC2D9DB}"/>
-              </a:ext>
-            </a:extLst>
-          </p:cNvPr>
-          <p:cNvPicPr>
-            <a:picLocks noChangeAspect="1"/>
-          </p:cNvPicPr>
+      <p:grpSp>
+        <p:nvGrpSpPr>
+          <p:cNvPr id="21" name="Group 20">
+            <a:extLst>
+              <a:ext uri="{FF2B5EF4-FFF2-40B4-BE49-F238E27FC236}">
+                <a16:creationId xmlns:a16="http://schemas.microsoft.com/office/drawing/2014/main" id="{03F10711-D6BD-7DF0-812B-A593FAB775BF}"/>
+              </a:ext>
+            </a:extLst>
+          </p:cNvPr>
+          <p:cNvGrpSpPr/>
           <p:nvPr/>
-        </p:nvPicPr>
-        <p:blipFill>
-          <a:blip r:embed="rId5"/>
-          <a:stretch>
-            <a:fillRect/>
-          </a:stretch>
-        </p:blipFill>
-        <p:spPr>
+        </p:nvGrpSpPr>
+        <p:grpSpPr>
           <a:xfrm>
-            <a:off x="6721433" y="4230867"/>
-            <a:ext cx="2514006" cy="1845216"/>
+            <a:off x="5190792" y="3479583"/>
+            <a:ext cx="2580478" cy="1724008"/>
+            <a:chOff x="6721433" y="4230867"/>
+            <a:chExt cx="2761900" cy="1845216"/>
           </a:xfrm>
-          <a:prstGeom prst="rect">
-            <a:avLst/>
-          </a:prstGeom>
-        </p:spPr>
-      </p:pic>
-      <p:pic>
-        <p:nvPicPr>
-          <p:cNvPr id="14" name="Picture 13">
-            <a:extLst>
-              <a:ext uri="{FF2B5EF4-FFF2-40B4-BE49-F238E27FC236}">
-                <a16:creationId xmlns:a16="http://schemas.microsoft.com/office/drawing/2014/main" id="{F0CD071E-678C-C3A7-BD3E-1596A3FB3CEF}"/>
-              </a:ext>
-            </a:extLst>
-          </p:cNvPr>
-          <p:cNvPicPr>
-            <a:picLocks noChangeAspect="1"/>
-          </p:cNvPicPr>
-          <p:nvPr/>
-        </p:nvPicPr>
-        <p:blipFill>
-          <a:blip r:embed="rId6"/>
-          <a:stretch>
-            <a:fillRect/>
-          </a:stretch>
-        </p:blipFill>
-        <p:spPr>
-          <a:xfrm>
-            <a:off x="9254859" y="4217786"/>
-            <a:ext cx="2514006" cy="1858297"/>
-          </a:xfrm>
-          <a:prstGeom prst="rect">
-            <a:avLst/>
-          </a:prstGeom>
-        </p:spPr>
-      </p:pic>
+        </p:grpSpPr>
+        <p:pic>
+          <p:nvPicPr>
+            <p:cNvPr id="13" name="Picture 12">
+              <a:extLst>
+                <a:ext uri="{FF2B5EF4-FFF2-40B4-BE49-F238E27FC236}">
+                  <a16:creationId xmlns:a16="http://schemas.microsoft.com/office/drawing/2014/main" id="{269146B5-DA17-4E2E-AE7B-E67AABC2D9DB}"/>
+                </a:ext>
+              </a:extLst>
+            </p:cNvPr>
+            <p:cNvPicPr>
+              <a:picLocks noChangeAspect="1"/>
+            </p:cNvPicPr>
+            <p:nvPr/>
+          </p:nvPicPr>
+          <p:blipFill>
+            <a:blip r:embed="rId5"/>
+            <a:stretch>
+              <a:fillRect/>
+            </a:stretch>
+          </p:blipFill>
+          <p:spPr>
+            <a:xfrm>
+              <a:off x="6721433" y="4230867"/>
+              <a:ext cx="2514006" cy="1845216"/>
+            </a:xfrm>
+            <a:prstGeom prst="rect">
+              <a:avLst/>
+            </a:prstGeom>
+          </p:spPr>
+        </p:pic>
+        <p:sp>
+          <p:nvSpPr>
+            <p:cNvPr id="15" name="TextBox 14">
+              <a:extLst>
+                <a:ext uri="{FF2B5EF4-FFF2-40B4-BE49-F238E27FC236}">
+                  <a16:creationId xmlns:a16="http://schemas.microsoft.com/office/drawing/2014/main" id="{B9CA9286-60F8-A18A-F23C-4CF1AE56523D}"/>
+                </a:ext>
+              </a:extLst>
+            </p:cNvPr>
+            <p:cNvSpPr txBox="1"/>
+            <p:nvPr/>
+          </p:nvSpPr>
+          <p:spPr>
+            <a:xfrm>
+              <a:off x="8436116" y="4679256"/>
+              <a:ext cx="1047217" cy="625888"/>
+            </a:xfrm>
+            <a:prstGeom prst="rect">
+              <a:avLst/>
+            </a:prstGeom>
+            <a:noFill/>
+          </p:spPr>
+          <p:txBody>
+            <a:bodyPr wrap="square" rtlCol="0">
+              <a:spAutoFit/>
+            </a:bodyPr>
+            <a:lstStyle/>
+            <a:p>
+              <a:r>
+                <a:rPr lang="en-US" sz="1600" dirty="0"/>
+                <a:t>not </a:t>
+              </a:r>
+            </a:p>
+            <a:p>
+              <a:r>
+                <a:rPr lang="en-US" sz="1600" dirty="0"/>
+                <a:t>stable</a:t>
+              </a:r>
+            </a:p>
+          </p:txBody>
+        </p:sp>
+      </p:grpSp>
       <p:sp>
         <p:nvSpPr>
-          <p:cNvPr id="15" name="TextBox 14">
-            <a:extLst>
-              <a:ext uri="{FF2B5EF4-FFF2-40B4-BE49-F238E27FC236}">
-                <a16:creationId xmlns:a16="http://schemas.microsoft.com/office/drawing/2014/main" id="{B9CA9286-60F8-A18A-F23C-4CF1AE56523D}"/>
+          <p:cNvPr id="17" name="TextBox 16">
+            <a:extLst>
+              <a:ext uri="{FF2B5EF4-FFF2-40B4-BE49-F238E27FC236}">
+                <a16:creationId xmlns:a16="http://schemas.microsoft.com/office/drawing/2014/main" id="{13C8176B-60E9-3933-7B0C-39C2C0454006}"/>
               </a:ext>
             </a:extLst>
           </p:cNvPr>
@@ -5442,8 +5474,8 @@
         </p:nvSpPr>
         <p:spPr>
           <a:xfrm>
-            <a:off x="8304558" y="4592936"/>
-            <a:ext cx="1047217" cy="338554"/>
+            <a:off x="8047076" y="5286942"/>
+            <a:ext cx="2743200" cy="830997"/>
           </a:xfrm>
           <a:prstGeom prst="rect">
             <a:avLst/>
@@ -5457,86 +5489,132 @@
           <a:lstStyle/>
           <a:p>
             <a:r>
-              <a:rPr lang="en-US" sz="1600" dirty="0"/>
-              <a:t>unstable</a:t>
-            </a:r>
-          </a:p>
-        </p:txBody>
-      </p:sp>
-      <p:sp>
-        <p:nvSpPr>
-          <p:cNvPr id="17" name="TextBox 16">
-            <a:extLst>
-              <a:ext uri="{FF2B5EF4-FFF2-40B4-BE49-F238E27FC236}">
-                <a16:creationId xmlns:a16="http://schemas.microsoft.com/office/drawing/2014/main" id="{13C8176B-60E9-3933-7B0C-39C2C0454006}"/>
-              </a:ext>
-            </a:extLst>
-          </p:cNvPr>
-          <p:cNvSpPr txBox="1"/>
-          <p:nvPr/>
-        </p:nvSpPr>
-        <p:spPr>
-          <a:xfrm>
-            <a:off x="7065156" y="6125496"/>
-            <a:ext cx="4047493" cy="461665"/>
-          </a:xfrm>
-          <a:prstGeom prst="rect">
-            <a:avLst/>
-          </a:prstGeom>
-          <a:noFill/>
-        </p:spPr>
-        <p:txBody>
-          <a:bodyPr wrap="square" rtlCol="0">
-            <a:spAutoFit/>
-          </a:bodyPr>
-          <a:lstStyle/>
-          <a:p>
-            <a:r>
               <a:rPr lang="en-US" sz="1200" dirty="0">
                 <a:solidFill>
                   <a:srgbClr val="00B050"/>
                 </a:solidFill>
               </a:rPr>
-              <a:t>Flip side is: the more anomalous the cavity, the higher pump the required pump current</a:t>
+              <a:t>Being too normal doesn’t work. However, too anomalous is not good either as a higher pump current is needed to reach the same bandwidth.</a:t>
             </a:r>
           </a:p>
         </p:txBody>
       </p:sp>
-      <p:sp>
-        <p:nvSpPr>
-          <p:cNvPr id="18" name="TextBox 17">
-            <a:extLst>
-              <a:ext uri="{FF2B5EF4-FFF2-40B4-BE49-F238E27FC236}">
-                <a16:creationId xmlns:a16="http://schemas.microsoft.com/office/drawing/2014/main" id="{7A8AA4D6-C257-6E66-12E1-0A7A41EC2D9A}"/>
-              </a:ext>
-            </a:extLst>
-          </p:cNvPr>
-          <p:cNvSpPr txBox="1"/>
+      <p:grpSp>
+        <p:nvGrpSpPr>
+          <p:cNvPr id="22" name="Group 21">
+            <a:extLst>
+              <a:ext uri="{FF2B5EF4-FFF2-40B4-BE49-F238E27FC236}">
+                <a16:creationId xmlns:a16="http://schemas.microsoft.com/office/drawing/2014/main" id="{6B24A61D-47C6-BB19-742E-655ABD8EAB95}"/>
+              </a:ext>
+            </a:extLst>
+          </p:cNvPr>
+          <p:cNvGrpSpPr/>
           <p:nvPr/>
-        </p:nvSpPr>
+        </p:nvGrpSpPr>
+        <p:grpSpPr>
+          <a:xfrm>
+            <a:off x="7704796" y="3479584"/>
+            <a:ext cx="2566255" cy="1736230"/>
+            <a:chOff x="9254859" y="4217786"/>
+            <a:chExt cx="2746678" cy="1858297"/>
+          </a:xfrm>
+        </p:grpSpPr>
+        <p:pic>
+          <p:nvPicPr>
+            <p:cNvPr id="14" name="Picture 13">
+              <a:extLst>
+                <a:ext uri="{FF2B5EF4-FFF2-40B4-BE49-F238E27FC236}">
+                  <a16:creationId xmlns:a16="http://schemas.microsoft.com/office/drawing/2014/main" id="{F0CD071E-678C-C3A7-BD3E-1596A3FB3CEF}"/>
+                </a:ext>
+              </a:extLst>
+            </p:cNvPr>
+            <p:cNvPicPr>
+              <a:picLocks noChangeAspect="1"/>
+            </p:cNvPicPr>
+            <p:nvPr/>
+          </p:nvPicPr>
+          <p:blipFill>
+            <a:blip r:embed="rId6"/>
+            <a:stretch>
+              <a:fillRect/>
+            </a:stretch>
+          </p:blipFill>
+          <p:spPr>
+            <a:xfrm>
+              <a:off x="9254859" y="4217786"/>
+              <a:ext cx="2514006" cy="1858297"/>
+            </a:xfrm>
+            <a:prstGeom prst="rect">
+              <a:avLst/>
+            </a:prstGeom>
+          </p:spPr>
+        </p:pic>
+        <p:sp>
+          <p:nvSpPr>
+            <p:cNvPr id="18" name="TextBox 17">
+              <a:extLst>
+                <a:ext uri="{FF2B5EF4-FFF2-40B4-BE49-F238E27FC236}">
+                  <a16:creationId xmlns:a16="http://schemas.microsoft.com/office/drawing/2014/main" id="{7A8AA4D6-C257-6E66-12E1-0A7A41EC2D9A}"/>
+                </a:ext>
+              </a:extLst>
+            </p:cNvPr>
+            <p:cNvSpPr txBox="1"/>
+            <p:nvPr/>
+          </p:nvSpPr>
+          <p:spPr>
+            <a:xfrm>
+              <a:off x="10954320" y="4592936"/>
+              <a:ext cx="1047217" cy="338554"/>
+            </a:xfrm>
+            <a:prstGeom prst="rect">
+              <a:avLst/>
+            </a:prstGeom>
+            <a:noFill/>
+          </p:spPr>
+          <p:txBody>
+            <a:bodyPr wrap="square" rtlCol="0">
+              <a:spAutoFit/>
+            </a:bodyPr>
+            <a:lstStyle/>
+            <a:p>
+              <a:r>
+                <a:rPr lang="en-US" sz="1600" dirty="0"/>
+                <a:t>stable</a:t>
+              </a:r>
+            </a:p>
+          </p:txBody>
+        </p:sp>
+      </p:grpSp>
+      <p:pic>
+        <p:nvPicPr>
+          <p:cNvPr id="20" name="Picture 19">
+            <a:extLst>
+              <a:ext uri="{FF2B5EF4-FFF2-40B4-BE49-F238E27FC236}">
+                <a16:creationId xmlns:a16="http://schemas.microsoft.com/office/drawing/2014/main" id="{FEDA688B-F9FB-8E4F-3261-8BBD29D35F7E}"/>
+              </a:ext>
+            </a:extLst>
+          </p:cNvPr>
+          <p:cNvPicPr>
+            <a:picLocks noChangeAspect="1"/>
+          </p:cNvPicPr>
+          <p:nvPr/>
+        </p:nvPicPr>
+        <p:blipFill>
+          <a:blip r:embed="rId7"/>
+          <a:stretch>
+            <a:fillRect/>
+          </a:stretch>
+        </p:blipFill>
         <p:spPr>
           <a:xfrm>
-            <a:off x="10954320" y="4592936"/>
-            <a:ext cx="1047217" cy="338554"/>
+            <a:off x="5190790" y="5121770"/>
+            <a:ext cx="2754655" cy="1736230"/>
           </a:xfrm>
           <a:prstGeom prst="rect">
             <a:avLst/>
           </a:prstGeom>
-          <a:noFill/>
         </p:spPr>
-        <p:txBody>
-          <a:bodyPr wrap="square" rtlCol="0">
-            <a:spAutoFit/>
-          </a:bodyPr>
-          <a:lstStyle/>
-          <a:p>
-            <a:r>
-              <a:rPr lang="en-US" sz="1600" dirty="0"/>
-              <a:t>stable</a:t>
-            </a:r>
-          </a:p>
-        </p:txBody>
-      </p:sp>
+      </p:pic>
     </p:spTree>
     <p:extLst>
       <p:ext uri="{BB962C8B-B14F-4D97-AF65-F5344CB8AC3E}">
